--- a/meeting-notes/WorkFlowDiagrams.pptx
+++ b/meeting-notes/WorkFlowDiagrams.pptx
@@ -5,13 +5,16 @@
     <p:sldMasterId id="2147483648" r:id="rId1"/>
   </p:sldMasterIdLst>
   <p:notesMasterIdLst>
-    <p:notesMasterId r:id="rId6"/>
+    <p:notesMasterId r:id="rId9"/>
   </p:notesMasterIdLst>
   <p:sldIdLst>
     <p:sldId id="256" r:id="rId2"/>
-    <p:sldId id="257" r:id="rId3"/>
-    <p:sldId id="259" r:id="rId4"/>
-    <p:sldId id="258" r:id="rId5"/>
+    <p:sldId id="260" r:id="rId3"/>
+    <p:sldId id="257" r:id="rId4"/>
+    <p:sldId id="259" r:id="rId5"/>
+    <p:sldId id="261" r:id="rId6"/>
+    <p:sldId id="258" r:id="rId7"/>
+    <p:sldId id="262" r:id="rId8"/>
   </p:sldIdLst>
   <p:sldSz cx="12192000" cy="6858000"/>
   <p:notesSz cx="6858000" cy="9144000"/>
@@ -110,6 +113,11 @@
       </a:defRPr>
     </a:lvl9pPr>
   </p:defaultTextStyle>
+  <p:extLst>
+    <p:ext uri="{EFAFB233-063F-42B5-8137-9DF3F51BA10A}">
+      <p15:sldGuideLst xmlns:p15="http://schemas.microsoft.com/office/powerpoint/2012/main"/>
+    </p:ext>
+  </p:extLst>
 </p:presentation>
 </file>
 
@@ -195,7 +203,7 @@
           <a:p>
             <a:fld id="{7BDA92F8-9482-1145-B1E4-CE31E168D77D}" type="datetimeFigureOut">
               <a:rPr lang="en-US" smtClean="0"/>
-              <a:t>7/6/17</a:t>
+              <a:t>8/10/17</a:t>
             </a:fld>
             <a:endParaRPr lang="en-US"/>
           </a:p>
@@ -528,7 +536,7 @@
           <a:p>
             <a:fld id="{41AA1877-C0DC-7444-845F-24A0FAE907CA}" type="slidenum">
               <a:rPr lang="en-US" smtClean="0"/>
-              <a:t>2</a:t>
+              <a:t>3</a:t>
             </a:fld>
             <a:endParaRPr lang="en-US"/>
           </a:p>
@@ -678,7 +686,7 @@
           <a:p>
             <a:fld id="{150AD5B7-C160-7A4E-8FA5-E71465AAF732}" type="datetimeFigureOut">
               <a:rPr lang="en-US" smtClean="0"/>
-              <a:t>7/6/17</a:t>
+              <a:t>8/10/17</a:t>
             </a:fld>
             <a:endParaRPr lang="en-US"/>
           </a:p>
@@ -848,7 +856,7 @@
           <a:p>
             <a:fld id="{150AD5B7-C160-7A4E-8FA5-E71465AAF732}" type="datetimeFigureOut">
               <a:rPr lang="en-US" smtClean="0"/>
-              <a:t>7/6/17</a:t>
+              <a:t>8/10/17</a:t>
             </a:fld>
             <a:endParaRPr lang="en-US"/>
           </a:p>
@@ -1028,7 +1036,7 @@
           <a:p>
             <a:fld id="{150AD5B7-C160-7A4E-8FA5-E71465AAF732}" type="datetimeFigureOut">
               <a:rPr lang="en-US" smtClean="0"/>
-              <a:t>7/6/17</a:t>
+              <a:t>8/10/17</a:t>
             </a:fld>
             <a:endParaRPr lang="en-US"/>
           </a:p>
@@ -1198,7 +1206,7 @@
           <a:p>
             <a:fld id="{150AD5B7-C160-7A4E-8FA5-E71465AAF732}" type="datetimeFigureOut">
               <a:rPr lang="en-US" smtClean="0"/>
-              <a:t>7/6/17</a:t>
+              <a:t>8/10/17</a:t>
             </a:fld>
             <a:endParaRPr lang="en-US"/>
           </a:p>
@@ -1444,7 +1452,7 @@
           <a:p>
             <a:fld id="{150AD5B7-C160-7A4E-8FA5-E71465AAF732}" type="datetimeFigureOut">
               <a:rPr lang="en-US" smtClean="0"/>
-              <a:t>7/6/17</a:t>
+              <a:t>8/10/17</a:t>
             </a:fld>
             <a:endParaRPr lang="en-US"/>
           </a:p>
@@ -1676,7 +1684,7 @@
           <a:p>
             <a:fld id="{150AD5B7-C160-7A4E-8FA5-E71465AAF732}" type="datetimeFigureOut">
               <a:rPr lang="en-US" smtClean="0"/>
-              <a:t>7/6/17</a:t>
+              <a:t>8/10/17</a:t>
             </a:fld>
             <a:endParaRPr lang="en-US"/>
           </a:p>
@@ -2043,7 +2051,7 @@
           <a:p>
             <a:fld id="{150AD5B7-C160-7A4E-8FA5-E71465AAF732}" type="datetimeFigureOut">
               <a:rPr lang="en-US" smtClean="0"/>
-              <a:t>7/6/17</a:t>
+              <a:t>8/10/17</a:t>
             </a:fld>
             <a:endParaRPr lang="en-US"/>
           </a:p>
@@ -2161,7 +2169,7 @@
           <a:p>
             <a:fld id="{150AD5B7-C160-7A4E-8FA5-E71465AAF732}" type="datetimeFigureOut">
               <a:rPr lang="en-US" smtClean="0"/>
-              <a:t>7/6/17</a:t>
+              <a:t>8/10/17</a:t>
             </a:fld>
             <a:endParaRPr lang="en-US"/>
           </a:p>
@@ -2256,7 +2264,7 @@
           <a:p>
             <a:fld id="{150AD5B7-C160-7A4E-8FA5-E71465AAF732}" type="datetimeFigureOut">
               <a:rPr lang="en-US" smtClean="0"/>
-              <a:t>7/6/17</a:t>
+              <a:t>8/10/17</a:t>
             </a:fld>
             <a:endParaRPr lang="en-US"/>
           </a:p>
@@ -2533,7 +2541,7 @@
           <a:p>
             <a:fld id="{150AD5B7-C160-7A4E-8FA5-E71465AAF732}" type="datetimeFigureOut">
               <a:rPr lang="en-US" smtClean="0"/>
-              <a:t>7/6/17</a:t>
+              <a:t>8/10/17</a:t>
             </a:fld>
             <a:endParaRPr lang="en-US"/>
           </a:p>
@@ -2786,7 +2794,7 @@
           <a:p>
             <a:fld id="{150AD5B7-C160-7A4E-8FA5-E71465AAF732}" type="datetimeFigureOut">
               <a:rPr lang="en-US" smtClean="0"/>
-              <a:t>7/6/17</a:t>
+              <a:t>8/10/17</a:t>
             </a:fld>
             <a:endParaRPr lang="en-US"/>
           </a:p>
@@ -2999,7 +3007,7 @@
           <a:p>
             <a:fld id="{150AD5B7-C160-7A4E-8FA5-E71465AAF732}" type="datetimeFigureOut">
               <a:rPr lang="en-US" smtClean="0"/>
-              <a:t>7/6/17</a:t>
+              <a:t>8/10/17</a:t>
             </a:fld>
             <a:endParaRPr lang="en-US"/>
           </a:p>
@@ -3974,6 +3982,57 @@
           <a:chExt cx="0" cy="0"/>
         </a:xfrm>
       </p:grpSpPr>
+      <p:sp>
+        <p:nvSpPr>
+          <p:cNvPr id="8" name="Can 7"/>
+          <p:cNvSpPr/>
+          <p:nvPr/>
+        </p:nvSpPr>
+        <p:spPr>
+          <a:xfrm>
+            <a:off x="9098280" y="2228625"/>
+            <a:ext cx="2065469" cy="1875416"/>
+          </a:xfrm>
+          <a:prstGeom prst="can">
+            <a:avLst/>
+          </a:prstGeom>
+        </p:spPr>
+        <p:style>
+          <a:lnRef idx="2">
+            <a:schemeClr val="accent1">
+              <a:shade val="50000"/>
+            </a:schemeClr>
+          </a:lnRef>
+          <a:fillRef idx="1">
+            <a:schemeClr val="accent1"/>
+          </a:fillRef>
+          <a:effectRef idx="0">
+            <a:schemeClr val="accent1"/>
+          </a:effectRef>
+          <a:fontRef idx="minor">
+            <a:schemeClr val="lt1"/>
+          </a:fontRef>
+        </p:style>
+        <p:txBody>
+          <a:bodyPr rtlCol="0" anchor="ctr"/>
+          <a:lstStyle/>
+          <a:p>
+            <a:pPr algn="ctr"/>
+            <a:r>
+              <a:rPr lang="en-US" sz="2400" dirty="0" smtClean="0"/>
+              <a:t>EHR</a:t>
+            </a:r>
+          </a:p>
+          <a:p>
+            <a:pPr algn="ctr"/>
+            <a:r>
+              <a:rPr lang="en-US" sz="2400" dirty="0" smtClean="0"/>
+              <a:t> FHIR Server</a:t>
+            </a:r>
+            <a:endParaRPr lang="en-US" sz="2400" dirty="0"/>
+          </a:p>
+        </p:txBody>
+      </p:sp>
       <p:pic>
         <p:nvPicPr>
           <p:cNvPr id="9" name="Picture 8"/>
@@ -3983,7 +4042,7 @@
           <p:nvPr/>
         </p:nvPicPr>
         <p:blipFill>
-          <a:blip r:embed="rId3">
+          <a:blip r:embed="rId2">
             <a:extLst>
               <a:ext uri="{28A0092B-C50C-407E-A947-70E740481C1C}">
                 <a14:useLocalDpi xmlns:a14="http://schemas.microsoft.com/office/drawing/2010/main" val="0"/>
@@ -3996,7 +4055,7 @@
         </p:blipFill>
         <p:spPr>
           <a:xfrm>
-            <a:off x="744038" y="2116140"/>
+            <a:off x="787997" y="1817269"/>
             <a:ext cx="1780491" cy="2698128"/>
           </a:xfrm>
           <a:prstGeom prst="rect">
@@ -4012,8 +4071,8 @@
         </p:nvSpPr>
         <p:spPr>
           <a:xfrm>
-            <a:off x="4568612" y="2228624"/>
-            <a:ext cx="2484820" cy="2258969"/>
+            <a:off x="4987962" y="2228625"/>
+            <a:ext cx="2065469" cy="1875416"/>
           </a:xfrm>
           <a:prstGeom prst="can">
             <a:avLst/>
@@ -4063,17 +4122,16 @@
         </p:nvSpPr>
         <p:spPr>
           <a:xfrm>
-            <a:off x="4437528" y="1463541"/>
+            <a:off x="4437529" y="995082"/>
             <a:ext cx="7274859" cy="4155142"/>
           </a:xfrm>
           <a:prstGeom prst="rect">
             <a:avLst/>
           </a:prstGeom>
           <a:noFill/>
-          <a:ln w="63500">
+          <a:ln w="25400">
             <a:prstDash val="sysDash"/>
           </a:ln>
-          <a:effectLst/>
         </p:spPr>
         <p:style>
           <a:lnRef idx="2">
@@ -4103,18 +4161,21 @@
       <p:cxnSp>
         <p:nvCxnSpPr>
           <p:cNvPr id="42" name="Straight Connector 41"/>
-          <p:cNvCxnSpPr/>
+          <p:cNvCxnSpPr>
+            <a:stCxn id="40" idx="0"/>
+            <a:endCxn id="40" idx="2"/>
+          </p:cNvCxnSpPr>
           <p:nvPr/>
         </p:nvCxnSpPr>
         <p:spPr>
           <a:xfrm>
-            <a:off x="8089025" y="1442189"/>
+            <a:off x="8074959" y="995082"/>
             <a:ext cx="0" cy="4155142"/>
           </a:xfrm>
           <a:prstGeom prst="line">
             <a:avLst/>
           </a:prstGeom>
-          <a:ln w="63500">
+          <a:ln w="25400">
             <a:prstDash val="sysDash"/>
           </a:ln>
         </p:spPr>
@@ -4135,497 +4196,19 @@
       </p:cxnSp>
       <p:sp>
         <p:nvSpPr>
-          <p:cNvPr id="44" name="TextBox 43"/>
-          <p:cNvSpPr txBox="1"/>
-          <p:nvPr/>
-        </p:nvSpPr>
-        <p:spPr>
-          <a:xfrm>
-            <a:off x="2613145" y="2149323"/>
-            <a:ext cx="1736532" cy="923330"/>
-          </a:xfrm>
-          <a:prstGeom prst="rect">
+          <p:cNvPr id="43" name="Oval 42"/>
+          <p:cNvSpPr/>
+          <p:nvPr/>
+        </p:nvSpPr>
+        <p:spPr>
+          <a:xfrm>
+            <a:off x="3244277" y="823511"/>
+            <a:ext cx="411131" cy="386895"/>
+          </a:xfrm>
+          <a:prstGeom prst="ellipse">
             <a:avLst/>
           </a:prstGeom>
           <a:noFill/>
-        </p:spPr>
-        <p:txBody>
-          <a:bodyPr wrap="square" rtlCol="0">
-            <a:spAutoFit/>
-          </a:bodyPr>
-          <a:lstStyle/>
-          <a:p>
-            <a:r>
-              <a:rPr lang="en-US" smtClean="0"/>
-              <a:t>End user search for available appointments</a:t>
-            </a:r>
-            <a:endParaRPr lang="en-US" dirty="0"/>
-          </a:p>
-        </p:txBody>
-      </p:sp>
-      <p:cxnSp>
-        <p:nvCxnSpPr>
-          <p:cNvPr id="3" name="Straight Arrow Connector 2"/>
-          <p:cNvCxnSpPr/>
-          <p:nvPr/>
-        </p:nvCxnSpPr>
-        <p:spPr>
-          <a:xfrm>
-            <a:off x="2576106" y="3242025"/>
-            <a:ext cx="1861423" cy="0"/>
-          </a:xfrm>
-          <a:prstGeom prst="straightConnector1">
-            <a:avLst/>
-          </a:prstGeom>
-          <a:ln w="63500">
-            <a:tailEnd type="triangle"/>
-          </a:ln>
-        </p:spPr>
-        <p:style>
-          <a:lnRef idx="1">
-            <a:schemeClr val="accent1"/>
-          </a:lnRef>
-          <a:fillRef idx="0">
-            <a:schemeClr val="accent1"/>
-          </a:fillRef>
-          <a:effectRef idx="0">
-            <a:schemeClr val="accent1"/>
-          </a:effectRef>
-          <a:fontRef idx="minor">
-            <a:schemeClr val="tx1"/>
-          </a:fontRef>
-        </p:style>
-      </p:cxnSp>
-      <p:cxnSp>
-        <p:nvCxnSpPr>
-          <p:cNvPr id="17" name="Straight Arrow Connector 16"/>
-          <p:cNvCxnSpPr/>
-          <p:nvPr/>
-        </p:nvCxnSpPr>
-        <p:spPr>
-          <a:xfrm>
-            <a:off x="7184000" y="3956148"/>
-            <a:ext cx="1861423" cy="0"/>
-          </a:xfrm>
-          <a:prstGeom prst="straightConnector1">
-            <a:avLst/>
-          </a:prstGeom>
-          <a:ln w="63500">
-            <a:tailEnd type="triangle"/>
-          </a:ln>
-        </p:spPr>
-        <p:style>
-          <a:lnRef idx="1">
-            <a:schemeClr val="accent1"/>
-          </a:lnRef>
-          <a:fillRef idx="0">
-            <a:schemeClr val="accent1"/>
-          </a:fillRef>
-          <a:effectRef idx="0">
-            <a:schemeClr val="accent1"/>
-          </a:effectRef>
-          <a:fontRef idx="minor">
-            <a:schemeClr val="tx1"/>
-          </a:fontRef>
-        </p:style>
-      </p:cxnSp>
-      <p:cxnSp>
-        <p:nvCxnSpPr>
-          <p:cNvPr id="18" name="Straight Arrow Connector 17"/>
-          <p:cNvCxnSpPr/>
-          <p:nvPr/>
-        </p:nvCxnSpPr>
-        <p:spPr>
-          <a:xfrm>
-            <a:off x="7118075" y="4225780"/>
-            <a:ext cx="1861423" cy="0"/>
-          </a:xfrm>
-          <a:prstGeom prst="straightConnector1">
-            <a:avLst/>
-          </a:prstGeom>
-          <a:ln w="63500">
-            <a:headEnd type="triangle"/>
-            <a:tailEnd type="none"/>
-          </a:ln>
-        </p:spPr>
-        <p:style>
-          <a:lnRef idx="1">
-            <a:schemeClr val="accent1"/>
-          </a:lnRef>
-          <a:fillRef idx="0">
-            <a:schemeClr val="accent1"/>
-          </a:fillRef>
-          <a:effectRef idx="0">
-            <a:schemeClr val="accent1"/>
-          </a:effectRef>
-          <a:fontRef idx="minor">
-            <a:schemeClr val="tx1"/>
-          </a:fontRef>
-        </p:style>
-      </p:cxnSp>
-      <p:sp>
-        <p:nvSpPr>
-          <p:cNvPr id="4" name="TextBox 3"/>
-          <p:cNvSpPr txBox="1"/>
-          <p:nvPr/>
-        </p:nvSpPr>
-        <p:spPr>
-          <a:xfrm>
-            <a:off x="7118075" y="2222454"/>
-            <a:ext cx="2044849" cy="369332"/>
-          </a:xfrm>
-          <a:prstGeom prst="rect">
-            <a:avLst/>
-          </a:prstGeom>
-          <a:solidFill>
-            <a:schemeClr val="bg1"/>
-          </a:solidFill>
-          <a:effectLst/>
-        </p:spPr>
-        <p:txBody>
-          <a:bodyPr wrap="square" rtlCol="0">
-            <a:spAutoFit/>
-          </a:bodyPr>
-          <a:lstStyle/>
-          <a:p>
-            <a:r>
-              <a:rPr lang="en-US" dirty="0" smtClean="0"/>
-              <a:t>Search for Services</a:t>
-            </a:r>
-            <a:endParaRPr lang="en-US" dirty="0"/>
-          </a:p>
-        </p:txBody>
-      </p:sp>
-      <p:sp>
-        <p:nvSpPr>
-          <p:cNvPr id="21" name="TextBox 20"/>
-          <p:cNvSpPr txBox="1"/>
-          <p:nvPr/>
-        </p:nvSpPr>
-        <p:spPr>
-          <a:xfrm>
-            <a:off x="7131452" y="3519760"/>
-            <a:ext cx="1860142" cy="369332"/>
-          </a:xfrm>
-          <a:prstGeom prst="rect">
-            <a:avLst/>
-          </a:prstGeom>
-          <a:solidFill>
-            <a:schemeClr val="bg1"/>
-          </a:solidFill>
-          <a:effectLst/>
-        </p:spPr>
-        <p:txBody>
-          <a:bodyPr wrap="square" rtlCol="0">
-            <a:spAutoFit/>
-          </a:bodyPr>
-          <a:lstStyle/>
-          <a:p>
-            <a:r>
-              <a:rPr lang="en-US" dirty="0" smtClean="0"/>
-              <a:t>Search for Times</a:t>
-            </a:r>
-            <a:endParaRPr lang="en-US" dirty="0"/>
-          </a:p>
-        </p:txBody>
-      </p:sp>
-      <p:cxnSp>
-        <p:nvCxnSpPr>
-          <p:cNvPr id="22" name="Straight Arrow Connector 21"/>
-          <p:cNvCxnSpPr/>
-          <p:nvPr/>
-        </p:nvCxnSpPr>
-        <p:spPr>
-          <a:xfrm>
-            <a:off x="7186170" y="2716270"/>
-            <a:ext cx="1861423" cy="0"/>
-          </a:xfrm>
-          <a:prstGeom prst="straightConnector1">
-            <a:avLst/>
-          </a:prstGeom>
-          <a:ln w="63500">
-            <a:tailEnd type="triangle"/>
-          </a:ln>
-        </p:spPr>
-        <p:style>
-          <a:lnRef idx="1">
-            <a:schemeClr val="accent1"/>
-          </a:lnRef>
-          <a:fillRef idx="0">
-            <a:schemeClr val="accent1"/>
-          </a:fillRef>
-          <a:effectRef idx="0">
-            <a:schemeClr val="accent1"/>
-          </a:effectRef>
-          <a:fontRef idx="minor">
-            <a:schemeClr val="tx1"/>
-          </a:fontRef>
-        </p:style>
-      </p:cxnSp>
-      <p:cxnSp>
-        <p:nvCxnSpPr>
-          <p:cNvPr id="23" name="Straight Arrow Connector 22"/>
-          <p:cNvCxnSpPr/>
-          <p:nvPr/>
-        </p:nvCxnSpPr>
-        <p:spPr>
-          <a:xfrm>
-            <a:off x="7120245" y="2985902"/>
-            <a:ext cx="1861423" cy="0"/>
-          </a:xfrm>
-          <a:prstGeom prst="straightConnector1">
-            <a:avLst/>
-          </a:prstGeom>
-          <a:ln w="63500">
-            <a:headEnd type="triangle"/>
-            <a:tailEnd type="none"/>
-          </a:ln>
-        </p:spPr>
-        <p:style>
-          <a:lnRef idx="1">
-            <a:schemeClr val="accent1"/>
-          </a:lnRef>
-          <a:fillRef idx="0">
-            <a:schemeClr val="accent1"/>
-          </a:fillRef>
-          <a:effectRef idx="0">
-            <a:schemeClr val="accent1"/>
-          </a:effectRef>
-          <a:fontRef idx="minor">
-            <a:schemeClr val="tx1"/>
-          </a:fontRef>
-        </p:style>
-      </p:cxnSp>
-      <p:cxnSp>
-        <p:nvCxnSpPr>
-          <p:cNvPr id="24" name="Straight Arrow Connector 23"/>
-          <p:cNvCxnSpPr/>
-          <p:nvPr/>
-        </p:nvCxnSpPr>
-        <p:spPr>
-          <a:xfrm>
-            <a:off x="2524529" y="3635452"/>
-            <a:ext cx="1861423" cy="0"/>
-          </a:xfrm>
-          <a:prstGeom prst="straightConnector1">
-            <a:avLst/>
-          </a:prstGeom>
-          <a:ln w="63500">
-            <a:headEnd type="triangle"/>
-            <a:tailEnd type="none"/>
-          </a:ln>
-        </p:spPr>
-        <p:style>
-          <a:lnRef idx="1">
-            <a:schemeClr val="accent1"/>
-          </a:lnRef>
-          <a:fillRef idx="0">
-            <a:schemeClr val="accent1"/>
-          </a:fillRef>
-          <a:effectRef idx="0">
-            <a:schemeClr val="accent1"/>
-          </a:effectRef>
-          <a:fontRef idx="minor">
-            <a:schemeClr val="tx1"/>
-          </a:fontRef>
-        </p:style>
-      </p:cxnSp>
-      <p:sp>
-        <p:nvSpPr>
-          <p:cNvPr id="25" name="TextBox 24"/>
-          <p:cNvSpPr txBox="1"/>
-          <p:nvPr/>
-        </p:nvSpPr>
-        <p:spPr>
-          <a:xfrm>
-            <a:off x="2622977" y="3808074"/>
-            <a:ext cx="1736532" cy="923330"/>
-          </a:xfrm>
-          <a:prstGeom prst="rect">
-            <a:avLst/>
-          </a:prstGeom>
-          <a:noFill/>
-        </p:spPr>
-        <p:txBody>
-          <a:bodyPr wrap="square" rtlCol="0">
-            <a:spAutoFit/>
-          </a:bodyPr>
-          <a:lstStyle/>
-          <a:p>
-            <a:r>
-              <a:rPr lang="en-US" dirty="0" smtClean="0"/>
-              <a:t>Returns available appointments</a:t>
-            </a:r>
-            <a:endParaRPr lang="en-US" dirty="0"/>
-          </a:p>
-        </p:txBody>
-      </p:sp>
-      <p:sp>
-        <p:nvSpPr>
-          <p:cNvPr id="5" name="TextBox 4"/>
-          <p:cNvSpPr txBox="1"/>
-          <p:nvPr/>
-        </p:nvSpPr>
-        <p:spPr>
-          <a:xfrm>
-            <a:off x="2661370" y="1760340"/>
-            <a:ext cx="333072" cy="369332"/>
-          </a:xfrm>
-          <a:prstGeom prst="rect">
-            <a:avLst/>
-          </a:prstGeom>
-          <a:noFill/>
-          <a:ln w="25400">
-            <a:solidFill>
-              <a:schemeClr val="accent1">
-                <a:shade val="50000"/>
-              </a:schemeClr>
-            </a:solidFill>
-          </a:ln>
-        </p:spPr>
-        <p:txBody>
-          <a:bodyPr wrap="square" rtlCol="0">
-            <a:spAutoFit/>
-          </a:bodyPr>
-          <a:lstStyle/>
-          <a:p>
-            <a:pPr algn="ctr"/>
-            <a:r>
-              <a:rPr lang="en-US" dirty="0" smtClean="0"/>
-              <a:t>1</a:t>
-            </a:r>
-            <a:endParaRPr lang="en-US" dirty="0"/>
-          </a:p>
-        </p:txBody>
-      </p:sp>
-      <p:sp>
-        <p:nvSpPr>
-          <p:cNvPr id="27" name="TextBox 26"/>
-          <p:cNvSpPr txBox="1"/>
-          <p:nvPr/>
-        </p:nvSpPr>
-        <p:spPr>
-          <a:xfrm>
-            <a:off x="3645630" y="3878689"/>
-            <a:ext cx="415619" cy="369332"/>
-          </a:xfrm>
-          <a:prstGeom prst="rect">
-            <a:avLst/>
-          </a:prstGeom>
-          <a:noFill/>
-          <a:ln w="25400">
-            <a:solidFill>
-              <a:schemeClr val="accent1">
-                <a:shade val="50000"/>
-              </a:schemeClr>
-            </a:solidFill>
-          </a:ln>
-        </p:spPr>
-        <p:txBody>
-          <a:bodyPr wrap="square" rtlCol="0">
-            <a:spAutoFit/>
-          </a:bodyPr>
-          <a:lstStyle/>
-          <a:p>
-            <a:pPr algn="ctr"/>
-            <a:r>
-              <a:rPr lang="en-US" dirty="0"/>
-              <a:t>3</a:t>
-            </a:r>
-            <a:endParaRPr lang="en-US" dirty="0"/>
-          </a:p>
-        </p:txBody>
-      </p:sp>
-      <p:sp>
-        <p:nvSpPr>
-          <p:cNvPr id="28" name="TextBox 27"/>
-          <p:cNvSpPr txBox="1"/>
-          <p:nvPr/>
-        </p:nvSpPr>
-        <p:spPr>
-          <a:xfrm>
-            <a:off x="7432765" y="3206362"/>
-            <a:ext cx="534616" cy="369332"/>
-          </a:xfrm>
-          <a:prstGeom prst="rect">
-            <a:avLst/>
-          </a:prstGeom>
-          <a:noFill/>
-          <a:ln w="25400">
-            <a:solidFill>
-              <a:schemeClr val="accent1">
-                <a:shade val="50000"/>
-              </a:schemeClr>
-            </a:solidFill>
-          </a:ln>
-        </p:spPr>
-        <p:txBody>
-          <a:bodyPr wrap="square" rtlCol="0">
-            <a:spAutoFit/>
-          </a:bodyPr>
-          <a:lstStyle/>
-          <a:p>
-            <a:pPr algn="ctr"/>
-            <a:r>
-              <a:rPr lang="en-US" dirty="0" smtClean="0"/>
-              <a:t>2b</a:t>
-            </a:r>
-            <a:endParaRPr lang="en-US" dirty="0"/>
-          </a:p>
-        </p:txBody>
-      </p:sp>
-      <p:sp>
-        <p:nvSpPr>
-          <p:cNvPr id="29" name="TextBox 28"/>
-          <p:cNvSpPr txBox="1"/>
-          <p:nvPr/>
-        </p:nvSpPr>
-        <p:spPr>
-          <a:xfrm>
-            <a:off x="7361343" y="1922901"/>
-            <a:ext cx="415619" cy="369332"/>
-          </a:xfrm>
-          <a:prstGeom prst="rect">
-            <a:avLst/>
-          </a:prstGeom>
-          <a:noFill/>
-          <a:ln w="25400">
-            <a:solidFill>
-              <a:schemeClr val="accent1">
-                <a:shade val="50000"/>
-              </a:schemeClr>
-            </a:solidFill>
-          </a:ln>
-        </p:spPr>
-        <p:txBody>
-          <a:bodyPr wrap="square" rtlCol="0">
-            <a:spAutoFit/>
-          </a:bodyPr>
-          <a:lstStyle/>
-          <a:p>
-            <a:pPr algn="ctr"/>
-            <a:r>
-              <a:rPr lang="en-US" dirty="0" smtClean="0"/>
-              <a:t>2a</a:t>
-            </a:r>
-            <a:endParaRPr lang="en-US" dirty="0"/>
-          </a:p>
-        </p:txBody>
-      </p:sp>
-      <p:sp>
-        <p:nvSpPr>
-          <p:cNvPr id="8" name="Can 7"/>
-          <p:cNvSpPr/>
-          <p:nvPr/>
-        </p:nvSpPr>
-        <p:spPr>
-          <a:xfrm>
-            <a:off x="9098280" y="2228624"/>
-            <a:ext cx="2380957" cy="2258969"/>
-          </a:xfrm>
-          <a:prstGeom prst="can">
-            <a:avLst/>
-          </a:prstGeom>
         </p:spPr>
         <p:style>
           <a:lnRef idx="2">
@@ -4649,42 +4232,32 @@
           <a:p>
             <a:pPr algn="ctr"/>
             <a:r>
-              <a:rPr lang="en-US" sz="2400" dirty="0" smtClean="0"/>
-              <a:t>EHR</a:t>
-            </a:r>
-          </a:p>
-          <a:p>
-            <a:pPr algn="ctr"/>
-            <a:r>
-              <a:rPr lang="en-US" sz="2400" dirty="0" smtClean="0"/>
-              <a:t> FHIR Server</a:t>
-            </a:r>
-            <a:endParaRPr lang="en-US" sz="2400" dirty="0"/>
-          </a:p>
-        </p:txBody>
-      </p:sp>
-      <p:sp>
-        <p:nvSpPr>
-          <p:cNvPr id="32" name="TextBox 31"/>
+              <a:rPr lang="en-US" dirty="0" smtClean="0">
+                <a:solidFill>
+                  <a:schemeClr val="tx1"/>
+                </a:solidFill>
+              </a:rPr>
+              <a:t>1</a:t>
+            </a:r>
+            <a:endParaRPr lang="en-US" sz="1200" dirty="0"/>
+          </a:p>
+        </p:txBody>
+      </p:sp>
+      <p:sp>
+        <p:nvSpPr>
+          <p:cNvPr id="44" name="TextBox 43"/>
           <p:cNvSpPr txBox="1"/>
           <p:nvPr/>
         </p:nvSpPr>
         <p:spPr>
           <a:xfrm>
-            <a:off x="4437528" y="5690535"/>
-            <a:ext cx="7274859" cy="923330"/>
+            <a:off x="2634742" y="1122382"/>
+            <a:ext cx="1736532" cy="923330"/>
           </a:xfrm>
           <a:prstGeom prst="rect">
             <a:avLst/>
           </a:prstGeom>
           <a:noFill/>
-          <a:ln w="25400" cap="flat">
-            <a:solidFill>
-              <a:schemeClr val="accent1">
-                <a:shade val="50000"/>
-              </a:schemeClr>
-            </a:solidFill>
-          </a:ln>
         </p:spPr>
         <p:txBody>
           <a:bodyPr wrap="square" rtlCol="0">
@@ -4694,23 +4267,265 @@
           <a:p>
             <a:r>
               <a:rPr lang="en-US" dirty="0" smtClean="0"/>
-              <a:t>NOTE: Servers and </a:t>
-            </a:r>
+              <a:t>End user search for available appointments</a:t>
+            </a:r>
+            <a:endParaRPr lang="en-US" dirty="0"/>
+          </a:p>
+        </p:txBody>
+      </p:sp>
+      <p:sp>
+        <p:nvSpPr>
+          <p:cNvPr id="45" name="Oval 44"/>
+          <p:cNvSpPr/>
+          <p:nvPr/>
+        </p:nvSpPr>
+        <p:spPr>
+          <a:xfrm>
+            <a:off x="3244277" y="2057391"/>
+            <a:ext cx="411131" cy="411357"/>
+          </a:xfrm>
+          <a:prstGeom prst="ellipse">
+            <a:avLst/>
+          </a:prstGeom>
+          <a:noFill/>
+        </p:spPr>
+        <p:style>
+          <a:lnRef idx="2">
+            <a:schemeClr val="accent1">
+              <a:shade val="50000"/>
+            </a:schemeClr>
+          </a:lnRef>
+          <a:fillRef idx="1">
+            <a:schemeClr val="accent1"/>
+          </a:fillRef>
+          <a:effectRef idx="0">
+            <a:schemeClr val="accent1"/>
+          </a:effectRef>
+          <a:fontRef idx="minor">
+            <a:schemeClr val="lt1"/>
+          </a:fontRef>
+        </p:style>
+        <p:txBody>
+          <a:bodyPr rtlCol="0" anchor="ctr"/>
+          <a:lstStyle/>
+          <a:p>
+            <a:pPr algn="ctr"/>
+            <a:r>
+              <a:rPr lang="en-US" dirty="0">
+                <a:solidFill>
+                  <a:schemeClr val="tx1"/>
+                </a:solidFill>
+              </a:rPr>
+              <a:t>2</a:t>
+            </a:r>
+            <a:endParaRPr lang="en-US" sz="1200" dirty="0"/>
+          </a:p>
+        </p:txBody>
+      </p:sp>
+      <p:sp>
+        <p:nvSpPr>
+          <p:cNvPr id="46" name="TextBox 45"/>
+          <p:cNvSpPr txBox="1"/>
+          <p:nvPr/>
+        </p:nvSpPr>
+        <p:spPr>
+          <a:xfrm>
+            <a:off x="2667870" y="2480427"/>
+            <a:ext cx="1736532" cy="646331"/>
+          </a:xfrm>
+          <a:prstGeom prst="rect">
+            <a:avLst/>
+          </a:prstGeom>
+          <a:noFill/>
+        </p:spPr>
+        <p:txBody>
+          <a:bodyPr wrap="square" rtlCol="0">
+            <a:spAutoFit/>
+          </a:bodyPr>
+          <a:lstStyle/>
+          <a:p>
             <a:r>
               <a:rPr lang="en-US" dirty="0" smtClean="0"/>
-              <a:t>Appointment Availability searches 2a and 2b can be separate</a:t>
-            </a:r>
+              <a:t>End user books Appointment</a:t>
+            </a:r>
+            <a:endParaRPr lang="en-US" dirty="0"/>
+          </a:p>
+        </p:txBody>
+      </p:sp>
+      <p:sp>
+        <p:nvSpPr>
+          <p:cNvPr id="47" name="Oval 46"/>
+          <p:cNvSpPr/>
+          <p:nvPr/>
+        </p:nvSpPr>
+        <p:spPr>
+          <a:xfrm>
+            <a:off x="3244277" y="3166333"/>
+            <a:ext cx="411131" cy="411357"/>
+          </a:xfrm>
+          <a:prstGeom prst="ellipse">
+            <a:avLst/>
+          </a:prstGeom>
+          <a:noFill/>
+        </p:spPr>
+        <p:style>
+          <a:lnRef idx="2">
+            <a:schemeClr val="accent1">
+              <a:shade val="50000"/>
+            </a:schemeClr>
+          </a:lnRef>
+          <a:fillRef idx="1">
+            <a:schemeClr val="accent1"/>
+          </a:fillRef>
+          <a:effectRef idx="0">
+            <a:schemeClr val="accent1"/>
+          </a:effectRef>
+          <a:fontRef idx="minor">
+            <a:schemeClr val="lt1"/>
+          </a:fontRef>
+        </p:style>
+        <p:txBody>
+          <a:bodyPr rtlCol="0" anchor="ctr"/>
+          <a:lstStyle/>
+          <a:p>
+            <a:pPr algn="ctr"/>
+            <a:r>
+              <a:rPr lang="en-US" dirty="0" smtClean="0">
+                <a:solidFill>
+                  <a:schemeClr val="tx1"/>
+                </a:solidFill>
+              </a:rPr>
+              <a:t>3</a:t>
+            </a:r>
+            <a:endParaRPr lang="en-US" sz="1200" dirty="0"/>
+          </a:p>
+        </p:txBody>
+      </p:sp>
+      <p:sp>
+        <p:nvSpPr>
+          <p:cNvPr id="48" name="TextBox 47"/>
+          <p:cNvSpPr txBox="1"/>
+          <p:nvPr/>
+        </p:nvSpPr>
+        <p:spPr>
+          <a:xfrm>
+            <a:off x="2667869" y="4655040"/>
+            <a:ext cx="1777305" cy="923330"/>
+          </a:xfrm>
+          <a:prstGeom prst="rect">
+            <a:avLst/>
+          </a:prstGeom>
+          <a:noFill/>
+        </p:spPr>
+        <p:txBody>
+          <a:bodyPr wrap="square" rtlCol="0">
+            <a:spAutoFit/>
+          </a:bodyPr>
+          <a:lstStyle/>
+          <a:p>
             <a:r>
               <a:rPr lang="en-US" dirty="0" smtClean="0"/>
-              <a:t> (e.g., 3rd Party Application Scenario) or combined in a single FHIR Server and search ( e.g., EHR Patient Portal Scenarios)</a:t>
-            </a:r>
+              <a:t>End </a:t>
+            </a:r>
+            <a:r>
+              <a:rPr lang="en-US" smtClean="0"/>
+              <a:t>user updates </a:t>
+            </a:r>
+            <a:r>
+              <a:rPr lang="en-US" dirty="0" smtClean="0"/>
+              <a:t>Appointment</a:t>
+            </a:r>
+            <a:endParaRPr lang="en-US" dirty="0"/>
+          </a:p>
+        </p:txBody>
+      </p:sp>
+      <p:sp>
+        <p:nvSpPr>
+          <p:cNvPr id="49" name="Oval 48"/>
+          <p:cNvSpPr/>
+          <p:nvPr/>
+        </p:nvSpPr>
+        <p:spPr>
+          <a:xfrm>
+            <a:off x="3235812" y="4231162"/>
+            <a:ext cx="411131" cy="411357"/>
+          </a:xfrm>
+          <a:prstGeom prst="ellipse">
+            <a:avLst/>
+          </a:prstGeom>
+          <a:noFill/>
+        </p:spPr>
+        <p:style>
+          <a:lnRef idx="2">
+            <a:schemeClr val="accent1">
+              <a:shade val="50000"/>
+            </a:schemeClr>
+          </a:lnRef>
+          <a:fillRef idx="1">
+            <a:schemeClr val="accent1"/>
+          </a:fillRef>
+          <a:effectRef idx="0">
+            <a:schemeClr val="accent1"/>
+          </a:effectRef>
+          <a:fontRef idx="minor">
+            <a:schemeClr val="lt1"/>
+          </a:fontRef>
+        </p:style>
+        <p:txBody>
+          <a:bodyPr rtlCol="0" anchor="ctr"/>
+          <a:lstStyle/>
+          <a:p>
+            <a:pPr algn="ctr"/>
+            <a:r>
+              <a:rPr lang="en-US" dirty="0" smtClean="0">
+                <a:solidFill>
+                  <a:schemeClr val="tx1"/>
+                </a:solidFill>
+              </a:rPr>
+              <a:t>4</a:t>
+            </a:r>
+            <a:endParaRPr lang="en-US" sz="1200" dirty="0"/>
+          </a:p>
+        </p:txBody>
+      </p:sp>
+      <p:sp>
+        <p:nvSpPr>
+          <p:cNvPr id="50" name="TextBox 49"/>
+          <p:cNvSpPr txBox="1"/>
+          <p:nvPr/>
+        </p:nvSpPr>
+        <p:spPr>
+          <a:xfrm>
+            <a:off x="2634742" y="3589567"/>
+            <a:ext cx="1736532" cy="646331"/>
+          </a:xfrm>
+          <a:prstGeom prst="rect">
+            <a:avLst/>
+          </a:prstGeom>
+          <a:noFill/>
+        </p:spPr>
+        <p:txBody>
+          <a:bodyPr wrap="square" rtlCol="0">
+            <a:spAutoFit/>
+          </a:bodyPr>
+          <a:lstStyle/>
+          <a:p>
+            <a:r>
+              <a:rPr lang="en-US" smtClean="0"/>
+              <a:t>Appointment </a:t>
+            </a:r>
+            <a:r>
+              <a:rPr lang="en-US" dirty="0" smtClean="0"/>
+              <a:t>confirmed</a:t>
+            </a:r>
+            <a:endParaRPr lang="en-US" dirty="0"/>
           </a:p>
         </p:txBody>
       </p:sp>
     </p:spTree>
     <p:extLst>
       <p:ext uri="{BB962C8B-B14F-4D97-AF65-F5344CB8AC3E}">
-        <p14:creationId xmlns:p14="http://schemas.microsoft.com/office/powerpoint/2010/main" val="702274131"/>
+        <p14:creationId xmlns:p14="http://schemas.microsoft.com/office/powerpoint/2010/main" val="1713438735"/>
       </p:ext>
     </p:extLst>
   </p:cSld>
@@ -4746,7 +4561,7 @@
           <p:nvPr/>
         </p:nvPicPr>
         <p:blipFill>
-          <a:blip r:embed="rId2">
+          <a:blip r:embed="rId3">
             <a:extLst>
               <a:ext uri="{28A0092B-C50C-407E-A947-70E740481C1C}">
                 <a14:useLocalDpi xmlns:a14="http://schemas.microsoft.com/office/drawing/2010/main" val="0"/>
@@ -4769,23 +4584,18 @@
       </p:pic>
       <p:sp>
         <p:nvSpPr>
-          <p:cNvPr id="40" name="Rectangle 39"/>
+          <p:cNvPr id="11" name="Can 10"/>
           <p:cNvSpPr/>
           <p:nvPr/>
         </p:nvSpPr>
         <p:spPr>
           <a:xfrm>
-            <a:off x="4437529" y="1442189"/>
-            <a:ext cx="7274859" cy="4155142"/>
-          </a:xfrm>
-          <a:prstGeom prst="rect">
-            <a:avLst/>
-          </a:prstGeom>
-          <a:noFill/>
-          <a:ln w="63500">
-            <a:prstDash val="sysDash"/>
-          </a:ln>
-          <a:effectLst/>
+            <a:off x="4568612" y="2228624"/>
+            <a:ext cx="2484820" cy="2258969"/>
+          </a:xfrm>
+          <a:prstGeom prst="can">
+            <a:avLst/>
+          </a:prstGeom>
         </p:spPr>
         <p:style>
           <a:lnRef idx="2">
@@ -4809,10 +4619,62 @@
           <a:p>
             <a:pPr algn="ctr"/>
             <a:r>
-              <a:rPr lang="en-US" dirty="0" smtClean="0"/>
-              <a:t>               </a:t>
-            </a:r>
-            <a:endParaRPr lang="en-US" dirty="0"/>
+              <a:rPr lang="en-US" sz="2400" dirty="0" smtClean="0"/>
+              <a:t>Client</a:t>
+            </a:r>
+          </a:p>
+          <a:p>
+            <a:pPr algn="ctr"/>
+            <a:r>
+              <a:rPr lang="en-US" sz="2400" dirty="0" smtClean="0"/>
+              <a:t> Application Server</a:t>
+            </a:r>
+            <a:endParaRPr lang="en-US" sz="2400" dirty="0"/>
+          </a:p>
+        </p:txBody>
+      </p:sp>
+      <p:sp>
+        <p:nvSpPr>
+          <p:cNvPr id="40" name="Rectangle 39"/>
+          <p:cNvSpPr/>
+          <p:nvPr/>
+        </p:nvSpPr>
+        <p:spPr>
+          <a:xfrm>
+            <a:off x="4437528" y="1463541"/>
+            <a:ext cx="7274859" cy="4155142"/>
+          </a:xfrm>
+          <a:prstGeom prst="rect">
+            <a:avLst/>
+          </a:prstGeom>
+          <a:noFill/>
+          <a:ln w="63500">
+            <a:prstDash val="sysDash"/>
+          </a:ln>
+          <a:effectLst/>
+        </p:spPr>
+        <p:style>
+          <a:lnRef idx="2">
+            <a:schemeClr val="accent1">
+              <a:shade val="50000"/>
+            </a:schemeClr>
+          </a:lnRef>
+          <a:fillRef idx="1">
+            <a:schemeClr val="accent1"/>
+          </a:fillRef>
+          <a:effectRef idx="0">
+            <a:schemeClr val="accent1"/>
+          </a:effectRef>
+          <a:fontRef idx="minor">
+            <a:schemeClr val="lt1"/>
+          </a:fontRef>
+        </p:style>
+        <p:txBody>
+          <a:bodyPr rtlCol="0" anchor="ctr"/>
+          <a:lstStyle/>
+          <a:p>
+            <a:pPr algn="ctr"/>
+            <a:endParaRPr lang="en-US"/>
           </a:p>
         </p:txBody>
       </p:sp>
@@ -4872,8 +4734,8 @@
           <a:lstStyle/>
           <a:p>
             <a:r>
-              <a:rPr lang="en-US" dirty="0" smtClean="0"/>
-              <a:t>End user selects from available appointments</a:t>
+              <a:rPr lang="en-US" smtClean="0"/>
+              <a:t>End user search for available appointments</a:t>
             </a:r>
             <a:endParaRPr lang="en-US" dirty="0"/>
           </a:p>
@@ -4912,6 +4774,73 @@
           </a:fontRef>
         </p:style>
       </p:cxnSp>
+      <p:cxnSp>
+        <p:nvCxnSpPr>
+          <p:cNvPr id="17" name="Straight Arrow Connector 16"/>
+          <p:cNvCxnSpPr/>
+          <p:nvPr/>
+        </p:nvCxnSpPr>
+        <p:spPr>
+          <a:xfrm>
+            <a:off x="7184000" y="3956148"/>
+            <a:ext cx="1861423" cy="0"/>
+          </a:xfrm>
+          <a:prstGeom prst="straightConnector1">
+            <a:avLst/>
+          </a:prstGeom>
+          <a:ln w="63500">
+            <a:tailEnd type="triangle"/>
+          </a:ln>
+        </p:spPr>
+        <p:style>
+          <a:lnRef idx="1">
+            <a:schemeClr val="accent1"/>
+          </a:lnRef>
+          <a:fillRef idx="0">
+            <a:schemeClr val="accent1"/>
+          </a:fillRef>
+          <a:effectRef idx="0">
+            <a:schemeClr val="accent1"/>
+          </a:effectRef>
+          <a:fontRef idx="minor">
+            <a:schemeClr val="tx1"/>
+          </a:fontRef>
+        </p:style>
+      </p:cxnSp>
+      <p:cxnSp>
+        <p:nvCxnSpPr>
+          <p:cNvPr id="18" name="Straight Arrow Connector 17"/>
+          <p:cNvCxnSpPr/>
+          <p:nvPr/>
+        </p:nvCxnSpPr>
+        <p:spPr>
+          <a:xfrm>
+            <a:off x="7118075" y="4225780"/>
+            <a:ext cx="1861423" cy="0"/>
+          </a:xfrm>
+          <a:prstGeom prst="straightConnector1">
+            <a:avLst/>
+          </a:prstGeom>
+          <a:ln w="63500">
+            <a:headEnd type="triangle"/>
+            <a:tailEnd type="none"/>
+          </a:ln>
+        </p:spPr>
+        <p:style>
+          <a:lnRef idx="1">
+            <a:schemeClr val="accent1"/>
+          </a:lnRef>
+          <a:fillRef idx="0">
+            <a:schemeClr val="accent1"/>
+          </a:fillRef>
+          <a:effectRef idx="0">
+            <a:schemeClr val="accent1"/>
+          </a:effectRef>
+          <a:fontRef idx="minor">
+            <a:schemeClr val="tx1"/>
+          </a:fontRef>
+        </p:style>
+      </p:cxnSp>
       <p:sp>
         <p:nvSpPr>
           <p:cNvPr id="4" name="TextBox 3"/>
@@ -4920,7 +4849,7 @@
         </p:nvSpPr>
         <p:spPr>
           <a:xfrm>
-            <a:off x="7118075" y="2560079"/>
+            <a:off x="7118075" y="2222454"/>
             <a:ext cx="2044849" cy="369332"/>
           </a:xfrm>
           <a:prstGeom prst="rect">
@@ -4939,7 +4868,7 @@
           <a:p>
             <a:r>
               <a:rPr lang="en-US" dirty="0" smtClean="0"/>
-              <a:t>Holds Appointment</a:t>
+              <a:t>Search for Services</a:t>
             </a:r>
             <a:endParaRPr lang="en-US" dirty="0"/>
           </a:p>
@@ -4953,8 +4882,8 @@
         </p:nvSpPr>
         <p:spPr>
           <a:xfrm>
-            <a:off x="7184514" y="3857385"/>
-            <a:ext cx="2128295" cy="646331"/>
+            <a:off x="7131452" y="3519760"/>
+            <a:ext cx="1860142" cy="369332"/>
           </a:xfrm>
           <a:prstGeom prst="rect">
             <a:avLst/>
@@ -4971,8 +4900,8 @@
           <a:lstStyle/>
           <a:p>
             <a:r>
-              <a:rPr lang="en-US" smtClean="0"/>
-              <a:t>Returns Hold Confirmation</a:t>
+              <a:rPr lang="en-US" dirty="0" smtClean="0"/>
+              <a:t>Search for Times</a:t>
             </a:r>
             <a:endParaRPr lang="en-US" dirty="0"/>
           </a:p>
@@ -4986,7 +4915,7 @@
         </p:nvCxnSpPr>
         <p:spPr>
           <a:xfrm>
-            <a:off x="7186170" y="3053895"/>
+            <a:off x="7186170" y="2716270"/>
             <a:ext cx="1861423" cy="0"/>
           </a:xfrm>
           <a:prstGeom prst="straightConnector1">
@@ -5019,7 +4948,7 @@
         </p:nvCxnSpPr>
         <p:spPr>
           <a:xfrm>
-            <a:off x="7120245" y="3323527"/>
+            <a:off x="7120245" y="2985902"/>
             <a:ext cx="1861423" cy="0"/>
           </a:xfrm>
           <a:prstGeom prst="straightConnector1">
@@ -5088,7 +5017,7 @@
         <p:spPr>
           <a:xfrm>
             <a:off x="2622977" y="3808074"/>
-            <a:ext cx="1736532" cy="1200329"/>
+            <a:ext cx="1736532" cy="923330"/>
           </a:xfrm>
           <a:prstGeom prst="rect">
             <a:avLst/>
@@ -5103,7 +5032,7 @@
           <a:p>
             <a:r>
               <a:rPr lang="en-US" dirty="0" smtClean="0"/>
-              <a:t> booking on hold until completed by End User</a:t>
+              <a:t>Returns available appointments</a:t>
             </a:r>
             <a:endParaRPr lang="en-US" dirty="0"/>
           </a:p>
@@ -5140,8 +5069,8 @@
           <a:p>
             <a:pPr algn="ctr"/>
             <a:r>
-              <a:rPr lang="en-US" dirty="0"/>
-              <a:t>4</a:t>
+              <a:rPr lang="en-US" dirty="0" smtClean="0"/>
+              <a:t>1</a:t>
             </a:r>
             <a:endParaRPr lang="en-US" dirty="0"/>
           </a:p>
@@ -5155,7 +5084,7 @@
         </p:nvSpPr>
         <p:spPr>
           <a:xfrm>
-            <a:off x="3920590" y="3880973"/>
+            <a:off x="3645630" y="3878689"/>
             <a:ext cx="415619" cy="369332"/>
           </a:xfrm>
           <a:prstGeom prst="rect">
@@ -5178,10 +5107,9 @@
           <a:p>
             <a:pPr algn="ctr"/>
             <a:r>
-              <a:rPr lang="en-US" dirty="0" smtClean="0"/>
-              <a:t>7</a:t>
-            </a:r>
-            <a:endParaRPr lang="en-US" dirty="0"/>
+              <a:rPr lang="en-US" dirty="0"/>
+              <a:t>3</a:t>
+            </a:r>
           </a:p>
         </p:txBody>
       </p:sp>
@@ -5193,8 +5121,8 @@
         </p:nvSpPr>
         <p:spPr>
           <a:xfrm>
-            <a:off x="7432765" y="3543987"/>
-            <a:ext cx="423109" cy="369332"/>
+            <a:off x="7432765" y="3206362"/>
+            <a:ext cx="534616" cy="369332"/>
           </a:xfrm>
           <a:prstGeom prst="rect">
             <a:avLst/>
@@ -5216,9 +5144,10 @@
           <a:p>
             <a:pPr algn="ctr"/>
             <a:r>
-              <a:rPr lang="en-US" dirty="0"/>
-              <a:t>6</a:t>
-            </a:r>
+              <a:rPr lang="en-US" dirty="0" smtClean="0"/>
+              <a:t>2b</a:t>
+            </a:r>
+            <a:endParaRPr lang="en-US" dirty="0"/>
           </a:p>
         </p:txBody>
       </p:sp>
@@ -5230,8 +5159,8 @@
         </p:nvSpPr>
         <p:spPr>
           <a:xfrm>
-            <a:off x="7261131" y="2192222"/>
-            <a:ext cx="375381" cy="369332"/>
+            <a:off x="7361343" y="1922901"/>
+            <a:ext cx="415619" cy="369332"/>
           </a:xfrm>
           <a:prstGeom prst="rect">
             <a:avLst/>
@@ -5254,7 +5183,7 @@
             <a:pPr algn="ctr"/>
             <a:r>
               <a:rPr lang="en-US" dirty="0" smtClean="0"/>
-              <a:t>5</a:t>
+              <a:t>2a</a:t>
             </a:r>
             <a:endParaRPr lang="en-US" dirty="0"/>
           </a:p>
@@ -5313,59 +5242,44 @@
       </p:sp>
       <p:sp>
         <p:nvSpPr>
-          <p:cNvPr id="11" name="Can 10"/>
-          <p:cNvSpPr/>
-          <p:nvPr/>
-        </p:nvSpPr>
-        <p:spPr>
-          <a:xfrm>
-            <a:off x="4568612" y="2228624"/>
-            <a:ext cx="2484820" cy="2258969"/>
-          </a:xfrm>
-          <a:prstGeom prst="can">
-            <a:avLst/>
-          </a:prstGeom>
-        </p:spPr>
-        <p:style>
-          <a:lnRef idx="2">
-            <a:schemeClr val="accent1">
-              <a:shade val="50000"/>
-            </a:schemeClr>
-          </a:lnRef>
-          <a:fillRef idx="1">
-            <a:schemeClr val="accent1"/>
-          </a:fillRef>
-          <a:effectRef idx="0">
-            <a:schemeClr val="accent1"/>
-          </a:effectRef>
-          <a:fontRef idx="minor">
-            <a:schemeClr val="lt1"/>
-          </a:fontRef>
-        </p:style>
-        <p:txBody>
-          <a:bodyPr rtlCol="0" anchor="ctr"/>
-          <a:lstStyle/>
-          <a:p>
-            <a:pPr algn="ctr"/>
-            <a:r>
-              <a:rPr lang="en-US" sz="2400" dirty="0" smtClean="0"/>
-              <a:t>Client</a:t>
-            </a:r>
-          </a:p>
-          <a:p>
-            <a:pPr algn="ctr"/>
-            <a:r>
-              <a:rPr lang="en-US" sz="2400" dirty="0" smtClean="0"/>
-              <a:t> Application Server</a:t>
-            </a:r>
-            <a:endParaRPr lang="en-US" sz="2400" dirty="0"/>
+          <p:cNvPr id="32" name="TextBox 31"/>
+          <p:cNvSpPr txBox="1"/>
+          <p:nvPr/>
+        </p:nvSpPr>
+        <p:spPr>
+          <a:xfrm>
+            <a:off x="4437528" y="5690535"/>
+            <a:ext cx="7274859" cy="923330"/>
+          </a:xfrm>
+          <a:prstGeom prst="rect">
+            <a:avLst/>
+          </a:prstGeom>
+          <a:noFill/>
+          <a:ln w="25400" cap="flat">
+            <a:solidFill>
+              <a:schemeClr val="accent1">
+                <a:shade val="50000"/>
+              </a:schemeClr>
+            </a:solidFill>
+          </a:ln>
+        </p:spPr>
+        <p:txBody>
+          <a:bodyPr wrap="square" rtlCol="0">
+            <a:spAutoFit/>
+          </a:bodyPr>
+          <a:lstStyle/>
+          <a:p>
+            <a:r>
+              <a:rPr lang="en-US" dirty="0" smtClean="0"/>
+              <a:t>NOTE: Servers and Appointment Availability searches 2a and 2b can be separate (e.g., 3rd Party Application Scenario) or combined in a single FHIR Server and search ( e.g., EHR Patient Portal Scenarios)</a:t>
+            </a:r>
           </a:p>
         </p:txBody>
       </p:sp>
     </p:spTree>
     <p:extLst>
       <p:ext uri="{BB962C8B-B14F-4D97-AF65-F5344CB8AC3E}">
-        <p14:creationId xmlns:p14="http://schemas.microsoft.com/office/powerpoint/2010/main" val="848340449"/>
+        <p14:creationId xmlns:p14="http://schemas.microsoft.com/office/powerpoint/2010/main" val="702274131"/>
       </p:ext>
     </p:extLst>
   </p:cSld>
@@ -5463,7 +5377,11 @@
           <a:lstStyle/>
           <a:p>
             <a:pPr algn="ctr"/>
-            <a:endParaRPr lang="en-US"/>
+            <a:r>
+              <a:rPr lang="en-US" dirty="0" smtClean="0"/>
+              <a:t>               </a:t>
+            </a:r>
+            <a:endParaRPr lang="en-US" dirty="0"/>
           </a:p>
         </p:txBody>
       </p:sp>
@@ -5524,7 +5442,7 @@
           <a:p>
             <a:r>
               <a:rPr lang="en-US" dirty="0" smtClean="0"/>
-              <a:t>End user completes booking</a:t>
+              <a:t>End user selects from available appointments</a:t>
             </a:r>
             <a:endParaRPr lang="en-US" dirty="0"/>
           </a:p>
@@ -5590,7 +5508,7 @@
           <a:p>
             <a:r>
               <a:rPr lang="en-US" dirty="0" smtClean="0"/>
-              <a:t>Books Appointment</a:t>
+              <a:t>Holds Appointment</a:t>
             </a:r>
             <a:endParaRPr lang="en-US" dirty="0"/>
           </a:p>
@@ -5604,8 +5522,8 @@
         </p:nvSpPr>
         <p:spPr>
           <a:xfrm>
-            <a:off x="7102949" y="3888037"/>
-            <a:ext cx="1976828" cy="646331"/>
+            <a:off x="7184514" y="3857385"/>
+            <a:ext cx="2128295" cy="646331"/>
           </a:xfrm>
           <a:prstGeom prst="rect">
             <a:avLst/>
@@ -5623,13 +5541,7 @@
           <a:p>
             <a:r>
               <a:rPr lang="en-US" smtClean="0"/>
-              <a:t>Returns Booking</a:t>
-            </a:r>
-          </a:p>
-          <a:p>
-            <a:r>
-              <a:rPr lang="en-US" dirty="0" smtClean="0"/>
-              <a:t>Confirmation</a:t>
+              <a:t>Returns Hold Confirmation</a:t>
             </a:r>
             <a:endParaRPr lang="en-US" dirty="0"/>
           </a:p>
@@ -5745,7 +5657,7 @@
         <p:spPr>
           <a:xfrm>
             <a:off x="2622977" y="3808074"/>
-            <a:ext cx="1736532" cy="646331"/>
+            <a:ext cx="1736532" cy="1200329"/>
           </a:xfrm>
           <a:prstGeom prst="rect">
             <a:avLst/>
@@ -5760,7 +5672,7 @@
           <a:p>
             <a:r>
               <a:rPr lang="en-US" dirty="0" smtClean="0"/>
-              <a:t>Confirms booking</a:t>
+              <a:t> booking on hold until completed by End User</a:t>
             </a:r>
             <a:endParaRPr lang="en-US" dirty="0"/>
           </a:p>
@@ -5798,7 +5710,7 @@
             <a:pPr algn="ctr"/>
             <a:r>
               <a:rPr lang="en-US" dirty="0" smtClean="0"/>
-              <a:t>8</a:t>
+              <a:t>4</a:t>
             </a:r>
             <a:endParaRPr lang="en-US" dirty="0"/>
           </a:p>
@@ -5812,7 +5724,7 @@
         </p:nvSpPr>
         <p:spPr>
           <a:xfrm>
-            <a:off x="3645630" y="3878689"/>
+            <a:off x="3920590" y="3880973"/>
             <a:ext cx="415619" cy="369332"/>
           </a:xfrm>
           <a:prstGeom prst="rect">
@@ -5836,7 +5748,7 @@
             <a:pPr algn="ctr"/>
             <a:r>
               <a:rPr lang="en-US" dirty="0" smtClean="0"/>
-              <a:t>11</a:t>
+              <a:t>7</a:t>
             </a:r>
             <a:endParaRPr lang="en-US" dirty="0"/>
           </a:p>
@@ -5850,7 +5762,7 @@
         </p:nvSpPr>
         <p:spPr>
           <a:xfrm>
-            <a:off x="7432765" y="3543987"/>
+            <a:off x="7410436" y="3526182"/>
             <a:ext cx="423109" cy="369332"/>
           </a:xfrm>
           <a:prstGeom prst="rect">
@@ -5873,8 +5785,8 @@
           <a:p>
             <a:pPr algn="ctr"/>
             <a:r>
-              <a:rPr lang="en-US" dirty="0" smtClean="0"/>
-              <a:t>10</a:t>
+              <a:rPr lang="en-US" dirty="0"/>
+              <a:t>6</a:t>
             </a:r>
             <a:endParaRPr lang="en-US" dirty="0"/>
           </a:p>
@@ -5911,10 +5823,1127 @@
           <a:p>
             <a:pPr algn="ctr"/>
             <a:r>
+              <a:rPr lang="en-US" dirty="0" smtClean="0"/>
+              <a:t>5</a:t>
+            </a:r>
+            <a:endParaRPr lang="en-US" dirty="0"/>
+          </a:p>
+        </p:txBody>
+      </p:sp>
+      <p:sp>
+        <p:nvSpPr>
+          <p:cNvPr id="8" name="Can 7"/>
+          <p:cNvSpPr/>
+          <p:nvPr/>
+        </p:nvSpPr>
+        <p:spPr>
+          <a:xfrm>
+            <a:off x="9098280" y="2228624"/>
+            <a:ext cx="2380957" cy="2258969"/>
+          </a:xfrm>
+          <a:prstGeom prst="can">
+            <a:avLst/>
+          </a:prstGeom>
+        </p:spPr>
+        <p:style>
+          <a:lnRef idx="2">
+            <a:schemeClr val="accent1">
+              <a:shade val="50000"/>
+            </a:schemeClr>
+          </a:lnRef>
+          <a:fillRef idx="1">
+            <a:schemeClr val="accent1"/>
+          </a:fillRef>
+          <a:effectRef idx="0">
+            <a:schemeClr val="accent1"/>
+          </a:effectRef>
+          <a:fontRef idx="minor">
+            <a:schemeClr val="lt1"/>
+          </a:fontRef>
+        </p:style>
+        <p:txBody>
+          <a:bodyPr rtlCol="0" anchor="ctr"/>
+          <a:lstStyle/>
+          <a:p>
+            <a:pPr algn="ctr"/>
+            <a:r>
+              <a:rPr lang="en-US" sz="2400" dirty="0" smtClean="0"/>
+              <a:t>EHR</a:t>
+            </a:r>
+          </a:p>
+          <a:p>
+            <a:pPr algn="ctr"/>
+            <a:r>
+              <a:rPr lang="en-US" sz="2400" dirty="0" smtClean="0"/>
+              <a:t> FHIR Server</a:t>
+            </a:r>
+            <a:endParaRPr lang="en-US" sz="2400" dirty="0"/>
+          </a:p>
+        </p:txBody>
+      </p:sp>
+      <p:sp>
+        <p:nvSpPr>
+          <p:cNvPr id="11" name="Can 10"/>
+          <p:cNvSpPr/>
+          <p:nvPr/>
+        </p:nvSpPr>
+        <p:spPr>
+          <a:xfrm>
+            <a:off x="4568612" y="2228624"/>
+            <a:ext cx="2484820" cy="2258969"/>
+          </a:xfrm>
+          <a:prstGeom prst="can">
+            <a:avLst/>
+          </a:prstGeom>
+        </p:spPr>
+        <p:style>
+          <a:lnRef idx="2">
+            <a:schemeClr val="accent1">
+              <a:shade val="50000"/>
+            </a:schemeClr>
+          </a:lnRef>
+          <a:fillRef idx="1">
+            <a:schemeClr val="accent1"/>
+          </a:fillRef>
+          <a:effectRef idx="0">
+            <a:schemeClr val="accent1"/>
+          </a:effectRef>
+          <a:fontRef idx="minor">
+            <a:schemeClr val="lt1"/>
+          </a:fontRef>
+        </p:style>
+        <p:txBody>
+          <a:bodyPr rtlCol="0" anchor="ctr"/>
+          <a:lstStyle/>
+          <a:p>
+            <a:pPr algn="ctr"/>
+            <a:r>
+              <a:rPr lang="en-US" sz="2400" dirty="0" smtClean="0"/>
+              <a:t>Client</a:t>
+            </a:r>
+          </a:p>
+          <a:p>
+            <a:pPr algn="ctr"/>
+            <a:r>
+              <a:rPr lang="en-US" sz="2400" dirty="0" smtClean="0"/>
+              <a:t> Application Server</a:t>
+            </a:r>
+            <a:endParaRPr lang="en-US" sz="2400" dirty="0"/>
+          </a:p>
+        </p:txBody>
+      </p:sp>
+    </p:spTree>
+    <p:extLst>
+      <p:ext uri="{BB962C8B-B14F-4D97-AF65-F5344CB8AC3E}">
+        <p14:creationId xmlns:p14="http://schemas.microsoft.com/office/powerpoint/2010/main" val="848340449"/>
+      </p:ext>
+    </p:extLst>
+  </p:cSld>
+  <p:clrMapOvr>
+    <a:masterClrMapping/>
+  </p:clrMapOvr>
+</p:sld>
+</file>
+
+<file path=ppt/slides/slide5.xml><?xml version="1.0" encoding="utf-8"?>
+<p:sld xmlns:a="http://schemas.openxmlformats.org/drawingml/2006/main" xmlns:r="http://schemas.openxmlformats.org/officeDocument/2006/relationships" xmlns:p="http://schemas.openxmlformats.org/presentationml/2006/main">
+  <p:cSld>
+    <p:spTree>
+      <p:nvGrpSpPr>
+        <p:cNvPr id="1" name=""/>
+        <p:cNvGrpSpPr/>
+        <p:nvPr/>
+      </p:nvGrpSpPr>
+      <p:grpSpPr>
+        <a:xfrm>
+          <a:off x="0" y="0"/>
+          <a:ext cx="0" cy="0"/>
+          <a:chOff x="0" y="0"/>
+          <a:chExt cx="0" cy="0"/>
+        </a:xfrm>
+      </p:grpSpPr>
+      <p:pic>
+        <p:nvPicPr>
+          <p:cNvPr id="9" name="Picture 8"/>
+          <p:cNvPicPr>
+            <a:picLocks noChangeAspect="1"/>
+          </p:cNvPicPr>
+          <p:nvPr/>
+        </p:nvPicPr>
+        <p:blipFill>
+          <a:blip r:embed="rId2">
+            <a:extLst>
+              <a:ext uri="{28A0092B-C50C-407E-A947-70E740481C1C}">
+                <a14:useLocalDpi xmlns:a14="http://schemas.microsoft.com/office/drawing/2010/main" val="0"/>
+              </a:ext>
+            </a:extLst>
+          </a:blip>
+          <a:stretch>
+            <a:fillRect/>
+          </a:stretch>
+        </p:blipFill>
+        <p:spPr>
+          <a:xfrm>
+            <a:off x="744038" y="2116140"/>
+            <a:ext cx="1780491" cy="2698128"/>
+          </a:xfrm>
+          <a:prstGeom prst="rect">
+            <a:avLst/>
+          </a:prstGeom>
+        </p:spPr>
+      </p:pic>
+      <p:sp>
+        <p:nvSpPr>
+          <p:cNvPr id="40" name="Rectangle 39"/>
+          <p:cNvSpPr/>
+          <p:nvPr/>
+        </p:nvSpPr>
+        <p:spPr>
+          <a:xfrm>
+            <a:off x="4437529" y="1442189"/>
+            <a:ext cx="7274859" cy="4155142"/>
+          </a:xfrm>
+          <a:prstGeom prst="rect">
+            <a:avLst/>
+          </a:prstGeom>
+          <a:noFill/>
+          <a:ln w="63500">
+            <a:prstDash val="sysDash"/>
+          </a:ln>
+          <a:effectLst/>
+        </p:spPr>
+        <p:style>
+          <a:lnRef idx="2">
+            <a:schemeClr val="accent1">
+              <a:shade val="50000"/>
+            </a:schemeClr>
+          </a:lnRef>
+          <a:fillRef idx="1">
+            <a:schemeClr val="accent1"/>
+          </a:fillRef>
+          <a:effectRef idx="0">
+            <a:schemeClr val="accent1"/>
+          </a:effectRef>
+          <a:fontRef idx="minor">
+            <a:schemeClr val="lt1"/>
+          </a:fontRef>
+        </p:style>
+        <p:txBody>
+          <a:bodyPr rtlCol="0" anchor="ctr"/>
+          <a:lstStyle/>
+          <a:p>
+            <a:pPr algn="ctr"/>
+            <a:r>
+              <a:rPr lang="en-US" dirty="0" smtClean="0"/>
+              <a:t>               </a:t>
+            </a:r>
+            <a:endParaRPr lang="en-US" dirty="0"/>
+          </a:p>
+        </p:txBody>
+      </p:sp>
+      <p:cxnSp>
+        <p:nvCxnSpPr>
+          <p:cNvPr id="42" name="Straight Connector 41"/>
+          <p:cNvCxnSpPr/>
+          <p:nvPr/>
+        </p:nvCxnSpPr>
+        <p:spPr>
+          <a:xfrm>
+            <a:off x="8089025" y="1442189"/>
+            <a:ext cx="0" cy="4155142"/>
+          </a:xfrm>
+          <a:prstGeom prst="line">
+            <a:avLst/>
+          </a:prstGeom>
+          <a:ln w="63500">
+            <a:prstDash val="sysDash"/>
+          </a:ln>
+        </p:spPr>
+        <p:style>
+          <a:lnRef idx="1">
+            <a:schemeClr val="accent1"/>
+          </a:lnRef>
+          <a:fillRef idx="0">
+            <a:schemeClr val="accent1"/>
+          </a:fillRef>
+          <a:effectRef idx="0">
+            <a:schemeClr val="accent1"/>
+          </a:effectRef>
+          <a:fontRef idx="minor">
+            <a:schemeClr val="tx1"/>
+          </a:fontRef>
+        </p:style>
+      </p:cxnSp>
+      <p:sp>
+        <p:nvSpPr>
+          <p:cNvPr id="44" name="TextBox 43"/>
+          <p:cNvSpPr txBox="1"/>
+          <p:nvPr/>
+        </p:nvSpPr>
+        <p:spPr>
+          <a:xfrm>
+            <a:off x="2613145" y="2149323"/>
+            <a:ext cx="1736532" cy="923330"/>
+          </a:xfrm>
+          <a:prstGeom prst="rect">
+            <a:avLst/>
+          </a:prstGeom>
+          <a:noFill/>
+        </p:spPr>
+        <p:txBody>
+          <a:bodyPr wrap="square" rtlCol="0">
+            <a:spAutoFit/>
+          </a:bodyPr>
+          <a:lstStyle/>
+          <a:p>
+            <a:r>
+              <a:rPr lang="en-US" dirty="0" smtClean="0"/>
+              <a:t>End user </a:t>
+            </a:r>
+            <a:r>
+              <a:rPr lang="en-US" dirty="0" smtClean="0"/>
+              <a:t>enters  patient information</a:t>
+            </a:r>
+            <a:endParaRPr lang="en-US" dirty="0"/>
+          </a:p>
+        </p:txBody>
+      </p:sp>
+      <p:cxnSp>
+        <p:nvCxnSpPr>
+          <p:cNvPr id="3" name="Straight Arrow Connector 2"/>
+          <p:cNvCxnSpPr/>
+          <p:nvPr/>
+        </p:nvCxnSpPr>
+        <p:spPr>
+          <a:xfrm>
+            <a:off x="2576106" y="3242025"/>
+            <a:ext cx="1861423" cy="0"/>
+          </a:xfrm>
+          <a:prstGeom prst="straightConnector1">
+            <a:avLst/>
+          </a:prstGeom>
+          <a:ln w="63500">
+            <a:tailEnd type="triangle"/>
+          </a:ln>
+        </p:spPr>
+        <p:style>
+          <a:lnRef idx="1">
+            <a:schemeClr val="accent1"/>
+          </a:lnRef>
+          <a:fillRef idx="0">
+            <a:schemeClr val="accent1"/>
+          </a:fillRef>
+          <a:effectRef idx="0">
+            <a:schemeClr val="accent1"/>
+          </a:effectRef>
+          <a:fontRef idx="minor">
+            <a:schemeClr val="tx1"/>
+          </a:fontRef>
+        </p:style>
+      </p:cxnSp>
+      <p:sp>
+        <p:nvSpPr>
+          <p:cNvPr id="4" name="TextBox 3"/>
+          <p:cNvSpPr txBox="1"/>
+          <p:nvPr/>
+        </p:nvSpPr>
+        <p:spPr>
+          <a:xfrm>
+            <a:off x="7088580" y="2371303"/>
+            <a:ext cx="2044849" cy="646331"/>
+          </a:xfrm>
+          <a:prstGeom prst="rect">
+            <a:avLst/>
+          </a:prstGeom>
+          <a:solidFill>
+            <a:schemeClr val="bg1"/>
+          </a:solidFill>
+          <a:effectLst/>
+        </p:spPr>
+        <p:txBody>
+          <a:bodyPr wrap="square" rtlCol="0">
+            <a:spAutoFit/>
+          </a:bodyPr>
+          <a:lstStyle/>
+          <a:p>
+            <a:r>
+              <a:rPr lang="en-US" dirty="0" smtClean="0"/>
+              <a:t>Fetch or Register patient</a:t>
+            </a:r>
+            <a:endParaRPr lang="en-US" dirty="0"/>
+          </a:p>
+        </p:txBody>
+      </p:sp>
+      <p:sp>
+        <p:nvSpPr>
+          <p:cNvPr id="21" name="TextBox 20"/>
+          <p:cNvSpPr txBox="1"/>
+          <p:nvPr/>
+        </p:nvSpPr>
+        <p:spPr>
+          <a:xfrm>
+            <a:off x="7184514" y="3857385"/>
+            <a:ext cx="2128295" cy="369332"/>
+          </a:xfrm>
+          <a:prstGeom prst="rect">
+            <a:avLst/>
+          </a:prstGeom>
+          <a:solidFill>
+            <a:schemeClr val="bg1"/>
+          </a:solidFill>
+          <a:effectLst/>
+        </p:spPr>
+        <p:txBody>
+          <a:bodyPr wrap="square" rtlCol="0">
+            <a:spAutoFit/>
+          </a:bodyPr>
+          <a:lstStyle/>
+          <a:p>
+            <a:r>
+              <a:rPr lang="en-US" dirty="0" smtClean="0"/>
+              <a:t>Returns </a:t>
+            </a:r>
+            <a:r>
+              <a:rPr lang="en-US" dirty="0" smtClean="0"/>
+              <a:t>Patient Id</a:t>
+            </a:r>
+          </a:p>
+        </p:txBody>
+      </p:sp>
+      <p:cxnSp>
+        <p:nvCxnSpPr>
+          <p:cNvPr id="22" name="Straight Arrow Connector 21"/>
+          <p:cNvCxnSpPr/>
+          <p:nvPr/>
+        </p:nvCxnSpPr>
+        <p:spPr>
+          <a:xfrm>
+            <a:off x="7186170" y="3053895"/>
+            <a:ext cx="1861423" cy="0"/>
+          </a:xfrm>
+          <a:prstGeom prst="straightConnector1">
+            <a:avLst/>
+          </a:prstGeom>
+          <a:ln w="63500">
+            <a:tailEnd type="triangle"/>
+          </a:ln>
+        </p:spPr>
+        <p:style>
+          <a:lnRef idx="1">
+            <a:schemeClr val="accent1"/>
+          </a:lnRef>
+          <a:fillRef idx="0">
+            <a:schemeClr val="accent1"/>
+          </a:fillRef>
+          <a:effectRef idx="0">
+            <a:schemeClr val="accent1"/>
+          </a:effectRef>
+          <a:fontRef idx="minor">
+            <a:schemeClr val="tx1"/>
+          </a:fontRef>
+        </p:style>
+      </p:cxnSp>
+      <p:cxnSp>
+        <p:nvCxnSpPr>
+          <p:cNvPr id="23" name="Straight Arrow Connector 22"/>
+          <p:cNvCxnSpPr/>
+          <p:nvPr/>
+        </p:nvCxnSpPr>
+        <p:spPr>
+          <a:xfrm>
+            <a:off x="7120245" y="3323527"/>
+            <a:ext cx="1861423" cy="0"/>
+          </a:xfrm>
+          <a:prstGeom prst="straightConnector1">
+            <a:avLst/>
+          </a:prstGeom>
+          <a:ln w="63500">
+            <a:headEnd type="triangle"/>
+            <a:tailEnd type="none"/>
+          </a:ln>
+        </p:spPr>
+        <p:style>
+          <a:lnRef idx="1">
+            <a:schemeClr val="accent1"/>
+          </a:lnRef>
+          <a:fillRef idx="0">
+            <a:schemeClr val="accent1"/>
+          </a:fillRef>
+          <a:effectRef idx="0">
+            <a:schemeClr val="accent1"/>
+          </a:effectRef>
+          <a:fontRef idx="minor">
+            <a:schemeClr val="tx1"/>
+          </a:fontRef>
+        </p:style>
+      </p:cxnSp>
+      <p:sp>
+        <p:nvSpPr>
+          <p:cNvPr id="5" name="TextBox 4"/>
+          <p:cNvSpPr txBox="1"/>
+          <p:nvPr/>
+        </p:nvSpPr>
+        <p:spPr>
+          <a:xfrm>
+            <a:off x="2661370" y="1760340"/>
+            <a:ext cx="394496" cy="307777"/>
+          </a:xfrm>
+          <a:prstGeom prst="rect">
+            <a:avLst/>
+          </a:prstGeom>
+          <a:noFill/>
+          <a:ln w="25400">
+            <a:solidFill>
+              <a:schemeClr val="accent1">
+                <a:shade val="50000"/>
+              </a:schemeClr>
+            </a:solidFill>
+          </a:ln>
+        </p:spPr>
+        <p:txBody>
+          <a:bodyPr wrap="square" rtlCol="0">
+            <a:spAutoFit/>
+          </a:bodyPr>
+          <a:lstStyle/>
+          <a:p>
+            <a:pPr algn="ctr"/>
+            <a:r>
+              <a:rPr lang="en-US" sz="1400" dirty="0" smtClean="0"/>
+              <a:t>8a</a:t>
+            </a:r>
+            <a:endParaRPr lang="en-US" sz="1400" dirty="0"/>
+          </a:p>
+        </p:txBody>
+      </p:sp>
+      <p:sp>
+        <p:nvSpPr>
+          <p:cNvPr id="8" name="Can 7"/>
+          <p:cNvSpPr/>
+          <p:nvPr/>
+        </p:nvSpPr>
+        <p:spPr>
+          <a:xfrm>
+            <a:off x="9098280" y="2228624"/>
+            <a:ext cx="2380957" cy="2258969"/>
+          </a:xfrm>
+          <a:prstGeom prst="can">
+            <a:avLst/>
+          </a:prstGeom>
+        </p:spPr>
+        <p:style>
+          <a:lnRef idx="2">
+            <a:schemeClr val="accent1">
+              <a:shade val="50000"/>
+            </a:schemeClr>
+          </a:lnRef>
+          <a:fillRef idx="1">
+            <a:schemeClr val="accent1"/>
+          </a:fillRef>
+          <a:effectRef idx="0">
+            <a:schemeClr val="accent1"/>
+          </a:effectRef>
+          <a:fontRef idx="minor">
+            <a:schemeClr val="lt1"/>
+          </a:fontRef>
+        </p:style>
+        <p:txBody>
+          <a:bodyPr rtlCol="0" anchor="ctr"/>
+          <a:lstStyle/>
+          <a:p>
+            <a:pPr algn="ctr"/>
+            <a:r>
+              <a:rPr lang="en-US" sz="2400" dirty="0" smtClean="0"/>
+              <a:t>EHR</a:t>
+            </a:r>
+          </a:p>
+          <a:p>
+            <a:pPr algn="ctr"/>
+            <a:r>
+              <a:rPr lang="en-US" sz="2400" dirty="0" smtClean="0"/>
+              <a:t> FHIR Server</a:t>
+            </a:r>
+            <a:endParaRPr lang="en-US" sz="2400" dirty="0"/>
+          </a:p>
+        </p:txBody>
+      </p:sp>
+      <p:sp>
+        <p:nvSpPr>
+          <p:cNvPr id="11" name="Can 10"/>
+          <p:cNvSpPr/>
+          <p:nvPr/>
+        </p:nvSpPr>
+        <p:spPr>
+          <a:xfrm>
+            <a:off x="4568612" y="2228624"/>
+            <a:ext cx="2484820" cy="2258969"/>
+          </a:xfrm>
+          <a:prstGeom prst="can">
+            <a:avLst/>
+          </a:prstGeom>
+        </p:spPr>
+        <p:style>
+          <a:lnRef idx="2">
+            <a:schemeClr val="accent1">
+              <a:shade val="50000"/>
+            </a:schemeClr>
+          </a:lnRef>
+          <a:fillRef idx="1">
+            <a:schemeClr val="accent1"/>
+          </a:fillRef>
+          <a:effectRef idx="0">
+            <a:schemeClr val="accent1"/>
+          </a:effectRef>
+          <a:fontRef idx="minor">
+            <a:schemeClr val="lt1"/>
+          </a:fontRef>
+        </p:style>
+        <p:txBody>
+          <a:bodyPr rtlCol="0" anchor="ctr"/>
+          <a:lstStyle/>
+          <a:p>
+            <a:pPr algn="ctr"/>
+            <a:r>
+              <a:rPr lang="en-US" sz="2400" dirty="0" smtClean="0"/>
+              <a:t>Client</a:t>
+            </a:r>
+          </a:p>
+          <a:p>
+            <a:pPr algn="ctr"/>
+            <a:r>
+              <a:rPr lang="en-US" sz="2400" dirty="0" smtClean="0"/>
+              <a:t> Application Server</a:t>
+            </a:r>
+            <a:endParaRPr lang="en-US" sz="2400" dirty="0"/>
+          </a:p>
+        </p:txBody>
+      </p:sp>
+      <p:sp>
+        <p:nvSpPr>
+          <p:cNvPr id="19" name="TextBox 18"/>
+          <p:cNvSpPr txBox="1"/>
+          <p:nvPr/>
+        </p:nvSpPr>
+        <p:spPr>
+          <a:xfrm>
+            <a:off x="7387150" y="2037677"/>
+            <a:ext cx="394496" cy="307777"/>
+          </a:xfrm>
+          <a:prstGeom prst="rect">
+            <a:avLst/>
+          </a:prstGeom>
+          <a:noFill/>
+          <a:ln w="25400">
+            <a:solidFill>
+              <a:schemeClr val="accent1">
+                <a:shade val="50000"/>
+              </a:schemeClr>
+            </a:solidFill>
+          </a:ln>
+        </p:spPr>
+        <p:txBody>
+          <a:bodyPr wrap="square" rtlCol="0">
+            <a:spAutoFit/>
+          </a:bodyPr>
+          <a:lstStyle/>
+          <a:p>
+            <a:pPr algn="ctr"/>
+            <a:r>
+              <a:rPr lang="en-US" sz="1400" dirty="0" smtClean="0"/>
+              <a:t>8b</a:t>
+            </a:r>
+            <a:endParaRPr lang="en-US" sz="1400" dirty="0"/>
+          </a:p>
+        </p:txBody>
+      </p:sp>
+      <p:sp>
+        <p:nvSpPr>
+          <p:cNvPr id="20" name="TextBox 19"/>
+          <p:cNvSpPr txBox="1"/>
+          <p:nvPr/>
+        </p:nvSpPr>
+        <p:spPr>
+          <a:xfrm>
+            <a:off x="7387150" y="3585314"/>
+            <a:ext cx="394496" cy="307777"/>
+          </a:xfrm>
+          <a:prstGeom prst="rect">
+            <a:avLst/>
+          </a:prstGeom>
+          <a:noFill/>
+          <a:ln w="25400">
+            <a:solidFill>
+              <a:schemeClr val="accent1">
+                <a:shade val="50000"/>
+              </a:schemeClr>
+            </a:solidFill>
+          </a:ln>
+        </p:spPr>
+        <p:txBody>
+          <a:bodyPr wrap="square" rtlCol="0">
+            <a:spAutoFit/>
+          </a:bodyPr>
+          <a:lstStyle/>
+          <a:p>
+            <a:pPr algn="ctr"/>
+            <a:r>
+              <a:rPr lang="en-US" sz="1400" dirty="0" smtClean="0"/>
+              <a:t>8c</a:t>
+            </a:r>
+            <a:endParaRPr lang="en-US" sz="1400" dirty="0"/>
+          </a:p>
+        </p:txBody>
+      </p:sp>
+    </p:spTree>
+    <p:extLst>
+      <p:ext uri="{BB962C8B-B14F-4D97-AF65-F5344CB8AC3E}">
+        <p14:creationId xmlns:p14="http://schemas.microsoft.com/office/powerpoint/2010/main" val="688751188"/>
+      </p:ext>
+    </p:extLst>
+  </p:cSld>
+  <p:clrMapOvr>
+    <a:masterClrMapping/>
+  </p:clrMapOvr>
+</p:sld>
+</file>
+
+<file path=ppt/slides/slide6.xml><?xml version="1.0" encoding="utf-8"?>
+<p:sld xmlns:a="http://schemas.openxmlformats.org/drawingml/2006/main" xmlns:r="http://schemas.openxmlformats.org/officeDocument/2006/relationships" xmlns:p="http://schemas.openxmlformats.org/presentationml/2006/main">
+  <p:cSld>
+    <p:spTree>
+      <p:nvGrpSpPr>
+        <p:cNvPr id="1" name=""/>
+        <p:cNvGrpSpPr/>
+        <p:nvPr/>
+      </p:nvGrpSpPr>
+      <p:grpSpPr>
+        <a:xfrm>
+          <a:off x="0" y="0"/>
+          <a:ext cx="0" cy="0"/>
+          <a:chOff x="0" y="0"/>
+          <a:chExt cx="0" cy="0"/>
+        </a:xfrm>
+      </p:grpSpPr>
+      <p:pic>
+        <p:nvPicPr>
+          <p:cNvPr id="9" name="Picture 8"/>
+          <p:cNvPicPr>
+            <a:picLocks noChangeAspect="1"/>
+          </p:cNvPicPr>
+          <p:nvPr/>
+        </p:nvPicPr>
+        <p:blipFill>
+          <a:blip r:embed="rId2">
+            <a:extLst>
+              <a:ext uri="{28A0092B-C50C-407E-A947-70E740481C1C}">
+                <a14:useLocalDpi xmlns:a14="http://schemas.microsoft.com/office/drawing/2010/main" val="0"/>
+              </a:ext>
+            </a:extLst>
+          </a:blip>
+          <a:stretch>
+            <a:fillRect/>
+          </a:stretch>
+        </p:blipFill>
+        <p:spPr>
+          <a:xfrm>
+            <a:off x="744038" y="2116140"/>
+            <a:ext cx="1780491" cy="2698128"/>
+          </a:xfrm>
+          <a:prstGeom prst="rect">
+            <a:avLst/>
+          </a:prstGeom>
+        </p:spPr>
+      </p:pic>
+      <p:sp>
+        <p:nvSpPr>
+          <p:cNvPr id="40" name="Rectangle 39"/>
+          <p:cNvSpPr/>
+          <p:nvPr/>
+        </p:nvSpPr>
+        <p:spPr>
+          <a:xfrm>
+            <a:off x="4437529" y="1442189"/>
+            <a:ext cx="7274859" cy="4155142"/>
+          </a:xfrm>
+          <a:prstGeom prst="rect">
+            <a:avLst/>
+          </a:prstGeom>
+          <a:noFill/>
+          <a:ln w="63500">
+            <a:prstDash val="sysDash"/>
+          </a:ln>
+          <a:effectLst/>
+        </p:spPr>
+        <p:style>
+          <a:lnRef idx="2">
+            <a:schemeClr val="accent1">
+              <a:shade val="50000"/>
+            </a:schemeClr>
+          </a:lnRef>
+          <a:fillRef idx="1">
+            <a:schemeClr val="accent1"/>
+          </a:fillRef>
+          <a:effectRef idx="0">
+            <a:schemeClr val="accent1"/>
+          </a:effectRef>
+          <a:fontRef idx="minor">
+            <a:schemeClr val="lt1"/>
+          </a:fontRef>
+        </p:style>
+        <p:txBody>
+          <a:bodyPr rtlCol="0" anchor="ctr"/>
+          <a:lstStyle/>
+          <a:p>
+            <a:pPr algn="ctr"/>
+            <a:endParaRPr lang="en-US"/>
+          </a:p>
+        </p:txBody>
+      </p:sp>
+      <p:cxnSp>
+        <p:nvCxnSpPr>
+          <p:cNvPr id="42" name="Straight Connector 41"/>
+          <p:cNvCxnSpPr/>
+          <p:nvPr/>
+        </p:nvCxnSpPr>
+        <p:spPr>
+          <a:xfrm>
+            <a:off x="8089025" y="1442189"/>
+            <a:ext cx="0" cy="4155142"/>
+          </a:xfrm>
+          <a:prstGeom prst="line">
+            <a:avLst/>
+          </a:prstGeom>
+          <a:ln w="63500">
+            <a:prstDash val="sysDash"/>
+          </a:ln>
+        </p:spPr>
+        <p:style>
+          <a:lnRef idx="1">
+            <a:schemeClr val="accent1"/>
+          </a:lnRef>
+          <a:fillRef idx="0">
+            <a:schemeClr val="accent1"/>
+          </a:fillRef>
+          <a:effectRef idx="0">
+            <a:schemeClr val="accent1"/>
+          </a:effectRef>
+          <a:fontRef idx="minor">
+            <a:schemeClr val="tx1"/>
+          </a:fontRef>
+        </p:style>
+      </p:cxnSp>
+      <p:sp>
+        <p:nvSpPr>
+          <p:cNvPr id="4" name="TextBox 3"/>
+          <p:cNvSpPr txBox="1"/>
+          <p:nvPr/>
+        </p:nvSpPr>
+        <p:spPr>
+          <a:xfrm>
+            <a:off x="7118075" y="2560079"/>
+            <a:ext cx="2044849" cy="369332"/>
+          </a:xfrm>
+          <a:prstGeom prst="rect">
+            <a:avLst/>
+          </a:prstGeom>
+          <a:solidFill>
+            <a:schemeClr val="bg1"/>
+          </a:solidFill>
+          <a:effectLst/>
+        </p:spPr>
+        <p:txBody>
+          <a:bodyPr wrap="square" rtlCol="0">
+            <a:spAutoFit/>
+          </a:bodyPr>
+          <a:lstStyle/>
+          <a:p>
+            <a:r>
+              <a:rPr lang="en-US" dirty="0" smtClean="0"/>
+              <a:t>Books Appointment</a:t>
+            </a:r>
+            <a:endParaRPr lang="en-US" dirty="0"/>
+          </a:p>
+        </p:txBody>
+      </p:sp>
+      <p:sp>
+        <p:nvSpPr>
+          <p:cNvPr id="21" name="TextBox 20"/>
+          <p:cNvSpPr txBox="1"/>
+          <p:nvPr/>
+        </p:nvSpPr>
+        <p:spPr>
+          <a:xfrm>
+            <a:off x="7102949" y="3888037"/>
+            <a:ext cx="1976828" cy="646331"/>
+          </a:xfrm>
+          <a:prstGeom prst="rect">
+            <a:avLst/>
+          </a:prstGeom>
+          <a:solidFill>
+            <a:schemeClr val="bg1"/>
+          </a:solidFill>
+          <a:effectLst/>
+        </p:spPr>
+        <p:txBody>
+          <a:bodyPr wrap="square" rtlCol="0">
+            <a:spAutoFit/>
+          </a:bodyPr>
+          <a:lstStyle/>
+          <a:p>
+            <a:r>
+              <a:rPr lang="en-US" smtClean="0"/>
+              <a:t>Returns Booking</a:t>
+            </a:r>
+          </a:p>
+          <a:p>
+            <a:r>
+              <a:rPr lang="en-US" dirty="0" smtClean="0"/>
+              <a:t>Confirmation</a:t>
+            </a:r>
+            <a:endParaRPr lang="en-US" dirty="0"/>
+          </a:p>
+        </p:txBody>
+      </p:sp>
+      <p:cxnSp>
+        <p:nvCxnSpPr>
+          <p:cNvPr id="22" name="Straight Arrow Connector 21"/>
+          <p:cNvCxnSpPr/>
+          <p:nvPr/>
+        </p:nvCxnSpPr>
+        <p:spPr>
+          <a:xfrm>
+            <a:off x="7186170" y="3053895"/>
+            <a:ext cx="1861423" cy="0"/>
+          </a:xfrm>
+          <a:prstGeom prst="straightConnector1">
+            <a:avLst/>
+          </a:prstGeom>
+          <a:ln w="63500">
+            <a:tailEnd type="triangle"/>
+          </a:ln>
+        </p:spPr>
+        <p:style>
+          <a:lnRef idx="1">
+            <a:schemeClr val="accent1"/>
+          </a:lnRef>
+          <a:fillRef idx="0">
+            <a:schemeClr val="accent1"/>
+          </a:fillRef>
+          <a:effectRef idx="0">
+            <a:schemeClr val="accent1"/>
+          </a:effectRef>
+          <a:fontRef idx="minor">
+            <a:schemeClr val="tx1"/>
+          </a:fontRef>
+        </p:style>
+      </p:cxnSp>
+      <p:cxnSp>
+        <p:nvCxnSpPr>
+          <p:cNvPr id="23" name="Straight Arrow Connector 22"/>
+          <p:cNvCxnSpPr/>
+          <p:nvPr/>
+        </p:nvCxnSpPr>
+        <p:spPr>
+          <a:xfrm>
+            <a:off x="7120245" y="3323527"/>
+            <a:ext cx="1861423" cy="0"/>
+          </a:xfrm>
+          <a:prstGeom prst="straightConnector1">
+            <a:avLst/>
+          </a:prstGeom>
+          <a:ln w="63500">
+            <a:headEnd type="triangle"/>
+            <a:tailEnd type="none"/>
+          </a:ln>
+        </p:spPr>
+        <p:style>
+          <a:lnRef idx="1">
+            <a:schemeClr val="accent1"/>
+          </a:lnRef>
+          <a:fillRef idx="0">
+            <a:schemeClr val="accent1"/>
+          </a:fillRef>
+          <a:effectRef idx="0">
+            <a:schemeClr val="accent1"/>
+          </a:effectRef>
+          <a:fontRef idx="minor">
+            <a:schemeClr val="tx1"/>
+          </a:fontRef>
+        </p:style>
+      </p:cxnSp>
+      <p:cxnSp>
+        <p:nvCxnSpPr>
+          <p:cNvPr id="24" name="Straight Arrow Connector 23"/>
+          <p:cNvCxnSpPr/>
+          <p:nvPr/>
+        </p:nvCxnSpPr>
+        <p:spPr>
+          <a:xfrm>
+            <a:off x="2524529" y="3635452"/>
+            <a:ext cx="1861423" cy="0"/>
+          </a:xfrm>
+          <a:prstGeom prst="straightConnector1">
+            <a:avLst/>
+          </a:prstGeom>
+          <a:ln w="63500">
+            <a:headEnd type="triangle"/>
+            <a:tailEnd type="none"/>
+          </a:ln>
+        </p:spPr>
+        <p:style>
+          <a:lnRef idx="1">
+            <a:schemeClr val="accent1"/>
+          </a:lnRef>
+          <a:fillRef idx="0">
+            <a:schemeClr val="accent1"/>
+          </a:fillRef>
+          <a:effectRef idx="0">
+            <a:schemeClr val="accent1"/>
+          </a:effectRef>
+          <a:fontRef idx="minor">
+            <a:schemeClr val="tx1"/>
+          </a:fontRef>
+        </p:style>
+      </p:cxnSp>
+      <p:sp>
+        <p:nvSpPr>
+          <p:cNvPr id="25" name="TextBox 24"/>
+          <p:cNvSpPr txBox="1"/>
+          <p:nvPr/>
+        </p:nvSpPr>
+        <p:spPr>
+          <a:xfrm>
+            <a:off x="2622977" y="3808074"/>
+            <a:ext cx="1736532" cy="646331"/>
+          </a:xfrm>
+          <a:prstGeom prst="rect">
+            <a:avLst/>
+          </a:prstGeom>
+          <a:noFill/>
+        </p:spPr>
+        <p:txBody>
+          <a:bodyPr wrap="square" rtlCol="0">
+            <a:spAutoFit/>
+          </a:bodyPr>
+          <a:lstStyle/>
+          <a:p>
+            <a:r>
+              <a:rPr lang="en-US" dirty="0" smtClean="0"/>
+              <a:t>Confirms booking</a:t>
+            </a:r>
+            <a:endParaRPr lang="en-US" dirty="0"/>
+          </a:p>
+        </p:txBody>
+      </p:sp>
+      <p:sp>
+        <p:nvSpPr>
+          <p:cNvPr id="27" name="TextBox 26"/>
+          <p:cNvSpPr txBox="1"/>
+          <p:nvPr/>
+        </p:nvSpPr>
+        <p:spPr>
+          <a:xfrm>
+            <a:off x="3645630" y="3878689"/>
+            <a:ext cx="415619" cy="369332"/>
+          </a:xfrm>
+          <a:prstGeom prst="rect">
+            <a:avLst/>
+          </a:prstGeom>
+          <a:noFill/>
+          <a:ln w="25400">
+            <a:solidFill>
+              <a:schemeClr val="accent1">
+                <a:shade val="50000"/>
+              </a:schemeClr>
+            </a:solidFill>
+          </a:ln>
+        </p:spPr>
+        <p:txBody>
+          <a:bodyPr wrap="square" rtlCol="0">
+            <a:spAutoFit/>
+          </a:bodyPr>
+          <a:lstStyle/>
+          <a:p>
+            <a:pPr algn="ctr"/>
+            <a:r>
+              <a:rPr lang="en-US" dirty="0" smtClean="0"/>
+              <a:t>11</a:t>
+            </a:r>
+            <a:endParaRPr lang="en-US" dirty="0"/>
+          </a:p>
+        </p:txBody>
+      </p:sp>
+      <p:sp>
+        <p:nvSpPr>
+          <p:cNvPr id="28" name="TextBox 27"/>
+          <p:cNvSpPr txBox="1"/>
+          <p:nvPr/>
+        </p:nvSpPr>
+        <p:spPr>
+          <a:xfrm>
+            <a:off x="7432765" y="3543987"/>
+            <a:ext cx="423109" cy="369332"/>
+          </a:xfrm>
+          <a:prstGeom prst="rect">
+            <a:avLst/>
+          </a:prstGeom>
+          <a:noFill/>
+          <a:ln w="25400">
+            <a:solidFill>
+              <a:schemeClr val="accent1">
+                <a:shade val="50000"/>
+              </a:schemeClr>
+            </a:solidFill>
+          </a:ln>
+        </p:spPr>
+        <p:txBody>
+          <a:bodyPr wrap="square" rtlCol="0">
+            <a:spAutoFit/>
+          </a:bodyPr>
+          <a:lstStyle/>
+          <a:p>
+            <a:pPr algn="ctr"/>
+            <a:r>
+              <a:rPr lang="en-US" dirty="0" smtClean="0"/>
+              <a:t>10</a:t>
+            </a:r>
+            <a:endParaRPr lang="en-US" dirty="0"/>
+          </a:p>
+        </p:txBody>
+      </p:sp>
+      <p:sp>
+        <p:nvSpPr>
+          <p:cNvPr id="29" name="TextBox 28"/>
+          <p:cNvSpPr txBox="1"/>
+          <p:nvPr/>
+        </p:nvSpPr>
+        <p:spPr>
+          <a:xfrm>
+            <a:off x="7261131" y="2192222"/>
+            <a:ext cx="375381" cy="369332"/>
+          </a:xfrm>
+          <a:prstGeom prst="rect">
+            <a:avLst/>
+          </a:prstGeom>
+          <a:noFill/>
+          <a:ln w="25400">
+            <a:solidFill>
+              <a:schemeClr val="accent1">
+                <a:shade val="50000"/>
+              </a:schemeClr>
+            </a:solidFill>
+          </a:ln>
+        </p:spPr>
+        <p:txBody>
+          <a:bodyPr wrap="square" rtlCol="0">
+            <a:spAutoFit/>
+          </a:bodyPr>
+          <a:lstStyle/>
+          <a:p>
+            <a:pPr algn="ctr"/>
+            <a:r>
               <a:rPr lang="en-US" dirty="0"/>
               <a:t>9</a:t>
             </a:r>
-            <a:endParaRPr lang="en-US" dirty="0"/>
           </a:p>
         </p:txBody>
       </p:sp>
@@ -6060,6 +7089,699 @@
     <p:extLst>
       <p:ext uri="{BB962C8B-B14F-4D97-AF65-F5344CB8AC3E}">
         <p14:creationId xmlns:p14="http://schemas.microsoft.com/office/powerpoint/2010/main" val="1611381086"/>
+      </p:ext>
+    </p:extLst>
+  </p:cSld>
+  <p:clrMapOvr>
+    <a:masterClrMapping/>
+  </p:clrMapOvr>
+</p:sld>
+</file>
+
+<file path=ppt/slides/slide7.xml><?xml version="1.0" encoding="utf-8"?>
+<p:sld xmlns:a="http://schemas.openxmlformats.org/drawingml/2006/main" xmlns:r="http://schemas.openxmlformats.org/officeDocument/2006/relationships" xmlns:p="http://schemas.openxmlformats.org/presentationml/2006/main">
+  <p:cSld>
+    <p:spTree>
+      <p:nvGrpSpPr>
+        <p:cNvPr id="1" name=""/>
+        <p:cNvGrpSpPr/>
+        <p:nvPr/>
+      </p:nvGrpSpPr>
+      <p:grpSpPr>
+        <a:xfrm>
+          <a:off x="0" y="0"/>
+          <a:ext cx="0" cy="0"/>
+          <a:chOff x="0" y="0"/>
+          <a:chExt cx="0" cy="0"/>
+        </a:xfrm>
+      </p:grpSpPr>
+      <p:pic>
+        <p:nvPicPr>
+          <p:cNvPr id="9" name="Picture 8"/>
+          <p:cNvPicPr>
+            <a:picLocks noChangeAspect="1"/>
+          </p:cNvPicPr>
+          <p:nvPr/>
+        </p:nvPicPr>
+        <p:blipFill>
+          <a:blip r:embed="rId2">
+            <a:extLst>
+              <a:ext uri="{28A0092B-C50C-407E-A947-70E740481C1C}">
+                <a14:useLocalDpi xmlns:a14="http://schemas.microsoft.com/office/drawing/2010/main" val="0"/>
+              </a:ext>
+            </a:extLst>
+          </a:blip>
+          <a:stretch>
+            <a:fillRect/>
+          </a:stretch>
+        </p:blipFill>
+        <p:spPr>
+          <a:xfrm>
+            <a:off x="744038" y="2116140"/>
+            <a:ext cx="1780491" cy="2698128"/>
+          </a:xfrm>
+          <a:prstGeom prst="rect">
+            <a:avLst/>
+          </a:prstGeom>
+        </p:spPr>
+      </p:pic>
+      <p:sp>
+        <p:nvSpPr>
+          <p:cNvPr id="40" name="Rectangle 39"/>
+          <p:cNvSpPr/>
+          <p:nvPr/>
+        </p:nvSpPr>
+        <p:spPr>
+          <a:xfrm>
+            <a:off x="4437529" y="1442189"/>
+            <a:ext cx="7274859" cy="4155142"/>
+          </a:xfrm>
+          <a:prstGeom prst="rect">
+            <a:avLst/>
+          </a:prstGeom>
+          <a:noFill/>
+          <a:ln w="63500">
+            <a:prstDash val="sysDash"/>
+          </a:ln>
+          <a:effectLst/>
+        </p:spPr>
+        <p:style>
+          <a:lnRef idx="2">
+            <a:schemeClr val="accent1">
+              <a:shade val="50000"/>
+            </a:schemeClr>
+          </a:lnRef>
+          <a:fillRef idx="1">
+            <a:schemeClr val="accent1"/>
+          </a:fillRef>
+          <a:effectRef idx="0">
+            <a:schemeClr val="accent1"/>
+          </a:effectRef>
+          <a:fontRef idx="minor">
+            <a:schemeClr val="lt1"/>
+          </a:fontRef>
+        </p:style>
+        <p:txBody>
+          <a:bodyPr rtlCol="0" anchor="ctr"/>
+          <a:lstStyle/>
+          <a:p>
+            <a:pPr algn="ctr"/>
+            <a:endParaRPr lang="en-US"/>
+          </a:p>
+        </p:txBody>
+      </p:sp>
+      <p:cxnSp>
+        <p:nvCxnSpPr>
+          <p:cNvPr id="42" name="Straight Connector 41"/>
+          <p:cNvCxnSpPr/>
+          <p:nvPr/>
+        </p:nvCxnSpPr>
+        <p:spPr>
+          <a:xfrm>
+            <a:off x="8089025" y="1442189"/>
+            <a:ext cx="0" cy="4155142"/>
+          </a:xfrm>
+          <a:prstGeom prst="line">
+            <a:avLst/>
+          </a:prstGeom>
+          <a:ln w="63500">
+            <a:prstDash val="sysDash"/>
+          </a:ln>
+        </p:spPr>
+        <p:style>
+          <a:lnRef idx="1">
+            <a:schemeClr val="accent1"/>
+          </a:lnRef>
+          <a:fillRef idx="0">
+            <a:schemeClr val="accent1"/>
+          </a:fillRef>
+          <a:effectRef idx="0">
+            <a:schemeClr val="accent1"/>
+          </a:effectRef>
+          <a:fontRef idx="minor">
+            <a:schemeClr val="tx1"/>
+          </a:fontRef>
+        </p:style>
+      </p:cxnSp>
+      <p:sp>
+        <p:nvSpPr>
+          <p:cNvPr id="44" name="TextBox 43"/>
+          <p:cNvSpPr txBox="1"/>
+          <p:nvPr/>
+        </p:nvSpPr>
+        <p:spPr>
+          <a:xfrm>
+            <a:off x="2613145" y="2149323"/>
+            <a:ext cx="1736532" cy="923330"/>
+          </a:xfrm>
+          <a:prstGeom prst="rect">
+            <a:avLst/>
+          </a:prstGeom>
+          <a:noFill/>
+        </p:spPr>
+        <p:txBody>
+          <a:bodyPr wrap="square" rtlCol="0">
+            <a:spAutoFit/>
+          </a:bodyPr>
+          <a:lstStyle/>
+          <a:p>
+            <a:r>
+              <a:rPr lang="en-US" dirty="0" smtClean="0"/>
+              <a:t>End user completes booking</a:t>
+            </a:r>
+            <a:endParaRPr lang="en-US" dirty="0"/>
+          </a:p>
+        </p:txBody>
+      </p:sp>
+      <p:cxnSp>
+        <p:nvCxnSpPr>
+          <p:cNvPr id="3" name="Straight Arrow Connector 2"/>
+          <p:cNvCxnSpPr/>
+          <p:nvPr/>
+        </p:nvCxnSpPr>
+        <p:spPr>
+          <a:xfrm>
+            <a:off x="2576106" y="3242025"/>
+            <a:ext cx="1861423" cy="0"/>
+          </a:xfrm>
+          <a:prstGeom prst="straightConnector1">
+            <a:avLst/>
+          </a:prstGeom>
+          <a:ln w="63500">
+            <a:tailEnd type="triangle"/>
+          </a:ln>
+        </p:spPr>
+        <p:style>
+          <a:lnRef idx="1">
+            <a:schemeClr val="accent1"/>
+          </a:lnRef>
+          <a:fillRef idx="0">
+            <a:schemeClr val="accent1"/>
+          </a:fillRef>
+          <a:effectRef idx="0">
+            <a:schemeClr val="accent1"/>
+          </a:effectRef>
+          <a:fontRef idx="minor">
+            <a:schemeClr val="tx1"/>
+          </a:fontRef>
+        </p:style>
+      </p:cxnSp>
+      <p:sp>
+        <p:nvSpPr>
+          <p:cNvPr id="4" name="TextBox 3"/>
+          <p:cNvSpPr txBox="1"/>
+          <p:nvPr/>
+        </p:nvSpPr>
+        <p:spPr>
+          <a:xfrm>
+            <a:off x="7118075" y="2560079"/>
+            <a:ext cx="2044849" cy="369332"/>
+          </a:xfrm>
+          <a:prstGeom prst="rect">
+            <a:avLst/>
+          </a:prstGeom>
+          <a:solidFill>
+            <a:schemeClr val="bg1"/>
+          </a:solidFill>
+          <a:effectLst/>
+        </p:spPr>
+        <p:txBody>
+          <a:bodyPr wrap="square" rtlCol="0">
+            <a:spAutoFit/>
+          </a:bodyPr>
+          <a:lstStyle/>
+          <a:p>
+            <a:r>
+              <a:rPr lang="en-US" dirty="0" smtClean="0"/>
+              <a:t>Books Appointment</a:t>
+            </a:r>
+            <a:endParaRPr lang="en-US" dirty="0"/>
+          </a:p>
+        </p:txBody>
+      </p:sp>
+      <p:sp>
+        <p:nvSpPr>
+          <p:cNvPr id="21" name="TextBox 20"/>
+          <p:cNvSpPr txBox="1"/>
+          <p:nvPr/>
+        </p:nvSpPr>
+        <p:spPr>
+          <a:xfrm>
+            <a:off x="7102949" y="3888037"/>
+            <a:ext cx="1976828" cy="646331"/>
+          </a:xfrm>
+          <a:prstGeom prst="rect">
+            <a:avLst/>
+          </a:prstGeom>
+          <a:solidFill>
+            <a:schemeClr val="bg1"/>
+          </a:solidFill>
+          <a:effectLst/>
+        </p:spPr>
+        <p:txBody>
+          <a:bodyPr wrap="square" rtlCol="0">
+            <a:spAutoFit/>
+          </a:bodyPr>
+          <a:lstStyle/>
+          <a:p>
+            <a:r>
+              <a:rPr lang="en-US" smtClean="0"/>
+              <a:t>Returns Booking</a:t>
+            </a:r>
+          </a:p>
+          <a:p>
+            <a:r>
+              <a:rPr lang="en-US" dirty="0" smtClean="0"/>
+              <a:t>Confirmation</a:t>
+            </a:r>
+            <a:endParaRPr lang="en-US" dirty="0"/>
+          </a:p>
+        </p:txBody>
+      </p:sp>
+      <p:cxnSp>
+        <p:nvCxnSpPr>
+          <p:cNvPr id="22" name="Straight Arrow Connector 21"/>
+          <p:cNvCxnSpPr/>
+          <p:nvPr/>
+        </p:nvCxnSpPr>
+        <p:spPr>
+          <a:xfrm>
+            <a:off x="7186170" y="3053895"/>
+            <a:ext cx="1861423" cy="0"/>
+          </a:xfrm>
+          <a:prstGeom prst="straightConnector1">
+            <a:avLst/>
+          </a:prstGeom>
+          <a:ln w="63500">
+            <a:tailEnd type="triangle"/>
+          </a:ln>
+        </p:spPr>
+        <p:style>
+          <a:lnRef idx="1">
+            <a:schemeClr val="accent1"/>
+          </a:lnRef>
+          <a:fillRef idx="0">
+            <a:schemeClr val="accent1"/>
+          </a:fillRef>
+          <a:effectRef idx="0">
+            <a:schemeClr val="accent1"/>
+          </a:effectRef>
+          <a:fontRef idx="minor">
+            <a:schemeClr val="tx1"/>
+          </a:fontRef>
+        </p:style>
+      </p:cxnSp>
+      <p:cxnSp>
+        <p:nvCxnSpPr>
+          <p:cNvPr id="23" name="Straight Arrow Connector 22"/>
+          <p:cNvCxnSpPr/>
+          <p:nvPr/>
+        </p:nvCxnSpPr>
+        <p:spPr>
+          <a:xfrm>
+            <a:off x="7120245" y="3323527"/>
+            <a:ext cx="1861423" cy="0"/>
+          </a:xfrm>
+          <a:prstGeom prst="straightConnector1">
+            <a:avLst/>
+          </a:prstGeom>
+          <a:ln w="63500">
+            <a:headEnd type="triangle"/>
+            <a:tailEnd type="none"/>
+          </a:ln>
+        </p:spPr>
+        <p:style>
+          <a:lnRef idx="1">
+            <a:schemeClr val="accent1"/>
+          </a:lnRef>
+          <a:fillRef idx="0">
+            <a:schemeClr val="accent1"/>
+          </a:fillRef>
+          <a:effectRef idx="0">
+            <a:schemeClr val="accent1"/>
+          </a:effectRef>
+          <a:fontRef idx="minor">
+            <a:schemeClr val="tx1"/>
+          </a:fontRef>
+        </p:style>
+      </p:cxnSp>
+      <p:cxnSp>
+        <p:nvCxnSpPr>
+          <p:cNvPr id="24" name="Straight Arrow Connector 23"/>
+          <p:cNvCxnSpPr/>
+          <p:nvPr/>
+        </p:nvCxnSpPr>
+        <p:spPr>
+          <a:xfrm>
+            <a:off x="2524529" y="3635452"/>
+            <a:ext cx="1861423" cy="0"/>
+          </a:xfrm>
+          <a:prstGeom prst="straightConnector1">
+            <a:avLst/>
+          </a:prstGeom>
+          <a:ln w="63500">
+            <a:headEnd type="triangle"/>
+            <a:tailEnd type="none"/>
+          </a:ln>
+        </p:spPr>
+        <p:style>
+          <a:lnRef idx="1">
+            <a:schemeClr val="accent1"/>
+          </a:lnRef>
+          <a:fillRef idx="0">
+            <a:schemeClr val="accent1"/>
+          </a:fillRef>
+          <a:effectRef idx="0">
+            <a:schemeClr val="accent1"/>
+          </a:effectRef>
+          <a:fontRef idx="minor">
+            <a:schemeClr val="tx1"/>
+          </a:fontRef>
+        </p:style>
+      </p:cxnSp>
+      <p:sp>
+        <p:nvSpPr>
+          <p:cNvPr id="25" name="TextBox 24"/>
+          <p:cNvSpPr txBox="1"/>
+          <p:nvPr/>
+        </p:nvSpPr>
+        <p:spPr>
+          <a:xfrm>
+            <a:off x="2622977" y="3808074"/>
+            <a:ext cx="1736532" cy="646331"/>
+          </a:xfrm>
+          <a:prstGeom prst="rect">
+            <a:avLst/>
+          </a:prstGeom>
+          <a:noFill/>
+        </p:spPr>
+        <p:txBody>
+          <a:bodyPr wrap="square" rtlCol="0">
+            <a:spAutoFit/>
+          </a:bodyPr>
+          <a:lstStyle/>
+          <a:p>
+            <a:r>
+              <a:rPr lang="en-US" dirty="0" smtClean="0"/>
+              <a:t>Confirms booking</a:t>
+            </a:r>
+            <a:endParaRPr lang="en-US" dirty="0"/>
+          </a:p>
+        </p:txBody>
+      </p:sp>
+      <p:sp>
+        <p:nvSpPr>
+          <p:cNvPr id="5" name="TextBox 4"/>
+          <p:cNvSpPr txBox="1"/>
+          <p:nvPr/>
+        </p:nvSpPr>
+        <p:spPr>
+          <a:xfrm>
+            <a:off x="2661370" y="1760340"/>
+            <a:ext cx="333072" cy="369332"/>
+          </a:xfrm>
+          <a:prstGeom prst="rect">
+            <a:avLst/>
+          </a:prstGeom>
+          <a:noFill/>
+          <a:ln w="25400">
+            <a:solidFill>
+              <a:schemeClr val="accent1">
+                <a:shade val="50000"/>
+              </a:schemeClr>
+            </a:solidFill>
+          </a:ln>
+        </p:spPr>
+        <p:txBody>
+          <a:bodyPr wrap="square" rtlCol="0">
+            <a:spAutoFit/>
+          </a:bodyPr>
+          <a:lstStyle/>
+          <a:p>
+            <a:pPr algn="ctr"/>
+            <a:r>
+              <a:rPr lang="en-US" dirty="0" smtClean="0"/>
+              <a:t>8</a:t>
+            </a:r>
+            <a:endParaRPr lang="en-US" dirty="0"/>
+          </a:p>
+        </p:txBody>
+      </p:sp>
+      <p:sp>
+        <p:nvSpPr>
+          <p:cNvPr id="27" name="TextBox 26"/>
+          <p:cNvSpPr txBox="1"/>
+          <p:nvPr/>
+        </p:nvSpPr>
+        <p:spPr>
+          <a:xfrm>
+            <a:off x="3645630" y="3878689"/>
+            <a:ext cx="415619" cy="369332"/>
+          </a:xfrm>
+          <a:prstGeom prst="rect">
+            <a:avLst/>
+          </a:prstGeom>
+          <a:noFill/>
+          <a:ln w="25400">
+            <a:solidFill>
+              <a:schemeClr val="accent1">
+                <a:shade val="50000"/>
+              </a:schemeClr>
+            </a:solidFill>
+          </a:ln>
+        </p:spPr>
+        <p:txBody>
+          <a:bodyPr wrap="square" rtlCol="0">
+            <a:spAutoFit/>
+          </a:bodyPr>
+          <a:lstStyle/>
+          <a:p>
+            <a:pPr algn="ctr"/>
+            <a:r>
+              <a:rPr lang="en-US" dirty="0" smtClean="0"/>
+              <a:t>11</a:t>
+            </a:r>
+            <a:endParaRPr lang="en-US" dirty="0"/>
+          </a:p>
+        </p:txBody>
+      </p:sp>
+      <p:sp>
+        <p:nvSpPr>
+          <p:cNvPr id="28" name="TextBox 27"/>
+          <p:cNvSpPr txBox="1"/>
+          <p:nvPr/>
+        </p:nvSpPr>
+        <p:spPr>
+          <a:xfrm>
+            <a:off x="7432765" y="3543987"/>
+            <a:ext cx="423109" cy="369332"/>
+          </a:xfrm>
+          <a:prstGeom prst="rect">
+            <a:avLst/>
+          </a:prstGeom>
+          <a:noFill/>
+          <a:ln w="25400">
+            <a:solidFill>
+              <a:schemeClr val="accent1">
+                <a:shade val="50000"/>
+              </a:schemeClr>
+            </a:solidFill>
+          </a:ln>
+        </p:spPr>
+        <p:txBody>
+          <a:bodyPr wrap="square" rtlCol="0">
+            <a:spAutoFit/>
+          </a:bodyPr>
+          <a:lstStyle/>
+          <a:p>
+            <a:pPr algn="ctr"/>
+            <a:r>
+              <a:rPr lang="en-US" dirty="0" smtClean="0"/>
+              <a:t>10</a:t>
+            </a:r>
+            <a:endParaRPr lang="en-US" dirty="0"/>
+          </a:p>
+        </p:txBody>
+      </p:sp>
+      <p:sp>
+        <p:nvSpPr>
+          <p:cNvPr id="29" name="TextBox 28"/>
+          <p:cNvSpPr txBox="1"/>
+          <p:nvPr/>
+        </p:nvSpPr>
+        <p:spPr>
+          <a:xfrm>
+            <a:off x="7261131" y="2192222"/>
+            <a:ext cx="375381" cy="369332"/>
+          </a:xfrm>
+          <a:prstGeom prst="rect">
+            <a:avLst/>
+          </a:prstGeom>
+          <a:noFill/>
+          <a:ln w="25400">
+            <a:solidFill>
+              <a:schemeClr val="accent1">
+                <a:shade val="50000"/>
+              </a:schemeClr>
+            </a:solidFill>
+          </a:ln>
+        </p:spPr>
+        <p:txBody>
+          <a:bodyPr wrap="square" rtlCol="0">
+            <a:spAutoFit/>
+          </a:bodyPr>
+          <a:lstStyle/>
+          <a:p>
+            <a:pPr algn="ctr"/>
+            <a:r>
+              <a:rPr lang="en-US" dirty="0"/>
+              <a:t>9</a:t>
+            </a:r>
+          </a:p>
+        </p:txBody>
+      </p:sp>
+      <p:sp>
+        <p:nvSpPr>
+          <p:cNvPr id="8" name="Can 7"/>
+          <p:cNvSpPr/>
+          <p:nvPr/>
+        </p:nvSpPr>
+        <p:spPr>
+          <a:xfrm>
+            <a:off x="9098280" y="2228624"/>
+            <a:ext cx="2380957" cy="2258969"/>
+          </a:xfrm>
+          <a:prstGeom prst="can">
+            <a:avLst/>
+          </a:prstGeom>
+        </p:spPr>
+        <p:style>
+          <a:lnRef idx="2">
+            <a:schemeClr val="accent1">
+              <a:shade val="50000"/>
+            </a:schemeClr>
+          </a:lnRef>
+          <a:fillRef idx="1">
+            <a:schemeClr val="accent1"/>
+          </a:fillRef>
+          <a:effectRef idx="0">
+            <a:schemeClr val="accent1"/>
+          </a:effectRef>
+          <a:fontRef idx="minor">
+            <a:schemeClr val="lt1"/>
+          </a:fontRef>
+        </p:style>
+        <p:txBody>
+          <a:bodyPr rtlCol="0" anchor="ctr"/>
+          <a:lstStyle/>
+          <a:p>
+            <a:pPr algn="ctr"/>
+            <a:r>
+              <a:rPr lang="en-US" sz="2400" dirty="0" smtClean="0"/>
+              <a:t>EHR</a:t>
+            </a:r>
+          </a:p>
+          <a:p>
+            <a:pPr algn="ctr"/>
+            <a:r>
+              <a:rPr lang="en-US" sz="2400" dirty="0" smtClean="0"/>
+              <a:t> FHIR Server</a:t>
+            </a:r>
+            <a:endParaRPr lang="en-US" sz="2400" dirty="0"/>
+          </a:p>
+        </p:txBody>
+      </p:sp>
+      <p:sp>
+        <p:nvSpPr>
+          <p:cNvPr id="11" name="Can 10"/>
+          <p:cNvSpPr/>
+          <p:nvPr/>
+        </p:nvSpPr>
+        <p:spPr>
+          <a:xfrm>
+            <a:off x="4568612" y="2228624"/>
+            <a:ext cx="2484820" cy="2258969"/>
+          </a:xfrm>
+          <a:prstGeom prst="can">
+            <a:avLst/>
+          </a:prstGeom>
+        </p:spPr>
+        <p:style>
+          <a:lnRef idx="2">
+            <a:schemeClr val="accent1">
+              <a:shade val="50000"/>
+            </a:schemeClr>
+          </a:lnRef>
+          <a:fillRef idx="1">
+            <a:schemeClr val="accent1"/>
+          </a:fillRef>
+          <a:effectRef idx="0">
+            <a:schemeClr val="accent1"/>
+          </a:effectRef>
+          <a:fontRef idx="minor">
+            <a:schemeClr val="lt1"/>
+          </a:fontRef>
+        </p:style>
+        <p:txBody>
+          <a:bodyPr rtlCol="0" anchor="ctr"/>
+          <a:lstStyle/>
+          <a:p>
+            <a:pPr algn="ctr"/>
+            <a:r>
+              <a:rPr lang="en-US" sz="2400" dirty="0" smtClean="0"/>
+              <a:t>Client</a:t>
+            </a:r>
+          </a:p>
+          <a:p>
+            <a:pPr algn="ctr"/>
+            <a:r>
+              <a:rPr lang="en-US" sz="2400" dirty="0" smtClean="0"/>
+              <a:t> Application Server</a:t>
+            </a:r>
+            <a:endParaRPr lang="en-US" sz="2400" dirty="0"/>
+          </a:p>
+        </p:txBody>
+      </p:sp>
+      <p:sp>
+        <p:nvSpPr>
+          <p:cNvPr id="26" name="TextBox 25"/>
+          <p:cNvSpPr txBox="1"/>
+          <p:nvPr/>
+        </p:nvSpPr>
+        <p:spPr>
+          <a:xfrm>
+            <a:off x="4437528" y="5690535"/>
+            <a:ext cx="7274859" cy="369332"/>
+          </a:xfrm>
+          <a:prstGeom prst="rect">
+            <a:avLst/>
+          </a:prstGeom>
+          <a:noFill/>
+          <a:ln w="25400" cap="flat">
+            <a:solidFill>
+              <a:schemeClr val="accent1">
+                <a:shade val="50000"/>
+              </a:schemeClr>
+            </a:solidFill>
+          </a:ln>
+        </p:spPr>
+        <p:txBody>
+          <a:bodyPr wrap="square" rtlCol="0">
+            <a:spAutoFit/>
+          </a:bodyPr>
+          <a:lstStyle/>
+          <a:p>
+            <a:r>
+              <a:rPr lang="en-US" dirty="0" smtClean="0"/>
+              <a:t>NOTE: Step 9 include registering new patients within EHR</a:t>
+            </a:r>
+          </a:p>
+        </p:txBody>
+      </p:sp>
+    </p:spTree>
+    <p:extLst>
+      <p:ext uri="{BB962C8B-B14F-4D97-AF65-F5344CB8AC3E}">
+        <p14:creationId xmlns:p14="http://schemas.microsoft.com/office/powerpoint/2010/main" val="85523241"/>
       </p:ext>
     </p:extLst>
   </p:cSld>

--- a/meeting-notes/WorkFlowDiagrams.pptx
+++ b/meeting-notes/WorkFlowDiagrams.pptx
@@ -203,7 +203,7 @@
           <a:p>
             <a:fld id="{7BDA92F8-9482-1145-B1E4-CE31E168D77D}" type="datetimeFigureOut">
               <a:rPr lang="en-US" smtClean="0"/>
-              <a:t>8/10/17</a:t>
+              <a:t>8/16/17</a:t>
             </a:fld>
             <a:endParaRPr lang="en-US"/>
           </a:p>
@@ -686,7 +686,7 @@
           <a:p>
             <a:fld id="{150AD5B7-C160-7A4E-8FA5-E71465AAF732}" type="datetimeFigureOut">
               <a:rPr lang="en-US" smtClean="0"/>
-              <a:t>8/10/17</a:t>
+              <a:t>8/16/17</a:t>
             </a:fld>
             <a:endParaRPr lang="en-US"/>
           </a:p>
@@ -856,7 +856,7 @@
           <a:p>
             <a:fld id="{150AD5B7-C160-7A4E-8FA5-E71465AAF732}" type="datetimeFigureOut">
               <a:rPr lang="en-US" smtClean="0"/>
-              <a:t>8/10/17</a:t>
+              <a:t>8/16/17</a:t>
             </a:fld>
             <a:endParaRPr lang="en-US"/>
           </a:p>
@@ -1036,7 +1036,7 @@
           <a:p>
             <a:fld id="{150AD5B7-C160-7A4E-8FA5-E71465AAF732}" type="datetimeFigureOut">
               <a:rPr lang="en-US" smtClean="0"/>
-              <a:t>8/10/17</a:t>
+              <a:t>8/16/17</a:t>
             </a:fld>
             <a:endParaRPr lang="en-US"/>
           </a:p>
@@ -1206,7 +1206,7 @@
           <a:p>
             <a:fld id="{150AD5B7-C160-7A4E-8FA5-E71465AAF732}" type="datetimeFigureOut">
               <a:rPr lang="en-US" smtClean="0"/>
-              <a:t>8/10/17</a:t>
+              <a:t>8/16/17</a:t>
             </a:fld>
             <a:endParaRPr lang="en-US"/>
           </a:p>
@@ -1452,7 +1452,7 @@
           <a:p>
             <a:fld id="{150AD5B7-C160-7A4E-8FA5-E71465AAF732}" type="datetimeFigureOut">
               <a:rPr lang="en-US" smtClean="0"/>
-              <a:t>8/10/17</a:t>
+              <a:t>8/16/17</a:t>
             </a:fld>
             <a:endParaRPr lang="en-US"/>
           </a:p>
@@ -1684,7 +1684,7 @@
           <a:p>
             <a:fld id="{150AD5B7-C160-7A4E-8FA5-E71465AAF732}" type="datetimeFigureOut">
               <a:rPr lang="en-US" smtClean="0"/>
-              <a:t>8/10/17</a:t>
+              <a:t>8/16/17</a:t>
             </a:fld>
             <a:endParaRPr lang="en-US"/>
           </a:p>
@@ -2051,7 +2051,7 @@
           <a:p>
             <a:fld id="{150AD5B7-C160-7A4E-8FA5-E71465AAF732}" type="datetimeFigureOut">
               <a:rPr lang="en-US" smtClean="0"/>
-              <a:t>8/10/17</a:t>
+              <a:t>8/16/17</a:t>
             </a:fld>
             <a:endParaRPr lang="en-US"/>
           </a:p>
@@ -2169,7 +2169,7 @@
           <a:p>
             <a:fld id="{150AD5B7-C160-7A4E-8FA5-E71465AAF732}" type="datetimeFigureOut">
               <a:rPr lang="en-US" smtClean="0"/>
-              <a:t>8/10/17</a:t>
+              <a:t>8/16/17</a:t>
             </a:fld>
             <a:endParaRPr lang="en-US"/>
           </a:p>
@@ -2264,7 +2264,7 @@
           <a:p>
             <a:fld id="{150AD5B7-C160-7A4E-8FA5-E71465AAF732}" type="datetimeFigureOut">
               <a:rPr lang="en-US" smtClean="0"/>
-              <a:t>8/10/17</a:t>
+              <a:t>8/16/17</a:t>
             </a:fld>
             <a:endParaRPr lang="en-US"/>
           </a:p>
@@ -2541,7 +2541,7 @@
           <a:p>
             <a:fld id="{150AD5B7-C160-7A4E-8FA5-E71465AAF732}" type="datetimeFigureOut">
               <a:rPr lang="en-US" smtClean="0"/>
-              <a:t>8/10/17</a:t>
+              <a:t>8/16/17</a:t>
             </a:fld>
             <a:endParaRPr lang="en-US"/>
           </a:p>
@@ -2794,7 +2794,7 @@
           <a:p>
             <a:fld id="{150AD5B7-C160-7A4E-8FA5-E71465AAF732}" type="datetimeFigureOut">
               <a:rPr lang="en-US" smtClean="0"/>
-              <a:t>8/10/17</a:t>
+              <a:t>8/16/17</a:t>
             </a:fld>
             <a:endParaRPr lang="en-US"/>
           </a:p>
@@ -3007,7 +3007,7 @@
           <a:p>
             <a:fld id="{150AD5B7-C160-7A4E-8FA5-E71465AAF732}" type="datetimeFigureOut">
               <a:rPr lang="en-US" smtClean="0"/>
-              <a:t>8/10/17</a:t>
+              <a:t>8/16/17</a:t>
             </a:fld>
             <a:endParaRPr lang="en-US"/>
           </a:p>
@@ -5788,7 +5788,6 @@
               <a:rPr lang="en-US" dirty="0"/>
               <a:t>6</a:t>
             </a:r>
-            <a:endParaRPr lang="en-US" dirty="0"/>
           </a:p>
         </p:txBody>
       </p:sp>
@@ -6098,11 +6097,7 @@
           <a:p>
             <a:r>
               <a:rPr lang="en-US" dirty="0" smtClean="0"/>
-              <a:t>End user </a:t>
-            </a:r>
-            <a:r>
-              <a:rPr lang="en-US" dirty="0" smtClean="0"/>
-              <a:t>enters  patient information</a:t>
+              <a:t>End user enters  patient information</a:t>
             </a:r>
             <a:endParaRPr lang="en-US" dirty="0"/>
           </a:p>
@@ -6168,7 +6163,11 @@
           <a:p>
             <a:r>
               <a:rPr lang="en-US" dirty="0" smtClean="0"/>
-              <a:t>Fetch or Register patient</a:t>
+              <a:t>Fetch or Register </a:t>
+            </a:r>
+            <a:r>
+              <a:rPr lang="en-US" dirty="0" smtClean="0"/>
+              <a:t>Patient</a:t>
             </a:r>
             <a:endParaRPr lang="en-US" dirty="0"/>
           </a:p>
@@ -6201,11 +6200,7 @@
           <a:p>
             <a:r>
               <a:rPr lang="en-US" dirty="0" smtClean="0"/>
-              <a:t>Returns </a:t>
-            </a:r>
-            <a:r>
-              <a:rPr lang="en-US" dirty="0" smtClean="0"/>
-              <a:t>Patient Id</a:t>
+              <a:t>Returns Patient Id</a:t>
             </a:r>
           </a:p>
         </p:txBody>
@@ -6673,7 +6668,7 @@
         <p:spPr>
           <a:xfrm>
             <a:off x="7102949" y="3888037"/>
-            <a:ext cx="1976828" cy="646331"/>
+            <a:ext cx="1976828" cy="923330"/>
           </a:xfrm>
           <a:prstGeom prst="rect">
             <a:avLst/>
@@ -6690,14 +6685,14 @@
           <a:lstStyle/>
           <a:p>
             <a:r>
-              <a:rPr lang="en-US" smtClean="0"/>
+              <a:rPr lang="en-US" dirty="0" smtClean="0"/>
               <a:t>Returns Booking</a:t>
             </a:r>
           </a:p>
           <a:p>
             <a:r>
               <a:rPr lang="en-US" dirty="0" smtClean="0"/>
-              <a:t>Confirmation</a:t>
+              <a:t>Confirmation or Rejection</a:t>
             </a:r>
             <a:endParaRPr lang="en-US" dirty="0"/>
           </a:p>
@@ -6778,7 +6773,7 @@
         </p:nvCxnSpPr>
         <p:spPr>
           <a:xfrm>
-            <a:off x="2524529" y="3635452"/>
+            <a:off x="2524529" y="3355167"/>
             <a:ext cx="1861423" cy="0"/>
           </a:xfrm>
           <a:prstGeom prst="straightConnector1">
@@ -6812,8 +6807,8 @@
         </p:nvSpPr>
         <p:spPr>
           <a:xfrm>
-            <a:off x="2622977" y="3808074"/>
-            <a:ext cx="1736532" cy="646331"/>
+            <a:off x="2612763" y="3519760"/>
+            <a:ext cx="1736532" cy="1200329"/>
           </a:xfrm>
           <a:prstGeom prst="rect">
             <a:avLst/>
@@ -6828,7 +6823,11 @@
           <a:p>
             <a:r>
               <a:rPr lang="en-US" dirty="0" smtClean="0"/>
-              <a:t>Confirms booking</a:t>
+              <a:t>Confirms </a:t>
+            </a:r>
+            <a:r>
+              <a:rPr lang="en-US" dirty="0" smtClean="0"/>
+              <a:t>booking or  notifies of rejection</a:t>
             </a:r>
             <a:endParaRPr lang="en-US" dirty="0"/>
           </a:p>
@@ -6842,7 +6841,7 @@
         </p:nvSpPr>
         <p:spPr>
           <a:xfrm>
-            <a:off x="3645630" y="3878689"/>
+            <a:off x="3828608" y="3812600"/>
             <a:ext cx="415619" cy="369332"/>
           </a:xfrm>
           <a:prstGeom prst="rect">
@@ -7046,42 +7045,6 @@
               <a:t> Application Server</a:t>
             </a:r>
             <a:endParaRPr lang="en-US" sz="2400" dirty="0"/>
-          </a:p>
-        </p:txBody>
-      </p:sp>
-      <p:sp>
-        <p:nvSpPr>
-          <p:cNvPr id="26" name="TextBox 25"/>
-          <p:cNvSpPr txBox="1"/>
-          <p:nvPr/>
-        </p:nvSpPr>
-        <p:spPr>
-          <a:xfrm>
-            <a:off x="4437528" y="5690535"/>
-            <a:ext cx="7274859" cy="369332"/>
-          </a:xfrm>
-          <a:prstGeom prst="rect">
-            <a:avLst/>
-          </a:prstGeom>
-          <a:noFill/>
-          <a:ln w="25400" cap="flat">
-            <a:solidFill>
-              <a:schemeClr val="accent1">
-                <a:shade val="50000"/>
-              </a:schemeClr>
-            </a:solidFill>
-          </a:ln>
-        </p:spPr>
-        <p:txBody>
-          <a:bodyPr wrap="square" rtlCol="0">
-            <a:spAutoFit/>
-          </a:bodyPr>
-          <a:lstStyle/>
-          <a:p>
-            <a:r>
-              <a:rPr lang="en-US" dirty="0" smtClean="0"/>
-              <a:t>NOTE: Step 9 include registering new patients within EHR</a:t>
-            </a:r>
           </a:p>
         </p:txBody>
       </p:sp>
@@ -7247,7 +7210,11 @@
           <a:p>
             <a:r>
               <a:rPr lang="en-US" dirty="0" smtClean="0"/>
-              <a:t>End user completes booking</a:t>
+              <a:t>End user </a:t>
+            </a:r>
+            <a:r>
+              <a:rPr lang="en-US" dirty="0" smtClean="0"/>
+              <a:t>cancels booked appointment</a:t>
             </a:r>
             <a:endParaRPr lang="en-US" dirty="0"/>
           </a:p>
@@ -7294,8 +7261,8 @@
         </p:nvSpPr>
         <p:spPr>
           <a:xfrm>
-            <a:off x="7118075" y="2560079"/>
-            <a:ext cx="2044849" cy="369332"/>
+            <a:off x="7094456" y="2388098"/>
+            <a:ext cx="2044849" cy="646331"/>
           </a:xfrm>
           <a:prstGeom prst="rect">
             <a:avLst/>
@@ -7312,8 +7279,16 @@
           <a:lstStyle/>
           <a:p>
             <a:r>
+              <a:rPr lang="en-US" smtClean="0"/>
+              <a:t>Cancels</a:t>
+            </a:r>
+            <a:r>
+              <a:rPr lang="en-US" smtClean="0"/>
+              <a:t> </a:t>
+            </a:r>
+            <a:r>
               <a:rPr lang="en-US" dirty="0" smtClean="0"/>
-              <a:t>Books Appointment</a:t>
+              <a:t>Appointment</a:t>
             </a:r>
             <a:endParaRPr lang="en-US" dirty="0"/>
           </a:p>
@@ -7328,7 +7303,7 @@
         <p:spPr>
           <a:xfrm>
             <a:off x="7102949" y="3888037"/>
-            <a:ext cx="1976828" cy="646331"/>
+            <a:ext cx="1976828" cy="923330"/>
           </a:xfrm>
           <a:prstGeom prst="rect">
             <a:avLst/>
@@ -7345,14 +7320,14 @@
           <a:lstStyle/>
           <a:p>
             <a:r>
-              <a:rPr lang="en-US" smtClean="0"/>
-              <a:t>Returns Booking</a:t>
-            </a:r>
-          </a:p>
-          <a:p>
-            <a:r>
               <a:rPr lang="en-US" dirty="0" smtClean="0"/>
-              <a:t>Confirmation</a:t>
+              <a:t>Returns </a:t>
+            </a:r>
+          </a:p>
+          <a:p>
+            <a:r>
+              <a:rPr lang="en-US" dirty="0" smtClean="0"/>
+              <a:t>Confirmation of Cancellation</a:t>
             </a:r>
             <a:endParaRPr lang="en-US" dirty="0"/>
           </a:p>
@@ -7483,7 +7458,11 @@
           <a:p>
             <a:r>
               <a:rPr lang="en-US" dirty="0" smtClean="0"/>
-              <a:t>Confirms booking</a:t>
+              <a:t>Confirms </a:t>
+            </a:r>
+            <a:r>
+              <a:rPr lang="en-US" dirty="0" smtClean="0"/>
+              <a:t>cancellation</a:t>
             </a:r>
             <a:endParaRPr lang="en-US" dirty="0"/>
           </a:p>
@@ -7498,7 +7477,7 @@
         <p:spPr>
           <a:xfrm>
             <a:off x="2661370" y="1760340"/>
-            <a:ext cx="333072" cy="369332"/>
+            <a:ext cx="554738" cy="307777"/>
           </a:xfrm>
           <a:prstGeom prst="rect">
             <a:avLst/>
@@ -7520,23 +7499,125 @@
           <a:p>
             <a:pPr algn="ctr"/>
             <a:r>
-              <a:rPr lang="en-US" dirty="0" smtClean="0"/>
-              <a:t>8</a:t>
-            </a:r>
-            <a:endParaRPr lang="en-US" dirty="0"/>
-          </a:p>
-        </p:txBody>
-      </p:sp>
-      <p:sp>
-        <p:nvSpPr>
-          <p:cNvPr id="27" name="TextBox 26"/>
+              <a:rPr lang="en-US" sz="1400" dirty="0" smtClean="0"/>
+              <a:t>12c</a:t>
+            </a:r>
+            <a:endParaRPr lang="en-US" sz="1400" dirty="0"/>
+          </a:p>
+        </p:txBody>
+      </p:sp>
+      <p:sp>
+        <p:nvSpPr>
+          <p:cNvPr id="8" name="Can 7"/>
+          <p:cNvSpPr/>
+          <p:nvPr/>
+        </p:nvSpPr>
+        <p:spPr>
+          <a:xfrm>
+            <a:off x="9098280" y="2228624"/>
+            <a:ext cx="2380957" cy="2258969"/>
+          </a:xfrm>
+          <a:prstGeom prst="can">
+            <a:avLst/>
+          </a:prstGeom>
+        </p:spPr>
+        <p:style>
+          <a:lnRef idx="2">
+            <a:schemeClr val="accent1">
+              <a:shade val="50000"/>
+            </a:schemeClr>
+          </a:lnRef>
+          <a:fillRef idx="1">
+            <a:schemeClr val="accent1"/>
+          </a:fillRef>
+          <a:effectRef idx="0">
+            <a:schemeClr val="accent1"/>
+          </a:effectRef>
+          <a:fontRef idx="minor">
+            <a:schemeClr val="lt1"/>
+          </a:fontRef>
+        </p:style>
+        <p:txBody>
+          <a:bodyPr rtlCol="0" anchor="ctr"/>
+          <a:lstStyle/>
+          <a:p>
+            <a:pPr algn="ctr"/>
+            <a:r>
+              <a:rPr lang="en-US" sz="2400" dirty="0" smtClean="0"/>
+              <a:t>EHR</a:t>
+            </a:r>
+          </a:p>
+          <a:p>
+            <a:pPr algn="ctr"/>
+            <a:r>
+              <a:rPr lang="en-US" sz="2400" dirty="0" smtClean="0"/>
+              <a:t> FHIR Server</a:t>
+            </a:r>
+            <a:endParaRPr lang="en-US" sz="2400" dirty="0"/>
+          </a:p>
+        </p:txBody>
+      </p:sp>
+      <p:sp>
+        <p:nvSpPr>
+          <p:cNvPr id="11" name="Can 10"/>
+          <p:cNvSpPr/>
+          <p:nvPr/>
+        </p:nvSpPr>
+        <p:spPr>
+          <a:xfrm>
+            <a:off x="4568612" y="2228624"/>
+            <a:ext cx="2484820" cy="2258969"/>
+          </a:xfrm>
+          <a:prstGeom prst="can">
+            <a:avLst/>
+          </a:prstGeom>
+        </p:spPr>
+        <p:style>
+          <a:lnRef idx="2">
+            <a:schemeClr val="accent1">
+              <a:shade val="50000"/>
+            </a:schemeClr>
+          </a:lnRef>
+          <a:fillRef idx="1">
+            <a:schemeClr val="accent1"/>
+          </a:fillRef>
+          <a:effectRef idx="0">
+            <a:schemeClr val="accent1"/>
+          </a:effectRef>
+          <a:fontRef idx="minor">
+            <a:schemeClr val="lt1"/>
+          </a:fontRef>
+        </p:style>
+        <p:txBody>
+          <a:bodyPr rtlCol="0" anchor="ctr"/>
+          <a:lstStyle/>
+          <a:p>
+            <a:pPr algn="ctr"/>
+            <a:r>
+              <a:rPr lang="en-US" sz="2400" dirty="0" smtClean="0"/>
+              <a:t>Client</a:t>
+            </a:r>
+          </a:p>
+          <a:p>
+            <a:pPr algn="ctr"/>
+            <a:r>
+              <a:rPr lang="en-US" sz="2400" dirty="0" smtClean="0"/>
+              <a:t> Application Server</a:t>
+            </a:r>
+            <a:endParaRPr lang="en-US" sz="2400" dirty="0"/>
+          </a:p>
+        </p:txBody>
+      </p:sp>
+      <p:sp>
+        <p:nvSpPr>
+          <p:cNvPr id="20" name="TextBox 19"/>
           <p:cNvSpPr txBox="1"/>
           <p:nvPr/>
         </p:nvSpPr>
         <p:spPr>
           <a:xfrm>
-            <a:off x="3645630" y="3878689"/>
-            <a:ext cx="415619" cy="369332"/>
+            <a:off x="7397350" y="3605389"/>
+            <a:ext cx="554738" cy="307777"/>
           </a:xfrm>
           <a:prstGeom prst="rect">
             <a:avLst/>
@@ -7558,23 +7639,23 @@
           <a:p>
             <a:pPr algn="ctr"/>
             <a:r>
-              <a:rPr lang="en-US" dirty="0" smtClean="0"/>
-              <a:t>11</a:t>
-            </a:r>
-            <a:endParaRPr lang="en-US" dirty="0"/>
-          </a:p>
-        </p:txBody>
-      </p:sp>
-      <p:sp>
-        <p:nvSpPr>
-          <p:cNvPr id="28" name="TextBox 27"/>
+              <a:rPr lang="en-US" sz="1400" dirty="0" smtClean="0"/>
+              <a:t>14c</a:t>
+            </a:r>
+            <a:endParaRPr lang="en-US" sz="1400" dirty="0"/>
+          </a:p>
+        </p:txBody>
+      </p:sp>
+      <p:sp>
+        <p:nvSpPr>
+          <p:cNvPr id="30" name="TextBox 29"/>
           <p:cNvSpPr txBox="1"/>
           <p:nvPr/>
         </p:nvSpPr>
         <p:spPr>
           <a:xfrm>
-            <a:off x="7432765" y="3543987"/>
-            <a:ext cx="423109" cy="369332"/>
+            <a:off x="8316284" y="2269115"/>
+            <a:ext cx="554738" cy="307777"/>
           </a:xfrm>
           <a:prstGeom prst="rect">
             <a:avLst/>
@@ -7596,23 +7677,23 @@
           <a:p>
             <a:pPr algn="ctr"/>
             <a:r>
-              <a:rPr lang="en-US" dirty="0" smtClean="0"/>
-              <a:t>10</a:t>
-            </a:r>
-            <a:endParaRPr lang="en-US" dirty="0"/>
-          </a:p>
-        </p:txBody>
-      </p:sp>
-      <p:sp>
-        <p:nvSpPr>
-          <p:cNvPr id="29" name="TextBox 28"/>
+              <a:rPr lang="en-US" sz="1400" dirty="0" smtClean="0"/>
+              <a:t>13c</a:t>
+            </a:r>
+            <a:endParaRPr lang="en-US" sz="1400" dirty="0"/>
+          </a:p>
+        </p:txBody>
+      </p:sp>
+      <p:sp>
+        <p:nvSpPr>
+          <p:cNvPr id="31" name="TextBox 30"/>
           <p:cNvSpPr txBox="1"/>
           <p:nvPr/>
         </p:nvSpPr>
         <p:spPr>
           <a:xfrm>
-            <a:off x="7261131" y="2192222"/>
-            <a:ext cx="375381" cy="369332"/>
+            <a:off x="3643978" y="3889033"/>
+            <a:ext cx="554738" cy="307777"/>
           </a:xfrm>
           <a:prstGeom prst="rect">
             <a:avLst/>
@@ -7634,147 +7715,10 @@
           <a:p>
             <a:pPr algn="ctr"/>
             <a:r>
-              <a:rPr lang="en-US" dirty="0"/>
-              <a:t>9</a:t>
-            </a:r>
-          </a:p>
-        </p:txBody>
-      </p:sp>
-      <p:sp>
-        <p:nvSpPr>
-          <p:cNvPr id="8" name="Can 7"/>
-          <p:cNvSpPr/>
-          <p:nvPr/>
-        </p:nvSpPr>
-        <p:spPr>
-          <a:xfrm>
-            <a:off x="9098280" y="2228624"/>
-            <a:ext cx="2380957" cy="2258969"/>
-          </a:xfrm>
-          <a:prstGeom prst="can">
-            <a:avLst/>
-          </a:prstGeom>
-        </p:spPr>
-        <p:style>
-          <a:lnRef idx="2">
-            <a:schemeClr val="accent1">
-              <a:shade val="50000"/>
-            </a:schemeClr>
-          </a:lnRef>
-          <a:fillRef idx="1">
-            <a:schemeClr val="accent1"/>
-          </a:fillRef>
-          <a:effectRef idx="0">
-            <a:schemeClr val="accent1"/>
-          </a:effectRef>
-          <a:fontRef idx="minor">
-            <a:schemeClr val="lt1"/>
-          </a:fontRef>
-        </p:style>
-        <p:txBody>
-          <a:bodyPr rtlCol="0" anchor="ctr"/>
-          <a:lstStyle/>
-          <a:p>
-            <a:pPr algn="ctr"/>
-            <a:r>
-              <a:rPr lang="en-US" sz="2400" dirty="0" smtClean="0"/>
-              <a:t>EHR</a:t>
-            </a:r>
-          </a:p>
-          <a:p>
-            <a:pPr algn="ctr"/>
-            <a:r>
-              <a:rPr lang="en-US" sz="2400" dirty="0" smtClean="0"/>
-              <a:t> FHIR Server</a:t>
-            </a:r>
-            <a:endParaRPr lang="en-US" sz="2400" dirty="0"/>
-          </a:p>
-        </p:txBody>
-      </p:sp>
-      <p:sp>
-        <p:nvSpPr>
-          <p:cNvPr id="11" name="Can 10"/>
-          <p:cNvSpPr/>
-          <p:nvPr/>
-        </p:nvSpPr>
-        <p:spPr>
-          <a:xfrm>
-            <a:off x="4568612" y="2228624"/>
-            <a:ext cx="2484820" cy="2258969"/>
-          </a:xfrm>
-          <a:prstGeom prst="can">
-            <a:avLst/>
-          </a:prstGeom>
-        </p:spPr>
-        <p:style>
-          <a:lnRef idx="2">
-            <a:schemeClr val="accent1">
-              <a:shade val="50000"/>
-            </a:schemeClr>
-          </a:lnRef>
-          <a:fillRef idx="1">
-            <a:schemeClr val="accent1"/>
-          </a:fillRef>
-          <a:effectRef idx="0">
-            <a:schemeClr val="accent1"/>
-          </a:effectRef>
-          <a:fontRef idx="minor">
-            <a:schemeClr val="lt1"/>
-          </a:fontRef>
-        </p:style>
-        <p:txBody>
-          <a:bodyPr rtlCol="0" anchor="ctr"/>
-          <a:lstStyle/>
-          <a:p>
-            <a:pPr algn="ctr"/>
-            <a:r>
-              <a:rPr lang="en-US" sz="2400" dirty="0" smtClean="0"/>
-              <a:t>Client</a:t>
-            </a:r>
-          </a:p>
-          <a:p>
-            <a:pPr algn="ctr"/>
-            <a:r>
-              <a:rPr lang="en-US" sz="2400" dirty="0" smtClean="0"/>
-              <a:t> Application Server</a:t>
-            </a:r>
-            <a:endParaRPr lang="en-US" sz="2400" dirty="0"/>
-          </a:p>
-        </p:txBody>
-      </p:sp>
-      <p:sp>
-        <p:nvSpPr>
-          <p:cNvPr id="26" name="TextBox 25"/>
-          <p:cNvSpPr txBox="1"/>
-          <p:nvPr/>
-        </p:nvSpPr>
-        <p:spPr>
-          <a:xfrm>
-            <a:off x="4437528" y="5690535"/>
-            <a:ext cx="7274859" cy="369332"/>
-          </a:xfrm>
-          <a:prstGeom prst="rect">
-            <a:avLst/>
-          </a:prstGeom>
-          <a:noFill/>
-          <a:ln w="25400" cap="flat">
-            <a:solidFill>
-              <a:schemeClr val="accent1">
-                <a:shade val="50000"/>
-              </a:schemeClr>
-            </a:solidFill>
-          </a:ln>
-        </p:spPr>
-        <p:txBody>
-          <a:bodyPr wrap="square" rtlCol="0">
-            <a:spAutoFit/>
-          </a:bodyPr>
-          <a:lstStyle/>
-          <a:p>
-            <a:r>
-              <a:rPr lang="en-US" dirty="0" smtClean="0"/>
-              <a:t>NOTE: Step 9 include registering new patients within EHR</a:t>
-            </a:r>
+              <a:rPr lang="en-US" sz="1400" dirty="0" smtClean="0"/>
+              <a:t>15c</a:t>
+            </a:r>
+            <a:endParaRPr lang="en-US" sz="1400" dirty="0"/>
           </a:p>
         </p:txBody>
       </p:sp>

--- a/meeting-notes/WorkFlowDiagrams.pptx
+++ b/meeting-notes/WorkFlowDiagrams.pptx
@@ -5,7 +5,7 @@
     <p:sldMasterId id="2147483648" r:id="rId1"/>
   </p:sldMasterIdLst>
   <p:notesMasterIdLst>
-    <p:notesMasterId r:id="rId9"/>
+    <p:notesMasterId r:id="rId11"/>
   </p:notesMasterIdLst>
   <p:sldIdLst>
     <p:sldId id="256" r:id="rId2"/>
@@ -15,6 +15,8 @@
     <p:sldId id="261" r:id="rId6"/>
     <p:sldId id="258" r:id="rId7"/>
     <p:sldId id="262" r:id="rId8"/>
+    <p:sldId id="264" r:id="rId9"/>
+    <p:sldId id="266" r:id="rId10"/>
   </p:sldIdLst>
   <p:sldSz cx="12192000" cy="6858000"/>
   <p:notesSz cx="6858000" cy="9144000"/>
@@ -115,7 +117,7 @@
   </p:defaultTextStyle>
   <p:extLst>
     <p:ext uri="{EFAFB233-063F-42B5-8137-9DF3F51BA10A}">
-      <p15:sldGuideLst xmlns:p15="http://schemas.microsoft.com/office/powerpoint/2012/main"/>
+      <p15:sldGuideLst xmlns:p15="http://schemas.microsoft.com/office/powerpoint/2012/main" xmlns=""/>
     </p:ext>
   </p:extLst>
 </p:presentation>
@@ -203,7 +205,8 @@
           <a:p>
             <a:fld id="{7BDA92F8-9482-1145-B1E4-CE31E168D77D}" type="datetimeFigureOut">
               <a:rPr lang="en-US" smtClean="0"/>
-              <a:t>8/16/17</a:t>
+              <a:pPr/>
+              <a:t>10/9/2017</a:t>
             </a:fld>
             <a:endParaRPr lang="en-US"/>
           </a:p>
@@ -362,6 +365,7 @@
           <a:p>
             <a:fld id="{41AA1877-C0DC-7444-845F-24A0FAE907CA}" type="slidenum">
               <a:rPr lang="en-US" smtClean="0"/>
+              <a:pPr/>
               <a:t>‹#›</a:t>
             </a:fld>
             <a:endParaRPr lang="en-US"/>
@@ -371,7 +375,7 @@
     </p:spTree>
     <p:extLst>
       <p:ext uri="{BB962C8B-B14F-4D97-AF65-F5344CB8AC3E}">
-        <p14:creationId xmlns:p14="http://schemas.microsoft.com/office/powerpoint/2010/main" val="1890444687"/>
+        <p14:creationId xmlns:p14="http://schemas.microsoft.com/office/powerpoint/2010/main" xmlns="" val="1890444687"/>
       </p:ext>
     </p:extLst>
   </p:cSld>
@@ -536,6 +540,7 @@
           <a:p>
             <a:fld id="{41AA1877-C0DC-7444-845F-24A0FAE907CA}" type="slidenum">
               <a:rPr lang="en-US" smtClean="0"/>
+              <a:pPr/>
               <a:t>3</a:t>
             </a:fld>
             <a:endParaRPr lang="en-US"/>
@@ -545,7 +550,177 @@
     </p:spTree>
     <p:extLst>
       <p:ext uri="{BB962C8B-B14F-4D97-AF65-F5344CB8AC3E}">
-        <p14:creationId xmlns:p14="http://schemas.microsoft.com/office/powerpoint/2010/main" val="683297044"/>
+        <p14:creationId xmlns:p14="http://schemas.microsoft.com/office/powerpoint/2010/main" xmlns="" val="683297044"/>
+      </p:ext>
+    </p:extLst>
+  </p:cSld>
+  <p:clrMapOvr>
+    <a:masterClrMapping/>
+  </p:clrMapOvr>
+</p:notes>
+</file>
+
+<file path=ppt/notesSlides/notesSlide2.xml><?xml version="1.0" encoding="utf-8"?>
+<p:notes xmlns:a="http://schemas.openxmlformats.org/drawingml/2006/main" xmlns:r="http://schemas.openxmlformats.org/officeDocument/2006/relationships" xmlns:p="http://schemas.openxmlformats.org/presentationml/2006/main">
+  <p:cSld>
+    <p:spTree>
+      <p:nvGrpSpPr>
+        <p:cNvPr id="1" name=""/>
+        <p:cNvGrpSpPr/>
+        <p:nvPr/>
+      </p:nvGrpSpPr>
+      <p:grpSpPr>
+        <a:xfrm>
+          <a:off x="0" y="0"/>
+          <a:ext cx="0" cy="0"/>
+          <a:chOff x="0" y="0"/>
+          <a:chExt cx="0" cy="0"/>
+        </a:xfrm>
+      </p:grpSpPr>
+      <p:sp>
+        <p:nvSpPr>
+          <p:cNvPr id="2" name="Slide Image Placeholder 1"/>
+          <p:cNvSpPr>
+            <a:spLocks noGrp="1" noRot="1" noChangeAspect="1"/>
+          </p:cNvSpPr>
+          <p:nvPr>
+            <p:ph type="sldImg"/>
+          </p:nvPr>
+        </p:nvSpPr>
+        <p:spPr/>
+      </p:sp>
+      <p:sp>
+        <p:nvSpPr>
+          <p:cNvPr id="3" name="Notes Placeholder 2"/>
+          <p:cNvSpPr>
+            <a:spLocks noGrp="1"/>
+          </p:cNvSpPr>
+          <p:nvPr>
+            <p:ph type="body" idx="1"/>
+          </p:nvPr>
+        </p:nvSpPr>
+        <p:spPr/>
+        <p:txBody>
+          <a:bodyPr/>
+          <a:lstStyle/>
+          <a:p>
+            <a:endParaRPr lang="en-US"/>
+          </a:p>
+        </p:txBody>
+      </p:sp>
+      <p:sp>
+        <p:nvSpPr>
+          <p:cNvPr id="4" name="Slide Number Placeholder 3"/>
+          <p:cNvSpPr>
+            <a:spLocks noGrp="1"/>
+          </p:cNvSpPr>
+          <p:nvPr>
+            <p:ph type="sldNum" sz="quarter" idx="10"/>
+          </p:nvPr>
+        </p:nvSpPr>
+        <p:spPr/>
+        <p:txBody>
+          <a:bodyPr/>
+          <a:lstStyle/>
+          <a:p>
+            <a:fld id="{41AA1877-C0DC-7444-845F-24A0FAE907CA}" type="slidenum">
+              <a:rPr lang="en-US" smtClean="0"/>
+              <a:pPr/>
+              <a:t>8</a:t>
+            </a:fld>
+            <a:endParaRPr lang="en-US"/>
+          </a:p>
+        </p:txBody>
+      </p:sp>
+    </p:spTree>
+    <p:extLst>
+      <p:ext uri="{BB962C8B-B14F-4D97-AF65-F5344CB8AC3E}">
+        <p14:creationId xmlns:p14="http://schemas.microsoft.com/office/powerpoint/2010/main" xmlns="" val="683297044"/>
+      </p:ext>
+    </p:extLst>
+  </p:cSld>
+  <p:clrMapOvr>
+    <a:masterClrMapping/>
+  </p:clrMapOvr>
+</p:notes>
+</file>
+
+<file path=ppt/notesSlides/notesSlide3.xml><?xml version="1.0" encoding="utf-8"?>
+<p:notes xmlns:a="http://schemas.openxmlformats.org/drawingml/2006/main" xmlns:r="http://schemas.openxmlformats.org/officeDocument/2006/relationships" xmlns:p="http://schemas.openxmlformats.org/presentationml/2006/main">
+  <p:cSld>
+    <p:spTree>
+      <p:nvGrpSpPr>
+        <p:cNvPr id="1" name=""/>
+        <p:cNvGrpSpPr/>
+        <p:nvPr/>
+      </p:nvGrpSpPr>
+      <p:grpSpPr>
+        <a:xfrm>
+          <a:off x="0" y="0"/>
+          <a:ext cx="0" cy="0"/>
+          <a:chOff x="0" y="0"/>
+          <a:chExt cx="0" cy="0"/>
+        </a:xfrm>
+      </p:grpSpPr>
+      <p:sp>
+        <p:nvSpPr>
+          <p:cNvPr id="2" name="Slide Image Placeholder 1"/>
+          <p:cNvSpPr>
+            <a:spLocks noGrp="1" noRot="1" noChangeAspect="1"/>
+          </p:cNvSpPr>
+          <p:nvPr>
+            <p:ph type="sldImg"/>
+          </p:nvPr>
+        </p:nvSpPr>
+        <p:spPr/>
+      </p:sp>
+      <p:sp>
+        <p:nvSpPr>
+          <p:cNvPr id="3" name="Notes Placeholder 2"/>
+          <p:cNvSpPr>
+            <a:spLocks noGrp="1"/>
+          </p:cNvSpPr>
+          <p:nvPr>
+            <p:ph type="body" idx="1"/>
+          </p:nvPr>
+        </p:nvSpPr>
+        <p:spPr/>
+        <p:txBody>
+          <a:bodyPr/>
+          <a:lstStyle/>
+          <a:p>
+            <a:endParaRPr lang="en-US"/>
+          </a:p>
+        </p:txBody>
+      </p:sp>
+      <p:sp>
+        <p:nvSpPr>
+          <p:cNvPr id="4" name="Slide Number Placeholder 3"/>
+          <p:cNvSpPr>
+            <a:spLocks noGrp="1"/>
+          </p:cNvSpPr>
+          <p:nvPr>
+            <p:ph type="sldNum" sz="quarter" idx="10"/>
+          </p:nvPr>
+        </p:nvSpPr>
+        <p:spPr/>
+        <p:txBody>
+          <a:bodyPr/>
+          <a:lstStyle/>
+          <a:p>
+            <a:fld id="{41AA1877-C0DC-7444-845F-24A0FAE907CA}" type="slidenum">
+              <a:rPr lang="en-US" smtClean="0"/>
+              <a:pPr/>
+              <a:t>9</a:t>
+            </a:fld>
+            <a:endParaRPr lang="en-US"/>
+          </a:p>
+        </p:txBody>
+      </p:sp>
+    </p:spTree>
+    <p:extLst>
+      <p:ext uri="{BB962C8B-B14F-4D97-AF65-F5344CB8AC3E}">
+        <p14:creationId xmlns:p14="http://schemas.microsoft.com/office/powerpoint/2010/main" xmlns="" val="683297044"/>
       </p:ext>
     </p:extLst>
   </p:cSld>
@@ -686,7 +861,8 @@
           <a:p>
             <a:fld id="{150AD5B7-C160-7A4E-8FA5-E71465AAF732}" type="datetimeFigureOut">
               <a:rPr lang="en-US" smtClean="0"/>
-              <a:t>8/16/17</a:t>
+              <a:pPr/>
+              <a:t>10/9/2017</a:t>
             </a:fld>
             <a:endParaRPr lang="en-US"/>
           </a:p>
@@ -728,6 +904,7 @@
           <a:p>
             <a:fld id="{2603494F-2B57-F949-A581-BC272E5EDF2E}" type="slidenum">
               <a:rPr lang="en-US" smtClean="0"/>
+              <a:pPr/>
               <a:t>‹#›</a:t>
             </a:fld>
             <a:endParaRPr lang="en-US"/>
@@ -737,7 +914,7 @@
     </p:spTree>
     <p:extLst>
       <p:ext uri="{BB962C8B-B14F-4D97-AF65-F5344CB8AC3E}">
-        <p14:creationId xmlns:p14="http://schemas.microsoft.com/office/powerpoint/2010/main" val="1462979612"/>
+        <p14:creationId xmlns:p14="http://schemas.microsoft.com/office/powerpoint/2010/main" xmlns="" val="1462979612"/>
       </p:ext>
     </p:extLst>
   </p:cSld>
@@ -856,7 +1033,8 @@
           <a:p>
             <a:fld id="{150AD5B7-C160-7A4E-8FA5-E71465AAF732}" type="datetimeFigureOut">
               <a:rPr lang="en-US" smtClean="0"/>
-              <a:t>8/16/17</a:t>
+              <a:pPr/>
+              <a:t>10/9/2017</a:t>
             </a:fld>
             <a:endParaRPr lang="en-US"/>
           </a:p>
@@ -898,6 +1076,7 @@
           <a:p>
             <a:fld id="{2603494F-2B57-F949-A581-BC272E5EDF2E}" type="slidenum">
               <a:rPr lang="en-US" smtClean="0"/>
+              <a:pPr/>
               <a:t>‹#›</a:t>
             </a:fld>
             <a:endParaRPr lang="en-US"/>
@@ -907,7 +1086,7 @@
     </p:spTree>
     <p:extLst>
       <p:ext uri="{BB962C8B-B14F-4D97-AF65-F5344CB8AC3E}">
-        <p14:creationId xmlns:p14="http://schemas.microsoft.com/office/powerpoint/2010/main" val="1132386440"/>
+        <p14:creationId xmlns:p14="http://schemas.microsoft.com/office/powerpoint/2010/main" xmlns="" val="1132386440"/>
       </p:ext>
     </p:extLst>
   </p:cSld>
@@ -1036,7 +1215,8 @@
           <a:p>
             <a:fld id="{150AD5B7-C160-7A4E-8FA5-E71465AAF732}" type="datetimeFigureOut">
               <a:rPr lang="en-US" smtClean="0"/>
-              <a:t>8/16/17</a:t>
+              <a:pPr/>
+              <a:t>10/9/2017</a:t>
             </a:fld>
             <a:endParaRPr lang="en-US"/>
           </a:p>
@@ -1078,6 +1258,7 @@
           <a:p>
             <a:fld id="{2603494F-2B57-F949-A581-BC272E5EDF2E}" type="slidenum">
               <a:rPr lang="en-US" smtClean="0"/>
+              <a:pPr/>
               <a:t>‹#›</a:t>
             </a:fld>
             <a:endParaRPr lang="en-US"/>
@@ -1087,7 +1268,7 @@
     </p:spTree>
     <p:extLst>
       <p:ext uri="{BB962C8B-B14F-4D97-AF65-F5344CB8AC3E}">
-        <p14:creationId xmlns:p14="http://schemas.microsoft.com/office/powerpoint/2010/main" val="1018817366"/>
+        <p14:creationId xmlns:p14="http://schemas.microsoft.com/office/powerpoint/2010/main" xmlns="" val="1018817366"/>
       </p:ext>
     </p:extLst>
   </p:cSld>
@@ -1206,7 +1387,8 @@
           <a:p>
             <a:fld id="{150AD5B7-C160-7A4E-8FA5-E71465AAF732}" type="datetimeFigureOut">
               <a:rPr lang="en-US" smtClean="0"/>
-              <a:t>8/16/17</a:t>
+              <a:pPr/>
+              <a:t>10/9/2017</a:t>
             </a:fld>
             <a:endParaRPr lang="en-US"/>
           </a:p>
@@ -1248,6 +1430,7 @@
           <a:p>
             <a:fld id="{2603494F-2B57-F949-A581-BC272E5EDF2E}" type="slidenum">
               <a:rPr lang="en-US" smtClean="0"/>
+              <a:pPr/>
               <a:t>‹#›</a:t>
             </a:fld>
             <a:endParaRPr lang="en-US"/>
@@ -1257,7 +1440,7 @@
     </p:spTree>
     <p:extLst>
       <p:ext uri="{BB962C8B-B14F-4D97-AF65-F5344CB8AC3E}">
-        <p14:creationId xmlns:p14="http://schemas.microsoft.com/office/powerpoint/2010/main" val="193326569"/>
+        <p14:creationId xmlns:p14="http://schemas.microsoft.com/office/powerpoint/2010/main" xmlns="" val="193326569"/>
       </p:ext>
     </p:extLst>
   </p:cSld>
@@ -1452,7 +1635,8 @@
           <a:p>
             <a:fld id="{150AD5B7-C160-7A4E-8FA5-E71465AAF732}" type="datetimeFigureOut">
               <a:rPr lang="en-US" smtClean="0"/>
-              <a:t>8/16/17</a:t>
+              <a:pPr/>
+              <a:t>10/9/2017</a:t>
             </a:fld>
             <a:endParaRPr lang="en-US"/>
           </a:p>
@@ -1494,6 +1678,7 @@
           <a:p>
             <a:fld id="{2603494F-2B57-F949-A581-BC272E5EDF2E}" type="slidenum">
               <a:rPr lang="en-US" smtClean="0"/>
+              <a:pPr/>
               <a:t>‹#›</a:t>
             </a:fld>
             <a:endParaRPr lang="en-US"/>
@@ -1503,7 +1688,7 @@
     </p:spTree>
     <p:extLst>
       <p:ext uri="{BB962C8B-B14F-4D97-AF65-F5344CB8AC3E}">
-        <p14:creationId xmlns:p14="http://schemas.microsoft.com/office/powerpoint/2010/main" val="96887272"/>
+        <p14:creationId xmlns:p14="http://schemas.microsoft.com/office/powerpoint/2010/main" xmlns="" val="96887272"/>
       </p:ext>
     </p:extLst>
   </p:cSld>
@@ -1684,7 +1869,8 @@
           <a:p>
             <a:fld id="{150AD5B7-C160-7A4E-8FA5-E71465AAF732}" type="datetimeFigureOut">
               <a:rPr lang="en-US" smtClean="0"/>
-              <a:t>8/16/17</a:t>
+              <a:pPr/>
+              <a:t>10/9/2017</a:t>
             </a:fld>
             <a:endParaRPr lang="en-US"/>
           </a:p>
@@ -1726,6 +1912,7 @@
           <a:p>
             <a:fld id="{2603494F-2B57-F949-A581-BC272E5EDF2E}" type="slidenum">
               <a:rPr lang="en-US" smtClean="0"/>
+              <a:pPr/>
               <a:t>‹#›</a:t>
             </a:fld>
             <a:endParaRPr lang="en-US"/>
@@ -1735,7 +1922,7 @@
     </p:spTree>
     <p:extLst>
       <p:ext uri="{BB962C8B-B14F-4D97-AF65-F5344CB8AC3E}">
-        <p14:creationId xmlns:p14="http://schemas.microsoft.com/office/powerpoint/2010/main" val="591776078"/>
+        <p14:creationId xmlns:p14="http://schemas.microsoft.com/office/powerpoint/2010/main" xmlns="" val="591776078"/>
       </p:ext>
     </p:extLst>
   </p:cSld>
@@ -2051,7 +2238,8 @@
           <a:p>
             <a:fld id="{150AD5B7-C160-7A4E-8FA5-E71465AAF732}" type="datetimeFigureOut">
               <a:rPr lang="en-US" smtClean="0"/>
-              <a:t>8/16/17</a:t>
+              <a:pPr/>
+              <a:t>10/9/2017</a:t>
             </a:fld>
             <a:endParaRPr lang="en-US"/>
           </a:p>
@@ -2093,6 +2281,7 @@
           <a:p>
             <a:fld id="{2603494F-2B57-F949-A581-BC272E5EDF2E}" type="slidenum">
               <a:rPr lang="en-US" smtClean="0"/>
+              <a:pPr/>
               <a:t>‹#›</a:t>
             </a:fld>
             <a:endParaRPr lang="en-US"/>
@@ -2102,7 +2291,7 @@
     </p:spTree>
     <p:extLst>
       <p:ext uri="{BB962C8B-B14F-4D97-AF65-F5344CB8AC3E}">
-        <p14:creationId xmlns:p14="http://schemas.microsoft.com/office/powerpoint/2010/main" val="983773689"/>
+        <p14:creationId xmlns:p14="http://schemas.microsoft.com/office/powerpoint/2010/main" xmlns="" val="983773689"/>
       </p:ext>
     </p:extLst>
   </p:cSld>
@@ -2169,7 +2358,8 @@
           <a:p>
             <a:fld id="{150AD5B7-C160-7A4E-8FA5-E71465AAF732}" type="datetimeFigureOut">
               <a:rPr lang="en-US" smtClean="0"/>
-              <a:t>8/16/17</a:t>
+              <a:pPr/>
+              <a:t>10/9/2017</a:t>
             </a:fld>
             <a:endParaRPr lang="en-US"/>
           </a:p>
@@ -2211,6 +2401,7 @@
           <a:p>
             <a:fld id="{2603494F-2B57-F949-A581-BC272E5EDF2E}" type="slidenum">
               <a:rPr lang="en-US" smtClean="0"/>
+              <a:pPr/>
               <a:t>‹#›</a:t>
             </a:fld>
             <a:endParaRPr lang="en-US"/>
@@ -2220,7 +2411,7 @@
     </p:spTree>
     <p:extLst>
       <p:ext uri="{BB962C8B-B14F-4D97-AF65-F5344CB8AC3E}">
-        <p14:creationId xmlns:p14="http://schemas.microsoft.com/office/powerpoint/2010/main" val="807792770"/>
+        <p14:creationId xmlns:p14="http://schemas.microsoft.com/office/powerpoint/2010/main" xmlns="" val="807792770"/>
       </p:ext>
     </p:extLst>
   </p:cSld>
@@ -2264,7 +2455,8 @@
           <a:p>
             <a:fld id="{150AD5B7-C160-7A4E-8FA5-E71465AAF732}" type="datetimeFigureOut">
               <a:rPr lang="en-US" smtClean="0"/>
-              <a:t>8/16/17</a:t>
+              <a:pPr/>
+              <a:t>10/9/2017</a:t>
             </a:fld>
             <a:endParaRPr lang="en-US"/>
           </a:p>
@@ -2306,6 +2498,7 @@
           <a:p>
             <a:fld id="{2603494F-2B57-F949-A581-BC272E5EDF2E}" type="slidenum">
               <a:rPr lang="en-US" smtClean="0"/>
+              <a:pPr/>
               <a:t>‹#›</a:t>
             </a:fld>
             <a:endParaRPr lang="en-US"/>
@@ -2315,7 +2508,7 @@
     </p:spTree>
     <p:extLst>
       <p:ext uri="{BB962C8B-B14F-4D97-AF65-F5344CB8AC3E}">
-        <p14:creationId xmlns:p14="http://schemas.microsoft.com/office/powerpoint/2010/main" val="181469056"/>
+        <p14:creationId xmlns:p14="http://schemas.microsoft.com/office/powerpoint/2010/main" xmlns="" val="181469056"/>
       </p:ext>
     </p:extLst>
   </p:cSld>
@@ -2541,7 +2734,8 @@
           <a:p>
             <a:fld id="{150AD5B7-C160-7A4E-8FA5-E71465AAF732}" type="datetimeFigureOut">
               <a:rPr lang="en-US" smtClean="0"/>
-              <a:t>8/16/17</a:t>
+              <a:pPr/>
+              <a:t>10/9/2017</a:t>
             </a:fld>
             <a:endParaRPr lang="en-US"/>
           </a:p>
@@ -2583,6 +2777,7 @@
           <a:p>
             <a:fld id="{2603494F-2B57-F949-A581-BC272E5EDF2E}" type="slidenum">
               <a:rPr lang="en-US" smtClean="0"/>
+              <a:pPr/>
               <a:t>‹#›</a:t>
             </a:fld>
             <a:endParaRPr lang="en-US"/>
@@ -2592,7 +2787,7 @@
     </p:spTree>
     <p:extLst>
       <p:ext uri="{BB962C8B-B14F-4D97-AF65-F5344CB8AC3E}">
-        <p14:creationId xmlns:p14="http://schemas.microsoft.com/office/powerpoint/2010/main" val="523645452"/>
+        <p14:creationId xmlns:p14="http://schemas.microsoft.com/office/powerpoint/2010/main" xmlns="" val="523645452"/>
       </p:ext>
     </p:extLst>
   </p:cSld>
@@ -2794,7 +2989,8 @@
           <a:p>
             <a:fld id="{150AD5B7-C160-7A4E-8FA5-E71465AAF732}" type="datetimeFigureOut">
               <a:rPr lang="en-US" smtClean="0"/>
-              <a:t>8/16/17</a:t>
+              <a:pPr/>
+              <a:t>10/9/2017</a:t>
             </a:fld>
             <a:endParaRPr lang="en-US"/>
           </a:p>
@@ -2836,6 +3032,7 @@
           <a:p>
             <a:fld id="{2603494F-2B57-F949-A581-BC272E5EDF2E}" type="slidenum">
               <a:rPr lang="en-US" smtClean="0"/>
+              <a:pPr/>
               <a:t>‹#›</a:t>
             </a:fld>
             <a:endParaRPr lang="en-US"/>
@@ -2845,7 +3042,7 @@
     </p:spTree>
     <p:extLst>
       <p:ext uri="{BB962C8B-B14F-4D97-AF65-F5344CB8AC3E}">
-        <p14:creationId xmlns:p14="http://schemas.microsoft.com/office/powerpoint/2010/main" val="521126358"/>
+        <p14:creationId xmlns:p14="http://schemas.microsoft.com/office/powerpoint/2010/main" xmlns="" val="521126358"/>
       </p:ext>
     </p:extLst>
   </p:cSld>
@@ -3007,7 +3204,8 @@
           <a:p>
             <a:fld id="{150AD5B7-C160-7A4E-8FA5-E71465AAF732}" type="datetimeFigureOut">
               <a:rPr lang="en-US" smtClean="0"/>
-              <a:t>8/16/17</a:t>
+              <a:pPr/>
+              <a:t>10/9/2017</a:t>
             </a:fld>
             <a:endParaRPr lang="en-US"/>
           </a:p>
@@ -3085,6 +3283,7 @@
           <a:p>
             <a:fld id="{2603494F-2B57-F949-A581-BC272E5EDF2E}" type="slidenum">
               <a:rPr lang="en-US" smtClean="0"/>
+              <a:pPr/>
               <a:t>‹#›</a:t>
             </a:fld>
             <a:endParaRPr lang="en-US"/>
@@ -3094,7 +3293,7 @@
     </p:spTree>
     <p:extLst>
       <p:ext uri="{BB962C8B-B14F-4D97-AF65-F5344CB8AC3E}">
-        <p14:creationId xmlns:p14="http://schemas.microsoft.com/office/powerpoint/2010/main" val="1488900008"/>
+        <p14:creationId xmlns:p14="http://schemas.microsoft.com/office/powerpoint/2010/main" xmlns="" val="1488900008"/>
       </p:ext>
     </p:extLst>
   </p:cSld>
@@ -3475,7 +3674,7 @@
           <a:blip r:embed="rId2">
             <a:extLst>
               <a:ext uri="{28A0092B-C50C-407E-A947-70E740481C1C}">
-                <a14:useLocalDpi xmlns:a14="http://schemas.microsoft.com/office/drawing/2010/main" val="0"/>
+                <a14:useLocalDpi xmlns:a14="http://schemas.microsoft.com/office/drawing/2010/main" xmlns="" val="0"/>
               </a:ext>
             </a:extLst>
           </a:blip>
@@ -3955,7 +4154,7 @@
     </p:spTree>
     <p:extLst>
       <p:ext uri="{BB962C8B-B14F-4D97-AF65-F5344CB8AC3E}">
-        <p14:creationId xmlns:p14="http://schemas.microsoft.com/office/powerpoint/2010/main" val="1758064381"/>
+        <p14:creationId xmlns:p14="http://schemas.microsoft.com/office/powerpoint/2010/main" xmlns="" val="1758064381"/>
       </p:ext>
     </p:extLst>
   </p:cSld>
@@ -4045,7 +4244,7 @@
           <a:blip r:embed="rId2">
             <a:extLst>
               <a:ext uri="{28A0092B-C50C-407E-A947-70E740481C1C}">
-                <a14:useLocalDpi xmlns:a14="http://schemas.microsoft.com/office/drawing/2010/main" val="0"/>
+                <a14:useLocalDpi xmlns:a14="http://schemas.microsoft.com/office/drawing/2010/main" xmlns="" val="0"/>
               </a:ext>
             </a:extLst>
           </a:blip>
@@ -4525,7 +4724,7 @@
     </p:spTree>
     <p:extLst>
       <p:ext uri="{BB962C8B-B14F-4D97-AF65-F5344CB8AC3E}">
-        <p14:creationId xmlns:p14="http://schemas.microsoft.com/office/powerpoint/2010/main" val="1713438735"/>
+        <p14:creationId xmlns:p14="http://schemas.microsoft.com/office/powerpoint/2010/main" xmlns="" val="1713438735"/>
       </p:ext>
     </p:extLst>
   </p:cSld>
@@ -4564,7 +4763,7 @@
           <a:blip r:embed="rId3">
             <a:extLst>
               <a:ext uri="{28A0092B-C50C-407E-A947-70E740481C1C}">
-                <a14:useLocalDpi xmlns:a14="http://schemas.microsoft.com/office/drawing/2010/main" val="0"/>
+                <a14:useLocalDpi xmlns:a14="http://schemas.microsoft.com/office/drawing/2010/main" xmlns="" val="0"/>
               </a:ext>
             </a:extLst>
           </a:blip>
@@ -5279,7 +5478,7 @@
     </p:spTree>
     <p:extLst>
       <p:ext uri="{BB962C8B-B14F-4D97-AF65-F5344CB8AC3E}">
-        <p14:creationId xmlns:p14="http://schemas.microsoft.com/office/powerpoint/2010/main" val="702274131"/>
+        <p14:creationId xmlns:p14="http://schemas.microsoft.com/office/powerpoint/2010/main" xmlns="" val="702274131"/>
       </p:ext>
     </p:extLst>
   </p:cSld>
@@ -5318,7 +5517,7 @@
           <a:blip r:embed="rId2">
             <a:extLst>
               <a:ext uri="{28A0092B-C50C-407E-A947-70E740481C1C}">
-                <a14:useLocalDpi xmlns:a14="http://schemas.microsoft.com/office/drawing/2010/main" val="0"/>
+                <a14:useLocalDpi xmlns:a14="http://schemas.microsoft.com/office/drawing/2010/main" xmlns="" val="0"/>
               </a:ext>
             </a:extLst>
           </a:blip>
@@ -5934,7 +6133,7 @@
     </p:spTree>
     <p:extLst>
       <p:ext uri="{BB962C8B-B14F-4D97-AF65-F5344CB8AC3E}">
-        <p14:creationId xmlns:p14="http://schemas.microsoft.com/office/powerpoint/2010/main" val="848340449"/>
+        <p14:creationId xmlns:p14="http://schemas.microsoft.com/office/powerpoint/2010/main" xmlns="" val="848340449"/>
       </p:ext>
     </p:extLst>
   </p:cSld>
@@ -5973,7 +6172,7 @@
           <a:blip r:embed="rId2">
             <a:extLst>
               <a:ext uri="{28A0092B-C50C-407E-A947-70E740481C1C}">
-                <a14:useLocalDpi xmlns:a14="http://schemas.microsoft.com/office/drawing/2010/main" val="0"/>
+                <a14:useLocalDpi xmlns:a14="http://schemas.microsoft.com/office/drawing/2010/main" xmlns="" val="0"/>
               </a:ext>
             </a:extLst>
           </a:blip>
@@ -6163,11 +6362,7 @@
           <a:p>
             <a:r>
               <a:rPr lang="en-US" dirty="0" smtClean="0"/>
-              <a:t>Fetch or Register </a:t>
-            </a:r>
-            <a:r>
-              <a:rPr lang="en-US" dirty="0" smtClean="0"/>
-              <a:t>Patient</a:t>
+              <a:t>Fetch or Register Patient</a:t>
             </a:r>
             <a:endParaRPr lang="en-US" dirty="0"/>
           </a:p>
@@ -6491,7 +6686,7 @@
     </p:spTree>
     <p:extLst>
       <p:ext uri="{BB962C8B-B14F-4D97-AF65-F5344CB8AC3E}">
-        <p14:creationId xmlns:p14="http://schemas.microsoft.com/office/powerpoint/2010/main" val="688751188"/>
+        <p14:creationId xmlns:p14="http://schemas.microsoft.com/office/powerpoint/2010/main" xmlns="" val="688751188"/>
       </p:ext>
     </p:extLst>
   </p:cSld>
@@ -6530,7 +6725,7 @@
           <a:blip r:embed="rId2">
             <a:extLst>
               <a:ext uri="{28A0092B-C50C-407E-A947-70E740481C1C}">
-                <a14:useLocalDpi xmlns:a14="http://schemas.microsoft.com/office/drawing/2010/main" val="0"/>
+                <a14:useLocalDpi xmlns:a14="http://schemas.microsoft.com/office/drawing/2010/main" xmlns="" val="0"/>
               </a:ext>
             </a:extLst>
           </a:blip>
@@ -6823,11 +7018,7 @@
           <a:p>
             <a:r>
               <a:rPr lang="en-US" dirty="0" smtClean="0"/>
-              <a:t>Confirms </a:t>
-            </a:r>
-            <a:r>
-              <a:rPr lang="en-US" dirty="0" smtClean="0"/>
-              <a:t>booking or  notifies of rejection</a:t>
+              <a:t>Confirms booking or  notifies of rejection</a:t>
             </a:r>
             <a:endParaRPr lang="en-US" dirty="0"/>
           </a:p>
@@ -7051,7 +7242,7 @@
     </p:spTree>
     <p:extLst>
       <p:ext uri="{BB962C8B-B14F-4D97-AF65-F5344CB8AC3E}">
-        <p14:creationId xmlns:p14="http://schemas.microsoft.com/office/powerpoint/2010/main" val="1611381086"/>
+        <p14:creationId xmlns:p14="http://schemas.microsoft.com/office/powerpoint/2010/main" xmlns="" val="1611381086"/>
       </p:ext>
     </p:extLst>
   </p:cSld>
@@ -7090,7 +7281,7 @@
           <a:blip r:embed="rId2">
             <a:extLst>
               <a:ext uri="{28A0092B-C50C-407E-A947-70E740481C1C}">
-                <a14:useLocalDpi xmlns:a14="http://schemas.microsoft.com/office/drawing/2010/main" val="0"/>
+                <a14:useLocalDpi xmlns:a14="http://schemas.microsoft.com/office/drawing/2010/main" xmlns="" val="0"/>
               </a:ext>
             </a:extLst>
           </a:blip>
@@ -7210,11 +7401,7 @@
           <a:p>
             <a:r>
               <a:rPr lang="en-US" dirty="0" smtClean="0"/>
-              <a:t>End user </a:t>
-            </a:r>
-            <a:r>
-              <a:rPr lang="en-US" dirty="0" smtClean="0"/>
-              <a:t>cancels booked appointment</a:t>
+              <a:t>End user cancels booked appointment</a:t>
             </a:r>
             <a:endParaRPr lang="en-US" dirty="0"/>
           </a:p>
@@ -7280,11 +7467,7 @@
           <a:p>
             <a:r>
               <a:rPr lang="en-US" smtClean="0"/>
-              <a:t>Cancels</a:t>
-            </a:r>
-            <a:r>
-              <a:rPr lang="en-US" smtClean="0"/>
-              <a:t> </a:t>
+              <a:t>Cancels </a:t>
             </a:r>
             <a:r>
               <a:rPr lang="en-US" dirty="0" smtClean="0"/>
@@ -7458,11 +7641,7 @@
           <a:p>
             <a:r>
               <a:rPr lang="en-US" dirty="0" smtClean="0"/>
-              <a:t>Confirms </a:t>
-            </a:r>
-            <a:r>
-              <a:rPr lang="en-US" dirty="0" smtClean="0"/>
-              <a:t>cancellation</a:t>
+              <a:t>Confirms cancellation</a:t>
             </a:r>
             <a:endParaRPr lang="en-US" dirty="0"/>
           </a:p>
@@ -7725,7 +7904,850 @@
     </p:spTree>
     <p:extLst>
       <p:ext uri="{BB962C8B-B14F-4D97-AF65-F5344CB8AC3E}">
-        <p14:creationId xmlns:p14="http://schemas.microsoft.com/office/powerpoint/2010/main" val="85523241"/>
+        <p14:creationId xmlns:p14="http://schemas.microsoft.com/office/powerpoint/2010/main" xmlns="" val="85523241"/>
+      </p:ext>
+    </p:extLst>
+  </p:cSld>
+  <p:clrMapOvr>
+    <a:masterClrMapping/>
+  </p:clrMapOvr>
+</p:sld>
+</file>
+
+<file path=ppt/slides/slide8.xml><?xml version="1.0" encoding="utf-8"?>
+<p:sld xmlns:a="http://schemas.openxmlformats.org/drawingml/2006/main" xmlns:r="http://schemas.openxmlformats.org/officeDocument/2006/relationships" xmlns:p="http://schemas.openxmlformats.org/presentationml/2006/main">
+  <p:cSld>
+    <p:spTree>
+      <p:nvGrpSpPr>
+        <p:cNvPr id="1" name=""/>
+        <p:cNvGrpSpPr/>
+        <p:nvPr/>
+      </p:nvGrpSpPr>
+      <p:grpSpPr>
+        <a:xfrm>
+          <a:off x="0" y="0"/>
+          <a:ext cx="0" cy="0"/>
+          <a:chOff x="0" y="0"/>
+          <a:chExt cx="0" cy="0"/>
+        </a:xfrm>
+      </p:grpSpPr>
+      <p:sp>
+        <p:nvSpPr>
+          <p:cNvPr id="11" name="Can 10"/>
+          <p:cNvSpPr/>
+          <p:nvPr/>
+        </p:nvSpPr>
+        <p:spPr>
+          <a:xfrm>
+            <a:off x="3883299" y="2390275"/>
+            <a:ext cx="2484820" cy="2258969"/>
+          </a:xfrm>
+          <a:prstGeom prst="can">
+            <a:avLst/>
+          </a:prstGeom>
+        </p:spPr>
+        <p:style>
+          <a:lnRef idx="2">
+            <a:schemeClr val="accent1">
+              <a:shade val="50000"/>
+            </a:schemeClr>
+          </a:lnRef>
+          <a:fillRef idx="1">
+            <a:schemeClr val="accent1"/>
+          </a:fillRef>
+          <a:effectRef idx="0">
+            <a:schemeClr val="accent1"/>
+          </a:effectRef>
+          <a:fontRef idx="minor">
+            <a:schemeClr val="lt1"/>
+          </a:fontRef>
+        </p:style>
+        <p:txBody>
+          <a:bodyPr rtlCol="0" anchor="ctr"/>
+          <a:lstStyle/>
+          <a:p>
+            <a:pPr algn="ctr"/>
+            <a:r>
+              <a:rPr lang="en-US" sz="2400" dirty="0" smtClean="0"/>
+              <a:t>Client</a:t>
+            </a:r>
+          </a:p>
+          <a:p>
+            <a:pPr algn="ctr"/>
+            <a:r>
+              <a:rPr lang="en-US" sz="2400" dirty="0" smtClean="0"/>
+              <a:t>(</a:t>
+            </a:r>
+            <a:r>
+              <a:rPr lang="en-US" sz="2400" dirty="0" smtClean="0"/>
+              <a:t>Scheduling </a:t>
+            </a:r>
+            <a:r>
+              <a:rPr lang="en-US" sz="2400" dirty="0" smtClean="0"/>
+              <a:t>Application)</a:t>
+            </a:r>
+            <a:endParaRPr lang="en-US" sz="2400" dirty="0"/>
+          </a:p>
+        </p:txBody>
+      </p:sp>
+      <p:grpSp>
+        <p:nvGrpSpPr>
+          <p:cNvPr id="15" name="Group 14"/>
+          <p:cNvGrpSpPr/>
+          <p:nvPr/>
+        </p:nvGrpSpPr>
+        <p:grpSpPr>
+          <a:xfrm>
+            <a:off x="6368119" y="2847448"/>
+            <a:ext cx="2929455" cy="941944"/>
+            <a:chOff x="3858207" y="2205609"/>
+            <a:chExt cx="4595305" cy="941944"/>
+          </a:xfrm>
+        </p:grpSpPr>
+        <p:cxnSp>
+          <p:nvCxnSpPr>
+            <p:cNvPr id="22" name="Straight Arrow Connector 21"/>
+            <p:cNvCxnSpPr/>
+            <p:nvPr/>
+          </p:nvCxnSpPr>
+          <p:spPr>
+            <a:xfrm>
+              <a:off x="4015389" y="2877921"/>
+              <a:ext cx="4438123" cy="0"/>
+            </a:xfrm>
+            <a:prstGeom prst="straightConnector1">
+              <a:avLst/>
+            </a:prstGeom>
+            <a:ln w="63500">
+              <a:tailEnd type="triangle"/>
+            </a:ln>
+          </p:spPr>
+          <p:style>
+            <a:lnRef idx="1">
+              <a:schemeClr val="accent1"/>
+            </a:lnRef>
+            <a:fillRef idx="0">
+              <a:schemeClr val="accent1"/>
+            </a:fillRef>
+            <a:effectRef idx="0">
+              <a:schemeClr val="accent1"/>
+            </a:effectRef>
+            <a:fontRef idx="minor">
+              <a:schemeClr val="tx1"/>
+            </a:fontRef>
+          </p:style>
+        </p:cxnSp>
+        <p:sp>
+          <p:nvSpPr>
+            <p:cNvPr id="4" name="TextBox 3"/>
+            <p:cNvSpPr txBox="1"/>
+            <p:nvPr/>
+          </p:nvSpPr>
+          <p:spPr>
+            <a:xfrm>
+              <a:off x="4931870" y="2205609"/>
+              <a:ext cx="3521642" cy="369332"/>
+            </a:xfrm>
+            <a:prstGeom prst="rect">
+              <a:avLst/>
+            </a:prstGeom>
+            <a:solidFill>
+              <a:schemeClr val="bg1"/>
+            </a:solidFill>
+            <a:effectLst/>
+          </p:spPr>
+          <p:txBody>
+            <a:bodyPr wrap="square" rtlCol="0">
+              <a:spAutoFit/>
+            </a:bodyPr>
+            <a:lstStyle/>
+            <a:p>
+              <a:r>
+                <a:rPr lang="en-US" dirty="0" smtClean="0"/>
+                <a:t>Appointment $find</a:t>
+              </a:r>
+              <a:endParaRPr lang="en-US" dirty="0"/>
+            </a:p>
+          </p:txBody>
+        </p:sp>
+        <p:cxnSp>
+          <p:nvCxnSpPr>
+            <p:cNvPr id="23" name="Straight Arrow Connector 22"/>
+            <p:cNvCxnSpPr/>
+            <p:nvPr/>
+          </p:nvCxnSpPr>
+          <p:spPr>
+            <a:xfrm>
+              <a:off x="3858207" y="3147553"/>
+              <a:ext cx="4438123" cy="0"/>
+            </a:xfrm>
+            <a:prstGeom prst="straightConnector1">
+              <a:avLst/>
+            </a:prstGeom>
+            <a:ln w="63500">
+              <a:headEnd type="triangle"/>
+              <a:tailEnd type="none"/>
+            </a:ln>
+          </p:spPr>
+          <p:style>
+            <a:lnRef idx="1">
+              <a:schemeClr val="accent1"/>
+            </a:lnRef>
+            <a:fillRef idx="0">
+              <a:schemeClr val="accent1"/>
+            </a:fillRef>
+            <a:effectRef idx="0">
+              <a:schemeClr val="accent1"/>
+            </a:effectRef>
+            <a:fontRef idx="minor">
+              <a:schemeClr val="tx1"/>
+            </a:fontRef>
+          </p:style>
+        </p:cxnSp>
+        <p:sp>
+          <p:nvSpPr>
+            <p:cNvPr id="29" name="TextBox 28"/>
+            <p:cNvSpPr txBox="1"/>
+            <p:nvPr/>
+          </p:nvSpPr>
+          <p:spPr>
+            <a:xfrm>
+              <a:off x="4160992" y="2205609"/>
+              <a:ext cx="415618" cy="369332"/>
+            </a:xfrm>
+            <a:prstGeom prst="rect">
+              <a:avLst/>
+            </a:prstGeom>
+            <a:noFill/>
+            <a:ln w="25400">
+              <a:solidFill>
+                <a:schemeClr val="accent1">
+                  <a:shade val="50000"/>
+                </a:schemeClr>
+              </a:solidFill>
+            </a:ln>
+          </p:spPr>
+          <p:txBody>
+            <a:bodyPr wrap="square" rtlCol="0">
+              <a:spAutoFit/>
+            </a:bodyPr>
+            <a:lstStyle/>
+            <a:p>
+              <a:pPr algn="ctr"/>
+              <a:r>
+                <a:rPr lang="en-US" dirty="0" smtClean="0"/>
+                <a:t>1</a:t>
+              </a:r>
+              <a:endParaRPr lang="en-US" dirty="0"/>
+            </a:p>
+          </p:txBody>
+        </p:sp>
+      </p:grpSp>
+      <p:sp>
+        <p:nvSpPr>
+          <p:cNvPr id="8" name="Can 7"/>
+          <p:cNvSpPr/>
+          <p:nvPr/>
+        </p:nvSpPr>
+        <p:spPr>
+          <a:xfrm>
+            <a:off x="9297574" y="2359802"/>
+            <a:ext cx="2380957" cy="2258969"/>
+          </a:xfrm>
+          <a:prstGeom prst="can">
+            <a:avLst/>
+          </a:prstGeom>
+        </p:spPr>
+        <p:style>
+          <a:lnRef idx="2">
+            <a:schemeClr val="accent1">
+              <a:shade val="50000"/>
+            </a:schemeClr>
+          </a:lnRef>
+          <a:fillRef idx="1">
+            <a:schemeClr val="accent1"/>
+          </a:fillRef>
+          <a:effectRef idx="0">
+            <a:schemeClr val="accent1"/>
+          </a:effectRef>
+          <a:fontRef idx="minor">
+            <a:schemeClr val="lt1"/>
+          </a:fontRef>
+        </p:style>
+        <p:txBody>
+          <a:bodyPr rtlCol="0" anchor="ctr"/>
+          <a:lstStyle/>
+          <a:p>
+            <a:pPr algn="ctr"/>
+            <a:r>
+              <a:rPr lang="en-US" sz="2400" dirty="0" smtClean="0"/>
+              <a:t>FHIR Scheduler, (EHR)</a:t>
+            </a:r>
+            <a:endParaRPr lang="en-US" sz="2400" dirty="0"/>
+          </a:p>
+        </p:txBody>
+      </p:sp>
+    </p:spTree>
+    <p:extLst>
+      <p:ext uri="{BB962C8B-B14F-4D97-AF65-F5344CB8AC3E}">
+        <p14:creationId xmlns:p14="http://schemas.microsoft.com/office/powerpoint/2010/main" xmlns="" val="702274131"/>
+      </p:ext>
+    </p:extLst>
+  </p:cSld>
+  <p:clrMapOvr>
+    <a:masterClrMapping/>
+  </p:clrMapOvr>
+</p:sld>
+</file>
+
+<file path=ppt/slides/slide9.xml><?xml version="1.0" encoding="utf-8"?>
+<p:sld xmlns:a="http://schemas.openxmlformats.org/drawingml/2006/main" xmlns:r="http://schemas.openxmlformats.org/officeDocument/2006/relationships" xmlns:p="http://schemas.openxmlformats.org/presentationml/2006/main">
+  <p:cSld>
+    <p:spTree>
+      <p:nvGrpSpPr>
+        <p:cNvPr id="1" name=""/>
+        <p:cNvGrpSpPr/>
+        <p:nvPr/>
+      </p:nvGrpSpPr>
+      <p:grpSpPr>
+        <a:xfrm>
+          <a:off x="0" y="0"/>
+          <a:ext cx="0" cy="0"/>
+          <a:chOff x="0" y="0"/>
+          <a:chExt cx="0" cy="0"/>
+        </a:xfrm>
+      </p:grpSpPr>
+      <p:sp>
+        <p:nvSpPr>
+          <p:cNvPr id="11" name="Can 10"/>
+          <p:cNvSpPr/>
+          <p:nvPr/>
+        </p:nvSpPr>
+        <p:spPr>
+          <a:xfrm>
+            <a:off x="3883299" y="2390275"/>
+            <a:ext cx="2484820" cy="2258969"/>
+          </a:xfrm>
+          <a:prstGeom prst="can">
+            <a:avLst/>
+          </a:prstGeom>
+        </p:spPr>
+        <p:style>
+          <a:lnRef idx="2">
+            <a:schemeClr val="accent1">
+              <a:shade val="50000"/>
+            </a:schemeClr>
+          </a:lnRef>
+          <a:fillRef idx="1">
+            <a:schemeClr val="accent1"/>
+          </a:fillRef>
+          <a:effectRef idx="0">
+            <a:schemeClr val="accent1"/>
+          </a:effectRef>
+          <a:fontRef idx="minor">
+            <a:schemeClr val="lt1"/>
+          </a:fontRef>
+        </p:style>
+        <p:txBody>
+          <a:bodyPr rtlCol="0" anchor="ctr"/>
+          <a:lstStyle/>
+          <a:p>
+            <a:pPr algn="ctr"/>
+            <a:r>
+              <a:rPr lang="en-US" sz="2400" dirty="0" smtClean="0"/>
+              <a:t>Client</a:t>
+            </a:r>
+          </a:p>
+          <a:p>
+            <a:pPr algn="ctr"/>
+            <a:r>
+              <a:rPr lang="en-US" sz="2400" dirty="0" smtClean="0"/>
+              <a:t>(</a:t>
+            </a:r>
+            <a:r>
+              <a:rPr lang="en-US" sz="2400" dirty="0" smtClean="0"/>
+              <a:t>Scheduling </a:t>
+            </a:r>
+            <a:r>
+              <a:rPr lang="en-US" sz="2400" dirty="0" smtClean="0"/>
+              <a:t>Application)</a:t>
+            </a:r>
+            <a:endParaRPr lang="en-US" sz="2400" dirty="0"/>
+          </a:p>
+        </p:txBody>
+      </p:sp>
+      <p:sp>
+        <p:nvSpPr>
+          <p:cNvPr id="8" name="Can 7"/>
+          <p:cNvSpPr/>
+          <p:nvPr/>
+        </p:nvSpPr>
+        <p:spPr>
+          <a:xfrm>
+            <a:off x="9297574" y="2359802"/>
+            <a:ext cx="2380957" cy="2258969"/>
+          </a:xfrm>
+          <a:prstGeom prst="can">
+            <a:avLst/>
+          </a:prstGeom>
+        </p:spPr>
+        <p:style>
+          <a:lnRef idx="2">
+            <a:schemeClr val="accent1">
+              <a:shade val="50000"/>
+            </a:schemeClr>
+          </a:lnRef>
+          <a:fillRef idx="1">
+            <a:schemeClr val="accent1"/>
+          </a:fillRef>
+          <a:effectRef idx="0">
+            <a:schemeClr val="accent1"/>
+          </a:effectRef>
+          <a:fontRef idx="minor">
+            <a:schemeClr val="lt1"/>
+          </a:fontRef>
+        </p:style>
+        <p:txBody>
+          <a:bodyPr rtlCol="0" anchor="ctr"/>
+          <a:lstStyle/>
+          <a:p>
+            <a:pPr algn="ctr"/>
+            <a:r>
+              <a:rPr lang="en-US" sz="2400" dirty="0" smtClean="0"/>
+              <a:t>FHIR Scheduler, (EHR)</a:t>
+            </a:r>
+            <a:endParaRPr lang="en-US" sz="2400" dirty="0"/>
+          </a:p>
+        </p:txBody>
+      </p:sp>
+      <p:sp>
+        <p:nvSpPr>
+          <p:cNvPr id="9" name="TextBox 8"/>
+          <p:cNvSpPr txBox="1"/>
+          <p:nvPr/>
+        </p:nvSpPr>
+        <p:spPr>
+          <a:xfrm>
+            <a:off x="6265634" y="2244914"/>
+            <a:ext cx="3031940" cy="369332"/>
+          </a:xfrm>
+          <a:prstGeom prst="rect">
+            <a:avLst/>
+          </a:prstGeom>
+          <a:solidFill>
+            <a:schemeClr val="bg1"/>
+          </a:solidFill>
+          <a:effectLst/>
+        </p:spPr>
+        <p:txBody>
+          <a:bodyPr wrap="square" rtlCol="0">
+            <a:spAutoFit/>
+          </a:bodyPr>
+          <a:lstStyle/>
+          <a:p>
+            <a:r>
+              <a:rPr lang="en-US" dirty="0" smtClean="0"/>
+              <a:t>POST …/Subscription/my-sub</a:t>
+            </a:r>
+            <a:endParaRPr lang="en-US" dirty="0"/>
+          </a:p>
+        </p:txBody>
+      </p:sp>
+      <p:cxnSp>
+        <p:nvCxnSpPr>
+          <p:cNvPr id="10" name="Straight Arrow Connector 9"/>
+          <p:cNvCxnSpPr/>
+          <p:nvPr/>
+        </p:nvCxnSpPr>
+        <p:spPr>
+          <a:xfrm>
+            <a:off x="6541478" y="2815202"/>
+            <a:ext cx="2632715" cy="0"/>
+          </a:xfrm>
+          <a:prstGeom prst="straightConnector1">
+            <a:avLst/>
+          </a:prstGeom>
+          <a:ln w="63500">
+            <a:tailEnd type="triangle"/>
+          </a:ln>
+        </p:spPr>
+        <p:style>
+          <a:lnRef idx="1">
+            <a:schemeClr val="accent1"/>
+          </a:lnRef>
+          <a:fillRef idx="0">
+            <a:schemeClr val="accent1"/>
+          </a:fillRef>
+          <a:effectRef idx="0">
+            <a:schemeClr val="accent1"/>
+          </a:effectRef>
+          <a:fontRef idx="minor">
+            <a:schemeClr val="tx1"/>
+          </a:fontRef>
+        </p:style>
+      </p:cxnSp>
+      <p:sp>
+        <p:nvSpPr>
+          <p:cNvPr id="12" name="TextBox 11"/>
+          <p:cNvSpPr txBox="1"/>
+          <p:nvPr/>
+        </p:nvSpPr>
+        <p:spPr>
+          <a:xfrm>
+            <a:off x="6789556" y="1931513"/>
+            <a:ext cx="375381" cy="369332"/>
+          </a:xfrm>
+          <a:prstGeom prst="rect">
+            <a:avLst/>
+          </a:prstGeom>
+          <a:noFill/>
+          <a:ln w="25400">
+            <a:solidFill>
+              <a:schemeClr val="accent1">
+                <a:shade val="50000"/>
+              </a:schemeClr>
+            </a:solidFill>
+          </a:ln>
+        </p:spPr>
+        <p:txBody>
+          <a:bodyPr wrap="square" rtlCol="0">
+            <a:spAutoFit/>
+          </a:bodyPr>
+          <a:lstStyle/>
+          <a:p>
+            <a:pPr algn="ctr"/>
+            <a:r>
+              <a:rPr lang="en-US" dirty="0" smtClean="0"/>
+              <a:t>2</a:t>
+            </a:r>
+            <a:endParaRPr lang="en-US" dirty="0"/>
+          </a:p>
+        </p:txBody>
+      </p:sp>
+      <p:sp>
+        <p:nvSpPr>
+          <p:cNvPr id="13" name="TextBox 12"/>
+          <p:cNvSpPr txBox="1"/>
+          <p:nvPr/>
+        </p:nvSpPr>
+        <p:spPr>
+          <a:xfrm>
+            <a:off x="6265634" y="4672259"/>
+            <a:ext cx="2908559" cy="369332"/>
+          </a:xfrm>
+          <a:prstGeom prst="rect">
+            <a:avLst/>
+          </a:prstGeom>
+          <a:solidFill>
+            <a:schemeClr val="bg1"/>
+          </a:solidFill>
+          <a:effectLst/>
+        </p:spPr>
+        <p:txBody>
+          <a:bodyPr wrap="square" rtlCol="0">
+            <a:spAutoFit/>
+          </a:bodyPr>
+          <a:lstStyle/>
+          <a:p>
+            <a:r>
+              <a:rPr lang="en-US" dirty="0" smtClean="0"/>
+              <a:t>Notifications +/-  resources</a:t>
+            </a:r>
+            <a:endParaRPr lang="en-US" dirty="0"/>
+          </a:p>
+        </p:txBody>
+      </p:sp>
+      <p:sp>
+        <p:nvSpPr>
+          <p:cNvPr id="15" name="TextBox 14"/>
+          <p:cNvSpPr txBox="1"/>
+          <p:nvPr/>
+        </p:nvSpPr>
+        <p:spPr>
+          <a:xfrm>
+            <a:off x="7136097" y="4328209"/>
+            <a:ext cx="423109" cy="369332"/>
+          </a:xfrm>
+          <a:prstGeom prst="rect">
+            <a:avLst/>
+          </a:prstGeom>
+          <a:noFill/>
+          <a:ln w="25400">
+            <a:solidFill>
+              <a:schemeClr val="accent1">
+                <a:shade val="50000"/>
+              </a:schemeClr>
+            </a:solidFill>
+          </a:ln>
+        </p:spPr>
+        <p:txBody>
+          <a:bodyPr wrap="square" rtlCol="0">
+            <a:spAutoFit/>
+          </a:bodyPr>
+          <a:lstStyle/>
+          <a:p>
+            <a:pPr algn="ctr"/>
+            <a:r>
+              <a:rPr lang="en-US" dirty="0" smtClean="0"/>
+              <a:t>3</a:t>
+            </a:r>
+            <a:endParaRPr lang="en-US" dirty="0"/>
+          </a:p>
+        </p:txBody>
+      </p:sp>
+      <p:sp>
+        <p:nvSpPr>
+          <p:cNvPr id="16" name="TextBox 15"/>
+          <p:cNvSpPr txBox="1"/>
+          <p:nvPr/>
+        </p:nvSpPr>
+        <p:spPr>
+          <a:xfrm>
+            <a:off x="6823577" y="3355167"/>
+            <a:ext cx="1795497" cy="369332"/>
+          </a:xfrm>
+          <a:prstGeom prst="rect">
+            <a:avLst/>
+          </a:prstGeom>
+          <a:noFill/>
+        </p:spPr>
+        <p:txBody>
+          <a:bodyPr wrap="square" rtlCol="0">
+            <a:spAutoFit/>
+          </a:bodyPr>
+          <a:lstStyle/>
+          <a:p>
+            <a:r>
+              <a:rPr lang="en-US" dirty="0" smtClean="0"/>
+              <a:t>(some time later)</a:t>
+            </a:r>
+            <a:endParaRPr lang="en-US" dirty="0"/>
+          </a:p>
+        </p:txBody>
+      </p:sp>
+      <p:grpSp>
+        <p:nvGrpSpPr>
+          <p:cNvPr id="19" name="Group 18"/>
+          <p:cNvGrpSpPr/>
+          <p:nvPr/>
+        </p:nvGrpSpPr>
+        <p:grpSpPr>
+          <a:xfrm>
+            <a:off x="6541478" y="3758490"/>
+            <a:ext cx="2632716" cy="304800"/>
+            <a:chOff x="6757652" y="3758490"/>
+            <a:chExt cx="1993273" cy="304800"/>
+          </a:xfrm>
+        </p:grpSpPr>
+        <p:cxnSp>
+          <p:nvCxnSpPr>
+            <p:cNvPr id="14" name="Straight Arrow Connector 13"/>
+            <p:cNvCxnSpPr/>
+            <p:nvPr/>
+          </p:nvCxnSpPr>
+          <p:spPr>
+            <a:xfrm>
+              <a:off x="6757652" y="3758490"/>
+              <a:ext cx="1691095" cy="0"/>
+            </a:xfrm>
+            <a:prstGeom prst="straightConnector1">
+              <a:avLst/>
+            </a:prstGeom>
+            <a:ln w="63500">
+              <a:headEnd type="triangle"/>
+              <a:tailEnd type="none"/>
+            </a:ln>
+          </p:spPr>
+          <p:style>
+            <a:lnRef idx="1">
+              <a:schemeClr val="accent1"/>
+            </a:lnRef>
+            <a:fillRef idx="0">
+              <a:schemeClr val="accent1"/>
+            </a:fillRef>
+            <a:effectRef idx="0">
+              <a:schemeClr val="accent1"/>
+            </a:effectRef>
+            <a:fontRef idx="minor">
+              <a:schemeClr val="tx1"/>
+            </a:fontRef>
+          </p:style>
+        </p:cxnSp>
+        <p:cxnSp>
+          <p:nvCxnSpPr>
+            <p:cNvPr id="17" name="Straight Arrow Connector 16"/>
+            <p:cNvCxnSpPr/>
+            <p:nvPr/>
+          </p:nvCxnSpPr>
+          <p:spPr>
+            <a:xfrm>
+              <a:off x="6910052" y="3910890"/>
+              <a:ext cx="1709022" cy="0"/>
+            </a:xfrm>
+            <a:prstGeom prst="straightConnector1">
+              <a:avLst/>
+            </a:prstGeom>
+            <a:ln w="63500">
+              <a:headEnd type="triangle"/>
+              <a:tailEnd type="none"/>
+            </a:ln>
+          </p:spPr>
+          <p:style>
+            <a:lnRef idx="1">
+              <a:schemeClr val="accent1"/>
+            </a:lnRef>
+            <a:fillRef idx="0">
+              <a:schemeClr val="accent1"/>
+            </a:fillRef>
+            <a:effectRef idx="0">
+              <a:schemeClr val="accent1"/>
+            </a:effectRef>
+            <a:fontRef idx="minor">
+              <a:schemeClr val="tx1"/>
+            </a:fontRef>
+          </p:style>
+        </p:cxnSp>
+        <p:cxnSp>
+          <p:nvCxnSpPr>
+            <p:cNvPr id="18" name="Straight Arrow Connector 17"/>
+            <p:cNvCxnSpPr/>
+            <p:nvPr/>
+          </p:nvCxnSpPr>
+          <p:spPr>
+            <a:xfrm>
+              <a:off x="7062452" y="4063290"/>
+              <a:ext cx="1688473" cy="0"/>
+            </a:xfrm>
+            <a:prstGeom prst="straightConnector1">
+              <a:avLst/>
+            </a:prstGeom>
+            <a:ln w="63500">
+              <a:headEnd type="triangle"/>
+              <a:tailEnd type="none"/>
+            </a:ln>
+          </p:spPr>
+          <p:style>
+            <a:lnRef idx="1">
+              <a:schemeClr val="accent1"/>
+            </a:lnRef>
+            <a:fillRef idx="0">
+              <a:schemeClr val="accent1"/>
+            </a:fillRef>
+            <a:effectRef idx="0">
+              <a:schemeClr val="accent1"/>
+            </a:effectRef>
+            <a:fontRef idx="minor">
+              <a:schemeClr val="tx1"/>
+            </a:fontRef>
+          </p:style>
+        </p:cxnSp>
+      </p:grpSp>
+      <p:pic>
+        <p:nvPicPr>
+          <p:cNvPr id="24" name="Picture 23"/>
+          <p:cNvPicPr>
+            <a:picLocks noChangeAspect="1"/>
+          </p:cNvPicPr>
+          <p:nvPr/>
+        </p:nvPicPr>
+        <p:blipFill>
+          <a:blip r:embed="rId3">
+            <a:extLst>
+              <a:ext uri="{28A0092B-C50C-407E-A947-70E740481C1C}">
+                <a14:useLocalDpi xmlns:a14="http://schemas.microsoft.com/office/drawing/2010/main" xmlns="" val="0"/>
+              </a:ext>
+            </a:extLst>
+          </a:blip>
+          <a:stretch>
+            <a:fillRect/>
+          </a:stretch>
+        </p:blipFill>
+        <p:spPr>
+          <a:xfrm>
+            <a:off x="744038" y="2116140"/>
+            <a:ext cx="1780491" cy="2698128"/>
+          </a:xfrm>
+          <a:prstGeom prst="rect">
+            <a:avLst/>
+          </a:prstGeom>
+        </p:spPr>
+      </p:pic>
+      <p:cxnSp>
+        <p:nvCxnSpPr>
+          <p:cNvPr id="25" name="Straight Arrow Connector 24"/>
+          <p:cNvCxnSpPr/>
+          <p:nvPr/>
+        </p:nvCxnSpPr>
+        <p:spPr>
+          <a:xfrm>
+            <a:off x="2524529" y="3355167"/>
+            <a:ext cx="1215133" cy="0"/>
+          </a:xfrm>
+          <a:prstGeom prst="straightConnector1">
+            <a:avLst/>
+          </a:prstGeom>
+          <a:ln w="63500">
+            <a:headEnd type="triangle"/>
+            <a:tailEnd type="none"/>
+          </a:ln>
+        </p:spPr>
+        <p:style>
+          <a:lnRef idx="1">
+            <a:schemeClr val="accent1"/>
+          </a:lnRef>
+          <a:fillRef idx="0">
+            <a:schemeClr val="accent1"/>
+          </a:fillRef>
+          <a:effectRef idx="0">
+            <a:schemeClr val="accent1"/>
+          </a:effectRef>
+          <a:fontRef idx="minor">
+            <a:schemeClr val="tx1"/>
+          </a:fontRef>
+        </p:style>
+      </p:cxnSp>
+      <p:sp>
+        <p:nvSpPr>
+          <p:cNvPr id="26" name="TextBox 25"/>
+          <p:cNvSpPr txBox="1"/>
+          <p:nvPr/>
+        </p:nvSpPr>
+        <p:spPr>
+          <a:xfrm>
+            <a:off x="2928663" y="2815202"/>
+            <a:ext cx="415619" cy="369332"/>
+          </a:xfrm>
+          <a:prstGeom prst="rect">
+            <a:avLst/>
+          </a:prstGeom>
+          <a:noFill/>
+          <a:ln w="25400">
+            <a:solidFill>
+              <a:schemeClr val="accent1">
+                <a:shade val="50000"/>
+              </a:schemeClr>
+            </a:solidFill>
+          </a:ln>
+        </p:spPr>
+        <p:txBody>
+          <a:bodyPr wrap="square" rtlCol="0">
+            <a:spAutoFit/>
+          </a:bodyPr>
+          <a:lstStyle/>
+          <a:p>
+            <a:pPr algn="ctr"/>
+            <a:r>
+              <a:rPr lang="en-US" dirty="0" smtClean="0"/>
+              <a:t>4</a:t>
+            </a:r>
+            <a:endParaRPr lang="en-US" dirty="0"/>
+          </a:p>
+        </p:txBody>
+      </p:sp>
+    </p:spTree>
+    <p:extLst>
+      <p:ext uri="{BB962C8B-B14F-4D97-AF65-F5344CB8AC3E}">
+        <p14:creationId xmlns:p14="http://schemas.microsoft.com/office/powerpoint/2010/main" xmlns="" val="702274131"/>
       </p:ext>
     </p:extLst>
   </p:cSld>
@@ -7778,7 +8800,7 @@
     </a:clrScheme>
     <a:fontScheme name="Office">
       <a:majorFont>
-        <a:latin typeface="Calibri Light" panose="020F0302020204030204"/>
+        <a:latin typeface="Calibri Light"/>
         <a:ea typeface=""/>
         <a:cs typeface=""/>
         <a:font script="Jpan" typeface="Yu Gothic Light"/>
@@ -7813,7 +8835,7 @@
         <a:font script="Geor" typeface="Sylfaen"/>
       </a:majorFont>
       <a:minorFont>
-        <a:latin typeface="Calibri" panose="020F0502020204030204"/>
+        <a:latin typeface="Calibri"/>
         <a:ea typeface=""/>
         <a:cs typeface=""/>
         <a:font script="Jpan" typeface="Yu Gothic"/>
@@ -7990,7 +9012,7 @@
   <a:extraClrSchemeLst/>
   <a:extLst>
     <a:ext uri="{05A4C25C-085E-4340-85A3-A5531E510DB2}">
-      <thm15:themeFamily xmlns:thm15="http://schemas.microsoft.com/office/thememl/2012/main" name="Office Theme" id="{62F939B6-93AF-4DB8-9C6B-D6C7DFDC589F}" vid="{4A3C46E8-61CC-4603-A589-7422A47A8E4A}"/>
+      <thm15:themeFamily xmlns:thm15="http://schemas.microsoft.com/office/thememl/2012/main" xmlns="" name="Office Theme" id="{62F939B6-93AF-4DB8-9C6B-D6C7DFDC589F}" vid="{4A3C46E8-61CC-4603-A589-7422A47A8E4A}"/>
     </a:ext>
   </a:extLst>
 </a:theme>
@@ -8039,7 +9061,7 @@
     </a:clrScheme>
     <a:fontScheme name="Office">
       <a:majorFont>
-        <a:latin typeface="Calibri Light" panose="020F0302020204030204"/>
+        <a:latin typeface="Calibri Light"/>
         <a:ea typeface=""/>
         <a:cs typeface=""/>
         <a:font script="Jpan" typeface="Yu Gothic Light"/>
@@ -8074,7 +9096,7 @@
         <a:font script="Geor" typeface="Sylfaen"/>
       </a:majorFont>
       <a:minorFont>
-        <a:latin typeface="Calibri" panose="020F0502020204030204"/>
+        <a:latin typeface="Calibri"/>
         <a:ea typeface=""/>
         <a:cs typeface=""/>
         <a:font script="Jpan" typeface="Yu Gothic"/>
@@ -8251,7 +9273,7 @@
   <a:extraClrSchemeLst/>
   <a:extLst>
     <a:ext uri="{05A4C25C-085E-4340-85A3-A5531E510DB2}">
-      <thm15:themeFamily xmlns:thm15="http://schemas.microsoft.com/office/thememl/2012/main" name="Office Theme" id="{62F939B6-93AF-4DB8-9C6B-D6C7DFDC589F}" vid="{4A3C46E8-61CC-4603-A589-7422A47A8E4A}"/>
+      <thm15:themeFamily xmlns:thm15="http://schemas.microsoft.com/office/thememl/2012/main" xmlns="" name="Office Theme" id="{62F939B6-93AF-4DB8-9C6B-D6C7DFDC589F}" vid="{4A3C46E8-61CC-4603-A589-7422A47A8E4A}"/>
     </a:ext>
   </a:extLst>
 </a:theme>

--- a/meeting-notes/WorkFlowDiagrams.pptx
+++ b/meeting-notes/WorkFlowDiagrams.pptx
@@ -5,7 +5,7 @@
     <p:sldMasterId id="2147483648" r:id="rId1"/>
   </p:sldMasterIdLst>
   <p:notesMasterIdLst>
-    <p:notesMasterId r:id="rId11"/>
+    <p:notesMasterId r:id="rId16"/>
   </p:notesMasterIdLst>
   <p:sldIdLst>
     <p:sldId id="256" r:id="rId2"/>
@@ -16,7 +16,12 @@
     <p:sldId id="258" r:id="rId7"/>
     <p:sldId id="262" r:id="rId8"/>
     <p:sldId id="264" r:id="rId9"/>
-    <p:sldId id="266" r:id="rId10"/>
+    <p:sldId id="269" r:id="rId10"/>
+    <p:sldId id="271" r:id="rId11"/>
+    <p:sldId id="267" r:id="rId12"/>
+    <p:sldId id="268" r:id="rId13"/>
+    <p:sldId id="270" r:id="rId14"/>
+    <p:sldId id="266" r:id="rId15"/>
   </p:sldIdLst>
   <p:sldSz cx="12192000" cy="6858000"/>
   <p:notesSz cx="6858000" cy="9144000"/>
@@ -117,7 +122,18 @@
   </p:defaultTextStyle>
   <p:extLst>
     <p:ext uri="{EFAFB233-063F-42B5-8137-9DF3F51BA10A}">
-      <p15:sldGuideLst xmlns:p15="http://schemas.microsoft.com/office/powerpoint/2012/main" xmlns=""/>
+      <p15:sldGuideLst xmlns:p15="http://schemas.microsoft.com/office/powerpoint/2012/main">
+        <p15:guide id="1" orient="horz" pos="2160">
+          <p15:clr>
+            <a:srgbClr val="A4A3A4"/>
+          </p15:clr>
+        </p15:guide>
+        <p15:guide id="2" pos="3840">
+          <p15:clr>
+            <a:srgbClr val="A4A3A4"/>
+          </p15:clr>
+        </p15:guide>
+      </p15:sldGuideLst>
     </p:ext>
   </p:extLst>
 </p:presentation>
@@ -206,7 +222,7 @@
             <a:fld id="{7BDA92F8-9482-1145-B1E4-CE31E168D77D}" type="datetimeFigureOut">
               <a:rPr lang="en-US" smtClean="0"/>
               <a:pPr/>
-              <a:t>10/9/2017</a:t>
+              <a:t>11/7/17</a:t>
             </a:fld>
             <a:endParaRPr lang="en-US"/>
           </a:p>
@@ -375,7 +391,7 @@
     </p:spTree>
     <p:extLst>
       <p:ext uri="{BB962C8B-B14F-4D97-AF65-F5344CB8AC3E}">
-        <p14:creationId xmlns:p14="http://schemas.microsoft.com/office/powerpoint/2010/main" xmlns="" val="1890444687"/>
+        <p14:creationId xmlns:p14="http://schemas.microsoft.com/office/powerpoint/2010/main" val="1890444687"/>
       </p:ext>
     </p:extLst>
   </p:cSld>
@@ -550,7 +566,7 @@
     </p:spTree>
     <p:extLst>
       <p:ext uri="{BB962C8B-B14F-4D97-AF65-F5344CB8AC3E}">
-        <p14:creationId xmlns:p14="http://schemas.microsoft.com/office/powerpoint/2010/main" xmlns="" val="683297044"/>
+        <p14:creationId xmlns:p14="http://schemas.microsoft.com/office/powerpoint/2010/main" val="683297044"/>
       </p:ext>
     </p:extLst>
   </p:cSld>
@@ -635,7 +651,7 @@
     </p:spTree>
     <p:extLst>
       <p:ext uri="{BB962C8B-B14F-4D97-AF65-F5344CB8AC3E}">
-        <p14:creationId xmlns:p14="http://schemas.microsoft.com/office/powerpoint/2010/main" xmlns="" val="683297044"/>
+        <p14:creationId xmlns:p14="http://schemas.microsoft.com/office/powerpoint/2010/main" val="683297044"/>
       </p:ext>
     </p:extLst>
   </p:cSld>
@@ -720,7 +736,432 @@
     </p:spTree>
     <p:extLst>
       <p:ext uri="{BB962C8B-B14F-4D97-AF65-F5344CB8AC3E}">
-        <p14:creationId xmlns:p14="http://schemas.microsoft.com/office/powerpoint/2010/main" xmlns="" val="683297044"/>
+        <p14:creationId xmlns:p14="http://schemas.microsoft.com/office/powerpoint/2010/main" val="121839247"/>
+      </p:ext>
+    </p:extLst>
+  </p:cSld>
+  <p:clrMapOvr>
+    <a:masterClrMapping/>
+  </p:clrMapOvr>
+</p:notes>
+</file>
+
+<file path=ppt/notesSlides/notesSlide4.xml><?xml version="1.0" encoding="utf-8"?>
+<p:notes xmlns:a="http://schemas.openxmlformats.org/drawingml/2006/main" xmlns:r="http://schemas.openxmlformats.org/officeDocument/2006/relationships" xmlns:p="http://schemas.openxmlformats.org/presentationml/2006/main">
+  <p:cSld>
+    <p:spTree>
+      <p:nvGrpSpPr>
+        <p:cNvPr id="1" name=""/>
+        <p:cNvGrpSpPr/>
+        <p:nvPr/>
+      </p:nvGrpSpPr>
+      <p:grpSpPr>
+        <a:xfrm>
+          <a:off x="0" y="0"/>
+          <a:ext cx="0" cy="0"/>
+          <a:chOff x="0" y="0"/>
+          <a:chExt cx="0" cy="0"/>
+        </a:xfrm>
+      </p:grpSpPr>
+      <p:sp>
+        <p:nvSpPr>
+          <p:cNvPr id="2" name="Slide Image Placeholder 1"/>
+          <p:cNvSpPr>
+            <a:spLocks noGrp="1" noRot="1" noChangeAspect="1"/>
+          </p:cNvSpPr>
+          <p:nvPr>
+            <p:ph type="sldImg"/>
+          </p:nvPr>
+        </p:nvSpPr>
+        <p:spPr/>
+      </p:sp>
+      <p:sp>
+        <p:nvSpPr>
+          <p:cNvPr id="3" name="Notes Placeholder 2"/>
+          <p:cNvSpPr>
+            <a:spLocks noGrp="1"/>
+          </p:cNvSpPr>
+          <p:nvPr>
+            <p:ph type="body" idx="1"/>
+          </p:nvPr>
+        </p:nvSpPr>
+        <p:spPr/>
+        <p:txBody>
+          <a:bodyPr/>
+          <a:lstStyle/>
+          <a:p>
+            <a:endParaRPr lang="en-US"/>
+          </a:p>
+        </p:txBody>
+      </p:sp>
+      <p:sp>
+        <p:nvSpPr>
+          <p:cNvPr id="4" name="Slide Number Placeholder 3"/>
+          <p:cNvSpPr>
+            <a:spLocks noGrp="1"/>
+          </p:cNvSpPr>
+          <p:nvPr>
+            <p:ph type="sldNum" sz="quarter" idx="10"/>
+          </p:nvPr>
+        </p:nvSpPr>
+        <p:spPr/>
+        <p:txBody>
+          <a:bodyPr/>
+          <a:lstStyle/>
+          <a:p>
+            <a:fld id="{41AA1877-C0DC-7444-845F-24A0FAE907CA}" type="slidenum">
+              <a:rPr lang="en-US" smtClean="0"/>
+              <a:pPr/>
+              <a:t>10</a:t>
+            </a:fld>
+            <a:endParaRPr lang="en-US"/>
+          </a:p>
+        </p:txBody>
+      </p:sp>
+    </p:spTree>
+    <p:extLst>
+      <p:ext uri="{BB962C8B-B14F-4D97-AF65-F5344CB8AC3E}">
+        <p14:creationId xmlns:p14="http://schemas.microsoft.com/office/powerpoint/2010/main" val="2096488676"/>
+      </p:ext>
+    </p:extLst>
+  </p:cSld>
+  <p:clrMapOvr>
+    <a:masterClrMapping/>
+  </p:clrMapOvr>
+</p:notes>
+</file>
+
+<file path=ppt/notesSlides/notesSlide5.xml><?xml version="1.0" encoding="utf-8"?>
+<p:notes xmlns:a="http://schemas.openxmlformats.org/drawingml/2006/main" xmlns:r="http://schemas.openxmlformats.org/officeDocument/2006/relationships" xmlns:p="http://schemas.openxmlformats.org/presentationml/2006/main">
+  <p:cSld>
+    <p:spTree>
+      <p:nvGrpSpPr>
+        <p:cNvPr id="1" name=""/>
+        <p:cNvGrpSpPr/>
+        <p:nvPr/>
+      </p:nvGrpSpPr>
+      <p:grpSpPr>
+        <a:xfrm>
+          <a:off x="0" y="0"/>
+          <a:ext cx="0" cy="0"/>
+          <a:chOff x="0" y="0"/>
+          <a:chExt cx="0" cy="0"/>
+        </a:xfrm>
+      </p:grpSpPr>
+      <p:sp>
+        <p:nvSpPr>
+          <p:cNvPr id="2" name="Slide Image Placeholder 1"/>
+          <p:cNvSpPr>
+            <a:spLocks noGrp="1" noRot="1" noChangeAspect="1"/>
+          </p:cNvSpPr>
+          <p:nvPr>
+            <p:ph type="sldImg"/>
+          </p:nvPr>
+        </p:nvSpPr>
+        <p:spPr/>
+      </p:sp>
+      <p:sp>
+        <p:nvSpPr>
+          <p:cNvPr id="3" name="Notes Placeholder 2"/>
+          <p:cNvSpPr>
+            <a:spLocks noGrp="1"/>
+          </p:cNvSpPr>
+          <p:nvPr>
+            <p:ph type="body" idx="1"/>
+          </p:nvPr>
+        </p:nvSpPr>
+        <p:spPr/>
+        <p:txBody>
+          <a:bodyPr/>
+          <a:lstStyle/>
+          <a:p>
+            <a:endParaRPr lang="en-US"/>
+          </a:p>
+        </p:txBody>
+      </p:sp>
+      <p:sp>
+        <p:nvSpPr>
+          <p:cNvPr id="4" name="Slide Number Placeholder 3"/>
+          <p:cNvSpPr>
+            <a:spLocks noGrp="1"/>
+          </p:cNvSpPr>
+          <p:nvPr>
+            <p:ph type="sldNum" sz="quarter" idx="10"/>
+          </p:nvPr>
+        </p:nvSpPr>
+        <p:spPr/>
+        <p:txBody>
+          <a:bodyPr/>
+          <a:lstStyle/>
+          <a:p>
+            <a:fld id="{41AA1877-C0DC-7444-845F-24A0FAE907CA}" type="slidenum">
+              <a:rPr lang="en-US" smtClean="0"/>
+              <a:pPr/>
+              <a:t>11</a:t>
+            </a:fld>
+            <a:endParaRPr lang="en-US"/>
+          </a:p>
+        </p:txBody>
+      </p:sp>
+    </p:spTree>
+    <p:extLst>
+      <p:ext uri="{BB962C8B-B14F-4D97-AF65-F5344CB8AC3E}">
+        <p14:creationId xmlns:p14="http://schemas.microsoft.com/office/powerpoint/2010/main" val="1118556869"/>
+      </p:ext>
+    </p:extLst>
+  </p:cSld>
+  <p:clrMapOvr>
+    <a:masterClrMapping/>
+  </p:clrMapOvr>
+</p:notes>
+</file>
+
+<file path=ppt/notesSlides/notesSlide6.xml><?xml version="1.0" encoding="utf-8"?>
+<p:notes xmlns:a="http://schemas.openxmlformats.org/drawingml/2006/main" xmlns:r="http://schemas.openxmlformats.org/officeDocument/2006/relationships" xmlns:p="http://schemas.openxmlformats.org/presentationml/2006/main">
+  <p:cSld>
+    <p:spTree>
+      <p:nvGrpSpPr>
+        <p:cNvPr id="1" name=""/>
+        <p:cNvGrpSpPr/>
+        <p:nvPr/>
+      </p:nvGrpSpPr>
+      <p:grpSpPr>
+        <a:xfrm>
+          <a:off x="0" y="0"/>
+          <a:ext cx="0" cy="0"/>
+          <a:chOff x="0" y="0"/>
+          <a:chExt cx="0" cy="0"/>
+        </a:xfrm>
+      </p:grpSpPr>
+      <p:sp>
+        <p:nvSpPr>
+          <p:cNvPr id="2" name="Slide Image Placeholder 1"/>
+          <p:cNvSpPr>
+            <a:spLocks noGrp="1" noRot="1" noChangeAspect="1"/>
+          </p:cNvSpPr>
+          <p:nvPr>
+            <p:ph type="sldImg"/>
+          </p:nvPr>
+        </p:nvSpPr>
+        <p:spPr/>
+      </p:sp>
+      <p:sp>
+        <p:nvSpPr>
+          <p:cNvPr id="3" name="Notes Placeholder 2"/>
+          <p:cNvSpPr>
+            <a:spLocks noGrp="1"/>
+          </p:cNvSpPr>
+          <p:nvPr>
+            <p:ph type="body" idx="1"/>
+          </p:nvPr>
+        </p:nvSpPr>
+        <p:spPr/>
+        <p:txBody>
+          <a:bodyPr/>
+          <a:lstStyle/>
+          <a:p>
+            <a:endParaRPr lang="en-US"/>
+          </a:p>
+        </p:txBody>
+      </p:sp>
+      <p:sp>
+        <p:nvSpPr>
+          <p:cNvPr id="4" name="Slide Number Placeholder 3"/>
+          <p:cNvSpPr>
+            <a:spLocks noGrp="1"/>
+          </p:cNvSpPr>
+          <p:nvPr>
+            <p:ph type="sldNum" sz="quarter" idx="10"/>
+          </p:nvPr>
+        </p:nvSpPr>
+        <p:spPr/>
+        <p:txBody>
+          <a:bodyPr/>
+          <a:lstStyle/>
+          <a:p>
+            <a:fld id="{41AA1877-C0DC-7444-845F-24A0FAE907CA}" type="slidenum">
+              <a:rPr lang="en-US" smtClean="0"/>
+              <a:pPr/>
+              <a:t>12</a:t>
+            </a:fld>
+            <a:endParaRPr lang="en-US"/>
+          </a:p>
+        </p:txBody>
+      </p:sp>
+    </p:spTree>
+    <p:extLst>
+      <p:ext uri="{BB962C8B-B14F-4D97-AF65-F5344CB8AC3E}">
+        <p14:creationId xmlns:p14="http://schemas.microsoft.com/office/powerpoint/2010/main" val="766956411"/>
+      </p:ext>
+    </p:extLst>
+  </p:cSld>
+  <p:clrMapOvr>
+    <a:masterClrMapping/>
+  </p:clrMapOvr>
+</p:notes>
+</file>
+
+<file path=ppt/notesSlides/notesSlide7.xml><?xml version="1.0" encoding="utf-8"?>
+<p:notes xmlns:a="http://schemas.openxmlformats.org/drawingml/2006/main" xmlns:r="http://schemas.openxmlformats.org/officeDocument/2006/relationships" xmlns:p="http://schemas.openxmlformats.org/presentationml/2006/main">
+  <p:cSld>
+    <p:spTree>
+      <p:nvGrpSpPr>
+        <p:cNvPr id="1" name=""/>
+        <p:cNvGrpSpPr/>
+        <p:nvPr/>
+      </p:nvGrpSpPr>
+      <p:grpSpPr>
+        <a:xfrm>
+          <a:off x="0" y="0"/>
+          <a:ext cx="0" cy="0"/>
+          <a:chOff x="0" y="0"/>
+          <a:chExt cx="0" cy="0"/>
+        </a:xfrm>
+      </p:grpSpPr>
+      <p:sp>
+        <p:nvSpPr>
+          <p:cNvPr id="2" name="Slide Image Placeholder 1"/>
+          <p:cNvSpPr>
+            <a:spLocks noGrp="1" noRot="1" noChangeAspect="1"/>
+          </p:cNvSpPr>
+          <p:nvPr>
+            <p:ph type="sldImg"/>
+          </p:nvPr>
+        </p:nvSpPr>
+        <p:spPr/>
+      </p:sp>
+      <p:sp>
+        <p:nvSpPr>
+          <p:cNvPr id="3" name="Notes Placeholder 2"/>
+          <p:cNvSpPr>
+            <a:spLocks noGrp="1"/>
+          </p:cNvSpPr>
+          <p:nvPr>
+            <p:ph type="body" idx="1"/>
+          </p:nvPr>
+        </p:nvSpPr>
+        <p:spPr/>
+        <p:txBody>
+          <a:bodyPr/>
+          <a:lstStyle/>
+          <a:p>
+            <a:endParaRPr lang="en-US"/>
+          </a:p>
+        </p:txBody>
+      </p:sp>
+      <p:sp>
+        <p:nvSpPr>
+          <p:cNvPr id="4" name="Slide Number Placeholder 3"/>
+          <p:cNvSpPr>
+            <a:spLocks noGrp="1"/>
+          </p:cNvSpPr>
+          <p:nvPr>
+            <p:ph type="sldNum" sz="quarter" idx="10"/>
+          </p:nvPr>
+        </p:nvSpPr>
+        <p:spPr/>
+        <p:txBody>
+          <a:bodyPr/>
+          <a:lstStyle/>
+          <a:p>
+            <a:fld id="{41AA1877-C0DC-7444-845F-24A0FAE907CA}" type="slidenum">
+              <a:rPr lang="en-US" smtClean="0"/>
+              <a:pPr/>
+              <a:t>13</a:t>
+            </a:fld>
+            <a:endParaRPr lang="en-US"/>
+          </a:p>
+        </p:txBody>
+      </p:sp>
+    </p:spTree>
+    <p:extLst>
+      <p:ext uri="{BB962C8B-B14F-4D97-AF65-F5344CB8AC3E}">
+        <p14:creationId xmlns:p14="http://schemas.microsoft.com/office/powerpoint/2010/main" val="306548237"/>
+      </p:ext>
+    </p:extLst>
+  </p:cSld>
+  <p:clrMapOvr>
+    <a:masterClrMapping/>
+  </p:clrMapOvr>
+</p:notes>
+</file>
+
+<file path=ppt/notesSlides/notesSlide8.xml><?xml version="1.0" encoding="utf-8"?>
+<p:notes xmlns:a="http://schemas.openxmlformats.org/drawingml/2006/main" xmlns:r="http://schemas.openxmlformats.org/officeDocument/2006/relationships" xmlns:p="http://schemas.openxmlformats.org/presentationml/2006/main">
+  <p:cSld>
+    <p:spTree>
+      <p:nvGrpSpPr>
+        <p:cNvPr id="1" name=""/>
+        <p:cNvGrpSpPr/>
+        <p:nvPr/>
+      </p:nvGrpSpPr>
+      <p:grpSpPr>
+        <a:xfrm>
+          <a:off x="0" y="0"/>
+          <a:ext cx="0" cy="0"/>
+          <a:chOff x="0" y="0"/>
+          <a:chExt cx="0" cy="0"/>
+        </a:xfrm>
+      </p:grpSpPr>
+      <p:sp>
+        <p:nvSpPr>
+          <p:cNvPr id="2" name="Slide Image Placeholder 1"/>
+          <p:cNvSpPr>
+            <a:spLocks noGrp="1" noRot="1" noChangeAspect="1"/>
+          </p:cNvSpPr>
+          <p:nvPr>
+            <p:ph type="sldImg"/>
+          </p:nvPr>
+        </p:nvSpPr>
+        <p:spPr/>
+      </p:sp>
+      <p:sp>
+        <p:nvSpPr>
+          <p:cNvPr id="3" name="Notes Placeholder 2"/>
+          <p:cNvSpPr>
+            <a:spLocks noGrp="1"/>
+          </p:cNvSpPr>
+          <p:nvPr>
+            <p:ph type="body" idx="1"/>
+          </p:nvPr>
+        </p:nvSpPr>
+        <p:spPr/>
+        <p:txBody>
+          <a:bodyPr/>
+          <a:lstStyle/>
+          <a:p>
+            <a:endParaRPr lang="en-US"/>
+          </a:p>
+        </p:txBody>
+      </p:sp>
+      <p:sp>
+        <p:nvSpPr>
+          <p:cNvPr id="4" name="Slide Number Placeholder 3"/>
+          <p:cNvSpPr>
+            <a:spLocks noGrp="1"/>
+          </p:cNvSpPr>
+          <p:nvPr>
+            <p:ph type="sldNum" sz="quarter" idx="10"/>
+          </p:nvPr>
+        </p:nvSpPr>
+        <p:spPr/>
+        <p:txBody>
+          <a:bodyPr/>
+          <a:lstStyle/>
+          <a:p>
+            <a:fld id="{41AA1877-C0DC-7444-845F-24A0FAE907CA}" type="slidenum">
+              <a:rPr lang="en-US" smtClean="0"/>
+              <a:pPr/>
+              <a:t>14</a:t>
+            </a:fld>
+            <a:endParaRPr lang="en-US"/>
+          </a:p>
+        </p:txBody>
+      </p:sp>
+    </p:spTree>
+    <p:extLst>
+      <p:ext uri="{BB962C8B-B14F-4D97-AF65-F5344CB8AC3E}">
+        <p14:creationId xmlns:p14="http://schemas.microsoft.com/office/powerpoint/2010/main" val="683297044"/>
       </p:ext>
     </p:extLst>
   </p:cSld>
@@ -862,7 +1303,7 @@
             <a:fld id="{150AD5B7-C160-7A4E-8FA5-E71465AAF732}" type="datetimeFigureOut">
               <a:rPr lang="en-US" smtClean="0"/>
               <a:pPr/>
-              <a:t>10/9/2017</a:t>
+              <a:t>11/7/17</a:t>
             </a:fld>
             <a:endParaRPr lang="en-US"/>
           </a:p>
@@ -914,7 +1355,7 @@
     </p:spTree>
     <p:extLst>
       <p:ext uri="{BB962C8B-B14F-4D97-AF65-F5344CB8AC3E}">
-        <p14:creationId xmlns:p14="http://schemas.microsoft.com/office/powerpoint/2010/main" xmlns="" val="1462979612"/>
+        <p14:creationId xmlns:p14="http://schemas.microsoft.com/office/powerpoint/2010/main" val="1462979612"/>
       </p:ext>
     </p:extLst>
   </p:cSld>
@@ -1034,7 +1475,7 @@
             <a:fld id="{150AD5B7-C160-7A4E-8FA5-E71465AAF732}" type="datetimeFigureOut">
               <a:rPr lang="en-US" smtClean="0"/>
               <a:pPr/>
-              <a:t>10/9/2017</a:t>
+              <a:t>11/7/17</a:t>
             </a:fld>
             <a:endParaRPr lang="en-US"/>
           </a:p>
@@ -1086,7 +1527,7 @@
     </p:spTree>
     <p:extLst>
       <p:ext uri="{BB962C8B-B14F-4D97-AF65-F5344CB8AC3E}">
-        <p14:creationId xmlns:p14="http://schemas.microsoft.com/office/powerpoint/2010/main" xmlns="" val="1132386440"/>
+        <p14:creationId xmlns:p14="http://schemas.microsoft.com/office/powerpoint/2010/main" val="1132386440"/>
       </p:ext>
     </p:extLst>
   </p:cSld>
@@ -1216,7 +1657,7 @@
             <a:fld id="{150AD5B7-C160-7A4E-8FA5-E71465AAF732}" type="datetimeFigureOut">
               <a:rPr lang="en-US" smtClean="0"/>
               <a:pPr/>
-              <a:t>10/9/2017</a:t>
+              <a:t>11/7/17</a:t>
             </a:fld>
             <a:endParaRPr lang="en-US"/>
           </a:p>
@@ -1268,7 +1709,7 @@
     </p:spTree>
     <p:extLst>
       <p:ext uri="{BB962C8B-B14F-4D97-AF65-F5344CB8AC3E}">
-        <p14:creationId xmlns:p14="http://schemas.microsoft.com/office/powerpoint/2010/main" xmlns="" val="1018817366"/>
+        <p14:creationId xmlns:p14="http://schemas.microsoft.com/office/powerpoint/2010/main" val="1018817366"/>
       </p:ext>
     </p:extLst>
   </p:cSld>
@@ -1388,7 +1829,7 @@
             <a:fld id="{150AD5B7-C160-7A4E-8FA5-E71465AAF732}" type="datetimeFigureOut">
               <a:rPr lang="en-US" smtClean="0"/>
               <a:pPr/>
-              <a:t>10/9/2017</a:t>
+              <a:t>11/7/17</a:t>
             </a:fld>
             <a:endParaRPr lang="en-US"/>
           </a:p>
@@ -1440,7 +1881,7 @@
     </p:spTree>
     <p:extLst>
       <p:ext uri="{BB962C8B-B14F-4D97-AF65-F5344CB8AC3E}">
-        <p14:creationId xmlns:p14="http://schemas.microsoft.com/office/powerpoint/2010/main" xmlns="" val="193326569"/>
+        <p14:creationId xmlns:p14="http://schemas.microsoft.com/office/powerpoint/2010/main" val="193326569"/>
       </p:ext>
     </p:extLst>
   </p:cSld>
@@ -1636,7 +2077,7 @@
             <a:fld id="{150AD5B7-C160-7A4E-8FA5-E71465AAF732}" type="datetimeFigureOut">
               <a:rPr lang="en-US" smtClean="0"/>
               <a:pPr/>
-              <a:t>10/9/2017</a:t>
+              <a:t>11/7/17</a:t>
             </a:fld>
             <a:endParaRPr lang="en-US"/>
           </a:p>
@@ -1688,7 +2129,7 @@
     </p:spTree>
     <p:extLst>
       <p:ext uri="{BB962C8B-B14F-4D97-AF65-F5344CB8AC3E}">
-        <p14:creationId xmlns:p14="http://schemas.microsoft.com/office/powerpoint/2010/main" xmlns="" val="96887272"/>
+        <p14:creationId xmlns:p14="http://schemas.microsoft.com/office/powerpoint/2010/main" val="96887272"/>
       </p:ext>
     </p:extLst>
   </p:cSld>
@@ -1870,7 +2311,7 @@
             <a:fld id="{150AD5B7-C160-7A4E-8FA5-E71465AAF732}" type="datetimeFigureOut">
               <a:rPr lang="en-US" smtClean="0"/>
               <a:pPr/>
-              <a:t>10/9/2017</a:t>
+              <a:t>11/7/17</a:t>
             </a:fld>
             <a:endParaRPr lang="en-US"/>
           </a:p>
@@ -1922,7 +2363,7 @@
     </p:spTree>
     <p:extLst>
       <p:ext uri="{BB962C8B-B14F-4D97-AF65-F5344CB8AC3E}">
-        <p14:creationId xmlns:p14="http://schemas.microsoft.com/office/powerpoint/2010/main" xmlns="" val="591776078"/>
+        <p14:creationId xmlns:p14="http://schemas.microsoft.com/office/powerpoint/2010/main" val="591776078"/>
       </p:ext>
     </p:extLst>
   </p:cSld>
@@ -2239,7 +2680,7 @@
             <a:fld id="{150AD5B7-C160-7A4E-8FA5-E71465AAF732}" type="datetimeFigureOut">
               <a:rPr lang="en-US" smtClean="0"/>
               <a:pPr/>
-              <a:t>10/9/2017</a:t>
+              <a:t>11/7/17</a:t>
             </a:fld>
             <a:endParaRPr lang="en-US"/>
           </a:p>
@@ -2291,7 +2732,7 @@
     </p:spTree>
     <p:extLst>
       <p:ext uri="{BB962C8B-B14F-4D97-AF65-F5344CB8AC3E}">
-        <p14:creationId xmlns:p14="http://schemas.microsoft.com/office/powerpoint/2010/main" xmlns="" val="983773689"/>
+        <p14:creationId xmlns:p14="http://schemas.microsoft.com/office/powerpoint/2010/main" val="983773689"/>
       </p:ext>
     </p:extLst>
   </p:cSld>
@@ -2359,7 +2800,7 @@
             <a:fld id="{150AD5B7-C160-7A4E-8FA5-E71465AAF732}" type="datetimeFigureOut">
               <a:rPr lang="en-US" smtClean="0"/>
               <a:pPr/>
-              <a:t>10/9/2017</a:t>
+              <a:t>11/7/17</a:t>
             </a:fld>
             <a:endParaRPr lang="en-US"/>
           </a:p>
@@ -2411,7 +2852,7 @@
     </p:spTree>
     <p:extLst>
       <p:ext uri="{BB962C8B-B14F-4D97-AF65-F5344CB8AC3E}">
-        <p14:creationId xmlns:p14="http://schemas.microsoft.com/office/powerpoint/2010/main" xmlns="" val="807792770"/>
+        <p14:creationId xmlns:p14="http://schemas.microsoft.com/office/powerpoint/2010/main" val="807792770"/>
       </p:ext>
     </p:extLst>
   </p:cSld>
@@ -2456,7 +2897,7 @@
             <a:fld id="{150AD5B7-C160-7A4E-8FA5-E71465AAF732}" type="datetimeFigureOut">
               <a:rPr lang="en-US" smtClean="0"/>
               <a:pPr/>
-              <a:t>10/9/2017</a:t>
+              <a:t>11/7/17</a:t>
             </a:fld>
             <a:endParaRPr lang="en-US"/>
           </a:p>
@@ -2508,7 +2949,7 @@
     </p:spTree>
     <p:extLst>
       <p:ext uri="{BB962C8B-B14F-4D97-AF65-F5344CB8AC3E}">
-        <p14:creationId xmlns:p14="http://schemas.microsoft.com/office/powerpoint/2010/main" xmlns="" val="181469056"/>
+        <p14:creationId xmlns:p14="http://schemas.microsoft.com/office/powerpoint/2010/main" val="181469056"/>
       </p:ext>
     </p:extLst>
   </p:cSld>
@@ -2735,7 +3176,7 @@
             <a:fld id="{150AD5B7-C160-7A4E-8FA5-E71465AAF732}" type="datetimeFigureOut">
               <a:rPr lang="en-US" smtClean="0"/>
               <a:pPr/>
-              <a:t>10/9/2017</a:t>
+              <a:t>11/7/17</a:t>
             </a:fld>
             <a:endParaRPr lang="en-US"/>
           </a:p>
@@ -2787,7 +3228,7 @@
     </p:spTree>
     <p:extLst>
       <p:ext uri="{BB962C8B-B14F-4D97-AF65-F5344CB8AC3E}">
-        <p14:creationId xmlns:p14="http://schemas.microsoft.com/office/powerpoint/2010/main" xmlns="" val="523645452"/>
+        <p14:creationId xmlns:p14="http://schemas.microsoft.com/office/powerpoint/2010/main" val="523645452"/>
       </p:ext>
     </p:extLst>
   </p:cSld>
@@ -2990,7 +3431,7 @@
             <a:fld id="{150AD5B7-C160-7A4E-8FA5-E71465AAF732}" type="datetimeFigureOut">
               <a:rPr lang="en-US" smtClean="0"/>
               <a:pPr/>
-              <a:t>10/9/2017</a:t>
+              <a:t>11/7/17</a:t>
             </a:fld>
             <a:endParaRPr lang="en-US"/>
           </a:p>
@@ -3042,7 +3483,7 @@
     </p:spTree>
     <p:extLst>
       <p:ext uri="{BB962C8B-B14F-4D97-AF65-F5344CB8AC3E}">
-        <p14:creationId xmlns:p14="http://schemas.microsoft.com/office/powerpoint/2010/main" xmlns="" val="521126358"/>
+        <p14:creationId xmlns:p14="http://schemas.microsoft.com/office/powerpoint/2010/main" val="521126358"/>
       </p:ext>
     </p:extLst>
   </p:cSld>
@@ -3205,7 +3646,7 @@
             <a:fld id="{150AD5B7-C160-7A4E-8FA5-E71465AAF732}" type="datetimeFigureOut">
               <a:rPr lang="en-US" smtClean="0"/>
               <a:pPr/>
-              <a:t>10/9/2017</a:t>
+              <a:t>11/7/17</a:t>
             </a:fld>
             <a:endParaRPr lang="en-US"/>
           </a:p>
@@ -3293,7 +3734,7 @@
     </p:spTree>
     <p:extLst>
       <p:ext uri="{BB962C8B-B14F-4D97-AF65-F5344CB8AC3E}">
-        <p14:creationId xmlns:p14="http://schemas.microsoft.com/office/powerpoint/2010/main" xmlns="" val="1488900008"/>
+        <p14:creationId xmlns:p14="http://schemas.microsoft.com/office/powerpoint/2010/main" val="1488900008"/>
       </p:ext>
     </p:extLst>
   </p:cSld>
@@ -3674,7 +4115,7 @@
           <a:blip r:embed="rId2">
             <a:extLst>
               <a:ext uri="{28A0092B-C50C-407E-A947-70E740481C1C}">
-                <a14:useLocalDpi xmlns:a14="http://schemas.microsoft.com/office/drawing/2010/main" xmlns="" val="0"/>
+                <a14:useLocalDpi xmlns:a14="http://schemas.microsoft.com/office/drawing/2010/main" val="0"/>
               </a:ext>
             </a:extLst>
           </a:blip>
@@ -4154,7 +4595,7 @@
     </p:spTree>
     <p:extLst>
       <p:ext uri="{BB962C8B-B14F-4D97-AF65-F5344CB8AC3E}">
-        <p14:creationId xmlns:p14="http://schemas.microsoft.com/office/powerpoint/2010/main" xmlns="" val="1758064381"/>
+        <p14:creationId xmlns:p14="http://schemas.microsoft.com/office/powerpoint/2010/main" val="1758064381"/>
       </p:ext>
     </p:extLst>
   </p:cSld>
@@ -4164,577 +4605,7 @@
 </p:sld>
 </file>
 
-<file path=ppt/slides/slide2.xml><?xml version="1.0" encoding="utf-8"?>
-<p:sld xmlns:a="http://schemas.openxmlformats.org/drawingml/2006/main" xmlns:r="http://schemas.openxmlformats.org/officeDocument/2006/relationships" xmlns:p="http://schemas.openxmlformats.org/presentationml/2006/main">
-  <p:cSld>
-    <p:spTree>
-      <p:nvGrpSpPr>
-        <p:cNvPr id="1" name=""/>
-        <p:cNvGrpSpPr/>
-        <p:nvPr/>
-      </p:nvGrpSpPr>
-      <p:grpSpPr>
-        <a:xfrm>
-          <a:off x="0" y="0"/>
-          <a:ext cx="0" cy="0"/>
-          <a:chOff x="0" y="0"/>
-          <a:chExt cx="0" cy="0"/>
-        </a:xfrm>
-      </p:grpSpPr>
-      <p:sp>
-        <p:nvSpPr>
-          <p:cNvPr id="8" name="Can 7"/>
-          <p:cNvSpPr/>
-          <p:nvPr/>
-        </p:nvSpPr>
-        <p:spPr>
-          <a:xfrm>
-            <a:off x="9098280" y="2228625"/>
-            <a:ext cx="2065469" cy="1875416"/>
-          </a:xfrm>
-          <a:prstGeom prst="can">
-            <a:avLst/>
-          </a:prstGeom>
-        </p:spPr>
-        <p:style>
-          <a:lnRef idx="2">
-            <a:schemeClr val="accent1">
-              <a:shade val="50000"/>
-            </a:schemeClr>
-          </a:lnRef>
-          <a:fillRef idx="1">
-            <a:schemeClr val="accent1"/>
-          </a:fillRef>
-          <a:effectRef idx="0">
-            <a:schemeClr val="accent1"/>
-          </a:effectRef>
-          <a:fontRef idx="minor">
-            <a:schemeClr val="lt1"/>
-          </a:fontRef>
-        </p:style>
-        <p:txBody>
-          <a:bodyPr rtlCol="0" anchor="ctr"/>
-          <a:lstStyle/>
-          <a:p>
-            <a:pPr algn="ctr"/>
-            <a:r>
-              <a:rPr lang="en-US" sz="2400" dirty="0" smtClean="0"/>
-              <a:t>EHR</a:t>
-            </a:r>
-          </a:p>
-          <a:p>
-            <a:pPr algn="ctr"/>
-            <a:r>
-              <a:rPr lang="en-US" sz="2400" dirty="0" smtClean="0"/>
-              <a:t> FHIR Server</a:t>
-            </a:r>
-            <a:endParaRPr lang="en-US" sz="2400" dirty="0"/>
-          </a:p>
-        </p:txBody>
-      </p:sp>
-      <p:pic>
-        <p:nvPicPr>
-          <p:cNvPr id="9" name="Picture 8"/>
-          <p:cNvPicPr>
-            <a:picLocks noChangeAspect="1"/>
-          </p:cNvPicPr>
-          <p:nvPr/>
-        </p:nvPicPr>
-        <p:blipFill>
-          <a:blip r:embed="rId2">
-            <a:extLst>
-              <a:ext uri="{28A0092B-C50C-407E-A947-70E740481C1C}">
-                <a14:useLocalDpi xmlns:a14="http://schemas.microsoft.com/office/drawing/2010/main" xmlns="" val="0"/>
-              </a:ext>
-            </a:extLst>
-          </a:blip>
-          <a:stretch>
-            <a:fillRect/>
-          </a:stretch>
-        </p:blipFill>
-        <p:spPr>
-          <a:xfrm>
-            <a:off x="787997" y="1817269"/>
-            <a:ext cx="1780491" cy="2698128"/>
-          </a:xfrm>
-          <a:prstGeom prst="rect">
-            <a:avLst/>
-          </a:prstGeom>
-        </p:spPr>
-      </p:pic>
-      <p:sp>
-        <p:nvSpPr>
-          <p:cNvPr id="11" name="Can 10"/>
-          <p:cNvSpPr/>
-          <p:nvPr/>
-        </p:nvSpPr>
-        <p:spPr>
-          <a:xfrm>
-            <a:off x="4987962" y="2228625"/>
-            <a:ext cx="2065469" cy="1875416"/>
-          </a:xfrm>
-          <a:prstGeom prst="can">
-            <a:avLst/>
-          </a:prstGeom>
-        </p:spPr>
-        <p:style>
-          <a:lnRef idx="2">
-            <a:schemeClr val="accent1">
-              <a:shade val="50000"/>
-            </a:schemeClr>
-          </a:lnRef>
-          <a:fillRef idx="1">
-            <a:schemeClr val="accent1"/>
-          </a:fillRef>
-          <a:effectRef idx="0">
-            <a:schemeClr val="accent1"/>
-          </a:effectRef>
-          <a:fontRef idx="minor">
-            <a:schemeClr val="lt1"/>
-          </a:fontRef>
-        </p:style>
-        <p:txBody>
-          <a:bodyPr rtlCol="0" anchor="ctr"/>
-          <a:lstStyle/>
-          <a:p>
-            <a:pPr algn="ctr"/>
-            <a:r>
-              <a:rPr lang="en-US" sz="2400" dirty="0" smtClean="0"/>
-              <a:t>Client</a:t>
-            </a:r>
-          </a:p>
-          <a:p>
-            <a:pPr algn="ctr"/>
-            <a:r>
-              <a:rPr lang="en-US" sz="2400" dirty="0" smtClean="0"/>
-              <a:t> Application Server</a:t>
-            </a:r>
-            <a:endParaRPr lang="en-US" sz="2400" dirty="0"/>
-          </a:p>
-        </p:txBody>
-      </p:sp>
-      <p:sp>
-        <p:nvSpPr>
-          <p:cNvPr id="40" name="Rectangle 39"/>
-          <p:cNvSpPr/>
-          <p:nvPr/>
-        </p:nvSpPr>
-        <p:spPr>
-          <a:xfrm>
-            <a:off x="4437529" y="995082"/>
-            <a:ext cx="7274859" cy="4155142"/>
-          </a:xfrm>
-          <a:prstGeom prst="rect">
-            <a:avLst/>
-          </a:prstGeom>
-          <a:noFill/>
-          <a:ln w="25400">
-            <a:prstDash val="sysDash"/>
-          </a:ln>
-        </p:spPr>
-        <p:style>
-          <a:lnRef idx="2">
-            <a:schemeClr val="accent1">
-              <a:shade val="50000"/>
-            </a:schemeClr>
-          </a:lnRef>
-          <a:fillRef idx="1">
-            <a:schemeClr val="accent1"/>
-          </a:fillRef>
-          <a:effectRef idx="0">
-            <a:schemeClr val="accent1"/>
-          </a:effectRef>
-          <a:fontRef idx="minor">
-            <a:schemeClr val="lt1"/>
-          </a:fontRef>
-        </p:style>
-        <p:txBody>
-          <a:bodyPr rtlCol="0" anchor="ctr"/>
-          <a:lstStyle/>
-          <a:p>
-            <a:pPr algn="ctr"/>
-            <a:endParaRPr lang="en-US"/>
-          </a:p>
-        </p:txBody>
-      </p:sp>
-      <p:cxnSp>
-        <p:nvCxnSpPr>
-          <p:cNvPr id="42" name="Straight Connector 41"/>
-          <p:cNvCxnSpPr>
-            <a:stCxn id="40" idx="0"/>
-            <a:endCxn id="40" idx="2"/>
-          </p:cNvCxnSpPr>
-          <p:nvPr/>
-        </p:nvCxnSpPr>
-        <p:spPr>
-          <a:xfrm>
-            <a:off x="8074959" y="995082"/>
-            <a:ext cx="0" cy="4155142"/>
-          </a:xfrm>
-          <a:prstGeom prst="line">
-            <a:avLst/>
-          </a:prstGeom>
-          <a:ln w="25400">
-            <a:prstDash val="sysDash"/>
-          </a:ln>
-        </p:spPr>
-        <p:style>
-          <a:lnRef idx="1">
-            <a:schemeClr val="accent1"/>
-          </a:lnRef>
-          <a:fillRef idx="0">
-            <a:schemeClr val="accent1"/>
-          </a:fillRef>
-          <a:effectRef idx="0">
-            <a:schemeClr val="accent1"/>
-          </a:effectRef>
-          <a:fontRef idx="minor">
-            <a:schemeClr val="tx1"/>
-          </a:fontRef>
-        </p:style>
-      </p:cxnSp>
-      <p:sp>
-        <p:nvSpPr>
-          <p:cNvPr id="43" name="Oval 42"/>
-          <p:cNvSpPr/>
-          <p:nvPr/>
-        </p:nvSpPr>
-        <p:spPr>
-          <a:xfrm>
-            <a:off x="3244277" y="823511"/>
-            <a:ext cx="411131" cy="386895"/>
-          </a:xfrm>
-          <a:prstGeom prst="ellipse">
-            <a:avLst/>
-          </a:prstGeom>
-          <a:noFill/>
-        </p:spPr>
-        <p:style>
-          <a:lnRef idx="2">
-            <a:schemeClr val="accent1">
-              <a:shade val="50000"/>
-            </a:schemeClr>
-          </a:lnRef>
-          <a:fillRef idx="1">
-            <a:schemeClr val="accent1"/>
-          </a:fillRef>
-          <a:effectRef idx="0">
-            <a:schemeClr val="accent1"/>
-          </a:effectRef>
-          <a:fontRef idx="minor">
-            <a:schemeClr val="lt1"/>
-          </a:fontRef>
-        </p:style>
-        <p:txBody>
-          <a:bodyPr rtlCol="0" anchor="ctr"/>
-          <a:lstStyle/>
-          <a:p>
-            <a:pPr algn="ctr"/>
-            <a:r>
-              <a:rPr lang="en-US" dirty="0" smtClean="0">
-                <a:solidFill>
-                  <a:schemeClr val="tx1"/>
-                </a:solidFill>
-              </a:rPr>
-              <a:t>1</a:t>
-            </a:r>
-            <a:endParaRPr lang="en-US" sz="1200" dirty="0"/>
-          </a:p>
-        </p:txBody>
-      </p:sp>
-      <p:sp>
-        <p:nvSpPr>
-          <p:cNvPr id="44" name="TextBox 43"/>
-          <p:cNvSpPr txBox="1"/>
-          <p:nvPr/>
-        </p:nvSpPr>
-        <p:spPr>
-          <a:xfrm>
-            <a:off x="2634742" y="1122382"/>
-            <a:ext cx="1736532" cy="923330"/>
-          </a:xfrm>
-          <a:prstGeom prst="rect">
-            <a:avLst/>
-          </a:prstGeom>
-          <a:noFill/>
-        </p:spPr>
-        <p:txBody>
-          <a:bodyPr wrap="square" rtlCol="0">
-            <a:spAutoFit/>
-          </a:bodyPr>
-          <a:lstStyle/>
-          <a:p>
-            <a:r>
-              <a:rPr lang="en-US" dirty="0" smtClean="0"/>
-              <a:t>End user search for available appointments</a:t>
-            </a:r>
-            <a:endParaRPr lang="en-US" dirty="0"/>
-          </a:p>
-        </p:txBody>
-      </p:sp>
-      <p:sp>
-        <p:nvSpPr>
-          <p:cNvPr id="45" name="Oval 44"/>
-          <p:cNvSpPr/>
-          <p:nvPr/>
-        </p:nvSpPr>
-        <p:spPr>
-          <a:xfrm>
-            <a:off x="3244277" y="2057391"/>
-            <a:ext cx="411131" cy="411357"/>
-          </a:xfrm>
-          <a:prstGeom prst="ellipse">
-            <a:avLst/>
-          </a:prstGeom>
-          <a:noFill/>
-        </p:spPr>
-        <p:style>
-          <a:lnRef idx="2">
-            <a:schemeClr val="accent1">
-              <a:shade val="50000"/>
-            </a:schemeClr>
-          </a:lnRef>
-          <a:fillRef idx="1">
-            <a:schemeClr val="accent1"/>
-          </a:fillRef>
-          <a:effectRef idx="0">
-            <a:schemeClr val="accent1"/>
-          </a:effectRef>
-          <a:fontRef idx="minor">
-            <a:schemeClr val="lt1"/>
-          </a:fontRef>
-        </p:style>
-        <p:txBody>
-          <a:bodyPr rtlCol="0" anchor="ctr"/>
-          <a:lstStyle/>
-          <a:p>
-            <a:pPr algn="ctr"/>
-            <a:r>
-              <a:rPr lang="en-US" dirty="0">
-                <a:solidFill>
-                  <a:schemeClr val="tx1"/>
-                </a:solidFill>
-              </a:rPr>
-              <a:t>2</a:t>
-            </a:r>
-            <a:endParaRPr lang="en-US" sz="1200" dirty="0"/>
-          </a:p>
-        </p:txBody>
-      </p:sp>
-      <p:sp>
-        <p:nvSpPr>
-          <p:cNvPr id="46" name="TextBox 45"/>
-          <p:cNvSpPr txBox="1"/>
-          <p:nvPr/>
-        </p:nvSpPr>
-        <p:spPr>
-          <a:xfrm>
-            <a:off x="2667870" y="2480427"/>
-            <a:ext cx="1736532" cy="646331"/>
-          </a:xfrm>
-          <a:prstGeom prst="rect">
-            <a:avLst/>
-          </a:prstGeom>
-          <a:noFill/>
-        </p:spPr>
-        <p:txBody>
-          <a:bodyPr wrap="square" rtlCol="0">
-            <a:spAutoFit/>
-          </a:bodyPr>
-          <a:lstStyle/>
-          <a:p>
-            <a:r>
-              <a:rPr lang="en-US" dirty="0" smtClean="0"/>
-              <a:t>End user books Appointment</a:t>
-            </a:r>
-            <a:endParaRPr lang="en-US" dirty="0"/>
-          </a:p>
-        </p:txBody>
-      </p:sp>
-      <p:sp>
-        <p:nvSpPr>
-          <p:cNvPr id="47" name="Oval 46"/>
-          <p:cNvSpPr/>
-          <p:nvPr/>
-        </p:nvSpPr>
-        <p:spPr>
-          <a:xfrm>
-            <a:off x="3244277" y="3166333"/>
-            <a:ext cx="411131" cy="411357"/>
-          </a:xfrm>
-          <a:prstGeom prst="ellipse">
-            <a:avLst/>
-          </a:prstGeom>
-          <a:noFill/>
-        </p:spPr>
-        <p:style>
-          <a:lnRef idx="2">
-            <a:schemeClr val="accent1">
-              <a:shade val="50000"/>
-            </a:schemeClr>
-          </a:lnRef>
-          <a:fillRef idx="1">
-            <a:schemeClr val="accent1"/>
-          </a:fillRef>
-          <a:effectRef idx="0">
-            <a:schemeClr val="accent1"/>
-          </a:effectRef>
-          <a:fontRef idx="minor">
-            <a:schemeClr val="lt1"/>
-          </a:fontRef>
-        </p:style>
-        <p:txBody>
-          <a:bodyPr rtlCol="0" anchor="ctr"/>
-          <a:lstStyle/>
-          <a:p>
-            <a:pPr algn="ctr"/>
-            <a:r>
-              <a:rPr lang="en-US" dirty="0" smtClean="0">
-                <a:solidFill>
-                  <a:schemeClr val="tx1"/>
-                </a:solidFill>
-              </a:rPr>
-              <a:t>3</a:t>
-            </a:r>
-            <a:endParaRPr lang="en-US" sz="1200" dirty="0"/>
-          </a:p>
-        </p:txBody>
-      </p:sp>
-      <p:sp>
-        <p:nvSpPr>
-          <p:cNvPr id="48" name="TextBox 47"/>
-          <p:cNvSpPr txBox="1"/>
-          <p:nvPr/>
-        </p:nvSpPr>
-        <p:spPr>
-          <a:xfrm>
-            <a:off x="2667869" y="4655040"/>
-            <a:ext cx="1777305" cy="923330"/>
-          </a:xfrm>
-          <a:prstGeom prst="rect">
-            <a:avLst/>
-          </a:prstGeom>
-          <a:noFill/>
-        </p:spPr>
-        <p:txBody>
-          <a:bodyPr wrap="square" rtlCol="0">
-            <a:spAutoFit/>
-          </a:bodyPr>
-          <a:lstStyle/>
-          <a:p>
-            <a:r>
-              <a:rPr lang="en-US" dirty="0" smtClean="0"/>
-              <a:t>End </a:t>
-            </a:r>
-            <a:r>
-              <a:rPr lang="en-US" smtClean="0"/>
-              <a:t>user updates </a:t>
-            </a:r>
-            <a:r>
-              <a:rPr lang="en-US" dirty="0" smtClean="0"/>
-              <a:t>Appointment</a:t>
-            </a:r>
-            <a:endParaRPr lang="en-US" dirty="0"/>
-          </a:p>
-        </p:txBody>
-      </p:sp>
-      <p:sp>
-        <p:nvSpPr>
-          <p:cNvPr id="49" name="Oval 48"/>
-          <p:cNvSpPr/>
-          <p:nvPr/>
-        </p:nvSpPr>
-        <p:spPr>
-          <a:xfrm>
-            <a:off x="3235812" y="4231162"/>
-            <a:ext cx="411131" cy="411357"/>
-          </a:xfrm>
-          <a:prstGeom prst="ellipse">
-            <a:avLst/>
-          </a:prstGeom>
-          <a:noFill/>
-        </p:spPr>
-        <p:style>
-          <a:lnRef idx="2">
-            <a:schemeClr val="accent1">
-              <a:shade val="50000"/>
-            </a:schemeClr>
-          </a:lnRef>
-          <a:fillRef idx="1">
-            <a:schemeClr val="accent1"/>
-          </a:fillRef>
-          <a:effectRef idx="0">
-            <a:schemeClr val="accent1"/>
-          </a:effectRef>
-          <a:fontRef idx="minor">
-            <a:schemeClr val="lt1"/>
-          </a:fontRef>
-        </p:style>
-        <p:txBody>
-          <a:bodyPr rtlCol="0" anchor="ctr"/>
-          <a:lstStyle/>
-          <a:p>
-            <a:pPr algn="ctr"/>
-            <a:r>
-              <a:rPr lang="en-US" dirty="0" smtClean="0">
-                <a:solidFill>
-                  <a:schemeClr val="tx1"/>
-                </a:solidFill>
-              </a:rPr>
-              <a:t>4</a:t>
-            </a:r>
-            <a:endParaRPr lang="en-US" sz="1200" dirty="0"/>
-          </a:p>
-        </p:txBody>
-      </p:sp>
-      <p:sp>
-        <p:nvSpPr>
-          <p:cNvPr id="50" name="TextBox 49"/>
-          <p:cNvSpPr txBox="1"/>
-          <p:nvPr/>
-        </p:nvSpPr>
-        <p:spPr>
-          <a:xfrm>
-            <a:off x="2634742" y="3589567"/>
-            <a:ext cx="1736532" cy="646331"/>
-          </a:xfrm>
-          <a:prstGeom prst="rect">
-            <a:avLst/>
-          </a:prstGeom>
-          <a:noFill/>
-        </p:spPr>
-        <p:txBody>
-          <a:bodyPr wrap="square" rtlCol="0">
-            <a:spAutoFit/>
-          </a:bodyPr>
-          <a:lstStyle/>
-          <a:p>
-            <a:r>
-              <a:rPr lang="en-US" smtClean="0"/>
-              <a:t>Appointment </a:t>
-            </a:r>
-            <a:r>
-              <a:rPr lang="en-US" dirty="0" smtClean="0"/>
-              <a:t>confirmed</a:t>
-            </a:r>
-            <a:endParaRPr lang="en-US" dirty="0"/>
-          </a:p>
-        </p:txBody>
-      </p:sp>
-    </p:spTree>
-    <p:extLst>
-      <p:ext uri="{BB962C8B-B14F-4D97-AF65-F5344CB8AC3E}">
-        <p14:creationId xmlns:p14="http://schemas.microsoft.com/office/powerpoint/2010/main" xmlns="" val="1713438735"/>
-      </p:ext>
-    </p:extLst>
-  </p:cSld>
-  <p:clrMapOvr>
-    <a:masterClrMapping/>
-  </p:clrMapOvr>
-</p:sld>
-</file>
-
-<file path=ppt/slides/slide3.xml><?xml version="1.0" encoding="utf-8"?>
+<file path=ppt/slides/slide10.xml><?xml version="1.0" encoding="utf-8"?>
 <p:sld xmlns:a="http://schemas.openxmlformats.org/drawingml/2006/main" xmlns:r="http://schemas.openxmlformats.org/officeDocument/2006/relationships" xmlns:p="http://schemas.openxmlformats.org/presentationml/2006/main">
   <p:cSld>
     <p:spTree>
@@ -4763,7 +4634,7 @@
           <a:blip r:embed="rId3">
             <a:extLst>
               <a:ext uri="{28A0092B-C50C-407E-A947-70E740481C1C}">
-                <a14:useLocalDpi xmlns:a14="http://schemas.microsoft.com/office/drawing/2010/main" xmlns="" val="0"/>
+                <a14:useLocalDpi xmlns:a14="http://schemas.microsoft.com/office/drawing/2010/main" val="0"/>
               </a:ext>
             </a:extLst>
           </a:blip>
@@ -4834,84 +4705,6 @@
       </p:sp>
       <p:sp>
         <p:nvSpPr>
-          <p:cNvPr id="40" name="Rectangle 39"/>
-          <p:cNvSpPr/>
-          <p:nvPr/>
-        </p:nvSpPr>
-        <p:spPr>
-          <a:xfrm>
-            <a:off x="4437528" y="1463541"/>
-            <a:ext cx="7274859" cy="4155142"/>
-          </a:xfrm>
-          <a:prstGeom prst="rect">
-            <a:avLst/>
-          </a:prstGeom>
-          <a:noFill/>
-          <a:ln w="63500">
-            <a:prstDash val="sysDash"/>
-          </a:ln>
-          <a:effectLst/>
-        </p:spPr>
-        <p:style>
-          <a:lnRef idx="2">
-            <a:schemeClr val="accent1">
-              <a:shade val="50000"/>
-            </a:schemeClr>
-          </a:lnRef>
-          <a:fillRef idx="1">
-            <a:schemeClr val="accent1"/>
-          </a:fillRef>
-          <a:effectRef idx="0">
-            <a:schemeClr val="accent1"/>
-          </a:effectRef>
-          <a:fontRef idx="minor">
-            <a:schemeClr val="lt1"/>
-          </a:fontRef>
-        </p:style>
-        <p:txBody>
-          <a:bodyPr rtlCol="0" anchor="ctr"/>
-          <a:lstStyle/>
-          <a:p>
-            <a:pPr algn="ctr"/>
-            <a:endParaRPr lang="en-US"/>
-          </a:p>
-        </p:txBody>
-      </p:sp>
-      <p:cxnSp>
-        <p:nvCxnSpPr>
-          <p:cNvPr id="42" name="Straight Connector 41"/>
-          <p:cNvCxnSpPr/>
-          <p:nvPr/>
-        </p:nvCxnSpPr>
-        <p:spPr>
-          <a:xfrm>
-            <a:off x="8089025" y="1442189"/>
-            <a:ext cx="0" cy="4155142"/>
-          </a:xfrm>
-          <a:prstGeom prst="line">
-            <a:avLst/>
-          </a:prstGeom>
-          <a:ln w="63500">
-            <a:prstDash val="sysDash"/>
-          </a:ln>
-        </p:spPr>
-        <p:style>
-          <a:lnRef idx="1">
-            <a:schemeClr val="accent1"/>
-          </a:lnRef>
-          <a:fillRef idx="0">
-            <a:schemeClr val="accent1"/>
-          </a:fillRef>
-          <a:effectRef idx="0">
-            <a:schemeClr val="accent1"/>
-          </a:effectRef>
-          <a:fontRef idx="minor">
-            <a:schemeClr val="tx1"/>
-          </a:fontRef>
-        </p:style>
-      </p:cxnSp>
-      <p:sp>
-        <p:nvSpPr>
           <p:cNvPr id="44" name="TextBox 43"/>
           <p:cNvSpPr txBox="1"/>
           <p:nvPr/>
@@ -4933,7 +4726,7 @@
           <a:lstStyle/>
           <a:p>
             <a:r>
-              <a:rPr lang="en-US" smtClean="0"/>
+              <a:rPr lang="en-US" dirty="0" smtClean="0"/>
               <a:t>End user search for available appointments</a:t>
             </a:r>
             <a:endParaRPr lang="en-US" dirty="0"/>
@@ -4956,206 +4749,6 @@
           </a:prstGeom>
           <a:ln w="63500">
             <a:tailEnd type="triangle"/>
-          </a:ln>
-        </p:spPr>
-        <p:style>
-          <a:lnRef idx="1">
-            <a:schemeClr val="accent1"/>
-          </a:lnRef>
-          <a:fillRef idx="0">
-            <a:schemeClr val="accent1"/>
-          </a:fillRef>
-          <a:effectRef idx="0">
-            <a:schemeClr val="accent1"/>
-          </a:effectRef>
-          <a:fontRef idx="minor">
-            <a:schemeClr val="tx1"/>
-          </a:fontRef>
-        </p:style>
-      </p:cxnSp>
-      <p:cxnSp>
-        <p:nvCxnSpPr>
-          <p:cNvPr id="17" name="Straight Arrow Connector 16"/>
-          <p:cNvCxnSpPr/>
-          <p:nvPr/>
-        </p:nvCxnSpPr>
-        <p:spPr>
-          <a:xfrm>
-            <a:off x="7184000" y="3956148"/>
-            <a:ext cx="1861423" cy="0"/>
-          </a:xfrm>
-          <a:prstGeom prst="straightConnector1">
-            <a:avLst/>
-          </a:prstGeom>
-          <a:ln w="63500">
-            <a:tailEnd type="triangle"/>
-          </a:ln>
-        </p:spPr>
-        <p:style>
-          <a:lnRef idx="1">
-            <a:schemeClr val="accent1"/>
-          </a:lnRef>
-          <a:fillRef idx="0">
-            <a:schemeClr val="accent1"/>
-          </a:fillRef>
-          <a:effectRef idx="0">
-            <a:schemeClr val="accent1"/>
-          </a:effectRef>
-          <a:fontRef idx="minor">
-            <a:schemeClr val="tx1"/>
-          </a:fontRef>
-        </p:style>
-      </p:cxnSp>
-      <p:cxnSp>
-        <p:nvCxnSpPr>
-          <p:cNvPr id="18" name="Straight Arrow Connector 17"/>
-          <p:cNvCxnSpPr/>
-          <p:nvPr/>
-        </p:nvCxnSpPr>
-        <p:spPr>
-          <a:xfrm>
-            <a:off x="7118075" y="4225780"/>
-            <a:ext cx="1861423" cy="0"/>
-          </a:xfrm>
-          <a:prstGeom prst="straightConnector1">
-            <a:avLst/>
-          </a:prstGeom>
-          <a:ln w="63500">
-            <a:headEnd type="triangle"/>
-            <a:tailEnd type="none"/>
-          </a:ln>
-        </p:spPr>
-        <p:style>
-          <a:lnRef idx="1">
-            <a:schemeClr val="accent1"/>
-          </a:lnRef>
-          <a:fillRef idx="0">
-            <a:schemeClr val="accent1"/>
-          </a:fillRef>
-          <a:effectRef idx="0">
-            <a:schemeClr val="accent1"/>
-          </a:effectRef>
-          <a:fontRef idx="minor">
-            <a:schemeClr val="tx1"/>
-          </a:fontRef>
-        </p:style>
-      </p:cxnSp>
-      <p:sp>
-        <p:nvSpPr>
-          <p:cNvPr id="4" name="TextBox 3"/>
-          <p:cNvSpPr txBox="1"/>
-          <p:nvPr/>
-        </p:nvSpPr>
-        <p:spPr>
-          <a:xfrm>
-            <a:off x="7118075" y="2222454"/>
-            <a:ext cx="2044849" cy="369332"/>
-          </a:xfrm>
-          <a:prstGeom prst="rect">
-            <a:avLst/>
-          </a:prstGeom>
-          <a:solidFill>
-            <a:schemeClr val="bg1"/>
-          </a:solidFill>
-          <a:effectLst/>
-        </p:spPr>
-        <p:txBody>
-          <a:bodyPr wrap="square" rtlCol="0">
-            <a:spAutoFit/>
-          </a:bodyPr>
-          <a:lstStyle/>
-          <a:p>
-            <a:r>
-              <a:rPr lang="en-US" dirty="0" smtClean="0"/>
-              <a:t>Search for Services</a:t>
-            </a:r>
-            <a:endParaRPr lang="en-US" dirty="0"/>
-          </a:p>
-        </p:txBody>
-      </p:sp>
-      <p:sp>
-        <p:nvSpPr>
-          <p:cNvPr id="21" name="TextBox 20"/>
-          <p:cNvSpPr txBox="1"/>
-          <p:nvPr/>
-        </p:nvSpPr>
-        <p:spPr>
-          <a:xfrm>
-            <a:off x="7131452" y="3519760"/>
-            <a:ext cx="1860142" cy="369332"/>
-          </a:xfrm>
-          <a:prstGeom prst="rect">
-            <a:avLst/>
-          </a:prstGeom>
-          <a:solidFill>
-            <a:schemeClr val="bg1"/>
-          </a:solidFill>
-          <a:effectLst/>
-        </p:spPr>
-        <p:txBody>
-          <a:bodyPr wrap="square" rtlCol="0">
-            <a:spAutoFit/>
-          </a:bodyPr>
-          <a:lstStyle/>
-          <a:p>
-            <a:r>
-              <a:rPr lang="en-US" dirty="0" smtClean="0"/>
-              <a:t>Search for Times</a:t>
-            </a:r>
-            <a:endParaRPr lang="en-US" dirty="0"/>
-          </a:p>
-        </p:txBody>
-      </p:sp>
-      <p:cxnSp>
-        <p:nvCxnSpPr>
-          <p:cNvPr id="22" name="Straight Arrow Connector 21"/>
-          <p:cNvCxnSpPr/>
-          <p:nvPr/>
-        </p:nvCxnSpPr>
-        <p:spPr>
-          <a:xfrm>
-            <a:off x="7186170" y="2716270"/>
-            <a:ext cx="1861423" cy="0"/>
-          </a:xfrm>
-          <a:prstGeom prst="straightConnector1">
-            <a:avLst/>
-          </a:prstGeom>
-          <a:ln w="63500">
-            <a:tailEnd type="triangle"/>
-          </a:ln>
-        </p:spPr>
-        <p:style>
-          <a:lnRef idx="1">
-            <a:schemeClr val="accent1"/>
-          </a:lnRef>
-          <a:fillRef idx="0">
-            <a:schemeClr val="accent1"/>
-          </a:fillRef>
-          <a:effectRef idx="0">
-            <a:schemeClr val="accent1"/>
-          </a:effectRef>
-          <a:fontRef idx="minor">
-            <a:schemeClr val="tx1"/>
-          </a:fontRef>
-        </p:style>
-      </p:cxnSp>
-      <p:cxnSp>
-        <p:nvCxnSpPr>
-          <p:cNvPr id="23" name="Straight Arrow Connector 22"/>
-          <p:cNvCxnSpPr/>
-          <p:nvPr/>
-        </p:nvCxnSpPr>
-        <p:spPr>
-          <a:xfrm>
-            <a:off x="7120245" y="2985902"/>
-            <a:ext cx="1861423" cy="0"/>
-          </a:xfrm>
-          <a:prstGeom prst="straightConnector1">
-            <a:avLst/>
-          </a:prstGeom>
-          <a:ln w="63500">
-            <a:headEnd type="triangle"/>
-            <a:tailEnd type="none"/>
           </a:ln>
         </p:spPr>
         <p:style>
@@ -5231,7 +4824,11 @@
           <a:p>
             <a:r>
               <a:rPr lang="en-US" dirty="0" smtClean="0"/>
-              <a:t>Returns available appointments</a:t>
+              <a:t>Client App returns available </a:t>
+            </a:r>
+            <a:r>
+              <a:rPr lang="en-US" dirty="0" smtClean="0"/>
+              <a:t>appointments</a:t>
             </a:r>
             <a:endParaRPr lang="en-US" dirty="0"/>
           </a:p>
@@ -5268,8 +4865,8 @@
           <a:p>
             <a:pPr algn="ctr"/>
             <a:r>
-              <a:rPr lang="en-US" dirty="0" smtClean="0"/>
-              <a:t>1</a:t>
+              <a:rPr lang="en-US" dirty="0"/>
+              <a:t>C</a:t>
             </a:r>
             <a:endParaRPr lang="en-US" dirty="0"/>
           </a:p>
@@ -5283,7 +4880,7 @@
         </p:nvSpPr>
         <p:spPr>
           <a:xfrm>
-            <a:off x="3645630" y="3878689"/>
+            <a:off x="3835716" y="3670862"/>
             <a:ext cx="415619" cy="369332"/>
           </a:xfrm>
           <a:prstGeom prst="rect">
@@ -5307,82 +4904,7 @@
             <a:pPr algn="ctr"/>
             <a:r>
               <a:rPr lang="en-US" dirty="0"/>
-              <a:t>3</a:t>
-            </a:r>
-          </a:p>
-        </p:txBody>
-      </p:sp>
-      <p:sp>
-        <p:nvSpPr>
-          <p:cNvPr id="28" name="TextBox 27"/>
-          <p:cNvSpPr txBox="1"/>
-          <p:nvPr/>
-        </p:nvSpPr>
-        <p:spPr>
-          <a:xfrm>
-            <a:off x="7432765" y="3206362"/>
-            <a:ext cx="534616" cy="369332"/>
-          </a:xfrm>
-          <a:prstGeom prst="rect">
-            <a:avLst/>
-          </a:prstGeom>
-          <a:noFill/>
-          <a:ln w="25400">
-            <a:solidFill>
-              <a:schemeClr val="accent1">
-                <a:shade val="50000"/>
-              </a:schemeClr>
-            </a:solidFill>
-          </a:ln>
-        </p:spPr>
-        <p:txBody>
-          <a:bodyPr wrap="square" rtlCol="0">
-            <a:spAutoFit/>
-          </a:bodyPr>
-          <a:lstStyle/>
-          <a:p>
-            <a:pPr algn="ctr"/>
-            <a:r>
-              <a:rPr lang="en-US" dirty="0" smtClean="0"/>
-              <a:t>2b</a:t>
-            </a:r>
-            <a:endParaRPr lang="en-US" dirty="0"/>
-          </a:p>
-        </p:txBody>
-      </p:sp>
-      <p:sp>
-        <p:nvSpPr>
-          <p:cNvPr id="29" name="TextBox 28"/>
-          <p:cNvSpPr txBox="1"/>
-          <p:nvPr/>
-        </p:nvSpPr>
-        <p:spPr>
-          <a:xfrm>
-            <a:off x="7361343" y="1922901"/>
-            <a:ext cx="415619" cy="369332"/>
-          </a:xfrm>
-          <a:prstGeom prst="rect">
-            <a:avLst/>
-          </a:prstGeom>
-          <a:noFill/>
-          <a:ln w="25400">
-            <a:solidFill>
-              <a:schemeClr val="accent1">
-                <a:shade val="50000"/>
-              </a:schemeClr>
-            </a:solidFill>
-          </a:ln>
-        </p:spPr>
-        <p:txBody>
-          <a:bodyPr wrap="square" rtlCol="0">
-            <a:spAutoFit/>
-          </a:bodyPr>
-          <a:lstStyle/>
-          <a:p>
-            <a:pPr algn="ctr"/>
-            <a:r>
-              <a:rPr lang="en-US" dirty="0" smtClean="0"/>
-              <a:t>2a</a:t>
+              <a:t>D</a:t>
             </a:r>
             <a:endParaRPr lang="en-US" dirty="0"/>
           </a:p>
@@ -5441,26 +4963,19 @@
       </p:sp>
       <p:sp>
         <p:nvSpPr>
-          <p:cNvPr id="32" name="TextBox 31"/>
+          <p:cNvPr id="26" name="TextBox 25"/>
           <p:cNvSpPr txBox="1"/>
           <p:nvPr/>
         </p:nvSpPr>
         <p:spPr>
           <a:xfrm>
-            <a:off x="4437528" y="5690535"/>
-            <a:ext cx="7274859" cy="923330"/>
+            <a:off x="3281082" y="731520"/>
+            <a:ext cx="4292302" cy="646331"/>
           </a:xfrm>
           <a:prstGeom prst="rect">
             <a:avLst/>
           </a:prstGeom>
           <a:noFill/>
-          <a:ln w="25400" cap="flat">
-            <a:solidFill>
-              <a:schemeClr val="accent1">
-                <a:shade val="50000"/>
-              </a:schemeClr>
-            </a:solidFill>
-          </a:ln>
         </p:spPr>
         <p:txBody>
           <a:bodyPr wrap="square" rtlCol="0">
@@ -5470,15 +4985,24 @@
           <a:p>
             <a:r>
               <a:rPr lang="en-US" dirty="0" smtClean="0"/>
-              <a:t>NOTE: Servers and Appointment Availability searches 2a and 2b can be separate (e.g., 3rd Party Application Scenario) or combined in a single FHIR Server and search ( e.g., EHR Patient Portal Scenarios)</a:t>
-            </a:r>
+              <a:t>Pre-fetch Work Flow </a:t>
+            </a:r>
+            <a:r>
+              <a:rPr lang="mr-IN" dirty="0" smtClean="0"/>
+              <a:t>–</a:t>
+            </a:r>
+            <a:r>
+              <a:rPr lang="en-US" dirty="0" smtClean="0"/>
+              <a:t> Option A Poll for open slots</a:t>
+            </a:r>
+            <a:endParaRPr lang="en-US" dirty="0"/>
           </a:p>
         </p:txBody>
       </p:sp>
     </p:spTree>
     <p:extLst>
       <p:ext uri="{BB962C8B-B14F-4D97-AF65-F5344CB8AC3E}">
-        <p14:creationId xmlns:p14="http://schemas.microsoft.com/office/powerpoint/2010/main" xmlns="" val="702274131"/>
+        <p14:creationId xmlns:p14="http://schemas.microsoft.com/office/powerpoint/2010/main" val="1324493633"/>
       </p:ext>
     </p:extLst>
   </p:cSld>
@@ -5488,7 +5012,7 @@
 </p:sld>
 </file>
 
-<file path=ppt/slides/slide4.xml><?xml version="1.0" encoding="utf-8"?>
+<file path=ppt/slides/slide11.xml><?xml version="1.0" encoding="utf-8"?>
 <p:sld xmlns:a="http://schemas.openxmlformats.org/drawingml/2006/main" xmlns:r="http://schemas.openxmlformats.org/officeDocument/2006/relationships" xmlns:p="http://schemas.openxmlformats.org/presentationml/2006/main">
   <p:cSld>
     <p:spTree>
@@ -5505,55 +5029,20 @@
           <a:chExt cx="0" cy="0"/>
         </a:xfrm>
       </p:grpSpPr>
-      <p:pic>
-        <p:nvPicPr>
-          <p:cNvPr id="9" name="Picture 8"/>
-          <p:cNvPicPr>
-            <a:picLocks noChangeAspect="1"/>
-          </p:cNvPicPr>
-          <p:nvPr/>
-        </p:nvPicPr>
-        <p:blipFill>
-          <a:blip r:embed="rId2">
-            <a:extLst>
-              <a:ext uri="{28A0092B-C50C-407E-A947-70E740481C1C}">
-                <a14:useLocalDpi xmlns:a14="http://schemas.microsoft.com/office/drawing/2010/main" xmlns="" val="0"/>
-              </a:ext>
-            </a:extLst>
-          </a:blip>
-          <a:stretch>
-            <a:fillRect/>
-          </a:stretch>
-        </p:blipFill>
-        <p:spPr>
-          <a:xfrm>
-            <a:off x="744038" y="2116140"/>
-            <a:ext cx="1780491" cy="2698128"/>
-          </a:xfrm>
-          <a:prstGeom prst="rect">
-            <a:avLst/>
-          </a:prstGeom>
-        </p:spPr>
-      </p:pic>
-      <p:sp>
-        <p:nvSpPr>
-          <p:cNvPr id="40" name="Rectangle 39"/>
+      <p:sp>
+        <p:nvSpPr>
+          <p:cNvPr id="11" name="Can 10"/>
           <p:cNvSpPr/>
           <p:nvPr/>
         </p:nvSpPr>
         <p:spPr>
           <a:xfrm>
-            <a:off x="4437529" y="1442189"/>
-            <a:ext cx="7274859" cy="4155142"/>
-          </a:xfrm>
-          <a:prstGeom prst="rect">
-            <a:avLst/>
-          </a:prstGeom>
-          <a:noFill/>
-          <a:ln w="63500">
-            <a:prstDash val="sysDash"/>
-          </a:ln>
-          <a:effectLst/>
+            <a:off x="3883299" y="2390275"/>
+            <a:ext cx="2484820" cy="2258969"/>
+          </a:xfrm>
+          <a:prstGeom prst="can">
+            <a:avLst/>
+          </a:prstGeom>
         </p:spPr>
         <p:style>
           <a:lnRef idx="2">
@@ -5577,545 +5066,6 @@
           <a:p>
             <a:pPr algn="ctr"/>
             <a:r>
-              <a:rPr lang="en-US" dirty="0" smtClean="0"/>
-              <a:t>               </a:t>
-            </a:r>
-            <a:endParaRPr lang="en-US" dirty="0"/>
-          </a:p>
-        </p:txBody>
-      </p:sp>
-      <p:cxnSp>
-        <p:nvCxnSpPr>
-          <p:cNvPr id="42" name="Straight Connector 41"/>
-          <p:cNvCxnSpPr/>
-          <p:nvPr/>
-        </p:nvCxnSpPr>
-        <p:spPr>
-          <a:xfrm>
-            <a:off x="8089025" y="1442189"/>
-            <a:ext cx="0" cy="4155142"/>
-          </a:xfrm>
-          <a:prstGeom prst="line">
-            <a:avLst/>
-          </a:prstGeom>
-          <a:ln w="63500">
-            <a:prstDash val="sysDash"/>
-          </a:ln>
-        </p:spPr>
-        <p:style>
-          <a:lnRef idx="1">
-            <a:schemeClr val="accent1"/>
-          </a:lnRef>
-          <a:fillRef idx="0">
-            <a:schemeClr val="accent1"/>
-          </a:fillRef>
-          <a:effectRef idx="0">
-            <a:schemeClr val="accent1"/>
-          </a:effectRef>
-          <a:fontRef idx="minor">
-            <a:schemeClr val="tx1"/>
-          </a:fontRef>
-        </p:style>
-      </p:cxnSp>
-      <p:sp>
-        <p:nvSpPr>
-          <p:cNvPr id="44" name="TextBox 43"/>
-          <p:cNvSpPr txBox="1"/>
-          <p:nvPr/>
-        </p:nvSpPr>
-        <p:spPr>
-          <a:xfrm>
-            <a:off x="2613145" y="2149323"/>
-            <a:ext cx="1736532" cy="923330"/>
-          </a:xfrm>
-          <a:prstGeom prst="rect">
-            <a:avLst/>
-          </a:prstGeom>
-          <a:noFill/>
-        </p:spPr>
-        <p:txBody>
-          <a:bodyPr wrap="square" rtlCol="0">
-            <a:spAutoFit/>
-          </a:bodyPr>
-          <a:lstStyle/>
-          <a:p>
-            <a:r>
-              <a:rPr lang="en-US" dirty="0" smtClean="0"/>
-              <a:t>End user selects from available appointments</a:t>
-            </a:r>
-            <a:endParaRPr lang="en-US" dirty="0"/>
-          </a:p>
-        </p:txBody>
-      </p:sp>
-      <p:cxnSp>
-        <p:nvCxnSpPr>
-          <p:cNvPr id="3" name="Straight Arrow Connector 2"/>
-          <p:cNvCxnSpPr/>
-          <p:nvPr/>
-        </p:nvCxnSpPr>
-        <p:spPr>
-          <a:xfrm>
-            <a:off x="2576106" y="3242025"/>
-            <a:ext cx="1861423" cy="0"/>
-          </a:xfrm>
-          <a:prstGeom prst="straightConnector1">
-            <a:avLst/>
-          </a:prstGeom>
-          <a:ln w="63500">
-            <a:tailEnd type="triangle"/>
-          </a:ln>
-        </p:spPr>
-        <p:style>
-          <a:lnRef idx="1">
-            <a:schemeClr val="accent1"/>
-          </a:lnRef>
-          <a:fillRef idx="0">
-            <a:schemeClr val="accent1"/>
-          </a:fillRef>
-          <a:effectRef idx="0">
-            <a:schemeClr val="accent1"/>
-          </a:effectRef>
-          <a:fontRef idx="minor">
-            <a:schemeClr val="tx1"/>
-          </a:fontRef>
-        </p:style>
-      </p:cxnSp>
-      <p:sp>
-        <p:nvSpPr>
-          <p:cNvPr id="4" name="TextBox 3"/>
-          <p:cNvSpPr txBox="1"/>
-          <p:nvPr/>
-        </p:nvSpPr>
-        <p:spPr>
-          <a:xfrm>
-            <a:off x="7118075" y="2560079"/>
-            <a:ext cx="2044849" cy="369332"/>
-          </a:xfrm>
-          <a:prstGeom prst="rect">
-            <a:avLst/>
-          </a:prstGeom>
-          <a:solidFill>
-            <a:schemeClr val="bg1"/>
-          </a:solidFill>
-          <a:effectLst/>
-        </p:spPr>
-        <p:txBody>
-          <a:bodyPr wrap="square" rtlCol="0">
-            <a:spAutoFit/>
-          </a:bodyPr>
-          <a:lstStyle/>
-          <a:p>
-            <a:r>
-              <a:rPr lang="en-US" dirty="0" smtClean="0"/>
-              <a:t>Holds Appointment</a:t>
-            </a:r>
-            <a:endParaRPr lang="en-US" dirty="0"/>
-          </a:p>
-        </p:txBody>
-      </p:sp>
-      <p:sp>
-        <p:nvSpPr>
-          <p:cNvPr id="21" name="TextBox 20"/>
-          <p:cNvSpPr txBox="1"/>
-          <p:nvPr/>
-        </p:nvSpPr>
-        <p:spPr>
-          <a:xfrm>
-            <a:off x="7184514" y="3857385"/>
-            <a:ext cx="2128295" cy="646331"/>
-          </a:xfrm>
-          <a:prstGeom prst="rect">
-            <a:avLst/>
-          </a:prstGeom>
-          <a:solidFill>
-            <a:schemeClr val="bg1"/>
-          </a:solidFill>
-          <a:effectLst/>
-        </p:spPr>
-        <p:txBody>
-          <a:bodyPr wrap="square" rtlCol="0">
-            <a:spAutoFit/>
-          </a:bodyPr>
-          <a:lstStyle/>
-          <a:p>
-            <a:r>
-              <a:rPr lang="en-US" smtClean="0"/>
-              <a:t>Returns Hold Confirmation</a:t>
-            </a:r>
-            <a:endParaRPr lang="en-US" dirty="0"/>
-          </a:p>
-        </p:txBody>
-      </p:sp>
-      <p:cxnSp>
-        <p:nvCxnSpPr>
-          <p:cNvPr id="22" name="Straight Arrow Connector 21"/>
-          <p:cNvCxnSpPr/>
-          <p:nvPr/>
-        </p:nvCxnSpPr>
-        <p:spPr>
-          <a:xfrm>
-            <a:off x="7186170" y="3053895"/>
-            <a:ext cx="1861423" cy="0"/>
-          </a:xfrm>
-          <a:prstGeom prst="straightConnector1">
-            <a:avLst/>
-          </a:prstGeom>
-          <a:ln w="63500">
-            <a:tailEnd type="triangle"/>
-          </a:ln>
-        </p:spPr>
-        <p:style>
-          <a:lnRef idx="1">
-            <a:schemeClr val="accent1"/>
-          </a:lnRef>
-          <a:fillRef idx="0">
-            <a:schemeClr val="accent1"/>
-          </a:fillRef>
-          <a:effectRef idx="0">
-            <a:schemeClr val="accent1"/>
-          </a:effectRef>
-          <a:fontRef idx="minor">
-            <a:schemeClr val="tx1"/>
-          </a:fontRef>
-        </p:style>
-      </p:cxnSp>
-      <p:cxnSp>
-        <p:nvCxnSpPr>
-          <p:cNvPr id="23" name="Straight Arrow Connector 22"/>
-          <p:cNvCxnSpPr/>
-          <p:nvPr/>
-        </p:nvCxnSpPr>
-        <p:spPr>
-          <a:xfrm>
-            <a:off x="7120245" y="3323527"/>
-            <a:ext cx="1861423" cy="0"/>
-          </a:xfrm>
-          <a:prstGeom prst="straightConnector1">
-            <a:avLst/>
-          </a:prstGeom>
-          <a:ln w="63500">
-            <a:headEnd type="triangle"/>
-            <a:tailEnd type="none"/>
-          </a:ln>
-        </p:spPr>
-        <p:style>
-          <a:lnRef idx="1">
-            <a:schemeClr val="accent1"/>
-          </a:lnRef>
-          <a:fillRef idx="0">
-            <a:schemeClr val="accent1"/>
-          </a:fillRef>
-          <a:effectRef idx="0">
-            <a:schemeClr val="accent1"/>
-          </a:effectRef>
-          <a:fontRef idx="minor">
-            <a:schemeClr val="tx1"/>
-          </a:fontRef>
-        </p:style>
-      </p:cxnSp>
-      <p:cxnSp>
-        <p:nvCxnSpPr>
-          <p:cNvPr id="24" name="Straight Arrow Connector 23"/>
-          <p:cNvCxnSpPr/>
-          <p:nvPr/>
-        </p:nvCxnSpPr>
-        <p:spPr>
-          <a:xfrm>
-            <a:off x="2524529" y="3635452"/>
-            <a:ext cx="1861423" cy="0"/>
-          </a:xfrm>
-          <a:prstGeom prst="straightConnector1">
-            <a:avLst/>
-          </a:prstGeom>
-          <a:ln w="63500">
-            <a:headEnd type="triangle"/>
-            <a:tailEnd type="none"/>
-          </a:ln>
-        </p:spPr>
-        <p:style>
-          <a:lnRef idx="1">
-            <a:schemeClr val="accent1"/>
-          </a:lnRef>
-          <a:fillRef idx="0">
-            <a:schemeClr val="accent1"/>
-          </a:fillRef>
-          <a:effectRef idx="0">
-            <a:schemeClr val="accent1"/>
-          </a:effectRef>
-          <a:fontRef idx="minor">
-            <a:schemeClr val="tx1"/>
-          </a:fontRef>
-        </p:style>
-      </p:cxnSp>
-      <p:sp>
-        <p:nvSpPr>
-          <p:cNvPr id="25" name="TextBox 24"/>
-          <p:cNvSpPr txBox="1"/>
-          <p:nvPr/>
-        </p:nvSpPr>
-        <p:spPr>
-          <a:xfrm>
-            <a:off x="2622977" y="3808074"/>
-            <a:ext cx="1736532" cy="1200329"/>
-          </a:xfrm>
-          <a:prstGeom prst="rect">
-            <a:avLst/>
-          </a:prstGeom>
-          <a:noFill/>
-        </p:spPr>
-        <p:txBody>
-          <a:bodyPr wrap="square" rtlCol="0">
-            <a:spAutoFit/>
-          </a:bodyPr>
-          <a:lstStyle/>
-          <a:p>
-            <a:r>
-              <a:rPr lang="en-US" dirty="0" smtClean="0"/>
-              <a:t> booking on hold until completed by End User</a:t>
-            </a:r>
-            <a:endParaRPr lang="en-US" dirty="0"/>
-          </a:p>
-        </p:txBody>
-      </p:sp>
-      <p:sp>
-        <p:nvSpPr>
-          <p:cNvPr id="5" name="TextBox 4"/>
-          <p:cNvSpPr txBox="1"/>
-          <p:nvPr/>
-        </p:nvSpPr>
-        <p:spPr>
-          <a:xfrm>
-            <a:off x="2661370" y="1760340"/>
-            <a:ext cx="333072" cy="369332"/>
-          </a:xfrm>
-          <a:prstGeom prst="rect">
-            <a:avLst/>
-          </a:prstGeom>
-          <a:noFill/>
-          <a:ln w="25400">
-            <a:solidFill>
-              <a:schemeClr val="accent1">
-                <a:shade val="50000"/>
-              </a:schemeClr>
-            </a:solidFill>
-          </a:ln>
-        </p:spPr>
-        <p:txBody>
-          <a:bodyPr wrap="square" rtlCol="0">
-            <a:spAutoFit/>
-          </a:bodyPr>
-          <a:lstStyle/>
-          <a:p>
-            <a:pPr algn="ctr"/>
-            <a:r>
-              <a:rPr lang="en-US" dirty="0" smtClean="0"/>
-              <a:t>4</a:t>
-            </a:r>
-            <a:endParaRPr lang="en-US" dirty="0"/>
-          </a:p>
-        </p:txBody>
-      </p:sp>
-      <p:sp>
-        <p:nvSpPr>
-          <p:cNvPr id="27" name="TextBox 26"/>
-          <p:cNvSpPr txBox="1"/>
-          <p:nvPr/>
-        </p:nvSpPr>
-        <p:spPr>
-          <a:xfrm>
-            <a:off x="3920590" y="3880973"/>
-            <a:ext cx="415619" cy="369332"/>
-          </a:xfrm>
-          <a:prstGeom prst="rect">
-            <a:avLst/>
-          </a:prstGeom>
-          <a:noFill/>
-          <a:ln w="25400">
-            <a:solidFill>
-              <a:schemeClr val="accent1">
-                <a:shade val="50000"/>
-              </a:schemeClr>
-            </a:solidFill>
-          </a:ln>
-        </p:spPr>
-        <p:txBody>
-          <a:bodyPr wrap="square" rtlCol="0">
-            <a:spAutoFit/>
-          </a:bodyPr>
-          <a:lstStyle/>
-          <a:p>
-            <a:pPr algn="ctr"/>
-            <a:r>
-              <a:rPr lang="en-US" dirty="0" smtClean="0"/>
-              <a:t>7</a:t>
-            </a:r>
-            <a:endParaRPr lang="en-US" dirty="0"/>
-          </a:p>
-        </p:txBody>
-      </p:sp>
-      <p:sp>
-        <p:nvSpPr>
-          <p:cNvPr id="28" name="TextBox 27"/>
-          <p:cNvSpPr txBox="1"/>
-          <p:nvPr/>
-        </p:nvSpPr>
-        <p:spPr>
-          <a:xfrm>
-            <a:off x="7410436" y="3526182"/>
-            <a:ext cx="423109" cy="369332"/>
-          </a:xfrm>
-          <a:prstGeom prst="rect">
-            <a:avLst/>
-          </a:prstGeom>
-          <a:noFill/>
-          <a:ln w="25400">
-            <a:solidFill>
-              <a:schemeClr val="accent1">
-                <a:shade val="50000"/>
-              </a:schemeClr>
-            </a:solidFill>
-          </a:ln>
-        </p:spPr>
-        <p:txBody>
-          <a:bodyPr wrap="square" rtlCol="0">
-            <a:spAutoFit/>
-          </a:bodyPr>
-          <a:lstStyle/>
-          <a:p>
-            <a:pPr algn="ctr"/>
-            <a:r>
-              <a:rPr lang="en-US" dirty="0"/>
-              <a:t>6</a:t>
-            </a:r>
-          </a:p>
-        </p:txBody>
-      </p:sp>
-      <p:sp>
-        <p:nvSpPr>
-          <p:cNvPr id="29" name="TextBox 28"/>
-          <p:cNvSpPr txBox="1"/>
-          <p:nvPr/>
-        </p:nvSpPr>
-        <p:spPr>
-          <a:xfrm>
-            <a:off x="7261131" y="2192222"/>
-            <a:ext cx="375381" cy="369332"/>
-          </a:xfrm>
-          <a:prstGeom prst="rect">
-            <a:avLst/>
-          </a:prstGeom>
-          <a:noFill/>
-          <a:ln w="25400">
-            <a:solidFill>
-              <a:schemeClr val="accent1">
-                <a:shade val="50000"/>
-              </a:schemeClr>
-            </a:solidFill>
-          </a:ln>
-        </p:spPr>
-        <p:txBody>
-          <a:bodyPr wrap="square" rtlCol="0">
-            <a:spAutoFit/>
-          </a:bodyPr>
-          <a:lstStyle/>
-          <a:p>
-            <a:pPr algn="ctr"/>
-            <a:r>
-              <a:rPr lang="en-US" dirty="0" smtClean="0"/>
-              <a:t>5</a:t>
-            </a:r>
-            <a:endParaRPr lang="en-US" dirty="0"/>
-          </a:p>
-        </p:txBody>
-      </p:sp>
-      <p:sp>
-        <p:nvSpPr>
-          <p:cNvPr id="8" name="Can 7"/>
-          <p:cNvSpPr/>
-          <p:nvPr/>
-        </p:nvSpPr>
-        <p:spPr>
-          <a:xfrm>
-            <a:off x="9098280" y="2228624"/>
-            <a:ext cx="2380957" cy="2258969"/>
-          </a:xfrm>
-          <a:prstGeom prst="can">
-            <a:avLst/>
-          </a:prstGeom>
-        </p:spPr>
-        <p:style>
-          <a:lnRef idx="2">
-            <a:schemeClr val="accent1">
-              <a:shade val="50000"/>
-            </a:schemeClr>
-          </a:lnRef>
-          <a:fillRef idx="1">
-            <a:schemeClr val="accent1"/>
-          </a:fillRef>
-          <a:effectRef idx="0">
-            <a:schemeClr val="accent1"/>
-          </a:effectRef>
-          <a:fontRef idx="minor">
-            <a:schemeClr val="lt1"/>
-          </a:fontRef>
-        </p:style>
-        <p:txBody>
-          <a:bodyPr rtlCol="0" anchor="ctr"/>
-          <a:lstStyle/>
-          <a:p>
-            <a:pPr algn="ctr"/>
-            <a:r>
-              <a:rPr lang="en-US" sz="2400" dirty="0" smtClean="0"/>
-              <a:t>EHR</a:t>
-            </a:r>
-          </a:p>
-          <a:p>
-            <a:pPr algn="ctr"/>
-            <a:r>
-              <a:rPr lang="en-US" sz="2400" dirty="0" smtClean="0"/>
-              <a:t> FHIR Server</a:t>
-            </a:r>
-            <a:endParaRPr lang="en-US" sz="2400" dirty="0"/>
-          </a:p>
-        </p:txBody>
-      </p:sp>
-      <p:sp>
-        <p:nvSpPr>
-          <p:cNvPr id="11" name="Can 10"/>
-          <p:cNvSpPr/>
-          <p:nvPr/>
-        </p:nvSpPr>
-        <p:spPr>
-          <a:xfrm>
-            <a:off x="4568612" y="2228624"/>
-            <a:ext cx="2484820" cy="2258969"/>
-          </a:xfrm>
-          <a:prstGeom prst="can">
-            <a:avLst/>
-          </a:prstGeom>
-        </p:spPr>
-        <p:style>
-          <a:lnRef idx="2">
-            <a:schemeClr val="accent1">
-              <a:shade val="50000"/>
-            </a:schemeClr>
-          </a:lnRef>
-          <a:fillRef idx="1">
-            <a:schemeClr val="accent1"/>
-          </a:fillRef>
-          <a:effectRef idx="0">
-            <a:schemeClr val="accent1"/>
-          </a:effectRef>
-          <a:fontRef idx="minor">
-            <a:schemeClr val="lt1"/>
-          </a:fontRef>
-        </p:style>
-        <p:txBody>
-          <a:bodyPr rtlCol="0" anchor="ctr"/>
-          <a:lstStyle/>
-          <a:p>
-            <a:pPr algn="ctr"/>
-            <a:r>
               <a:rPr lang="en-US" sz="2400" dirty="0" smtClean="0"/>
               <a:t>Client</a:t>
             </a:r>
@@ -6124,1867 +5074,7 @@
             <a:pPr algn="ctr"/>
             <a:r>
               <a:rPr lang="en-US" sz="2400" dirty="0" smtClean="0"/>
-              <a:t> Application Server</a:t>
-            </a:r>
-            <a:endParaRPr lang="en-US" sz="2400" dirty="0"/>
-          </a:p>
-        </p:txBody>
-      </p:sp>
-    </p:spTree>
-    <p:extLst>
-      <p:ext uri="{BB962C8B-B14F-4D97-AF65-F5344CB8AC3E}">
-        <p14:creationId xmlns:p14="http://schemas.microsoft.com/office/powerpoint/2010/main" xmlns="" val="848340449"/>
-      </p:ext>
-    </p:extLst>
-  </p:cSld>
-  <p:clrMapOvr>
-    <a:masterClrMapping/>
-  </p:clrMapOvr>
-</p:sld>
-</file>
-
-<file path=ppt/slides/slide5.xml><?xml version="1.0" encoding="utf-8"?>
-<p:sld xmlns:a="http://schemas.openxmlformats.org/drawingml/2006/main" xmlns:r="http://schemas.openxmlformats.org/officeDocument/2006/relationships" xmlns:p="http://schemas.openxmlformats.org/presentationml/2006/main">
-  <p:cSld>
-    <p:spTree>
-      <p:nvGrpSpPr>
-        <p:cNvPr id="1" name=""/>
-        <p:cNvGrpSpPr/>
-        <p:nvPr/>
-      </p:nvGrpSpPr>
-      <p:grpSpPr>
-        <a:xfrm>
-          <a:off x="0" y="0"/>
-          <a:ext cx="0" cy="0"/>
-          <a:chOff x="0" y="0"/>
-          <a:chExt cx="0" cy="0"/>
-        </a:xfrm>
-      </p:grpSpPr>
-      <p:pic>
-        <p:nvPicPr>
-          <p:cNvPr id="9" name="Picture 8"/>
-          <p:cNvPicPr>
-            <a:picLocks noChangeAspect="1"/>
-          </p:cNvPicPr>
-          <p:nvPr/>
-        </p:nvPicPr>
-        <p:blipFill>
-          <a:blip r:embed="rId2">
-            <a:extLst>
-              <a:ext uri="{28A0092B-C50C-407E-A947-70E740481C1C}">
-                <a14:useLocalDpi xmlns:a14="http://schemas.microsoft.com/office/drawing/2010/main" xmlns="" val="0"/>
-              </a:ext>
-            </a:extLst>
-          </a:blip>
-          <a:stretch>
-            <a:fillRect/>
-          </a:stretch>
-        </p:blipFill>
-        <p:spPr>
-          <a:xfrm>
-            <a:off x="744038" y="2116140"/>
-            <a:ext cx="1780491" cy="2698128"/>
-          </a:xfrm>
-          <a:prstGeom prst="rect">
-            <a:avLst/>
-          </a:prstGeom>
-        </p:spPr>
-      </p:pic>
-      <p:sp>
-        <p:nvSpPr>
-          <p:cNvPr id="40" name="Rectangle 39"/>
-          <p:cNvSpPr/>
-          <p:nvPr/>
-        </p:nvSpPr>
-        <p:spPr>
-          <a:xfrm>
-            <a:off x="4437529" y="1442189"/>
-            <a:ext cx="7274859" cy="4155142"/>
-          </a:xfrm>
-          <a:prstGeom prst="rect">
-            <a:avLst/>
-          </a:prstGeom>
-          <a:noFill/>
-          <a:ln w="63500">
-            <a:prstDash val="sysDash"/>
-          </a:ln>
-          <a:effectLst/>
-        </p:spPr>
-        <p:style>
-          <a:lnRef idx="2">
-            <a:schemeClr val="accent1">
-              <a:shade val="50000"/>
-            </a:schemeClr>
-          </a:lnRef>
-          <a:fillRef idx="1">
-            <a:schemeClr val="accent1"/>
-          </a:fillRef>
-          <a:effectRef idx="0">
-            <a:schemeClr val="accent1"/>
-          </a:effectRef>
-          <a:fontRef idx="minor">
-            <a:schemeClr val="lt1"/>
-          </a:fontRef>
-        </p:style>
-        <p:txBody>
-          <a:bodyPr rtlCol="0" anchor="ctr"/>
-          <a:lstStyle/>
-          <a:p>
-            <a:pPr algn="ctr"/>
-            <a:r>
-              <a:rPr lang="en-US" dirty="0" smtClean="0"/>
-              <a:t>               </a:t>
-            </a:r>
-            <a:endParaRPr lang="en-US" dirty="0"/>
-          </a:p>
-        </p:txBody>
-      </p:sp>
-      <p:cxnSp>
-        <p:nvCxnSpPr>
-          <p:cNvPr id="42" name="Straight Connector 41"/>
-          <p:cNvCxnSpPr/>
-          <p:nvPr/>
-        </p:nvCxnSpPr>
-        <p:spPr>
-          <a:xfrm>
-            <a:off x="8089025" y="1442189"/>
-            <a:ext cx="0" cy="4155142"/>
-          </a:xfrm>
-          <a:prstGeom prst="line">
-            <a:avLst/>
-          </a:prstGeom>
-          <a:ln w="63500">
-            <a:prstDash val="sysDash"/>
-          </a:ln>
-        </p:spPr>
-        <p:style>
-          <a:lnRef idx="1">
-            <a:schemeClr val="accent1"/>
-          </a:lnRef>
-          <a:fillRef idx="0">
-            <a:schemeClr val="accent1"/>
-          </a:fillRef>
-          <a:effectRef idx="0">
-            <a:schemeClr val="accent1"/>
-          </a:effectRef>
-          <a:fontRef idx="minor">
-            <a:schemeClr val="tx1"/>
-          </a:fontRef>
-        </p:style>
-      </p:cxnSp>
-      <p:sp>
-        <p:nvSpPr>
-          <p:cNvPr id="44" name="TextBox 43"/>
-          <p:cNvSpPr txBox="1"/>
-          <p:nvPr/>
-        </p:nvSpPr>
-        <p:spPr>
-          <a:xfrm>
-            <a:off x="2613145" y="2149323"/>
-            <a:ext cx="1736532" cy="923330"/>
-          </a:xfrm>
-          <a:prstGeom prst="rect">
-            <a:avLst/>
-          </a:prstGeom>
-          <a:noFill/>
-        </p:spPr>
-        <p:txBody>
-          <a:bodyPr wrap="square" rtlCol="0">
-            <a:spAutoFit/>
-          </a:bodyPr>
-          <a:lstStyle/>
-          <a:p>
-            <a:r>
-              <a:rPr lang="en-US" dirty="0" smtClean="0"/>
-              <a:t>End user enters  patient information</a:t>
-            </a:r>
-            <a:endParaRPr lang="en-US" dirty="0"/>
-          </a:p>
-        </p:txBody>
-      </p:sp>
-      <p:cxnSp>
-        <p:nvCxnSpPr>
-          <p:cNvPr id="3" name="Straight Arrow Connector 2"/>
-          <p:cNvCxnSpPr/>
-          <p:nvPr/>
-        </p:nvCxnSpPr>
-        <p:spPr>
-          <a:xfrm>
-            <a:off x="2576106" y="3242025"/>
-            <a:ext cx="1861423" cy="0"/>
-          </a:xfrm>
-          <a:prstGeom prst="straightConnector1">
-            <a:avLst/>
-          </a:prstGeom>
-          <a:ln w="63500">
-            <a:tailEnd type="triangle"/>
-          </a:ln>
-        </p:spPr>
-        <p:style>
-          <a:lnRef idx="1">
-            <a:schemeClr val="accent1"/>
-          </a:lnRef>
-          <a:fillRef idx="0">
-            <a:schemeClr val="accent1"/>
-          </a:fillRef>
-          <a:effectRef idx="0">
-            <a:schemeClr val="accent1"/>
-          </a:effectRef>
-          <a:fontRef idx="minor">
-            <a:schemeClr val="tx1"/>
-          </a:fontRef>
-        </p:style>
-      </p:cxnSp>
-      <p:sp>
-        <p:nvSpPr>
-          <p:cNvPr id="4" name="TextBox 3"/>
-          <p:cNvSpPr txBox="1"/>
-          <p:nvPr/>
-        </p:nvSpPr>
-        <p:spPr>
-          <a:xfrm>
-            <a:off x="7088580" y="2371303"/>
-            <a:ext cx="2044849" cy="646331"/>
-          </a:xfrm>
-          <a:prstGeom prst="rect">
-            <a:avLst/>
-          </a:prstGeom>
-          <a:solidFill>
-            <a:schemeClr val="bg1"/>
-          </a:solidFill>
-          <a:effectLst/>
-        </p:spPr>
-        <p:txBody>
-          <a:bodyPr wrap="square" rtlCol="0">
-            <a:spAutoFit/>
-          </a:bodyPr>
-          <a:lstStyle/>
-          <a:p>
-            <a:r>
-              <a:rPr lang="en-US" dirty="0" smtClean="0"/>
-              <a:t>Fetch or Register Patient</a:t>
-            </a:r>
-            <a:endParaRPr lang="en-US" dirty="0"/>
-          </a:p>
-        </p:txBody>
-      </p:sp>
-      <p:sp>
-        <p:nvSpPr>
-          <p:cNvPr id="21" name="TextBox 20"/>
-          <p:cNvSpPr txBox="1"/>
-          <p:nvPr/>
-        </p:nvSpPr>
-        <p:spPr>
-          <a:xfrm>
-            <a:off x="7184514" y="3857385"/>
-            <a:ext cx="2128295" cy="369332"/>
-          </a:xfrm>
-          <a:prstGeom prst="rect">
-            <a:avLst/>
-          </a:prstGeom>
-          <a:solidFill>
-            <a:schemeClr val="bg1"/>
-          </a:solidFill>
-          <a:effectLst/>
-        </p:spPr>
-        <p:txBody>
-          <a:bodyPr wrap="square" rtlCol="0">
-            <a:spAutoFit/>
-          </a:bodyPr>
-          <a:lstStyle/>
-          <a:p>
-            <a:r>
-              <a:rPr lang="en-US" dirty="0" smtClean="0"/>
-              <a:t>Returns Patient Id</a:t>
-            </a:r>
-          </a:p>
-        </p:txBody>
-      </p:sp>
-      <p:cxnSp>
-        <p:nvCxnSpPr>
-          <p:cNvPr id="22" name="Straight Arrow Connector 21"/>
-          <p:cNvCxnSpPr/>
-          <p:nvPr/>
-        </p:nvCxnSpPr>
-        <p:spPr>
-          <a:xfrm>
-            <a:off x="7186170" y="3053895"/>
-            <a:ext cx="1861423" cy="0"/>
-          </a:xfrm>
-          <a:prstGeom prst="straightConnector1">
-            <a:avLst/>
-          </a:prstGeom>
-          <a:ln w="63500">
-            <a:tailEnd type="triangle"/>
-          </a:ln>
-        </p:spPr>
-        <p:style>
-          <a:lnRef idx="1">
-            <a:schemeClr val="accent1"/>
-          </a:lnRef>
-          <a:fillRef idx="0">
-            <a:schemeClr val="accent1"/>
-          </a:fillRef>
-          <a:effectRef idx="0">
-            <a:schemeClr val="accent1"/>
-          </a:effectRef>
-          <a:fontRef idx="minor">
-            <a:schemeClr val="tx1"/>
-          </a:fontRef>
-        </p:style>
-      </p:cxnSp>
-      <p:cxnSp>
-        <p:nvCxnSpPr>
-          <p:cNvPr id="23" name="Straight Arrow Connector 22"/>
-          <p:cNvCxnSpPr/>
-          <p:nvPr/>
-        </p:nvCxnSpPr>
-        <p:spPr>
-          <a:xfrm>
-            <a:off x="7120245" y="3323527"/>
-            <a:ext cx="1861423" cy="0"/>
-          </a:xfrm>
-          <a:prstGeom prst="straightConnector1">
-            <a:avLst/>
-          </a:prstGeom>
-          <a:ln w="63500">
-            <a:headEnd type="triangle"/>
-            <a:tailEnd type="none"/>
-          </a:ln>
-        </p:spPr>
-        <p:style>
-          <a:lnRef idx="1">
-            <a:schemeClr val="accent1"/>
-          </a:lnRef>
-          <a:fillRef idx="0">
-            <a:schemeClr val="accent1"/>
-          </a:fillRef>
-          <a:effectRef idx="0">
-            <a:schemeClr val="accent1"/>
-          </a:effectRef>
-          <a:fontRef idx="minor">
-            <a:schemeClr val="tx1"/>
-          </a:fontRef>
-        </p:style>
-      </p:cxnSp>
-      <p:sp>
-        <p:nvSpPr>
-          <p:cNvPr id="5" name="TextBox 4"/>
-          <p:cNvSpPr txBox="1"/>
-          <p:nvPr/>
-        </p:nvSpPr>
-        <p:spPr>
-          <a:xfrm>
-            <a:off x="2661370" y="1760340"/>
-            <a:ext cx="394496" cy="307777"/>
-          </a:xfrm>
-          <a:prstGeom prst="rect">
-            <a:avLst/>
-          </a:prstGeom>
-          <a:noFill/>
-          <a:ln w="25400">
-            <a:solidFill>
-              <a:schemeClr val="accent1">
-                <a:shade val="50000"/>
-              </a:schemeClr>
-            </a:solidFill>
-          </a:ln>
-        </p:spPr>
-        <p:txBody>
-          <a:bodyPr wrap="square" rtlCol="0">
-            <a:spAutoFit/>
-          </a:bodyPr>
-          <a:lstStyle/>
-          <a:p>
-            <a:pPr algn="ctr"/>
-            <a:r>
-              <a:rPr lang="en-US" sz="1400" dirty="0" smtClean="0"/>
-              <a:t>8a</a:t>
-            </a:r>
-            <a:endParaRPr lang="en-US" sz="1400" dirty="0"/>
-          </a:p>
-        </p:txBody>
-      </p:sp>
-      <p:sp>
-        <p:nvSpPr>
-          <p:cNvPr id="8" name="Can 7"/>
-          <p:cNvSpPr/>
-          <p:nvPr/>
-        </p:nvSpPr>
-        <p:spPr>
-          <a:xfrm>
-            <a:off x="9098280" y="2228624"/>
-            <a:ext cx="2380957" cy="2258969"/>
-          </a:xfrm>
-          <a:prstGeom prst="can">
-            <a:avLst/>
-          </a:prstGeom>
-        </p:spPr>
-        <p:style>
-          <a:lnRef idx="2">
-            <a:schemeClr val="accent1">
-              <a:shade val="50000"/>
-            </a:schemeClr>
-          </a:lnRef>
-          <a:fillRef idx="1">
-            <a:schemeClr val="accent1"/>
-          </a:fillRef>
-          <a:effectRef idx="0">
-            <a:schemeClr val="accent1"/>
-          </a:effectRef>
-          <a:fontRef idx="minor">
-            <a:schemeClr val="lt1"/>
-          </a:fontRef>
-        </p:style>
-        <p:txBody>
-          <a:bodyPr rtlCol="0" anchor="ctr"/>
-          <a:lstStyle/>
-          <a:p>
-            <a:pPr algn="ctr"/>
-            <a:r>
-              <a:rPr lang="en-US" sz="2400" dirty="0" smtClean="0"/>
-              <a:t>EHR</a:t>
-            </a:r>
-          </a:p>
-          <a:p>
-            <a:pPr algn="ctr"/>
-            <a:r>
-              <a:rPr lang="en-US" sz="2400" dirty="0" smtClean="0"/>
-              <a:t> FHIR Server</a:t>
-            </a:r>
-            <a:endParaRPr lang="en-US" sz="2400" dirty="0"/>
-          </a:p>
-        </p:txBody>
-      </p:sp>
-      <p:sp>
-        <p:nvSpPr>
-          <p:cNvPr id="11" name="Can 10"/>
-          <p:cNvSpPr/>
-          <p:nvPr/>
-        </p:nvSpPr>
-        <p:spPr>
-          <a:xfrm>
-            <a:off x="4568612" y="2228624"/>
-            <a:ext cx="2484820" cy="2258969"/>
-          </a:xfrm>
-          <a:prstGeom prst="can">
-            <a:avLst/>
-          </a:prstGeom>
-        </p:spPr>
-        <p:style>
-          <a:lnRef idx="2">
-            <a:schemeClr val="accent1">
-              <a:shade val="50000"/>
-            </a:schemeClr>
-          </a:lnRef>
-          <a:fillRef idx="1">
-            <a:schemeClr val="accent1"/>
-          </a:fillRef>
-          <a:effectRef idx="0">
-            <a:schemeClr val="accent1"/>
-          </a:effectRef>
-          <a:fontRef idx="minor">
-            <a:schemeClr val="lt1"/>
-          </a:fontRef>
-        </p:style>
-        <p:txBody>
-          <a:bodyPr rtlCol="0" anchor="ctr"/>
-          <a:lstStyle/>
-          <a:p>
-            <a:pPr algn="ctr"/>
-            <a:r>
-              <a:rPr lang="en-US" sz="2400" dirty="0" smtClean="0"/>
-              <a:t>Client</a:t>
-            </a:r>
-          </a:p>
-          <a:p>
-            <a:pPr algn="ctr"/>
-            <a:r>
-              <a:rPr lang="en-US" sz="2400" dirty="0" smtClean="0"/>
-              <a:t> Application Server</a:t>
-            </a:r>
-            <a:endParaRPr lang="en-US" sz="2400" dirty="0"/>
-          </a:p>
-        </p:txBody>
-      </p:sp>
-      <p:sp>
-        <p:nvSpPr>
-          <p:cNvPr id="19" name="TextBox 18"/>
-          <p:cNvSpPr txBox="1"/>
-          <p:nvPr/>
-        </p:nvSpPr>
-        <p:spPr>
-          <a:xfrm>
-            <a:off x="7387150" y="2037677"/>
-            <a:ext cx="394496" cy="307777"/>
-          </a:xfrm>
-          <a:prstGeom prst="rect">
-            <a:avLst/>
-          </a:prstGeom>
-          <a:noFill/>
-          <a:ln w="25400">
-            <a:solidFill>
-              <a:schemeClr val="accent1">
-                <a:shade val="50000"/>
-              </a:schemeClr>
-            </a:solidFill>
-          </a:ln>
-        </p:spPr>
-        <p:txBody>
-          <a:bodyPr wrap="square" rtlCol="0">
-            <a:spAutoFit/>
-          </a:bodyPr>
-          <a:lstStyle/>
-          <a:p>
-            <a:pPr algn="ctr"/>
-            <a:r>
-              <a:rPr lang="en-US" sz="1400" dirty="0" smtClean="0"/>
-              <a:t>8b</a:t>
-            </a:r>
-            <a:endParaRPr lang="en-US" sz="1400" dirty="0"/>
-          </a:p>
-        </p:txBody>
-      </p:sp>
-      <p:sp>
-        <p:nvSpPr>
-          <p:cNvPr id="20" name="TextBox 19"/>
-          <p:cNvSpPr txBox="1"/>
-          <p:nvPr/>
-        </p:nvSpPr>
-        <p:spPr>
-          <a:xfrm>
-            <a:off x="7387150" y="3585314"/>
-            <a:ext cx="394496" cy="307777"/>
-          </a:xfrm>
-          <a:prstGeom prst="rect">
-            <a:avLst/>
-          </a:prstGeom>
-          <a:noFill/>
-          <a:ln w="25400">
-            <a:solidFill>
-              <a:schemeClr val="accent1">
-                <a:shade val="50000"/>
-              </a:schemeClr>
-            </a:solidFill>
-          </a:ln>
-        </p:spPr>
-        <p:txBody>
-          <a:bodyPr wrap="square" rtlCol="0">
-            <a:spAutoFit/>
-          </a:bodyPr>
-          <a:lstStyle/>
-          <a:p>
-            <a:pPr algn="ctr"/>
-            <a:r>
-              <a:rPr lang="en-US" sz="1400" dirty="0" smtClean="0"/>
-              <a:t>8c</a:t>
-            </a:r>
-            <a:endParaRPr lang="en-US" sz="1400" dirty="0"/>
-          </a:p>
-        </p:txBody>
-      </p:sp>
-    </p:spTree>
-    <p:extLst>
-      <p:ext uri="{BB962C8B-B14F-4D97-AF65-F5344CB8AC3E}">
-        <p14:creationId xmlns:p14="http://schemas.microsoft.com/office/powerpoint/2010/main" xmlns="" val="688751188"/>
-      </p:ext>
-    </p:extLst>
-  </p:cSld>
-  <p:clrMapOvr>
-    <a:masterClrMapping/>
-  </p:clrMapOvr>
-</p:sld>
-</file>
-
-<file path=ppt/slides/slide6.xml><?xml version="1.0" encoding="utf-8"?>
-<p:sld xmlns:a="http://schemas.openxmlformats.org/drawingml/2006/main" xmlns:r="http://schemas.openxmlformats.org/officeDocument/2006/relationships" xmlns:p="http://schemas.openxmlformats.org/presentationml/2006/main">
-  <p:cSld>
-    <p:spTree>
-      <p:nvGrpSpPr>
-        <p:cNvPr id="1" name=""/>
-        <p:cNvGrpSpPr/>
-        <p:nvPr/>
-      </p:nvGrpSpPr>
-      <p:grpSpPr>
-        <a:xfrm>
-          <a:off x="0" y="0"/>
-          <a:ext cx="0" cy="0"/>
-          <a:chOff x="0" y="0"/>
-          <a:chExt cx="0" cy="0"/>
-        </a:xfrm>
-      </p:grpSpPr>
-      <p:pic>
-        <p:nvPicPr>
-          <p:cNvPr id="9" name="Picture 8"/>
-          <p:cNvPicPr>
-            <a:picLocks noChangeAspect="1"/>
-          </p:cNvPicPr>
-          <p:nvPr/>
-        </p:nvPicPr>
-        <p:blipFill>
-          <a:blip r:embed="rId2">
-            <a:extLst>
-              <a:ext uri="{28A0092B-C50C-407E-A947-70E740481C1C}">
-                <a14:useLocalDpi xmlns:a14="http://schemas.microsoft.com/office/drawing/2010/main" xmlns="" val="0"/>
-              </a:ext>
-            </a:extLst>
-          </a:blip>
-          <a:stretch>
-            <a:fillRect/>
-          </a:stretch>
-        </p:blipFill>
-        <p:spPr>
-          <a:xfrm>
-            <a:off x="744038" y="2116140"/>
-            <a:ext cx="1780491" cy="2698128"/>
-          </a:xfrm>
-          <a:prstGeom prst="rect">
-            <a:avLst/>
-          </a:prstGeom>
-        </p:spPr>
-      </p:pic>
-      <p:sp>
-        <p:nvSpPr>
-          <p:cNvPr id="40" name="Rectangle 39"/>
-          <p:cNvSpPr/>
-          <p:nvPr/>
-        </p:nvSpPr>
-        <p:spPr>
-          <a:xfrm>
-            <a:off x="4437529" y="1442189"/>
-            <a:ext cx="7274859" cy="4155142"/>
-          </a:xfrm>
-          <a:prstGeom prst="rect">
-            <a:avLst/>
-          </a:prstGeom>
-          <a:noFill/>
-          <a:ln w="63500">
-            <a:prstDash val="sysDash"/>
-          </a:ln>
-          <a:effectLst/>
-        </p:spPr>
-        <p:style>
-          <a:lnRef idx="2">
-            <a:schemeClr val="accent1">
-              <a:shade val="50000"/>
-            </a:schemeClr>
-          </a:lnRef>
-          <a:fillRef idx="1">
-            <a:schemeClr val="accent1"/>
-          </a:fillRef>
-          <a:effectRef idx="0">
-            <a:schemeClr val="accent1"/>
-          </a:effectRef>
-          <a:fontRef idx="minor">
-            <a:schemeClr val="lt1"/>
-          </a:fontRef>
-        </p:style>
-        <p:txBody>
-          <a:bodyPr rtlCol="0" anchor="ctr"/>
-          <a:lstStyle/>
-          <a:p>
-            <a:pPr algn="ctr"/>
-            <a:endParaRPr lang="en-US"/>
-          </a:p>
-        </p:txBody>
-      </p:sp>
-      <p:cxnSp>
-        <p:nvCxnSpPr>
-          <p:cNvPr id="42" name="Straight Connector 41"/>
-          <p:cNvCxnSpPr/>
-          <p:nvPr/>
-        </p:nvCxnSpPr>
-        <p:spPr>
-          <a:xfrm>
-            <a:off x="8089025" y="1442189"/>
-            <a:ext cx="0" cy="4155142"/>
-          </a:xfrm>
-          <a:prstGeom prst="line">
-            <a:avLst/>
-          </a:prstGeom>
-          <a:ln w="63500">
-            <a:prstDash val="sysDash"/>
-          </a:ln>
-        </p:spPr>
-        <p:style>
-          <a:lnRef idx="1">
-            <a:schemeClr val="accent1"/>
-          </a:lnRef>
-          <a:fillRef idx="0">
-            <a:schemeClr val="accent1"/>
-          </a:fillRef>
-          <a:effectRef idx="0">
-            <a:schemeClr val="accent1"/>
-          </a:effectRef>
-          <a:fontRef idx="minor">
-            <a:schemeClr val="tx1"/>
-          </a:fontRef>
-        </p:style>
-      </p:cxnSp>
-      <p:sp>
-        <p:nvSpPr>
-          <p:cNvPr id="4" name="TextBox 3"/>
-          <p:cNvSpPr txBox="1"/>
-          <p:nvPr/>
-        </p:nvSpPr>
-        <p:spPr>
-          <a:xfrm>
-            <a:off x="7118075" y="2560079"/>
-            <a:ext cx="2044849" cy="369332"/>
-          </a:xfrm>
-          <a:prstGeom prst="rect">
-            <a:avLst/>
-          </a:prstGeom>
-          <a:solidFill>
-            <a:schemeClr val="bg1"/>
-          </a:solidFill>
-          <a:effectLst/>
-        </p:spPr>
-        <p:txBody>
-          <a:bodyPr wrap="square" rtlCol="0">
-            <a:spAutoFit/>
-          </a:bodyPr>
-          <a:lstStyle/>
-          <a:p>
-            <a:r>
-              <a:rPr lang="en-US" dirty="0" smtClean="0"/>
-              <a:t>Books Appointment</a:t>
-            </a:r>
-            <a:endParaRPr lang="en-US" dirty="0"/>
-          </a:p>
-        </p:txBody>
-      </p:sp>
-      <p:sp>
-        <p:nvSpPr>
-          <p:cNvPr id="21" name="TextBox 20"/>
-          <p:cNvSpPr txBox="1"/>
-          <p:nvPr/>
-        </p:nvSpPr>
-        <p:spPr>
-          <a:xfrm>
-            <a:off x="7102949" y="3888037"/>
-            <a:ext cx="1976828" cy="923330"/>
-          </a:xfrm>
-          <a:prstGeom prst="rect">
-            <a:avLst/>
-          </a:prstGeom>
-          <a:solidFill>
-            <a:schemeClr val="bg1"/>
-          </a:solidFill>
-          <a:effectLst/>
-        </p:spPr>
-        <p:txBody>
-          <a:bodyPr wrap="square" rtlCol="0">
-            <a:spAutoFit/>
-          </a:bodyPr>
-          <a:lstStyle/>
-          <a:p>
-            <a:r>
-              <a:rPr lang="en-US" dirty="0" smtClean="0"/>
-              <a:t>Returns Booking</a:t>
-            </a:r>
-          </a:p>
-          <a:p>
-            <a:r>
-              <a:rPr lang="en-US" dirty="0" smtClean="0"/>
-              <a:t>Confirmation or Rejection</a:t>
-            </a:r>
-            <a:endParaRPr lang="en-US" dirty="0"/>
-          </a:p>
-        </p:txBody>
-      </p:sp>
-      <p:cxnSp>
-        <p:nvCxnSpPr>
-          <p:cNvPr id="22" name="Straight Arrow Connector 21"/>
-          <p:cNvCxnSpPr/>
-          <p:nvPr/>
-        </p:nvCxnSpPr>
-        <p:spPr>
-          <a:xfrm>
-            <a:off x="7186170" y="3053895"/>
-            <a:ext cx="1861423" cy="0"/>
-          </a:xfrm>
-          <a:prstGeom prst="straightConnector1">
-            <a:avLst/>
-          </a:prstGeom>
-          <a:ln w="63500">
-            <a:tailEnd type="triangle"/>
-          </a:ln>
-        </p:spPr>
-        <p:style>
-          <a:lnRef idx="1">
-            <a:schemeClr val="accent1"/>
-          </a:lnRef>
-          <a:fillRef idx="0">
-            <a:schemeClr val="accent1"/>
-          </a:fillRef>
-          <a:effectRef idx="0">
-            <a:schemeClr val="accent1"/>
-          </a:effectRef>
-          <a:fontRef idx="minor">
-            <a:schemeClr val="tx1"/>
-          </a:fontRef>
-        </p:style>
-      </p:cxnSp>
-      <p:cxnSp>
-        <p:nvCxnSpPr>
-          <p:cNvPr id="23" name="Straight Arrow Connector 22"/>
-          <p:cNvCxnSpPr/>
-          <p:nvPr/>
-        </p:nvCxnSpPr>
-        <p:spPr>
-          <a:xfrm>
-            <a:off x="7120245" y="3323527"/>
-            <a:ext cx="1861423" cy="0"/>
-          </a:xfrm>
-          <a:prstGeom prst="straightConnector1">
-            <a:avLst/>
-          </a:prstGeom>
-          <a:ln w="63500">
-            <a:headEnd type="triangle"/>
-            <a:tailEnd type="none"/>
-          </a:ln>
-        </p:spPr>
-        <p:style>
-          <a:lnRef idx="1">
-            <a:schemeClr val="accent1"/>
-          </a:lnRef>
-          <a:fillRef idx="0">
-            <a:schemeClr val="accent1"/>
-          </a:fillRef>
-          <a:effectRef idx="0">
-            <a:schemeClr val="accent1"/>
-          </a:effectRef>
-          <a:fontRef idx="minor">
-            <a:schemeClr val="tx1"/>
-          </a:fontRef>
-        </p:style>
-      </p:cxnSp>
-      <p:cxnSp>
-        <p:nvCxnSpPr>
-          <p:cNvPr id="24" name="Straight Arrow Connector 23"/>
-          <p:cNvCxnSpPr/>
-          <p:nvPr/>
-        </p:nvCxnSpPr>
-        <p:spPr>
-          <a:xfrm>
-            <a:off x="2524529" y="3355167"/>
-            <a:ext cx="1861423" cy="0"/>
-          </a:xfrm>
-          <a:prstGeom prst="straightConnector1">
-            <a:avLst/>
-          </a:prstGeom>
-          <a:ln w="63500">
-            <a:headEnd type="triangle"/>
-            <a:tailEnd type="none"/>
-          </a:ln>
-        </p:spPr>
-        <p:style>
-          <a:lnRef idx="1">
-            <a:schemeClr val="accent1"/>
-          </a:lnRef>
-          <a:fillRef idx="0">
-            <a:schemeClr val="accent1"/>
-          </a:fillRef>
-          <a:effectRef idx="0">
-            <a:schemeClr val="accent1"/>
-          </a:effectRef>
-          <a:fontRef idx="minor">
-            <a:schemeClr val="tx1"/>
-          </a:fontRef>
-        </p:style>
-      </p:cxnSp>
-      <p:sp>
-        <p:nvSpPr>
-          <p:cNvPr id="25" name="TextBox 24"/>
-          <p:cNvSpPr txBox="1"/>
-          <p:nvPr/>
-        </p:nvSpPr>
-        <p:spPr>
-          <a:xfrm>
-            <a:off x="2612763" y="3519760"/>
-            <a:ext cx="1736532" cy="1200329"/>
-          </a:xfrm>
-          <a:prstGeom prst="rect">
-            <a:avLst/>
-          </a:prstGeom>
-          <a:noFill/>
-        </p:spPr>
-        <p:txBody>
-          <a:bodyPr wrap="square" rtlCol="0">
-            <a:spAutoFit/>
-          </a:bodyPr>
-          <a:lstStyle/>
-          <a:p>
-            <a:r>
-              <a:rPr lang="en-US" dirty="0" smtClean="0"/>
-              <a:t>Confirms booking or  notifies of rejection</a:t>
-            </a:r>
-            <a:endParaRPr lang="en-US" dirty="0"/>
-          </a:p>
-        </p:txBody>
-      </p:sp>
-      <p:sp>
-        <p:nvSpPr>
-          <p:cNvPr id="27" name="TextBox 26"/>
-          <p:cNvSpPr txBox="1"/>
-          <p:nvPr/>
-        </p:nvSpPr>
-        <p:spPr>
-          <a:xfrm>
-            <a:off x="3828608" y="3812600"/>
-            <a:ext cx="415619" cy="369332"/>
-          </a:xfrm>
-          <a:prstGeom prst="rect">
-            <a:avLst/>
-          </a:prstGeom>
-          <a:noFill/>
-          <a:ln w="25400">
-            <a:solidFill>
-              <a:schemeClr val="accent1">
-                <a:shade val="50000"/>
-              </a:schemeClr>
-            </a:solidFill>
-          </a:ln>
-        </p:spPr>
-        <p:txBody>
-          <a:bodyPr wrap="square" rtlCol="0">
-            <a:spAutoFit/>
-          </a:bodyPr>
-          <a:lstStyle/>
-          <a:p>
-            <a:pPr algn="ctr"/>
-            <a:r>
-              <a:rPr lang="en-US" dirty="0" smtClean="0"/>
-              <a:t>11</a:t>
-            </a:r>
-            <a:endParaRPr lang="en-US" dirty="0"/>
-          </a:p>
-        </p:txBody>
-      </p:sp>
-      <p:sp>
-        <p:nvSpPr>
-          <p:cNvPr id="28" name="TextBox 27"/>
-          <p:cNvSpPr txBox="1"/>
-          <p:nvPr/>
-        </p:nvSpPr>
-        <p:spPr>
-          <a:xfrm>
-            <a:off x="7432765" y="3543987"/>
-            <a:ext cx="423109" cy="369332"/>
-          </a:xfrm>
-          <a:prstGeom prst="rect">
-            <a:avLst/>
-          </a:prstGeom>
-          <a:noFill/>
-          <a:ln w="25400">
-            <a:solidFill>
-              <a:schemeClr val="accent1">
-                <a:shade val="50000"/>
-              </a:schemeClr>
-            </a:solidFill>
-          </a:ln>
-        </p:spPr>
-        <p:txBody>
-          <a:bodyPr wrap="square" rtlCol="0">
-            <a:spAutoFit/>
-          </a:bodyPr>
-          <a:lstStyle/>
-          <a:p>
-            <a:pPr algn="ctr"/>
-            <a:r>
-              <a:rPr lang="en-US" dirty="0" smtClean="0"/>
-              <a:t>10</a:t>
-            </a:r>
-            <a:endParaRPr lang="en-US" dirty="0"/>
-          </a:p>
-        </p:txBody>
-      </p:sp>
-      <p:sp>
-        <p:nvSpPr>
-          <p:cNvPr id="29" name="TextBox 28"/>
-          <p:cNvSpPr txBox="1"/>
-          <p:nvPr/>
-        </p:nvSpPr>
-        <p:spPr>
-          <a:xfrm>
-            <a:off x="7261131" y="2192222"/>
-            <a:ext cx="375381" cy="369332"/>
-          </a:xfrm>
-          <a:prstGeom prst="rect">
-            <a:avLst/>
-          </a:prstGeom>
-          <a:noFill/>
-          <a:ln w="25400">
-            <a:solidFill>
-              <a:schemeClr val="accent1">
-                <a:shade val="50000"/>
-              </a:schemeClr>
-            </a:solidFill>
-          </a:ln>
-        </p:spPr>
-        <p:txBody>
-          <a:bodyPr wrap="square" rtlCol="0">
-            <a:spAutoFit/>
-          </a:bodyPr>
-          <a:lstStyle/>
-          <a:p>
-            <a:pPr algn="ctr"/>
-            <a:r>
-              <a:rPr lang="en-US" dirty="0"/>
-              <a:t>9</a:t>
-            </a:r>
-          </a:p>
-        </p:txBody>
-      </p:sp>
-      <p:sp>
-        <p:nvSpPr>
-          <p:cNvPr id="8" name="Can 7"/>
-          <p:cNvSpPr/>
-          <p:nvPr/>
-        </p:nvSpPr>
-        <p:spPr>
-          <a:xfrm>
-            <a:off x="9098280" y="2228624"/>
-            <a:ext cx="2380957" cy="2258969"/>
-          </a:xfrm>
-          <a:prstGeom prst="can">
-            <a:avLst/>
-          </a:prstGeom>
-        </p:spPr>
-        <p:style>
-          <a:lnRef idx="2">
-            <a:schemeClr val="accent1">
-              <a:shade val="50000"/>
-            </a:schemeClr>
-          </a:lnRef>
-          <a:fillRef idx="1">
-            <a:schemeClr val="accent1"/>
-          </a:fillRef>
-          <a:effectRef idx="0">
-            <a:schemeClr val="accent1"/>
-          </a:effectRef>
-          <a:fontRef idx="minor">
-            <a:schemeClr val="lt1"/>
-          </a:fontRef>
-        </p:style>
-        <p:txBody>
-          <a:bodyPr rtlCol="0" anchor="ctr"/>
-          <a:lstStyle/>
-          <a:p>
-            <a:pPr algn="ctr"/>
-            <a:r>
-              <a:rPr lang="en-US" sz="2400" dirty="0" smtClean="0"/>
-              <a:t>EHR</a:t>
-            </a:r>
-          </a:p>
-          <a:p>
-            <a:pPr algn="ctr"/>
-            <a:r>
-              <a:rPr lang="en-US" sz="2400" dirty="0" smtClean="0"/>
-              <a:t> FHIR Server</a:t>
-            </a:r>
-            <a:endParaRPr lang="en-US" sz="2400" dirty="0"/>
-          </a:p>
-        </p:txBody>
-      </p:sp>
-      <p:sp>
-        <p:nvSpPr>
-          <p:cNvPr id="11" name="Can 10"/>
-          <p:cNvSpPr/>
-          <p:nvPr/>
-        </p:nvSpPr>
-        <p:spPr>
-          <a:xfrm>
-            <a:off x="4568612" y="2228624"/>
-            <a:ext cx="2484820" cy="2258969"/>
-          </a:xfrm>
-          <a:prstGeom prst="can">
-            <a:avLst/>
-          </a:prstGeom>
-        </p:spPr>
-        <p:style>
-          <a:lnRef idx="2">
-            <a:schemeClr val="accent1">
-              <a:shade val="50000"/>
-            </a:schemeClr>
-          </a:lnRef>
-          <a:fillRef idx="1">
-            <a:schemeClr val="accent1"/>
-          </a:fillRef>
-          <a:effectRef idx="0">
-            <a:schemeClr val="accent1"/>
-          </a:effectRef>
-          <a:fontRef idx="minor">
-            <a:schemeClr val="lt1"/>
-          </a:fontRef>
-        </p:style>
-        <p:txBody>
-          <a:bodyPr rtlCol="0" anchor="ctr"/>
-          <a:lstStyle/>
-          <a:p>
-            <a:pPr algn="ctr"/>
-            <a:r>
-              <a:rPr lang="en-US" sz="2400" dirty="0" smtClean="0"/>
-              <a:t>Client</a:t>
-            </a:r>
-          </a:p>
-          <a:p>
-            <a:pPr algn="ctr"/>
-            <a:r>
-              <a:rPr lang="en-US" sz="2400" dirty="0" smtClean="0"/>
-              <a:t> Application Server</a:t>
-            </a:r>
-            <a:endParaRPr lang="en-US" sz="2400" dirty="0"/>
-          </a:p>
-        </p:txBody>
-      </p:sp>
-    </p:spTree>
-    <p:extLst>
-      <p:ext uri="{BB962C8B-B14F-4D97-AF65-F5344CB8AC3E}">
-        <p14:creationId xmlns:p14="http://schemas.microsoft.com/office/powerpoint/2010/main" xmlns="" val="1611381086"/>
-      </p:ext>
-    </p:extLst>
-  </p:cSld>
-  <p:clrMapOvr>
-    <a:masterClrMapping/>
-  </p:clrMapOvr>
-</p:sld>
-</file>
-
-<file path=ppt/slides/slide7.xml><?xml version="1.0" encoding="utf-8"?>
-<p:sld xmlns:a="http://schemas.openxmlformats.org/drawingml/2006/main" xmlns:r="http://schemas.openxmlformats.org/officeDocument/2006/relationships" xmlns:p="http://schemas.openxmlformats.org/presentationml/2006/main">
-  <p:cSld>
-    <p:spTree>
-      <p:nvGrpSpPr>
-        <p:cNvPr id="1" name=""/>
-        <p:cNvGrpSpPr/>
-        <p:nvPr/>
-      </p:nvGrpSpPr>
-      <p:grpSpPr>
-        <a:xfrm>
-          <a:off x="0" y="0"/>
-          <a:ext cx="0" cy="0"/>
-          <a:chOff x="0" y="0"/>
-          <a:chExt cx="0" cy="0"/>
-        </a:xfrm>
-      </p:grpSpPr>
-      <p:pic>
-        <p:nvPicPr>
-          <p:cNvPr id="9" name="Picture 8"/>
-          <p:cNvPicPr>
-            <a:picLocks noChangeAspect="1"/>
-          </p:cNvPicPr>
-          <p:nvPr/>
-        </p:nvPicPr>
-        <p:blipFill>
-          <a:blip r:embed="rId2">
-            <a:extLst>
-              <a:ext uri="{28A0092B-C50C-407E-A947-70E740481C1C}">
-                <a14:useLocalDpi xmlns:a14="http://schemas.microsoft.com/office/drawing/2010/main" xmlns="" val="0"/>
-              </a:ext>
-            </a:extLst>
-          </a:blip>
-          <a:stretch>
-            <a:fillRect/>
-          </a:stretch>
-        </p:blipFill>
-        <p:spPr>
-          <a:xfrm>
-            <a:off x="744038" y="2116140"/>
-            <a:ext cx="1780491" cy="2698128"/>
-          </a:xfrm>
-          <a:prstGeom prst="rect">
-            <a:avLst/>
-          </a:prstGeom>
-        </p:spPr>
-      </p:pic>
-      <p:sp>
-        <p:nvSpPr>
-          <p:cNvPr id="40" name="Rectangle 39"/>
-          <p:cNvSpPr/>
-          <p:nvPr/>
-        </p:nvSpPr>
-        <p:spPr>
-          <a:xfrm>
-            <a:off x="4437529" y="1442189"/>
-            <a:ext cx="7274859" cy="4155142"/>
-          </a:xfrm>
-          <a:prstGeom prst="rect">
-            <a:avLst/>
-          </a:prstGeom>
-          <a:noFill/>
-          <a:ln w="63500">
-            <a:prstDash val="sysDash"/>
-          </a:ln>
-          <a:effectLst/>
-        </p:spPr>
-        <p:style>
-          <a:lnRef idx="2">
-            <a:schemeClr val="accent1">
-              <a:shade val="50000"/>
-            </a:schemeClr>
-          </a:lnRef>
-          <a:fillRef idx="1">
-            <a:schemeClr val="accent1"/>
-          </a:fillRef>
-          <a:effectRef idx="0">
-            <a:schemeClr val="accent1"/>
-          </a:effectRef>
-          <a:fontRef idx="minor">
-            <a:schemeClr val="lt1"/>
-          </a:fontRef>
-        </p:style>
-        <p:txBody>
-          <a:bodyPr rtlCol="0" anchor="ctr"/>
-          <a:lstStyle/>
-          <a:p>
-            <a:pPr algn="ctr"/>
-            <a:endParaRPr lang="en-US"/>
-          </a:p>
-        </p:txBody>
-      </p:sp>
-      <p:cxnSp>
-        <p:nvCxnSpPr>
-          <p:cNvPr id="42" name="Straight Connector 41"/>
-          <p:cNvCxnSpPr/>
-          <p:nvPr/>
-        </p:nvCxnSpPr>
-        <p:spPr>
-          <a:xfrm>
-            <a:off x="8089025" y="1442189"/>
-            <a:ext cx="0" cy="4155142"/>
-          </a:xfrm>
-          <a:prstGeom prst="line">
-            <a:avLst/>
-          </a:prstGeom>
-          <a:ln w="63500">
-            <a:prstDash val="sysDash"/>
-          </a:ln>
-        </p:spPr>
-        <p:style>
-          <a:lnRef idx="1">
-            <a:schemeClr val="accent1"/>
-          </a:lnRef>
-          <a:fillRef idx="0">
-            <a:schemeClr val="accent1"/>
-          </a:fillRef>
-          <a:effectRef idx="0">
-            <a:schemeClr val="accent1"/>
-          </a:effectRef>
-          <a:fontRef idx="minor">
-            <a:schemeClr val="tx1"/>
-          </a:fontRef>
-        </p:style>
-      </p:cxnSp>
-      <p:sp>
-        <p:nvSpPr>
-          <p:cNvPr id="44" name="TextBox 43"/>
-          <p:cNvSpPr txBox="1"/>
-          <p:nvPr/>
-        </p:nvSpPr>
-        <p:spPr>
-          <a:xfrm>
-            <a:off x="2613145" y="2149323"/>
-            <a:ext cx="1736532" cy="923330"/>
-          </a:xfrm>
-          <a:prstGeom prst="rect">
-            <a:avLst/>
-          </a:prstGeom>
-          <a:noFill/>
-        </p:spPr>
-        <p:txBody>
-          <a:bodyPr wrap="square" rtlCol="0">
-            <a:spAutoFit/>
-          </a:bodyPr>
-          <a:lstStyle/>
-          <a:p>
-            <a:r>
-              <a:rPr lang="en-US" dirty="0" smtClean="0"/>
-              <a:t>End user cancels booked appointment</a:t>
-            </a:r>
-            <a:endParaRPr lang="en-US" dirty="0"/>
-          </a:p>
-        </p:txBody>
-      </p:sp>
-      <p:cxnSp>
-        <p:nvCxnSpPr>
-          <p:cNvPr id="3" name="Straight Arrow Connector 2"/>
-          <p:cNvCxnSpPr/>
-          <p:nvPr/>
-        </p:nvCxnSpPr>
-        <p:spPr>
-          <a:xfrm>
-            <a:off x="2576106" y="3242025"/>
-            <a:ext cx="1861423" cy="0"/>
-          </a:xfrm>
-          <a:prstGeom prst="straightConnector1">
-            <a:avLst/>
-          </a:prstGeom>
-          <a:ln w="63500">
-            <a:tailEnd type="triangle"/>
-          </a:ln>
-        </p:spPr>
-        <p:style>
-          <a:lnRef idx="1">
-            <a:schemeClr val="accent1"/>
-          </a:lnRef>
-          <a:fillRef idx="0">
-            <a:schemeClr val="accent1"/>
-          </a:fillRef>
-          <a:effectRef idx="0">
-            <a:schemeClr val="accent1"/>
-          </a:effectRef>
-          <a:fontRef idx="minor">
-            <a:schemeClr val="tx1"/>
-          </a:fontRef>
-        </p:style>
-      </p:cxnSp>
-      <p:sp>
-        <p:nvSpPr>
-          <p:cNvPr id="4" name="TextBox 3"/>
-          <p:cNvSpPr txBox="1"/>
-          <p:nvPr/>
-        </p:nvSpPr>
-        <p:spPr>
-          <a:xfrm>
-            <a:off x="7094456" y="2388098"/>
-            <a:ext cx="2044849" cy="646331"/>
-          </a:xfrm>
-          <a:prstGeom prst="rect">
-            <a:avLst/>
-          </a:prstGeom>
-          <a:solidFill>
-            <a:schemeClr val="bg1"/>
-          </a:solidFill>
-          <a:effectLst/>
-        </p:spPr>
-        <p:txBody>
-          <a:bodyPr wrap="square" rtlCol="0">
-            <a:spAutoFit/>
-          </a:bodyPr>
-          <a:lstStyle/>
-          <a:p>
-            <a:r>
-              <a:rPr lang="en-US" smtClean="0"/>
-              <a:t>Cancels </a:t>
-            </a:r>
-            <a:r>
-              <a:rPr lang="en-US" dirty="0" smtClean="0"/>
-              <a:t>Appointment</a:t>
-            </a:r>
-            <a:endParaRPr lang="en-US" dirty="0"/>
-          </a:p>
-        </p:txBody>
-      </p:sp>
-      <p:sp>
-        <p:nvSpPr>
-          <p:cNvPr id="21" name="TextBox 20"/>
-          <p:cNvSpPr txBox="1"/>
-          <p:nvPr/>
-        </p:nvSpPr>
-        <p:spPr>
-          <a:xfrm>
-            <a:off x="7102949" y="3888037"/>
-            <a:ext cx="1976828" cy="923330"/>
-          </a:xfrm>
-          <a:prstGeom prst="rect">
-            <a:avLst/>
-          </a:prstGeom>
-          <a:solidFill>
-            <a:schemeClr val="bg1"/>
-          </a:solidFill>
-          <a:effectLst/>
-        </p:spPr>
-        <p:txBody>
-          <a:bodyPr wrap="square" rtlCol="0">
-            <a:spAutoFit/>
-          </a:bodyPr>
-          <a:lstStyle/>
-          <a:p>
-            <a:r>
-              <a:rPr lang="en-US" dirty="0" smtClean="0"/>
-              <a:t>Returns </a:t>
-            </a:r>
-          </a:p>
-          <a:p>
-            <a:r>
-              <a:rPr lang="en-US" dirty="0" smtClean="0"/>
-              <a:t>Confirmation of Cancellation</a:t>
-            </a:r>
-            <a:endParaRPr lang="en-US" dirty="0"/>
-          </a:p>
-        </p:txBody>
-      </p:sp>
-      <p:cxnSp>
-        <p:nvCxnSpPr>
-          <p:cNvPr id="22" name="Straight Arrow Connector 21"/>
-          <p:cNvCxnSpPr/>
-          <p:nvPr/>
-        </p:nvCxnSpPr>
-        <p:spPr>
-          <a:xfrm>
-            <a:off x="7186170" y="3053895"/>
-            <a:ext cx="1861423" cy="0"/>
-          </a:xfrm>
-          <a:prstGeom prst="straightConnector1">
-            <a:avLst/>
-          </a:prstGeom>
-          <a:ln w="63500">
-            <a:tailEnd type="triangle"/>
-          </a:ln>
-        </p:spPr>
-        <p:style>
-          <a:lnRef idx="1">
-            <a:schemeClr val="accent1"/>
-          </a:lnRef>
-          <a:fillRef idx="0">
-            <a:schemeClr val="accent1"/>
-          </a:fillRef>
-          <a:effectRef idx="0">
-            <a:schemeClr val="accent1"/>
-          </a:effectRef>
-          <a:fontRef idx="minor">
-            <a:schemeClr val="tx1"/>
-          </a:fontRef>
-        </p:style>
-      </p:cxnSp>
-      <p:cxnSp>
-        <p:nvCxnSpPr>
-          <p:cNvPr id="23" name="Straight Arrow Connector 22"/>
-          <p:cNvCxnSpPr/>
-          <p:nvPr/>
-        </p:nvCxnSpPr>
-        <p:spPr>
-          <a:xfrm>
-            <a:off x="7120245" y="3323527"/>
-            <a:ext cx="1861423" cy="0"/>
-          </a:xfrm>
-          <a:prstGeom prst="straightConnector1">
-            <a:avLst/>
-          </a:prstGeom>
-          <a:ln w="63500">
-            <a:headEnd type="triangle"/>
-            <a:tailEnd type="none"/>
-          </a:ln>
-        </p:spPr>
-        <p:style>
-          <a:lnRef idx="1">
-            <a:schemeClr val="accent1"/>
-          </a:lnRef>
-          <a:fillRef idx="0">
-            <a:schemeClr val="accent1"/>
-          </a:fillRef>
-          <a:effectRef idx="0">
-            <a:schemeClr val="accent1"/>
-          </a:effectRef>
-          <a:fontRef idx="minor">
-            <a:schemeClr val="tx1"/>
-          </a:fontRef>
-        </p:style>
-      </p:cxnSp>
-      <p:cxnSp>
-        <p:nvCxnSpPr>
-          <p:cNvPr id="24" name="Straight Arrow Connector 23"/>
-          <p:cNvCxnSpPr/>
-          <p:nvPr/>
-        </p:nvCxnSpPr>
-        <p:spPr>
-          <a:xfrm>
-            <a:off x="2524529" y="3635452"/>
-            <a:ext cx="1861423" cy="0"/>
-          </a:xfrm>
-          <a:prstGeom prst="straightConnector1">
-            <a:avLst/>
-          </a:prstGeom>
-          <a:ln w="63500">
-            <a:headEnd type="triangle"/>
-            <a:tailEnd type="none"/>
-          </a:ln>
-        </p:spPr>
-        <p:style>
-          <a:lnRef idx="1">
-            <a:schemeClr val="accent1"/>
-          </a:lnRef>
-          <a:fillRef idx="0">
-            <a:schemeClr val="accent1"/>
-          </a:fillRef>
-          <a:effectRef idx="0">
-            <a:schemeClr val="accent1"/>
-          </a:effectRef>
-          <a:fontRef idx="minor">
-            <a:schemeClr val="tx1"/>
-          </a:fontRef>
-        </p:style>
-      </p:cxnSp>
-      <p:sp>
-        <p:nvSpPr>
-          <p:cNvPr id="25" name="TextBox 24"/>
-          <p:cNvSpPr txBox="1"/>
-          <p:nvPr/>
-        </p:nvSpPr>
-        <p:spPr>
-          <a:xfrm>
-            <a:off x="2622977" y="3808074"/>
-            <a:ext cx="1736532" cy="646331"/>
-          </a:xfrm>
-          <a:prstGeom prst="rect">
-            <a:avLst/>
-          </a:prstGeom>
-          <a:noFill/>
-        </p:spPr>
-        <p:txBody>
-          <a:bodyPr wrap="square" rtlCol="0">
-            <a:spAutoFit/>
-          </a:bodyPr>
-          <a:lstStyle/>
-          <a:p>
-            <a:r>
-              <a:rPr lang="en-US" dirty="0" smtClean="0"/>
-              <a:t>Confirms cancellation</a:t>
-            </a:r>
-            <a:endParaRPr lang="en-US" dirty="0"/>
-          </a:p>
-        </p:txBody>
-      </p:sp>
-      <p:sp>
-        <p:nvSpPr>
-          <p:cNvPr id="5" name="TextBox 4"/>
-          <p:cNvSpPr txBox="1"/>
-          <p:nvPr/>
-        </p:nvSpPr>
-        <p:spPr>
-          <a:xfrm>
-            <a:off x="2661370" y="1760340"/>
-            <a:ext cx="554738" cy="307777"/>
-          </a:xfrm>
-          <a:prstGeom prst="rect">
-            <a:avLst/>
-          </a:prstGeom>
-          <a:noFill/>
-          <a:ln w="25400">
-            <a:solidFill>
-              <a:schemeClr val="accent1">
-                <a:shade val="50000"/>
-              </a:schemeClr>
-            </a:solidFill>
-          </a:ln>
-        </p:spPr>
-        <p:txBody>
-          <a:bodyPr wrap="square" rtlCol="0">
-            <a:spAutoFit/>
-          </a:bodyPr>
-          <a:lstStyle/>
-          <a:p>
-            <a:pPr algn="ctr"/>
-            <a:r>
-              <a:rPr lang="en-US" sz="1400" dirty="0" smtClean="0"/>
-              <a:t>12c</a:t>
-            </a:r>
-            <a:endParaRPr lang="en-US" sz="1400" dirty="0"/>
-          </a:p>
-        </p:txBody>
-      </p:sp>
-      <p:sp>
-        <p:nvSpPr>
-          <p:cNvPr id="8" name="Can 7"/>
-          <p:cNvSpPr/>
-          <p:nvPr/>
-        </p:nvSpPr>
-        <p:spPr>
-          <a:xfrm>
-            <a:off x="9098280" y="2228624"/>
-            <a:ext cx="2380957" cy="2258969"/>
-          </a:xfrm>
-          <a:prstGeom prst="can">
-            <a:avLst/>
-          </a:prstGeom>
-        </p:spPr>
-        <p:style>
-          <a:lnRef idx="2">
-            <a:schemeClr val="accent1">
-              <a:shade val="50000"/>
-            </a:schemeClr>
-          </a:lnRef>
-          <a:fillRef idx="1">
-            <a:schemeClr val="accent1"/>
-          </a:fillRef>
-          <a:effectRef idx="0">
-            <a:schemeClr val="accent1"/>
-          </a:effectRef>
-          <a:fontRef idx="minor">
-            <a:schemeClr val="lt1"/>
-          </a:fontRef>
-        </p:style>
-        <p:txBody>
-          <a:bodyPr rtlCol="0" anchor="ctr"/>
-          <a:lstStyle/>
-          <a:p>
-            <a:pPr algn="ctr"/>
-            <a:r>
-              <a:rPr lang="en-US" sz="2400" dirty="0" smtClean="0"/>
-              <a:t>EHR</a:t>
-            </a:r>
-          </a:p>
-          <a:p>
-            <a:pPr algn="ctr"/>
-            <a:r>
-              <a:rPr lang="en-US" sz="2400" dirty="0" smtClean="0"/>
-              <a:t> FHIR Server</a:t>
-            </a:r>
-            <a:endParaRPr lang="en-US" sz="2400" dirty="0"/>
-          </a:p>
-        </p:txBody>
-      </p:sp>
-      <p:sp>
-        <p:nvSpPr>
-          <p:cNvPr id="11" name="Can 10"/>
-          <p:cNvSpPr/>
-          <p:nvPr/>
-        </p:nvSpPr>
-        <p:spPr>
-          <a:xfrm>
-            <a:off x="4568612" y="2228624"/>
-            <a:ext cx="2484820" cy="2258969"/>
-          </a:xfrm>
-          <a:prstGeom prst="can">
-            <a:avLst/>
-          </a:prstGeom>
-        </p:spPr>
-        <p:style>
-          <a:lnRef idx="2">
-            <a:schemeClr val="accent1">
-              <a:shade val="50000"/>
-            </a:schemeClr>
-          </a:lnRef>
-          <a:fillRef idx="1">
-            <a:schemeClr val="accent1"/>
-          </a:fillRef>
-          <a:effectRef idx="0">
-            <a:schemeClr val="accent1"/>
-          </a:effectRef>
-          <a:fontRef idx="minor">
-            <a:schemeClr val="lt1"/>
-          </a:fontRef>
-        </p:style>
-        <p:txBody>
-          <a:bodyPr rtlCol="0" anchor="ctr"/>
-          <a:lstStyle/>
-          <a:p>
-            <a:pPr algn="ctr"/>
-            <a:r>
-              <a:rPr lang="en-US" sz="2400" dirty="0" smtClean="0"/>
-              <a:t>Client</a:t>
-            </a:r>
-          </a:p>
-          <a:p>
-            <a:pPr algn="ctr"/>
-            <a:r>
-              <a:rPr lang="en-US" sz="2400" dirty="0" smtClean="0"/>
-              <a:t> Application Server</a:t>
-            </a:r>
-            <a:endParaRPr lang="en-US" sz="2400" dirty="0"/>
-          </a:p>
-        </p:txBody>
-      </p:sp>
-      <p:sp>
-        <p:nvSpPr>
-          <p:cNvPr id="20" name="TextBox 19"/>
-          <p:cNvSpPr txBox="1"/>
-          <p:nvPr/>
-        </p:nvSpPr>
-        <p:spPr>
-          <a:xfrm>
-            <a:off x="7397350" y="3605389"/>
-            <a:ext cx="554738" cy="307777"/>
-          </a:xfrm>
-          <a:prstGeom prst="rect">
-            <a:avLst/>
-          </a:prstGeom>
-          <a:noFill/>
-          <a:ln w="25400">
-            <a:solidFill>
-              <a:schemeClr val="accent1">
-                <a:shade val="50000"/>
-              </a:schemeClr>
-            </a:solidFill>
-          </a:ln>
-        </p:spPr>
-        <p:txBody>
-          <a:bodyPr wrap="square" rtlCol="0">
-            <a:spAutoFit/>
-          </a:bodyPr>
-          <a:lstStyle/>
-          <a:p>
-            <a:pPr algn="ctr"/>
-            <a:r>
-              <a:rPr lang="en-US" sz="1400" dirty="0" smtClean="0"/>
-              <a:t>14c</a:t>
-            </a:r>
-            <a:endParaRPr lang="en-US" sz="1400" dirty="0"/>
-          </a:p>
-        </p:txBody>
-      </p:sp>
-      <p:sp>
-        <p:nvSpPr>
-          <p:cNvPr id="30" name="TextBox 29"/>
-          <p:cNvSpPr txBox="1"/>
-          <p:nvPr/>
-        </p:nvSpPr>
-        <p:spPr>
-          <a:xfrm>
-            <a:off x="8316284" y="2269115"/>
-            <a:ext cx="554738" cy="307777"/>
-          </a:xfrm>
-          <a:prstGeom prst="rect">
-            <a:avLst/>
-          </a:prstGeom>
-          <a:noFill/>
-          <a:ln w="25400">
-            <a:solidFill>
-              <a:schemeClr val="accent1">
-                <a:shade val="50000"/>
-              </a:schemeClr>
-            </a:solidFill>
-          </a:ln>
-        </p:spPr>
-        <p:txBody>
-          <a:bodyPr wrap="square" rtlCol="0">
-            <a:spAutoFit/>
-          </a:bodyPr>
-          <a:lstStyle/>
-          <a:p>
-            <a:pPr algn="ctr"/>
-            <a:r>
-              <a:rPr lang="en-US" sz="1400" dirty="0" smtClean="0"/>
-              <a:t>13c</a:t>
-            </a:r>
-            <a:endParaRPr lang="en-US" sz="1400" dirty="0"/>
-          </a:p>
-        </p:txBody>
-      </p:sp>
-      <p:sp>
-        <p:nvSpPr>
-          <p:cNvPr id="31" name="TextBox 30"/>
-          <p:cNvSpPr txBox="1"/>
-          <p:nvPr/>
-        </p:nvSpPr>
-        <p:spPr>
-          <a:xfrm>
-            <a:off x="3643978" y="3889033"/>
-            <a:ext cx="554738" cy="307777"/>
-          </a:xfrm>
-          <a:prstGeom prst="rect">
-            <a:avLst/>
-          </a:prstGeom>
-          <a:noFill/>
-          <a:ln w="25400">
-            <a:solidFill>
-              <a:schemeClr val="accent1">
-                <a:shade val="50000"/>
-              </a:schemeClr>
-            </a:solidFill>
-          </a:ln>
-        </p:spPr>
-        <p:txBody>
-          <a:bodyPr wrap="square" rtlCol="0">
-            <a:spAutoFit/>
-          </a:bodyPr>
-          <a:lstStyle/>
-          <a:p>
-            <a:pPr algn="ctr"/>
-            <a:r>
-              <a:rPr lang="en-US" sz="1400" dirty="0" smtClean="0"/>
-              <a:t>15c</a:t>
-            </a:r>
-            <a:endParaRPr lang="en-US" sz="1400" dirty="0"/>
-          </a:p>
-        </p:txBody>
-      </p:sp>
-    </p:spTree>
-    <p:extLst>
-      <p:ext uri="{BB962C8B-B14F-4D97-AF65-F5344CB8AC3E}">
-        <p14:creationId xmlns:p14="http://schemas.microsoft.com/office/powerpoint/2010/main" xmlns="" val="85523241"/>
-      </p:ext>
-    </p:extLst>
-  </p:cSld>
-  <p:clrMapOvr>
-    <a:masterClrMapping/>
-  </p:clrMapOvr>
-</p:sld>
-</file>
-
-<file path=ppt/slides/slide8.xml><?xml version="1.0" encoding="utf-8"?>
-<p:sld xmlns:a="http://schemas.openxmlformats.org/drawingml/2006/main" xmlns:r="http://schemas.openxmlformats.org/officeDocument/2006/relationships" xmlns:p="http://schemas.openxmlformats.org/presentationml/2006/main">
-  <p:cSld>
-    <p:spTree>
-      <p:nvGrpSpPr>
-        <p:cNvPr id="1" name=""/>
-        <p:cNvGrpSpPr/>
-        <p:nvPr/>
-      </p:nvGrpSpPr>
-      <p:grpSpPr>
-        <a:xfrm>
-          <a:off x="0" y="0"/>
-          <a:ext cx="0" cy="0"/>
-          <a:chOff x="0" y="0"/>
-          <a:chExt cx="0" cy="0"/>
-        </a:xfrm>
-      </p:grpSpPr>
-      <p:sp>
-        <p:nvSpPr>
-          <p:cNvPr id="11" name="Can 10"/>
-          <p:cNvSpPr/>
-          <p:nvPr/>
-        </p:nvSpPr>
-        <p:spPr>
-          <a:xfrm>
-            <a:off x="3883299" y="2390275"/>
-            <a:ext cx="2484820" cy="2258969"/>
-          </a:xfrm>
-          <a:prstGeom prst="can">
-            <a:avLst/>
-          </a:prstGeom>
-        </p:spPr>
-        <p:style>
-          <a:lnRef idx="2">
-            <a:schemeClr val="accent1">
-              <a:shade val="50000"/>
-            </a:schemeClr>
-          </a:lnRef>
-          <a:fillRef idx="1">
-            <a:schemeClr val="accent1"/>
-          </a:fillRef>
-          <a:effectRef idx="0">
-            <a:schemeClr val="accent1"/>
-          </a:effectRef>
-          <a:fontRef idx="minor">
-            <a:schemeClr val="lt1"/>
-          </a:fontRef>
-        </p:style>
-        <p:txBody>
-          <a:bodyPr rtlCol="0" anchor="ctr"/>
-          <a:lstStyle/>
-          <a:p>
-            <a:pPr algn="ctr"/>
-            <a:r>
-              <a:rPr lang="en-US" sz="2400" dirty="0" smtClean="0"/>
-              <a:t>Client</a:t>
-            </a:r>
-          </a:p>
-          <a:p>
-            <a:pPr algn="ctr"/>
-            <a:r>
-              <a:rPr lang="en-US" sz="2400" dirty="0" smtClean="0"/>
-              <a:t>(</a:t>
-            </a:r>
-            <a:r>
-              <a:rPr lang="en-US" sz="2400" dirty="0" smtClean="0"/>
-              <a:t>Scheduling </a:t>
-            </a:r>
-            <a:r>
-              <a:rPr lang="en-US" sz="2400" dirty="0" smtClean="0"/>
-              <a:t>Application)</a:t>
+              <a:t>(Scheduling Application)</a:t>
             </a:r>
             <a:endParaRPr lang="en-US" sz="2400" dirty="0"/>
           </a:p>
@@ -7998,10 +5088,10 @@
         </p:nvGrpSpPr>
         <p:grpSpPr>
           <a:xfrm>
-            <a:off x="6368119" y="2847448"/>
-            <a:ext cx="2929455" cy="941944"/>
-            <a:chOff x="3858207" y="2205609"/>
-            <a:chExt cx="4595305" cy="941944"/>
+            <a:off x="6368119" y="2498690"/>
+            <a:ext cx="2929455" cy="1290702"/>
+            <a:chOff x="3858207" y="1856851"/>
+            <a:chExt cx="4595305" cy="1290702"/>
           </a:xfrm>
         </p:grpSpPr>
         <p:cxnSp>
@@ -8045,8 +5135,8 @@
           </p:nvSpPr>
           <p:spPr>
             <a:xfrm>
-              <a:off x="4931870" y="2205609"/>
-              <a:ext cx="3521642" cy="369332"/>
+              <a:off x="4853279" y="1856851"/>
+              <a:ext cx="3521642" cy="923330"/>
             </a:xfrm>
             <a:prstGeom prst="rect">
               <a:avLst/>
@@ -8064,7 +5154,360 @@
             <a:p>
               <a:r>
                 <a:rPr lang="en-US" dirty="0" smtClean="0"/>
-                <a:t>Appointment $find</a:t>
+                <a:t>Fetch “initial load” of open Slots* for Service(s)</a:t>
+              </a:r>
+              <a:endParaRPr lang="en-US" dirty="0"/>
+            </a:p>
+          </p:txBody>
+        </p:sp>
+        <p:cxnSp>
+          <p:nvCxnSpPr>
+            <p:cNvPr id="23" name="Straight Arrow Connector 22"/>
+            <p:cNvCxnSpPr/>
+            <p:nvPr/>
+          </p:nvCxnSpPr>
+          <p:spPr>
+            <a:xfrm>
+              <a:off x="3858207" y="3147553"/>
+              <a:ext cx="4438123" cy="0"/>
+            </a:xfrm>
+            <a:prstGeom prst="straightConnector1">
+              <a:avLst/>
+            </a:prstGeom>
+            <a:ln w="63500">
+              <a:headEnd type="triangle"/>
+              <a:tailEnd type="none"/>
+            </a:ln>
+          </p:spPr>
+          <p:style>
+            <a:lnRef idx="1">
+              <a:schemeClr val="accent1"/>
+            </a:lnRef>
+            <a:fillRef idx="0">
+              <a:schemeClr val="accent1"/>
+            </a:fillRef>
+            <a:effectRef idx="0">
+              <a:schemeClr val="accent1"/>
+            </a:effectRef>
+            <a:fontRef idx="minor">
+              <a:schemeClr val="tx1"/>
+            </a:fontRef>
+          </p:style>
+        </p:cxnSp>
+        <p:sp>
+          <p:nvSpPr>
+            <p:cNvPr id="29" name="TextBox 28"/>
+            <p:cNvSpPr txBox="1"/>
+            <p:nvPr/>
+          </p:nvSpPr>
+          <p:spPr>
+            <a:xfrm>
+              <a:off x="4160992" y="2205609"/>
+              <a:ext cx="415618" cy="369332"/>
+            </a:xfrm>
+            <a:prstGeom prst="rect">
+              <a:avLst/>
+            </a:prstGeom>
+            <a:noFill/>
+            <a:ln w="25400">
+              <a:solidFill>
+                <a:schemeClr val="accent1">
+                  <a:shade val="50000"/>
+                </a:schemeClr>
+              </a:solidFill>
+            </a:ln>
+          </p:spPr>
+          <p:txBody>
+            <a:bodyPr wrap="square" rtlCol="0">
+              <a:spAutoFit/>
+            </a:bodyPr>
+            <a:lstStyle/>
+            <a:p>
+              <a:pPr algn="ctr"/>
+              <a:r>
+                <a:rPr lang="en-US" dirty="0"/>
+                <a:t>B</a:t>
+              </a:r>
+            </a:p>
+          </p:txBody>
+        </p:sp>
+      </p:grpSp>
+      <p:sp>
+        <p:nvSpPr>
+          <p:cNvPr id="8" name="Can 7"/>
+          <p:cNvSpPr/>
+          <p:nvPr/>
+        </p:nvSpPr>
+        <p:spPr>
+          <a:xfrm>
+            <a:off x="9297574" y="2359802"/>
+            <a:ext cx="2380957" cy="2258969"/>
+          </a:xfrm>
+          <a:prstGeom prst="can">
+            <a:avLst/>
+          </a:prstGeom>
+        </p:spPr>
+        <p:style>
+          <a:lnRef idx="2">
+            <a:schemeClr val="accent1">
+              <a:shade val="50000"/>
+            </a:schemeClr>
+          </a:lnRef>
+          <a:fillRef idx="1">
+            <a:schemeClr val="accent1"/>
+          </a:fillRef>
+          <a:effectRef idx="0">
+            <a:schemeClr val="accent1"/>
+          </a:effectRef>
+          <a:fontRef idx="minor">
+            <a:schemeClr val="lt1"/>
+          </a:fontRef>
+        </p:style>
+        <p:txBody>
+          <a:bodyPr rtlCol="0" anchor="ctr"/>
+          <a:lstStyle/>
+          <a:p>
+            <a:pPr algn="ctr"/>
+            <a:r>
+              <a:rPr lang="en-US" sz="2400" dirty="0" smtClean="0"/>
+              <a:t>FHIR Scheduler, (EHR)</a:t>
+            </a:r>
+            <a:endParaRPr lang="en-US" sz="2400" dirty="0"/>
+          </a:p>
+        </p:txBody>
+      </p:sp>
+      <p:sp>
+        <p:nvSpPr>
+          <p:cNvPr id="9" name="TextBox 8"/>
+          <p:cNvSpPr txBox="1"/>
+          <p:nvPr/>
+        </p:nvSpPr>
+        <p:spPr>
+          <a:xfrm>
+            <a:off x="3281082" y="731520"/>
+            <a:ext cx="4292302" cy="369332"/>
+          </a:xfrm>
+          <a:prstGeom prst="rect">
+            <a:avLst/>
+          </a:prstGeom>
+          <a:noFill/>
+        </p:spPr>
+        <p:txBody>
+          <a:bodyPr wrap="square" rtlCol="0">
+            <a:spAutoFit/>
+          </a:bodyPr>
+          <a:lstStyle/>
+          <a:p>
+            <a:r>
+              <a:rPr lang="en-US" dirty="0" smtClean="0"/>
+              <a:t>Pre-fetch Work Flow </a:t>
+            </a:r>
+            <a:r>
+              <a:rPr lang="mr-IN" dirty="0" smtClean="0"/>
+              <a:t>–</a:t>
+            </a:r>
+            <a:r>
+              <a:rPr lang="en-US" dirty="0" smtClean="0"/>
+              <a:t>Option B Initial Load</a:t>
+            </a:r>
+            <a:endParaRPr lang="en-US" dirty="0"/>
+          </a:p>
+        </p:txBody>
+      </p:sp>
+      <p:sp>
+        <p:nvSpPr>
+          <p:cNvPr id="2" name="TextBox 1"/>
+          <p:cNvSpPr txBox="1"/>
+          <p:nvPr/>
+        </p:nvSpPr>
+        <p:spPr>
+          <a:xfrm>
+            <a:off x="5125709" y="5120640"/>
+            <a:ext cx="3351317" cy="646331"/>
+          </a:xfrm>
+          <a:prstGeom prst="rect">
+            <a:avLst/>
+          </a:prstGeom>
+          <a:noFill/>
+        </p:spPr>
+        <p:txBody>
+          <a:bodyPr wrap="square" rtlCol="0">
+            <a:spAutoFit/>
+          </a:bodyPr>
+          <a:lstStyle/>
+          <a:p>
+            <a:r>
+              <a:rPr lang="en-US" dirty="0" smtClean="0"/>
+              <a:t>* Include Schedule, Practitioner, Location</a:t>
+            </a:r>
+            <a:endParaRPr lang="en-US" dirty="0"/>
+          </a:p>
+        </p:txBody>
+      </p:sp>
+    </p:spTree>
+    <p:extLst>
+      <p:ext uri="{BB962C8B-B14F-4D97-AF65-F5344CB8AC3E}">
+        <p14:creationId xmlns:p14="http://schemas.microsoft.com/office/powerpoint/2010/main" val="2124806576"/>
+      </p:ext>
+    </p:extLst>
+  </p:cSld>
+  <p:clrMapOvr>
+    <a:masterClrMapping/>
+  </p:clrMapOvr>
+</p:sld>
+</file>
+
+<file path=ppt/slides/slide12.xml><?xml version="1.0" encoding="utf-8"?>
+<p:sld xmlns:a="http://schemas.openxmlformats.org/drawingml/2006/main" xmlns:r="http://schemas.openxmlformats.org/officeDocument/2006/relationships" xmlns:p="http://schemas.openxmlformats.org/presentationml/2006/main">
+  <p:cSld>
+    <p:spTree>
+      <p:nvGrpSpPr>
+        <p:cNvPr id="1" name=""/>
+        <p:cNvGrpSpPr/>
+        <p:nvPr/>
+      </p:nvGrpSpPr>
+      <p:grpSpPr>
+        <a:xfrm>
+          <a:off x="0" y="0"/>
+          <a:ext cx="0" cy="0"/>
+          <a:chOff x="0" y="0"/>
+          <a:chExt cx="0" cy="0"/>
+        </a:xfrm>
+      </p:grpSpPr>
+      <p:sp>
+        <p:nvSpPr>
+          <p:cNvPr id="11" name="Can 10"/>
+          <p:cNvSpPr/>
+          <p:nvPr/>
+        </p:nvSpPr>
+        <p:spPr>
+          <a:xfrm>
+            <a:off x="3883299" y="2390275"/>
+            <a:ext cx="2484820" cy="2258969"/>
+          </a:xfrm>
+          <a:prstGeom prst="can">
+            <a:avLst/>
+          </a:prstGeom>
+        </p:spPr>
+        <p:style>
+          <a:lnRef idx="2">
+            <a:schemeClr val="accent1">
+              <a:shade val="50000"/>
+            </a:schemeClr>
+          </a:lnRef>
+          <a:fillRef idx="1">
+            <a:schemeClr val="accent1"/>
+          </a:fillRef>
+          <a:effectRef idx="0">
+            <a:schemeClr val="accent1"/>
+          </a:effectRef>
+          <a:fontRef idx="minor">
+            <a:schemeClr val="lt1"/>
+          </a:fontRef>
+        </p:style>
+        <p:txBody>
+          <a:bodyPr rtlCol="0" anchor="ctr"/>
+          <a:lstStyle/>
+          <a:p>
+            <a:pPr algn="ctr"/>
+            <a:r>
+              <a:rPr lang="en-US" sz="2400" dirty="0" smtClean="0"/>
+              <a:t>Client</a:t>
+            </a:r>
+          </a:p>
+          <a:p>
+            <a:pPr algn="ctr"/>
+            <a:r>
+              <a:rPr lang="en-US" sz="2400" dirty="0" smtClean="0"/>
+              <a:t>(Scheduling Application)</a:t>
+            </a:r>
+            <a:endParaRPr lang="en-US" sz="2400" dirty="0"/>
+          </a:p>
+        </p:txBody>
+      </p:sp>
+      <p:grpSp>
+        <p:nvGrpSpPr>
+          <p:cNvPr id="15" name="Group 14"/>
+          <p:cNvGrpSpPr/>
+          <p:nvPr/>
+        </p:nvGrpSpPr>
+        <p:grpSpPr>
+          <a:xfrm>
+            <a:off x="6368119" y="2498690"/>
+            <a:ext cx="2929455" cy="1290702"/>
+            <a:chOff x="3858207" y="1856851"/>
+            <a:chExt cx="4595305" cy="1290702"/>
+          </a:xfrm>
+        </p:grpSpPr>
+        <p:cxnSp>
+          <p:nvCxnSpPr>
+            <p:cNvPr id="22" name="Straight Arrow Connector 21"/>
+            <p:cNvCxnSpPr/>
+            <p:nvPr/>
+          </p:nvCxnSpPr>
+          <p:spPr>
+            <a:xfrm>
+              <a:off x="4015389" y="2877921"/>
+              <a:ext cx="4438123" cy="0"/>
+            </a:xfrm>
+            <a:prstGeom prst="straightConnector1">
+              <a:avLst/>
+            </a:prstGeom>
+            <a:ln w="63500">
+              <a:tailEnd type="triangle"/>
+            </a:ln>
+          </p:spPr>
+          <p:style>
+            <a:lnRef idx="1">
+              <a:schemeClr val="accent1"/>
+            </a:lnRef>
+            <a:fillRef idx="0">
+              <a:schemeClr val="accent1"/>
+            </a:fillRef>
+            <a:effectRef idx="0">
+              <a:schemeClr val="accent1"/>
+            </a:effectRef>
+            <a:fontRef idx="minor">
+              <a:schemeClr val="tx1"/>
+            </a:fontRef>
+          </p:style>
+        </p:cxnSp>
+        <p:sp>
+          <p:nvSpPr>
+            <p:cNvPr id="4" name="TextBox 3"/>
+            <p:cNvSpPr txBox="1"/>
+            <p:nvPr/>
+          </p:nvSpPr>
+          <p:spPr>
+            <a:xfrm>
+              <a:off x="4853279" y="1856851"/>
+              <a:ext cx="3521642" cy="923330"/>
+            </a:xfrm>
+            <a:prstGeom prst="rect">
+              <a:avLst/>
+            </a:prstGeom>
+            <a:solidFill>
+              <a:schemeClr val="bg1"/>
+            </a:solidFill>
+            <a:effectLst/>
+          </p:spPr>
+          <p:txBody>
+            <a:bodyPr wrap="square" rtlCol="0">
+              <a:spAutoFit/>
+            </a:bodyPr>
+            <a:lstStyle/>
+            <a:p>
+              <a:r>
+                <a:rPr lang="en-US" dirty="0" smtClean="0"/>
+                <a:t>Fetch </a:t>
+              </a:r>
+              <a:r>
+                <a:rPr lang="en-US" i="1" dirty="0" smtClean="0"/>
+                <a:t>all</a:t>
+              </a:r>
+              <a:r>
+                <a:rPr lang="en-US" dirty="0" smtClean="0"/>
+                <a:t> Slots* for Service(s) updated since last fetch</a:t>
               </a:r>
               <a:endParaRPr lang="en-US" dirty="0"/>
             </a:p>
@@ -8136,7 +5579,7 @@
               <a:pPr algn="ctr"/>
               <a:r>
                 <a:rPr lang="en-US" dirty="0" smtClean="0"/>
-                <a:t>1</a:t>
+                <a:t>C</a:t>
               </a:r>
               <a:endParaRPr lang="en-US" dirty="0"/>
             </a:p>
@@ -8187,10 +5630,86 @@
           </a:p>
         </p:txBody>
       </p:sp>
+      <p:sp>
+        <p:nvSpPr>
+          <p:cNvPr id="9" name="TextBox 8"/>
+          <p:cNvSpPr txBox="1"/>
+          <p:nvPr/>
+        </p:nvSpPr>
+        <p:spPr>
+          <a:xfrm>
+            <a:off x="3281082" y="731520"/>
+            <a:ext cx="4292302" cy="646331"/>
+          </a:xfrm>
+          <a:prstGeom prst="rect">
+            <a:avLst/>
+          </a:prstGeom>
+          <a:noFill/>
+        </p:spPr>
+        <p:txBody>
+          <a:bodyPr wrap="square" rtlCol="0">
+            <a:spAutoFit/>
+          </a:bodyPr>
+          <a:lstStyle/>
+          <a:p>
+            <a:r>
+              <a:rPr lang="en-US" dirty="0" smtClean="0"/>
+              <a:t>Pre-fetch Work Flow Option B </a:t>
+            </a:r>
+            <a:r>
+              <a:rPr lang="mr-IN" dirty="0" smtClean="0"/>
+              <a:t>–</a:t>
+            </a:r>
+            <a:r>
+              <a:rPr lang="en-US" dirty="0" smtClean="0"/>
+              <a:t> Poll for updated slots</a:t>
+            </a:r>
+            <a:endParaRPr lang="en-US" dirty="0"/>
+          </a:p>
+        </p:txBody>
+      </p:sp>
+      <p:sp>
+        <p:nvSpPr>
+          <p:cNvPr id="2" name="TextBox 1"/>
+          <p:cNvSpPr txBox="1"/>
+          <p:nvPr/>
+        </p:nvSpPr>
+        <p:spPr>
+          <a:xfrm>
+            <a:off x="5125709" y="5120640"/>
+            <a:ext cx="3351317" cy="646331"/>
+          </a:xfrm>
+          <a:prstGeom prst="rect">
+            <a:avLst/>
+          </a:prstGeom>
+          <a:noFill/>
+        </p:spPr>
+        <p:txBody>
+          <a:bodyPr wrap="square" rtlCol="0">
+            <a:spAutoFit/>
+          </a:bodyPr>
+          <a:lstStyle/>
+          <a:p>
+            <a:r>
+              <a:rPr lang="en-US" dirty="0" smtClean="0"/>
+              <a:t>* </a:t>
+            </a:r>
+            <a:r>
+              <a:rPr lang="en-US" smtClean="0"/>
+              <a:t>Include Schedule, </a:t>
+            </a:r>
+            <a:r>
+              <a:rPr lang="en-US" dirty="0" smtClean="0"/>
+              <a:t>Practitioner, Location</a:t>
+            </a:r>
+            <a:endParaRPr lang="en-US" dirty="0"/>
+          </a:p>
+        </p:txBody>
+      </p:sp>
     </p:spTree>
     <p:extLst>
       <p:ext uri="{BB962C8B-B14F-4D97-AF65-F5344CB8AC3E}">
-        <p14:creationId xmlns:p14="http://schemas.microsoft.com/office/powerpoint/2010/main" xmlns="" val="702274131"/>
+        <p14:creationId xmlns:p14="http://schemas.microsoft.com/office/powerpoint/2010/main" val="411858556"/>
       </p:ext>
     </p:extLst>
   </p:cSld>
@@ -8200,7 +5719,7 @@
 </p:sld>
 </file>
 
-<file path=ppt/slides/slide9.xml><?xml version="1.0" encoding="utf-8"?>
+<file path=ppt/slides/slide13.xml><?xml version="1.0" encoding="utf-8"?>
 <p:sld xmlns:a="http://schemas.openxmlformats.org/drawingml/2006/main" xmlns:r="http://schemas.openxmlformats.org/officeDocument/2006/relationships" xmlns:p="http://schemas.openxmlformats.org/presentationml/2006/main">
   <p:cSld>
     <p:spTree>
@@ -8262,15 +5781,344 @@
             <a:pPr algn="ctr"/>
             <a:r>
               <a:rPr lang="en-US" sz="2400" dirty="0" smtClean="0"/>
-              <a:t>(</a:t>
-            </a:r>
+              <a:t>(Scheduling Application)</a:t>
+            </a:r>
+            <a:endParaRPr lang="en-US" sz="2400" dirty="0"/>
+          </a:p>
+        </p:txBody>
+      </p:sp>
+      <p:grpSp>
+        <p:nvGrpSpPr>
+          <p:cNvPr id="15" name="Group 14"/>
+          <p:cNvGrpSpPr/>
+          <p:nvPr/>
+        </p:nvGrpSpPr>
+        <p:grpSpPr>
+          <a:xfrm>
+            <a:off x="6368119" y="2498690"/>
+            <a:ext cx="2929455" cy="1290702"/>
+            <a:chOff x="3858207" y="1856851"/>
+            <a:chExt cx="4595305" cy="1290702"/>
+          </a:xfrm>
+        </p:grpSpPr>
+        <p:cxnSp>
+          <p:nvCxnSpPr>
+            <p:cNvPr id="22" name="Straight Arrow Connector 21"/>
+            <p:cNvCxnSpPr/>
+            <p:nvPr/>
+          </p:nvCxnSpPr>
+          <p:spPr>
+            <a:xfrm>
+              <a:off x="4015389" y="2877921"/>
+              <a:ext cx="4438123" cy="0"/>
+            </a:xfrm>
+            <a:prstGeom prst="straightConnector1">
+              <a:avLst/>
+            </a:prstGeom>
+            <a:ln w="63500">
+              <a:tailEnd type="triangle"/>
+            </a:ln>
+          </p:spPr>
+          <p:style>
+            <a:lnRef idx="1">
+              <a:schemeClr val="accent1"/>
+            </a:lnRef>
+            <a:fillRef idx="0">
+              <a:schemeClr val="accent1"/>
+            </a:fillRef>
+            <a:effectRef idx="0">
+              <a:schemeClr val="accent1"/>
+            </a:effectRef>
+            <a:fontRef idx="minor">
+              <a:schemeClr val="tx1"/>
+            </a:fontRef>
+          </p:style>
+        </p:cxnSp>
+        <p:sp>
+          <p:nvSpPr>
+            <p:cNvPr id="4" name="TextBox 3"/>
+            <p:cNvSpPr txBox="1"/>
+            <p:nvPr/>
+          </p:nvSpPr>
+          <p:spPr>
+            <a:xfrm>
+              <a:off x="4853279" y="1856851"/>
+              <a:ext cx="3521642" cy="923330"/>
+            </a:xfrm>
+            <a:prstGeom prst="rect">
+              <a:avLst/>
+            </a:prstGeom>
+            <a:solidFill>
+              <a:schemeClr val="bg1"/>
+            </a:solidFill>
+            <a:effectLst/>
+          </p:spPr>
+          <p:txBody>
+            <a:bodyPr wrap="square" rtlCol="0">
+              <a:spAutoFit/>
+            </a:bodyPr>
+            <a:lstStyle/>
+            <a:p>
+              <a:r>
+                <a:rPr lang="en-US" dirty="0" smtClean="0"/>
+                <a:t>Fetch “initial load” of open Slots* for Service(s)</a:t>
+              </a:r>
+              <a:endParaRPr lang="en-US" dirty="0"/>
+            </a:p>
+          </p:txBody>
+        </p:sp>
+        <p:cxnSp>
+          <p:nvCxnSpPr>
+            <p:cNvPr id="23" name="Straight Arrow Connector 22"/>
+            <p:cNvCxnSpPr/>
+            <p:nvPr/>
+          </p:nvCxnSpPr>
+          <p:spPr>
+            <a:xfrm>
+              <a:off x="3858207" y="3147553"/>
+              <a:ext cx="4438123" cy="0"/>
+            </a:xfrm>
+            <a:prstGeom prst="straightConnector1">
+              <a:avLst/>
+            </a:prstGeom>
+            <a:ln w="63500">
+              <a:headEnd type="triangle"/>
+              <a:tailEnd type="none"/>
+            </a:ln>
+          </p:spPr>
+          <p:style>
+            <a:lnRef idx="1">
+              <a:schemeClr val="accent1"/>
+            </a:lnRef>
+            <a:fillRef idx="0">
+              <a:schemeClr val="accent1"/>
+            </a:fillRef>
+            <a:effectRef idx="0">
+              <a:schemeClr val="accent1"/>
+            </a:effectRef>
+            <a:fontRef idx="minor">
+              <a:schemeClr val="tx1"/>
+            </a:fontRef>
+          </p:style>
+        </p:cxnSp>
+        <p:sp>
+          <p:nvSpPr>
+            <p:cNvPr id="29" name="TextBox 28"/>
+            <p:cNvSpPr txBox="1"/>
+            <p:nvPr/>
+          </p:nvSpPr>
+          <p:spPr>
+            <a:xfrm>
+              <a:off x="4160992" y="2205609"/>
+              <a:ext cx="415618" cy="369332"/>
+            </a:xfrm>
+            <a:prstGeom prst="rect">
+              <a:avLst/>
+            </a:prstGeom>
+            <a:noFill/>
+            <a:ln w="25400">
+              <a:solidFill>
+                <a:schemeClr val="accent1">
+                  <a:shade val="50000"/>
+                </a:schemeClr>
+              </a:solidFill>
+            </a:ln>
+          </p:spPr>
+          <p:txBody>
+            <a:bodyPr wrap="square" rtlCol="0">
+              <a:spAutoFit/>
+            </a:bodyPr>
+            <a:lstStyle/>
+            <a:p>
+              <a:pPr algn="ctr"/>
+              <a:r>
+                <a:rPr lang="en-US" dirty="0"/>
+                <a:t>B</a:t>
+              </a:r>
+            </a:p>
+          </p:txBody>
+        </p:sp>
+      </p:grpSp>
+      <p:sp>
+        <p:nvSpPr>
+          <p:cNvPr id="8" name="Can 7"/>
+          <p:cNvSpPr/>
+          <p:nvPr/>
+        </p:nvSpPr>
+        <p:spPr>
+          <a:xfrm>
+            <a:off x="9297574" y="2359802"/>
+            <a:ext cx="2380957" cy="2258969"/>
+          </a:xfrm>
+          <a:prstGeom prst="can">
+            <a:avLst/>
+          </a:prstGeom>
+        </p:spPr>
+        <p:style>
+          <a:lnRef idx="2">
+            <a:schemeClr val="accent1">
+              <a:shade val="50000"/>
+            </a:schemeClr>
+          </a:lnRef>
+          <a:fillRef idx="1">
+            <a:schemeClr val="accent1"/>
+          </a:fillRef>
+          <a:effectRef idx="0">
+            <a:schemeClr val="accent1"/>
+          </a:effectRef>
+          <a:fontRef idx="minor">
+            <a:schemeClr val="lt1"/>
+          </a:fontRef>
+        </p:style>
+        <p:txBody>
+          <a:bodyPr rtlCol="0" anchor="ctr"/>
+          <a:lstStyle/>
+          <a:p>
+            <a:pPr algn="ctr"/>
             <a:r>
               <a:rPr lang="en-US" sz="2400" dirty="0" smtClean="0"/>
-              <a:t>Scheduling </a:t>
-            </a:r>
+              <a:t>FHIR Scheduler, (EHR)</a:t>
+            </a:r>
+            <a:endParaRPr lang="en-US" sz="2400" dirty="0"/>
+          </a:p>
+        </p:txBody>
+      </p:sp>
+      <p:sp>
+        <p:nvSpPr>
+          <p:cNvPr id="9" name="TextBox 8"/>
+          <p:cNvSpPr txBox="1"/>
+          <p:nvPr/>
+        </p:nvSpPr>
+        <p:spPr>
+          <a:xfrm>
+            <a:off x="3281082" y="731520"/>
+            <a:ext cx="4292302" cy="369332"/>
+          </a:xfrm>
+          <a:prstGeom prst="rect">
+            <a:avLst/>
+          </a:prstGeom>
+          <a:noFill/>
+        </p:spPr>
+        <p:txBody>
+          <a:bodyPr wrap="square" rtlCol="0">
+            <a:spAutoFit/>
+          </a:bodyPr>
+          <a:lstStyle/>
+          <a:p>
+            <a:r>
+              <a:rPr lang="en-US" dirty="0" smtClean="0"/>
+              <a:t>Pre-fetch Work Flow Option C - Initial Load</a:t>
+            </a:r>
+            <a:endParaRPr lang="en-US" dirty="0"/>
+          </a:p>
+        </p:txBody>
+      </p:sp>
+      <p:sp>
+        <p:nvSpPr>
+          <p:cNvPr id="2" name="TextBox 1"/>
+          <p:cNvSpPr txBox="1"/>
+          <p:nvPr/>
+        </p:nvSpPr>
+        <p:spPr>
+          <a:xfrm>
+            <a:off x="5125709" y="5120640"/>
+            <a:ext cx="3351317" cy="646331"/>
+          </a:xfrm>
+          <a:prstGeom prst="rect">
+            <a:avLst/>
+          </a:prstGeom>
+          <a:noFill/>
+        </p:spPr>
+        <p:txBody>
+          <a:bodyPr wrap="square" rtlCol="0">
+            <a:spAutoFit/>
+          </a:bodyPr>
+          <a:lstStyle/>
+          <a:p>
+            <a:r>
+              <a:rPr lang="en-US" dirty="0" smtClean="0"/>
+              <a:t>* Include Schedule, Practitioner, Location</a:t>
+            </a:r>
+            <a:endParaRPr lang="en-US" dirty="0"/>
+          </a:p>
+        </p:txBody>
+      </p:sp>
+    </p:spTree>
+    <p:extLst>
+      <p:ext uri="{BB962C8B-B14F-4D97-AF65-F5344CB8AC3E}">
+        <p14:creationId xmlns:p14="http://schemas.microsoft.com/office/powerpoint/2010/main" val="226943387"/>
+      </p:ext>
+    </p:extLst>
+  </p:cSld>
+  <p:clrMapOvr>
+    <a:masterClrMapping/>
+  </p:clrMapOvr>
+</p:sld>
+</file>
+
+<file path=ppt/slides/slide14.xml><?xml version="1.0" encoding="utf-8"?>
+<p:sld xmlns:a="http://schemas.openxmlformats.org/drawingml/2006/main" xmlns:r="http://schemas.openxmlformats.org/officeDocument/2006/relationships" xmlns:p="http://schemas.openxmlformats.org/presentationml/2006/main">
+  <p:cSld>
+    <p:spTree>
+      <p:nvGrpSpPr>
+        <p:cNvPr id="1" name=""/>
+        <p:cNvGrpSpPr/>
+        <p:nvPr/>
+      </p:nvGrpSpPr>
+      <p:grpSpPr>
+        <a:xfrm>
+          <a:off x="0" y="0"/>
+          <a:ext cx="0" cy="0"/>
+          <a:chOff x="0" y="0"/>
+          <a:chExt cx="0" cy="0"/>
+        </a:xfrm>
+      </p:grpSpPr>
+      <p:sp>
+        <p:nvSpPr>
+          <p:cNvPr id="11" name="Can 10"/>
+          <p:cNvSpPr/>
+          <p:nvPr/>
+        </p:nvSpPr>
+        <p:spPr>
+          <a:xfrm>
+            <a:off x="3883299" y="2390275"/>
+            <a:ext cx="2484820" cy="2258969"/>
+          </a:xfrm>
+          <a:prstGeom prst="can">
+            <a:avLst/>
+          </a:prstGeom>
+        </p:spPr>
+        <p:style>
+          <a:lnRef idx="2">
+            <a:schemeClr val="accent1">
+              <a:shade val="50000"/>
+            </a:schemeClr>
+          </a:lnRef>
+          <a:fillRef idx="1">
+            <a:schemeClr val="accent1"/>
+          </a:fillRef>
+          <a:effectRef idx="0">
+            <a:schemeClr val="accent1"/>
+          </a:effectRef>
+          <a:fontRef idx="minor">
+            <a:schemeClr val="lt1"/>
+          </a:fontRef>
+        </p:style>
+        <p:txBody>
+          <a:bodyPr rtlCol="0" anchor="ctr"/>
+          <a:lstStyle/>
+          <a:p>
+            <a:pPr algn="ctr"/>
             <a:r>
               <a:rPr lang="en-US" sz="2400" dirty="0" smtClean="0"/>
-              <a:t>Application)</a:t>
+              <a:t>Client</a:t>
+            </a:r>
+          </a:p>
+          <a:p>
+            <a:pPr algn="ctr"/>
+            <a:r>
+              <a:rPr lang="en-US" sz="2400" dirty="0" smtClean="0"/>
+              <a:t>(Scheduling Application)</a:t>
             </a:r>
             <a:endParaRPr lang="en-US" sz="2400" dirty="0"/>
           </a:p>
@@ -8654,7 +6502,7 @@
           <a:blip r:embed="rId3">
             <a:extLst>
               <a:ext uri="{28A0092B-C50C-407E-A947-70E740481C1C}">
-                <a14:useLocalDpi xmlns:a14="http://schemas.microsoft.com/office/drawing/2010/main" xmlns="" val="0"/>
+                <a14:useLocalDpi xmlns:a14="http://schemas.microsoft.com/office/drawing/2010/main" val="0"/>
               </a:ext>
             </a:extLst>
           </a:blip>
@@ -8744,10 +6592,4477 @@
           </a:p>
         </p:txBody>
       </p:sp>
+      <p:sp>
+        <p:nvSpPr>
+          <p:cNvPr id="20" name="TextBox 19"/>
+          <p:cNvSpPr txBox="1"/>
+          <p:nvPr/>
+        </p:nvSpPr>
+        <p:spPr>
+          <a:xfrm>
+            <a:off x="3281082" y="731520"/>
+            <a:ext cx="4292302" cy="646331"/>
+          </a:xfrm>
+          <a:prstGeom prst="rect">
+            <a:avLst/>
+          </a:prstGeom>
+          <a:noFill/>
+        </p:spPr>
+        <p:txBody>
+          <a:bodyPr wrap="square" rtlCol="0">
+            <a:spAutoFit/>
+          </a:bodyPr>
+          <a:lstStyle/>
+          <a:p>
+            <a:r>
+              <a:rPr lang="en-US" dirty="0" smtClean="0"/>
+              <a:t>Pre-fetch Work Flow Option C </a:t>
+            </a:r>
+            <a:r>
+              <a:rPr lang="mr-IN" dirty="0" smtClean="0"/>
+              <a:t>–</a:t>
+            </a:r>
+            <a:r>
+              <a:rPr lang="en-US" dirty="0" smtClean="0"/>
+              <a:t> Subscription for updated slots</a:t>
+            </a:r>
+            <a:endParaRPr lang="en-US" dirty="0"/>
+          </a:p>
+        </p:txBody>
+      </p:sp>
     </p:spTree>
     <p:extLst>
       <p:ext uri="{BB962C8B-B14F-4D97-AF65-F5344CB8AC3E}">
-        <p14:creationId xmlns:p14="http://schemas.microsoft.com/office/powerpoint/2010/main" xmlns="" val="702274131"/>
+        <p14:creationId xmlns:p14="http://schemas.microsoft.com/office/powerpoint/2010/main" val="702274131"/>
+      </p:ext>
+    </p:extLst>
+  </p:cSld>
+  <p:clrMapOvr>
+    <a:masterClrMapping/>
+  </p:clrMapOvr>
+</p:sld>
+</file>
+
+<file path=ppt/slides/slide2.xml><?xml version="1.0" encoding="utf-8"?>
+<p:sld xmlns:a="http://schemas.openxmlformats.org/drawingml/2006/main" xmlns:r="http://schemas.openxmlformats.org/officeDocument/2006/relationships" xmlns:p="http://schemas.openxmlformats.org/presentationml/2006/main">
+  <p:cSld>
+    <p:spTree>
+      <p:nvGrpSpPr>
+        <p:cNvPr id="1" name=""/>
+        <p:cNvGrpSpPr/>
+        <p:nvPr/>
+      </p:nvGrpSpPr>
+      <p:grpSpPr>
+        <a:xfrm>
+          <a:off x="0" y="0"/>
+          <a:ext cx="0" cy="0"/>
+          <a:chOff x="0" y="0"/>
+          <a:chExt cx="0" cy="0"/>
+        </a:xfrm>
+      </p:grpSpPr>
+      <p:sp>
+        <p:nvSpPr>
+          <p:cNvPr id="8" name="Can 7"/>
+          <p:cNvSpPr/>
+          <p:nvPr/>
+        </p:nvSpPr>
+        <p:spPr>
+          <a:xfrm>
+            <a:off x="9098280" y="2228625"/>
+            <a:ext cx="2065469" cy="1875416"/>
+          </a:xfrm>
+          <a:prstGeom prst="can">
+            <a:avLst/>
+          </a:prstGeom>
+        </p:spPr>
+        <p:style>
+          <a:lnRef idx="2">
+            <a:schemeClr val="accent1">
+              <a:shade val="50000"/>
+            </a:schemeClr>
+          </a:lnRef>
+          <a:fillRef idx="1">
+            <a:schemeClr val="accent1"/>
+          </a:fillRef>
+          <a:effectRef idx="0">
+            <a:schemeClr val="accent1"/>
+          </a:effectRef>
+          <a:fontRef idx="minor">
+            <a:schemeClr val="lt1"/>
+          </a:fontRef>
+        </p:style>
+        <p:txBody>
+          <a:bodyPr rtlCol="0" anchor="ctr"/>
+          <a:lstStyle/>
+          <a:p>
+            <a:pPr algn="ctr"/>
+            <a:r>
+              <a:rPr lang="en-US" sz="2400" dirty="0" smtClean="0"/>
+              <a:t>EHR</a:t>
+            </a:r>
+          </a:p>
+          <a:p>
+            <a:pPr algn="ctr"/>
+            <a:r>
+              <a:rPr lang="en-US" sz="2400" dirty="0" smtClean="0"/>
+              <a:t> FHIR Server</a:t>
+            </a:r>
+            <a:endParaRPr lang="en-US" sz="2400" dirty="0"/>
+          </a:p>
+        </p:txBody>
+      </p:sp>
+      <p:pic>
+        <p:nvPicPr>
+          <p:cNvPr id="9" name="Picture 8"/>
+          <p:cNvPicPr>
+            <a:picLocks noChangeAspect="1"/>
+          </p:cNvPicPr>
+          <p:nvPr/>
+        </p:nvPicPr>
+        <p:blipFill>
+          <a:blip r:embed="rId2">
+            <a:extLst>
+              <a:ext uri="{28A0092B-C50C-407E-A947-70E740481C1C}">
+                <a14:useLocalDpi xmlns:a14="http://schemas.microsoft.com/office/drawing/2010/main" val="0"/>
+              </a:ext>
+            </a:extLst>
+          </a:blip>
+          <a:stretch>
+            <a:fillRect/>
+          </a:stretch>
+        </p:blipFill>
+        <p:spPr>
+          <a:xfrm>
+            <a:off x="787997" y="1817269"/>
+            <a:ext cx="1780491" cy="2698128"/>
+          </a:xfrm>
+          <a:prstGeom prst="rect">
+            <a:avLst/>
+          </a:prstGeom>
+        </p:spPr>
+      </p:pic>
+      <p:sp>
+        <p:nvSpPr>
+          <p:cNvPr id="11" name="Can 10"/>
+          <p:cNvSpPr/>
+          <p:nvPr/>
+        </p:nvSpPr>
+        <p:spPr>
+          <a:xfrm>
+            <a:off x="4987962" y="2228625"/>
+            <a:ext cx="2065469" cy="1875416"/>
+          </a:xfrm>
+          <a:prstGeom prst="can">
+            <a:avLst/>
+          </a:prstGeom>
+        </p:spPr>
+        <p:style>
+          <a:lnRef idx="2">
+            <a:schemeClr val="accent1">
+              <a:shade val="50000"/>
+            </a:schemeClr>
+          </a:lnRef>
+          <a:fillRef idx="1">
+            <a:schemeClr val="accent1"/>
+          </a:fillRef>
+          <a:effectRef idx="0">
+            <a:schemeClr val="accent1"/>
+          </a:effectRef>
+          <a:fontRef idx="minor">
+            <a:schemeClr val="lt1"/>
+          </a:fontRef>
+        </p:style>
+        <p:txBody>
+          <a:bodyPr rtlCol="0" anchor="ctr"/>
+          <a:lstStyle/>
+          <a:p>
+            <a:pPr algn="ctr"/>
+            <a:r>
+              <a:rPr lang="en-US" sz="2400" dirty="0" smtClean="0"/>
+              <a:t>Client</a:t>
+            </a:r>
+          </a:p>
+          <a:p>
+            <a:pPr algn="ctr"/>
+            <a:r>
+              <a:rPr lang="en-US" sz="2400" dirty="0" smtClean="0"/>
+              <a:t> Application Server</a:t>
+            </a:r>
+            <a:endParaRPr lang="en-US" sz="2400" dirty="0"/>
+          </a:p>
+        </p:txBody>
+      </p:sp>
+      <p:sp>
+        <p:nvSpPr>
+          <p:cNvPr id="40" name="Rectangle 39"/>
+          <p:cNvSpPr/>
+          <p:nvPr/>
+        </p:nvSpPr>
+        <p:spPr>
+          <a:xfrm>
+            <a:off x="4437529" y="995082"/>
+            <a:ext cx="7274859" cy="4155142"/>
+          </a:xfrm>
+          <a:prstGeom prst="rect">
+            <a:avLst/>
+          </a:prstGeom>
+          <a:noFill/>
+          <a:ln w="25400">
+            <a:prstDash val="sysDash"/>
+          </a:ln>
+        </p:spPr>
+        <p:style>
+          <a:lnRef idx="2">
+            <a:schemeClr val="accent1">
+              <a:shade val="50000"/>
+            </a:schemeClr>
+          </a:lnRef>
+          <a:fillRef idx="1">
+            <a:schemeClr val="accent1"/>
+          </a:fillRef>
+          <a:effectRef idx="0">
+            <a:schemeClr val="accent1"/>
+          </a:effectRef>
+          <a:fontRef idx="minor">
+            <a:schemeClr val="lt1"/>
+          </a:fontRef>
+        </p:style>
+        <p:txBody>
+          <a:bodyPr rtlCol="0" anchor="ctr"/>
+          <a:lstStyle/>
+          <a:p>
+            <a:pPr algn="ctr"/>
+            <a:endParaRPr lang="en-US"/>
+          </a:p>
+        </p:txBody>
+      </p:sp>
+      <p:cxnSp>
+        <p:nvCxnSpPr>
+          <p:cNvPr id="42" name="Straight Connector 41"/>
+          <p:cNvCxnSpPr>
+            <a:stCxn id="40" idx="0"/>
+            <a:endCxn id="40" idx="2"/>
+          </p:cNvCxnSpPr>
+          <p:nvPr/>
+        </p:nvCxnSpPr>
+        <p:spPr>
+          <a:xfrm>
+            <a:off x="8074959" y="995082"/>
+            <a:ext cx="0" cy="4155142"/>
+          </a:xfrm>
+          <a:prstGeom prst="line">
+            <a:avLst/>
+          </a:prstGeom>
+          <a:ln w="25400">
+            <a:prstDash val="sysDash"/>
+          </a:ln>
+        </p:spPr>
+        <p:style>
+          <a:lnRef idx="1">
+            <a:schemeClr val="accent1"/>
+          </a:lnRef>
+          <a:fillRef idx="0">
+            <a:schemeClr val="accent1"/>
+          </a:fillRef>
+          <a:effectRef idx="0">
+            <a:schemeClr val="accent1"/>
+          </a:effectRef>
+          <a:fontRef idx="minor">
+            <a:schemeClr val="tx1"/>
+          </a:fontRef>
+        </p:style>
+      </p:cxnSp>
+      <p:sp>
+        <p:nvSpPr>
+          <p:cNvPr id="43" name="Oval 42"/>
+          <p:cNvSpPr/>
+          <p:nvPr/>
+        </p:nvSpPr>
+        <p:spPr>
+          <a:xfrm>
+            <a:off x="3244277" y="823511"/>
+            <a:ext cx="411131" cy="386895"/>
+          </a:xfrm>
+          <a:prstGeom prst="ellipse">
+            <a:avLst/>
+          </a:prstGeom>
+          <a:noFill/>
+        </p:spPr>
+        <p:style>
+          <a:lnRef idx="2">
+            <a:schemeClr val="accent1">
+              <a:shade val="50000"/>
+            </a:schemeClr>
+          </a:lnRef>
+          <a:fillRef idx="1">
+            <a:schemeClr val="accent1"/>
+          </a:fillRef>
+          <a:effectRef idx="0">
+            <a:schemeClr val="accent1"/>
+          </a:effectRef>
+          <a:fontRef idx="minor">
+            <a:schemeClr val="lt1"/>
+          </a:fontRef>
+        </p:style>
+        <p:txBody>
+          <a:bodyPr rtlCol="0" anchor="ctr"/>
+          <a:lstStyle/>
+          <a:p>
+            <a:pPr algn="ctr"/>
+            <a:r>
+              <a:rPr lang="en-US" dirty="0" smtClean="0">
+                <a:solidFill>
+                  <a:schemeClr val="tx1"/>
+                </a:solidFill>
+              </a:rPr>
+              <a:t>1</a:t>
+            </a:r>
+            <a:endParaRPr lang="en-US" sz="1200" dirty="0"/>
+          </a:p>
+        </p:txBody>
+      </p:sp>
+      <p:sp>
+        <p:nvSpPr>
+          <p:cNvPr id="44" name="TextBox 43"/>
+          <p:cNvSpPr txBox="1"/>
+          <p:nvPr/>
+        </p:nvSpPr>
+        <p:spPr>
+          <a:xfrm>
+            <a:off x="2634742" y="1122382"/>
+            <a:ext cx="1736532" cy="923330"/>
+          </a:xfrm>
+          <a:prstGeom prst="rect">
+            <a:avLst/>
+          </a:prstGeom>
+          <a:noFill/>
+        </p:spPr>
+        <p:txBody>
+          <a:bodyPr wrap="square" rtlCol="0">
+            <a:spAutoFit/>
+          </a:bodyPr>
+          <a:lstStyle/>
+          <a:p>
+            <a:r>
+              <a:rPr lang="en-US" dirty="0" smtClean="0"/>
+              <a:t>End user search for available appointments</a:t>
+            </a:r>
+            <a:endParaRPr lang="en-US" dirty="0"/>
+          </a:p>
+        </p:txBody>
+      </p:sp>
+      <p:sp>
+        <p:nvSpPr>
+          <p:cNvPr id="45" name="Oval 44"/>
+          <p:cNvSpPr/>
+          <p:nvPr/>
+        </p:nvSpPr>
+        <p:spPr>
+          <a:xfrm>
+            <a:off x="3244277" y="2057391"/>
+            <a:ext cx="411131" cy="411357"/>
+          </a:xfrm>
+          <a:prstGeom prst="ellipse">
+            <a:avLst/>
+          </a:prstGeom>
+          <a:noFill/>
+        </p:spPr>
+        <p:style>
+          <a:lnRef idx="2">
+            <a:schemeClr val="accent1">
+              <a:shade val="50000"/>
+            </a:schemeClr>
+          </a:lnRef>
+          <a:fillRef idx="1">
+            <a:schemeClr val="accent1"/>
+          </a:fillRef>
+          <a:effectRef idx="0">
+            <a:schemeClr val="accent1"/>
+          </a:effectRef>
+          <a:fontRef idx="minor">
+            <a:schemeClr val="lt1"/>
+          </a:fontRef>
+        </p:style>
+        <p:txBody>
+          <a:bodyPr rtlCol="0" anchor="ctr"/>
+          <a:lstStyle/>
+          <a:p>
+            <a:pPr algn="ctr"/>
+            <a:r>
+              <a:rPr lang="en-US" dirty="0">
+                <a:solidFill>
+                  <a:schemeClr val="tx1"/>
+                </a:solidFill>
+              </a:rPr>
+              <a:t>2</a:t>
+            </a:r>
+            <a:endParaRPr lang="en-US" sz="1200" dirty="0"/>
+          </a:p>
+        </p:txBody>
+      </p:sp>
+      <p:sp>
+        <p:nvSpPr>
+          <p:cNvPr id="46" name="TextBox 45"/>
+          <p:cNvSpPr txBox="1"/>
+          <p:nvPr/>
+        </p:nvSpPr>
+        <p:spPr>
+          <a:xfrm>
+            <a:off x="2667870" y="2480427"/>
+            <a:ext cx="1736532" cy="646331"/>
+          </a:xfrm>
+          <a:prstGeom prst="rect">
+            <a:avLst/>
+          </a:prstGeom>
+          <a:noFill/>
+        </p:spPr>
+        <p:txBody>
+          <a:bodyPr wrap="square" rtlCol="0">
+            <a:spAutoFit/>
+          </a:bodyPr>
+          <a:lstStyle/>
+          <a:p>
+            <a:r>
+              <a:rPr lang="en-US" dirty="0" smtClean="0"/>
+              <a:t>End user books Appointment</a:t>
+            </a:r>
+            <a:endParaRPr lang="en-US" dirty="0"/>
+          </a:p>
+        </p:txBody>
+      </p:sp>
+      <p:sp>
+        <p:nvSpPr>
+          <p:cNvPr id="47" name="Oval 46"/>
+          <p:cNvSpPr/>
+          <p:nvPr/>
+        </p:nvSpPr>
+        <p:spPr>
+          <a:xfrm>
+            <a:off x="3244277" y="3166333"/>
+            <a:ext cx="411131" cy="411357"/>
+          </a:xfrm>
+          <a:prstGeom prst="ellipse">
+            <a:avLst/>
+          </a:prstGeom>
+          <a:noFill/>
+        </p:spPr>
+        <p:style>
+          <a:lnRef idx="2">
+            <a:schemeClr val="accent1">
+              <a:shade val="50000"/>
+            </a:schemeClr>
+          </a:lnRef>
+          <a:fillRef idx="1">
+            <a:schemeClr val="accent1"/>
+          </a:fillRef>
+          <a:effectRef idx="0">
+            <a:schemeClr val="accent1"/>
+          </a:effectRef>
+          <a:fontRef idx="minor">
+            <a:schemeClr val="lt1"/>
+          </a:fontRef>
+        </p:style>
+        <p:txBody>
+          <a:bodyPr rtlCol="0" anchor="ctr"/>
+          <a:lstStyle/>
+          <a:p>
+            <a:pPr algn="ctr"/>
+            <a:r>
+              <a:rPr lang="en-US" dirty="0" smtClean="0">
+                <a:solidFill>
+                  <a:schemeClr val="tx1"/>
+                </a:solidFill>
+              </a:rPr>
+              <a:t>3</a:t>
+            </a:r>
+            <a:endParaRPr lang="en-US" sz="1200" dirty="0"/>
+          </a:p>
+        </p:txBody>
+      </p:sp>
+      <p:sp>
+        <p:nvSpPr>
+          <p:cNvPr id="48" name="TextBox 47"/>
+          <p:cNvSpPr txBox="1"/>
+          <p:nvPr/>
+        </p:nvSpPr>
+        <p:spPr>
+          <a:xfrm>
+            <a:off x="2667869" y="4655040"/>
+            <a:ext cx="1777305" cy="923330"/>
+          </a:xfrm>
+          <a:prstGeom prst="rect">
+            <a:avLst/>
+          </a:prstGeom>
+          <a:noFill/>
+        </p:spPr>
+        <p:txBody>
+          <a:bodyPr wrap="square" rtlCol="0">
+            <a:spAutoFit/>
+          </a:bodyPr>
+          <a:lstStyle/>
+          <a:p>
+            <a:r>
+              <a:rPr lang="en-US" dirty="0" smtClean="0"/>
+              <a:t>End </a:t>
+            </a:r>
+            <a:r>
+              <a:rPr lang="en-US" smtClean="0"/>
+              <a:t>user updates </a:t>
+            </a:r>
+            <a:r>
+              <a:rPr lang="en-US" dirty="0" smtClean="0"/>
+              <a:t>Appointment</a:t>
+            </a:r>
+            <a:endParaRPr lang="en-US" dirty="0"/>
+          </a:p>
+        </p:txBody>
+      </p:sp>
+      <p:sp>
+        <p:nvSpPr>
+          <p:cNvPr id="49" name="Oval 48"/>
+          <p:cNvSpPr/>
+          <p:nvPr/>
+        </p:nvSpPr>
+        <p:spPr>
+          <a:xfrm>
+            <a:off x="3235812" y="4231162"/>
+            <a:ext cx="411131" cy="411357"/>
+          </a:xfrm>
+          <a:prstGeom prst="ellipse">
+            <a:avLst/>
+          </a:prstGeom>
+          <a:noFill/>
+        </p:spPr>
+        <p:style>
+          <a:lnRef idx="2">
+            <a:schemeClr val="accent1">
+              <a:shade val="50000"/>
+            </a:schemeClr>
+          </a:lnRef>
+          <a:fillRef idx="1">
+            <a:schemeClr val="accent1"/>
+          </a:fillRef>
+          <a:effectRef idx="0">
+            <a:schemeClr val="accent1"/>
+          </a:effectRef>
+          <a:fontRef idx="minor">
+            <a:schemeClr val="lt1"/>
+          </a:fontRef>
+        </p:style>
+        <p:txBody>
+          <a:bodyPr rtlCol="0" anchor="ctr"/>
+          <a:lstStyle/>
+          <a:p>
+            <a:pPr algn="ctr"/>
+            <a:r>
+              <a:rPr lang="en-US" dirty="0" smtClean="0">
+                <a:solidFill>
+                  <a:schemeClr val="tx1"/>
+                </a:solidFill>
+              </a:rPr>
+              <a:t>4</a:t>
+            </a:r>
+            <a:endParaRPr lang="en-US" sz="1200" dirty="0"/>
+          </a:p>
+        </p:txBody>
+      </p:sp>
+      <p:sp>
+        <p:nvSpPr>
+          <p:cNvPr id="50" name="TextBox 49"/>
+          <p:cNvSpPr txBox="1"/>
+          <p:nvPr/>
+        </p:nvSpPr>
+        <p:spPr>
+          <a:xfrm>
+            <a:off x="2634742" y="3589567"/>
+            <a:ext cx="1736532" cy="646331"/>
+          </a:xfrm>
+          <a:prstGeom prst="rect">
+            <a:avLst/>
+          </a:prstGeom>
+          <a:noFill/>
+        </p:spPr>
+        <p:txBody>
+          <a:bodyPr wrap="square" rtlCol="0">
+            <a:spAutoFit/>
+          </a:bodyPr>
+          <a:lstStyle/>
+          <a:p>
+            <a:r>
+              <a:rPr lang="en-US" smtClean="0"/>
+              <a:t>Appointment </a:t>
+            </a:r>
+            <a:r>
+              <a:rPr lang="en-US" dirty="0" smtClean="0"/>
+              <a:t>confirmed</a:t>
+            </a:r>
+            <a:endParaRPr lang="en-US" dirty="0"/>
+          </a:p>
+        </p:txBody>
+      </p:sp>
+    </p:spTree>
+    <p:extLst>
+      <p:ext uri="{BB962C8B-B14F-4D97-AF65-F5344CB8AC3E}">
+        <p14:creationId xmlns:p14="http://schemas.microsoft.com/office/powerpoint/2010/main" val="1713438735"/>
+      </p:ext>
+    </p:extLst>
+  </p:cSld>
+  <p:clrMapOvr>
+    <a:masterClrMapping/>
+  </p:clrMapOvr>
+</p:sld>
+</file>
+
+<file path=ppt/slides/slide3.xml><?xml version="1.0" encoding="utf-8"?>
+<p:sld xmlns:a="http://schemas.openxmlformats.org/drawingml/2006/main" xmlns:r="http://schemas.openxmlformats.org/officeDocument/2006/relationships" xmlns:p="http://schemas.openxmlformats.org/presentationml/2006/main">
+  <p:cSld>
+    <p:spTree>
+      <p:nvGrpSpPr>
+        <p:cNvPr id="1" name=""/>
+        <p:cNvGrpSpPr/>
+        <p:nvPr/>
+      </p:nvGrpSpPr>
+      <p:grpSpPr>
+        <a:xfrm>
+          <a:off x="0" y="0"/>
+          <a:ext cx="0" cy="0"/>
+          <a:chOff x="0" y="0"/>
+          <a:chExt cx="0" cy="0"/>
+        </a:xfrm>
+      </p:grpSpPr>
+      <p:pic>
+        <p:nvPicPr>
+          <p:cNvPr id="9" name="Picture 8"/>
+          <p:cNvPicPr>
+            <a:picLocks noChangeAspect="1"/>
+          </p:cNvPicPr>
+          <p:nvPr/>
+        </p:nvPicPr>
+        <p:blipFill>
+          <a:blip r:embed="rId3">
+            <a:extLst>
+              <a:ext uri="{28A0092B-C50C-407E-A947-70E740481C1C}">
+                <a14:useLocalDpi xmlns:a14="http://schemas.microsoft.com/office/drawing/2010/main" val="0"/>
+              </a:ext>
+            </a:extLst>
+          </a:blip>
+          <a:stretch>
+            <a:fillRect/>
+          </a:stretch>
+        </p:blipFill>
+        <p:spPr>
+          <a:xfrm>
+            <a:off x="744038" y="2116140"/>
+            <a:ext cx="1780491" cy="2698128"/>
+          </a:xfrm>
+          <a:prstGeom prst="rect">
+            <a:avLst/>
+          </a:prstGeom>
+        </p:spPr>
+      </p:pic>
+      <p:sp>
+        <p:nvSpPr>
+          <p:cNvPr id="11" name="Can 10"/>
+          <p:cNvSpPr/>
+          <p:nvPr/>
+        </p:nvSpPr>
+        <p:spPr>
+          <a:xfrm>
+            <a:off x="4568612" y="2228624"/>
+            <a:ext cx="2484820" cy="2258969"/>
+          </a:xfrm>
+          <a:prstGeom prst="can">
+            <a:avLst/>
+          </a:prstGeom>
+        </p:spPr>
+        <p:style>
+          <a:lnRef idx="2">
+            <a:schemeClr val="accent1">
+              <a:shade val="50000"/>
+            </a:schemeClr>
+          </a:lnRef>
+          <a:fillRef idx="1">
+            <a:schemeClr val="accent1"/>
+          </a:fillRef>
+          <a:effectRef idx="0">
+            <a:schemeClr val="accent1"/>
+          </a:effectRef>
+          <a:fontRef idx="minor">
+            <a:schemeClr val="lt1"/>
+          </a:fontRef>
+        </p:style>
+        <p:txBody>
+          <a:bodyPr rtlCol="0" anchor="ctr"/>
+          <a:lstStyle/>
+          <a:p>
+            <a:pPr algn="ctr"/>
+            <a:r>
+              <a:rPr lang="en-US" sz="2400" dirty="0" smtClean="0"/>
+              <a:t>Client</a:t>
+            </a:r>
+          </a:p>
+          <a:p>
+            <a:pPr algn="ctr"/>
+            <a:r>
+              <a:rPr lang="en-US" sz="2400" dirty="0" smtClean="0"/>
+              <a:t> Application Server</a:t>
+            </a:r>
+            <a:endParaRPr lang="en-US" sz="2400" dirty="0"/>
+          </a:p>
+        </p:txBody>
+      </p:sp>
+      <p:sp>
+        <p:nvSpPr>
+          <p:cNvPr id="40" name="Rectangle 39"/>
+          <p:cNvSpPr/>
+          <p:nvPr/>
+        </p:nvSpPr>
+        <p:spPr>
+          <a:xfrm>
+            <a:off x="4437528" y="1463541"/>
+            <a:ext cx="7274859" cy="4155142"/>
+          </a:xfrm>
+          <a:prstGeom prst="rect">
+            <a:avLst/>
+          </a:prstGeom>
+          <a:noFill/>
+          <a:ln w="63500">
+            <a:prstDash val="sysDash"/>
+          </a:ln>
+          <a:effectLst/>
+        </p:spPr>
+        <p:style>
+          <a:lnRef idx="2">
+            <a:schemeClr val="accent1">
+              <a:shade val="50000"/>
+            </a:schemeClr>
+          </a:lnRef>
+          <a:fillRef idx="1">
+            <a:schemeClr val="accent1"/>
+          </a:fillRef>
+          <a:effectRef idx="0">
+            <a:schemeClr val="accent1"/>
+          </a:effectRef>
+          <a:fontRef idx="minor">
+            <a:schemeClr val="lt1"/>
+          </a:fontRef>
+        </p:style>
+        <p:txBody>
+          <a:bodyPr rtlCol="0" anchor="ctr"/>
+          <a:lstStyle/>
+          <a:p>
+            <a:pPr algn="ctr"/>
+            <a:endParaRPr lang="en-US"/>
+          </a:p>
+        </p:txBody>
+      </p:sp>
+      <p:cxnSp>
+        <p:nvCxnSpPr>
+          <p:cNvPr id="42" name="Straight Connector 41"/>
+          <p:cNvCxnSpPr/>
+          <p:nvPr/>
+        </p:nvCxnSpPr>
+        <p:spPr>
+          <a:xfrm>
+            <a:off x="8089025" y="1442189"/>
+            <a:ext cx="0" cy="4155142"/>
+          </a:xfrm>
+          <a:prstGeom prst="line">
+            <a:avLst/>
+          </a:prstGeom>
+          <a:ln w="63500">
+            <a:prstDash val="sysDash"/>
+          </a:ln>
+        </p:spPr>
+        <p:style>
+          <a:lnRef idx="1">
+            <a:schemeClr val="accent1"/>
+          </a:lnRef>
+          <a:fillRef idx="0">
+            <a:schemeClr val="accent1"/>
+          </a:fillRef>
+          <a:effectRef idx="0">
+            <a:schemeClr val="accent1"/>
+          </a:effectRef>
+          <a:fontRef idx="minor">
+            <a:schemeClr val="tx1"/>
+          </a:fontRef>
+        </p:style>
+      </p:cxnSp>
+      <p:sp>
+        <p:nvSpPr>
+          <p:cNvPr id="44" name="TextBox 43"/>
+          <p:cNvSpPr txBox="1"/>
+          <p:nvPr/>
+        </p:nvSpPr>
+        <p:spPr>
+          <a:xfrm>
+            <a:off x="2613145" y="2149323"/>
+            <a:ext cx="1736532" cy="923330"/>
+          </a:xfrm>
+          <a:prstGeom prst="rect">
+            <a:avLst/>
+          </a:prstGeom>
+          <a:noFill/>
+        </p:spPr>
+        <p:txBody>
+          <a:bodyPr wrap="square" rtlCol="0">
+            <a:spAutoFit/>
+          </a:bodyPr>
+          <a:lstStyle/>
+          <a:p>
+            <a:r>
+              <a:rPr lang="en-US" smtClean="0"/>
+              <a:t>End user search for available appointments</a:t>
+            </a:r>
+            <a:endParaRPr lang="en-US" dirty="0"/>
+          </a:p>
+        </p:txBody>
+      </p:sp>
+      <p:cxnSp>
+        <p:nvCxnSpPr>
+          <p:cNvPr id="3" name="Straight Arrow Connector 2"/>
+          <p:cNvCxnSpPr/>
+          <p:nvPr/>
+        </p:nvCxnSpPr>
+        <p:spPr>
+          <a:xfrm>
+            <a:off x="2576106" y="3242025"/>
+            <a:ext cx="1861423" cy="0"/>
+          </a:xfrm>
+          <a:prstGeom prst="straightConnector1">
+            <a:avLst/>
+          </a:prstGeom>
+          <a:ln w="63500">
+            <a:tailEnd type="triangle"/>
+          </a:ln>
+        </p:spPr>
+        <p:style>
+          <a:lnRef idx="1">
+            <a:schemeClr val="accent1"/>
+          </a:lnRef>
+          <a:fillRef idx="0">
+            <a:schemeClr val="accent1"/>
+          </a:fillRef>
+          <a:effectRef idx="0">
+            <a:schemeClr val="accent1"/>
+          </a:effectRef>
+          <a:fontRef idx="minor">
+            <a:schemeClr val="tx1"/>
+          </a:fontRef>
+        </p:style>
+      </p:cxnSp>
+      <p:cxnSp>
+        <p:nvCxnSpPr>
+          <p:cNvPr id="17" name="Straight Arrow Connector 16"/>
+          <p:cNvCxnSpPr/>
+          <p:nvPr/>
+        </p:nvCxnSpPr>
+        <p:spPr>
+          <a:xfrm>
+            <a:off x="7184000" y="3956148"/>
+            <a:ext cx="1861423" cy="0"/>
+          </a:xfrm>
+          <a:prstGeom prst="straightConnector1">
+            <a:avLst/>
+          </a:prstGeom>
+          <a:ln w="63500">
+            <a:tailEnd type="triangle"/>
+          </a:ln>
+        </p:spPr>
+        <p:style>
+          <a:lnRef idx="1">
+            <a:schemeClr val="accent1"/>
+          </a:lnRef>
+          <a:fillRef idx="0">
+            <a:schemeClr val="accent1"/>
+          </a:fillRef>
+          <a:effectRef idx="0">
+            <a:schemeClr val="accent1"/>
+          </a:effectRef>
+          <a:fontRef idx="minor">
+            <a:schemeClr val="tx1"/>
+          </a:fontRef>
+        </p:style>
+      </p:cxnSp>
+      <p:cxnSp>
+        <p:nvCxnSpPr>
+          <p:cNvPr id="18" name="Straight Arrow Connector 17"/>
+          <p:cNvCxnSpPr/>
+          <p:nvPr/>
+        </p:nvCxnSpPr>
+        <p:spPr>
+          <a:xfrm>
+            <a:off x="7118075" y="4225780"/>
+            <a:ext cx="1861423" cy="0"/>
+          </a:xfrm>
+          <a:prstGeom prst="straightConnector1">
+            <a:avLst/>
+          </a:prstGeom>
+          <a:ln w="63500">
+            <a:headEnd type="triangle"/>
+            <a:tailEnd type="none"/>
+          </a:ln>
+        </p:spPr>
+        <p:style>
+          <a:lnRef idx="1">
+            <a:schemeClr val="accent1"/>
+          </a:lnRef>
+          <a:fillRef idx="0">
+            <a:schemeClr val="accent1"/>
+          </a:fillRef>
+          <a:effectRef idx="0">
+            <a:schemeClr val="accent1"/>
+          </a:effectRef>
+          <a:fontRef idx="minor">
+            <a:schemeClr val="tx1"/>
+          </a:fontRef>
+        </p:style>
+      </p:cxnSp>
+      <p:sp>
+        <p:nvSpPr>
+          <p:cNvPr id="4" name="TextBox 3"/>
+          <p:cNvSpPr txBox="1"/>
+          <p:nvPr/>
+        </p:nvSpPr>
+        <p:spPr>
+          <a:xfrm>
+            <a:off x="7118075" y="2222454"/>
+            <a:ext cx="2044849" cy="369332"/>
+          </a:xfrm>
+          <a:prstGeom prst="rect">
+            <a:avLst/>
+          </a:prstGeom>
+          <a:solidFill>
+            <a:schemeClr val="bg1"/>
+          </a:solidFill>
+          <a:effectLst/>
+        </p:spPr>
+        <p:txBody>
+          <a:bodyPr wrap="square" rtlCol="0">
+            <a:spAutoFit/>
+          </a:bodyPr>
+          <a:lstStyle/>
+          <a:p>
+            <a:r>
+              <a:rPr lang="en-US" dirty="0" smtClean="0"/>
+              <a:t>Search for Services</a:t>
+            </a:r>
+            <a:endParaRPr lang="en-US" dirty="0"/>
+          </a:p>
+        </p:txBody>
+      </p:sp>
+      <p:sp>
+        <p:nvSpPr>
+          <p:cNvPr id="21" name="TextBox 20"/>
+          <p:cNvSpPr txBox="1"/>
+          <p:nvPr/>
+        </p:nvSpPr>
+        <p:spPr>
+          <a:xfrm>
+            <a:off x="7131452" y="3519760"/>
+            <a:ext cx="1860142" cy="369332"/>
+          </a:xfrm>
+          <a:prstGeom prst="rect">
+            <a:avLst/>
+          </a:prstGeom>
+          <a:solidFill>
+            <a:schemeClr val="bg1"/>
+          </a:solidFill>
+          <a:effectLst/>
+        </p:spPr>
+        <p:txBody>
+          <a:bodyPr wrap="square" rtlCol="0">
+            <a:spAutoFit/>
+          </a:bodyPr>
+          <a:lstStyle/>
+          <a:p>
+            <a:r>
+              <a:rPr lang="en-US" dirty="0" smtClean="0"/>
+              <a:t>Search for Times</a:t>
+            </a:r>
+            <a:endParaRPr lang="en-US" dirty="0"/>
+          </a:p>
+        </p:txBody>
+      </p:sp>
+      <p:cxnSp>
+        <p:nvCxnSpPr>
+          <p:cNvPr id="22" name="Straight Arrow Connector 21"/>
+          <p:cNvCxnSpPr/>
+          <p:nvPr/>
+        </p:nvCxnSpPr>
+        <p:spPr>
+          <a:xfrm>
+            <a:off x="7186170" y="2716270"/>
+            <a:ext cx="1861423" cy="0"/>
+          </a:xfrm>
+          <a:prstGeom prst="straightConnector1">
+            <a:avLst/>
+          </a:prstGeom>
+          <a:ln w="63500">
+            <a:tailEnd type="triangle"/>
+          </a:ln>
+        </p:spPr>
+        <p:style>
+          <a:lnRef idx="1">
+            <a:schemeClr val="accent1"/>
+          </a:lnRef>
+          <a:fillRef idx="0">
+            <a:schemeClr val="accent1"/>
+          </a:fillRef>
+          <a:effectRef idx="0">
+            <a:schemeClr val="accent1"/>
+          </a:effectRef>
+          <a:fontRef idx="minor">
+            <a:schemeClr val="tx1"/>
+          </a:fontRef>
+        </p:style>
+      </p:cxnSp>
+      <p:cxnSp>
+        <p:nvCxnSpPr>
+          <p:cNvPr id="23" name="Straight Arrow Connector 22"/>
+          <p:cNvCxnSpPr/>
+          <p:nvPr/>
+        </p:nvCxnSpPr>
+        <p:spPr>
+          <a:xfrm>
+            <a:off x="7120245" y="2985902"/>
+            <a:ext cx="1861423" cy="0"/>
+          </a:xfrm>
+          <a:prstGeom prst="straightConnector1">
+            <a:avLst/>
+          </a:prstGeom>
+          <a:ln w="63500">
+            <a:headEnd type="triangle"/>
+            <a:tailEnd type="none"/>
+          </a:ln>
+        </p:spPr>
+        <p:style>
+          <a:lnRef idx="1">
+            <a:schemeClr val="accent1"/>
+          </a:lnRef>
+          <a:fillRef idx="0">
+            <a:schemeClr val="accent1"/>
+          </a:fillRef>
+          <a:effectRef idx="0">
+            <a:schemeClr val="accent1"/>
+          </a:effectRef>
+          <a:fontRef idx="minor">
+            <a:schemeClr val="tx1"/>
+          </a:fontRef>
+        </p:style>
+      </p:cxnSp>
+      <p:cxnSp>
+        <p:nvCxnSpPr>
+          <p:cNvPr id="24" name="Straight Arrow Connector 23"/>
+          <p:cNvCxnSpPr/>
+          <p:nvPr/>
+        </p:nvCxnSpPr>
+        <p:spPr>
+          <a:xfrm>
+            <a:off x="2524529" y="3635452"/>
+            <a:ext cx="1861423" cy="0"/>
+          </a:xfrm>
+          <a:prstGeom prst="straightConnector1">
+            <a:avLst/>
+          </a:prstGeom>
+          <a:ln w="63500">
+            <a:headEnd type="triangle"/>
+            <a:tailEnd type="none"/>
+          </a:ln>
+        </p:spPr>
+        <p:style>
+          <a:lnRef idx="1">
+            <a:schemeClr val="accent1"/>
+          </a:lnRef>
+          <a:fillRef idx="0">
+            <a:schemeClr val="accent1"/>
+          </a:fillRef>
+          <a:effectRef idx="0">
+            <a:schemeClr val="accent1"/>
+          </a:effectRef>
+          <a:fontRef idx="minor">
+            <a:schemeClr val="tx1"/>
+          </a:fontRef>
+        </p:style>
+      </p:cxnSp>
+      <p:sp>
+        <p:nvSpPr>
+          <p:cNvPr id="25" name="TextBox 24"/>
+          <p:cNvSpPr txBox="1"/>
+          <p:nvPr/>
+        </p:nvSpPr>
+        <p:spPr>
+          <a:xfrm>
+            <a:off x="2622977" y="3808074"/>
+            <a:ext cx="1736532" cy="923330"/>
+          </a:xfrm>
+          <a:prstGeom prst="rect">
+            <a:avLst/>
+          </a:prstGeom>
+          <a:noFill/>
+        </p:spPr>
+        <p:txBody>
+          <a:bodyPr wrap="square" rtlCol="0">
+            <a:spAutoFit/>
+          </a:bodyPr>
+          <a:lstStyle/>
+          <a:p>
+            <a:r>
+              <a:rPr lang="en-US" dirty="0" smtClean="0"/>
+              <a:t>Returns available appointments</a:t>
+            </a:r>
+            <a:endParaRPr lang="en-US" dirty="0"/>
+          </a:p>
+        </p:txBody>
+      </p:sp>
+      <p:sp>
+        <p:nvSpPr>
+          <p:cNvPr id="5" name="TextBox 4"/>
+          <p:cNvSpPr txBox="1"/>
+          <p:nvPr/>
+        </p:nvSpPr>
+        <p:spPr>
+          <a:xfrm>
+            <a:off x="2661370" y="1760340"/>
+            <a:ext cx="333072" cy="369332"/>
+          </a:xfrm>
+          <a:prstGeom prst="rect">
+            <a:avLst/>
+          </a:prstGeom>
+          <a:noFill/>
+          <a:ln w="25400">
+            <a:solidFill>
+              <a:schemeClr val="accent1">
+                <a:shade val="50000"/>
+              </a:schemeClr>
+            </a:solidFill>
+          </a:ln>
+        </p:spPr>
+        <p:txBody>
+          <a:bodyPr wrap="square" rtlCol="0">
+            <a:spAutoFit/>
+          </a:bodyPr>
+          <a:lstStyle/>
+          <a:p>
+            <a:pPr algn="ctr"/>
+            <a:r>
+              <a:rPr lang="en-US" dirty="0" smtClean="0"/>
+              <a:t>1</a:t>
+            </a:r>
+            <a:endParaRPr lang="en-US" dirty="0"/>
+          </a:p>
+        </p:txBody>
+      </p:sp>
+      <p:sp>
+        <p:nvSpPr>
+          <p:cNvPr id="27" name="TextBox 26"/>
+          <p:cNvSpPr txBox="1"/>
+          <p:nvPr/>
+        </p:nvSpPr>
+        <p:spPr>
+          <a:xfrm>
+            <a:off x="3645630" y="3878689"/>
+            <a:ext cx="415619" cy="369332"/>
+          </a:xfrm>
+          <a:prstGeom prst="rect">
+            <a:avLst/>
+          </a:prstGeom>
+          <a:noFill/>
+          <a:ln w="25400">
+            <a:solidFill>
+              <a:schemeClr val="accent1">
+                <a:shade val="50000"/>
+              </a:schemeClr>
+            </a:solidFill>
+          </a:ln>
+        </p:spPr>
+        <p:txBody>
+          <a:bodyPr wrap="square" rtlCol="0">
+            <a:spAutoFit/>
+          </a:bodyPr>
+          <a:lstStyle/>
+          <a:p>
+            <a:pPr algn="ctr"/>
+            <a:r>
+              <a:rPr lang="en-US" dirty="0"/>
+              <a:t>3</a:t>
+            </a:r>
+          </a:p>
+        </p:txBody>
+      </p:sp>
+      <p:sp>
+        <p:nvSpPr>
+          <p:cNvPr id="28" name="TextBox 27"/>
+          <p:cNvSpPr txBox="1"/>
+          <p:nvPr/>
+        </p:nvSpPr>
+        <p:spPr>
+          <a:xfrm>
+            <a:off x="7432765" y="3206362"/>
+            <a:ext cx="534616" cy="369332"/>
+          </a:xfrm>
+          <a:prstGeom prst="rect">
+            <a:avLst/>
+          </a:prstGeom>
+          <a:noFill/>
+          <a:ln w="25400">
+            <a:solidFill>
+              <a:schemeClr val="accent1">
+                <a:shade val="50000"/>
+              </a:schemeClr>
+            </a:solidFill>
+          </a:ln>
+        </p:spPr>
+        <p:txBody>
+          <a:bodyPr wrap="square" rtlCol="0">
+            <a:spAutoFit/>
+          </a:bodyPr>
+          <a:lstStyle/>
+          <a:p>
+            <a:pPr algn="ctr"/>
+            <a:r>
+              <a:rPr lang="en-US" dirty="0" smtClean="0"/>
+              <a:t>2b</a:t>
+            </a:r>
+            <a:endParaRPr lang="en-US" dirty="0"/>
+          </a:p>
+        </p:txBody>
+      </p:sp>
+      <p:sp>
+        <p:nvSpPr>
+          <p:cNvPr id="29" name="TextBox 28"/>
+          <p:cNvSpPr txBox="1"/>
+          <p:nvPr/>
+        </p:nvSpPr>
+        <p:spPr>
+          <a:xfrm>
+            <a:off x="7361343" y="1922901"/>
+            <a:ext cx="415619" cy="369332"/>
+          </a:xfrm>
+          <a:prstGeom prst="rect">
+            <a:avLst/>
+          </a:prstGeom>
+          <a:noFill/>
+          <a:ln w="25400">
+            <a:solidFill>
+              <a:schemeClr val="accent1">
+                <a:shade val="50000"/>
+              </a:schemeClr>
+            </a:solidFill>
+          </a:ln>
+        </p:spPr>
+        <p:txBody>
+          <a:bodyPr wrap="square" rtlCol="0">
+            <a:spAutoFit/>
+          </a:bodyPr>
+          <a:lstStyle/>
+          <a:p>
+            <a:pPr algn="ctr"/>
+            <a:r>
+              <a:rPr lang="en-US" dirty="0" smtClean="0"/>
+              <a:t>2a</a:t>
+            </a:r>
+            <a:endParaRPr lang="en-US" dirty="0"/>
+          </a:p>
+        </p:txBody>
+      </p:sp>
+      <p:sp>
+        <p:nvSpPr>
+          <p:cNvPr id="8" name="Can 7"/>
+          <p:cNvSpPr/>
+          <p:nvPr/>
+        </p:nvSpPr>
+        <p:spPr>
+          <a:xfrm>
+            <a:off x="9098280" y="2228624"/>
+            <a:ext cx="2380957" cy="2258969"/>
+          </a:xfrm>
+          <a:prstGeom prst="can">
+            <a:avLst/>
+          </a:prstGeom>
+        </p:spPr>
+        <p:style>
+          <a:lnRef idx="2">
+            <a:schemeClr val="accent1">
+              <a:shade val="50000"/>
+            </a:schemeClr>
+          </a:lnRef>
+          <a:fillRef idx="1">
+            <a:schemeClr val="accent1"/>
+          </a:fillRef>
+          <a:effectRef idx="0">
+            <a:schemeClr val="accent1"/>
+          </a:effectRef>
+          <a:fontRef idx="minor">
+            <a:schemeClr val="lt1"/>
+          </a:fontRef>
+        </p:style>
+        <p:txBody>
+          <a:bodyPr rtlCol="0" anchor="ctr"/>
+          <a:lstStyle/>
+          <a:p>
+            <a:pPr algn="ctr"/>
+            <a:r>
+              <a:rPr lang="en-US" sz="2400" dirty="0" smtClean="0"/>
+              <a:t>EHR</a:t>
+            </a:r>
+          </a:p>
+          <a:p>
+            <a:pPr algn="ctr"/>
+            <a:r>
+              <a:rPr lang="en-US" sz="2400" dirty="0" smtClean="0"/>
+              <a:t> FHIR Server</a:t>
+            </a:r>
+            <a:endParaRPr lang="en-US" sz="2400" dirty="0"/>
+          </a:p>
+        </p:txBody>
+      </p:sp>
+      <p:sp>
+        <p:nvSpPr>
+          <p:cNvPr id="32" name="TextBox 31"/>
+          <p:cNvSpPr txBox="1"/>
+          <p:nvPr/>
+        </p:nvSpPr>
+        <p:spPr>
+          <a:xfrm>
+            <a:off x="4437528" y="5690535"/>
+            <a:ext cx="7274859" cy="923330"/>
+          </a:xfrm>
+          <a:prstGeom prst="rect">
+            <a:avLst/>
+          </a:prstGeom>
+          <a:noFill/>
+          <a:ln w="25400" cap="flat">
+            <a:solidFill>
+              <a:schemeClr val="accent1">
+                <a:shade val="50000"/>
+              </a:schemeClr>
+            </a:solidFill>
+          </a:ln>
+        </p:spPr>
+        <p:txBody>
+          <a:bodyPr wrap="square" rtlCol="0">
+            <a:spAutoFit/>
+          </a:bodyPr>
+          <a:lstStyle/>
+          <a:p>
+            <a:r>
+              <a:rPr lang="en-US" dirty="0" smtClean="0"/>
+              <a:t>NOTE: Servers and Appointment Availability searches 2a and 2b can be separate (e.g., 3rd Party Application Scenario) or combined in a single FHIR Server and search ( e.g., EHR Patient Portal Scenarios)</a:t>
+            </a:r>
+          </a:p>
+        </p:txBody>
+      </p:sp>
+    </p:spTree>
+    <p:extLst>
+      <p:ext uri="{BB962C8B-B14F-4D97-AF65-F5344CB8AC3E}">
+        <p14:creationId xmlns:p14="http://schemas.microsoft.com/office/powerpoint/2010/main" val="702274131"/>
+      </p:ext>
+    </p:extLst>
+  </p:cSld>
+  <p:clrMapOvr>
+    <a:masterClrMapping/>
+  </p:clrMapOvr>
+</p:sld>
+</file>
+
+<file path=ppt/slides/slide4.xml><?xml version="1.0" encoding="utf-8"?>
+<p:sld xmlns:a="http://schemas.openxmlformats.org/drawingml/2006/main" xmlns:r="http://schemas.openxmlformats.org/officeDocument/2006/relationships" xmlns:p="http://schemas.openxmlformats.org/presentationml/2006/main">
+  <p:cSld>
+    <p:spTree>
+      <p:nvGrpSpPr>
+        <p:cNvPr id="1" name=""/>
+        <p:cNvGrpSpPr/>
+        <p:nvPr/>
+      </p:nvGrpSpPr>
+      <p:grpSpPr>
+        <a:xfrm>
+          <a:off x="0" y="0"/>
+          <a:ext cx="0" cy="0"/>
+          <a:chOff x="0" y="0"/>
+          <a:chExt cx="0" cy="0"/>
+        </a:xfrm>
+      </p:grpSpPr>
+      <p:pic>
+        <p:nvPicPr>
+          <p:cNvPr id="9" name="Picture 8"/>
+          <p:cNvPicPr>
+            <a:picLocks noChangeAspect="1"/>
+          </p:cNvPicPr>
+          <p:nvPr/>
+        </p:nvPicPr>
+        <p:blipFill>
+          <a:blip r:embed="rId2">
+            <a:extLst>
+              <a:ext uri="{28A0092B-C50C-407E-A947-70E740481C1C}">
+                <a14:useLocalDpi xmlns:a14="http://schemas.microsoft.com/office/drawing/2010/main" val="0"/>
+              </a:ext>
+            </a:extLst>
+          </a:blip>
+          <a:stretch>
+            <a:fillRect/>
+          </a:stretch>
+        </p:blipFill>
+        <p:spPr>
+          <a:xfrm>
+            <a:off x="744038" y="2116140"/>
+            <a:ext cx="1780491" cy="2698128"/>
+          </a:xfrm>
+          <a:prstGeom prst="rect">
+            <a:avLst/>
+          </a:prstGeom>
+        </p:spPr>
+      </p:pic>
+      <p:sp>
+        <p:nvSpPr>
+          <p:cNvPr id="40" name="Rectangle 39"/>
+          <p:cNvSpPr/>
+          <p:nvPr/>
+        </p:nvSpPr>
+        <p:spPr>
+          <a:xfrm>
+            <a:off x="4437529" y="1442189"/>
+            <a:ext cx="7274859" cy="4155142"/>
+          </a:xfrm>
+          <a:prstGeom prst="rect">
+            <a:avLst/>
+          </a:prstGeom>
+          <a:noFill/>
+          <a:ln w="63500">
+            <a:prstDash val="sysDash"/>
+          </a:ln>
+          <a:effectLst/>
+        </p:spPr>
+        <p:style>
+          <a:lnRef idx="2">
+            <a:schemeClr val="accent1">
+              <a:shade val="50000"/>
+            </a:schemeClr>
+          </a:lnRef>
+          <a:fillRef idx="1">
+            <a:schemeClr val="accent1"/>
+          </a:fillRef>
+          <a:effectRef idx="0">
+            <a:schemeClr val="accent1"/>
+          </a:effectRef>
+          <a:fontRef idx="minor">
+            <a:schemeClr val="lt1"/>
+          </a:fontRef>
+        </p:style>
+        <p:txBody>
+          <a:bodyPr rtlCol="0" anchor="ctr"/>
+          <a:lstStyle/>
+          <a:p>
+            <a:pPr algn="ctr"/>
+            <a:r>
+              <a:rPr lang="en-US" dirty="0" smtClean="0"/>
+              <a:t>               </a:t>
+            </a:r>
+            <a:endParaRPr lang="en-US" dirty="0"/>
+          </a:p>
+        </p:txBody>
+      </p:sp>
+      <p:cxnSp>
+        <p:nvCxnSpPr>
+          <p:cNvPr id="42" name="Straight Connector 41"/>
+          <p:cNvCxnSpPr/>
+          <p:nvPr/>
+        </p:nvCxnSpPr>
+        <p:spPr>
+          <a:xfrm>
+            <a:off x="8089025" y="1442189"/>
+            <a:ext cx="0" cy="4155142"/>
+          </a:xfrm>
+          <a:prstGeom prst="line">
+            <a:avLst/>
+          </a:prstGeom>
+          <a:ln w="63500">
+            <a:prstDash val="sysDash"/>
+          </a:ln>
+        </p:spPr>
+        <p:style>
+          <a:lnRef idx="1">
+            <a:schemeClr val="accent1"/>
+          </a:lnRef>
+          <a:fillRef idx="0">
+            <a:schemeClr val="accent1"/>
+          </a:fillRef>
+          <a:effectRef idx="0">
+            <a:schemeClr val="accent1"/>
+          </a:effectRef>
+          <a:fontRef idx="minor">
+            <a:schemeClr val="tx1"/>
+          </a:fontRef>
+        </p:style>
+      </p:cxnSp>
+      <p:sp>
+        <p:nvSpPr>
+          <p:cNvPr id="44" name="TextBox 43"/>
+          <p:cNvSpPr txBox="1"/>
+          <p:nvPr/>
+        </p:nvSpPr>
+        <p:spPr>
+          <a:xfrm>
+            <a:off x="2613145" y="2149323"/>
+            <a:ext cx="1736532" cy="923330"/>
+          </a:xfrm>
+          <a:prstGeom prst="rect">
+            <a:avLst/>
+          </a:prstGeom>
+          <a:noFill/>
+        </p:spPr>
+        <p:txBody>
+          <a:bodyPr wrap="square" rtlCol="0">
+            <a:spAutoFit/>
+          </a:bodyPr>
+          <a:lstStyle/>
+          <a:p>
+            <a:r>
+              <a:rPr lang="en-US" dirty="0" smtClean="0"/>
+              <a:t>End user selects from available appointments</a:t>
+            </a:r>
+            <a:endParaRPr lang="en-US" dirty="0"/>
+          </a:p>
+        </p:txBody>
+      </p:sp>
+      <p:cxnSp>
+        <p:nvCxnSpPr>
+          <p:cNvPr id="3" name="Straight Arrow Connector 2"/>
+          <p:cNvCxnSpPr/>
+          <p:nvPr/>
+        </p:nvCxnSpPr>
+        <p:spPr>
+          <a:xfrm>
+            <a:off x="2576106" y="3242025"/>
+            <a:ext cx="1861423" cy="0"/>
+          </a:xfrm>
+          <a:prstGeom prst="straightConnector1">
+            <a:avLst/>
+          </a:prstGeom>
+          <a:ln w="63500">
+            <a:tailEnd type="triangle"/>
+          </a:ln>
+        </p:spPr>
+        <p:style>
+          <a:lnRef idx="1">
+            <a:schemeClr val="accent1"/>
+          </a:lnRef>
+          <a:fillRef idx="0">
+            <a:schemeClr val="accent1"/>
+          </a:fillRef>
+          <a:effectRef idx="0">
+            <a:schemeClr val="accent1"/>
+          </a:effectRef>
+          <a:fontRef idx="minor">
+            <a:schemeClr val="tx1"/>
+          </a:fontRef>
+        </p:style>
+      </p:cxnSp>
+      <p:sp>
+        <p:nvSpPr>
+          <p:cNvPr id="4" name="TextBox 3"/>
+          <p:cNvSpPr txBox="1"/>
+          <p:nvPr/>
+        </p:nvSpPr>
+        <p:spPr>
+          <a:xfrm>
+            <a:off x="7118075" y="2560079"/>
+            <a:ext cx="2044849" cy="369332"/>
+          </a:xfrm>
+          <a:prstGeom prst="rect">
+            <a:avLst/>
+          </a:prstGeom>
+          <a:solidFill>
+            <a:schemeClr val="bg1"/>
+          </a:solidFill>
+          <a:effectLst/>
+        </p:spPr>
+        <p:txBody>
+          <a:bodyPr wrap="square" rtlCol="0">
+            <a:spAutoFit/>
+          </a:bodyPr>
+          <a:lstStyle/>
+          <a:p>
+            <a:r>
+              <a:rPr lang="en-US" dirty="0" smtClean="0"/>
+              <a:t>Holds Appointment</a:t>
+            </a:r>
+            <a:endParaRPr lang="en-US" dirty="0"/>
+          </a:p>
+        </p:txBody>
+      </p:sp>
+      <p:sp>
+        <p:nvSpPr>
+          <p:cNvPr id="21" name="TextBox 20"/>
+          <p:cNvSpPr txBox="1"/>
+          <p:nvPr/>
+        </p:nvSpPr>
+        <p:spPr>
+          <a:xfrm>
+            <a:off x="7184514" y="3857385"/>
+            <a:ext cx="2128295" cy="646331"/>
+          </a:xfrm>
+          <a:prstGeom prst="rect">
+            <a:avLst/>
+          </a:prstGeom>
+          <a:solidFill>
+            <a:schemeClr val="bg1"/>
+          </a:solidFill>
+          <a:effectLst/>
+        </p:spPr>
+        <p:txBody>
+          <a:bodyPr wrap="square" rtlCol="0">
+            <a:spAutoFit/>
+          </a:bodyPr>
+          <a:lstStyle/>
+          <a:p>
+            <a:r>
+              <a:rPr lang="en-US" smtClean="0"/>
+              <a:t>Returns Hold Confirmation</a:t>
+            </a:r>
+            <a:endParaRPr lang="en-US" dirty="0"/>
+          </a:p>
+        </p:txBody>
+      </p:sp>
+      <p:cxnSp>
+        <p:nvCxnSpPr>
+          <p:cNvPr id="22" name="Straight Arrow Connector 21"/>
+          <p:cNvCxnSpPr/>
+          <p:nvPr/>
+        </p:nvCxnSpPr>
+        <p:spPr>
+          <a:xfrm>
+            <a:off x="7186170" y="3053895"/>
+            <a:ext cx="1861423" cy="0"/>
+          </a:xfrm>
+          <a:prstGeom prst="straightConnector1">
+            <a:avLst/>
+          </a:prstGeom>
+          <a:ln w="63500">
+            <a:tailEnd type="triangle"/>
+          </a:ln>
+        </p:spPr>
+        <p:style>
+          <a:lnRef idx="1">
+            <a:schemeClr val="accent1"/>
+          </a:lnRef>
+          <a:fillRef idx="0">
+            <a:schemeClr val="accent1"/>
+          </a:fillRef>
+          <a:effectRef idx="0">
+            <a:schemeClr val="accent1"/>
+          </a:effectRef>
+          <a:fontRef idx="minor">
+            <a:schemeClr val="tx1"/>
+          </a:fontRef>
+        </p:style>
+      </p:cxnSp>
+      <p:cxnSp>
+        <p:nvCxnSpPr>
+          <p:cNvPr id="23" name="Straight Arrow Connector 22"/>
+          <p:cNvCxnSpPr/>
+          <p:nvPr/>
+        </p:nvCxnSpPr>
+        <p:spPr>
+          <a:xfrm>
+            <a:off x="7120245" y="3323527"/>
+            <a:ext cx="1861423" cy="0"/>
+          </a:xfrm>
+          <a:prstGeom prst="straightConnector1">
+            <a:avLst/>
+          </a:prstGeom>
+          <a:ln w="63500">
+            <a:headEnd type="triangle"/>
+            <a:tailEnd type="none"/>
+          </a:ln>
+        </p:spPr>
+        <p:style>
+          <a:lnRef idx="1">
+            <a:schemeClr val="accent1"/>
+          </a:lnRef>
+          <a:fillRef idx="0">
+            <a:schemeClr val="accent1"/>
+          </a:fillRef>
+          <a:effectRef idx="0">
+            <a:schemeClr val="accent1"/>
+          </a:effectRef>
+          <a:fontRef idx="minor">
+            <a:schemeClr val="tx1"/>
+          </a:fontRef>
+        </p:style>
+      </p:cxnSp>
+      <p:cxnSp>
+        <p:nvCxnSpPr>
+          <p:cNvPr id="24" name="Straight Arrow Connector 23"/>
+          <p:cNvCxnSpPr/>
+          <p:nvPr/>
+        </p:nvCxnSpPr>
+        <p:spPr>
+          <a:xfrm>
+            <a:off x="2524529" y="3635452"/>
+            <a:ext cx="1861423" cy="0"/>
+          </a:xfrm>
+          <a:prstGeom prst="straightConnector1">
+            <a:avLst/>
+          </a:prstGeom>
+          <a:ln w="63500">
+            <a:headEnd type="triangle"/>
+            <a:tailEnd type="none"/>
+          </a:ln>
+        </p:spPr>
+        <p:style>
+          <a:lnRef idx="1">
+            <a:schemeClr val="accent1"/>
+          </a:lnRef>
+          <a:fillRef idx="0">
+            <a:schemeClr val="accent1"/>
+          </a:fillRef>
+          <a:effectRef idx="0">
+            <a:schemeClr val="accent1"/>
+          </a:effectRef>
+          <a:fontRef idx="minor">
+            <a:schemeClr val="tx1"/>
+          </a:fontRef>
+        </p:style>
+      </p:cxnSp>
+      <p:sp>
+        <p:nvSpPr>
+          <p:cNvPr id="25" name="TextBox 24"/>
+          <p:cNvSpPr txBox="1"/>
+          <p:nvPr/>
+        </p:nvSpPr>
+        <p:spPr>
+          <a:xfrm>
+            <a:off x="2622977" y="3808074"/>
+            <a:ext cx="1736532" cy="1200329"/>
+          </a:xfrm>
+          <a:prstGeom prst="rect">
+            <a:avLst/>
+          </a:prstGeom>
+          <a:noFill/>
+        </p:spPr>
+        <p:txBody>
+          <a:bodyPr wrap="square" rtlCol="0">
+            <a:spAutoFit/>
+          </a:bodyPr>
+          <a:lstStyle/>
+          <a:p>
+            <a:r>
+              <a:rPr lang="en-US" dirty="0" smtClean="0"/>
+              <a:t> booking on hold until completed by End User</a:t>
+            </a:r>
+            <a:endParaRPr lang="en-US" dirty="0"/>
+          </a:p>
+        </p:txBody>
+      </p:sp>
+      <p:sp>
+        <p:nvSpPr>
+          <p:cNvPr id="5" name="TextBox 4"/>
+          <p:cNvSpPr txBox="1"/>
+          <p:nvPr/>
+        </p:nvSpPr>
+        <p:spPr>
+          <a:xfrm>
+            <a:off x="2661370" y="1760340"/>
+            <a:ext cx="333072" cy="369332"/>
+          </a:xfrm>
+          <a:prstGeom prst="rect">
+            <a:avLst/>
+          </a:prstGeom>
+          <a:noFill/>
+          <a:ln w="25400">
+            <a:solidFill>
+              <a:schemeClr val="accent1">
+                <a:shade val="50000"/>
+              </a:schemeClr>
+            </a:solidFill>
+          </a:ln>
+        </p:spPr>
+        <p:txBody>
+          <a:bodyPr wrap="square" rtlCol="0">
+            <a:spAutoFit/>
+          </a:bodyPr>
+          <a:lstStyle/>
+          <a:p>
+            <a:pPr algn="ctr"/>
+            <a:r>
+              <a:rPr lang="en-US" dirty="0" smtClean="0"/>
+              <a:t>4</a:t>
+            </a:r>
+            <a:endParaRPr lang="en-US" dirty="0"/>
+          </a:p>
+        </p:txBody>
+      </p:sp>
+      <p:sp>
+        <p:nvSpPr>
+          <p:cNvPr id="27" name="TextBox 26"/>
+          <p:cNvSpPr txBox="1"/>
+          <p:nvPr/>
+        </p:nvSpPr>
+        <p:spPr>
+          <a:xfrm>
+            <a:off x="3920590" y="3880973"/>
+            <a:ext cx="415619" cy="369332"/>
+          </a:xfrm>
+          <a:prstGeom prst="rect">
+            <a:avLst/>
+          </a:prstGeom>
+          <a:noFill/>
+          <a:ln w="25400">
+            <a:solidFill>
+              <a:schemeClr val="accent1">
+                <a:shade val="50000"/>
+              </a:schemeClr>
+            </a:solidFill>
+          </a:ln>
+        </p:spPr>
+        <p:txBody>
+          <a:bodyPr wrap="square" rtlCol="0">
+            <a:spAutoFit/>
+          </a:bodyPr>
+          <a:lstStyle/>
+          <a:p>
+            <a:pPr algn="ctr"/>
+            <a:r>
+              <a:rPr lang="en-US" dirty="0" smtClean="0"/>
+              <a:t>7</a:t>
+            </a:r>
+            <a:endParaRPr lang="en-US" dirty="0"/>
+          </a:p>
+        </p:txBody>
+      </p:sp>
+      <p:sp>
+        <p:nvSpPr>
+          <p:cNvPr id="28" name="TextBox 27"/>
+          <p:cNvSpPr txBox="1"/>
+          <p:nvPr/>
+        </p:nvSpPr>
+        <p:spPr>
+          <a:xfrm>
+            <a:off x="7410436" y="3526182"/>
+            <a:ext cx="423109" cy="369332"/>
+          </a:xfrm>
+          <a:prstGeom prst="rect">
+            <a:avLst/>
+          </a:prstGeom>
+          <a:noFill/>
+          <a:ln w="25400">
+            <a:solidFill>
+              <a:schemeClr val="accent1">
+                <a:shade val="50000"/>
+              </a:schemeClr>
+            </a:solidFill>
+          </a:ln>
+        </p:spPr>
+        <p:txBody>
+          <a:bodyPr wrap="square" rtlCol="0">
+            <a:spAutoFit/>
+          </a:bodyPr>
+          <a:lstStyle/>
+          <a:p>
+            <a:pPr algn="ctr"/>
+            <a:r>
+              <a:rPr lang="en-US" dirty="0"/>
+              <a:t>6</a:t>
+            </a:r>
+          </a:p>
+        </p:txBody>
+      </p:sp>
+      <p:sp>
+        <p:nvSpPr>
+          <p:cNvPr id="29" name="TextBox 28"/>
+          <p:cNvSpPr txBox="1"/>
+          <p:nvPr/>
+        </p:nvSpPr>
+        <p:spPr>
+          <a:xfrm>
+            <a:off x="7261131" y="2192222"/>
+            <a:ext cx="375381" cy="369332"/>
+          </a:xfrm>
+          <a:prstGeom prst="rect">
+            <a:avLst/>
+          </a:prstGeom>
+          <a:noFill/>
+          <a:ln w="25400">
+            <a:solidFill>
+              <a:schemeClr val="accent1">
+                <a:shade val="50000"/>
+              </a:schemeClr>
+            </a:solidFill>
+          </a:ln>
+        </p:spPr>
+        <p:txBody>
+          <a:bodyPr wrap="square" rtlCol="0">
+            <a:spAutoFit/>
+          </a:bodyPr>
+          <a:lstStyle/>
+          <a:p>
+            <a:pPr algn="ctr"/>
+            <a:r>
+              <a:rPr lang="en-US" dirty="0" smtClean="0"/>
+              <a:t>5</a:t>
+            </a:r>
+            <a:endParaRPr lang="en-US" dirty="0"/>
+          </a:p>
+        </p:txBody>
+      </p:sp>
+      <p:sp>
+        <p:nvSpPr>
+          <p:cNvPr id="8" name="Can 7"/>
+          <p:cNvSpPr/>
+          <p:nvPr/>
+        </p:nvSpPr>
+        <p:spPr>
+          <a:xfrm>
+            <a:off x="9098280" y="2228624"/>
+            <a:ext cx="2380957" cy="2258969"/>
+          </a:xfrm>
+          <a:prstGeom prst="can">
+            <a:avLst/>
+          </a:prstGeom>
+        </p:spPr>
+        <p:style>
+          <a:lnRef idx="2">
+            <a:schemeClr val="accent1">
+              <a:shade val="50000"/>
+            </a:schemeClr>
+          </a:lnRef>
+          <a:fillRef idx="1">
+            <a:schemeClr val="accent1"/>
+          </a:fillRef>
+          <a:effectRef idx="0">
+            <a:schemeClr val="accent1"/>
+          </a:effectRef>
+          <a:fontRef idx="minor">
+            <a:schemeClr val="lt1"/>
+          </a:fontRef>
+        </p:style>
+        <p:txBody>
+          <a:bodyPr rtlCol="0" anchor="ctr"/>
+          <a:lstStyle/>
+          <a:p>
+            <a:pPr algn="ctr"/>
+            <a:r>
+              <a:rPr lang="en-US" sz="2400" dirty="0" smtClean="0"/>
+              <a:t>EHR</a:t>
+            </a:r>
+          </a:p>
+          <a:p>
+            <a:pPr algn="ctr"/>
+            <a:r>
+              <a:rPr lang="en-US" sz="2400" dirty="0" smtClean="0"/>
+              <a:t> FHIR Server</a:t>
+            </a:r>
+            <a:endParaRPr lang="en-US" sz="2400" dirty="0"/>
+          </a:p>
+        </p:txBody>
+      </p:sp>
+      <p:sp>
+        <p:nvSpPr>
+          <p:cNvPr id="11" name="Can 10"/>
+          <p:cNvSpPr/>
+          <p:nvPr/>
+        </p:nvSpPr>
+        <p:spPr>
+          <a:xfrm>
+            <a:off x="4568612" y="2228624"/>
+            <a:ext cx="2484820" cy="2258969"/>
+          </a:xfrm>
+          <a:prstGeom prst="can">
+            <a:avLst/>
+          </a:prstGeom>
+        </p:spPr>
+        <p:style>
+          <a:lnRef idx="2">
+            <a:schemeClr val="accent1">
+              <a:shade val="50000"/>
+            </a:schemeClr>
+          </a:lnRef>
+          <a:fillRef idx="1">
+            <a:schemeClr val="accent1"/>
+          </a:fillRef>
+          <a:effectRef idx="0">
+            <a:schemeClr val="accent1"/>
+          </a:effectRef>
+          <a:fontRef idx="minor">
+            <a:schemeClr val="lt1"/>
+          </a:fontRef>
+        </p:style>
+        <p:txBody>
+          <a:bodyPr rtlCol="0" anchor="ctr"/>
+          <a:lstStyle/>
+          <a:p>
+            <a:pPr algn="ctr"/>
+            <a:r>
+              <a:rPr lang="en-US" sz="2400" dirty="0" smtClean="0"/>
+              <a:t>Client</a:t>
+            </a:r>
+          </a:p>
+          <a:p>
+            <a:pPr algn="ctr"/>
+            <a:r>
+              <a:rPr lang="en-US" sz="2400" dirty="0" smtClean="0"/>
+              <a:t> Application Server</a:t>
+            </a:r>
+            <a:endParaRPr lang="en-US" sz="2400" dirty="0"/>
+          </a:p>
+        </p:txBody>
+      </p:sp>
+    </p:spTree>
+    <p:extLst>
+      <p:ext uri="{BB962C8B-B14F-4D97-AF65-F5344CB8AC3E}">
+        <p14:creationId xmlns:p14="http://schemas.microsoft.com/office/powerpoint/2010/main" val="848340449"/>
+      </p:ext>
+    </p:extLst>
+  </p:cSld>
+  <p:clrMapOvr>
+    <a:masterClrMapping/>
+  </p:clrMapOvr>
+</p:sld>
+</file>
+
+<file path=ppt/slides/slide5.xml><?xml version="1.0" encoding="utf-8"?>
+<p:sld xmlns:a="http://schemas.openxmlformats.org/drawingml/2006/main" xmlns:r="http://schemas.openxmlformats.org/officeDocument/2006/relationships" xmlns:p="http://schemas.openxmlformats.org/presentationml/2006/main">
+  <p:cSld>
+    <p:spTree>
+      <p:nvGrpSpPr>
+        <p:cNvPr id="1" name=""/>
+        <p:cNvGrpSpPr/>
+        <p:nvPr/>
+      </p:nvGrpSpPr>
+      <p:grpSpPr>
+        <a:xfrm>
+          <a:off x="0" y="0"/>
+          <a:ext cx="0" cy="0"/>
+          <a:chOff x="0" y="0"/>
+          <a:chExt cx="0" cy="0"/>
+        </a:xfrm>
+      </p:grpSpPr>
+      <p:pic>
+        <p:nvPicPr>
+          <p:cNvPr id="9" name="Picture 8"/>
+          <p:cNvPicPr>
+            <a:picLocks noChangeAspect="1"/>
+          </p:cNvPicPr>
+          <p:nvPr/>
+        </p:nvPicPr>
+        <p:blipFill>
+          <a:blip r:embed="rId2">
+            <a:extLst>
+              <a:ext uri="{28A0092B-C50C-407E-A947-70E740481C1C}">
+                <a14:useLocalDpi xmlns:a14="http://schemas.microsoft.com/office/drawing/2010/main" val="0"/>
+              </a:ext>
+            </a:extLst>
+          </a:blip>
+          <a:stretch>
+            <a:fillRect/>
+          </a:stretch>
+        </p:blipFill>
+        <p:spPr>
+          <a:xfrm>
+            <a:off x="744038" y="2116140"/>
+            <a:ext cx="1780491" cy="2698128"/>
+          </a:xfrm>
+          <a:prstGeom prst="rect">
+            <a:avLst/>
+          </a:prstGeom>
+        </p:spPr>
+      </p:pic>
+      <p:sp>
+        <p:nvSpPr>
+          <p:cNvPr id="40" name="Rectangle 39"/>
+          <p:cNvSpPr/>
+          <p:nvPr/>
+        </p:nvSpPr>
+        <p:spPr>
+          <a:xfrm>
+            <a:off x="4437529" y="1442189"/>
+            <a:ext cx="7274859" cy="4155142"/>
+          </a:xfrm>
+          <a:prstGeom prst="rect">
+            <a:avLst/>
+          </a:prstGeom>
+          <a:noFill/>
+          <a:ln w="63500">
+            <a:prstDash val="sysDash"/>
+          </a:ln>
+          <a:effectLst/>
+        </p:spPr>
+        <p:style>
+          <a:lnRef idx="2">
+            <a:schemeClr val="accent1">
+              <a:shade val="50000"/>
+            </a:schemeClr>
+          </a:lnRef>
+          <a:fillRef idx="1">
+            <a:schemeClr val="accent1"/>
+          </a:fillRef>
+          <a:effectRef idx="0">
+            <a:schemeClr val="accent1"/>
+          </a:effectRef>
+          <a:fontRef idx="minor">
+            <a:schemeClr val="lt1"/>
+          </a:fontRef>
+        </p:style>
+        <p:txBody>
+          <a:bodyPr rtlCol="0" anchor="ctr"/>
+          <a:lstStyle/>
+          <a:p>
+            <a:pPr algn="ctr"/>
+            <a:r>
+              <a:rPr lang="en-US" dirty="0" smtClean="0"/>
+              <a:t>               </a:t>
+            </a:r>
+            <a:endParaRPr lang="en-US" dirty="0"/>
+          </a:p>
+        </p:txBody>
+      </p:sp>
+      <p:cxnSp>
+        <p:nvCxnSpPr>
+          <p:cNvPr id="42" name="Straight Connector 41"/>
+          <p:cNvCxnSpPr/>
+          <p:nvPr/>
+        </p:nvCxnSpPr>
+        <p:spPr>
+          <a:xfrm>
+            <a:off x="8089025" y="1442189"/>
+            <a:ext cx="0" cy="4155142"/>
+          </a:xfrm>
+          <a:prstGeom prst="line">
+            <a:avLst/>
+          </a:prstGeom>
+          <a:ln w="63500">
+            <a:prstDash val="sysDash"/>
+          </a:ln>
+        </p:spPr>
+        <p:style>
+          <a:lnRef idx="1">
+            <a:schemeClr val="accent1"/>
+          </a:lnRef>
+          <a:fillRef idx="0">
+            <a:schemeClr val="accent1"/>
+          </a:fillRef>
+          <a:effectRef idx="0">
+            <a:schemeClr val="accent1"/>
+          </a:effectRef>
+          <a:fontRef idx="minor">
+            <a:schemeClr val="tx1"/>
+          </a:fontRef>
+        </p:style>
+      </p:cxnSp>
+      <p:sp>
+        <p:nvSpPr>
+          <p:cNvPr id="44" name="TextBox 43"/>
+          <p:cNvSpPr txBox="1"/>
+          <p:nvPr/>
+        </p:nvSpPr>
+        <p:spPr>
+          <a:xfrm>
+            <a:off x="2613145" y="2149323"/>
+            <a:ext cx="1736532" cy="923330"/>
+          </a:xfrm>
+          <a:prstGeom prst="rect">
+            <a:avLst/>
+          </a:prstGeom>
+          <a:noFill/>
+        </p:spPr>
+        <p:txBody>
+          <a:bodyPr wrap="square" rtlCol="0">
+            <a:spAutoFit/>
+          </a:bodyPr>
+          <a:lstStyle/>
+          <a:p>
+            <a:r>
+              <a:rPr lang="en-US" dirty="0" smtClean="0"/>
+              <a:t>End user enters  patient information</a:t>
+            </a:r>
+            <a:endParaRPr lang="en-US" dirty="0"/>
+          </a:p>
+        </p:txBody>
+      </p:sp>
+      <p:cxnSp>
+        <p:nvCxnSpPr>
+          <p:cNvPr id="3" name="Straight Arrow Connector 2"/>
+          <p:cNvCxnSpPr/>
+          <p:nvPr/>
+        </p:nvCxnSpPr>
+        <p:spPr>
+          <a:xfrm>
+            <a:off x="2576106" y="3242025"/>
+            <a:ext cx="1861423" cy="0"/>
+          </a:xfrm>
+          <a:prstGeom prst="straightConnector1">
+            <a:avLst/>
+          </a:prstGeom>
+          <a:ln w="63500">
+            <a:tailEnd type="triangle"/>
+          </a:ln>
+        </p:spPr>
+        <p:style>
+          <a:lnRef idx="1">
+            <a:schemeClr val="accent1"/>
+          </a:lnRef>
+          <a:fillRef idx="0">
+            <a:schemeClr val="accent1"/>
+          </a:fillRef>
+          <a:effectRef idx="0">
+            <a:schemeClr val="accent1"/>
+          </a:effectRef>
+          <a:fontRef idx="minor">
+            <a:schemeClr val="tx1"/>
+          </a:fontRef>
+        </p:style>
+      </p:cxnSp>
+      <p:sp>
+        <p:nvSpPr>
+          <p:cNvPr id="4" name="TextBox 3"/>
+          <p:cNvSpPr txBox="1"/>
+          <p:nvPr/>
+        </p:nvSpPr>
+        <p:spPr>
+          <a:xfrm>
+            <a:off x="7088580" y="2371303"/>
+            <a:ext cx="2044849" cy="646331"/>
+          </a:xfrm>
+          <a:prstGeom prst="rect">
+            <a:avLst/>
+          </a:prstGeom>
+          <a:solidFill>
+            <a:schemeClr val="bg1"/>
+          </a:solidFill>
+          <a:effectLst/>
+        </p:spPr>
+        <p:txBody>
+          <a:bodyPr wrap="square" rtlCol="0">
+            <a:spAutoFit/>
+          </a:bodyPr>
+          <a:lstStyle/>
+          <a:p>
+            <a:r>
+              <a:rPr lang="en-US" dirty="0" smtClean="0"/>
+              <a:t>Fetch or Register Patient</a:t>
+            </a:r>
+            <a:endParaRPr lang="en-US" dirty="0"/>
+          </a:p>
+        </p:txBody>
+      </p:sp>
+      <p:sp>
+        <p:nvSpPr>
+          <p:cNvPr id="21" name="TextBox 20"/>
+          <p:cNvSpPr txBox="1"/>
+          <p:nvPr/>
+        </p:nvSpPr>
+        <p:spPr>
+          <a:xfrm>
+            <a:off x="7184514" y="3857385"/>
+            <a:ext cx="2128295" cy="369332"/>
+          </a:xfrm>
+          <a:prstGeom prst="rect">
+            <a:avLst/>
+          </a:prstGeom>
+          <a:solidFill>
+            <a:schemeClr val="bg1"/>
+          </a:solidFill>
+          <a:effectLst/>
+        </p:spPr>
+        <p:txBody>
+          <a:bodyPr wrap="square" rtlCol="0">
+            <a:spAutoFit/>
+          </a:bodyPr>
+          <a:lstStyle/>
+          <a:p>
+            <a:r>
+              <a:rPr lang="en-US" dirty="0" smtClean="0"/>
+              <a:t>Returns Patient Id</a:t>
+            </a:r>
+          </a:p>
+        </p:txBody>
+      </p:sp>
+      <p:cxnSp>
+        <p:nvCxnSpPr>
+          <p:cNvPr id="22" name="Straight Arrow Connector 21"/>
+          <p:cNvCxnSpPr/>
+          <p:nvPr/>
+        </p:nvCxnSpPr>
+        <p:spPr>
+          <a:xfrm>
+            <a:off x="7186170" y="3053895"/>
+            <a:ext cx="1861423" cy="0"/>
+          </a:xfrm>
+          <a:prstGeom prst="straightConnector1">
+            <a:avLst/>
+          </a:prstGeom>
+          <a:ln w="63500">
+            <a:tailEnd type="triangle"/>
+          </a:ln>
+        </p:spPr>
+        <p:style>
+          <a:lnRef idx="1">
+            <a:schemeClr val="accent1"/>
+          </a:lnRef>
+          <a:fillRef idx="0">
+            <a:schemeClr val="accent1"/>
+          </a:fillRef>
+          <a:effectRef idx="0">
+            <a:schemeClr val="accent1"/>
+          </a:effectRef>
+          <a:fontRef idx="minor">
+            <a:schemeClr val="tx1"/>
+          </a:fontRef>
+        </p:style>
+      </p:cxnSp>
+      <p:cxnSp>
+        <p:nvCxnSpPr>
+          <p:cNvPr id="23" name="Straight Arrow Connector 22"/>
+          <p:cNvCxnSpPr/>
+          <p:nvPr/>
+        </p:nvCxnSpPr>
+        <p:spPr>
+          <a:xfrm>
+            <a:off x="7120245" y="3323527"/>
+            <a:ext cx="1861423" cy="0"/>
+          </a:xfrm>
+          <a:prstGeom prst="straightConnector1">
+            <a:avLst/>
+          </a:prstGeom>
+          <a:ln w="63500">
+            <a:headEnd type="triangle"/>
+            <a:tailEnd type="none"/>
+          </a:ln>
+        </p:spPr>
+        <p:style>
+          <a:lnRef idx="1">
+            <a:schemeClr val="accent1"/>
+          </a:lnRef>
+          <a:fillRef idx="0">
+            <a:schemeClr val="accent1"/>
+          </a:fillRef>
+          <a:effectRef idx="0">
+            <a:schemeClr val="accent1"/>
+          </a:effectRef>
+          <a:fontRef idx="minor">
+            <a:schemeClr val="tx1"/>
+          </a:fontRef>
+        </p:style>
+      </p:cxnSp>
+      <p:sp>
+        <p:nvSpPr>
+          <p:cNvPr id="5" name="TextBox 4"/>
+          <p:cNvSpPr txBox="1"/>
+          <p:nvPr/>
+        </p:nvSpPr>
+        <p:spPr>
+          <a:xfrm>
+            <a:off x="2661370" y="1760340"/>
+            <a:ext cx="394496" cy="307777"/>
+          </a:xfrm>
+          <a:prstGeom prst="rect">
+            <a:avLst/>
+          </a:prstGeom>
+          <a:noFill/>
+          <a:ln w="25400">
+            <a:solidFill>
+              <a:schemeClr val="accent1">
+                <a:shade val="50000"/>
+              </a:schemeClr>
+            </a:solidFill>
+          </a:ln>
+        </p:spPr>
+        <p:txBody>
+          <a:bodyPr wrap="square" rtlCol="0">
+            <a:spAutoFit/>
+          </a:bodyPr>
+          <a:lstStyle/>
+          <a:p>
+            <a:pPr algn="ctr"/>
+            <a:r>
+              <a:rPr lang="en-US" sz="1400" dirty="0" smtClean="0"/>
+              <a:t>8a</a:t>
+            </a:r>
+            <a:endParaRPr lang="en-US" sz="1400" dirty="0"/>
+          </a:p>
+        </p:txBody>
+      </p:sp>
+      <p:sp>
+        <p:nvSpPr>
+          <p:cNvPr id="8" name="Can 7"/>
+          <p:cNvSpPr/>
+          <p:nvPr/>
+        </p:nvSpPr>
+        <p:spPr>
+          <a:xfrm>
+            <a:off x="9098280" y="2228624"/>
+            <a:ext cx="2380957" cy="2258969"/>
+          </a:xfrm>
+          <a:prstGeom prst="can">
+            <a:avLst/>
+          </a:prstGeom>
+        </p:spPr>
+        <p:style>
+          <a:lnRef idx="2">
+            <a:schemeClr val="accent1">
+              <a:shade val="50000"/>
+            </a:schemeClr>
+          </a:lnRef>
+          <a:fillRef idx="1">
+            <a:schemeClr val="accent1"/>
+          </a:fillRef>
+          <a:effectRef idx="0">
+            <a:schemeClr val="accent1"/>
+          </a:effectRef>
+          <a:fontRef idx="minor">
+            <a:schemeClr val="lt1"/>
+          </a:fontRef>
+        </p:style>
+        <p:txBody>
+          <a:bodyPr rtlCol="0" anchor="ctr"/>
+          <a:lstStyle/>
+          <a:p>
+            <a:pPr algn="ctr"/>
+            <a:r>
+              <a:rPr lang="en-US" sz="2400" dirty="0" smtClean="0"/>
+              <a:t>EHR</a:t>
+            </a:r>
+          </a:p>
+          <a:p>
+            <a:pPr algn="ctr"/>
+            <a:r>
+              <a:rPr lang="en-US" sz="2400" dirty="0" smtClean="0"/>
+              <a:t> FHIR Server</a:t>
+            </a:r>
+            <a:endParaRPr lang="en-US" sz="2400" dirty="0"/>
+          </a:p>
+        </p:txBody>
+      </p:sp>
+      <p:sp>
+        <p:nvSpPr>
+          <p:cNvPr id="11" name="Can 10"/>
+          <p:cNvSpPr/>
+          <p:nvPr/>
+        </p:nvSpPr>
+        <p:spPr>
+          <a:xfrm>
+            <a:off x="4568612" y="2228624"/>
+            <a:ext cx="2484820" cy="2258969"/>
+          </a:xfrm>
+          <a:prstGeom prst="can">
+            <a:avLst/>
+          </a:prstGeom>
+        </p:spPr>
+        <p:style>
+          <a:lnRef idx="2">
+            <a:schemeClr val="accent1">
+              <a:shade val="50000"/>
+            </a:schemeClr>
+          </a:lnRef>
+          <a:fillRef idx="1">
+            <a:schemeClr val="accent1"/>
+          </a:fillRef>
+          <a:effectRef idx="0">
+            <a:schemeClr val="accent1"/>
+          </a:effectRef>
+          <a:fontRef idx="minor">
+            <a:schemeClr val="lt1"/>
+          </a:fontRef>
+        </p:style>
+        <p:txBody>
+          <a:bodyPr rtlCol="0" anchor="ctr"/>
+          <a:lstStyle/>
+          <a:p>
+            <a:pPr algn="ctr"/>
+            <a:r>
+              <a:rPr lang="en-US" sz="2400" dirty="0" smtClean="0"/>
+              <a:t>Client</a:t>
+            </a:r>
+          </a:p>
+          <a:p>
+            <a:pPr algn="ctr"/>
+            <a:r>
+              <a:rPr lang="en-US" sz="2400" dirty="0" smtClean="0"/>
+              <a:t> Application Server</a:t>
+            </a:r>
+            <a:endParaRPr lang="en-US" sz="2400" dirty="0"/>
+          </a:p>
+        </p:txBody>
+      </p:sp>
+      <p:sp>
+        <p:nvSpPr>
+          <p:cNvPr id="19" name="TextBox 18"/>
+          <p:cNvSpPr txBox="1"/>
+          <p:nvPr/>
+        </p:nvSpPr>
+        <p:spPr>
+          <a:xfrm>
+            <a:off x="7387150" y="2037677"/>
+            <a:ext cx="394496" cy="307777"/>
+          </a:xfrm>
+          <a:prstGeom prst="rect">
+            <a:avLst/>
+          </a:prstGeom>
+          <a:noFill/>
+          <a:ln w="25400">
+            <a:solidFill>
+              <a:schemeClr val="accent1">
+                <a:shade val="50000"/>
+              </a:schemeClr>
+            </a:solidFill>
+          </a:ln>
+        </p:spPr>
+        <p:txBody>
+          <a:bodyPr wrap="square" rtlCol="0">
+            <a:spAutoFit/>
+          </a:bodyPr>
+          <a:lstStyle/>
+          <a:p>
+            <a:pPr algn="ctr"/>
+            <a:r>
+              <a:rPr lang="en-US" sz="1400" dirty="0" smtClean="0"/>
+              <a:t>8b</a:t>
+            </a:r>
+            <a:endParaRPr lang="en-US" sz="1400" dirty="0"/>
+          </a:p>
+        </p:txBody>
+      </p:sp>
+      <p:sp>
+        <p:nvSpPr>
+          <p:cNvPr id="20" name="TextBox 19"/>
+          <p:cNvSpPr txBox="1"/>
+          <p:nvPr/>
+        </p:nvSpPr>
+        <p:spPr>
+          <a:xfrm>
+            <a:off x="7387150" y="3585314"/>
+            <a:ext cx="394496" cy="307777"/>
+          </a:xfrm>
+          <a:prstGeom prst="rect">
+            <a:avLst/>
+          </a:prstGeom>
+          <a:noFill/>
+          <a:ln w="25400">
+            <a:solidFill>
+              <a:schemeClr val="accent1">
+                <a:shade val="50000"/>
+              </a:schemeClr>
+            </a:solidFill>
+          </a:ln>
+        </p:spPr>
+        <p:txBody>
+          <a:bodyPr wrap="square" rtlCol="0">
+            <a:spAutoFit/>
+          </a:bodyPr>
+          <a:lstStyle/>
+          <a:p>
+            <a:pPr algn="ctr"/>
+            <a:r>
+              <a:rPr lang="en-US" sz="1400" dirty="0" smtClean="0"/>
+              <a:t>8c</a:t>
+            </a:r>
+            <a:endParaRPr lang="en-US" sz="1400" dirty="0"/>
+          </a:p>
+        </p:txBody>
+      </p:sp>
+    </p:spTree>
+    <p:extLst>
+      <p:ext uri="{BB962C8B-B14F-4D97-AF65-F5344CB8AC3E}">
+        <p14:creationId xmlns:p14="http://schemas.microsoft.com/office/powerpoint/2010/main" val="688751188"/>
+      </p:ext>
+    </p:extLst>
+  </p:cSld>
+  <p:clrMapOvr>
+    <a:masterClrMapping/>
+  </p:clrMapOvr>
+</p:sld>
+</file>
+
+<file path=ppt/slides/slide6.xml><?xml version="1.0" encoding="utf-8"?>
+<p:sld xmlns:a="http://schemas.openxmlformats.org/drawingml/2006/main" xmlns:r="http://schemas.openxmlformats.org/officeDocument/2006/relationships" xmlns:p="http://schemas.openxmlformats.org/presentationml/2006/main">
+  <p:cSld>
+    <p:spTree>
+      <p:nvGrpSpPr>
+        <p:cNvPr id="1" name=""/>
+        <p:cNvGrpSpPr/>
+        <p:nvPr/>
+      </p:nvGrpSpPr>
+      <p:grpSpPr>
+        <a:xfrm>
+          <a:off x="0" y="0"/>
+          <a:ext cx="0" cy="0"/>
+          <a:chOff x="0" y="0"/>
+          <a:chExt cx="0" cy="0"/>
+        </a:xfrm>
+      </p:grpSpPr>
+      <p:pic>
+        <p:nvPicPr>
+          <p:cNvPr id="9" name="Picture 8"/>
+          <p:cNvPicPr>
+            <a:picLocks noChangeAspect="1"/>
+          </p:cNvPicPr>
+          <p:nvPr/>
+        </p:nvPicPr>
+        <p:blipFill>
+          <a:blip r:embed="rId2">
+            <a:extLst>
+              <a:ext uri="{28A0092B-C50C-407E-A947-70E740481C1C}">
+                <a14:useLocalDpi xmlns:a14="http://schemas.microsoft.com/office/drawing/2010/main" val="0"/>
+              </a:ext>
+            </a:extLst>
+          </a:blip>
+          <a:stretch>
+            <a:fillRect/>
+          </a:stretch>
+        </p:blipFill>
+        <p:spPr>
+          <a:xfrm>
+            <a:off x="744038" y="2116140"/>
+            <a:ext cx="1780491" cy="2698128"/>
+          </a:xfrm>
+          <a:prstGeom prst="rect">
+            <a:avLst/>
+          </a:prstGeom>
+        </p:spPr>
+      </p:pic>
+      <p:sp>
+        <p:nvSpPr>
+          <p:cNvPr id="40" name="Rectangle 39"/>
+          <p:cNvSpPr/>
+          <p:nvPr/>
+        </p:nvSpPr>
+        <p:spPr>
+          <a:xfrm>
+            <a:off x="4437529" y="1442189"/>
+            <a:ext cx="7274859" cy="4155142"/>
+          </a:xfrm>
+          <a:prstGeom prst="rect">
+            <a:avLst/>
+          </a:prstGeom>
+          <a:noFill/>
+          <a:ln w="63500">
+            <a:prstDash val="sysDash"/>
+          </a:ln>
+          <a:effectLst/>
+        </p:spPr>
+        <p:style>
+          <a:lnRef idx="2">
+            <a:schemeClr val="accent1">
+              <a:shade val="50000"/>
+            </a:schemeClr>
+          </a:lnRef>
+          <a:fillRef idx="1">
+            <a:schemeClr val="accent1"/>
+          </a:fillRef>
+          <a:effectRef idx="0">
+            <a:schemeClr val="accent1"/>
+          </a:effectRef>
+          <a:fontRef idx="minor">
+            <a:schemeClr val="lt1"/>
+          </a:fontRef>
+        </p:style>
+        <p:txBody>
+          <a:bodyPr rtlCol="0" anchor="ctr"/>
+          <a:lstStyle/>
+          <a:p>
+            <a:pPr algn="ctr"/>
+            <a:endParaRPr lang="en-US"/>
+          </a:p>
+        </p:txBody>
+      </p:sp>
+      <p:cxnSp>
+        <p:nvCxnSpPr>
+          <p:cNvPr id="42" name="Straight Connector 41"/>
+          <p:cNvCxnSpPr/>
+          <p:nvPr/>
+        </p:nvCxnSpPr>
+        <p:spPr>
+          <a:xfrm>
+            <a:off x="8089025" y="1442189"/>
+            <a:ext cx="0" cy="4155142"/>
+          </a:xfrm>
+          <a:prstGeom prst="line">
+            <a:avLst/>
+          </a:prstGeom>
+          <a:ln w="63500">
+            <a:prstDash val="sysDash"/>
+          </a:ln>
+        </p:spPr>
+        <p:style>
+          <a:lnRef idx="1">
+            <a:schemeClr val="accent1"/>
+          </a:lnRef>
+          <a:fillRef idx="0">
+            <a:schemeClr val="accent1"/>
+          </a:fillRef>
+          <a:effectRef idx="0">
+            <a:schemeClr val="accent1"/>
+          </a:effectRef>
+          <a:fontRef idx="minor">
+            <a:schemeClr val="tx1"/>
+          </a:fontRef>
+        </p:style>
+      </p:cxnSp>
+      <p:sp>
+        <p:nvSpPr>
+          <p:cNvPr id="4" name="TextBox 3"/>
+          <p:cNvSpPr txBox="1"/>
+          <p:nvPr/>
+        </p:nvSpPr>
+        <p:spPr>
+          <a:xfrm>
+            <a:off x="7118075" y="2560079"/>
+            <a:ext cx="2044849" cy="369332"/>
+          </a:xfrm>
+          <a:prstGeom prst="rect">
+            <a:avLst/>
+          </a:prstGeom>
+          <a:solidFill>
+            <a:schemeClr val="bg1"/>
+          </a:solidFill>
+          <a:effectLst/>
+        </p:spPr>
+        <p:txBody>
+          <a:bodyPr wrap="square" rtlCol="0">
+            <a:spAutoFit/>
+          </a:bodyPr>
+          <a:lstStyle/>
+          <a:p>
+            <a:r>
+              <a:rPr lang="en-US" dirty="0" smtClean="0"/>
+              <a:t>Books Appointment</a:t>
+            </a:r>
+            <a:endParaRPr lang="en-US" dirty="0"/>
+          </a:p>
+        </p:txBody>
+      </p:sp>
+      <p:sp>
+        <p:nvSpPr>
+          <p:cNvPr id="21" name="TextBox 20"/>
+          <p:cNvSpPr txBox="1"/>
+          <p:nvPr/>
+        </p:nvSpPr>
+        <p:spPr>
+          <a:xfrm>
+            <a:off x="7102949" y="3888037"/>
+            <a:ext cx="1976828" cy="923330"/>
+          </a:xfrm>
+          <a:prstGeom prst="rect">
+            <a:avLst/>
+          </a:prstGeom>
+          <a:solidFill>
+            <a:schemeClr val="bg1"/>
+          </a:solidFill>
+          <a:effectLst/>
+        </p:spPr>
+        <p:txBody>
+          <a:bodyPr wrap="square" rtlCol="0">
+            <a:spAutoFit/>
+          </a:bodyPr>
+          <a:lstStyle/>
+          <a:p>
+            <a:r>
+              <a:rPr lang="en-US" dirty="0" smtClean="0"/>
+              <a:t>Returns Booking</a:t>
+            </a:r>
+          </a:p>
+          <a:p>
+            <a:r>
+              <a:rPr lang="en-US" dirty="0" smtClean="0"/>
+              <a:t>Confirmation or Rejection</a:t>
+            </a:r>
+            <a:endParaRPr lang="en-US" dirty="0"/>
+          </a:p>
+        </p:txBody>
+      </p:sp>
+      <p:cxnSp>
+        <p:nvCxnSpPr>
+          <p:cNvPr id="22" name="Straight Arrow Connector 21"/>
+          <p:cNvCxnSpPr/>
+          <p:nvPr/>
+        </p:nvCxnSpPr>
+        <p:spPr>
+          <a:xfrm>
+            <a:off x="7186170" y="3053895"/>
+            <a:ext cx="1861423" cy="0"/>
+          </a:xfrm>
+          <a:prstGeom prst="straightConnector1">
+            <a:avLst/>
+          </a:prstGeom>
+          <a:ln w="63500">
+            <a:tailEnd type="triangle"/>
+          </a:ln>
+        </p:spPr>
+        <p:style>
+          <a:lnRef idx="1">
+            <a:schemeClr val="accent1"/>
+          </a:lnRef>
+          <a:fillRef idx="0">
+            <a:schemeClr val="accent1"/>
+          </a:fillRef>
+          <a:effectRef idx="0">
+            <a:schemeClr val="accent1"/>
+          </a:effectRef>
+          <a:fontRef idx="minor">
+            <a:schemeClr val="tx1"/>
+          </a:fontRef>
+        </p:style>
+      </p:cxnSp>
+      <p:cxnSp>
+        <p:nvCxnSpPr>
+          <p:cNvPr id="23" name="Straight Arrow Connector 22"/>
+          <p:cNvCxnSpPr/>
+          <p:nvPr/>
+        </p:nvCxnSpPr>
+        <p:spPr>
+          <a:xfrm>
+            <a:off x="7120245" y="3323527"/>
+            <a:ext cx="1861423" cy="0"/>
+          </a:xfrm>
+          <a:prstGeom prst="straightConnector1">
+            <a:avLst/>
+          </a:prstGeom>
+          <a:ln w="63500">
+            <a:headEnd type="triangle"/>
+            <a:tailEnd type="none"/>
+          </a:ln>
+        </p:spPr>
+        <p:style>
+          <a:lnRef idx="1">
+            <a:schemeClr val="accent1"/>
+          </a:lnRef>
+          <a:fillRef idx="0">
+            <a:schemeClr val="accent1"/>
+          </a:fillRef>
+          <a:effectRef idx="0">
+            <a:schemeClr val="accent1"/>
+          </a:effectRef>
+          <a:fontRef idx="minor">
+            <a:schemeClr val="tx1"/>
+          </a:fontRef>
+        </p:style>
+      </p:cxnSp>
+      <p:cxnSp>
+        <p:nvCxnSpPr>
+          <p:cNvPr id="24" name="Straight Arrow Connector 23"/>
+          <p:cNvCxnSpPr/>
+          <p:nvPr/>
+        </p:nvCxnSpPr>
+        <p:spPr>
+          <a:xfrm>
+            <a:off x="2524529" y="3355167"/>
+            <a:ext cx="1861423" cy="0"/>
+          </a:xfrm>
+          <a:prstGeom prst="straightConnector1">
+            <a:avLst/>
+          </a:prstGeom>
+          <a:ln w="63500">
+            <a:headEnd type="triangle"/>
+            <a:tailEnd type="none"/>
+          </a:ln>
+        </p:spPr>
+        <p:style>
+          <a:lnRef idx="1">
+            <a:schemeClr val="accent1"/>
+          </a:lnRef>
+          <a:fillRef idx="0">
+            <a:schemeClr val="accent1"/>
+          </a:fillRef>
+          <a:effectRef idx="0">
+            <a:schemeClr val="accent1"/>
+          </a:effectRef>
+          <a:fontRef idx="minor">
+            <a:schemeClr val="tx1"/>
+          </a:fontRef>
+        </p:style>
+      </p:cxnSp>
+      <p:sp>
+        <p:nvSpPr>
+          <p:cNvPr id="25" name="TextBox 24"/>
+          <p:cNvSpPr txBox="1"/>
+          <p:nvPr/>
+        </p:nvSpPr>
+        <p:spPr>
+          <a:xfrm>
+            <a:off x="2612763" y="3519760"/>
+            <a:ext cx="1736532" cy="1200329"/>
+          </a:xfrm>
+          <a:prstGeom prst="rect">
+            <a:avLst/>
+          </a:prstGeom>
+          <a:noFill/>
+        </p:spPr>
+        <p:txBody>
+          <a:bodyPr wrap="square" rtlCol="0">
+            <a:spAutoFit/>
+          </a:bodyPr>
+          <a:lstStyle/>
+          <a:p>
+            <a:r>
+              <a:rPr lang="en-US" dirty="0" smtClean="0"/>
+              <a:t>Confirms booking or  notifies of rejection</a:t>
+            </a:r>
+            <a:endParaRPr lang="en-US" dirty="0"/>
+          </a:p>
+        </p:txBody>
+      </p:sp>
+      <p:sp>
+        <p:nvSpPr>
+          <p:cNvPr id="27" name="TextBox 26"/>
+          <p:cNvSpPr txBox="1"/>
+          <p:nvPr/>
+        </p:nvSpPr>
+        <p:spPr>
+          <a:xfrm>
+            <a:off x="3828608" y="3812600"/>
+            <a:ext cx="415619" cy="369332"/>
+          </a:xfrm>
+          <a:prstGeom prst="rect">
+            <a:avLst/>
+          </a:prstGeom>
+          <a:noFill/>
+          <a:ln w="25400">
+            <a:solidFill>
+              <a:schemeClr val="accent1">
+                <a:shade val="50000"/>
+              </a:schemeClr>
+            </a:solidFill>
+          </a:ln>
+        </p:spPr>
+        <p:txBody>
+          <a:bodyPr wrap="square" rtlCol="0">
+            <a:spAutoFit/>
+          </a:bodyPr>
+          <a:lstStyle/>
+          <a:p>
+            <a:pPr algn="ctr"/>
+            <a:r>
+              <a:rPr lang="en-US" dirty="0" smtClean="0"/>
+              <a:t>11</a:t>
+            </a:r>
+            <a:endParaRPr lang="en-US" dirty="0"/>
+          </a:p>
+        </p:txBody>
+      </p:sp>
+      <p:sp>
+        <p:nvSpPr>
+          <p:cNvPr id="28" name="TextBox 27"/>
+          <p:cNvSpPr txBox="1"/>
+          <p:nvPr/>
+        </p:nvSpPr>
+        <p:spPr>
+          <a:xfrm>
+            <a:off x="7432765" y="3543987"/>
+            <a:ext cx="423109" cy="369332"/>
+          </a:xfrm>
+          <a:prstGeom prst="rect">
+            <a:avLst/>
+          </a:prstGeom>
+          <a:noFill/>
+          <a:ln w="25400">
+            <a:solidFill>
+              <a:schemeClr val="accent1">
+                <a:shade val="50000"/>
+              </a:schemeClr>
+            </a:solidFill>
+          </a:ln>
+        </p:spPr>
+        <p:txBody>
+          <a:bodyPr wrap="square" rtlCol="0">
+            <a:spAutoFit/>
+          </a:bodyPr>
+          <a:lstStyle/>
+          <a:p>
+            <a:pPr algn="ctr"/>
+            <a:r>
+              <a:rPr lang="en-US" dirty="0" smtClean="0"/>
+              <a:t>10</a:t>
+            </a:r>
+            <a:endParaRPr lang="en-US" dirty="0"/>
+          </a:p>
+        </p:txBody>
+      </p:sp>
+      <p:sp>
+        <p:nvSpPr>
+          <p:cNvPr id="29" name="TextBox 28"/>
+          <p:cNvSpPr txBox="1"/>
+          <p:nvPr/>
+        </p:nvSpPr>
+        <p:spPr>
+          <a:xfrm>
+            <a:off x="7261131" y="2192222"/>
+            <a:ext cx="375381" cy="369332"/>
+          </a:xfrm>
+          <a:prstGeom prst="rect">
+            <a:avLst/>
+          </a:prstGeom>
+          <a:noFill/>
+          <a:ln w="25400">
+            <a:solidFill>
+              <a:schemeClr val="accent1">
+                <a:shade val="50000"/>
+              </a:schemeClr>
+            </a:solidFill>
+          </a:ln>
+        </p:spPr>
+        <p:txBody>
+          <a:bodyPr wrap="square" rtlCol="0">
+            <a:spAutoFit/>
+          </a:bodyPr>
+          <a:lstStyle/>
+          <a:p>
+            <a:pPr algn="ctr"/>
+            <a:r>
+              <a:rPr lang="en-US" dirty="0"/>
+              <a:t>9</a:t>
+            </a:r>
+          </a:p>
+        </p:txBody>
+      </p:sp>
+      <p:sp>
+        <p:nvSpPr>
+          <p:cNvPr id="8" name="Can 7"/>
+          <p:cNvSpPr/>
+          <p:nvPr/>
+        </p:nvSpPr>
+        <p:spPr>
+          <a:xfrm>
+            <a:off x="9098280" y="2228624"/>
+            <a:ext cx="2380957" cy="2258969"/>
+          </a:xfrm>
+          <a:prstGeom prst="can">
+            <a:avLst/>
+          </a:prstGeom>
+        </p:spPr>
+        <p:style>
+          <a:lnRef idx="2">
+            <a:schemeClr val="accent1">
+              <a:shade val="50000"/>
+            </a:schemeClr>
+          </a:lnRef>
+          <a:fillRef idx="1">
+            <a:schemeClr val="accent1"/>
+          </a:fillRef>
+          <a:effectRef idx="0">
+            <a:schemeClr val="accent1"/>
+          </a:effectRef>
+          <a:fontRef idx="minor">
+            <a:schemeClr val="lt1"/>
+          </a:fontRef>
+        </p:style>
+        <p:txBody>
+          <a:bodyPr rtlCol="0" anchor="ctr"/>
+          <a:lstStyle/>
+          <a:p>
+            <a:pPr algn="ctr"/>
+            <a:r>
+              <a:rPr lang="en-US" sz="2400" dirty="0" smtClean="0"/>
+              <a:t>EHR</a:t>
+            </a:r>
+          </a:p>
+          <a:p>
+            <a:pPr algn="ctr"/>
+            <a:r>
+              <a:rPr lang="en-US" sz="2400" dirty="0" smtClean="0"/>
+              <a:t> FHIR Server</a:t>
+            </a:r>
+            <a:endParaRPr lang="en-US" sz="2400" dirty="0"/>
+          </a:p>
+        </p:txBody>
+      </p:sp>
+      <p:sp>
+        <p:nvSpPr>
+          <p:cNvPr id="11" name="Can 10"/>
+          <p:cNvSpPr/>
+          <p:nvPr/>
+        </p:nvSpPr>
+        <p:spPr>
+          <a:xfrm>
+            <a:off x="4568612" y="2228624"/>
+            <a:ext cx="2484820" cy="2258969"/>
+          </a:xfrm>
+          <a:prstGeom prst="can">
+            <a:avLst/>
+          </a:prstGeom>
+        </p:spPr>
+        <p:style>
+          <a:lnRef idx="2">
+            <a:schemeClr val="accent1">
+              <a:shade val="50000"/>
+            </a:schemeClr>
+          </a:lnRef>
+          <a:fillRef idx="1">
+            <a:schemeClr val="accent1"/>
+          </a:fillRef>
+          <a:effectRef idx="0">
+            <a:schemeClr val="accent1"/>
+          </a:effectRef>
+          <a:fontRef idx="minor">
+            <a:schemeClr val="lt1"/>
+          </a:fontRef>
+        </p:style>
+        <p:txBody>
+          <a:bodyPr rtlCol="0" anchor="ctr"/>
+          <a:lstStyle/>
+          <a:p>
+            <a:pPr algn="ctr"/>
+            <a:r>
+              <a:rPr lang="en-US" sz="2400" dirty="0" smtClean="0"/>
+              <a:t>Client</a:t>
+            </a:r>
+          </a:p>
+          <a:p>
+            <a:pPr algn="ctr"/>
+            <a:r>
+              <a:rPr lang="en-US" sz="2400" dirty="0" smtClean="0"/>
+              <a:t> Application Server</a:t>
+            </a:r>
+            <a:endParaRPr lang="en-US" sz="2400" dirty="0"/>
+          </a:p>
+        </p:txBody>
+      </p:sp>
+    </p:spTree>
+    <p:extLst>
+      <p:ext uri="{BB962C8B-B14F-4D97-AF65-F5344CB8AC3E}">
+        <p14:creationId xmlns:p14="http://schemas.microsoft.com/office/powerpoint/2010/main" val="1611381086"/>
+      </p:ext>
+    </p:extLst>
+  </p:cSld>
+  <p:clrMapOvr>
+    <a:masterClrMapping/>
+  </p:clrMapOvr>
+</p:sld>
+</file>
+
+<file path=ppt/slides/slide7.xml><?xml version="1.0" encoding="utf-8"?>
+<p:sld xmlns:a="http://schemas.openxmlformats.org/drawingml/2006/main" xmlns:r="http://schemas.openxmlformats.org/officeDocument/2006/relationships" xmlns:p="http://schemas.openxmlformats.org/presentationml/2006/main">
+  <p:cSld>
+    <p:spTree>
+      <p:nvGrpSpPr>
+        <p:cNvPr id="1" name=""/>
+        <p:cNvGrpSpPr/>
+        <p:nvPr/>
+      </p:nvGrpSpPr>
+      <p:grpSpPr>
+        <a:xfrm>
+          <a:off x="0" y="0"/>
+          <a:ext cx="0" cy="0"/>
+          <a:chOff x="0" y="0"/>
+          <a:chExt cx="0" cy="0"/>
+        </a:xfrm>
+      </p:grpSpPr>
+      <p:pic>
+        <p:nvPicPr>
+          <p:cNvPr id="9" name="Picture 8"/>
+          <p:cNvPicPr>
+            <a:picLocks noChangeAspect="1"/>
+          </p:cNvPicPr>
+          <p:nvPr/>
+        </p:nvPicPr>
+        <p:blipFill>
+          <a:blip r:embed="rId2">
+            <a:extLst>
+              <a:ext uri="{28A0092B-C50C-407E-A947-70E740481C1C}">
+                <a14:useLocalDpi xmlns:a14="http://schemas.microsoft.com/office/drawing/2010/main" val="0"/>
+              </a:ext>
+            </a:extLst>
+          </a:blip>
+          <a:stretch>
+            <a:fillRect/>
+          </a:stretch>
+        </p:blipFill>
+        <p:spPr>
+          <a:xfrm>
+            <a:off x="744038" y="2116140"/>
+            <a:ext cx="1780491" cy="2698128"/>
+          </a:xfrm>
+          <a:prstGeom prst="rect">
+            <a:avLst/>
+          </a:prstGeom>
+        </p:spPr>
+      </p:pic>
+      <p:sp>
+        <p:nvSpPr>
+          <p:cNvPr id="40" name="Rectangle 39"/>
+          <p:cNvSpPr/>
+          <p:nvPr/>
+        </p:nvSpPr>
+        <p:spPr>
+          <a:xfrm>
+            <a:off x="4437529" y="1442189"/>
+            <a:ext cx="7274859" cy="4155142"/>
+          </a:xfrm>
+          <a:prstGeom prst="rect">
+            <a:avLst/>
+          </a:prstGeom>
+          <a:noFill/>
+          <a:ln w="63500">
+            <a:prstDash val="sysDash"/>
+          </a:ln>
+          <a:effectLst/>
+        </p:spPr>
+        <p:style>
+          <a:lnRef idx="2">
+            <a:schemeClr val="accent1">
+              <a:shade val="50000"/>
+            </a:schemeClr>
+          </a:lnRef>
+          <a:fillRef idx="1">
+            <a:schemeClr val="accent1"/>
+          </a:fillRef>
+          <a:effectRef idx="0">
+            <a:schemeClr val="accent1"/>
+          </a:effectRef>
+          <a:fontRef idx="minor">
+            <a:schemeClr val="lt1"/>
+          </a:fontRef>
+        </p:style>
+        <p:txBody>
+          <a:bodyPr rtlCol="0" anchor="ctr"/>
+          <a:lstStyle/>
+          <a:p>
+            <a:pPr algn="ctr"/>
+            <a:endParaRPr lang="en-US"/>
+          </a:p>
+        </p:txBody>
+      </p:sp>
+      <p:cxnSp>
+        <p:nvCxnSpPr>
+          <p:cNvPr id="42" name="Straight Connector 41"/>
+          <p:cNvCxnSpPr/>
+          <p:nvPr/>
+        </p:nvCxnSpPr>
+        <p:spPr>
+          <a:xfrm>
+            <a:off x="8089025" y="1442189"/>
+            <a:ext cx="0" cy="4155142"/>
+          </a:xfrm>
+          <a:prstGeom prst="line">
+            <a:avLst/>
+          </a:prstGeom>
+          <a:ln w="63500">
+            <a:prstDash val="sysDash"/>
+          </a:ln>
+        </p:spPr>
+        <p:style>
+          <a:lnRef idx="1">
+            <a:schemeClr val="accent1"/>
+          </a:lnRef>
+          <a:fillRef idx="0">
+            <a:schemeClr val="accent1"/>
+          </a:fillRef>
+          <a:effectRef idx="0">
+            <a:schemeClr val="accent1"/>
+          </a:effectRef>
+          <a:fontRef idx="minor">
+            <a:schemeClr val="tx1"/>
+          </a:fontRef>
+        </p:style>
+      </p:cxnSp>
+      <p:sp>
+        <p:nvSpPr>
+          <p:cNvPr id="44" name="TextBox 43"/>
+          <p:cNvSpPr txBox="1"/>
+          <p:nvPr/>
+        </p:nvSpPr>
+        <p:spPr>
+          <a:xfrm>
+            <a:off x="2613145" y="2149323"/>
+            <a:ext cx="1736532" cy="923330"/>
+          </a:xfrm>
+          <a:prstGeom prst="rect">
+            <a:avLst/>
+          </a:prstGeom>
+          <a:noFill/>
+        </p:spPr>
+        <p:txBody>
+          <a:bodyPr wrap="square" rtlCol="0">
+            <a:spAutoFit/>
+          </a:bodyPr>
+          <a:lstStyle/>
+          <a:p>
+            <a:r>
+              <a:rPr lang="en-US" dirty="0" smtClean="0"/>
+              <a:t>End user cancels booked appointment</a:t>
+            </a:r>
+            <a:endParaRPr lang="en-US" dirty="0"/>
+          </a:p>
+        </p:txBody>
+      </p:sp>
+      <p:cxnSp>
+        <p:nvCxnSpPr>
+          <p:cNvPr id="3" name="Straight Arrow Connector 2"/>
+          <p:cNvCxnSpPr/>
+          <p:nvPr/>
+        </p:nvCxnSpPr>
+        <p:spPr>
+          <a:xfrm>
+            <a:off x="2576106" y="3242025"/>
+            <a:ext cx="1861423" cy="0"/>
+          </a:xfrm>
+          <a:prstGeom prst="straightConnector1">
+            <a:avLst/>
+          </a:prstGeom>
+          <a:ln w="63500">
+            <a:tailEnd type="triangle"/>
+          </a:ln>
+        </p:spPr>
+        <p:style>
+          <a:lnRef idx="1">
+            <a:schemeClr val="accent1"/>
+          </a:lnRef>
+          <a:fillRef idx="0">
+            <a:schemeClr val="accent1"/>
+          </a:fillRef>
+          <a:effectRef idx="0">
+            <a:schemeClr val="accent1"/>
+          </a:effectRef>
+          <a:fontRef idx="minor">
+            <a:schemeClr val="tx1"/>
+          </a:fontRef>
+        </p:style>
+      </p:cxnSp>
+      <p:sp>
+        <p:nvSpPr>
+          <p:cNvPr id="4" name="TextBox 3"/>
+          <p:cNvSpPr txBox="1"/>
+          <p:nvPr/>
+        </p:nvSpPr>
+        <p:spPr>
+          <a:xfrm>
+            <a:off x="7094456" y="2388098"/>
+            <a:ext cx="2044849" cy="646331"/>
+          </a:xfrm>
+          <a:prstGeom prst="rect">
+            <a:avLst/>
+          </a:prstGeom>
+          <a:solidFill>
+            <a:schemeClr val="bg1"/>
+          </a:solidFill>
+          <a:effectLst/>
+        </p:spPr>
+        <p:txBody>
+          <a:bodyPr wrap="square" rtlCol="0">
+            <a:spAutoFit/>
+          </a:bodyPr>
+          <a:lstStyle/>
+          <a:p>
+            <a:r>
+              <a:rPr lang="en-US" smtClean="0"/>
+              <a:t>Cancels </a:t>
+            </a:r>
+            <a:r>
+              <a:rPr lang="en-US" dirty="0" smtClean="0"/>
+              <a:t>Appointment</a:t>
+            </a:r>
+            <a:endParaRPr lang="en-US" dirty="0"/>
+          </a:p>
+        </p:txBody>
+      </p:sp>
+      <p:sp>
+        <p:nvSpPr>
+          <p:cNvPr id="21" name="TextBox 20"/>
+          <p:cNvSpPr txBox="1"/>
+          <p:nvPr/>
+        </p:nvSpPr>
+        <p:spPr>
+          <a:xfrm>
+            <a:off x="7102949" y="3888037"/>
+            <a:ext cx="1976828" cy="923330"/>
+          </a:xfrm>
+          <a:prstGeom prst="rect">
+            <a:avLst/>
+          </a:prstGeom>
+          <a:solidFill>
+            <a:schemeClr val="bg1"/>
+          </a:solidFill>
+          <a:effectLst/>
+        </p:spPr>
+        <p:txBody>
+          <a:bodyPr wrap="square" rtlCol="0">
+            <a:spAutoFit/>
+          </a:bodyPr>
+          <a:lstStyle/>
+          <a:p>
+            <a:r>
+              <a:rPr lang="en-US" dirty="0" smtClean="0"/>
+              <a:t>Returns </a:t>
+            </a:r>
+          </a:p>
+          <a:p>
+            <a:r>
+              <a:rPr lang="en-US" dirty="0" smtClean="0"/>
+              <a:t>Confirmation of Cancellation</a:t>
+            </a:r>
+            <a:endParaRPr lang="en-US" dirty="0"/>
+          </a:p>
+        </p:txBody>
+      </p:sp>
+      <p:cxnSp>
+        <p:nvCxnSpPr>
+          <p:cNvPr id="22" name="Straight Arrow Connector 21"/>
+          <p:cNvCxnSpPr/>
+          <p:nvPr/>
+        </p:nvCxnSpPr>
+        <p:spPr>
+          <a:xfrm>
+            <a:off x="7186170" y="3053895"/>
+            <a:ext cx="1861423" cy="0"/>
+          </a:xfrm>
+          <a:prstGeom prst="straightConnector1">
+            <a:avLst/>
+          </a:prstGeom>
+          <a:ln w="63500">
+            <a:tailEnd type="triangle"/>
+          </a:ln>
+        </p:spPr>
+        <p:style>
+          <a:lnRef idx="1">
+            <a:schemeClr val="accent1"/>
+          </a:lnRef>
+          <a:fillRef idx="0">
+            <a:schemeClr val="accent1"/>
+          </a:fillRef>
+          <a:effectRef idx="0">
+            <a:schemeClr val="accent1"/>
+          </a:effectRef>
+          <a:fontRef idx="minor">
+            <a:schemeClr val="tx1"/>
+          </a:fontRef>
+        </p:style>
+      </p:cxnSp>
+      <p:cxnSp>
+        <p:nvCxnSpPr>
+          <p:cNvPr id="23" name="Straight Arrow Connector 22"/>
+          <p:cNvCxnSpPr/>
+          <p:nvPr/>
+        </p:nvCxnSpPr>
+        <p:spPr>
+          <a:xfrm>
+            <a:off x="7120245" y="3323527"/>
+            <a:ext cx="1861423" cy="0"/>
+          </a:xfrm>
+          <a:prstGeom prst="straightConnector1">
+            <a:avLst/>
+          </a:prstGeom>
+          <a:ln w="63500">
+            <a:headEnd type="triangle"/>
+            <a:tailEnd type="none"/>
+          </a:ln>
+        </p:spPr>
+        <p:style>
+          <a:lnRef idx="1">
+            <a:schemeClr val="accent1"/>
+          </a:lnRef>
+          <a:fillRef idx="0">
+            <a:schemeClr val="accent1"/>
+          </a:fillRef>
+          <a:effectRef idx="0">
+            <a:schemeClr val="accent1"/>
+          </a:effectRef>
+          <a:fontRef idx="minor">
+            <a:schemeClr val="tx1"/>
+          </a:fontRef>
+        </p:style>
+      </p:cxnSp>
+      <p:cxnSp>
+        <p:nvCxnSpPr>
+          <p:cNvPr id="24" name="Straight Arrow Connector 23"/>
+          <p:cNvCxnSpPr/>
+          <p:nvPr/>
+        </p:nvCxnSpPr>
+        <p:spPr>
+          <a:xfrm>
+            <a:off x="2524529" y="3635452"/>
+            <a:ext cx="1861423" cy="0"/>
+          </a:xfrm>
+          <a:prstGeom prst="straightConnector1">
+            <a:avLst/>
+          </a:prstGeom>
+          <a:ln w="63500">
+            <a:headEnd type="triangle"/>
+            <a:tailEnd type="none"/>
+          </a:ln>
+        </p:spPr>
+        <p:style>
+          <a:lnRef idx="1">
+            <a:schemeClr val="accent1"/>
+          </a:lnRef>
+          <a:fillRef idx="0">
+            <a:schemeClr val="accent1"/>
+          </a:fillRef>
+          <a:effectRef idx="0">
+            <a:schemeClr val="accent1"/>
+          </a:effectRef>
+          <a:fontRef idx="minor">
+            <a:schemeClr val="tx1"/>
+          </a:fontRef>
+        </p:style>
+      </p:cxnSp>
+      <p:sp>
+        <p:nvSpPr>
+          <p:cNvPr id="25" name="TextBox 24"/>
+          <p:cNvSpPr txBox="1"/>
+          <p:nvPr/>
+        </p:nvSpPr>
+        <p:spPr>
+          <a:xfrm>
+            <a:off x="2622977" y="3808074"/>
+            <a:ext cx="1736532" cy="646331"/>
+          </a:xfrm>
+          <a:prstGeom prst="rect">
+            <a:avLst/>
+          </a:prstGeom>
+          <a:noFill/>
+        </p:spPr>
+        <p:txBody>
+          <a:bodyPr wrap="square" rtlCol="0">
+            <a:spAutoFit/>
+          </a:bodyPr>
+          <a:lstStyle/>
+          <a:p>
+            <a:r>
+              <a:rPr lang="en-US" dirty="0" smtClean="0"/>
+              <a:t>Confirms cancellation</a:t>
+            </a:r>
+            <a:endParaRPr lang="en-US" dirty="0"/>
+          </a:p>
+        </p:txBody>
+      </p:sp>
+      <p:sp>
+        <p:nvSpPr>
+          <p:cNvPr id="5" name="TextBox 4"/>
+          <p:cNvSpPr txBox="1"/>
+          <p:nvPr/>
+        </p:nvSpPr>
+        <p:spPr>
+          <a:xfrm>
+            <a:off x="2661370" y="1760340"/>
+            <a:ext cx="554738" cy="307777"/>
+          </a:xfrm>
+          <a:prstGeom prst="rect">
+            <a:avLst/>
+          </a:prstGeom>
+          <a:noFill/>
+          <a:ln w="25400">
+            <a:solidFill>
+              <a:schemeClr val="accent1">
+                <a:shade val="50000"/>
+              </a:schemeClr>
+            </a:solidFill>
+          </a:ln>
+        </p:spPr>
+        <p:txBody>
+          <a:bodyPr wrap="square" rtlCol="0">
+            <a:spAutoFit/>
+          </a:bodyPr>
+          <a:lstStyle/>
+          <a:p>
+            <a:pPr algn="ctr"/>
+            <a:r>
+              <a:rPr lang="en-US" sz="1400" dirty="0" smtClean="0"/>
+              <a:t>12c</a:t>
+            </a:r>
+            <a:endParaRPr lang="en-US" sz="1400" dirty="0"/>
+          </a:p>
+        </p:txBody>
+      </p:sp>
+      <p:sp>
+        <p:nvSpPr>
+          <p:cNvPr id="8" name="Can 7"/>
+          <p:cNvSpPr/>
+          <p:nvPr/>
+        </p:nvSpPr>
+        <p:spPr>
+          <a:xfrm>
+            <a:off x="9098280" y="2228624"/>
+            <a:ext cx="2380957" cy="2258969"/>
+          </a:xfrm>
+          <a:prstGeom prst="can">
+            <a:avLst/>
+          </a:prstGeom>
+        </p:spPr>
+        <p:style>
+          <a:lnRef idx="2">
+            <a:schemeClr val="accent1">
+              <a:shade val="50000"/>
+            </a:schemeClr>
+          </a:lnRef>
+          <a:fillRef idx="1">
+            <a:schemeClr val="accent1"/>
+          </a:fillRef>
+          <a:effectRef idx="0">
+            <a:schemeClr val="accent1"/>
+          </a:effectRef>
+          <a:fontRef idx="minor">
+            <a:schemeClr val="lt1"/>
+          </a:fontRef>
+        </p:style>
+        <p:txBody>
+          <a:bodyPr rtlCol="0" anchor="ctr"/>
+          <a:lstStyle/>
+          <a:p>
+            <a:pPr algn="ctr"/>
+            <a:r>
+              <a:rPr lang="en-US" sz="2400" dirty="0" smtClean="0"/>
+              <a:t>EHR</a:t>
+            </a:r>
+          </a:p>
+          <a:p>
+            <a:pPr algn="ctr"/>
+            <a:r>
+              <a:rPr lang="en-US" sz="2400" dirty="0" smtClean="0"/>
+              <a:t> FHIR Server</a:t>
+            </a:r>
+            <a:endParaRPr lang="en-US" sz="2400" dirty="0"/>
+          </a:p>
+        </p:txBody>
+      </p:sp>
+      <p:sp>
+        <p:nvSpPr>
+          <p:cNvPr id="11" name="Can 10"/>
+          <p:cNvSpPr/>
+          <p:nvPr/>
+        </p:nvSpPr>
+        <p:spPr>
+          <a:xfrm>
+            <a:off x="4568612" y="2228624"/>
+            <a:ext cx="2484820" cy="2258969"/>
+          </a:xfrm>
+          <a:prstGeom prst="can">
+            <a:avLst/>
+          </a:prstGeom>
+        </p:spPr>
+        <p:style>
+          <a:lnRef idx="2">
+            <a:schemeClr val="accent1">
+              <a:shade val="50000"/>
+            </a:schemeClr>
+          </a:lnRef>
+          <a:fillRef idx="1">
+            <a:schemeClr val="accent1"/>
+          </a:fillRef>
+          <a:effectRef idx="0">
+            <a:schemeClr val="accent1"/>
+          </a:effectRef>
+          <a:fontRef idx="minor">
+            <a:schemeClr val="lt1"/>
+          </a:fontRef>
+        </p:style>
+        <p:txBody>
+          <a:bodyPr rtlCol="0" anchor="ctr"/>
+          <a:lstStyle/>
+          <a:p>
+            <a:pPr algn="ctr"/>
+            <a:r>
+              <a:rPr lang="en-US" sz="2400" dirty="0" smtClean="0"/>
+              <a:t>Client</a:t>
+            </a:r>
+          </a:p>
+          <a:p>
+            <a:pPr algn="ctr"/>
+            <a:r>
+              <a:rPr lang="en-US" sz="2400" dirty="0" smtClean="0"/>
+              <a:t> Application Server</a:t>
+            </a:r>
+            <a:endParaRPr lang="en-US" sz="2400" dirty="0"/>
+          </a:p>
+        </p:txBody>
+      </p:sp>
+      <p:sp>
+        <p:nvSpPr>
+          <p:cNvPr id="20" name="TextBox 19"/>
+          <p:cNvSpPr txBox="1"/>
+          <p:nvPr/>
+        </p:nvSpPr>
+        <p:spPr>
+          <a:xfrm>
+            <a:off x="7397350" y="3605389"/>
+            <a:ext cx="554738" cy="307777"/>
+          </a:xfrm>
+          <a:prstGeom prst="rect">
+            <a:avLst/>
+          </a:prstGeom>
+          <a:noFill/>
+          <a:ln w="25400">
+            <a:solidFill>
+              <a:schemeClr val="accent1">
+                <a:shade val="50000"/>
+              </a:schemeClr>
+            </a:solidFill>
+          </a:ln>
+        </p:spPr>
+        <p:txBody>
+          <a:bodyPr wrap="square" rtlCol="0">
+            <a:spAutoFit/>
+          </a:bodyPr>
+          <a:lstStyle/>
+          <a:p>
+            <a:pPr algn="ctr"/>
+            <a:r>
+              <a:rPr lang="en-US" sz="1400" dirty="0" smtClean="0"/>
+              <a:t>14c</a:t>
+            </a:r>
+            <a:endParaRPr lang="en-US" sz="1400" dirty="0"/>
+          </a:p>
+        </p:txBody>
+      </p:sp>
+      <p:sp>
+        <p:nvSpPr>
+          <p:cNvPr id="30" name="TextBox 29"/>
+          <p:cNvSpPr txBox="1"/>
+          <p:nvPr/>
+        </p:nvSpPr>
+        <p:spPr>
+          <a:xfrm>
+            <a:off x="8316284" y="2269115"/>
+            <a:ext cx="554738" cy="307777"/>
+          </a:xfrm>
+          <a:prstGeom prst="rect">
+            <a:avLst/>
+          </a:prstGeom>
+          <a:noFill/>
+          <a:ln w="25400">
+            <a:solidFill>
+              <a:schemeClr val="accent1">
+                <a:shade val="50000"/>
+              </a:schemeClr>
+            </a:solidFill>
+          </a:ln>
+        </p:spPr>
+        <p:txBody>
+          <a:bodyPr wrap="square" rtlCol="0">
+            <a:spAutoFit/>
+          </a:bodyPr>
+          <a:lstStyle/>
+          <a:p>
+            <a:pPr algn="ctr"/>
+            <a:r>
+              <a:rPr lang="en-US" sz="1400" dirty="0" smtClean="0"/>
+              <a:t>13c</a:t>
+            </a:r>
+            <a:endParaRPr lang="en-US" sz="1400" dirty="0"/>
+          </a:p>
+        </p:txBody>
+      </p:sp>
+      <p:sp>
+        <p:nvSpPr>
+          <p:cNvPr id="31" name="TextBox 30"/>
+          <p:cNvSpPr txBox="1"/>
+          <p:nvPr/>
+        </p:nvSpPr>
+        <p:spPr>
+          <a:xfrm>
+            <a:off x="3643978" y="3889033"/>
+            <a:ext cx="554738" cy="307777"/>
+          </a:xfrm>
+          <a:prstGeom prst="rect">
+            <a:avLst/>
+          </a:prstGeom>
+          <a:noFill/>
+          <a:ln w="25400">
+            <a:solidFill>
+              <a:schemeClr val="accent1">
+                <a:shade val="50000"/>
+              </a:schemeClr>
+            </a:solidFill>
+          </a:ln>
+        </p:spPr>
+        <p:txBody>
+          <a:bodyPr wrap="square" rtlCol="0">
+            <a:spAutoFit/>
+          </a:bodyPr>
+          <a:lstStyle/>
+          <a:p>
+            <a:pPr algn="ctr"/>
+            <a:r>
+              <a:rPr lang="en-US" sz="1400" dirty="0" smtClean="0"/>
+              <a:t>15c</a:t>
+            </a:r>
+            <a:endParaRPr lang="en-US" sz="1400" dirty="0"/>
+          </a:p>
+        </p:txBody>
+      </p:sp>
+    </p:spTree>
+    <p:extLst>
+      <p:ext uri="{BB962C8B-B14F-4D97-AF65-F5344CB8AC3E}">
+        <p14:creationId xmlns:p14="http://schemas.microsoft.com/office/powerpoint/2010/main" val="85523241"/>
+      </p:ext>
+    </p:extLst>
+  </p:cSld>
+  <p:clrMapOvr>
+    <a:masterClrMapping/>
+  </p:clrMapOvr>
+</p:sld>
+</file>
+
+<file path=ppt/slides/slide8.xml><?xml version="1.0" encoding="utf-8"?>
+<p:sld xmlns:a="http://schemas.openxmlformats.org/drawingml/2006/main" xmlns:r="http://schemas.openxmlformats.org/officeDocument/2006/relationships" xmlns:p="http://schemas.openxmlformats.org/presentationml/2006/main">
+  <p:cSld>
+    <p:spTree>
+      <p:nvGrpSpPr>
+        <p:cNvPr id="1" name=""/>
+        <p:cNvGrpSpPr/>
+        <p:nvPr/>
+      </p:nvGrpSpPr>
+      <p:grpSpPr>
+        <a:xfrm>
+          <a:off x="0" y="0"/>
+          <a:ext cx="0" cy="0"/>
+          <a:chOff x="0" y="0"/>
+          <a:chExt cx="0" cy="0"/>
+        </a:xfrm>
+      </p:grpSpPr>
+      <p:sp>
+        <p:nvSpPr>
+          <p:cNvPr id="11" name="Can 10"/>
+          <p:cNvSpPr/>
+          <p:nvPr/>
+        </p:nvSpPr>
+        <p:spPr>
+          <a:xfrm>
+            <a:off x="3883299" y="2390275"/>
+            <a:ext cx="2484820" cy="2258969"/>
+          </a:xfrm>
+          <a:prstGeom prst="can">
+            <a:avLst/>
+          </a:prstGeom>
+        </p:spPr>
+        <p:style>
+          <a:lnRef idx="2">
+            <a:schemeClr val="accent1">
+              <a:shade val="50000"/>
+            </a:schemeClr>
+          </a:lnRef>
+          <a:fillRef idx="1">
+            <a:schemeClr val="accent1"/>
+          </a:fillRef>
+          <a:effectRef idx="0">
+            <a:schemeClr val="accent1"/>
+          </a:effectRef>
+          <a:fontRef idx="minor">
+            <a:schemeClr val="lt1"/>
+          </a:fontRef>
+        </p:style>
+        <p:txBody>
+          <a:bodyPr rtlCol="0" anchor="ctr"/>
+          <a:lstStyle/>
+          <a:p>
+            <a:pPr algn="ctr"/>
+            <a:r>
+              <a:rPr lang="en-US" sz="2400" dirty="0" smtClean="0"/>
+              <a:t>Client</a:t>
+            </a:r>
+          </a:p>
+          <a:p>
+            <a:pPr algn="ctr"/>
+            <a:r>
+              <a:rPr lang="en-US" sz="2400" dirty="0" smtClean="0"/>
+              <a:t>(Scheduling Application)</a:t>
+            </a:r>
+            <a:endParaRPr lang="en-US" sz="2400" dirty="0"/>
+          </a:p>
+        </p:txBody>
+      </p:sp>
+      <p:grpSp>
+        <p:nvGrpSpPr>
+          <p:cNvPr id="15" name="Group 14"/>
+          <p:cNvGrpSpPr/>
+          <p:nvPr/>
+        </p:nvGrpSpPr>
+        <p:grpSpPr>
+          <a:xfrm>
+            <a:off x="6368119" y="2847448"/>
+            <a:ext cx="2929455" cy="941944"/>
+            <a:chOff x="3858207" y="2205609"/>
+            <a:chExt cx="4595305" cy="941944"/>
+          </a:xfrm>
+        </p:grpSpPr>
+        <p:sp>
+          <p:nvSpPr>
+            <p:cNvPr id="4" name="TextBox 3"/>
+            <p:cNvSpPr txBox="1"/>
+            <p:nvPr/>
+          </p:nvSpPr>
+          <p:spPr>
+            <a:xfrm>
+              <a:off x="4931870" y="2205609"/>
+              <a:ext cx="3521642" cy="369332"/>
+            </a:xfrm>
+            <a:prstGeom prst="rect">
+              <a:avLst/>
+            </a:prstGeom>
+            <a:solidFill>
+              <a:schemeClr val="bg1"/>
+            </a:solidFill>
+            <a:effectLst/>
+          </p:spPr>
+          <p:txBody>
+            <a:bodyPr wrap="square" rtlCol="0">
+              <a:spAutoFit/>
+            </a:bodyPr>
+            <a:lstStyle/>
+            <a:p>
+              <a:r>
+                <a:rPr lang="en-US" dirty="0" smtClean="0"/>
+                <a:t>Share Business Rules</a:t>
+              </a:r>
+              <a:endParaRPr lang="en-US" dirty="0"/>
+            </a:p>
+          </p:txBody>
+        </p:sp>
+        <p:cxnSp>
+          <p:nvCxnSpPr>
+            <p:cNvPr id="23" name="Straight Arrow Connector 22"/>
+            <p:cNvCxnSpPr/>
+            <p:nvPr/>
+          </p:nvCxnSpPr>
+          <p:spPr>
+            <a:xfrm>
+              <a:off x="3858207" y="3147553"/>
+              <a:ext cx="4438123" cy="0"/>
+            </a:xfrm>
+            <a:prstGeom prst="straightConnector1">
+              <a:avLst/>
+            </a:prstGeom>
+            <a:ln w="63500">
+              <a:headEnd type="triangle"/>
+              <a:tailEnd type="none"/>
+            </a:ln>
+          </p:spPr>
+          <p:style>
+            <a:lnRef idx="1">
+              <a:schemeClr val="accent1"/>
+            </a:lnRef>
+            <a:fillRef idx="0">
+              <a:schemeClr val="accent1"/>
+            </a:fillRef>
+            <a:effectRef idx="0">
+              <a:schemeClr val="accent1"/>
+            </a:effectRef>
+            <a:fontRef idx="minor">
+              <a:schemeClr val="tx1"/>
+            </a:fontRef>
+          </p:style>
+        </p:cxnSp>
+        <p:sp>
+          <p:nvSpPr>
+            <p:cNvPr id="29" name="TextBox 28"/>
+            <p:cNvSpPr txBox="1"/>
+            <p:nvPr/>
+          </p:nvSpPr>
+          <p:spPr>
+            <a:xfrm>
+              <a:off x="4160992" y="2205609"/>
+              <a:ext cx="415618" cy="369332"/>
+            </a:xfrm>
+            <a:prstGeom prst="rect">
+              <a:avLst/>
+            </a:prstGeom>
+            <a:noFill/>
+            <a:ln w="25400">
+              <a:solidFill>
+                <a:schemeClr val="accent1">
+                  <a:shade val="50000"/>
+                </a:schemeClr>
+              </a:solidFill>
+            </a:ln>
+          </p:spPr>
+          <p:txBody>
+            <a:bodyPr wrap="square" rtlCol="0">
+              <a:spAutoFit/>
+            </a:bodyPr>
+            <a:lstStyle/>
+            <a:p>
+              <a:pPr algn="ctr"/>
+              <a:r>
+                <a:rPr lang="en-US" dirty="0"/>
+                <a:t>A</a:t>
+              </a:r>
+            </a:p>
+          </p:txBody>
+        </p:sp>
+      </p:grpSp>
+      <p:sp>
+        <p:nvSpPr>
+          <p:cNvPr id="8" name="Can 7"/>
+          <p:cNvSpPr/>
+          <p:nvPr/>
+        </p:nvSpPr>
+        <p:spPr>
+          <a:xfrm>
+            <a:off x="9297574" y="2359802"/>
+            <a:ext cx="2380957" cy="2258969"/>
+          </a:xfrm>
+          <a:prstGeom prst="can">
+            <a:avLst/>
+          </a:prstGeom>
+        </p:spPr>
+        <p:style>
+          <a:lnRef idx="2">
+            <a:schemeClr val="accent1">
+              <a:shade val="50000"/>
+            </a:schemeClr>
+          </a:lnRef>
+          <a:fillRef idx="1">
+            <a:schemeClr val="accent1"/>
+          </a:fillRef>
+          <a:effectRef idx="0">
+            <a:schemeClr val="accent1"/>
+          </a:effectRef>
+          <a:fontRef idx="minor">
+            <a:schemeClr val="lt1"/>
+          </a:fontRef>
+        </p:style>
+        <p:txBody>
+          <a:bodyPr rtlCol="0" anchor="ctr"/>
+          <a:lstStyle/>
+          <a:p>
+            <a:pPr algn="ctr"/>
+            <a:r>
+              <a:rPr lang="en-US" sz="2400" dirty="0" smtClean="0"/>
+              <a:t>FHIR Scheduler, (EHR)</a:t>
+            </a:r>
+            <a:endParaRPr lang="en-US" sz="2400" dirty="0"/>
+          </a:p>
+        </p:txBody>
+      </p:sp>
+      <p:sp>
+        <p:nvSpPr>
+          <p:cNvPr id="2" name="TextBox 1"/>
+          <p:cNvSpPr txBox="1"/>
+          <p:nvPr/>
+        </p:nvSpPr>
+        <p:spPr>
+          <a:xfrm>
+            <a:off x="3281082" y="731520"/>
+            <a:ext cx="4292302" cy="369332"/>
+          </a:xfrm>
+          <a:prstGeom prst="rect">
+            <a:avLst/>
+          </a:prstGeom>
+          <a:noFill/>
+        </p:spPr>
+        <p:txBody>
+          <a:bodyPr wrap="square" rtlCol="0">
+            <a:spAutoFit/>
+          </a:bodyPr>
+          <a:lstStyle/>
+          <a:p>
+            <a:r>
+              <a:rPr lang="en-US" dirty="0" smtClean="0"/>
+              <a:t>Pre-fetch Work Flow </a:t>
+            </a:r>
+            <a:endParaRPr lang="en-US" dirty="0"/>
+          </a:p>
+        </p:txBody>
+      </p:sp>
+      <p:pic>
+        <p:nvPicPr>
+          <p:cNvPr id="9" name="Picture 8"/>
+          <p:cNvPicPr>
+            <a:picLocks noChangeAspect="1"/>
+          </p:cNvPicPr>
+          <p:nvPr/>
+        </p:nvPicPr>
+        <p:blipFill>
+          <a:blip r:embed="rId3">
+            <a:extLst>
+              <a:ext uri="{28A0092B-C50C-407E-A947-70E740481C1C}">
+                <a14:useLocalDpi xmlns:a14="http://schemas.microsoft.com/office/drawing/2010/main" val="0"/>
+              </a:ext>
+            </a:extLst>
+          </a:blip>
+          <a:stretch>
+            <a:fillRect/>
+          </a:stretch>
+        </p:blipFill>
+        <p:spPr>
+          <a:xfrm>
+            <a:off x="744038" y="2116140"/>
+            <a:ext cx="1780491" cy="2698128"/>
+          </a:xfrm>
+          <a:prstGeom prst="rect">
+            <a:avLst/>
+          </a:prstGeom>
+        </p:spPr>
+      </p:pic>
+    </p:spTree>
+    <p:extLst>
+      <p:ext uri="{BB962C8B-B14F-4D97-AF65-F5344CB8AC3E}">
+        <p14:creationId xmlns:p14="http://schemas.microsoft.com/office/powerpoint/2010/main" val="702274131"/>
+      </p:ext>
+    </p:extLst>
+  </p:cSld>
+  <p:clrMapOvr>
+    <a:masterClrMapping/>
+  </p:clrMapOvr>
+</p:sld>
+</file>
+
+<file path=ppt/slides/slide9.xml><?xml version="1.0" encoding="utf-8"?>
+<p:sld xmlns:a="http://schemas.openxmlformats.org/drawingml/2006/main" xmlns:r="http://schemas.openxmlformats.org/officeDocument/2006/relationships" xmlns:p="http://schemas.openxmlformats.org/presentationml/2006/main">
+  <p:cSld>
+    <p:spTree>
+      <p:nvGrpSpPr>
+        <p:cNvPr id="1" name=""/>
+        <p:cNvGrpSpPr/>
+        <p:nvPr/>
+      </p:nvGrpSpPr>
+      <p:grpSpPr>
+        <a:xfrm>
+          <a:off x="0" y="0"/>
+          <a:ext cx="0" cy="0"/>
+          <a:chOff x="0" y="0"/>
+          <a:chExt cx="0" cy="0"/>
+        </a:xfrm>
+      </p:grpSpPr>
+      <p:sp>
+        <p:nvSpPr>
+          <p:cNvPr id="11" name="Can 10"/>
+          <p:cNvSpPr/>
+          <p:nvPr/>
+        </p:nvSpPr>
+        <p:spPr>
+          <a:xfrm>
+            <a:off x="3883299" y="2390275"/>
+            <a:ext cx="2484820" cy="2258969"/>
+          </a:xfrm>
+          <a:prstGeom prst="can">
+            <a:avLst/>
+          </a:prstGeom>
+        </p:spPr>
+        <p:style>
+          <a:lnRef idx="2">
+            <a:schemeClr val="accent1">
+              <a:shade val="50000"/>
+            </a:schemeClr>
+          </a:lnRef>
+          <a:fillRef idx="1">
+            <a:schemeClr val="accent1"/>
+          </a:fillRef>
+          <a:effectRef idx="0">
+            <a:schemeClr val="accent1"/>
+          </a:effectRef>
+          <a:fontRef idx="minor">
+            <a:schemeClr val="lt1"/>
+          </a:fontRef>
+        </p:style>
+        <p:txBody>
+          <a:bodyPr rtlCol="0" anchor="ctr"/>
+          <a:lstStyle/>
+          <a:p>
+            <a:pPr algn="ctr"/>
+            <a:r>
+              <a:rPr lang="en-US" sz="2400" dirty="0" smtClean="0"/>
+              <a:t>Client</a:t>
+            </a:r>
+          </a:p>
+          <a:p>
+            <a:pPr algn="ctr"/>
+            <a:r>
+              <a:rPr lang="en-US" sz="2400" dirty="0" smtClean="0"/>
+              <a:t>(Scheduling Application)</a:t>
+            </a:r>
+            <a:endParaRPr lang="en-US" sz="2400" dirty="0"/>
+          </a:p>
+        </p:txBody>
+      </p:sp>
+      <p:grpSp>
+        <p:nvGrpSpPr>
+          <p:cNvPr id="15" name="Group 14"/>
+          <p:cNvGrpSpPr/>
+          <p:nvPr/>
+        </p:nvGrpSpPr>
+        <p:grpSpPr>
+          <a:xfrm>
+            <a:off x="6368119" y="2637731"/>
+            <a:ext cx="2929455" cy="1151661"/>
+            <a:chOff x="3858207" y="1995892"/>
+            <a:chExt cx="4595305" cy="1151661"/>
+          </a:xfrm>
+        </p:grpSpPr>
+        <p:cxnSp>
+          <p:nvCxnSpPr>
+            <p:cNvPr id="22" name="Straight Arrow Connector 21"/>
+            <p:cNvCxnSpPr/>
+            <p:nvPr/>
+          </p:nvCxnSpPr>
+          <p:spPr>
+            <a:xfrm>
+              <a:off x="4015389" y="2877921"/>
+              <a:ext cx="4438123" cy="0"/>
+            </a:xfrm>
+            <a:prstGeom prst="straightConnector1">
+              <a:avLst/>
+            </a:prstGeom>
+            <a:ln w="63500">
+              <a:tailEnd type="triangle"/>
+            </a:ln>
+          </p:spPr>
+          <p:style>
+            <a:lnRef idx="1">
+              <a:schemeClr val="accent1"/>
+            </a:lnRef>
+            <a:fillRef idx="0">
+              <a:schemeClr val="accent1"/>
+            </a:fillRef>
+            <a:effectRef idx="0">
+              <a:schemeClr val="accent1"/>
+            </a:effectRef>
+            <a:fontRef idx="minor">
+              <a:schemeClr val="tx1"/>
+            </a:fontRef>
+          </p:style>
+        </p:cxnSp>
+        <p:sp>
+          <p:nvSpPr>
+            <p:cNvPr id="4" name="TextBox 3"/>
+            <p:cNvSpPr txBox="1"/>
+            <p:nvPr/>
+          </p:nvSpPr>
+          <p:spPr>
+            <a:xfrm>
+              <a:off x="4853279" y="1995892"/>
+              <a:ext cx="3521642" cy="646331"/>
+            </a:xfrm>
+            <a:prstGeom prst="rect">
+              <a:avLst/>
+            </a:prstGeom>
+            <a:solidFill>
+              <a:schemeClr val="bg1"/>
+            </a:solidFill>
+            <a:effectLst/>
+          </p:spPr>
+          <p:txBody>
+            <a:bodyPr wrap="square" rtlCol="0">
+              <a:spAutoFit/>
+            </a:bodyPr>
+            <a:lstStyle/>
+            <a:p>
+              <a:r>
+                <a:rPr lang="en-US" dirty="0" smtClean="0"/>
+                <a:t>Fetch open Slots* for Service(s)</a:t>
+              </a:r>
+              <a:endParaRPr lang="en-US" dirty="0"/>
+            </a:p>
+          </p:txBody>
+        </p:sp>
+        <p:cxnSp>
+          <p:nvCxnSpPr>
+            <p:cNvPr id="23" name="Straight Arrow Connector 22"/>
+            <p:cNvCxnSpPr/>
+            <p:nvPr/>
+          </p:nvCxnSpPr>
+          <p:spPr>
+            <a:xfrm>
+              <a:off x="3858207" y="3147553"/>
+              <a:ext cx="4438123" cy="0"/>
+            </a:xfrm>
+            <a:prstGeom prst="straightConnector1">
+              <a:avLst/>
+            </a:prstGeom>
+            <a:ln w="63500">
+              <a:headEnd type="triangle"/>
+              <a:tailEnd type="none"/>
+            </a:ln>
+          </p:spPr>
+          <p:style>
+            <a:lnRef idx="1">
+              <a:schemeClr val="accent1"/>
+            </a:lnRef>
+            <a:fillRef idx="0">
+              <a:schemeClr val="accent1"/>
+            </a:fillRef>
+            <a:effectRef idx="0">
+              <a:schemeClr val="accent1"/>
+            </a:effectRef>
+            <a:fontRef idx="minor">
+              <a:schemeClr val="tx1"/>
+            </a:fontRef>
+          </p:style>
+        </p:cxnSp>
+        <p:sp>
+          <p:nvSpPr>
+            <p:cNvPr id="29" name="TextBox 28"/>
+            <p:cNvSpPr txBox="1"/>
+            <p:nvPr/>
+          </p:nvSpPr>
+          <p:spPr>
+            <a:xfrm>
+              <a:off x="4160992" y="2205609"/>
+              <a:ext cx="415618" cy="369332"/>
+            </a:xfrm>
+            <a:prstGeom prst="rect">
+              <a:avLst/>
+            </a:prstGeom>
+            <a:noFill/>
+            <a:ln w="25400">
+              <a:solidFill>
+                <a:schemeClr val="accent1">
+                  <a:shade val="50000"/>
+                </a:schemeClr>
+              </a:solidFill>
+            </a:ln>
+          </p:spPr>
+          <p:txBody>
+            <a:bodyPr wrap="square" rtlCol="0">
+              <a:spAutoFit/>
+            </a:bodyPr>
+            <a:lstStyle/>
+            <a:p>
+              <a:pPr algn="ctr"/>
+              <a:r>
+                <a:rPr lang="en-US" dirty="0"/>
+                <a:t>B</a:t>
+              </a:r>
+            </a:p>
+          </p:txBody>
+        </p:sp>
+      </p:grpSp>
+      <p:sp>
+        <p:nvSpPr>
+          <p:cNvPr id="8" name="Can 7"/>
+          <p:cNvSpPr/>
+          <p:nvPr/>
+        </p:nvSpPr>
+        <p:spPr>
+          <a:xfrm>
+            <a:off x="9297574" y="2359802"/>
+            <a:ext cx="2380957" cy="2258969"/>
+          </a:xfrm>
+          <a:prstGeom prst="can">
+            <a:avLst/>
+          </a:prstGeom>
+        </p:spPr>
+        <p:style>
+          <a:lnRef idx="2">
+            <a:schemeClr val="accent1">
+              <a:shade val="50000"/>
+            </a:schemeClr>
+          </a:lnRef>
+          <a:fillRef idx="1">
+            <a:schemeClr val="accent1"/>
+          </a:fillRef>
+          <a:effectRef idx="0">
+            <a:schemeClr val="accent1"/>
+          </a:effectRef>
+          <a:fontRef idx="minor">
+            <a:schemeClr val="lt1"/>
+          </a:fontRef>
+        </p:style>
+        <p:txBody>
+          <a:bodyPr rtlCol="0" anchor="ctr"/>
+          <a:lstStyle/>
+          <a:p>
+            <a:pPr algn="ctr"/>
+            <a:r>
+              <a:rPr lang="en-US" sz="2400" dirty="0" smtClean="0"/>
+              <a:t>FHIR Scheduler, (EHR)</a:t>
+            </a:r>
+            <a:endParaRPr lang="en-US" sz="2400" dirty="0"/>
+          </a:p>
+        </p:txBody>
+      </p:sp>
+      <p:sp>
+        <p:nvSpPr>
+          <p:cNvPr id="9" name="TextBox 8"/>
+          <p:cNvSpPr txBox="1"/>
+          <p:nvPr/>
+        </p:nvSpPr>
+        <p:spPr>
+          <a:xfrm>
+            <a:off x="3281082" y="731520"/>
+            <a:ext cx="4292302" cy="646331"/>
+          </a:xfrm>
+          <a:prstGeom prst="rect">
+            <a:avLst/>
+          </a:prstGeom>
+          <a:noFill/>
+        </p:spPr>
+        <p:txBody>
+          <a:bodyPr wrap="square" rtlCol="0">
+            <a:spAutoFit/>
+          </a:bodyPr>
+          <a:lstStyle/>
+          <a:p>
+            <a:r>
+              <a:rPr lang="en-US" dirty="0" smtClean="0"/>
+              <a:t>Pre-fetch Work Flow </a:t>
+            </a:r>
+            <a:r>
+              <a:rPr lang="mr-IN" dirty="0" smtClean="0"/>
+              <a:t>–</a:t>
+            </a:r>
+            <a:r>
+              <a:rPr lang="en-US" dirty="0" smtClean="0"/>
+              <a:t> Option A Poll for open slots</a:t>
+            </a:r>
+            <a:endParaRPr lang="en-US" dirty="0"/>
+          </a:p>
+        </p:txBody>
+      </p:sp>
+      <p:sp>
+        <p:nvSpPr>
+          <p:cNvPr id="2" name="TextBox 1"/>
+          <p:cNvSpPr txBox="1"/>
+          <p:nvPr/>
+        </p:nvSpPr>
+        <p:spPr>
+          <a:xfrm>
+            <a:off x="5125709" y="5120640"/>
+            <a:ext cx="3351317" cy="646331"/>
+          </a:xfrm>
+          <a:prstGeom prst="rect">
+            <a:avLst/>
+          </a:prstGeom>
+          <a:noFill/>
+        </p:spPr>
+        <p:txBody>
+          <a:bodyPr wrap="square" rtlCol="0">
+            <a:spAutoFit/>
+          </a:bodyPr>
+          <a:lstStyle/>
+          <a:p>
+            <a:r>
+              <a:rPr lang="en-US" dirty="0" smtClean="0"/>
+              <a:t>* Include Schedule, Practitioner, Location</a:t>
+            </a:r>
+            <a:endParaRPr lang="en-US" dirty="0"/>
+          </a:p>
+        </p:txBody>
+      </p:sp>
+      <p:pic>
+        <p:nvPicPr>
+          <p:cNvPr id="12" name="Picture 11"/>
+          <p:cNvPicPr>
+            <a:picLocks noChangeAspect="1"/>
+          </p:cNvPicPr>
+          <p:nvPr/>
+        </p:nvPicPr>
+        <p:blipFill>
+          <a:blip r:embed="rId3">
+            <a:extLst>
+              <a:ext uri="{28A0092B-C50C-407E-A947-70E740481C1C}">
+                <a14:useLocalDpi xmlns:a14="http://schemas.microsoft.com/office/drawing/2010/main" val="0"/>
+              </a:ext>
+            </a:extLst>
+          </a:blip>
+          <a:stretch>
+            <a:fillRect/>
+          </a:stretch>
+        </p:blipFill>
+        <p:spPr>
+          <a:xfrm>
+            <a:off x="744038" y="2116140"/>
+            <a:ext cx="1780491" cy="2698128"/>
+          </a:xfrm>
+          <a:prstGeom prst="rect">
+            <a:avLst/>
+          </a:prstGeom>
+        </p:spPr>
+      </p:pic>
+    </p:spTree>
+    <p:extLst>
+      <p:ext uri="{BB962C8B-B14F-4D97-AF65-F5344CB8AC3E}">
+        <p14:creationId xmlns:p14="http://schemas.microsoft.com/office/powerpoint/2010/main" val="1665658277"/>
       </p:ext>
     </p:extLst>
   </p:cSld>
@@ -9012,7 +11327,7 @@
   <a:extraClrSchemeLst/>
   <a:extLst>
     <a:ext uri="{05A4C25C-085E-4340-85A3-A5531E510DB2}">
-      <thm15:themeFamily xmlns:thm15="http://schemas.microsoft.com/office/thememl/2012/main" xmlns="" name="Office Theme" id="{62F939B6-93AF-4DB8-9C6B-D6C7DFDC589F}" vid="{4A3C46E8-61CC-4603-A589-7422A47A8E4A}"/>
+      <thm15:themeFamily xmlns:thm15="http://schemas.microsoft.com/office/thememl/2012/main" name="Office Theme" id="{62F939B6-93AF-4DB8-9C6B-D6C7DFDC589F}" vid="{4A3C46E8-61CC-4603-A589-7422A47A8E4A}"/>
     </a:ext>
   </a:extLst>
 </a:theme>
@@ -9273,7 +11588,7 @@
   <a:extraClrSchemeLst/>
   <a:extLst>
     <a:ext uri="{05A4C25C-085E-4340-85A3-A5531E510DB2}">
-      <thm15:themeFamily xmlns:thm15="http://schemas.microsoft.com/office/thememl/2012/main" xmlns="" name="Office Theme" id="{62F939B6-93AF-4DB8-9C6B-D6C7DFDC589F}" vid="{4A3C46E8-61CC-4603-A589-7422A47A8E4A}"/>
+      <thm15:themeFamily xmlns:thm15="http://schemas.microsoft.com/office/thememl/2012/main" name="Office Theme" id="{62F939B6-93AF-4DB8-9C6B-D6C7DFDC589F}" vid="{4A3C46E8-61CC-4603-A589-7422A47A8E4A}"/>
     </a:ext>
   </a:extLst>
 </a:theme>

--- a/meeting-notes/WorkFlowDiagrams.pptx
+++ b/meeting-notes/WorkFlowDiagrams.pptx
@@ -5,7 +5,7 @@
     <p:sldMasterId id="2147483648" r:id="rId1"/>
   </p:sldMasterIdLst>
   <p:notesMasterIdLst>
-    <p:notesMasterId r:id="rId16"/>
+    <p:notesMasterId r:id="rId19"/>
   </p:notesMasterIdLst>
   <p:sldIdLst>
     <p:sldId id="256" r:id="rId2"/>
@@ -18,10 +18,13 @@
     <p:sldId id="264" r:id="rId9"/>
     <p:sldId id="269" r:id="rId10"/>
     <p:sldId id="271" r:id="rId11"/>
-    <p:sldId id="267" r:id="rId12"/>
-    <p:sldId id="268" r:id="rId13"/>
-    <p:sldId id="270" r:id="rId14"/>
-    <p:sldId id="266" r:id="rId15"/>
+    <p:sldId id="272" r:id="rId12"/>
+    <p:sldId id="273" r:id="rId13"/>
+    <p:sldId id="274" r:id="rId14"/>
+    <p:sldId id="267" r:id="rId15"/>
+    <p:sldId id="268" r:id="rId16"/>
+    <p:sldId id="270" r:id="rId17"/>
+    <p:sldId id="266" r:id="rId18"/>
   </p:sldIdLst>
   <p:sldSz cx="12192000" cy="6858000"/>
   <p:notesSz cx="6858000" cy="9144000"/>
@@ -897,7 +900,7 @@
             <a:fld id="{41AA1877-C0DC-7444-845F-24A0FAE907CA}" type="slidenum">
               <a:rPr lang="en-US" smtClean="0"/>
               <a:pPr/>
-              <a:t>11</a:t>
+              <a:t>14</a:t>
             </a:fld>
             <a:endParaRPr lang="en-US"/>
           </a:p>
@@ -982,7 +985,7 @@
             <a:fld id="{41AA1877-C0DC-7444-845F-24A0FAE907CA}" type="slidenum">
               <a:rPr lang="en-US" smtClean="0"/>
               <a:pPr/>
-              <a:t>12</a:t>
+              <a:t>15</a:t>
             </a:fld>
             <a:endParaRPr lang="en-US"/>
           </a:p>
@@ -1067,7 +1070,7 @@
             <a:fld id="{41AA1877-C0DC-7444-845F-24A0FAE907CA}" type="slidenum">
               <a:rPr lang="en-US" smtClean="0"/>
               <a:pPr/>
-              <a:t>13</a:t>
+              <a:t>16</a:t>
             </a:fld>
             <a:endParaRPr lang="en-US"/>
           </a:p>
@@ -1152,7 +1155,7 @@
             <a:fld id="{41AA1877-C0DC-7444-845F-24A0FAE907CA}" type="slidenum">
               <a:rPr lang="en-US" smtClean="0"/>
               <a:pPr/>
-              <a:t>14</a:t>
+              <a:t>17</a:t>
             </a:fld>
             <a:endParaRPr lang="en-US"/>
           </a:p>
@@ -4948,14 +4951,15 @@
             <a:pPr algn="ctr"/>
             <a:r>
               <a:rPr lang="en-US" sz="2400" dirty="0" smtClean="0"/>
-              <a:t>EHR</a:t>
-            </a:r>
-          </a:p>
-          <a:p>
-            <a:pPr algn="ctr"/>
+              <a:t> </a:t>
+            </a:r>
             <a:r>
               <a:rPr lang="en-US" sz="2400" dirty="0" smtClean="0"/>
-              <a:t> FHIR Server</a:t>
+              <a:t>FHIR </a:t>
+            </a:r>
+            <a:r>
+              <a:rPr lang="en-US" sz="2400" dirty="0" smtClean="0"/>
+              <a:t>Scheduler, (EHR)</a:t>
             </a:r>
             <a:endParaRPr lang="en-US" sz="2400" dirty="0"/>
           </a:p>
@@ -5009,10 +5013,1714 @@
   <p:clrMapOvr>
     <a:masterClrMapping/>
   </p:clrMapOvr>
+  <p:timing>
+    <p:tnLst>
+      <p:par>
+        <p:cTn id="1" dur="indefinite" restart="never" nodeType="tmRoot"/>
+      </p:par>
+    </p:tnLst>
+  </p:timing>
 </p:sld>
 </file>
 
 <file path=ppt/slides/slide11.xml><?xml version="1.0" encoding="utf-8"?>
+<p:sld xmlns:a="http://schemas.openxmlformats.org/drawingml/2006/main" xmlns:r="http://schemas.openxmlformats.org/officeDocument/2006/relationships" xmlns:p="http://schemas.openxmlformats.org/presentationml/2006/main">
+  <p:cSld>
+    <p:spTree>
+      <p:nvGrpSpPr>
+        <p:cNvPr id="1" name=""/>
+        <p:cNvGrpSpPr/>
+        <p:nvPr/>
+      </p:nvGrpSpPr>
+      <p:grpSpPr>
+        <a:xfrm>
+          <a:off x="0" y="0"/>
+          <a:ext cx="0" cy="0"/>
+          <a:chOff x="0" y="0"/>
+          <a:chExt cx="0" cy="0"/>
+        </a:xfrm>
+      </p:grpSpPr>
+      <p:pic>
+        <p:nvPicPr>
+          <p:cNvPr id="9" name="Picture 8"/>
+          <p:cNvPicPr>
+            <a:picLocks noChangeAspect="1"/>
+          </p:cNvPicPr>
+          <p:nvPr/>
+        </p:nvPicPr>
+        <p:blipFill>
+          <a:blip r:embed="rId2">
+            <a:extLst>
+              <a:ext uri="{28A0092B-C50C-407E-A947-70E740481C1C}">
+                <a14:useLocalDpi xmlns:a14="http://schemas.microsoft.com/office/drawing/2010/main" val="0"/>
+              </a:ext>
+            </a:extLst>
+          </a:blip>
+          <a:stretch>
+            <a:fillRect/>
+          </a:stretch>
+        </p:blipFill>
+        <p:spPr>
+          <a:xfrm>
+            <a:off x="744038" y="2116140"/>
+            <a:ext cx="1780491" cy="2698128"/>
+          </a:xfrm>
+          <a:prstGeom prst="rect">
+            <a:avLst/>
+          </a:prstGeom>
+        </p:spPr>
+      </p:pic>
+      <p:sp>
+        <p:nvSpPr>
+          <p:cNvPr id="44" name="TextBox 43"/>
+          <p:cNvSpPr txBox="1"/>
+          <p:nvPr/>
+        </p:nvSpPr>
+        <p:spPr>
+          <a:xfrm>
+            <a:off x="2613145" y="2149323"/>
+            <a:ext cx="1736532" cy="923330"/>
+          </a:xfrm>
+          <a:prstGeom prst="rect">
+            <a:avLst/>
+          </a:prstGeom>
+          <a:noFill/>
+        </p:spPr>
+        <p:txBody>
+          <a:bodyPr wrap="square" rtlCol="0">
+            <a:spAutoFit/>
+          </a:bodyPr>
+          <a:lstStyle/>
+          <a:p>
+            <a:r>
+              <a:rPr lang="en-US" dirty="0" smtClean="0"/>
+              <a:t>End user selects from available appointments</a:t>
+            </a:r>
+            <a:endParaRPr lang="en-US" dirty="0"/>
+          </a:p>
+        </p:txBody>
+      </p:sp>
+      <p:cxnSp>
+        <p:nvCxnSpPr>
+          <p:cNvPr id="3" name="Straight Arrow Connector 2"/>
+          <p:cNvCxnSpPr/>
+          <p:nvPr/>
+        </p:nvCxnSpPr>
+        <p:spPr>
+          <a:xfrm>
+            <a:off x="2576106" y="3242025"/>
+            <a:ext cx="1861423" cy="0"/>
+          </a:xfrm>
+          <a:prstGeom prst="straightConnector1">
+            <a:avLst/>
+          </a:prstGeom>
+          <a:ln w="63500">
+            <a:tailEnd type="triangle"/>
+          </a:ln>
+        </p:spPr>
+        <p:style>
+          <a:lnRef idx="1">
+            <a:schemeClr val="accent1"/>
+          </a:lnRef>
+          <a:fillRef idx="0">
+            <a:schemeClr val="accent1"/>
+          </a:fillRef>
+          <a:effectRef idx="0">
+            <a:schemeClr val="accent1"/>
+          </a:effectRef>
+          <a:fontRef idx="minor">
+            <a:schemeClr val="tx1"/>
+          </a:fontRef>
+        </p:style>
+      </p:cxnSp>
+      <p:sp>
+        <p:nvSpPr>
+          <p:cNvPr id="4" name="TextBox 3"/>
+          <p:cNvSpPr txBox="1"/>
+          <p:nvPr/>
+        </p:nvSpPr>
+        <p:spPr>
+          <a:xfrm>
+            <a:off x="7118973" y="2388501"/>
+            <a:ext cx="2044849" cy="646331"/>
+          </a:xfrm>
+          <a:prstGeom prst="rect">
+            <a:avLst/>
+          </a:prstGeom>
+          <a:solidFill>
+            <a:schemeClr val="bg1"/>
+          </a:solidFill>
+          <a:effectLst/>
+        </p:spPr>
+        <p:txBody>
+          <a:bodyPr wrap="square" rtlCol="0">
+            <a:spAutoFit/>
+          </a:bodyPr>
+          <a:lstStyle/>
+          <a:p>
+            <a:r>
+              <a:rPr lang="en-US" dirty="0" smtClean="0"/>
+              <a:t>          Holds Appointment*</a:t>
+            </a:r>
+            <a:endParaRPr lang="en-US" dirty="0"/>
+          </a:p>
+        </p:txBody>
+      </p:sp>
+      <p:sp>
+        <p:nvSpPr>
+          <p:cNvPr id="21" name="TextBox 20"/>
+          <p:cNvSpPr txBox="1"/>
+          <p:nvPr/>
+        </p:nvSpPr>
+        <p:spPr>
+          <a:xfrm>
+            <a:off x="7184514" y="3857385"/>
+            <a:ext cx="2128295" cy="646331"/>
+          </a:xfrm>
+          <a:prstGeom prst="rect">
+            <a:avLst/>
+          </a:prstGeom>
+          <a:solidFill>
+            <a:schemeClr val="bg1"/>
+          </a:solidFill>
+          <a:effectLst/>
+        </p:spPr>
+        <p:txBody>
+          <a:bodyPr wrap="square" rtlCol="0">
+            <a:spAutoFit/>
+          </a:bodyPr>
+          <a:lstStyle/>
+          <a:p>
+            <a:r>
+              <a:rPr lang="en-US" dirty="0" smtClean="0"/>
+              <a:t>Returns Hold </a:t>
+            </a:r>
+            <a:r>
+              <a:rPr lang="en-US" dirty="0" smtClean="0"/>
+              <a:t>Confirmation**</a:t>
+            </a:r>
+            <a:endParaRPr lang="en-US" dirty="0"/>
+          </a:p>
+        </p:txBody>
+      </p:sp>
+      <p:cxnSp>
+        <p:nvCxnSpPr>
+          <p:cNvPr id="22" name="Straight Arrow Connector 21"/>
+          <p:cNvCxnSpPr/>
+          <p:nvPr/>
+        </p:nvCxnSpPr>
+        <p:spPr>
+          <a:xfrm>
+            <a:off x="7186170" y="3053895"/>
+            <a:ext cx="1861423" cy="0"/>
+          </a:xfrm>
+          <a:prstGeom prst="straightConnector1">
+            <a:avLst/>
+          </a:prstGeom>
+          <a:ln w="63500">
+            <a:tailEnd type="triangle"/>
+          </a:ln>
+        </p:spPr>
+        <p:style>
+          <a:lnRef idx="1">
+            <a:schemeClr val="accent1"/>
+          </a:lnRef>
+          <a:fillRef idx="0">
+            <a:schemeClr val="accent1"/>
+          </a:fillRef>
+          <a:effectRef idx="0">
+            <a:schemeClr val="accent1"/>
+          </a:effectRef>
+          <a:fontRef idx="minor">
+            <a:schemeClr val="tx1"/>
+          </a:fontRef>
+        </p:style>
+      </p:cxnSp>
+      <p:cxnSp>
+        <p:nvCxnSpPr>
+          <p:cNvPr id="23" name="Straight Arrow Connector 22"/>
+          <p:cNvCxnSpPr/>
+          <p:nvPr/>
+        </p:nvCxnSpPr>
+        <p:spPr>
+          <a:xfrm>
+            <a:off x="7120245" y="3323527"/>
+            <a:ext cx="1861423" cy="0"/>
+          </a:xfrm>
+          <a:prstGeom prst="straightConnector1">
+            <a:avLst/>
+          </a:prstGeom>
+          <a:ln w="63500">
+            <a:headEnd type="triangle"/>
+            <a:tailEnd type="none"/>
+          </a:ln>
+        </p:spPr>
+        <p:style>
+          <a:lnRef idx="1">
+            <a:schemeClr val="accent1"/>
+          </a:lnRef>
+          <a:fillRef idx="0">
+            <a:schemeClr val="accent1"/>
+          </a:fillRef>
+          <a:effectRef idx="0">
+            <a:schemeClr val="accent1"/>
+          </a:effectRef>
+          <a:fontRef idx="minor">
+            <a:schemeClr val="tx1"/>
+          </a:fontRef>
+        </p:style>
+      </p:cxnSp>
+      <p:cxnSp>
+        <p:nvCxnSpPr>
+          <p:cNvPr id="24" name="Straight Arrow Connector 23"/>
+          <p:cNvCxnSpPr/>
+          <p:nvPr/>
+        </p:nvCxnSpPr>
+        <p:spPr>
+          <a:xfrm>
+            <a:off x="2524529" y="3635452"/>
+            <a:ext cx="1861423" cy="0"/>
+          </a:xfrm>
+          <a:prstGeom prst="straightConnector1">
+            <a:avLst/>
+          </a:prstGeom>
+          <a:ln w="63500">
+            <a:headEnd type="triangle"/>
+            <a:tailEnd type="none"/>
+          </a:ln>
+        </p:spPr>
+        <p:style>
+          <a:lnRef idx="1">
+            <a:schemeClr val="accent1"/>
+          </a:lnRef>
+          <a:fillRef idx="0">
+            <a:schemeClr val="accent1"/>
+          </a:fillRef>
+          <a:effectRef idx="0">
+            <a:schemeClr val="accent1"/>
+          </a:effectRef>
+          <a:fontRef idx="minor">
+            <a:schemeClr val="tx1"/>
+          </a:fontRef>
+        </p:style>
+      </p:cxnSp>
+      <p:sp>
+        <p:nvSpPr>
+          <p:cNvPr id="25" name="TextBox 24"/>
+          <p:cNvSpPr txBox="1"/>
+          <p:nvPr/>
+        </p:nvSpPr>
+        <p:spPr>
+          <a:xfrm>
+            <a:off x="2622977" y="3808074"/>
+            <a:ext cx="1736532" cy="1200329"/>
+          </a:xfrm>
+          <a:prstGeom prst="rect">
+            <a:avLst/>
+          </a:prstGeom>
+          <a:noFill/>
+        </p:spPr>
+        <p:txBody>
+          <a:bodyPr wrap="square" rtlCol="0">
+            <a:spAutoFit/>
+          </a:bodyPr>
+          <a:lstStyle/>
+          <a:p>
+            <a:r>
+              <a:rPr lang="en-US" dirty="0" smtClean="0"/>
+              <a:t> booking on hold until completed by End User</a:t>
+            </a:r>
+            <a:endParaRPr lang="en-US" dirty="0"/>
+          </a:p>
+        </p:txBody>
+      </p:sp>
+      <p:sp>
+        <p:nvSpPr>
+          <p:cNvPr id="5" name="TextBox 4"/>
+          <p:cNvSpPr txBox="1"/>
+          <p:nvPr/>
+        </p:nvSpPr>
+        <p:spPr>
+          <a:xfrm>
+            <a:off x="2661370" y="1760340"/>
+            <a:ext cx="333072" cy="369332"/>
+          </a:xfrm>
+          <a:prstGeom prst="rect">
+            <a:avLst/>
+          </a:prstGeom>
+          <a:noFill/>
+          <a:ln w="25400">
+            <a:solidFill>
+              <a:schemeClr val="accent1">
+                <a:shade val="50000"/>
+              </a:schemeClr>
+            </a:solidFill>
+          </a:ln>
+        </p:spPr>
+        <p:txBody>
+          <a:bodyPr wrap="square" rtlCol="0">
+            <a:spAutoFit/>
+          </a:bodyPr>
+          <a:lstStyle/>
+          <a:p>
+            <a:pPr algn="ctr"/>
+            <a:r>
+              <a:rPr lang="en-US" dirty="0"/>
+              <a:t>E</a:t>
+            </a:r>
+            <a:endParaRPr lang="en-US" dirty="0"/>
+          </a:p>
+        </p:txBody>
+      </p:sp>
+      <p:sp>
+        <p:nvSpPr>
+          <p:cNvPr id="27" name="TextBox 26"/>
+          <p:cNvSpPr txBox="1"/>
+          <p:nvPr/>
+        </p:nvSpPr>
+        <p:spPr>
+          <a:xfrm>
+            <a:off x="3920590" y="3880973"/>
+            <a:ext cx="415619" cy="369332"/>
+          </a:xfrm>
+          <a:prstGeom prst="rect">
+            <a:avLst/>
+          </a:prstGeom>
+          <a:noFill/>
+          <a:ln w="25400">
+            <a:solidFill>
+              <a:schemeClr val="accent1">
+                <a:shade val="50000"/>
+              </a:schemeClr>
+            </a:solidFill>
+          </a:ln>
+        </p:spPr>
+        <p:txBody>
+          <a:bodyPr wrap="square" rtlCol="0">
+            <a:spAutoFit/>
+          </a:bodyPr>
+          <a:lstStyle/>
+          <a:p>
+            <a:pPr algn="ctr"/>
+            <a:r>
+              <a:rPr lang="en-US" dirty="0"/>
+              <a:t>H</a:t>
+            </a:r>
+            <a:endParaRPr lang="en-US" dirty="0"/>
+          </a:p>
+        </p:txBody>
+      </p:sp>
+      <p:sp>
+        <p:nvSpPr>
+          <p:cNvPr id="28" name="TextBox 27"/>
+          <p:cNvSpPr txBox="1"/>
+          <p:nvPr/>
+        </p:nvSpPr>
+        <p:spPr>
+          <a:xfrm>
+            <a:off x="7410436" y="3526182"/>
+            <a:ext cx="423109" cy="369332"/>
+          </a:xfrm>
+          <a:prstGeom prst="rect">
+            <a:avLst/>
+          </a:prstGeom>
+          <a:noFill/>
+          <a:ln w="25400">
+            <a:solidFill>
+              <a:schemeClr val="accent1">
+                <a:shade val="50000"/>
+              </a:schemeClr>
+            </a:solidFill>
+          </a:ln>
+        </p:spPr>
+        <p:txBody>
+          <a:bodyPr wrap="square" rtlCol="0">
+            <a:spAutoFit/>
+          </a:bodyPr>
+          <a:lstStyle/>
+          <a:p>
+            <a:pPr algn="ctr"/>
+            <a:r>
+              <a:rPr lang="en-US" dirty="0"/>
+              <a:t>G</a:t>
+            </a:r>
+            <a:endParaRPr lang="en-US" dirty="0"/>
+          </a:p>
+        </p:txBody>
+      </p:sp>
+      <p:sp>
+        <p:nvSpPr>
+          <p:cNvPr id="29" name="TextBox 28"/>
+          <p:cNvSpPr txBox="1"/>
+          <p:nvPr/>
+        </p:nvSpPr>
+        <p:spPr>
+          <a:xfrm>
+            <a:off x="7261131" y="2192222"/>
+            <a:ext cx="375381" cy="369332"/>
+          </a:xfrm>
+          <a:prstGeom prst="rect">
+            <a:avLst/>
+          </a:prstGeom>
+          <a:noFill/>
+          <a:ln w="25400">
+            <a:solidFill>
+              <a:schemeClr val="accent1">
+                <a:shade val="50000"/>
+              </a:schemeClr>
+            </a:solidFill>
+          </a:ln>
+        </p:spPr>
+        <p:txBody>
+          <a:bodyPr wrap="square" rtlCol="0">
+            <a:spAutoFit/>
+          </a:bodyPr>
+          <a:lstStyle/>
+          <a:p>
+            <a:pPr algn="ctr"/>
+            <a:r>
+              <a:rPr lang="en-US" dirty="0"/>
+              <a:t>F</a:t>
+            </a:r>
+            <a:endParaRPr lang="en-US" dirty="0"/>
+          </a:p>
+        </p:txBody>
+      </p:sp>
+      <p:sp>
+        <p:nvSpPr>
+          <p:cNvPr id="8" name="Can 7"/>
+          <p:cNvSpPr/>
+          <p:nvPr/>
+        </p:nvSpPr>
+        <p:spPr>
+          <a:xfrm>
+            <a:off x="9098280" y="2228624"/>
+            <a:ext cx="2380957" cy="2258969"/>
+          </a:xfrm>
+          <a:prstGeom prst="can">
+            <a:avLst/>
+          </a:prstGeom>
+        </p:spPr>
+        <p:style>
+          <a:lnRef idx="2">
+            <a:schemeClr val="accent1">
+              <a:shade val="50000"/>
+            </a:schemeClr>
+          </a:lnRef>
+          <a:fillRef idx="1">
+            <a:schemeClr val="accent1"/>
+          </a:fillRef>
+          <a:effectRef idx="0">
+            <a:schemeClr val="accent1"/>
+          </a:effectRef>
+          <a:fontRef idx="minor">
+            <a:schemeClr val="lt1"/>
+          </a:fontRef>
+        </p:style>
+        <p:txBody>
+          <a:bodyPr rtlCol="0" anchor="ctr"/>
+          <a:lstStyle/>
+          <a:p>
+            <a:pPr algn="ctr"/>
+            <a:r>
+              <a:rPr lang="en-US" sz="2400" dirty="0"/>
+              <a:t>FHIR Scheduler, (EHR)</a:t>
+            </a:r>
+            <a:endParaRPr lang="en-US" sz="2400" dirty="0"/>
+          </a:p>
+        </p:txBody>
+      </p:sp>
+      <p:sp>
+        <p:nvSpPr>
+          <p:cNvPr id="11" name="Can 10"/>
+          <p:cNvSpPr/>
+          <p:nvPr/>
+        </p:nvSpPr>
+        <p:spPr>
+          <a:xfrm>
+            <a:off x="4568612" y="2228624"/>
+            <a:ext cx="2484820" cy="2258969"/>
+          </a:xfrm>
+          <a:prstGeom prst="can">
+            <a:avLst/>
+          </a:prstGeom>
+        </p:spPr>
+        <p:style>
+          <a:lnRef idx="2">
+            <a:schemeClr val="accent1">
+              <a:shade val="50000"/>
+            </a:schemeClr>
+          </a:lnRef>
+          <a:fillRef idx="1">
+            <a:schemeClr val="accent1"/>
+          </a:fillRef>
+          <a:effectRef idx="0">
+            <a:schemeClr val="accent1"/>
+          </a:effectRef>
+          <a:fontRef idx="minor">
+            <a:schemeClr val="lt1"/>
+          </a:fontRef>
+        </p:style>
+        <p:txBody>
+          <a:bodyPr rtlCol="0" anchor="ctr"/>
+          <a:lstStyle/>
+          <a:p>
+            <a:pPr algn="ctr"/>
+            <a:r>
+              <a:rPr lang="en-US" sz="2400" dirty="0" smtClean="0"/>
+              <a:t>Client</a:t>
+            </a:r>
+          </a:p>
+          <a:p>
+            <a:pPr algn="ctr"/>
+            <a:r>
+              <a:rPr lang="en-US" sz="2400" dirty="0" smtClean="0"/>
+              <a:t> Application Server</a:t>
+            </a:r>
+            <a:endParaRPr lang="en-US" sz="2400" dirty="0"/>
+          </a:p>
+        </p:txBody>
+      </p:sp>
+      <p:sp>
+        <p:nvSpPr>
+          <p:cNvPr id="20" name="TextBox 19"/>
+          <p:cNvSpPr txBox="1"/>
+          <p:nvPr/>
+        </p:nvSpPr>
+        <p:spPr>
+          <a:xfrm>
+            <a:off x="3281082" y="731520"/>
+            <a:ext cx="4292302" cy="646331"/>
+          </a:xfrm>
+          <a:prstGeom prst="rect">
+            <a:avLst/>
+          </a:prstGeom>
+          <a:noFill/>
+        </p:spPr>
+        <p:txBody>
+          <a:bodyPr wrap="square" rtlCol="0">
+            <a:spAutoFit/>
+          </a:bodyPr>
+          <a:lstStyle/>
+          <a:p>
+            <a:r>
+              <a:rPr lang="en-US" dirty="0" smtClean="0"/>
+              <a:t>Pre-fetch Work Flow </a:t>
+            </a:r>
+            <a:r>
+              <a:rPr lang="mr-IN" dirty="0" smtClean="0"/>
+              <a:t>–</a:t>
+            </a:r>
+            <a:r>
+              <a:rPr lang="en-US" dirty="0" smtClean="0"/>
+              <a:t> Option A Poll for open slots</a:t>
+            </a:r>
+            <a:endParaRPr lang="en-US" dirty="0"/>
+          </a:p>
+        </p:txBody>
+      </p:sp>
+      <p:sp>
+        <p:nvSpPr>
+          <p:cNvPr id="31" name="TextBox 30"/>
+          <p:cNvSpPr txBox="1"/>
+          <p:nvPr/>
+        </p:nvSpPr>
+        <p:spPr>
+          <a:xfrm>
+            <a:off x="5125709" y="5120640"/>
+            <a:ext cx="3157679" cy="1200329"/>
+          </a:xfrm>
+          <a:prstGeom prst="rect">
+            <a:avLst/>
+          </a:prstGeom>
+          <a:noFill/>
+        </p:spPr>
+        <p:txBody>
+          <a:bodyPr wrap="square" rtlCol="0">
+            <a:spAutoFit/>
+          </a:bodyPr>
+          <a:lstStyle/>
+          <a:p>
+            <a:pPr marL="285750" indent="-285750">
+              <a:buFont typeface="Arial" charset="0"/>
+              <a:buChar char="•"/>
+            </a:pPr>
+            <a:r>
+              <a:rPr lang="en-US" dirty="0" smtClean="0"/>
+              <a:t>*PUT/POST to Server</a:t>
+            </a:r>
+          </a:p>
+          <a:p>
+            <a:pPr marL="285750" indent="-285750">
+              <a:buFont typeface="Arial" charset="0"/>
+              <a:buChar char="•"/>
+            </a:pPr>
+            <a:r>
+              <a:rPr lang="en-US" dirty="0" smtClean="0"/>
+              <a:t>** Or reject Appointment in form of </a:t>
+            </a:r>
+            <a:r>
+              <a:rPr lang="en-US" dirty="0" err="1" smtClean="0"/>
+              <a:t>OperationOutcome</a:t>
+            </a:r>
+            <a:endParaRPr lang="en-US" dirty="0"/>
+          </a:p>
+          <a:p>
+            <a:pPr marL="285750" indent="-285750">
+              <a:buFont typeface="Arial" charset="0"/>
+              <a:buChar char="•"/>
+            </a:pPr>
+            <a:endParaRPr lang="en-US" dirty="0"/>
+          </a:p>
+        </p:txBody>
+      </p:sp>
+    </p:spTree>
+    <p:extLst>
+      <p:ext uri="{BB962C8B-B14F-4D97-AF65-F5344CB8AC3E}">
+        <p14:creationId xmlns:p14="http://schemas.microsoft.com/office/powerpoint/2010/main" val="776348237"/>
+      </p:ext>
+    </p:extLst>
+  </p:cSld>
+  <p:clrMapOvr>
+    <a:masterClrMapping/>
+  </p:clrMapOvr>
+  <p:timing>
+    <p:tnLst>
+      <p:par>
+        <p:cTn id="1" dur="indefinite" restart="never" nodeType="tmRoot"/>
+      </p:par>
+    </p:tnLst>
+  </p:timing>
+</p:sld>
+</file>
+
+<file path=ppt/slides/slide12.xml><?xml version="1.0" encoding="utf-8"?>
+<p:sld xmlns:a="http://schemas.openxmlformats.org/drawingml/2006/main" xmlns:r="http://schemas.openxmlformats.org/officeDocument/2006/relationships" xmlns:p="http://schemas.openxmlformats.org/presentationml/2006/main">
+  <p:cSld>
+    <p:spTree>
+      <p:nvGrpSpPr>
+        <p:cNvPr id="1" name=""/>
+        <p:cNvGrpSpPr/>
+        <p:nvPr/>
+      </p:nvGrpSpPr>
+      <p:grpSpPr>
+        <a:xfrm>
+          <a:off x="0" y="0"/>
+          <a:ext cx="0" cy="0"/>
+          <a:chOff x="0" y="0"/>
+          <a:chExt cx="0" cy="0"/>
+        </a:xfrm>
+      </p:grpSpPr>
+      <p:pic>
+        <p:nvPicPr>
+          <p:cNvPr id="9" name="Picture 8"/>
+          <p:cNvPicPr>
+            <a:picLocks noChangeAspect="1"/>
+          </p:cNvPicPr>
+          <p:nvPr/>
+        </p:nvPicPr>
+        <p:blipFill>
+          <a:blip r:embed="rId2">
+            <a:extLst>
+              <a:ext uri="{28A0092B-C50C-407E-A947-70E740481C1C}">
+                <a14:useLocalDpi xmlns:a14="http://schemas.microsoft.com/office/drawing/2010/main" val="0"/>
+              </a:ext>
+            </a:extLst>
+          </a:blip>
+          <a:stretch>
+            <a:fillRect/>
+          </a:stretch>
+        </p:blipFill>
+        <p:spPr>
+          <a:xfrm>
+            <a:off x="744038" y="2116140"/>
+            <a:ext cx="1780491" cy="2698128"/>
+          </a:xfrm>
+          <a:prstGeom prst="rect">
+            <a:avLst/>
+          </a:prstGeom>
+        </p:spPr>
+      </p:pic>
+      <p:sp>
+        <p:nvSpPr>
+          <p:cNvPr id="44" name="TextBox 43"/>
+          <p:cNvSpPr txBox="1"/>
+          <p:nvPr/>
+        </p:nvSpPr>
+        <p:spPr>
+          <a:xfrm>
+            <a:off x="2613145" y="2149323"/>
+            <a:ext cx="1736532" cy="923330"/>
+          </a:xfrm>
+          <a:prstGeom prst="rect">
+            <a:avLst/>
+          </a:prstGeom>
+          <a:noFill/>
+        </p:spPr>
+        <p:txBody>
+          <a:bodyPr wrap="square" rtlCol="0">
+            <a:spAutoFit/>
+          </a:bodyPr>
+          <a:lstStyle/>
+          <a:p>
+            <a:r>
+              <a:rPr lang="en-US" dirty="0" smtClean="0"/>
+              <a:t>End user enters  patient information</a:t>
+            </a:r>
+            <a:endParaRPr lang="en-US" dirty="0"/>
+          </a:p>
+        </p:txBody>
+      </p:sp>
+      <p:cxnSp>
+        <p:nvCxnSpPr>
+          <p:cNvPr id="3" name="Straight Arrow Connector 2"/>
+          <p:cNvCxnSpPr/>
+          <p:nvPr/>
+        </p:nvCxnSpPr>
+        <p:spPr>
+          <a:xfrm>
+            <a:off x="2576106" y="3242025"/>
+            <a:ext cx="1861423" cy="0"/>
+          </a:xfrm>
+          <a:prstGeom prst="straightConnector1">
+            <a:avLst/>
+          </a:prstGeom>
+          <a:ln w="63500">
+            <a:tailEnd type="triangle"/>
+          </a:ln>
+        </p:spPr>
+        <p:style>
+          <a:lnRef idx="1">
+            <a:schemeClr val="accent1"/>
+          </a:lnRef>
+          <a:fillRef idx="0">
+            <a:schemeClr val="accent1"/>
+          </a:fillRef>
+          <a:effectRef idx="0">
+            <a:schemeClr val="accent1"/>
+          </a:effectRef>
+          <a:fontRef idx="minor">
+            <a:schemeClr val="tx1"/>
+          </a:fontRef>
+        </p:style>
+      </p:cxnSp>
+      <p:sp>
+        <p:nvSpPr>
+          <p:cNvPr id="4" name="TextBox 3"/>
+          <p:cNvSpPr txBox="1"/>
+          <p:nvPr/>
+        </p:nvSpPr>
+        <p:spPr>
+          <a:xfrm>
+            <a:off x="7088580" y="2371303"/>
+            <a:ext cx="2044849" cy="646331"/>
+          </a:xfrm>
+          <a:prstGeom prst="rect">
+            <a:avLst/>
+          </a:prstGeom>
+          <a:solidFill>
+            <a:schemeClr val="bg1"/>
+          </a:solidFill>
+          <a:effectLst/>
+        </p:spPr>
+        <p:txBody>
+          <a:bodyPr wrap="square" rtlCol="0">
+            <a:spAutoFit/>
+          </a:bodyPr>
+          <a:lstStyle/>
+          <a:p>
+            <a:r>
+              <a:rPr lang="en-US" dirty="0" smtClean="0"/>
+              <a:t>Fetch or Register Patient</a:t>
+            </a:r>
+            <a:endParaRPr lang="en-US" dirty="0"/>
+          </a:p>
+        </p:txBody>
+      </p:sp>
+      <p:sp>
+        <p:nvSpPr>
+          <p:cNvPr id="21" name="TextBox 20"/>
+          <p:cNvSpPr txBox="1"/>
+          <p:nvPr/>
+        </p:nvSpPr>
+        <p:spPr>
+          <a:xfrm>
+            <a:off x="7184514" y="3857385"/>
+            <a:ext cx="2128295" cy="369332"/>
+          </a:xfrm>
+          <a:prstGeom prst="rect">
+            <a:avLst/>
+          </a:prstGeom>
+          <a:solidFill>
+            <a:schemeClr val="bg1"/>
+          </a:solidFill>
+          <a:effectLst/>
+        </p:spPr>
+        <p:txBody>
+          <a:bodyPr wrap="square" rtlCol="0">
+            <a:spAutoFit/>
+          </a:bodyPr>
+          <a:lstStyle/>
+          <a:p>
+            <a:r>
+              <a:rPr lang="en-US" dirty="0" smtClean="0"/>
+              <a:t>Returns Patient Id</a:t>
+            </a:r>
+          </a:p>
+        </p:txBody>
+      </p:sp>
+      <p:cxnSp>
+        <p:nvCxnSpPr>
+          <p:cNvPr id="22" name="Straight Arrow Connector 21"/>
+          <p:cNvCxnSpPr/>
+          <p:nvPr/>
+        </p:nvCxnSpPr>
+        <p:spPr>
+          <a:xfrm>
+            <a:off x="7186170" y="3053895"/>
+            <a:ext cx="1861423" cy="0"/>
+          </a:xfrm>
+          <a:prstGeom prst="straightConnector1">
+            <a:avLst/>
+          </a:prstGeom>
+          <a:ln w="63500">
+            <a:tailEnd type="triangle"/>
+          </a:ln>
+        </p:spPr>
+        <p:style>
+          <a:lnRef idx="1">
+            <a:schemeClr val="accent1"/>
+          </a:lnRef>
+          <a:fillRef idx="0">
+            <a:schemeClr val="accent1"/>
+          </a:fillRef>
+          <a:effectRef idx="0">
+            <a:schemeClr val="accent1"/>
+          </a:effectRef>
+          <a:fontRef idx="minor">
+            <a:schemeClr val="tx1"/>
+          </a:fontRef>
+        </p:style>
+      </p:cxnSp>
+      <p:cxnSp>
+        <p:nvCxnSpPr>
+          <p:cNvPr id="23" name="Straight Arrow Connector 22"/>
+          <p:cNvCxnSpPr/>
+          <p:nvPr/>
+        </p:nvCxnSpPr>
+        <p:spPr>
+          <a:xfrm>
+            <a:off x="7120245" y="3323527"/>
+            <a:ext cx="1861423" cy="0"/>
+          </a:xfrm>
+          <a:prstGeom prst="straightConnector1">
+            <a:avLst/>
+          </a:prstGeom>
+          <a:ln w="63500">
+            <a:headEnd type="triangle"/>
+            <a:tailEnd type="none"/>
+          </a:ln>
+        </p:spPr>
+        <p:style>
+          <a:lnRef idx="1">
+            <a:schemeClr val="accent1"/>
+          </a:lnRef>
+          <a:fillRef idx="0">
+            <a:schemeClr val="accent1"/>
+          </a:fillRef>
+          <a:effectRef idx="0">
+            <a:schemeClr val="accent1"/>
+          </a:effectRef>
+          <a:fontRef idx="minor">
+            <a:schemeClr val="tx1"/>
+          </a:fontRef>
+        </p:style>
+      </p:cxnSp>
+      <p:sp>
+        <p:nvSpPr>
+          <p:cNvPr id="5" name="TextBox 4"/>
+          <p:cNvSpPr txBox="1"/>
+          <p:nvPr/>
+        </p:nvSpPr>
+        <p:spPr>
+          <a:xfrm>
+            <a:off x="2661370" y="1760340"/>
+            <a:ext cx="394496" cy="307777"/>
+          </a:xfrm>
+          <a:prstGeom prst="rect">
+            <a:avLst/>
+          </a:prstGeom>
+          <a:noFill/>
+          <a:ln w="25400">
+            <a:solidFill>
+              <a:schemeClr val="accent1">
+                <a:shade val="50000"/>
+              </a:schemeClr>
+            </a:solidFill>
+          </a:ln>
+        </p:spPr>
+        <p:txBody>
+          <a:bodyPr wrap="square" rtlCol="0">
+            <a:spAutoFit/>
+          </a:bodyPr>
+          <a:lstStyle/>
+          <a:p>
+            <a:pPr algn="ctr"/>
+            <a:r>
+              <a:rPr lang="en-US" sz="1400" dirty="0" smtClean="0"/>
+              <a:t>I</a:t>
+            </a:r>
+            <a:endParaRPr lang="en-US" sz="1400" dirty="0"/>
+          </a:p>
+        </p:txBody>
+      </p:sp>
+      <p:sp>
+        <p:nvSpPr>
+          <p:cNvPr id="8" name="Can 7"/>
+          <p:cNvSpPr/>
+          <p:nvPr/>
+        </p:nvSpPr>
+        <p:spPr>
+          <a:xfrm>
+            <a:off x="9098280" y="2228624"/>
+            <a:ext cx="2380957" cy="2258969"/>
+          </a:xfrm>
+          <a:prstGeom prst="can">
+            <a:avLst/>
+          </a:prstGeom>
+        </p:spPr>
+        <p:style>
+          <a:lnRef idx="2">
+            <a:schemeClr val="accent1">
+              <a:shade val="50000"/>
+            </a:schemeClr>
+          </a:lnRef>
+          <a:fillRef idx="1">
+            <a:schemeClr val="accent1"/>
+          </a:fillRef>
+          <a:effectRef idx="0">
+            <a:schemeClr val="accent1"/>
+          </a:effectRef>
+          <a:fontRef idx="minor">
+            <a:schemeClr val="lt1"/>
+          </a:fontRef>
+        </p:style>
+        <p:txBody>
+          <a:bodyPr rtlCol="0" anchor="ctr"/>
+          <a:lstStyle/>
+          <a:p>
+            <a:pPr algn="ctr"/>
+            <a:r>
+              <a:rPr lang="en-US" sz="2400" dirty="0"/>
+              <a:t>FHIR Scheduler, (EHR)</a:t>
+            </a:r>
+            <a:endParaRPr lang="en-US" sz="2400" dirty="0"/>
+          </a:p>
+        </p:txBody>
+      </p:sp>
+      <p:sp>
+        <p:nvSpPr>
+          <p:cNvPr id="11" name="Can 10"/>
+          <p:cNvSpPr/>
+          <p:nvPr/>
+        </p:nvSpPr>
+        <p:spPr>
+          <a:xfrm>
+            <a:off x="4568612" y="2228624"/>
+            <a:ext cx="2484820" cy="2258969"/>
+          </a:xfrm>
+          <a:prstGeom prst="can">
+            <a:avLst/>
+          </a:prstGeom>
+        </p:spPr>
+        <p:style>
+          <a:lnRef idx="2">
+            <a:schemeClr val="accent1">
+              <a:shade val="50000"/>
+            </a:schemeClr>
+          </a:lnRef>
+          <a:fillRef idx="1">
+            <a:schemeClr val="accent1"/>
+          </a:fillRef>
+          <a:effectRef idx="0">
+            <a:schemeClr val="accent1"/>
+          </a:effectRef>
+          <a:fontRef idx="minor">
+            <a:schemeClr val="lt1"/>
+          </a:fontRef>
+        </p:style>
+        <p:txBody>
+          <a:bodyPr rtlCol="0" anchor="ctr"/>
+          <a:lstStyle/>
+          <a:p>
+            <a:pPr algn="ctr"/>
+            <a:r>
+              <a:rPr lang="en-US" sz="2400" dirty="0" smtClean="0"/>
+              <a:t>Client</a:t>
+            </a:r>
+          </a:p>
+          <a:p>
+            <a:pPr algn="ctr"/>
+            <a:r>
+              <a:rPr lang="en-US" sz="2400" dirty="0" smtClean="0"/>
+              <a:t> Application Server</a:t>
+            </a:r>
+            <a:endParaRPr lang="en-US" sz="2400" dirty="0"/>
+          </a:p>
+        </p:txBody>
+      </p:sp>
+      <p:sp>
+        <p:nvSpPr>
+          <p:cNvPr id="19" name="TextBox 18"/>
+          <p:cNvSpPr txBox="1"/>
+          <p:nvPr/>
+        </p:nvSpPr>
+        <p:spPr>
+          <a:xfrm>
+            <a:off x="7387150" y="2037677"/>
+            <a:ext cx="394496" cy="307777"/>
+          </a:xfrm>
+          <a:prstGeom prst="rect">
+            <a:avLst/>
+          </a:prstGeom>
+          <a:noFill/>
+          <a:ln w="25400">
+            <a:solidFill>
+              <a:schemeClr val="accent1">
+                <a:shade val="50000"/>
+              </a:schemeClr>
+            </a:solidFill>
+          </a:ln>
+        </p:spPr>
+        <p:txBody>
+          <a:bodyPr wrap="square" rtlCol="0">
+            <a:spAutoFit/>
+          </a:bodyPr>
+          <a:lstStyle/>
+          <a:p>
+            <a:pPr algn="ctr"/>
+            <a:r>
+              <a:rPr lang="en-US" sz="1400" dirty="0"/>
+              <a:t>J</a:t>
+            </a:r>
+            <a:endParaRPr lang="en-US" sz="1400" dirty="0"/>
+          </a:p>
+        </p:txBody>
+      </p:sp>
+      <p:sp>
+        <p:nvSpPr>
+          <p:cNvPr id="20" name="TextBox 19"/>
+          <p:cNvSpPr txBox="1"/>
+          <p:nvPr/>
+        </p:nvSpPr>
+        <p:spPr>
+          <a:xfrm>
+            <a:off x="7387150" y="3585314"/>
+            <a:ext cx="394496" cy="307777"/>
+          </a:xfrm>
+          <a:prstGeom prst="rect">
+            <a:avLst/>
+          </a:prstGeom>
+          <a:noFill/>
+          <a:ln w="25400">
+            <a:solidFill>
+              <a:schemeClr val="accent1">
+                <a:shade val="50000"/>
+              </a:schemeClr>
+            </a:solidFill>
+          </a:ln>
+        </p:spPr>
+        <p:txBody>
+          <a:bodyPr wrap="square" rtlCol="0">
+            <a:spAutoFit/>
+          </a:bodyPr>
+          <a:lstStyle/>
+          <a:p>
+            <a:pPr algn="ctr"/>
+            <a:r>
+              <a:rPr lang="en-US" sz="1400" dirty="0"/>
+              <a:t>K</a:t>
+            </a:r>
+            <a:endParaRPr lang="en-US" sz="1400" dirty="0"/>
+          </a:p>
+        </p:txBody>
+      </p:sp>
+      <p:sp>
+        <p:nvSpPr>
+          <p:cNvPr id="16" name="TextBox 15"/>
+          <p:cNvSpPr txBox="1"/>
+          <p:nvPr/>
+        </p:nvSpPr>
+        <p:spPr>
+          <a:xfrm>
+            <a:off x="3281082" y="731520"/>
+            <a:ext cx="4292302" cy="646331"/>
+          </a:xfrm>
+          <a:prstGeom prst="rect">
+            <a:avLst/>
+          </a:prstGeom>
+          <a:noFill/>
+        </p:spPr>
+        <p:txBody>
+          <a:bodyPr wrap="square" rtlCol="0">
+            <a:spAutoFit/>
+          </a:bodyPr>
+          <a:lstStyle/>
+          <a:p>
+            <a:r>
+              <a:rPr lang="en-US" dirty="0" smtClean="0"/>
+              <a:t>Pre-fetch Work Flow </a:t>
+            </a:r>
+            <a:r>
+              <a:rPr lang="mr-IN" dirty="0" smtClean="0"/>
+              <a:t>–</a:t>
+            </a:r>
+            <a:r>
+              <a:rPr lang="en-US" dirty="0" smtClean="0"/>
+              <a:t> Option A Poll for open slots</a:t>
+            </a:r>
+            <a:endParaRPr lang="en-US" dirty="0"/>
+          </a:p>
+        </p:txBody>
+      </p:sp>
+    </p:spTree>
+    <p:extLst>
+      <p:ext uri="{BB962C8B-B14F-4D97-AF65-F5344CB8AC3E}">
+        <p14:creationId xmlns:p14="http://schemas.microsoft.com/office/powerpoint/2010/main" val="1065791875"/>
+      </p:ext>
+    </p:extLst>
+  </p:cSld>
+  <p:clrMapOvr>
+    <a:masterClrMapping/>
+  </p:clrMapOvr>
+  <p:timing>
+    <p:tnLst>
+      <p:par>
+        <p:cTn id="1" dur="indefinite" restart="never" nodeType="tmRoot"/>
+      </p:par>
+    </p:tnLst>
+  </p:timing>
+</p:sld>
+</file>
+
+<file path=ppt/slides/slide13.xml><?xml version="1.0" encoding="utf-8"?>
+<p:sld xmlns:a="http://schemas.openxmlformats.org/drawingml/2006/main" xmlns:r="http://schemas.openxmlformats.org/officeDocument/2006/relationships" xmlns:p="http://schemas.openxmlformats.org/presentationml/2006/main">
+  <p:cSld>
+    <p:spTree>
+      <p:nvGrpSpPr>
+        <p:cNvPr id="1" name=""/>
+        <p:cNvGrpSpPr/>
+        <p:nvPr/>
+      </p:nvGrpSpPr>
+      <p:grpSpPr>
+        <a:xfrm>
+          <a:off x="0" y="0"/>
+          <a:ext cx="0" cy="0"/>
+          <a:chOff x="0" y="0"/>
+          <a:chExt cx="0" cy="0"/>
+        </a:xfrm>
+      </p:grpSpPr>
+      <p:pic>
+        <p:nvPicPr>
+          <p:cNvPr id="9" name="Picture 8"/>
+          <p:cNvPicPr>
+            <a:picLocks noChangeAspect="1"/>
+          </p:cNvPicPr>
+          <p:nvPr/>
+        </p:nvPicPr>
+        <p:blipFill>
+          <a:blip r:embed="rId2">
+            <a:extLst>
+              <a:ext uri="{28A0092B-C50C-407E-A947-70E740481C1C}">
+                <a14:useLocalDpi xmlns:a14="http://schemas.microsoft.com/office/drawing/2010/main" val="0"/>
+              </a:ext>
+            </a:extLst>
+          </a:blip>
+          <a:stretch>
+            <a:fillRect/>
+          </a:stretch>
+        </p:blipFill>
+        <p:spPr>
+          <a:xfrm>
+            <a:off x="744038" y="2116140"/>
+            <a:ext cx="1780491" cy="2698128"/>
+          </a:xfrm>
+          <a:prstGeom prst="rect">
+            <a:avLst/>
+          </a:prstGeom>
+        </p:spPr>
+      </p:pic>
+      <p:sp>
+        <p:nvSpPr>
+          <p:cNvPr id="4" name="TextBox 3"/>
+          <p:cNvSpPr txBox="1"/>
+          <p:nvPr/>
+        </p:nvSpPr>
+        <p:spPr>
+          <a:xfrm>
+            <a:off x="7118075" y="2560079"/>
+            <a:ext cx="2044849" cy="369332"/>
+          </a:xfrm>
+          <a:prstGeom prst="rect">
+            <a:avLst/>
+          </a:prstGeom>
+          <a:solidFill>
+            <a:schemeClr val="bg1"/>
+          </a:solidFill>
+          <a:effectLst/>
+        </p:spPr>
+        <p:txBody>
+          <a:bodyPr wrap="square" rtlCol="0">
+            <a:spAutoFit/>
+          </a:bodyPr>
+          <a:lstStyle/>
+          <a:p>
+            <a:r>
+              <a:rPr lang="en-US" dirty="0" smtClean="0"/>
+              <a:t>Books Appointment</a:t>
+            </a:r>
+            <a:endParaRPr lang="en-US" dirty="0"/>
+          </a:p>
+        </p:txBody>
+      </p:sp>
+      <p:sp>
+        <p:nvSpPr>
+          <p:cNvPr id="21" name="TextBox 20"/>
+          <p:cNvSpPr txBox="1"/>
+          <p:nvPr/>
+        </p:nvSpPr>
+        <p:spPr>
+          <a:xfrm>
+            <a:off x="7102949" y="3888037"/>
+            <a:ext cx="1976828" cy="923330"/>
+          </a:xfrm>
+          <a:prstGeom prst="rect">
+            <a:avLst/>
+          </a:prstGeom>
+          <a:solidFill>
+            <a:schemeClr val="bg1"/>
+          </a:solidFill>
+          <a:effectLst/>
+        </p:spPr>
+        <p:txBody>
+          <a:bodyPr wrap="square" rtlCol="0">
+            <a:spAutoFit/>
+          </a:bodyPr>
+          <a:lstStyle/>
+          <a:p>
+            <a:r>
+              <a:rPr lang="en-US" dirty="0" smtClean="0"/>
+              <a:t>Returns Booking</a:t>
+            </a:r>
+          </a:p>
+          <a:p>
+            <a:r>
+              <a:rPr lang="en-US" dirty="0" smtClean="0"/>
+              <a:t>Confirmation or Rejection</a:t>
+            </a:r>
+            <a:endParaRPr lang="en-US" dirty="0"/>
+          </a:p>
+        </p:txBody>
+      </p:sp>
+      <p:cxnSp>
+        <p:nvCxnSpPr>
+          <p:cNvPr id="22" name="Straight Arrow Connector 21"/>
+          <p:cNvCxnSpPr/>
+          <p:nvPr/>
+        </p:nvCxnSpPr>
+        <p:spPr>
+          <a:xfrm>
+            <a:off x="7186170" y="3053895"/>
+            <a:ext cx="1861423" cy="0"/>
+          </a:xfrm>
+          <a:prstGeom prst="straightConnector1">
+            <a:avLst/>
+          </a:prstGeom>
+          <a:ln w="63500">
+            <a:tailEnd type="triangle"/>
+          </a:ln>
+        </p:spPr>
+        <p:style>
+          <a:lnRef idx="1">
+            <a:schemeClr val="accent1"/>
+          </a:lnRef>
+          <a:fillRef idx="0">
+            <a:schemeClr val="accent1"/>
+          </a:fillRef>
+          <a:effectRef idx="0">
+            <a:schemeClr val="accent1"/>
+          </a:effectRef>
+          <a:fontRef idx="minor">
+            <a:schemeClr val="tx1"/>
+          </a:fontRef>
+        </p:style>
+      </p:cxnSp>
+      <p:cxnSp>
+        <p:nvCxnSpPr>
+          <p:cNvPr id="23" name="Straight Arrow Connector 22"/>
+          <p:cNvCxnSpPr/>
+          <p:nvPr/>
+        </p:nvCxnSpPr>
+        <p:spPr>
+          <a:xfrm>
+            <a:off x="7120245" y="3323527"/>
+            <a:ext cx="1861423" cy="0"/>
+          </a:xfrm>
+          <a:prstGeom prst="straightConnector1">
+            <a:avLst/>
+          </a:prstGeom>
+          <a:ln w="63500">
+            <a:headEnd type="triangle"/>
+            <a:tailEnd type="none"/>
+          </a:ln>
+        </p:spPr>
+        <p:style>
+          <a:lnRef idx="1">
+            <a:schemeClr val="accent1"/>
+          </a:lnRef>
+          <a:fillRef idx="0">
+            <a:schemeClr val="accent1"/>
+          </a:fillRef>
+          <a:effectRef idx="0">
+            <a:schemeClr val="accent1"/>
+          </a:effectRef>
+          <a:fontRef idx="minor">
+            <a:schemeClr val="tx1"/>
+          </a:fontRef>
+        </p:style>
+      </p:cxnSp>
+      <p:cxnSp>
+        <p:nvCxnSpPr>
+          <p:cNvPr id="24" name="Straight Arrow Connector 23"/>
+          <p:cNvCxnSpPr/>
+          <p:nvPr/>
+        </p:nvCxnSpPr>
+        <p:spPr>
+          <a:xfrm>
+            <a:off x="2524529" y="3355167"/>
+            <a:ext cx="1861423" cy="0"/>
+          </a:xfrm>
+          <a:prstGeom prst="straightConnector1">
+            <a:avLst/>
+          </a:prstGeom>
+          <a:ln w="63500">
+            <a:headEnd type="triangle"/>
+            <a:tailEnd type="none"/>
+          </a:ln>
+        </p:spPr>
+        <p:style>
+          <a:lnRef idx="1">
+            <a:schemeClr val="accent1"/>
+          </a:lnRef>
+          <a:fillRef idx="0">
+            <a:schemeClr val="accent1"/>
+          </a:fillRef>
+          <a:effectRef idx="0">
+            <a:schemeClr val="accent1"/>
+          </a:effectRef>
+          <a:fontRef idx="minor">
+            <a:schemeClr val="tx1"/>
+          </a:fontRef>
+        </p:style>
+      </p:cxnSp>
+      <p:sp>
+        <p:nvSpPr>
+          <p:cNvPr id="25" name="TextBox 24"/>
+          <p:cNvSpPr txBox="1"/>
+          <p:nvPr/>
+        </p:nvSpPr>
+        <p:spPr>
+          <a:xfrm>
+            <a:off x="2612763" y="3519760"/>
+            <a:ext cx="1736532" cy="1200329"/>
+          </a:xfrm>
+          <a:prstGeom prst="rect">
+            <a:avLst/>
+          </a:prstGeom>
+          <a:noFill/>
+        </p:spPr>
+        <p:txBody>
+          <a:bodyPr wrap="square" rtlCol="0">
+            <a:spAutoFit/>
+          </a:bodyPr>
+          <a:lstStyle/>
+          <a:p>
+            <a:r>
+              <a:rPr lang="en-US" dirty="0" smtClean="0"/>
+              <a:t>Confirms booking or  notifies of rejection</a:t>
+            </a:r>
+            <a:endParaRPr lang="en-US" dirty="0"/>
+          </a:p>
+        </p:txBody>
+      </p:sp>
+      <p:sp>
+        <p:nvSpPr>
+          <p:cNvPr id="27" name="TextBox 26"/>
+          <p:cNvSpPr txBox="1"/>
+          <p:nvPr/>
+        </p:nvSpPr>
+        <p:spPr>
+          <a:xfrm>
+            <a:off x="3828608" y="3812600"/>
+            <a:ext cx="415619" cy="369332"/>
+          </a:xfrm>
+          <a:prstGeom prst="rect">
+            <a:avLst/>
+          </a:prstGeom>
+          <a:noFill/>
+          <a:ln w="25400">
+            <a:solidFill>
+              <a:schemeClr val="accent1">
+                <a:shade val="50000"/>
+              </a:schemeClr>
+            </a:solidFill>
+          </a:ln>
+        </p:spPr>
+        <p:txBody>
+          <a:bodyPr wrap="square" rtlCol="0">
+            <a:spAutoFit/>
+          </a:bodyPr>
+          <a:lstStyle/>
+          <a:p>
+            <a:pPr algn="ctr"/>
+            <a:r>
+              <a:rPr lang="en-US" dirty="0"/>
+              <a:t>N</a:t>
+            </a:r>
+            <a:endParaRPr lang="en-US" dirty="0"/>
+          </a:p>
+        </p:txBody>
+      </p:sp>
+      <p:sp>
+        <p:nvSpPr>
+          <p:cNvPr id="28" name="TextBox 27"/>
+          <p:cNvSpPr txBox="1"/>
+          <p:nvPr/>
+        </p:nvSpPr>
+        <p:spPr>
+          <a:xfrm>
+            <a:off x="7432765" y="3543987"/>
+            <a:ext cx="423109" cy="369332"/>
+          </a:xfrm>
+          <a:prstGeom prst="rect">
+            <a:avLst/>
+          </a:prstGeom>
+          <a:noFill/>
+          <a:ln w="25400">
+            <a:solidFill>
+              <a:schemeClr val="accent1">
+                <a:shade val="50000"/>
+              </a:schemeClr>
+            </a:solidFill>
+          </a:ln>
+        </p:spPr>
+        <p:txBody>
+          <a:bodyPr wrap="square" rtlCol="0">
+            <a:spAutoFit/>
+          </a:bodyPr>
+          <a:lstStyle/>
+          <a:p>
+            <a:pPr algn="ctr"/>
+            <a:r>
+              <a:rPr lang="en-US" dirty="0"/>
+              <a:t>M</a:t>
+            </a:r>
+            <a:endParaRPr lang="en-US" dirty="0"/>
+          </a:p>
+        </p:txBody>
+      </p:sp>
+      <p:sp>
+        <p:nvSpPr>
+          <p:cNvPr id="29" name="TextBox 28"/>
+          <p:cNvSpPr txBox="1"/>
+          <p:nvPr/>
+        </p:nvSpPr>
+        <p:spPr>
+          <a:xfrm>
+            <a:off x="7261131" y="2192222"/>
+            <a:ext cx="375381" cy="369332"/>
+          </a:xfrm>
+          <a:prstGeom prst="rect">
+            <a:avLst/>
+          </a:prstGeom>
+          <a:noFill/>
+          <a:ln w="25400">
+            <a:solidFill>
+              <a:schemeClr val="accent1">
+                <a:shade val="50000"/>
+              </a:schemeClr>
+            </a:solidFill>
+          </a:ln>
+        </p:spPr>
+        <p:txBody>
+          <a:bodyPr wrap="square" rtlCol="0">
+            <a:spAutoFit/>
+          </a:bodyPr>
+          <a:lstStyle/>
+          <a:p>
+            <a:pPr algn="ctr"/>
+            <a:r>
+              <a:rPr lang="en-US" dirty="0"/>
+              <a:t>L</a:t>
+            </a:r>
+            <a:endParaRPr lang="en-US" dirty="0"/>
+          </a:p>
+        </p:txBody>
+      </p:sp>
+      <p:sp>
+        <p:nvSpPr>
+          <p:cNvPr id="8" name="Can 7"/>
+          <p:cNvSpPr/>
+          <p:nvPr/>
+        </p:nvSpPr>
+        <p:spPr>
+          <a:xfrm>
+            <a:off x="9098280" y="2228624"/>
+            <a:ext cx="2380957" cy="2258969"/>
+          </a:xfrm>
+          <a:prstGeom prst="can">
+            <a:avLst/>
+          </a:prstGeom>
+        </p:spPr>
+        <p:style>
+          <a:lnRef idx="2">
+            <a:schemeClr val="accent1">
+              <a:shade val="50000"/>
+            </a:schemeClr>
+          </a:lnRef>
+          <a:fillRef idx="1">
+            <a:schemeClr val="accent1"/>
+          </a:fillRef>
+          <a:effectRef idx="0">
+            <a:schemeClr val="accent1"/>
+          </a:effectRef>
+          <a:fontRef idx="minor">
+            <a:schemeClr val="lt1"/>
+          </a:fontRef>
+        </p:style>
+        <p:txBody>
+          <a:bodyPr rtlCol="0" anchor="ctr"/>
+          <a:lstStyle/>
+          <a:p>
+            <a:pPr algn="ctr"/>
+            <a:r>
+              <a:rPr lang="en-US" sz="2400" dirty="0"/>
+              <a:t>FHIR Scheduler, (EHR)</a:t>
+            </a:r>
+            <a:endParaRPr lang="en-US" sz="2400" dirty="0"/>
+          </a:p>
+        </p:txBody>
+      </p:sp>
+      <p:sp>
+        <p:nvSpPr>
+          <p:cNvPr id="11" name="Can 10"/>
+          <p:cNvSpPr/>
+          <p:nvPr/>
+        </p:nvSpPr>
+        <p:spPr>
+          <a:xfrm>
+            <a:off x="4568612" y="2228624"/>
+            <a:ext cx="2484820" cy="2258969"/>
+          </a:xfrm>
+          <a:prstGeom prst="can">
+            <a:avLst/>
+          </a:prstGeom>
+        </p:spPr>
+        <p:style>
+          <a:lnRef idx="2">
+            <a:schemeClr val="accent1">
+              <a:shade val="50000"/>
+            </a:schemeClr>
+          </a:lnRef>
+          <a:fillRef idx="1">
+            <a:schemeClr val="accent1"/>
+          </a:fillRef>
+          <a:effectRef idx="0">
+            <a:schemeClr val="accent1"/>
+          </a:effectRef>
+          <a:fontRef idx="minor">
+            <a:schemeClr val="lt1"/>
+          </a:fontRef>
+        </p:style>
+        <p:txBody>
+          <a:bodyPr rtlCol="0" anchor="ctr"/>
+          <a:lstStyle/>
+          <a:p>
+            <a:pPr algn="ctr"/>
+            <a:r>
+              <a:rPr lang="en-US" sz="2400" dirty="0" smtClean="0"/>
+              <a:t>Client</a:t>
+            </a:r>
+          </a:p>
+          <a:p>
+            <a:pPr algn="ctr"/>
+            <a:r>
+              <a:rPr lang="en-US" sz="2400" dirty="0" smtClean="0"/>
+              <a:t> Application Server</a:t>
+            </a:r>
+            <a:endParaRPr lang="en-US" sz="2400" dirty="0"/>
+          </a:p>
+        </p:txBody>
+      </p:sp>
+      <p:sp>
+        <p:nvSpPr>
+          <p:cNvPr id="16" name="TextBox 15"/>
+          <p:cNvSpPr txBox="1"/>
+          <p:nvPr/>
+        </p:nvSpPr>
+        <p:spPr>
+          <a:xfrm>
+            <a:off x="3281082" y="731520"/>
+            <a:ext cx="4292302" cy="646331"/>
+          </a:xfrm>
+          <a:prstGeom prst="rect">
+            <a:avLst/>
+          </a:prstGeom>
+          <a:noFill/>
+        </p:spPr>
+        <p:txBody>
+          <a:bodyPr wrap="square" rtlCol="0">
+            <a:spAutoFit/>
+          </a:bodyPr>
+          <a:lstStyle/>
+          <a:p>
+            <a:r>
+              <a:rPr lang="en-US" dirty="0" smtClean="0"/>
+              <a:t>Pre-fetch Work Flow </a:t>
+            </a:r>
+            <a:r>
+              <a:rPr lang="mr-IN" dirty="0" smtClean="0"/>
+              <a:t>–</a:t>
+            </a:r>
+            <a:r>
+              <a:rPr lang="en-US" dirty="0" smtClean="0"/>
+              <a:t> Option A Poll for open slots</a:t>
+            </a:r>
+            <a:endParaRPr lang="en-US" dirty="0"/>
+          </a:p>
+        </p:txBody>
+      </p:sp>
+    </p:spTree>
+    <p:extLst>
+      <p:ext uri="{BB962C8B-B14F-4D97-AF65-F5344CB8AC3E}">
+        <p14:creationId xmlns:p14="http://schemas.microsoft.com/office/powerpoint/2010/main" val="602943498"/>
+      </p:ext>
+    </p:extLst>
+  </p:cSld>
+  <p:clrMapOvr>
+    <a:masterClrMapping/>
+  </p:clrMapOvr>
+  <p:timing>
+    <p:tnLst>
+      <p:par>
+        <p:cTn id="1" dur="indefinite" restart="never" nodeType="tmRoot"/>
+      </p:par>
+    </p:tnLst>
+  </p:timing>
+</p:sld>
+</file>
+
+<file path=ppt/slides/slide14.xml><?xml version="1.0" encoding="utf-8"?>
 <p:sld xmlns:a="http://schemas.openxmlformats.org/drawingml/2006/main" xmlns:r="http://schemas.openxmlformats.org/officeDocument/2006/relationships" xmlns:p="http://schemas.openxmlformats.org/presentationml/2006/main">
   <p:cSld>
     <p:spTree>
@@ -5354,10 +7062,17 @@
   <p:clrMapOvr>
     <a:masterClrMapping/>
   </p:clrMapOvr>
+  <p:timing>
+    <p:tnLst>
+      <p:par>
+        <p:cTn id="1" dur="indefinite" restart="never" nodeType="tmRoot"/>
+      </p:par>
+    </p:tnLst>
+  </p:timing>
 </p:sld>
 </file>
 
-<file path=ppt/slides/slide12.xml><?xml version="1.0" encoding="utf-8"?>
+<file path=ppt/slides/slide15.xml><?xml version="1.0" encoding="utf-8"?>
 <p:sld xmlns:a="http://schemas.openxmlformats.org/drawingml/2006/main" xmlns:r="http://schemas.openxmlformats.org/officeDocument/2006/relationships" xmlns:p="http://schemas.openxmlformats.org/presentationml/2006/main">
   <p:cSld>
     <p:spTree>
@@ -5716,10 +7431,17 @@
   <p:clrMapOvr>
     <a:masterClrMapping/>
   </p:clrMapOvr>
+  <p:timing>
+    <p:tnLst>
+      <p:par>
+        <p:cTn id="1" dur="indefinite" restart="never" nodeType="tmRoot"/>
+      </p:par>
+    </p:tnLst>
+  </p:timing>
 </p:sld>
 </file>
 
-<file path=ppt/slides/slide13.xml><?xml version="1.0" encoding="utf-8"?>
+<file path=ppt/slides/slide16.xml><?xml version="1.0" encoding="utf-8"?>
 <p:sld xmlns:a="http://schemas.openxmlformats.org/drawingml/2006/main" xmlns:r="http://schemas.openxmlformats.org/officeDocument/2006/relationships" xmlns:p="http://schemas.openxmlformats.org/presentationml/2006/main">
   <p:cSld>
     <p:spTree>
@@ -6053,10 +7775,17 @@
   <p:clrMapOvr>
     <a:masterClrMapping/>
   </p:clrMapOvr>
+  <p:timing>
+    <p:tnLst>
+      <p:par>
+        <p:cTn id="1" dur="indefinite" restart="never" nodeType="tmRoot"/>
+      </p:par>
+    </p:tnLst>
+  </p:timing>
 </p:sld>
 </file>
 
-<file path=ppt/slides/slide14.xml><?xml version="1.0" encoding="utf-8"?>
+<file path=ppt/slides/slide17.xml><?xml version="1.0" encoding="utf-8"?>
 <p:sld xmlns:a="http://schemas.openxmlformats.org/drawingml/2006/main" xmlns:r="http://schemas.openxmlformats.org/officeDocument/2006/relationships" xmlns:p="http://schemas.openxmlformats.org/presentationml/2006/main">
   <p:cSld>
     <p:spTree>
@@ -7964,6 +9693,13 @@
   <p:clrMapOvr>
     <a:masterClrMapping/>
   </p:clrMapOvr>
+  <p:timing>
+    <p:tnLst>
+      <p:par>
+        <p:cTn id="1" dur="indefinite" restart="never" nodeType="tmRoot"/>
+      </p:par>
+    </p:tnLst>
+  </p:timing>
 </p:sld>
 </file>
 
@@ -8619,6 +10355,13 @@
   <p:clrMapOvr>
     <a:masterClrMapping/>
   </p:clrMapOvr>
+  <p:timing>
+    <p:tnLst>
+      <p:par>
+        <p:cTn id="1" dur="indefinite" restart="never" nodeType="tmRoot"/>
+      </p:par>
+    </p:tnLst>
+  </p:timing>
 </p:sld>
 </file>
 
@@ -9172,6 +10915,13 @@
   <p:clrMapOvr>
     <a:masterClrMapping/>
   </p:clrMapOvr>
+  <p:timing>
+    <p:tnLst>
+      <p:par>
+        <p:cTn id="1" dur="indefinite" restart="never" nodeType="tmRoot"/>
+      </p:par>
+    </p:tnLst>
+  </p:timing>
 </p:sld>
 </file>
 
@@ -9728,6 +11478,13 @@
   <p:clrMapOvr>
     <a:masterClrMapping/>
   </p:clrMapOvr>
+  <p:timing>
+    <p:tnLst>
+      <p:par>
+        <p:cTn id="1" dur="indefinite" restart="never" nodeType="tmRoot"/>
+      </p:par>
+    </p:tnLst>
+  </p:timing>
 </p:sld>
 </file>
 
@@ -10390,6 +12147,13 @@
   <p:clrMapOvr>
     <a:masterClrMapping/>
   </p:clrMapOvr>
+  <p:timing>
+    <p:tnLst>
+      <p:par>
+        <p:cTn id="1" dur="indefinite" restart="never" nodeType="tmRoot"/>
+      </p:par>
+    </p:tnLst>
+  </p:timing>
 </p:sld>
 </file>
 
@@ -10694,6 +12458,13 @@
   <p:clrMapOvr>
     <a:masterClrMapping/>
   </p:clrMapOvr>
+  <p:timing>
+    <p:tnLst>
+      <p:par>
+        <p:cTn id="1" dur="indefinite" restart="never" nodeType="tmRoot"/>
+      </p:par>
+    </p:tnLst>
+  </p:timing>
 </p:sld>
 </file>
 
@@ -11069,6 +12840,13 @@
   <p:clrMapOvr>
     <a:masterClrMapping/>
   </p:clrMapOvr>
+  <p:timing>
+    <p:tnLst>
+      <p:par>
+        <p:cTn id="1" dur="indefinite" restart="never" nodeType="tmRoot"/>
+      </p:par>
+    </p:tnLst>
+  </p:timing>
 </p:sld>
 </file>
 

--- a/meeting-notes/WorkFlowDiagrams.pptx
+++ b/meeting-notes/WorkFlowDiagrams.pptx
@@ -6310,7 +6310,11 @@
           <a:p>
             <a:r>
               <a:rPr lang="en-US" dirty="0" smtClean="0"/>
-              <a:t>Returns Booking</a:t>
+              <a:t>Return </a:t>
+            </a:r>
+            <a:r>
+              <a:rPr lang="en-US" dirty="0" smtClean="0"/>
+              <a:t>Booking</a:t>
             </a:r>
           </a:p>
           <a:p>
@@ -8369,6 +8373,13 @@
   <p:clrMapOvr>
     <a:masterClrMapping/>
   </p:clrMapOvr>
+  <p:timing>
+    <p:tnLst>
+      <p:par>
+        <p:cTn id="1" dur="indefinite" restart="never" nodeType="tmRoot"/>
+      </p:par>
+    </p:tnLst>
+  </p:timing>
 </p:sld>
 </file>
 

--- a/meeting-notes/WorkFlowDiagrams.pptx
+++ b/meeting-notes/WorkFlowDiagrams.pptx
@@ -5,7 +5,7 @@
     <p:sldMasterId id="2147483648" r:id="rId1"/>
   </p:sldMasterIdLst>
   <p:notesMasterIdLst>
-    <p:notesMasterId r:id="rId19"/>
+    <p:notesMasterId r:id="rId18"/>
   </p:notesMasterIdLst>
   <p:sldIdLst>
     <p:sldId id="256" r:id="rId2"/>
@@ -23,8 +23,7 @@
     <p:sldId id="274" r:id="rId14"/>
     <p:sldId id="267" r:id="rId15"/>
     <p:sldId id="268" r:id="rId16"/>
-    <p:sldId id="270" r:id="rId17"/>
-    <p:sldId id="266" r:id="rId18"/>
+    <p:sldId id="266" r:id="rId17"/>
   </p:sldIdLst>
   <p:sldSz cx="12192000" cy="6858000"/>
   <p:notesSz cx="6858000" cy="9144000"/>
@@ -1071,91 +1070,6 @@
               <a:rPr lang="en-US" smtClean="0"/>
               <a:pPr/>
               <a:t>16</a:t>
-            </a:fld>
-            <a:endParaRPr lang="en-US"/>
-          </a:p>
-        </p:txBody>
-      </p:sp>
-    </p:spTree>
-    <p:extLst>
-      <p:ext uri="{BB962C8B-B14F-4D97-AF65-F5344CB8AC3E}">
-        <p14:creationId xmlns:p14="http://schemas.microsoft.com/office/powerpoint/2010/main" val="306548237"/>
-      </p:ext>
-    </p:extLst>
-  </p:cSld>
-  <p:clrMapOvr>
-    <a:masterClrMapping/>
-  </p:clrMapOvr>
-</p:notes>
-</file>
-
-<file path=ppt/notesSlides/notesSlide8.xml><?xml version="1.0" encoding="utf-8"?>
-<p:notes xmlns:a="http://schemas.openxmlformats.org/drawingml/2006/main" xmlns:r="http://schemas.openxmlformats.org/officeDocument/2006/relationships" xmlns:p="http://schemas.openxmlformats.org/presentationml/2006/main">
-  <p:cSld>
-    <p:spTree>
-      <p:nvGrpSpPr>
-        <p:cNvPr id="1" name=""/>
-        <p:cNvGrpSpPr/>
-        <p:nvPr/>
-      </p:nvGrpSpPr>
-      <p:grpSpPr>
-        <a:xfrm>
-          <a:off x="0" y="0"/>
-          <a:ext cx="0" cy="0"/>
-          <a:chOff x="0" y="0"/>
-          <a:chExt cx="0" cy="0"/>
-        </a:xfrm>
-      </p:grpSpPr>
-      <p:sp>
-        <p:nvSpPr>
-          <p:cNvPr id="2" name="Slide Image Placeholder 1"/>
-          <p:cNvSpPr>
-            <a:spLocks noGrp="1" noRot="1" noChangeAspect="1"/>
-          </p:cNvSpPr>
-          <p:nvPr>
-            <p:ph type="sldImg"/>
-          </p:nvPr>
-        </p:nvSpPr>
-        <p:spPr/>
-      </p:sp>
-      <p:sp>
-        <p:nvSpPr>
-          <p:cNvPr id="3" name="Notes Placeholder 2"/>
-          <p:cNvSpPr>
-            <a:spLocks noGrp="1"/>
-          </p:cNvSpPr>
-          <p:nvPr>
-            <p:ph type="body" idx="1"/>
-          </p:nvPr>
-        </p:nvSpPr>
-        <p:spPr/>
-        <p:txBody>
-          <a:bodyPr/>
-          <a:lstStyle/>
-          <a:p>
-            <a:endParaRPr lang="en-US"/>
-          </a:p>
-        </p:txBody>
-      </p:sp>
-      <p:sp>
-        <p:nvSpPr>
-          <p:cNvPr id="4" name="Slide Number Placeholder 3"/>
-          <p:cNvSpPr>
-            <a:spLocks noGrp="1"/>
-          </p:cNvSpPr>
-          <p:nvPr>
-            <p:ph type="sldNum" sz="quarter" idx="10"/>
-          </p:nvPr>
-        </p:nvSpPr>
-        <p:spPr/>
-        <p:txBody>
-          <a:bodyPr/>
-          <a:lstStyle/>
-          <a:p>
-            <a:fld id="{41AA1877-C0DC-7444-845F-24A0FAE907CA}" type="slidenum">
-              <a:rPr lang="en-US" smtClean="0"/>
-              <a:pPr/>
-              <a:t>17</a:t>
             </a:fld>
             <a:endParaRPr lang="en-US"/>
           </a:p>
@@ -6914,8 +6828,8 @@
           </p:nvSpPr>
           <p:spPr>
             <a:xfrm>
-              <a:off x="4160992" y="2205609"/>
-              <a:ext cx="415618" cy="369332"/>
+              <a:off x="4015389" y="2238958"/>
+              <a:ext cx="853118" cy="369332"/>
             </a:xfrm>
             <a:prstGeom prst="rect">
               <a:avLst/>
@@ -6937,9 +6851,10 @@
             <a:p>
               <a:pPr algn="ctr"/>
               <a:r>
-                <a:rPr lang="en-US" dirty="0"/>
-                <a:t>B</a:t>
+                <a:rPr lang="en-US" smtClean="0"/>
+                <a:t>AA</a:t>
               </a:r>
+              <a:endParaRPr lang="en-US" dirty="0"/>
             </a:p>
           </p:txBody>
         </p:sp>
@@ -6996,7 +6911,7 @@
         </p:nvSpPr>
         <p:spPr>
           <a:xfrm>
-            <a:off x="3281082" y="731520"/>
+            <a:off x="3312613" y="798111"/>
             <a:ext cx="4292302" cy="369332"/>
           </a:xfrm>
           <a:prstGeom prst="rect">
@@ -7019,8 +6934,16 @@
               <a:t>–</a:t>
             </a:r>
             <a:r>
+              <a:rPr lang="en-US" dirty="0"/>
+              <a:t> </a:t>
+            </a:r>
+            <a:r>
               <a:rPr lang="en-US" dirty="0" smtClean="0"/>
-              <a:t>Option B Initial Load</a:t>
+              <a:t> </a:t>
+            </a:r>
+            <a:r>
+              <a:rPr lang="en-US" dirty="0" smtClean="0"/>
+              <a:t>Initial Load</a:t>
             </a:r>
             <a:endParaRPr lang="en-US" dirty="0"/>
           </a:p>
@@ -7056,6 +6979,36 @@
           </a:p>
         </p:txBody>
       </p:sp>
+      <p:pic>
+        <p:nvPicPr>
+          <p:cNvPr id="12" name="Picture 11"/>
+          <p:cNvPicPr>
+            <a:picLocks noChangeAspect="1"/>
+          </p:cNvPicPr>
+          <p:nvPr/>
+        </p:nvPicPr>
+        <p:blipFill>
+          <a:blip r:embed="rId3">
+            <a:extLst>
+              <a:ext uri="{28A0092B-C50C-407E-A947-70E740481C1C}">
+                <a14:useLocalDpi xmlns:a14="http://schemas.microsoft.com/office/drawing/2010/main" val="0"/>
+              </a:ext>
+            </a:extLst>
+          </a:blip>
+          <a:stretch>
+            <a:fillRect/>
+          </a:stretch>
+        </p:blipFill>
+        <p:spPr>
+          <a:xfrm>
+            <a:off x="744038" y="2116140"/>
+            <a:ext cx="1780491" cy="2698128"/>
+          </a:xfrm>
+          <a:prstGeom prst="rect">
+            <a:avLst/>
+          </a:prstGeom>
+        </p:spPr>
+      </p:pic>
     </p:spTree>
     <p:extLst>
       <p:ext uri="{BB962C8B-B14F-4D97-AF65-F5344CB8AC3E}">
@@ -7396,7 +7349,7 @@
         <p:spPr>
           <a:xfrm>
             <a:off x="5125709" y="5120640"/>
-            <a:ext cx="3351317" cy="646331"/>
+            <a:ext cx="3351317" cy="1477328"/>
           </a:xfrm>
           <a:prstGeom prst="rect">
             <a:avLst/>
@@ -7409,22 +7362,79 @@
           </a:bodyPr>
           <a:lstStyle/>
           <a:p>
+            <a:pPr marL="285750" indent="-285750">
+              <a:buFont typeface="Arial" charset="0"/>
+              <a:buChar char="•"/>
+            </a:pPr>
             <a:r>
               <a:rPr lang="en-US" dirty="0" smtClean="0"/>
-              <a:t>* </a:t>
-            </a:r>
-            <a:r>
-              <a:rPr lang="en-US" smtClean="0"/>
-              <a:t>Include Schedule, </a:t>
+              <a:t>*Include </a:t>
             </a:r>
             <a:r>
               <a:rPr lang="en-US" dirty="0" smtClean="0"/>
-              <a:t>Practitioner, Location</a:t>
-            </a:r>
+              <a:t>Schedule, Practitioner, </a:t>
+            </a:r>
+            <a:r>
+              <a:rPr lang="en-US" dirty="0" smtClean="0"/>
+              <a:t>Location</a:t>
+            </a:r>
+          </a:p>
+          <a:p>
+            <a:pPr marL="285750" indent="-285750">
+              <a:buFont typeface="Arial" charset="0"/>
+              <a:buChar char="•"/>
+            </a:pPr>
+            <a:r>
+              <a:rPr lang="en-US" dirty="0" smtClean="0"/>
+              <a:t>Use the _history interaction as described </a:t>
+            </a:r>
+            <a:r>
+              <a:rPr lang="en-US" dirty="0" smtClean="0">
+                <a:hlinkClick r:id="rId3"/>
+              </a:rPr>
+              <a:t>here</a:t>
+            </a:r>
+            <a:endParaRPr lang="en-US" dirty="0" smtClean="0"/>
+          </a:p>
+          <a:p>
+            <a:pPr marL="285750" indent="-285750">
+              <a:buFont typeface="Arial" charset="0"/>
+              <a:buChar char="•"/>
+            </a:pPr>
             <a:endParaRPr lang="en-US" dirty="0"/>
           </a:p>
         </p:txBody>
       </p:sp>
+      <p:pic>
+        <p:nvPicPr>
+          <p:cNvPr id="12" name="Picture 11"/>
+          <p:cNvPicPr>
+            <a:picLocks noChangeAspect="1"/>
+          </p:cNvPicPr>
+          <p:nvPr/>
+        </p:nvPicPr>
+        <p:blipFill>
+          <a:blip r:embed="rId4">
+            <a:extLst>
+              <a:ext uri="{28A0092B-C50C-407E-A947-70E740481C1C}">
+                <a14:useLocalDpi xmlns:a14="http://schemas.microsoft.com/office/drawing/2010/main" val="0"/>
+              </a:ext>
+            </a:extLst>
+          </a:blip>
+          <a:stretch>
+            <a:fillRect/>
+          </a:stretch>
+        </p:blipFill>
+        <p:spPr>
+          <a:xfrm>
+            <a:off x="744038" y="2116140"/>
+            <a:ext cx="1780491" cy="2698128"/>
+          </a:xfrm>
+          <a:prstGeom prst="rect">
+            <a:avLst/>
+          </a:prstGeom>
+        </p:spPr>
+      </p:pic>
     </p:spTree>
     <p:extLst>
       <p:ext uri="{BB962C8B-B14F-4D97-AF65-F5344CB8AC3E}">
@@ -7513,158 +7523,6 @@
           </a:p>
         </p:txBody>
       </p:sp>
-      <p:grpSp>
-        <p:nvGrpSpPr>
-          <p:cNvPr id="15" name="Group 14"/>
-          <p:cNvGrpSpPr/>
-          <p:nvPr/>
-        </p:nvGrpSpPr>
-        <p:grpSpPr>
-          <a:xfrm>
-            <a:off x="6368119" y="2498690"/>
-            <a:ext cx="2929455" cy="1290702"/>
-            <a:chOff x="3858207" y="1856851"/>
-            <a:chExt cx="4595305" cy="1290702"/>
-          </a:xfrm>
-        </p:grpSpPr>
-        <p:cxnSp>
-          <p:nvCxnSpPr>
-            <p:cNvPr id="22" name="Straight Arrow Connector 21"/>
-            <p:cNvCxnSpPr/>
-            <p:nvPr/>
-          </p:nvCxnSpPr>
-          <p:spPr>
-            <a:xfrm>
-              <a:off x="4015389" y="2877921"/>
-              <a:ext cx="4438123" cy="0"/>
-            </a:xfrm>
-            <a:prstGeom prst="straightConnector1">
-              <a:avLst/>
-            </a:prstGeom>
-            <a:ln w="63500">
-              <a:tailEnd type="triangle"/>
-            </a:ln>
-          </p:spPr>
-          <p:style>
-            <a:lnRef idx="1">
-              <a:schemeClr val="accent1"/>
-            </a:lnRef>
-            <a:fillRef idx="0">
-              <a:schemeClr val="accent1"/>
-            </a:fillRef>
-            <a:effectRef idx="0">
-              <a:schemeClr val="accent1"/>
-            </a:effectRef>
-            <a:fontRef idx="minor">
-              <a:schemeClr val="tx1"/>
-            </a:fontRef>
-          </p:style>
-        </p:cxnSp>
-        <p:sp>
-          <p:nvSpPr>
-            <p:cNvPr id="4" name="TextBox 3"/>
-            <p:cNvSpPr txBox="1"/>
-            <p:nvPr/>
-          </p:nvSpPr>
-          <p:spPr>
-            <a:xfrm>
-              <a:off x="4853279" y="1856851"/>
-              <a:ext cx="3521642" cy="923330"/>
-            </a:xfrm>
-            <a:prstGeom prst="rect">
-              <a:avLst/>
-            </a:prstGeom>
-            <a:solidFill>
-              <a:schemeClr val="bg1"/>
-            </a:solidFill>
-            <a:effectLst/>
-          </p:spPr>
-          <p:txBody>
-            <a:bodyPr wrap="square" rtlCol="0">
-              <a:spAutoFit/>
-            </a:bodyPr>
-            <a:lstStyle/>
-            <a:p>
-              <a:r>
-                <a:rPr lang="en-US" dirty="0" smtClean="0"/>
-                <a:t>Fetch “initial load” of open Slots* for Service(s)</a:t>
-              </a:r>
-              <a:endParaRPr lang="en-US" dirty="0"/>
-            </a:p>
-          </p:txBody>
-        </p:sp>
-        <p:cxnSp>
-          <p:nvCxnSpPr>
-            <p:cNvPr id="23" name="Straight Arrow Connector 22"/>
-            <p:cNvCxnSpPr/>
-            <p:nvPr/>
-          </p:nvCxnSpPr>
-          <p:spPr>
-            <a:xfrm>
-              <a:off x="3858207" y="3147553"/>
-              <a:ext cx="4438123" cy="0"/>
-            </a:xfrm>
-            <a:prstGeom prst="straightConnector1">
-              <a:avLst/>
-            </a:prstGeom>
-            <a:ln w="63500">
-              <a:headEnd type="triangle"/>
-              <a:tailEnd type="none"/>
-            </a:ln>
-          </p:spPr>
-          <p:style>
-            <a:lnRef idx="1">
-              <a:schemeClr val="accent1"/>
-            </a:lnRef>
-            <a:fillRef idx="0">
-              <a:schemeClr val="accent1"/>
-            </a:fillRef>
-            <a:effectRef idx="0">
-              <a:schemeClr val="accent1"/>
-            </a:effectRef>
-            <a:fontRef idx="minor">
-              <a:schemeClr val="tx1"/>
-            </a:fontRef>
-          </p:style>
-        </p:cxnSp>
-        <p:sp>
-          <p:nvSpPr>
-            <p:cNvPr id="29" name="TextBox 28"/>
-            <p:cNvSpPr txBox="1"/>
-            <p:nvPr/>
-          </p:nvSpPr>
-          <p:spPr>
-            <a:xfrm>
-              <a:off x="4160992" y="2205609"/>
-              <a:ext cx="415618" cy="369332"/>
-            </a:xfrm>
-            <a:prstGeom prst="rect">
-              <a:avLst/>
-            </a:prstGeom>
-            <a:noFill/>
-            <a:ln w="25400">
-              <a:solidFill>
-                <a:schemeClr val="accent1">
-                  <a:shade val="50000"/>
-                </a:schemeClr>
-              </a:solidFill>
-            </a:ln>
-          </p:spPr>
-          <p:txBody>
-            <a:bodyPr wrap="square" rtlCol="0">
-              <a:spAutoFit/>
-            </a:bodyPr>
-            <a:lstStyle/>
-            <a:p>
-              <a:pPr algn="ctr"/>
-              <a:r>
-                <a:rPr lang="en-US" dirty="0"/>
-                <a:t>B</a:t>
-              </a:r>
-            </a:p>
-          </p:txBody>
-        </p:sp>
-      </p:grpSp>
       <p:sp>
         <p:nvSpPr>
           <p:cNvPr id="8" name="Can 7"/>
@@ -7717,198 +7575,6 @@
         </p:nvSpPr>
         <p:spPr>
           <a:xfrm>
-            <a:off x="3281082" y="731520"/>
-            <a:ext cx="4292302" cy="369332"/>
-          </a:xfrm>
-          <a:prstGeom prst="rect">
-            <a:avLst/>
-          </a:prstGeom>
-          <a:noFill/>
-        </p:spPr>
-        <p:txBody>
-          <a:bodyPr wrap="square" rtlCol="0">
-            <a:spAutoFit/>
-          </a:bodyPr>
-          <a:lstStyle/>
-          <a:p>
-            <a:r>
-              <a:rPr lang="en-US" dirty="0" smtClean="0"/>
-              <a:t>Pre-fetch Work Flow Option C - Initial Load</a:t>
-            </a:r>
-            <a:endParaRPr lang="en-US" dirty="0"/>
-          </a:p>
-        </p:txBody>
-      </p:sp>
-      <p:sp>
-        <p:nvSpPr>
-          <p:cNvPr id="2" name="TextBox 1"/>
-          <p:cNvSpPr txBox="1"/>
-          <p:nvPr/>
-        </p:nvSpPr>
-        <p:spPr>
-          <a:xfrm>
-            <a:off x="5125709" y="5120640"/>
-            <a:ext cx="3351317" cy="646331"/>
-          </a:xfrm>
-          <a:prstGeom prst="rect">
-            <a:avLst/>
-          </a:prstGeom>
-          <a:noFill/>
-        </p:spPr>
-        <p:txBody>
-          <a:bodyPr wrap="square" rtlCol="0">
-            <a:spAutoFit/>
-          </a:bodyPr>
-          <a:lstStyle/>
-          <a:p>
-            <a:r>
-              <a:rPr lang="en-US" dirty="0" smtClean="0"/>
-              <a:t>* Include Schedule, Practitioner, Location</a:t>
-            </a:r>
-            <a:endParaRPr lang="en-US" dirty="0"/>
-          </a:p>
-        </p:txBody>
-      </p:sp>
-    </p:spTree>
-    <p:extLst>
-      <p:ext uri="{BB962C8B-B14F-4D97-AF65-F5344CB8AC3E}">
-        <p14:creationId xmlns:p14="http://schemas.microsoft.com/office/powerpoint/2010/main" val="226943387"/>
-      </p:ext>
-    </p:extLst>
-  </p:cSld>
-  <p:clrMapOvr>
-    <a:masterClrMapping/>
-  </p:clrMapOvr>
-  <p:timing>
-    <p:tnLst>
-      <p:par>
-        <p:cTn id="1" dur="indefinite" restart="never" nodeType="tmRoot"/>
-      </p:par>
-    </p:tnLst>
-  </p:timing>
-</p:sld>
-</file>
-
-<file path=ppt/slides/slide17.xml><?xml version="1.0" encoding="utf-8"?>
-<p:sld xmlns:a="http://schemas.openxmlformats.org/drawingml/2006/main" xmlns:r="http://schemas.openxmlformats.org/officeDocument/2006/relationships" xmlns:p="http://schemas.openxmlformats.org/presentationml/2006/main">
-  <p:cSld>
-    <p:spTree>
-      <p:nvGrpSpPr>
-        <p:cNvPr id="1" name=""/>
-        <p:cNvGrpSpPr/>
-        <p:nvPr/>
-      </p:nvGrpSpPr>
-      <p:grpSpPr>
-        <a:xfrm>
-          <a:off x="0" y="0"/>
-          <a:ext cx="0" cy="0"/>
-          <a:chOff x="0" y="0"/>
-          <a:chExt cx="0" cy="0"/>
-        </a:xfrm>
-      </p:grpSpPr>
-      <p:sp>
-        <p:nvSpPr>
-          <p:cNvPr id="11" name="Can 10"/>
-          <p:cNvSpPr/>
-          <p:nvPr/>
-        </p:nvSpPr>
-        <p:spPr>
-          <a:xfrm>
-            <a:off x="3883299" y="2390275"/>
-            <a:ext cx="2484820" cy="2258969"/>
-          </a:xfrm>
-          <a:prstGeom prst="can">
-            <a:avLst/>
-          </a:prstGeom>
-        </p:spPr>
-        <p:style>
-          <a:lnRef idx="2">
-            <a:schemeClr val="accent1">
-              <a:shade val="50000"/>
-            </a:schemeClr>
-          </a:lnRef>
-          <a:fillRef idx="1">
-            <a:schemeClr val="accent1"/>
-          </a:fillRef>
-          <a:effectRef idx="0">
-            <a:schemeClr val="accent1"/>
-          </a:effectRef>
-          <a:fontRef idx="minor">
-            <a:schemeClr val="lt1"/>
-          </a:fontRef>
-        </p:style>
-        <p:txBody>
-          <a:bodyPr rtlCol="0" anchor="ctr"/>
-          <a:lstStyle/>
-          <a:p>
-            <a:pPr algn="ctr"/>
-            <a:r>
-              <a:rPr lang="en-US" sz="2400" dirty="0" smtClean="0"/>
-              <a:t>Client</a:t>
-            </a:r>
-          </a:p>
-          <a:p>
-            <a:pPr algn="ctr"/>
-            <a:r>
-              <a:rPr lang="en-US" sz="2400" dirty="0" smtClean="0"/>
-              <a:t>(Scheduling Application)</a:t>
-            </a:r>
-            <a:endParaRPr lang="en-US" sz="2400" dirty="0"/>
-          </a:p>
-        </p:txBody>
-      </p:sp>
-      <p:sp>
-        <p:nvSpPr>
-          <p:cNvPr id="8" name="Can 7"/>
-          <p:cNvSpPr/>
-          <p:nvPr/>
-        </p:nvSpPr>
-        <p:spPr>
-          <a:xfrm>
-            <a:off x="9297574" y="2359802"/>
-            <a:ext cx="2380957" cy="2258969"/>
-          </a:xfrm>
-          <a:prstGeom prst="can">
-            <a:avLst/>
-          </a:prstGeom>
-        </p:spPr>
-        <p:style>
-          <a:lnRef idx="2">
-            <a:schemeClr val="accent1">
-              <a:shade val="50000"/>
-            </a:schemeClr>
-          </a:lnRef>
-          <a:fillRef idx="1">
-            <a:schemeClr val="accent1"/>
-          </a:fillRef>
-          <a:effectRef idx="0">
-            <a:schemeClr val="accent1"/>
-          </a:effectRef>
-          <a:fontRef idx="minor">
-            <a:schemeClr val="lt1"/>
-          </a:fontRef>
-        </p:style>
-        <p:txBody>
-          <a:bodyPr rtlCol="0" anchor="ctr"/>
-          <a:lstStyle/>
-          <a:p>
-            <a:pPr algn="ctr"/>
-            <a:r>
-              <a:rPr lang="en-US" sz="2400" dirty="0" smtClean="0"/>
-              <a:t>FHIR Scheduler, (EHR)</a:t>
-            </a:r>
-            <a:endParaRPr lang="en-US" sz="2400" dirty="0"/>
-          </a:p>
-        </p:txBody>
-      </p:sp>
-      <p:sp>
-        <p:nvSpPr>
-          <p:cNvPr id="9" name="TextBox 8"/>
-          <p:cNvSpPr txBox="1"/>
-          <p:nvPr/>
-        </p:nvSpPr>
-        <p:spPr>
-          <a:xfrm>
             <a:off x="6265634" y="2244914"/>
             <a:ext cx="3031940" cy="369332"/>
           </a:xfrm>
@@ -7928,7 +7594,11 @@
           <a:p>
             <a:r>
               <a:rPr lang="en-US" dirty="0" smtClean="0"/>
-              <a:t>POST …/Subscription/my-sub</a:t>
+              <a:t>POST …/</a:t>
+            </a:r>
+            <a:r>
+              <a:rPr lang="en-US" dirty="0" smtClean="0"/>
+              <a:t>Subscription/my-sub*</a:t>
             </a:r>
             <a:endParaRPr lang="en-US" dirty="0"/>
           </a:p>
@@ -7976,7 +7646,7 @@
         <p:spPr>
           <a:xfrm>
             <a:off x="6789556" y="1931513"/>
-            <a:ext cx="375381" cy="369332"/>
+            <a:ext cx="567685" cy="369332"/>
           </a:xfrm>
           <a:prstGeom prst="rect">
             <a:avLst/>
@@ -7998,8 +7668,8 @@
           <a:p>
             <a:pPr algn="ctr"/>
             <a:r>
-              <a:rPr lang="en-US" dirty="0" smtClean="0"/>
-              <a:t>2</a:t>
+              <a:rPr lang="en-US" smtClean="0"/>
+              <a:t>B3</a:t>
             </a:r>
             <a:endParaRPr lang="en-US" dirty="0"/>
           </a:p>
@@ -8033,44 +7703,6 @@
             <a:r>
               <a:rPr lang="en-US" dirty="0" smtClean="0"/>
               <a:t>Notifications +/-  resources</a:t>
-            </a:r>
-            <a:endParaRPr lang="en-US" dirty="0"/>
-          </a:p>
-        </p:txBody>
-      </p:sp>
-      <p:sp>
-        <p:nvSpPr>
-          <p:cNvPr id="15" name="TextBox 14"/>
-          <p:cNvSpPr txBox="1"/>
-          <p:nvPr/>
-        </p:nvSpPr>
-        <p:spPr>
-          <a:xfrm>
-            <a:off x="7136097" y="4328209"/>
-            <a:ext cx="423109" cy="369332"/>
-          </a:xfrm>
-          <a:prstGeom prst="rect">
-            <a:avLst/>
-          </a:prstGeom>
-          <a:noFill/>
-          <a:ln w="25400">
-            <a:solidFill>
-              <a:schemeClr val="accent1">
-                <a:shade val="50000"/>
-              </a:schemeClr>
-            </a:solidFill>
-          </a:ln>
-        </p:spPr>
-        <p:txBody>
-          <a:bodyPr wrap="square" rtlCol="0">
-            <a:spAutoFit/>
-          </a:bodyPr>
-          <a:lstStyle/>
-          <a:p>
-            <a:pPr algn="ctr"/>
-            <a:r>
-              <a:rPr lang="en-US" dirty="0" smtClean="0"/>
-              <a:t>3</a:t>
             </a:r>
             <a:endParaRPr lang="en-US" dirty="0"/>
           </a:p>
@@ -8253,62 +7885,21 @@
           </a:prstGeom>
         </p:spPr>
       </p:pic>
-      <p:cxnSp>
-        <p:nvCxnSpPr>
-          <p:cNvPr id="25" name="Straight Arrow Connector 24"/>
-          <p:cNvCxnSpPr/>
-          <p:nvPr/>
-        </p:nvCxnSpPr>
-        <p:spPr>
-          <a:xfrm>
-            <a:off x="2524529" y="3355167"/>
-            <a:ext cx="1215133" cy="0"/>
-          </a:xfrm>
-          <a:prstGeom prst="straightConnector1">
-            <a:avLst/>
-          </a:prstGeom>
-          <a:ln w="63500">
-            <a:headEnd type="triangle"/>
-            <a:tailEnd type="none"/>
-          </a:ln>
-        </p:spPr>
-        <p:style>
-          <a:lnRef idx="1">
-            <a:schemeClr val="accent1"/>
-          </a:lnRef>
-          <a:fillRef idx="0">
-            <a:schemeClr val="accent1"/>
-          </a:fillRef>
-          <a:effectRef idx="0">
-            <a:schemeClr val="accent1"/>
-          </a:effectRef>
-          <a:fontRef idx="minor">
-            <a:schemeClr val="tx1"/>
-          </a:fontRef>
-        </p:style>
-      </p:cxnSp>
-      <p:sp>
-        <p:nvSpPr>
-          <p:cNvPr id="26" name="TextBox 25"/>
+      <p:sp>
+        <p:nvSpPr>
+          <p:cNvPr id="20" name="TextBox 19"/>
           <p:cNvSpPr txBox="1"/>
           <p:nvPr/>
         </p:nvSpPr>
         <p:spPr>
           <a:xfrm>
-            <a:off x="2928663" y="2815202"/>
-            <a:ext cx="415619" cy="369332"/>
+            <a:off x="3281082" y="731520"/>
+            <a:ext cx="4292302" cy="646331"/>
           </a:xfrm>
           <a:prstGeom prst="rect">
             <a:avLst/>
           </a:prstGeom>
           <a:noFill/>
-          <a:ln w="25400">
-            <a:solidFill>
-              <a:schemeClr val="accent1">
-                <a:shade val="50000"/>
-              </a:schemeClr>
-            </a:solidFill>
-          </a:ln>
         </p:spPr>
         <p:txBody>
           <a:bodyPr wrap="square" rtlCol="0">
@@ -8316,10 +7907,17 @@
           </a:bodyPr>
           <a:lstStyle/>
           <a:p>
-            <a:pPr algn="ctr"/>
             <a:r>
               <a:rPr lang="en-US" dirty="0" smtClean="0"/>
-              <a:t>4</a:t>
+              <a:t>Pre-fetch Work Flow Option C </a:t>
+            </a:r>
+            <a:r>
+              <a:rPr lang="mr-IN" dirty="0" smtClean="0"/>
+              <a:t>–</a:t>
+            </a:r>
+            <a:r>
+              <a:rPr lang="en-US" dirty="0" smtClean="0"/>
+              <a:t> Subscription for updated slots</a:t>
             </a:r>
             <a:endParaRPr lang="en-US" dirty="0"/>
           </a:p>
@@ -8327,39 +7925,80 @@
       </p:sp>
       <p:sp>
         <p:nvSpPr>
-          <p:cNvPr id="20" name="TextBox 19"/>
-          <p:cNvSpPr txBox="1"/>
-          <p:nvPr/>
-        </p:nvSpPr>
-        <p:spPr>
-          <a:xfrm>
-            <a:off x="3281082" y="731520"/>
-            <a:ext cx="4292302" cy="646331"/>
+          <p:cNvPr id="2" name="Rectangle 1"/>
+          <p:cNvSpPr/>
+          <p:nvPr/>
+        </p:nvSpPr>
+        <p:spPr>
+          <a:xfrm>
+            <a:off x="3464834" y="5435666"/>
+            <a:ext cx="7139711" cy="923330"/>
           </a:xfrm>
           <a:prstGeom prst="rect">
             <a:avLst/>
           </a:prstGeom>
-          <a:noFill/>
-        </p:spPr>
-        <p:txBody>
-          <a:bodyPr wrap="square" rtlCol="0">
+        </p:spPr>
+        <p:txBody>
+          <a:bodyPr wrap="none">
             <a:spAutoFit/>
           </a:bodyPr>
           <a:lstStyle/>
           <a:p>
+            <a:pPr marL="285750" indent="-285750">
+              <a:buFont typeface="Arial" charset="0"/>
+              <a:buChar char="•"/>
+            </a:pPr>
             <a:r>
               <a:rPr lang="en-US" dirty="0" smtClean="0"/>
-              <a:t>Pre-fetch Work Flow Option C </a:t>
-            </a:r>
-            <a:r>
-              <a:rPr lang="mr-IN" dirty="0" smtClean="0"/>
-              <a:t>–</a:t>
-            </a:r>
+              <a:t>See </a:t>
+            </a:r>
+            <a:r>
+              <a:rPr lang="en-US" dirty="0" smtClean="0">
+                <a:hlinkClick r:id="rId4"/>
+              </a:rPr>
+              <a:t>https</a:t>
+            </a:r>
+            <a:r>
+              <a:rPr lang="en-US" dirty="0">
+                <a:hlinkClick r:id="rId4"/>
+              </a:rPr>
+              <a:t>://</a:t>
+            </a:r>
+            <a:r>
+              <a:rPr lang="en-US" dirty="0" smtClean="0">
+                <a:hlinkClick r:id="rId4"/>
+              </a:rPr>
+              <a:t>github.com/argonautproject/scheduling/issues/44</a:t>
+            </a:r>
+            <a:endParaRPr lang="en-US" dirty="0" smtClean="0"/>
+          </a:p>
+          <a:p>
+            <a:pPr marL="285750" indent="-285750">
+              <a:buFont typeface="Arial" charset="0"/>
+              <a:buChar char="•"/>
+            </a:pPr>
             <a:r>
               <a:rPr lang="en-US" dirty="0" smtClean="0"/>
-              <a:t> Subscription for updated slots</a:t>
-            </a:r>
-            <a:endParaRPr lang="en-US" dirty="0"/>
+              <a:t>Need to includes new, deleted, open</a:t>
+            </a:r>
+            <a:r>
+              <a:rPr lang="en-US" dirty="0" smtClean="0">
+                <a:sym typeface="Wingdings"/>
+              </a:rPr>
+              <a:t> closed and closed  open slots</a:t>
+            </a:r>
+          </a:p>
+          <a:p>
+            <a:pPr marL="285750" indent="-285750">
+              <a:buFont typeface="Arial" charset="0"/>
+              <a:buChar char="•"/>
+            </a:pPr>
+            <a:r>
+              <a:rPr lang="en-US" dirty="0" smtClean="0">
+                <a:sym typeface="Wingdings"/>
+              </a:rPr>
+              <a:t>Don’t know how we would do that with a search plus events.</a:t>
+            </a:r>
           </a:p>
         </p:txBody>
       </p:sp>
@@ -12669,8 +12308,8 @@
           </p:nvSpPr>
           <p:spPr>
             <a:xfrm>
-              <a:off x="4160992" y="2205609"/>
-              <a:ext cx="415618" cy="369332"/>
+              <a:off x="4015389" y="2205609"/>
+              <a:ext cx="759298" cy="369332"/>
             </a:xfrm>
             <a:prstGeom prst="rect">
               <a:avLst/>
@@ -12692,9 +12331,10 @@
             <a:p>
               <a:pPr algn="ctr"/>
               <a:r>
-                <a:rPr lang="en-US" dirty="0"/>
-                <a:t>B</a:t>
+                <a:rPr lang="en-US" smtClean="0"/>
+                <a:t>B1</a:t>
               </a:r>
+              <a:endParaRPr lang="en-US" dirty="0"/>
             </a:p>
           </p:txBody>
         </p:sp>
@@ -12775,7 +12415,15 @@
             </a:r>
             <a:r>
               <a:rPr lang="en-US" dirty="0" smtClean="0"/>
-              <a:t> Option A Poll for open slots</a:t>
+              <a:t> Option </a:t>
+            </a:r>
+            <a:r>
+              <a:rPr lang="en-US" dirty="0" smtClean="0"/>
+              <a:t>1: </a:t>
+            </a:r>
+            <a:r>
+              <a:rPr lang="en-US" dirty="0" smtClean="0"/>
+              <a:t>Poll for open slots</a:t>
             </a:r>
             <a:endParaRPr lang="en-US" dirty="0"/>
           </a:p>

--- a/meeting-notes/WorkFlowDiagrams.pptx
+++ b/meeting-notes/WorkFlowDiagrams.pptx
@@ -4519,6 +4519,13 @@
   <p:clrMapOvr>
     <a:masterClrMapping/>
   </p:clrMapOvr>
+  <p:timing>
+    <p:tnLst>
+      <p:par>
+        <p:cTn id="1" dur="indefinite" restart="never" nodeType="tmRoot"/>
+      </p:par>
+    </p:tnLst>
+  </p:timing>
 </p:sld>
 </file>
 
@@ -8589,6 +8596,13 @@
   <p:clrMapOvr>
     <a:masterClrMapping/>
   </p:clrMapOvr>
+  <p:timing>
+    <p:tnLst>
+      <p:par>
+        <p:cTn id="1" dur="indefinite" restart="never" nodeType="tmRoot"/>
+      </p:par>
+    </p:tnLst>
+  </p:timing>
 </p:sld>
 </file>
 

--- a/meeting-notes/WorkFlowDiagrams.pptx
+++ b/meeting-notes/WorkFlowDiagrams.pptx
@@ -5,7 +5,7 @@
     <p:sldMasterId id="2147483648" r:id="rId1"/>
   </p:sldMasterIdLst>
   <p:notesMasterIdLst>
-    <p:notesMasterId r:id="rId18"/>
+    <p:notesMasterId r:id="rId19"/>
   </p:notesMasterIdLst>
   <p:sldIdLst>
     <p:sldId id="256" r:id="rId2"/>
@@ -24,6 +24,7 @@
     <p:sldId id="267" r:id="rId15"/>
     <p:sldId id="268" r:id="rId16"/>
     <p:sldId id="266" r:id="rId17"/>
+    <p:sldId id="275" r:id="rId18"/>
   </p:sldIdLst>
   <p:sldSz cx="12192000" cy="6858000"/>
   <p:notesSz cx="6858000" cy="9144000"/>
@@ -224,7 +225,7 @@
             <a:fld id="{7BDA92F8-9482-1145-B1E4-CE31E168D77D}" type="datetimeFigureOut">
               <a:rPr lang="en-US" smtClean="0"/>
               <a:pPr/>
-              <a:t>11/7/17</a:t>
+              <a:t>11/8/17</a:t>
             </a:fld>
             <a:endParaRPr lang="en-US"/>
           </a:p>
@@ -1220,7 +1221,7 @@
             <a:fld id="{150AD5B7-C160-7A4E-8FA5-E71465AAF732}" type="datetimeFigureOut">
               <a:rPr lang="en-US" smtClean="0"/>
               <a:pPr/>
-              <a:t>11/7/17</a:t>
+              <a:t>11/8/17</a:t>
             </a:fld>
             <a:endParaRPr lang="en-US"/>
           </a:p>
@@ -1392,7 +1393,7 @@
             <a:fld id="{150AD5B7-C160-7A4E-8FA5-E71465AAF732}" type="datetimeFigureOut">
               <a:rPr lang="en-US" smtClean="0"/>
               <a:pPr/>
-              <a:t>11/7/17</a:t>
+              <a:t>11/8/17</a:t>
             </a:fld>
             <a:endParaRPr lang="en-US"/>
           </a:p>
@@ -1574,7 +1575,7 @@
             <a:fld id="{150AD5B7-C160-7A4E-8FA5-E71465AAF732}" type="datetimeFigureOut">
               <a:rPr lang="en-US" smtClean="0"/>
               <a:pPr/>
-              <a:t>11/7/17</a:t>
+              <a:t>11/8/17</a:t>
             </a:fld>
             <a:endParaRPr lang="en-US"/>
           </a:p>
@@ -1746,7 +1747,7 @@
             <a:fld id="{150AD5B7-C160-7A4E-8FA5-E71465AAF732}" type="datetimeFigureOut">
               <a:rPr lang="en-US" smtClean="0"/>
               <a:pPr/>
-              <a:t>11/7/17</a:t>
+              <a:t>11/8/17</a:t>
             </a:fld>
             <a:endParaRPr lang="en-US"/>
           </a:p>
@@ -1994,7 +1995,7 @@
             <a:fld id="{150AD5B7-C160-7A4E-8FA5-E71465AAF732}" type="datetimeFigureOut">
               <a:rPr lang="en-US" smtClean="0"/>
               <a:pPr/>
-              <a:t>11/7/17</a:t>
+              <a:t>11/8/17</a:t>
             </a:fld>
             <a:endParaRPr lang="en-US"/>
           </a:p>
@@ -2228,7 +2229,7 @@
             <a:fld id="{150AD5B7-C160-7A4E-8FA5-E71465AAF732}" type="datetimeFigureOut">
               <a:rPr lang="en-US" smtClean="0"/>
               <a:pPr/>
-              <a:t>11/7/17</a:t>
+              <a:t>11/8/17</a:t>
             </a:fld>
             <a:endParaRPr lang="en-US"/>
           </a:p>
@@ -2597,7 +2598,7 @@
             <a:fld id="{150AD5B7-C160-7A4E-8FA5-E71465AAF732}" type="datetimeFigureOut">
               <a:rPr lang="en-US" smtClean="0"/>
               <a:pPr/>
-              <a:t>11/7/17</a:t>
+              <a:t>11/8/17</a:t>
             </a:fld>
             <a:endParaRPr lang="en-US"/>
           </a:p>
@@ -2717,7 +2718,7 @@
             <a:fld id="{150AD5B7-C160-7A4E-8FA5-E71465AAF732}" type="datetimeFigureOut">
               <a:rPr lang="en-US" smtClean="0"/>
               <a:pPr/>
-              <a:t>11/7/17</a:t>
+              <a:t>11/8/17</a:t>
             </a:fld>
             <a:endParaRPr lang="en-US"/>
           </a:p>
@@ -2814,7 +2815,7 @@
             <a:fld id="{150AD5B7-C160-7A4E-8FA5-E71465AAF732}" type="datetimeFigureOut">
               <a:rPr lang="en-US" smtClean="0"/>
               <a:pPr/>
-              <a:t>11/7/17</a:t>
+              <a:t>11/8/17</a:t>
             </a:fld>
             <a:endParaRPr lang="en-US"/>
           </a:p>
@@ -3093,7 +3094,7 @@
             <a:fld id="{150AD5B7-C160-7A4E-8FA5-E71465AAF732}" type="datetimeFigureOut">
               <a:rPr lang="en-US" smtClean="0"/>
               <a:pPr/>
-              <a:t>11/7/17</a:t>
+              <a:t>11/8/17</a:t>
             </a:fld>
             <a:endParaRPr lang="en-US"/>
           </a:p>
@@ -3348,7 +3349,7 @@
             <a:fld id="{150AD5B7-C160-7A4E-8FA5-E71465AAF732}" type="datetimeFigureOut">
               <a:rPr lang="en-US" smtClean="0"/>
               <a:pPr/>
-              <a:t>11/7/17</a:t>
+              <a:t>11/8/17</a:t>
             </a:fld>
             <a:endParaRPr lang="en-US"/>
           </a:p>
@@ -3563,7 +3564,7 @@
             <a:fld id="{150AD5B7-C160-7A4E-8FA5-E71465AAF732}" type="datetimeFigureOut">
               <a:rPr lang="en-US" smtClean="0"/>
               <a:pPr/>
-              <a:t>11/7/17</a:t>
+              <a:t>11/8/17</a:t>
             </a:fld>
             <a:endParaRPr lang="en-US"/>
           </a:p>
@@ -4748,11 +4749,7 @@
           <a:p>
             <a:r>
               <a:rPr lang="en-US" dirty="0" smtClean="0"/>
-              <a:t>Client App returns available </a:t>
-            </a:r>
-            <a:r>
-              <a:rPr lang="en-US" dirty="0" smtClean="0"/>
-              <a:t>appointments</a:t>
+              <a:t>Client App returns available appointments</a:t>
             </a:r>
             <a:endParaRPr lang="en-US" dirty="0"/>
           </a:p>
@@ -4792,7 +4789,6 @@
               <a:rPr lang="en-US" dirty="0"/>
               <a:t>C</a:t>
             </a:r>
-            <a:endParaRPr lang="en-US" dirty="0"/>
           </a:p>
         </p:txBody>
       </p:sp>
@@ -4830,7 +4826,6 @@
               <a:rPr lang="en-US" dirty="0"/>
               <a:t>D</a:t>
             </a:r>
-            <a:endParaRPr lang="en-US" dirty="0"/>
           </a:p>
         </p:txBody>
       </p:sp>
@@ -4872,15 +4867,7 @@
             <a:pPr algn="ctr"/>
             <a:r>
               <a:rPr lang="en-US" sz="2400" dirty="0" smtClean="0"/>
-              <a:t> </a:t>
-            </a:r>
-            <a:r>
-              <a:rPr lang="en-US" sz="2400" dirty="0" smtClean="0"/>
-              <a:t>FHIR </a:t>
-            </a:r>
-            <a:r>
-              <a:rPr lang="en-US" sz="2400" dirty="0" smtClean="0"/>
-              <a:t>Scheduler, (EHR)</a:t>
+              <a:t> FHIR Scheduler, (EHR)</a:t>
             </a:r>
             <a:endParaRPr lang="en-US" sz="2400" dirty="0"/>
           </a:p>
@@ -5114,11 +5101,7 @@
           <a:p>
             <a:r>
               <a:rPr lang="en-US" dirty="0" smtClean="0"/>
-              <a:t>Returns Hold </a:t>
-            </a:r>
-            <a:r>
-              <a:rPr lang="en-US" dirty="0" smtClean="0"/>
-              <a:t>Confirmation**</a:t>
+              <a:t>Returns Hold Confirmation**</a:t>
             </a:r>
             <a:endParaRPr lang="en-US" dirty="0"/>
           </a:p>
@@ -5289,7 +5272,6 @@
               <a:rPr lang="en-US" dirty="0"/>
               <a:t>E</a:t>
             </a:r>
-            <a:endParaRPr lang="en-US" dirty="0"/>
           </a:p>
         </p:txBody>
       </p:sp>
@@ -5327,7 +5309,6 @@
               <a:rPr lang="en-US" dirty="0"/>
               <a:t>H</a:t>
             </a:r>
-            <a:endParaRPr lang="en-US" dirty="0"/>
           </a:p>
         </p:txBody>
       </p:sp>
@@ -5365,7 +5346,6 @@
               <a:rPr lang="en-US" dirty="0"/>
               <a:t>G</a:t>
             </a:r>
-            <a:endParaRPr lang="en-US" dirty="0"/>
           </a:p>
         </p:txBody>
       </p:sp>
@@ -5403,7 +5383,6 @@
               <a:rPr lang="en-US" dirty="0"/>
               <a:t>F</a:t>
             </a:r>
-            <a:endParaRPr lang="en-US" dirty="0"/>
           </a:p>
         </p:txBody>
       </p:sp>
@@ -5447,7 +5426,6 @@
               <a:rPr lang="en-US" sz="2400" dirty="0"/>
               <a:t>FHIR Scheduler, (EHR)</a:t>
             </a:r>
-            <a:endParaRPr lang="en-US" sz="2400" dirty="0"/>
           </a:p>
         </p:txBody>
       </p:sp>
@@ -5935,7 +5913,6 @@
               <a:rPr lang="en-US" sz="2400" dirty="0"/>
               <a:t>FHIR Scheduler, (EHR)</a:t>
             </a:r>
-            <a:endParaRPr lang="en-US" sz="2400" dirty="0"/>
           </a:p>
         </p:txBody>
       </p:sp>
@@ -6024,7 +6001,6 @@
               <a:rPr lang="en-US" sz="1400" dirty="0"/>
               <a:t>J</a:t>
             </a:r>
-            <a:endParaRPr lang="en-US" sz="1400" dirty="0"/>
           </a:p>
         </p:txBody>
       </p:sp>
@@ -6062,7 +6038,6 @@
               <a:rPr lang="en-US" sz="1400" dirty="0"/>
               <a:t>K</a:t>
             </a:r>
-            <a:endParaRPr lang="en-US" sz="1400" dirty="0"/>
           </a:p>
         </p:txBody>
       </p:sp>
@@ -6231,11 +6206,7 @@
           <a:p>
             <a:r>
               <a:rPr lang="en-US" dirty="0" smtClean="0"/>
-              <a:t>Return </a:t>
-            </a:r>
-            <a:r>
-              <a:rPr lang="en-US" dirty="0" smtClean="0"/>
-              <a:t>Booking</a:t>
+              <a:t>Return Booking</a:t>
             </a:r>
           </a:p>
           <a:p>
@@ -6412,7 +6383,6 @@
               <a:rPr lang="en-US" dirty="0"/>
               <a:t>N</a:t>
             </a:r>
-            <a:endParaRPr lang="en-US" dirty="0"/>
           </a:p>
         </p:txBody>
       </p:sp>
@@ -6450,7 +6420,6 @@
               <a:rPr lang="en-US" dirty="0"/>
               <a:t>M</a:t>
             </a:r>
-            <a:endParaRPr lang="en-US" dirty="0"/>
           </a:p>
         </p:txBody>
       </p:sp>
@@ -6488,7 +6457,6 @@
               <a:rPr lang="en-US" dirty="0"/>
               <a:t>L</a:t>
             </a:r>
-            <a:endParaRPr lang="en-US" dirty="0"/>
           </a:p>
         </p:txBody>
       </p:sp>
@@ -6532,7 +6500,6 @@
               <a:rPr lang="en-US" sz="2400" dirty="0"/>
               <a:t>FHIR Scheduler, (EHR)</a:t>
             </a:r>
-            <a:endParaRPr lang="en-US" sz="2400" dirty="0"/>
           </a:p>
         </p:txBody>
       </p:sp>
@@ -6946,11 +6913,7 @@
             </a:r>
             <a:r>
               <a:rPr lang="en-US" dirty="0" smtClean="0"/>
-              <a:t> </a:t>
-            </a:r>
-            <a:r>
-              <a:rPr lang="en-US" dirty="0" smtClean="0"/>
-              <a:t>Initial Load</a:t>
+              <a:t> Initial Load</a:t>
             </a:r>
             <a:endParaRPr lang="en-US" dirty="0"/>
           </a:p>
@@ -7375,15 +7338,7 @@
             </a:pPr>
             <a:r>
               <a:rPr lang="en-US" dirty="0" smtClean="0"/>
-              <a:t>*Include </a:t>
-            </a:r>
-            <a:r>
-              <a:rPr lang="en-US" dirty="0" smtClean="0"/>
-              <a:t>Schedule, Practitioner, </a:t>
-            </a:r>
-            <a:r>
-              <a:rPr lang="en-US" dirty="0" smtClean="0"/>
-              <a:t>Location</a:t>
+              <a:t>*Include Schedule, Practitioner, Location</a:t>
             </a:r>
           </a:p>
           <a:p>
@@ -7601,11 +7556,7 @@
           <a:p>
             <a:r>
               <a:rPr lang="en-US" dirty="0" smtClean="0"/>
-              <a:t>POST …/</a:t>
-            </a:r>
-            <a:r>
-              <a:rPr lang="en-US" dirty="0" smtClean="0"/>
-              <a:t>Subscription/my-sub*</a:t>
+              <a:t>POST …/Subscription/my-sub*</a:t>
             </a:r>
             <a:endParaRPr lang="en-US" dirty="0"/>
           </a:p>
@@ -8013,6 +7964,590 @@
     <p:extLst>
       <p:ext uri="{BB962C8B-B14F-4D97-AF65-F5344CB8AC3E}">
         <p14:creationId xmlns:p14="http://schemas.microsoft.com/office/powerpoint/2010/main" val="702274131"/>
+      </p:ext>
+    </p:extLst>
+  </p:cSld>
+  <p:clrMapOvr>
+    <a:masterClrMapping/>
+  </p:clrMapOvr>
+  <p:timing>
+    <p:tnLst>
+      <p:par>
+        <p:cTn id="1" dur="indefinite" restart="never" nodeType="tmRoot"/>
+      </p:par>
+    </p:tnLst>
+  </p:timing>
+</p:sld>
+</file>
+
+<file path=ppt/slides/slide17.xml><?xml version="1.0" encoding="utf-8"?>
+<p:sld xmlns:a="http://schemas.openxmlformats.org/drawingml/2006/main" xmlns:r="http://schemas.openxmlformats.org/officeDocument/2006/relationships" xmlns:p="http://schemas.openxmlformats.org/presentationml/2006/main">
+  <p:cSld>
+    <p:spTree>
+      <p:nvGrpSpPr>
+        <p:cNvPr id="1" name=""/>
+        <p:cNvGrpSpPr/>
+        <p:nvPr/>
+      </p:nvGrpSpPr>
+      <p:grpSpPr>
+        <a:xfrm>
+          <a:off x="0" y="0"/>
+          <a:ext cx="0" cy="0"/>
+          <a:chOff x="0" y="0"/>
+          <a:chExt cx="0" cy="0"/>
+        </a:xfrm>
+      </p:grpSpPr>
+      <p:pic>
+        <p:nvPicPr>
+          <p:cNvPr id="9" name="Picture 8"/>
+          <p:cNvPicPr>
+            <a:picLocks noChangeAspect="1"/>
+          </p:cNvPicPr>
+          <p:nvPr/>
+        </p:nvPicPr>
+        <p:blipFill>
+          <a:blip r:embed="rId2">
+            <a:extLst>
+              <a:ext uri="{28A0092B-C50C-407E-A947-70E740481C1C}">
+                <a14:useLocalDpi xmlns:a14="http://schemas.microsoft.com/office/drawing/2010/main" val="0"/>
+              </a:ext>
+            </a:extLst>
+          </a:blip>
+          <a:stretch>
+            <a:fillRect/>
+          </a:stretch>
+        </p:blipFill>
+        <p:spPr>
+          <a:xfrm>
+            <a:off x="744038" y="2116140"/>
+            <a:ext cx="1780491" cy="2698128"/>
+          </a:xfrm>
+          <a:prstGeom prst="rect">
+            <a:avLst/>
+          </a:prstGeom>
+        </p:spPr>
+      </p:pic>
+      <p:sp>
+        <p:nvSpPr>
+          <p:cNvPr id="40" name="Rectangle 39"/>
+          <p:cNvSpPr/>
+          <p:nvPr/>
+        </p:nvSpPr>
+        <p:spPr>
+          <a:xfrm>
+            <a:off x="4437529" y="1442189"/>
+            <a:ext cx="7274859" cy="4155142"/>
+          </a:xfrm>
+          <a:prstGeom prst="rect">
+            <a:avLst/>
+          </a:prstGeom>
+          <a:noFill/>
+          <a:ln w="63500">
+            <a:prstDash val="sysDash"/>
+          </a:ln>
+          <a:effectLst/>
+        </p:spPr>
+        <p:style>
+          <a:lnRef idx="2">
+            <a:schemeClr val="accent1">
+              <a:shade val="50000"/>
+            </a:schemeClr>
+          </a:lnRef>
+          <a:fillRef idx="1">
+            <a:schemeClr val="accent1"/>
+          </a:fillRef>
+          <a:effectRef idx="0">
+            <a:schemeClr val="accent1"/>
+          </a:effectRef>
+          <a:fontRef idx="minor">
+            <a:schemeClr val="lt1"/>
+          </a:fontRef>
+        </p:style>
+        <p:txBody>
+          <a:bodyPr rtlCol="0" anchor="ctr"/>
+          <a:lstStyle/>
+          <a:p>
+            <a:pPr algn="ctr"/>
+            <a:r>
+              <a:rPr lang="en-US" dirty="0" smtClean="0"/>
+              <a:t>               </a:t>
+            </a:r>
+            <a:endParaRPr lang="en-US" dirty="0"/>
+          </a:p>
+        </p:txBody>
+      </p:sp>
+      <p:cxnSp>
+        <p:nvCxnSpPr>
+          <p:cNvPr id="42" name="Straight Connector 41"/>
+          <p:cNvCxnSpPr/>
+          <p:nvPr/>
+        </p:nvCxnSpPr>
+        <p:spPr>
+          <a:xfrm>
+            <a:off x="8089025" y="1442189"/>
+            <a:ext cx="0" cy="4155142"/>
+          </a:xfrm>
+          <a:prstGeom prst="line">
+            <a:avLst/>
+          </a:prstGeom>
+          <a:ln w="63500">
+            <a:prstDash val="sysDash"/>
+          </a:ln>
+        </p:spPr>
+        <p:style>
+          <a:lnRef idx="1">
+            <a:schemeClr val="accent1"/>
+          </a:lnRef>
+          <a:fillRef idx="0">
+            <a:schemeClr val="accent1"/>
+          </a:fillRef>
+          <a:effectRef idx="0">
+            <a:schemeClr val="accent1"/>
+          </a:effectRef>
+          <a:fontRef idx="minor">
+            <a:schemeClr val="tx1"/>
+          </a:fontRef>
+        </p:style>
+      </p:cxnSp>
+      <p:sp>
+        <p:nvSpPr>
+          <p:cNvPr id="44" name="TextBox 43"/>
+          <p:cNvSpPr txBox="1"/>
+          <p:nvPr/>
+        </p:nvSpPr>
+        <p:spPr>
+          <a:xfrm>
+            <a:off x="2613145" y="2149323"/>
+            <a:ext cx="1736532" cy="923330"/>
+          </a:xfrm>
+          <a:prstGeom prst="rect">
+            <a:avLst/>
+          </a:prstGeom>
+          <a:noFill/>
+        </p:spPr>
+        <p:txBody>
+          <a:bodyPr wrap="square" rtlCol="0">
+            <a:spAutoFit/>
+          </a:bodyPr>
+          <a:lstStyle/>
+          <a:p>
+            <a:r>
+              <a:rPr lang="en-US" dirty="0" smtClean="0"/>
+              <a:t>End user enters  </a:t>
+            </a:r>
+            <a:r>
+              <a:rPr lang="en-US" dirty="0" smtClean="0"/>
+              <a:t>coverage</a:t>
+            </a:r>
+            <a:r>
+              <a:rPr lang="en-US" dirty="0" smtClean="0"/>
+              <a:t> </a:t>
+            </a:r>
+            <a:r>
+              <a:rPr lang="en-US" dirty="0" smtClean="0"/>
+              <a:t>information</a:t>
+            </a:r>
+            <a:endParaRPr lang="en-US" dirty="0"/>
+          </a:p>
+        </p:txBody>
+      </p:sp>
+      <p:cxnSp>
+        <p:nvCxnSpPr>
+          <p:cNvPr id="3" name="Straight Arrow Connector 2"/>
+          <p:cNvCxnSpPr/>
+          <p:nvPr/>
+        </p:nvCxnSpPr>
+        <p:spPr>
+          <a:xfrm>
+            <a:off x="2576106" y="3242025"/>
+            <a:ext cx="1861423" cy="0"/>
+          </a:xfrm>
+          <a:prstGeom prst="straightConnector1">
+            <a:avLst/>
+          </a:prstGeom>
+          <a:ln w="63500">
+            <a:tailEnd type="triangle"/>
+          </a:ln>
+        </p:spPr>
+        <p:style>
+          <a:lnRef idx="1">
+            <a:schemeClr val="accent1"/>
+          </a:lnRef>
+          <a:fillRef idx="0">
+            <a:schemeClr val="accent1"/>
+          </a:fillRef>
+          <a:effectRef idx="0">
+            <a:schemeClr val="accent1"/>
+          </a:effectRef>
+          <a:fontRef idx="minor">
+            <a:schemeClr val="tx1"/>
+          </a:fontRef>
+        </p:style>
+      </p:cxnSp>
+      <p:sp>
+        <p:nvSpPr>
+          <p:cNvPr id="4" name="TextBox 3"/>
+          <p:cNvSpPr txBox="1"/>
+          <p:nvPr/>
+        </p:nvSpPr>
+        <p:spPr>
+          <a:xfrm>
+            <a:off x="7028087" y="2173834"/>
+            <a:ext cx="2044849" cy="923330"/>
+          </a:xfrm>
+          <a:prstGeom prst="rect">
+            <a:avLst/>
+          </a:prstGeom>
+          <a:solidFill>
+            <a:schemeClr val="bg1"/>
+          </a:solidFill>
+          <a:effectLst/>
+        </p:spPr>
+        <p:txBody>
+          <a:bodyPr wrap="square" rtlCol="0">
+            <a:spAutoFit/>
+          </a:bodyPr>
+          <a:lstStyle/>
+          <a:p>
+            <a:r>
+              <a:rPr lang="en-US" dirty="0" smtClean="0"/>
+              <a:t>Create or update Coverage information</a:t>
+            </a:r>
+            <a:endParaRPr lang="en-US" dirty="0"/>
+          </a:p>
+        </p:txBody>
+      </p:sp>
+      <p:sp>
+        <p:nvSpPr>
+          <p:cNvPr id="21" name="TextBox 20"/>
+          <p:cNvSpPr txBox="1"/>
+          <p:nvPr/>
+        </p:nvSpPr>
+        <p:spPr>
+          <a:xfrm>
+            <a:off x="7067541" y="3903121"/>
+            <a:ext cx="2128295" cy="369332"/>
+          </a:xfrm>
+          <a:prstGeom prst="rect">
+            <a:avLst/>
+          </a:prstGeom>
+          <a:solidFill>
+            <a:schemeClr val="bg1"/>
+          </a:solidFill>
+          <a:effectLst/>
+        </p:spPr>
+        <p:txBody>
+          <a:bodyPr wrap="square" rtlCol="0">
+            <a:spAutoFit/>
+          </a:bodyPr>
+          <a:lstStyle/>
+          <a:p>
+            <a:r>
+              <a:rPr lang="en-US" smtClean="0"/>
+              <a:t>Returns </a:t>
+            </a:r>
+            <a:r>
+              <a:rPr lang="en-US" smtClean="0"/>
+              <a:t>Coverage</a:t>
+            </a:r>
+            <a:r>
+              <a:rPr lang="en-US" smtClean="0"/>
+              <a:t> </a:t>
+            </a:r>
+            <a:r>
+              <a:rPr lang="en-US" dirty="0" smtClean="0"/>
+              <a:t>Id</a:t>
+            </a:r>
+          </a:p>
+        </p:txBody>
+      </p:sp>
+      <p:cxnSp>
+        <p:nvCxnSpPr>
+          <p:cNvPr id="22" name="Straight Arrow Connector 21"/>
+          <p:cNvCxnSpPr/>
+          <p:nvPr/>
+        </p:nvCxnSpPr>
+        <p:spPr>
+          <a:xfrm>
+            <a:off x="7186170" y="3053895"/>
+            <a:ext cx="1861423" cy="0"/>
+          </a:xfrm>
+          <a:prstGeom prst="straightConnector1">
+            <a:avLst/>
+          </a:prstGeom>
+          <a:ln w="63500">
+            <a:tailEnd type="triangle"/>
+          </a:ln>
+        </p:spPr>
+        <p:style>
+          <a:lnRef idx="1">
+            <a:schemeClr val="accent1"/>
+          </a:lnRef>
+          <a:fillRef idx="0">
+            <a:schemeClr val="accent1"/>
+          </a:fillRef>
+          <a:effectRef idx="0">
+            <a:schemeClr val="accent1"/>
+          </a:effectRef>
+          <a:fontRef idx="minor">
+            <a:schemeClr val="tx1"/>
+          </a:fontRef>
+        </p:style>
+      </p:cxnSp>
+      <p:cxnSp>
+        <p:nvCxnSpPr>
+          <p:cNvPr id="23" name="Straight Arrow Connector 22"/>
+          <p:cNvCxnSpPr/>
+          <p:nvPr/>
+        </p:nvCxnSpPr>
+        <p:spPr>
+          <a:xfrm>
+            <a:off x="7120245" y="3323527"/>
+            <a:ext cx="1861423" cy="0"/>
+          </a:xfrm>
+          <a:prstGeom prst="straightConnector1">
+            <a:avLst/>
+          </a:prstGeom>
+          <a:ln w="63500">
+            <a:headEnd type="triangle"/>
+            <a:tailEnd type="none"/>
+          </a:ln>
+        </p:spPr>
+        <p:style>
+          <a:lnRef idx="1">
+            <a:schemeClr val="accent1"/>
+          </a:lnRef>
+          <a:fillRef idx="0">
+            <a:schemeClr val="accent1"/>
+          </a:fillRef>
+          <a:effectRef idx="0">
+            <a:schemeClr val="accent1"/>
+          </a:effectRef>
+          <a:fontRef idx="minor">
+            <a:schemeClr val="tx1"/>
+          </a:fontRef>
+        </p:style>
+      </p:cxnSp>
+      <p:sp>
+        <p:nvSpPr>
+          <p:cNvPr id="5" name="TextBox 4"/>
+          <p:cNvSpPr txBox="1"/>
+          <p:nvPr/>
+        </p:nvSpPr>
+        <p:spPr>
+          <a:xfrm>
+            <a:off x="2661370" y="1760340"/>
+            <a:ext cx="394496" cy="307777"/>
+          </a:xfrm>
+          <a:prstGeom prst="rect">
+            <a:avLst/>
+          </a:prstGeom>
+          <a:noFill/>
+          <a:ln w="25400">
+            <a:solidFill>
+              <a:schemeClr val="accent1">
+                <a:shade val="50000"/>
+              </a:schemeClr>
+            </a:solidFill>
+          </a:ln>
+        </p:spPr>
+        <p:txBody>
+          <a:bodyPr wrap="square" rtlCol="0">
+            <a:spAutoFit/>
+          </a:bodyPr>
+          <a:lstStyle/>
+          <a:p>
+            <a:pPr algn="ctr"/>
+            <a:r>
+              <a:rPr lang="en-US" sz="1400" dirty="0" smtClean="0"/>
+              <a:t>8d</a:t>
+            </a:r>
+            <a:endParaRPr lang="en-US" sz="1400" dirty="0"/>
+          </a:p>
+        </p:txBody>
+      </p:sp>
+      <p:sp>
+        <p:nvSpPr>
+          <p:cNvPr id="8" name="Can 7"/>
+          <p:cNvSpPr/>
+          <p:nvPr/>
+        </p:nvSpPr>
+        <p:spPr>
+          <a:xfrm>
+            <a:off x="9098280" y="2228624"/>
+            <a:ext cx="2380957" cy="2258969"/>
+          </a:xfrm>
+          <a:prstGeom prst="can">
+            <a:avLst/>
+          </a:prstGeom>
+        </p:spPr>
+        <p:style>
+          <a:lnRef idx="2">
+            <a:schemeClr val="accent1">
+              <a:shade val="50000"/>
+            </a:schemeClr>
+          </a:lnRef>
+          <a:fillRef idx="1">
+            <a:schemeClr val="accent1"/>
+          </a:fillRef>
+          <a:effectRef idx="0">
+            <a:schemeClr val="accent1"/>
+          </a:effectRef>
+          <a:fontRef idx="minor">
+            <a:schemeClr val="lt1"/>
+          </a:fontRef>
+        </p:style>
+        <p:txBody>
+          <a:bodyPr rtlCol="0" anchor="ctr"/>
+          <a:lstStyle/>
+          <a:p>
+            <a:pPr algn="ctr"/>
+            <a:r>
+              <a:rPr lang="en-US" sz="2400" dirty="0" smtClean="0"/>
+              <a:t>EHR</a:t>
+            </a:r>
+          </a:p>
+          <a:p>
+            <a:pPr algn="ctr"/>
+            <a:r>
+              <a:rPr lang="en-US" sz="2400" dirty="0" smtClean="0"/>
+              <a:t> FHIR Server</a:t>
+            </a:r>
+            <a:endParaRPr lang="en-US" sz="2400" dirty="0"/>
+          </a:p>
+        </p:txBody>
+      </p:sp>
+      <p:sp>
+        <p:nvSpPr>
+          <p:cNvPr id="11" name="Can 10"/>
+          <p:cNvSpPr/>
+          <p:nvPr/>
+        </p:nvSpPr>
+        <p:spPr>
+          <a:xfrm>
+            <a:off x="4568612" y="2228624"/>
+            <a:ext cx="2484820" cy="2258969"/>
+          </a:xfrm>
+          <a:prstGeom prst="can">
+            <a:avLst/>
+          </a:prstGeom>
+        </p:spPr>
+        <p:style>
+          <a:lnRef idx="2">
+            <a:schemeClr val="accent1">
+              <a:shade val="50000"/>
+            </a:schemeClr>
+          </a:lnRef>
+          <a:fillRef idx="1">
+            <a:schemeClr val="accent1"/>
+          </a:fillRef>
+          <a:effectRef idx="0">
+            <a:schemeClr val="accent1"/>
+          </a:effectRef>
+          <a:fontRef idx="minor">
+            <a:schemeClr val="lt1"/>
+          </a:fontRef>
+        </p:style>
+        <p:txBody>
+          <a:bodyPr rtlCol="0" anchor="ctr"/>
+          <a:lstStyle/>
+          <a:p>
+            <a:pPr algn="ctr"/>
+            <a:r>
+              <a:rPr lang="en-US" sz="2400" dirty="0" smtClean="0"/>
+              <a:t>Client</a:t>
+            </a:r>
+          </a:p>
+          <a:p>
+            <a:pPr algn="ctr"/>
+            <a:r>
+              <a:rPr lang="en-US" sz="2400" dirty="0" smtClean="0"/>
+              <a:t> Application Server</a:t>
+            </a:r>
+            <a:endParaRPr lang="en-US" sz="2400" dirty="0"/>
+          </a:p>
+        </p:txBody>
+      </p:sp>
+      <p:sp>
+        <p:nvSpPr>
+          <p:cNvPr id="19" name="TextBox 18"/>
+          <p:cNvSpPr txBox="1"/>
+          <p:nvPr/>
+        </p:nvSpPr>
+        <p:spPr>
+          <a:xfrm>
+            <a:off x="8338099" y="2581339"/>
+            <a:ext cx="394496" cy="307777"/>
+          </a:xfrm>
+          <a:prstGeom prst="rect">
+            <a:avLst/>
+          </a:prstGeom>
+          <a:noFill/>
+          <a:ln w="25400">
+            <a:solidFill>
+              <a:schemeClr val="accent1">
+                <a:shade val="50000"/>
+              </a:schemeClr>
+            </a:solidFill>
+          </a:ln>
+        </p:spPr>
+        <p:txBody>
+          <a:bodyPr wrap="square" rtlCol="0">
+            <a:spAutoFit/>
+          </a:bodyPr>
+          <a:lstStyle/>
+          <a:p>
+            <a:pPr algn="ctr"/>
+            <a:r>
+              <a:rPr lang="en-US" sz="1400" dirty="0" smtClean="0"/>
+              <a:t>8e</a:t>
+            </a:r>
+            <a:endParaRPr lang="en-US" sz="1400" dirty="0"/>
+          </a:p>
+        </p:txBody>
+      </p:sp>
+      <p:sp>
+        <p:nvSpPr>
+          <p:cNvPr id="20" name="TextBox 19"/>
+          <p:cNvSpPr txBox="1"/>
+          <p:nvPr/>
+        </p:nvSpPr>
+        <p:spPr>
+          <a:xfrm>
+            <a:off x="7387150" y="3585314"/>
+            <a:ext cx="394496" cy="307777"/>
+          </a:xfrm>
+          <a:prstGeom prst="rect">
+            <a:avLst/>
+          </a:prstGeom>
+          <a:noFill/>
+          <a:ln w="25400">
+            <a:solidFill>
+              <a:schemeClr val="accent1">
+                <a:shade val="50000"/>
+              </a:schemeClr>
+            </a:solidFill>
+          </a:ln>
+        </p:spPr>
+        <p:txBody>
+          <a:bodyPr wrap="square" rtlCol="0">
+            <a:spAutoFit/>
+          </a:bodyPr>
+          <a:lstStyle/>
+          <a:p>
+            <a:pPr algn="ctr"/>
+            <a:r>
+              <a:rPr lang="en-US" sz="1400" dirty="0" smtClean="0"/>
+              <a:t>8f</a:t>
+            </a:r>
+            <a:endParaRPr lang="en-US" sz="1400" dirty="0"/>
+          </a:p>
+        </p:txBody>
+      </p:sp>
+    </p:spTree>
+    <p:extLst>
+      <p:ext uri="{BB962C8B-B14F-4D97-AF65-F5344CB8AC3E}">
+        <p14:creationId xmlns:p14="http://schemas.microsoft.com/office/powerpoint/2010/main" val="2078006022"/>
       </p:ext>
     </p:extLst>
   </p:cSld>
@@ -12429,15 +12964,7 @@
             </a:r>
             <a:r>
               <a:rPr lang="en-US" dirty="0" smtClean="0"/>
-              <a:t> Option </a:t>
-            </a:r>
-            <a:r>
-              <a:rPr lang="en-US" dirty="0" smtClean="0"/>
-              <a:t>1: </a:t>
-            </a:r>
-            <a:r>
-              <a:rPr lang="en-US" dirty="0" smtClean="0"/>
-              <a:t>Poll for open slots</a:t>
+              <a:t> Option 1: Poll for open slots</a:t>
             </a:r>
             <a:endParaRPr lang="en-US" dirty="0"/>
           </a:p>

--- a/meeting-notes/WorkFlowDiagrams.pptx
+++ b/meeting-notes/WorkFlowDiagrams.pptx
@@ -5,7 +5,7 @@
     <p:sldMasterId id="2147483648" r:id="rId1"/>
   </p:sldMasterIdLst>
   <p:notesMasterIdLst>
-    <p:notesMasterId r:id="rId19"/>
+    <p:notesMasterId r:id="rId26"/>
   </p:notesMasterIdLst>
   <p:sldIdLst>
     <p:sldId id="256" r:id="rId2"/>
@@ -25,6 +25,13 @@
     <p:sldId id="268" r:id="rId16"/>
     <p:sldId id="266" r:id="rId17"/>
     <p:sldId id="275" r:id="rId18"/>
+    <p:sldId id="276" r:id="rId19"/>
+    <p:sldId id="278" r:id="rId20"/>
+    <p:sldId id="283" r:id="rId21"/>
+    <p:sldId id="284" r:id="rId22"/>
+    <p:sldId id="279" r:id="rId23"/>
+    <p:sldId id="281" r:id="rId24"/>
+    <p:sldId id="280" r:id="rId25"/>
   </p:sldIdLst>
   <p:sldSz cx="12192000" cy="6858000"/>
   <p:notesSz cx="6858000" cy="9144000"/>
@@ -225,7 +232,7 @@
             <a:fld id="{7BDA92F8-9482-1145-B1E4-CE31E168D77D}" type="datetimeFigureOut">
               <a:rPr lang="en-US" smtClean="0"/>
               <a:pPr/>
-              <a:t>11/8/17</a:t>
+              <a:t>11/10/17</a:t>
             </a:fld>
             <a:endParaRPr lang="en-US"/>
           </a:p>
@@ -1221,7 +1228,7 @@
             <a:fld id="{150AD5B7-C160-7A4E-8FA5-E71465AAF732}" type="datetimeFigureOut">
               <a:rPr lang="en-US" smtClean="0"/>
               <a:pPr/>
-              <a:t>11/8/17</a:t>
+              <a:t>11/10/17</a:t>
             </a:fld>
             <a:endParaRPr lang="en-US"/>
           </a:p>
@@ -1393,7 +1400,7 @@
             <a:fld id="{150AD5B7-C160-7A4E-8FA5-E71465AAF732}" type="datetimeFigureOut">
               <a:rPr lang="en-US" smtClean="0"/>
               <a:pPr/>
-              <a:t>11/8/17</a:t>
+              <a:t>11/10/17</a:t>
             </a:fld>
             <a:endParaRPr lang="en-US"/>
           </a:p>
@@ -1575,7 +1582,7 @@
             <a:fld id="{150AD5B7-C160-7A4E-8FA5-E71465AAF732}" type="datetimeFigureOut">
               <a:rPr lang="en-US" smtClean="0"/>
               <a:pPr/>
-              <a:t>11/8/17</a:t>
+              <a:t>11/10/17</a:t>
             </a:fld>
             <a:endParaRPr lang="en-US"/>
           </a:p>
@@ -1747,7 +1754,7 @@
             <a:fld id="{150AD5B7-C160-7A4E-8FA5-E71465AAF732}" type="datetimeFigureOut">
               <a:rPr lang="en-US" smtClean="0"/>
               <a:pPr/>
-              <a:t>11/8/17</a:t>
+              <a:t>11/10/17</a:t>
             </a:fld>
             <a:endParaRPr lang="en-US"/>
           </a:p>
@@ -1995,7 +2002,7 @@
             <a:fld id="{150AD5B7-C160-7A4E-8FA5-E71465AAF732}" type="datetimeFigureOut">
               <a:rPr lang="en-US" smtClean="0"/>
               <a:pPr/>
-              <a:t>11/8/17</a:t>
+              <a:t>11/10/17</a:t>
             </a:fld>
             <a:endParaRPr lang="en-US"/>
           </a:p>
@@ -2229,7 +2236,7 @@
             <a:fld id="{150AD5B7-C160-7A4E-8FA5-E71465AAF732}" type="datetimeFigureOut">
               <a:rPr lang="en-US" smtClean="0"/>
               <a:pPr/>
-              <a:t>11/8/17</a:t>
+              <a:t>11/10/17</a:t>
             </a:fld>
             <a:endParaRPr lang="en-US"/>
           </a:p>
@@ -2598,7 +2605,7 @@
             <a:fld id="{150AD5B7-C160-7A4E-8FA5-E71465AAF732}" type="datetimeFigureOut">
               <a:rPr lang="en-US" smtClean="0"/>
               <a:pPr/>
-              <a:t>11/8/17</a:t>
+              <a:t>11/10/17</a:t>
             </a:fld>
             <a:endParaRPr lang="en-US"/>
           </a:p>
@@ -2718,7 +2725,7 @@
             <a:fld id="{150AD5B7-C160-7A4E-8FA5-E71465AAF732}" type="datetimeFigureOut">
               <a:rPr lang="en-US" smtClean="0"/>
               <a:pPr/>
-              <a:t>11/8/17</a:t>
+              <a:t>11/10/17</a:t>
             </a:fld>
             <a:endParaRPr lang="en-US"/>
           </a:p>
@@ -2815,7 +2822,7 @@
             <a:fld id="{150AD5B7-C160-7A4E-8FA5-E71465AAF732}" type="datetimeFigureOut">
               <a:rPr lang="en-US" smtClean="0"/>
               <a:pPr/>
-              <a:t>11/8/17</a:t>
+              <a:t>11/10/17</a:t>
             </a:fld>
             <a:endParaRPr lang="en-US"/>
           </a:p>
@@ -3094,7 +3101,7 @@
             <a:fld id="{150AD5B7-C160-7A4E-8FA5-E71465AAF732}" type="datetimeFigureOut">
               <a:rPr lang="en-US" smtClean="0"/>
               <a:pPr/>
-              <a:t>11/8/17</a:t>
+              <a:t>11/10/17</a:t>
             </a:fld>
             <a:endParaRPr lang="en-US"/>
           </a:p>
@@ -3349,7 +3356,7 @@
             <a:fld id="{150AD5B7-C160-7A4E-8FA5-E71465AAF732}" type="datetimeFigureOut">
               <a:rPr lang="en-US" smtClean="0"/>
               <a:pPr/>
-              <a:t>11/8/17</a:t>
+              <a:t>11/10/17</a:t>
             </a:fld>
             <a:endParaRPr lang="en-US"/>
           </a:p>
@@ -3564,7 +3571,7 @@
             <a:fld id="{150AD5B7-C160-7A4E-8FA5-E71465AAF732}" type="datetimeFigureOut">
               <a:rPr lang="en-US" smtClean="0"/>
               <a:pPr/>
-              <a:t>11/8/17</a:t>
+              <a:t>11/10/17</a:t>
             </a:fld>
             <a:endParaRPr lang="en-US"/>
           </a:p>
@@ -8133,19 +8140,7 @@
           <a:p>
             <a:r>
               <a:rPr lang="en-US" dirty="0" smtClean="0"/>
-              <a:t>End user enters  </a:t>
-            </a:r>
-            <a:r>
-              <a:rPr lang="en-US" dirty="0" smtClean="0"/>
-              <a:t>coverage</a:t>
-            </a:r>
-            <a:r>
-              <a:rPr lang="en-US" dirty="0" smtClean="0"/>
-              <a:t> </a:t>
-            </a:r>
-            <a:r>
-              <a:rPr lang="en-US" dirty="0" smtClean="0"/>
-              <a:t>information</a:t>
+              <a:t>End user enters  coverage information</a:t>
             </a:r>
             <a:endParaRPr lang="en-US" dirty="0"/>
           </a:p>
@@ -8244,15 +8239,7 @@
           <a:p>
             <a:r>
               <a:rPr lang="en-US" smtClean="0"/>
-              <a:t>Returns </a:t>
-            </a:r>
-            <a:r>
-              <a:rPr lang="en-US" smtClean="0"/>
-              <a:t>Coverage</a:t>
-            </a:r>
-            <a:r>
-              <a:rPr lang="en-US" smtClean="0"/>
-              <a:t> </a:t>
+              <a:t>Returns Coverage </a:t>
             </a:r>
             <a:r>
               <a:rPr lang="en-US" dirty="0" smtClean="0"/>
@@ -8548,6 +8535,962 @@
     <p:extLst>
       <p:ext uri="{BB962C8B-B14F-4D97-AF65-F5344CB8AC3E}">
         <p14:creationId xmlns:p14="http://schemas.microsoft.com/office/powerpoint/2010/main" val="2078006022"/>
+      </p:ext>
+    </p:extLst>
+  </p:cSld>
+  <p:clrMapOvr>
+    <a:masterClrMapping/>
+  </p:clrMapOvr>
+  <p:timing>
+    <p:tnLst>
+      <p:par>
+        <p:cTn id="1" dur="indefinite" restart="never" nodeType="tmRoot"/>
+      </p:par>
+    </p:tnLst>
+  </p:timing>
+</p:sld>
+</file>
+
+<file path=ppt/slides/slide18.xml><?xml version="1.0" encoding="utf-8"?>
+<p:sld xmlns:a="http://schemas.openxmlformats.org/drawingml/2006/main" xmlns:r="http://schemas.openxmlformats.org/officeDocument/2006/relationships" xmlns:p="http://schemas.openxmlformats.org/presentationml/2006/main">
+  <p:cSld>
+    <p:spTree>
+      <p:nvGrpSpPr>
+        <p:cNvPr id="1" name=""/>
+        <p:cNvGrpSpPr/>
+        <p:nvPr/>
+      </p:nvGrpSpPr>
+      <p:grpSpPr>
+        <a:xfrm>
+          <a:off x="0" y="0"/>
+          <a:ext cx="0" cy="0"/>
+          <a:chOff x="0" y="0"/>
+          <a:chExt cx="0" cy="0"/>
+        </a:xfrm>
+      </p:grpSpPr>
+      <p:pic>
+        <p:nvPicPr>
+          <p:cNvPr id="3" name="Picture 2"/>
+          <p:cNvPicPr>
+            <a:picLocks noChangeAspect="1"/>
+          </p:cNvPicPr>
+          <p:nvPr/>
+        </p:nvPicPr>
+        <p:blipFill>
+          <a:blip r:embed="rId2"/>
+          <a:stretch>
+            <a:fillRect/>
+          </a:stretch>
+        </p:blipFill>
+        <p:spPr>
+          <a:xfrm>
+            <a:off x="585214" y="2230650"/>
+            <a:ext cx="1916243" cy="1916243"/>
+          </a:xfrm>
+          <a:prstGeom prst="rect">
+            <a:avLst/>
+          </a:prstGeom>
+        </p:spPr>
+      </p:pic>
+      <p:cxnSp>
+        <p:nvCxnSpPr>
+          <p:cNvPr id="25" name="Straight Connector 24"/>
+          <p:cNvCxnSpPr/>
+          <p:nvPr/>
+        </p:nvCxnSpPr>
+        <p:spPr>
+          <a:xfrm>
+            <a:off x="8089025" y="1442189"/>
+            <a:ext cx="0" cy="4155142"/>
+          </a:xfrm>
+          <a:prstGeom prst="line">
+            <a:avLst/>
+          </a:prstGeom>
+          <a:ln w="63500">
+            <a:prstDash val="sysDash"/>
+          </a:ln>
+        </p:spPr>
+        <p:style>
+          <a:lnRef idx="1">
+            <a:schemeClr val="accent1"/>
+          </a:lnRef>
+          <a:fillRef idx="0">
+            <a:schemeClr val="accent1"/>
+          </a:fillRef>
+          <a:effectRef idx="0">
+            <a:schemeClr val="accent1"/>
+          </a:effectRef>
+          <a:fontRef idx="minor">
+            <a:schemeClr val="tx1"/>
+          </a:fontRef>
+        </p:style>
+      </p:cxnSp>
+      <p:sp>
+        <p:nvSpPr>
+          <p:cNvPr id="26" name="Can 25"/>
+          <p:cNvSpPr/>
+          <p:nvPr/>
+        </p:nvSpPr>
+        <p:spPr>
+          <a:xfrm>
+            <a:off x="9098280" y="2228624"/>
+            <a:ext cx="2380957" cy="2258969"/>
+          </a:xfrm>
+          <a:prstGeom prst="can">
+            <a:avLst/>
+          </a:prstGeom>
+        </p:spPr>
+        <p:style>
+          <a:lnRef idx="2">
+            <a:schemeClr val="accent1">
+              <a:shade val="50000"/>
+            </a:schemeClr>
+          </a:lnRef>
+          <a:fillRef idx="1">
+            <a:schemeClr val="accent1"/>
+          </a:fillRef>
+          <a:effectRef idx="0">
+            <a:schemeClr val="accent1"/>
+          </a:effectRef>
+          <a:fontRef idx="minor">
+            <a:schemeClr val="lt1"/>
+          </a:fontRef>
+        </p:style>
+        <p:txBody>
+          <a:bodyPr rtlCol="0" anchor="ctr"/>
+          <a:lstStyle/>
+          <a:p>
+            <a:pPr algn="ctr"/>
+            <a:r>
+              <a:rPr lang="en-US" sz="2400" dirty="0" smtClean="0"/>
+              <a:t>EHR</a:t>
+            </a:r>
+          </a:p>
+          <a:p>
+            <a:pPr algn="ctr"/>
+            <a:r>
+              <a:rPr lang="en-US" sz="2400" dirty="0" smtClean="0"/>
+              <a:t> FHIR Server</a:t>
+            </a:r>
+            <a:endParaRPr lang="en-US" sz="2400" dirty="0"/>
+          </a:p>
+        </p:txBody>
+      </p:sp>
+      <p:sp>
+        <p:nvSpPr>
+          <p:cNvPr id="27" name="Can 26"/>
+          <p:cNvSpPr/>
+          <p:nvPr/>
+        </p:nvSpPr>
+        <p:spPr>
+          <a:xfrm>
+            <a:off x="4568612" y="2228624"/>
+            <a:ext cx="2484820" cy="2258969"/>
+          </a:xfrm>
+          <a:prstGeom prst="can">
+            <a:avLst/>
+          </a:prstGeom>
+        </p:spPr>
+        <p:style>
+          <a:lnRef idx="2">
+            <a:schemeClr val="accent1">
+              <a:shade val="50000"/>
+            </a:schemeClr>
+          </a:lnRef>
+          <a:fillRef idx="1">
+            <a:schemeClr val="accent1"/>
+          </a:fillRef>
+          <a:effectRef idx="0">
+            <a:schemeClr val="accent1"/>
+          </a:effectRef>
+          <a:fontRef idx="minor">
+            <a:schemeClr val="lt1"/>
+          </a:fontRef>
+        </p:style>
+        <p:txBody>
+          <a:bodyPr rtlCol="0" anchor="ctr"/>
+          <a:lstStyle/>
+          <a:p>
+            <a:pPr algn="ctr"/>
+            <a:r>
+              <a:rPr lang="en-US" sz="2400" dirty="0" smtClean="0"/>
+              <a:t>Provider Scheduling</a:t>
+            </a:r>
+            <a:endParaRPr lang="en-US" sz="2400" dirty="0" smtClean="0"/>
+          </a:p>
+          <a:p>
+            <a:pPr algn="ctr"/>
+            <a:r>
+              <a:rPr lang="en-US" sz="2400" dirty="0" smtClean="0"/>
+              <a:t> </a:t>
+            </a:r>
+            <a:r>
+              <a:rPr lang="en-US" sz="2400" dirty="0" smtClean="0"/>
+              <a:t>Application</a:t>
+            </a:r>
+            <a:endParaRPr lang="en-US" sz="2400" dirty="0"/>
+          </a:p>
+        </p:txBody>
+      </p:sp>
+      <p:sp>
+        <p:nvSpPr>
+          <p:cNvPr id="5" name="TextBox 4"/>
+          <p:cNvSpPr txBox="1"/>
+          <p:nvPr/>
+        </p:nvSpPr>
+        <p:spPr>
+          <a:xfrm>
+            <a:off x="4678223" y="4739318"/>
+            <a:ext cx="2375209" cy="646331"/>
+          </a:xfrm>
+          <a:prstGeom prst="rect">
+            <a:avLst/>
+          </a:prstGeom>
+          <a:noFill/>
+        </p:spPr>
+        <p:txBody>
+          <a:bodyPr wrap="square" rtlCol="0">
+            <a:spAutoFit/>
+          </a:bodyPr>
+          <a:lstStyle/>
+          <a:p>
+            <a:pPr algn="ctr"/>
+            <a:r>
+              <a:rPr lang="en-US" dirty="0" smtClean="0"/>
+              <a:t>Provider A (</a:t>
+            </a:r>
+            <a:r>
+              <a:rPr lang="en-US" dirty="0"/>
+              <a:t>Referral Initiator</a:t>
+            </a:r>
+            <a:r>
+              <a:rPr lang="en-US" dirty="0" smtClean="0"/>
+              <a:t>)</a:t>
+            </a:r>
+            <a:endParaRPr lang="en-US" dirty="0"/>
+          </a:p>
+        </p:txBody>
+      </p:sp>
+      <p:sp>
+        <p:nvSpPr>
+          <p:cNvPr id="29" name="TextBox 28"/>
+          <p:cNvSpPr txBox="1"/>
+          <p:nvPr/>
+        </p:nvSpPr>
+        <p:spPr>
+          <a:xfrm>
+            <a:off x="9098280" y="4740733"/>
+            <a:ext cx="2375209" cy="646331"/>
+          </a:xfrm>
+          <a:prstGeom prst="rect">
+            <a:avLst/>
+          </a:prstGeom>
+          <a:noFill/>
+        </p:spPr>
+        <p:txBody>
+          <a:bodyPr wrap="square" rtlCol="0">
+            <a:spAutoFit/>
+          </a:bodyPr>
+          <a:lstStyle/>
+          <a:p>
+            <a:pPr algn="ctr"/>
+            <a:r>
+              <a:rPr lang="en-US" dirty="0" smtClean="0"/>
+              <a:t>Provider B (</a:t>
+            </a:r>
+            <a:r>
+              <a:rPr lang="en-US" dirty="0"/>
+              <a:t>Referral </a:t>
+            </a:r>
+            <a:r>
+              <a:rPr lang="en-US" dirty="0" smtClean="0"/>
+              <a:t>Recipient)</a:t>
+            </a:r>
+            <a:endParaRPr lang="en-US" dirty="0"/>
+          </a:p>
+        </p:txBody>
+      </p:sp>
+      <p:sp>
+        <p:nvSpPr>
+          <p:cNvPr id="32" name="TextBox 31"/>
+          <p:cNvSpPr txBox="1"/>
+          <p:nvPr/>
+        </p:nvSpPr>
+        <p:spPr>
+          <a:xfrm>
+            <a:off x="355730" y="4726802"/>
+            <a:ext cx="2375209" cy="369332"/>
+          </a:xfrm>
+          <a:prstGeom prst="rect">
+            <a:avLst/>
+          </a:prstGeom>
+          <a:noFill/>
+        </p:spPr>
+        <p:txBody>
+          <a:bodyPr wrap="square" rtlCol="0">
+            <a:spAutoFit/>
+          </a:bodyPr>
+          <a:lstStyle/>
+          <a:p>
+            <a:pPr algn="ctr"/>
+            <a:r>
+              <a:rPr lang="en-US" dirty="0" smtClean="0"/>
+              <a:t>Patient</a:t>
+            </a:r>
+            <a:endParaRPr lang="en-US" dirty="0"/>
+          </a:p>
+        </p:txBody>
+      </p:sp>
+      <p:sp>
+        <p:nvSpPr>
+          <p:cNvPr id="34" name="TextBox 33"/>
+          <p:cNvSpPr txBox="1"/>
+          <p:nvPr/>
+        </p:nvSpPr>
+        <p:spPr>
+          <a:xfrm>
+            <a:off x="2472402" y="948690"/>
+            <a:ext cx="2096209" cy="4801314"/>
+          </a:xfrm>
+          <a:prstGeom prst="rect">
+            <a:avLst/>
+          </a:prstGeom>
+          <a:noFill/>
+        </p:spPr>
+        <p:txBody>
+          <a:bodyPr wrap="square" rtlCol="0">
+            <a:spAutoFit/>
+          </a:bodyPr>
+          <a:lstStyle/>
+          <a:p>
+            <a:pPr marL="342900" indent="-342900">
+              <a:buFont typeface="+mj-lt"/>
+              <a:buAutoNum type="arabicPeriod"/>
+            </a:pPr>
+            <a:r>
+              <a:rPr lang="en-US" dirty="0"/>
+              <a:t>Patient </a:t>
+            </a:r>
+            <a:r>
+              <a:rPr lang="en-US" dirty="0" smtClean="0"/>
+              <a:t>Match*</a:t>
+            </a:r>
+          </a:p>
+          <a:p>
+            <a:pPr marL="342900" indent="-342900">
+              <a:buFont typeface="+mj-lt"/>
+              <a:buAutoNum type="arabicPeriod"/>
+            </a:pPr>
+            <a:r>
+              <a:rPr lang="en-US" dirty="0" smtClean="0"/>
+              <a:t>Appointment </a:t>
+            </a:r>
+            <a:r>
+              <a:rPr lang="en-US" dirty="0"/>
+              <a:t>Availability</a:t>
+            </a:r>
+          </a:p>
+          <a:p>
+            <a:pPr marL="342900" indent="-342900">
+              <a:buFont typeface="+mj-lt"/>
+              <a:buAutoNum type="arabicPeriod"/>
+            </a:pPr>
+            <a:r>
+              <a:rPr lang="en-US" dirty="0" smtClean="0"/>
+              <a:t>Hold/Book* Appointment</a:t>
+            </a:r>
+            <a:endParaRPr lang="en-US" dirty="0"/>
+          </a:p>
+          <a:p>
+            <a:pPr marL="342900" indent="-342900">
+              <a:buFont typeface="+mj-lt"/>
+              <a:buAutoNum type="arabicPeriod"/>
+            </a:pPr>
+            <a:r>
+              <a:rPr lang="en-US" dirty="0" smtClean="0"/>
+              <a:t>Update/Cancel </a:t>
+            </a:r>
+            <a:r>
+              <a:rPr lang="en-US" dirty="0"/>
+              <a:t>Appointment</a:t>
+            </a:r>
+          </a:p>
+          <a:p>
+            <a:pPr marL="342900" indent="-342900">
+              <a:buFont typeface="+mj-lt"/>
+              <a:buAutoNum type="arabicPeriod"/>
+            </a:pPr>
+            <a:r>
+              <a:rPr lang="en-US" dirty="0" smtClean="0"/>
+              <a:t>Exchange Relevant Clinical Information</a:t>
+            </a:r>
+          </a:p>
+          <a:p>
+            <a:pPr marL="342900" indent="-342900">
+              <a:buFont typeface="+mj-lt"/>
+              <a:buAutoNum type="arabicPeriod"/>
+            </a:pPr>
+            <a:endParaRPr lang="en-US" dirty="0"/>
+          </a:p>
+          <a:p>
+            <a:pPr marL="342900" indent="-342900">
+              <a:buFont typeface="+mj-lt"/>
+              <a:buAutoNum type="arabicPeriod"/>
+            </a:pPr>
+            <a:endParaRPr lang="en-US" dirty="0" smtClean="0"/>
+          </a:p>
+          <a:p>
+            <a:r>
+              <a:rPr lang="en-US" dirty="0" smtClean="0"/>
+              <a:t>*Options for new Patient </a:t>
+            </a:r>
+            <a:r>
+              <a:rPr lang="en-US" dirty="0"/>
+              <a:t>Registration a</a:t>
+            </a:r>
+            <a:r>
+              <a:rPr lang="en-US" dirty="0" smtClean="0"/>
+              <a:t>nd updating </a:t>
+            </a:r>
+            <a:r>
+              <a:rPr lang="en-US" dirty="0"/>
+              <a:t>Coverage </a:t>
+            </a:r>
+            <a:r>
+              <a:rPr lang="en-US" dirty="0" smtClean="0"/>
+              <a:t>Information</a:t>
+            </a:r>
+            <a:endParaRPr lang="en-US" dirty="0"/>
+          </a:p>
+        </p:txBody>
+      </p:sp>
+    </p:spTree>
+    <p:extLst>
+      <p:ext uri="{BB962C8B-B14F-4D97-AF65-F5344CB8AC3E}">
+        <p14:creationId xmlns:p14="http://schemas.microsoft.com/office/powerpoint/2010/main" val="1129010767"/>
+      </p:ext>
+    </p:extLst>
+  </p:cSld>
+  <p:clrMapOvr>
+    <a:masterClrMapping/>
+  </p:clrMapOvr>
+  <p:timing>
+    <p:tnLst>
+      <p:par>
+        <p:cTn id="1" dur="indefinite" restart="never" nodeType="tmRoot"/>
+      </p:par>
+    </p:tnLst>
+  </p:timing>
+</p:sld>
+</file>
+
+<file path=ppt/slides/slide19.xml><?xml version="1.0" encoding="utf-8"?>
+<p:sld xmlns:a="http://schemas.openxmlformats.org/drawingml/2006/main" xmlns:r="http://schemas.openxmlformats.org/officeDocument/2006/relationships" xmlns:p="http://schemas.openxmlformats.org/presentationml/2006/main">
+  <p:cSld>
+    <p:spTree>
+      <p:nvGrpSpPr>
+        <p:cNvPr id="1" name=""/>
+        <p:cNvGrpSpPr/>
+        <p:nvPr/>
+      </p:nvGrpSpPr>
+      <p:grpSpPr>
+        <a:xfrm>
+          <a:off x="0" y="0"/>
+          <a:ext cx="0" cy="0"/>
+          <a:chOff x="0" y="0"/>
+          <a:chExt cx="0" cy="0"/>
+        </a:xfrm>
+      </p:grpSpPr>
+      <p:pic>
+        <p:nvPicPr>
+          <p:cNvPr id="3" name="Picture 2"/>
+          <p:cNvPicPr>
+            <a:picLocks noChangeAspect="1"/>
+          </p:cNvPicPr>
+          <p:nvPr/>
+        </p:nvPicPr>
+        <p:blipFill>
+          <a:blip r:embed="rId2"/>
+          <a:stretch>
+            <a:fillRect/>
+          </a:stretch>
+        </p:blipFill>
+        <p:spPr>
+          <a:xfrm>
+            <a:off x="585214" y="2230650"/>
+            <a:ext cx="1916243" cy="1916243"/>
+          </a:xfrm>
+          <a:prstGeom prst="rect">
+            <a:avLst/>
+          </a:prstGeom>
+        </p:spPr>
+      </p:pic>
+      <p:sp>
+        <p:nvSpPr>
+          <p:cNvPr id="2" name="Rectangle 1"/>
+          <p:cNvSpPr/>
+          <p:nvPr/>
+        </p:nvSpPr>
+        <p:spPr>
+          <a:xfrm>
+            <a:off x="3370962" y="947183"/>
+            <a:ext cx="4692567" cy="369332"/>
+          </a:xfrm>
+          <a:prstGeom prst="rect">
+            <a:avLst/>
+          </a:prstGeom>
+        </p:spPr>
+        <p:txBody>
+          <a:bodyPr wrap="none">
+            <a:spAutoFit/>
+          </a:bodyPr>
+          <a:lstStyle/>
+          <a:p>
+            <a:r>
+              <a:rPr lang="en-US" smtClean="0"/>
+              <a:t>Provider Scheduling Work Flow : Patient Match</a:t>
+            </a:r>
+            <a:endParaRPr lang="en-US" dirty="0"/>
+          </a:p>
+        </p:txBody>
+      </p:sp>
+      <p:sp>
+        <p:nvSpPr>
+          <p:cNvPr id="39" name="Can 38"/>
+          <p:cNvSpPr/>
+          <p:nvPr/>
+        </p:nvSpPr>
+        <p:spPr>
+          <a:xfrm>
+            <a:off x="3883299" y="2390275"/>
+            <a:ext cx="2484820" cy="2258969"/>
+          </a:xfrm>
+          <a:prstGeom prst="can">
+            <a:avLst/>
+          </a:prstGeom>
+        </p:spPr>
+        <p:style>
+          <a:lnRef idx="2">
+            <a:schemeClr val="accent1">
+              <a:shade val="50000"/>
+            </a:schemeClr>
+          </a:lnRef>
+          <a:fillRef idx="1">
+            <a:schemeClr val="accent1"/>
+          </a:fillRef>
+          <a:effectRef idx="0">
+            <a:schemeClr val="accent1"/>
+          </a:effectRef>
+          <a:fontRef idx="minor">
+            <a:schemeClr val="lt1"/>
+          </a:fontRef>
+        </p:style>
+        <p:txBody>
+          <a:bodyPr rtlCol="0" anchor="ctr"/>
+          <a:lstStyle/>
+          <a:p>
+            <a:pPr algn="ctr"/>
+            <a:r>
+              <a:rPr lang="en-US" sz="2400" dirty="0" smtClean="0"/>
+              <a:t>Provider</a:t>
+            </a:r>
+            <a:endParaRPr lang="en-US" sz="2400" dirty="0" smtClean="0"/>
+          </a:p>
+          <a:p>
+            <a:pPr algn="ctr"/>
+            <a:r>
+              <a:rPr lang="en-US" sz="2400" dirty="0" smtClean="0"/>
+              <a:t>Scheduling Application</a:t>
+            </a:r>
+            <a:endParaRPr lang="en-US" sz="2400" dirty="0"/>
+          </a:p>
+        </p:txBody>
+      </p:sp>
+      <p:sp>
+        <p:nvSpPr>
+          <p:cNvPr id="53" name="Can 52"/>
+          <p:cNvSpPr/>
+          <p:nvPr/>
+        </p:nvSpPr>
+        <p:spPr>
+          <a:xfrm>
+            <a:off x="9297574" y="2359802"/>
+            <a:ext cx="2380957" cy="2258969"/>
+          </a:xfrm>
+          <a:prstGeom prst="can">
+            <a:avLst/>
+          </a:prstGeom>
+        </p:spPr>
+        <p:style>
+          <a:lnRef idx="2">
+            <a:schemeClr val="accent1">
+              <a:shade val="50000"/>
+            </a:schemeClr>
+          </a:lnRef>
+          <a:fillRef idx="1">
+            <a:schemeClr val="accent1"/>
+          </a:fillRef>
+          <a:effectRef idx="0">
+            <a:schemeClr val="accent1"/>
+          </a:effectRef>
+          <a:fontRef idx="minor">
+            <a:schemeClr val="lt1"/>
+          </a:fontRef>
+        </p:style>
+        <p:txBody>
+          <a:bodyPr rtlCol="0" anchor="ctr"/>
+          <a:lstStyle/>
+          <a:p>
+            <a:pPr algn="ctr"/>
+            <a:r>
+              <a:rPr lang="en-US" sz="2400" dirty="0" smtClean="0"/>
+              <a:t>FHIR Scheduler, (EHR)</a:t>
+            </a:r>
+            <a:endParaRPr lang="en-US" sz="2400" dirty="0"/>
+          </a:p>
+        </p:txBody>
+      </p:sp>
+      <p:grpSp>
+        <p:nvGrpSpPr>
+          <p:cNvPr id="54" name="Group 53"/>
+          <p:cNvGrpSpPr/>
+          <p:nvPr/>
+        </p:nvGrpSpPr>
+        <p:grpSpPr>
+          <a:xfrm>
+            <a:off x="6482947" y="2743201"/>
+            <a:ext cx="2713910" cy="756504"/>
+            <a:chOff x="-1796260" y="2124752"/>
+            <a:chExt cx="10092590" cy="1022801"/>
+          </a:xfrm>
+        </p:grpSpPr>
+        <p:sp>
+          <p:nvSpPr>
+            <p:cNvPr id="55" name="TextBox 54"/>
+            <p:cNvSpPr txBox="1"/>
+            <p:nvPr/>
+          </p:nvSpPr>
+          <p:spPr>
+            <a:xfrm>
+              <a:off x="1582429" y="2124752"/>
+              <a:ext cx="6255656" cy="646331"/>
+            </a:xfrm>
+            <a:prstGeom prst="rect">
+              <a:avLst/>
+            </a:prstGeom>
+            <a:solidFill>
+              <a:schemeClr val="bg1"/>
+            </a:solidFill>
+            <a:effectLst/>
+          </p:spPr>
+          <p:txBody>
+            <a:bodyPr wrap="square" rtlCol="0">
+              <a:spAutoFit/>
+            </a:bodyPr>
+            <a:lstStyle/>
+            <a:p>
+              <a:r>
+                <a:rPr lang="en-US" dirty="0" smtClean="0"/>
+                <a:t>Search for Patient IDs</a:t>
+              </a:r>
+              <a:endParaRPr lang="en-US" dirty="0"/>
+            </a:p>
+          </p:txBody>
+        </p:sp>
+        <p:cxnSp>
+          <p:nvCxnSpPr>
+            <p:cNvPr id="56" name="Straight Arrow Connector 55"/>
+            <p:cNvCxnSpPr/>
+            <p:nvPr/>
+          </p:nvCxnSpPr>
+          <p:spPr>
+            <a:xfrm>
+              <a:off x="-1796260" y="3134605"/>
+              <a:ext cx="10092590" cy="12948"/>
+            </a:xfrm>
+            <a:prstGeom prst="straightConnector1">
+              <a:avLst/>
+            </a:prstGeom>
+            <a:ln w="63500">
+              <a:headEnd type="none"/>
+              <a:tailEnd type="triangle"/>
+            </a:ln>
+          </p:spPr>
+          <p:style>
+            <a:lnRef idx="1">
+              <a:schemeClr val="accent1"/>
+            </a:lnRef>
+            <a:fillRef idx="0">
+              <a:schemeClr val="accent1"/>
+            </a:fillRef>
+            <a:effectRef idx="0">
+              <a:schemeClr val="accent1"/>
+            </a:effectRef>
+            <a:fontRef idx="minor">
+              <a:schemeClr val="tx1"/>
+            </a:fontRef>
+          </p:style>
+        </p:cxnSp>
+        <p:sp>
+          <p:nvSpPr>
+            <p:cNvPr id="57" name="TextBox 56"/>
+            <p:cNvSpPr txBox="1"/>
+            <p:nvPr/>
+          </p:nvSpPr>
+          <p:spPr>
+            <a:xfrm>
+              <a:off x="-755766" y="2260347"/>
+              <a:ext cx="1602903" cy="475630"/>
+            </a:xfrm>
+            <a:prstGeom prst="rect">
+              <a:avLst/>
+            </a:prstGeom>
+            <a:noFill/>
+            <a:ln w="25400">
+              <a:solidFill>
+                <a:schemeClr val="accent1">
+                  <a:shade val="50000"/>
+                </a:schemeClr>
+              </a:solidFill>
+            </a:ln>
+          </p:spPr>
+          <p:txBody>
+            <a:bodyPr wrap="square" rtlCol="0">
+              <a:spAutoFit/>
+            </a:bodyPr>
+            <a:lstStyle/>
+            <a:p>
+              <a:pPr algn="ctr"/>
+              <a:r>
+                <a:rPr lang="en-US" dirty="0" smtClean="0"/>
+                <a:t>A</a:t>
+              </a:r>
+              <a:endParaRPr lang="en-US" dirty="0"/>
+            </a:p>
+          </p:txBody>
+        </p:sp>
+      </p:grpSp>
+      <p:cxnSp>
+        <p:nvCxnSpPr>
+          <p:cNvPr id="58" name="Straight Arrow Connector 57"/>
+          <p:cNvCxnSpPr/>
+          <p:nvPr/>
+        </p:nvCxnSpPr>
+        <p:spPr>
+          <a:xfrm>
+            <a:off x="6468835" y="3680645"/>
+            <a:ext cx="2713910" cy="8575"/>
+          </a:xfrm>
+          <a:prstGeom prst="straightConnector1">
+            <a:avLst/>
+          </a:prstGeom>
+          <a:ln w="63500">
+            <a:headEnd type="triangle"/>
+            <a:tailEnd type="none"/>
+          </a:ln>
+        </p:spPr>
+        <p:style>
+          <a:lnRef idx="1">
+            <a:schemeClr val="accent1"/>
+          </a:lnRef>
+          <a:fillRef idx="0">
+            <a:schemeClr val="accent1"/>
+          </a:fillRef>
+          <a:effectRef idx="0">
+            <a:schemeClr val="accent1"/>
+          </a:effectRef>
+          <a:fontRef idx="minor">
+            <a:schemeClr val="tx1"/>
+          </a:fontRef>
+        </p:style>
+      </p:cxnSp>
+      <p:sp>
+        <p:nvSpPr>
+          <p:cNvPr id="59" name="TextBox 58"/>
+          <p:cNvSpPr txBox="1"/>
+          <p:nvPr/>
+        </p:nvSpPr>
+        <p:spPr>
+          <a:xfrm>
+            <a:off x="6483468" y="4003998"/>
+            <a:ext cx="431023" cy="369332"/>
+          </a:xfrm>
+          <a:prstGeom prst="rect">
+            <a:avLst/>
+          </a:prstGeom>
+          <a:noFill/>
+          <a:ln w="25400">
+            <a:solidFill>
+              <a:schemeClr val="accent1">
+                <a:shade val="50000"/>
+              </a:schemeClr>
+            </a:solidFill>
+          </a:ln>
+        </p:spPr>
+        <p:txBody>
+          <a:bodyPr wrap="square" rtlCol="0">
+            <a:spAutoFit/>
+          </a:bodyPr>
+          <a:lstStyle/>
+          <a:p>
+            <a:pPr algn="ctr"/>
+            <a:r>
+              <a:rPr lang="en-US" dirty="0"/>
+              <a:t>A</a:t>
+            </a:r>
+          </a:p>
+        </p:txBody>
+      </p:sp>
+      <p:sp>
+        <p:nvSpPr>
+          <p:cNvPr id="60" name="TextBox 59"/>
+          <p:cNvSpPr txBox="1"/>
+          <p:nvPr/>
+        </p:nvSpPr>
+        <p:spPr>
+          <a:xfrm>
+            <a:off x="7360189" y="3890367"/>
+            <a:ext cx="1682154" cy="646331"/>
+          </a:xfrm>
+          <a:prstGeom prst="rect">
+            <a:avLst/>
+          </a:prstGeom>
+          <a:solidFill>
+            <a:schemeClr val="bg1"/>
+          </a:solidFill>
+          <a:effectLst/>
+        </p:spPr>
+        <p:txBody>
+          <a:bodyPr wrap="square" rtlCol="0">
+            <a:spAutoFit/>
+          </a:bodyPr>
+          <a:lstStyle/>
+          <a:p>
+            <a:r>
+              <a:rPr lang="en-US" dirty="0" smtClean="0"/>
+              <a:t>Return Patient ID(s)</a:t>
+            </a:r>
+            <a:endParaRPr lang="en-US" dirty="0"/>
+          </a:p>
+        </p:txBody>
+      </p:sp>
+      <p:sp>
+        <p:nvSpPr>
+          <p:cNvPr id="61" name="TextBox 60"/>
+          <p:cNvSpPr txBox="1"/>
+          <p:nvPr/>
+        </p:nvSpPr>
+        <p:spPr>
+          <a:xfrm>
+            <a:off x="2119868" y="2199342"/>
+            <a:ext cx="1736532" cy="1477328"/>
+          </a:xfrm>
+          <a:prstGeom prst="rect">
+            <a:avLst/>
+          </a:prstGeom>
+          <a:noFill/>
+        </p:spPr>
+        <p:txBody>
+          <a:bodyPr wrap="square" rtlCol="0">
+            <a:spAutoFit/>
+          </a:bodyPr>
+          <a:lstStyle/>
+          <a:p>
+            <a:r>
+              <a:rPr lang="en-US" dirty="0" smtClean="0"/>
+              <a:t>(optional) End user updates </a:t>
+            </a:r>
+            <a:r>
+              <a:rPr lang="en-US" dirty="0" smtClean="0"/>
+              <a:t>patient demographics</a:t>
+            </a:r>
+            <a:r>
+              <a:rPr lang="en-US" dirty="0"/>
+              <a:t> </a:t>
+            </a:r>
+            <a:r>
+              <a:rPr lang="en-US" dirty="0" smtClean="0"/>
+              <a:t>information</a:t>
+            </a:r>
+            <a:endParaRPr lang="en-US" dirty="0"/>
+          </a:p>
+        </p:txBody>
+      </p:sp>
+      <p:cxnSp>
+        <p:nvCxnSpPr>
+          <p:cNvPr id="62" name="Straight Arrow Connector 61"/>
+          <p:cNvCxnSpPr/>
+          <p:nvPr/>
+        </p:nvCxnSpPr>
+        <p:spPr>
+          <a:xfrm flipV="1">
+            <a:off x="2419912" y="3665113"/>
+            <a:ext cx="1463387" cy="15532"/>
+          </a:xfrm>
+          <a:prstGeom prst="straightConnector1">
+            <a:avLst/>
+          </a:prstGeom>
+          <a:ln w="63500">
+            <a:tailEnd type="triangle"/>
+          </a:ln>
+        </p:spPr>
+        <p:style>
+          <a:lnRef idx="1">
+            <a:schemeClr val="accent1"/>
+          </a:lnRef>
+          <a:fillRef idx="0">
+            <a:schemeClr val="accent1"/>
+          </a:fillRef>
+          <a:effectRef idx="0">
+            <a:schemeClr val="accent1"/>
+          </a:effectRef>
+          <a:fontRef idx="minor">
+            <a:schemeClr val="tx1"/>
+          </a:fontRef>
+        </p:style>
+      </p:cxnSp>
+      <p:sp>
+        <p:nvSpPr>
+          <p:cNvPr id="63" name="TextBox 62"/>
+          <p:cNvSpPr txBox="1"/>
+          <p:nvPr/>
+        </p:nvSpPr>
+        <p:spPr>
+          <a:xfrm>
+            <a:off x="2168093" y="1810359"/>
+            <a:ext cx="333072" cy="369332"/>
+          </a:xfrm>
+          <a:prstGeom prst="rect">
+            <a:avLst/>
+          </a:prstGeom>
+          <a:noFill/>
+          <a:ln w="25400">
+            <a:solidFill>
+              <a:schemeClr val="accent1">
+                <a:shade val="50000"/>
+              </a:schemeClr>
+            </a:solidFill>
+          </a:ln>
+        </p:spPr>
+        <p:txBody>
+          <a:bodyPr wrap="square" rtlCol="0">
+            <a:spAutoFit/>
+          </a:bodyPr>
+          <a:lstStyle/>
+          <a:p>
+            <a:pPr algn="ctr"/>
+            <a:r>
+              <a:rPr lang="en-US" dirty="0" smtClean="0"/>
+              <a:t>A</a:t>
+            </a:r>
+            <a:endParaRPr lang="en-US" dirty="0"/>
+          </a:p>
+        </p:txBody>
+      </p:sp>
+    </p:spTree>
+    <p:extLst>
+      <p:ext uri="{BB962C8B-B14F-4D97-AF65-F5344CB8AC3E}">
+        <p14:creationId xmlns:p14="http://schemas.microsoft.com/office/powerpoint/2010/main" val="775859637"/>
       </p:ext>
     </p:extLst>
   </p:cSld>
@@ -9125,6 +10068,2932 @@
     <p:extLst>
       <p:ext uri="{BB962C8B-B14F-4D97-AF65-F5344CB8AC3E}">
         <p14:creationId xmlns:p14="http://schemas.microsoft.com/office/powerpoint/2010/main" val="1713438735"/>
+      </p:ext>
+    </p:extLst>
+  </p:cSld>
+  <p:clrMapOvr>
+    <a:masterClrMapping/>
+  </p:clrMapOvr>
+  <p:timing>
+    <p:tnLst>
+      <p:par>
+        <p:cTn id="1" dur="indefinite" restart="never" nodeType="tmRoot"/>
+      </p:par>
+    </p:tnLst>
+  </p:timing>
+</p:sld>
+</file>
+
+<file path=ppt/slides/slide20.xml><?xml version="1.0" encoding="utf-8"?>
+<p:sld xmlns:a="http://schemas.openxmlformats.org/drawingml/2006/main" xmlns:r="http://schemas.openxmlformats.org/officeDocument/2006/relationships" xmlns:p="http://schemas.openxmlformats.org/presentationml/2006/main">
+  <p:cSld>
+    <p:spTree>
+      <p:nvGrpSpPr>
+        <p:cNvPr id="1" name=""/>
+        <p:cNvGrpSpPr/>
+        <p:nvPr/>
+      </p:nvGrpSpPr>
+      <p:grpSpPr>
+        <a:xfrm>
+          <a:off x="0" y="0"/>
+          <a:ext cx="0" cy="0"/>
+          <a:chOff x="0" y="0"/>
+          <a:chExt cx="0" cy="0"/>
+        </a:xfrm>
+      </p:grpSpPr>
+      <p:pic>
+        <p:nvPicPr>
+          <p:cNvPr id="3" name="Picture 2"/>
+          <p:cNvPicPr>
+            <a:picLocks noChangeAspect="1"/>
+          </p:cNvPicPr>
+          <p:nvPr/>
+        </p:nvPicPr>
+        <p:blipFill>
+          <a:blip r:embed="rId2"/>
+          <a:stretch>
+            <a:fillRect/>
+          </a:stretch>
+        </p:blipFill>
+        <p:spPr>
+          <a:xfrm>
+            <a:off x="585214" y="2230650"/>
+            <a:ext cx="1916243" cy="1916243"/>
+          </a:xfrm>
+          <a:prstGeom prst="rect">
+            <a:avLst/>
+          </a:prstGeom>
+        </p:spPr>
+      </p:pic>
+      <p:sp>
+        <p:nvSpPr>
+          <p:cNvPr id="2" name="Rectangle 1"/>
+          <p:cNvSpPr/>
+          <p:nvPr/>
+        </p:nvSpPr>
+        <p:spPr>
+          <a:xfrm>
+            <a:off x="3370962" y="947183"/>
+            <a:ext cx="5589031" cy="369332"/>
+          </a:xfrm>
+          <a:prstGeom prst="rect">
+            <a:avLst/>
+          </a:prstGeom>
+        </p:spPr>
+        <p:txBody>
+          <a:bodyPr wrap="none">
+            <a:spAutoFit/>
+          </a:bodyPr>
+          <a:lstStyle/>
+          <a:p>
+            <a:r>
+              <a:rPr lang="en-US" dirty="0"/>
+              <a:t>Provider Scheduling Work Flow </a:t>
+            </a:r>
+            <a:r>
+              <a:rPr lang="en-US" dirty="0" smtClean="0"/>
+              <a:t>: New Patient Registration</a:t>
+            </a:r>
+            <a:endParaRPr lang="en-US" dirty="0"/>
+          </a:p>
+        </p:txBody>
+      </p:sp>
+      <p:sp>
+        <p:nvSpPr>
+          <p:cNvPr id="39" name="Can 38"/>
+          <p:cNvSpPr/>
+          <p:nvPr/>
+        </p:nvSpPr>
+        <p:spPr>
+          <a:xfrm>
+            <a:off x="3883299" y="2390275"/>
+            <a:ext cx="2484820" cy="2258969"/>
+          </a:xfrm>
+          <a:prstGeom prst="can">
+            <a:avLst/>
+          </a:prstGeom>
+        </p:spPr>
+        <p:style>
+          <a:lnRef idx="2">
+            <a:schemeClr val="accent1">
+              <a:shade val="50000"/>
+            </a:schemeClr>
+          </a:lnRef>
+          <a:fillRef idx="1">
+            <a:schemeClr val="accent1"/>
+          </a:fillRef>
+          <a:effectRef idx="0">
+            <a:schemeClr val="accent1"/>
+          </a:effectRef>
+          <a:fontRef idx="minor">
+            <a:schemeClr val="lt1"/>
+          </a:fontRef>
+        </p:style>
+        <p:txBody>
+          <a:bodyPr rtlCol="0" anchor="ctr"/>
+          <a:lstStyle/>
+          <a:p>
+            <a:pPr algn="ctr"/>
+            <a:r>
+              <a:rPr lang="en-US" sz="2400" dirty="0" smtClean="0"/>
+              <a:t>Provider</a:t>
+            </a:r>
+            <a:endParaRPr lang="en-US" sz="2400" dirty="0" smtClean="0"/>
+          </a:p>
+          <a:p>
+            <a:pPr algn="ctr"/>
+            <a:r>
+              <a:rPr lang="en-US" sz="2400" dirty="0" smtClean="0"/>
+              <a:t>Scheduling Application</a:t>
+            </a:r>
+            <a:endParaRPr lang="en-US" sz="2400" dirty="0"/>
+          </a:p>
+        </p:txBody>
+      </p:sp>
+      <p:sp>
+        <p:nvSpPr>
+          <p:cNvPr id="53" name="Can 52"/>
+          <p:cNvSpPr/>
+          <p:nvPr/>
+        </p:nvSpPr>
+        <p:spPr>
+          <a:xfrm>
+            <a:off x="9297574" y="2359802"/>
+            <a:ext cx="2380957" cy="2258969"/>
+          </a:xfrm>
+          <a:prstGeom prst="can">
+            <a:avLst/>
+          </a:prstGeom>
+        </p:spPr>
+        <p:style>
+          <a:lnRef idx="2">
+            <a:schemeClr val="accent1">
+              <a:shade val="50000"/>
+            </a:schemeClr>
+          </a:lnRef>
+          <a:fillRef idx="1">
+            <a:schemeClr val="accent1"/>
+          </a:fillRef>
+          <a:effectRef idx="0">
+            <a:schemeClr val="accent1"/>
+          </a:effectRef>
+          <a:fontRef idx="minor">
+            <a:schemeClr val="lt1"/>
+          </a:fontRef>
+        </p:style>
+        <p:txBody>
+          <a:bodyPr rtlCol="0" anchor="ctr"/>
+          <a:lstStyle/>
+          <a:p>
+            <a:pPr algn="ctr"/>
+            <a:r>
+              <a:rPr lang="en-US" sz="2400" dirty="0" smtClean="0"/>
+              <a:t>FHIR Scheduler, (EHR)</a:t>
+            </a:r>
+            <a:endParaRPr lang="en-US" sz="2400" dirty="0"/>
+          </a:p>
+        </p:txBody>
+      </p:sp>
+      <p:grpSp>
+        <p:nvGrpSpPr>
+          <p:cNvPr id="54" name="Group 53"/>
+          <p:cNvGrpSpPr/>
+          <p:nvPr/>
+        </p:nvGrpSpPr>
+        <p:grpSpPr>
+          <a:xfrm>
+            <a:off x="6482947" y="2743201"/>
+            <a:ext cx="2713910" cy="756504"/>
+            <a:chOff x="-1796260" y="2124752"/>
+            <a:chExt cx="10092590" cy="1022801"/>
+          </a:xfrm>
+        </p:grpSpPr>
+        <p:sp>
+          <p:nvSpPr>
+            <p:cNvPr id="55" name="TextBox 54"/>
+            <p:cNvSpPr txBox="1"/>
+            <p:nvPr/>
+          </p:nvSpPr>
+          <p:spPr>
+            <a:xfrm>
+              <a:off x="1582430" y="2124752"/>
+              <a:ext cx="6255657" cy="873846"/>
+            </a:xfrm>
+            <a:prstGeom prst="rect">
+              <a:avLst/>
+            </a:prstGeom>
+            <a:solidFill>
+              <a:schemeClr val="bg1"/>
+            </a:solidFill>
+            <a:effectLst/>
+          </p:spPr>
+          <p:txBody>
+            <a:bodyPr wrap="square" rtlCol="0">
+              <a:spAutoFit/>
+            </a:bodyPr>
+            <a:lstStyle/>
+            <a:p>
+              <a:r>
+                <a:rPr lang="en-US" dirty="0" smtClean="0"/>
+                <a:t>Create Patient Record* </a:t>
+              </a:r>
+              <a:endParaRPr lang="en-US" dirty="0"/>
+            </a:p>
+          </p:txBody>
+        </p:sp>
+        <p:cxnSp>
+          <p:nvCxnSpPr>
+            <p:cNvPr id="56" name="Straight Arrow Connector 55"/>
+            <p:cNvCxnSpPr/>
+            <p:nvPr/>
+          </p:nvCxnSpPr>
+          <p:spPr>
+            <a:xfrm>
+              <a:off x="-1796260" y="3134605"/>
+              <a:ext cx="10092590" cy="12948"/>
+            </a:xfrm>
+            <a:prstGeom prst="straightConnector1">
+              <a:avLst/>
+            </a:prstGeom>
+            <a:ln w="63500">
+              <a:headEnd type="none"/>
+              <a:tailEnd type="triangle"/>
+            </a:ln>
+          </p:spPr>
+          <p:style>
+            <a:lnRef idx="1">
+              <a:schemeClr val="accent1"/>
+            </a:lnRef>
+            <a:fillRef idx="0">
+              <a:schemeClr val="accent1"/>
+            </a:fillRef>
+            <a:effectRef idx="0">
+              <a:schemeClr val="accent1"/>
+            </a:effectRef>
+            <a:fontRef idx="minor">
+              <a:schemeClr val="tx1"/>
+            </a:fontRef>
+          </p:style>
+        </p:cxnSp>
+        <p:sp>
+          <p:nvSpPr>
+            <p:cNvPr id="57" name="TextBox 56"/>
+            <p:cNvSpPr txBox="1"/>
+            <p:nvPr/>
+          </p:nvSpPr>
+          <p:spPr>
+            <a:xfrm>
+              <a:off x="-755766" y="2260347"/>
+              <a:ext cx="1602903" cy="475630"/>
+            </a:xfrm>
+            <a:prstGeom prst="rect">
+              <a:avLst/>
+            </a:prstGeom>
+            <a:noFill/>
+            <a:ln w="25400">
+              <a:solidFill>
+                <a:schemeClr val="accent1">
+                  <a:shade val="50000"/>
+                </a:schemeClr>
+              </a:solidFill>
+            </a:ln>
+          </p:spPr>
+          <p:txBody>
+            <a:bodyPr wrap="square" rtlCol="0">
+              <a:spAutoFit/>
+            </a:bodyPr>
+            <a:lstStyle/>
+            <a:p>
+              <a:pPr algn="ctr"/>
+              <a:r>
+                <a:rPr lang="en-US" dirty="0" smtClean="0"/>
+                <a:t>A</a:t>
+              </a:r>
+              <a:endParaRPr lang="en-US" dirty="0"/>
+            </a:p>
+          </p:txBody>
+        </p:sp>
+      </p:grpSp>
+      <p:cxnSp>
+        <p:nvCxnSpPr>
+          <p:cNvPr id="58" name="Straight Arrow Connector 57"/>
+          <p:cNvCxnSpPr/>
+          <p:nvPr/>
+        </p:nvCxnSpPr>
+        <p:spPr>
+          <a:xfrm>
+            <a:off x="6468835" y="3680645"/>
+            <a:ext cx="2713910" cy="8575"/>
+          </a:xfrm>
+          <a:prstGeom prst="straightConnector1">
+            <a:avLst/>
+          </a:prstGeom>
+          <a:ln w="63500">
+            <a:headEnd type="triangle"/>
+            <a:tailEnd type="none"/>
+          </a:ln>
+        </p:spPr>
+        <p:style>
+          <a:lnRef idx="1">
+            <a:schemeClr val="accent1"/>
+          </a:lnRef>
+          <a:fillRef idx="0">
+            <a:schemeClr val="accent1"/>
+          </a:fillRef>
+          <a:effectRef idx="0">
+            <a:schemeClr val="accent1"/>
+          </a:effectRef>
+          <a:fontRef idx="minor">
+            <a:schemeClr val="tx1"/>
+          </a:fontRef>
+        </p:style>
+      </p:cxnSp>
+      <p:sp>
+        <p:nvSpPr>
+          <p:cNvPr id="59" name="TextBox 58"/>
+          <p:cNvSpPr txBox="1"/>
+          <p:nvPr/>
+        </p:nvSpPr>
+        <p:spPr>
+          <a:xfrm>
+            <a:off x="6483468" y="4003998"/>
+            <a:ext cx="431023" cy="369332"/>
+          </a:xfrm>
+          <a:prstGeom prst="rect">
+            <a:avLst/>
+          </a:prstGeom>
+          <a:noFill/>
+          <a:ln w="25400">
+            <a:solidFill>
+              <a:schemeClr val="accent1">
+                <a:shade val="50000"/>
+              </a:schemeClr>
+            </a:solidFill>
+          </a:ln>
+        </p:spPr>
+        <p:txBody>
+          <a:bodyPr wrap="square" rtlCol="0">
+            <a:spAutoFit/>
+          </a:bodyPr>
+          <a:lstStyle/>
+          <a:p>
+            <a:pPr algn="ctr"/>
+            <a:r>
+              <a:rPr lang="en-US" dirty="0"/>
+              <a:t>A</a:t>
+            </a:r>
+          </a:p>
+        </p:txBody>
+      </p:sp>
+      <p:sp>
+        <p:nvSpPr>
+          <p:cNvPr id="60" name="TextBox 59"/>
+          <p:cNvSpPr txBox="1"/>
+          <p:nvPr/>
+        </p:nvSpPr>
+        <p:spPr>
+          <a:xfrm>
+            <a:off x="7360189" y="3890367"/>
+            <a:ext cx="1682154" cy="646331"/>
+          </a:xfrm>
+          <a:prstGeom prst="rect">
+            <a:avLst/>
+          </a:prstGeom>
+          <a:solidFill>
+            <a:schemeClr val="bg1"/>
+          </a:solidFill>
+          <a:effectLst/>
+        </p:spPr>
+        <p:txBody>
+          <a:bodyPr wrap="square" rtlCol="0">
+            <a:spAutoFit/>
+          </a:bodyPr>
+          <a:lstStyle/>
+          <a:p>
+            <a:r>
+              <a:rPr lang="en-US" dirty="0" smtClean="0"/>
+              <a:t>Return Patient ID(s)</a:t>
+            </a:r>
+            <a:endParaRPr lang="en-US" dirty="0"/>
+          </a:p>
+        </p:txBody>
+      </p:sp>
+      <p:sp>
+        <p:nvSpPr>
+          <p:cNvPr id="61" name="TextBox 60"/>
+          <p:cNvSpPr txBox="1"/>
+          <p:nvPr/>
+        </p:nvSpPr>
+        <p:spPr>
+          <a:xfrm>
+            <a:off x="2119868" y="2199342"/>
+            <a:ext cx="1736532" cy="1477328"/>
+          </a:xfrm>
+          <a:prstGeom prst="rect">
+            <a:avLst/>
+          </a:prstGeom>
+          <a:noFill/>
+        </p:spPr>
+        <p:txBody>
+          <a:bodyPr wrap="square" rtlCol="0">
+            <a:spAutoFit/>
+          </a:bodyPr>
+          <a:lstStyle/>
+          <a:p>
+            <a:r>
+              <a:rPr lang="en-US" dirty="0" smtClean="0"/>
+              <a:t>(optional) End user updates </a:t>
+            </a:r>
+            <a:r>
+              <a:rPr lang="en-US" dirty="0" smtClean="0"/>
+              <a:t>patient demographics</a:t>
+            </a:r>
+            <a:r>
+              <a:rPr lang="en-US" dirty="0"/>
+              <a:t> </a:t>
+            </a:r>
+            <a:r>
+              <a:rPr lang="en-US" dirty="0" smtClean="0"/>
+              <a:t>information</a:t>
+            </a:r>
+            <a:endParaRPr lang="en-US" dirty="0"/>
+          </a:p>
+        </p:txBody>
+      </p:sp>
+      <p:cxnSp>
+        <p:nvCxnSpPr>
+          <p:cNvPr id="62" name="Straight Arrow Connector 61"/>
+          <p:cNvCxnSpPr/>
+          <p:nvPr/>
+        </p:nvCxnSpPr>
+        <p:spPr>
+          <a:xfrm flipV="1">
+            <a:off x="2419912" y="3665113"/>
+            <a:ext cx="1463387" cy="15532"/>
+          </a:xfrm>
+          <a:prstGeom prst="straightConnector1">
+            <a:avLst/>
+          </a:prstGeom>
+          <a:ln w="63500">
+            <a:tailEnd type="triangle"/>
+          </a:ln>
+        </p:spPr>
+        <p:style>
+          <a:lnRef idx="1">
+            <a:schemeClr val="accent1"/>
+          </a:lnRef>
+          <a:fillRef idx="0">
+            <a:schemeClr val="accent1"/>
+          </a:fillRef>
+          <a:effectRef idx="0">
+            <a:schemeClr val="accent1"/>
+          </a:effectRef>
+          <a:fontRef idx="minor">
+            <a:schemeClr val="tx1"/>
+          </a:fontRef>
+        </p:style>
+      </p:cxnSp>
+      <p:sp>
+        <p:nvSpPr>
+          <p:cNvPr id="63" name="TextBox 62"/>
+          <p:cNvSpPr txBox="1"/>
+          <p:nvPr/>
+        </p:nvSpPr>
+        <p:spPr>
+          <a:xfrm>
+            <a:off x="2168093" y="1810359"/>
+            <a:ext cx="333072" cy="369332"/>
+          </a:xfrm>
+          <a:prstGeom prst="rect">
+            <a:avLst/>
+          </a:prstGeom>
+          <a:noFill/>
+          <a:ln w="25400">
+            <a:solidFill>
+              <a:schemeClr val="accent1">
+                <a:shade val="50000"/>
+              </a:schemeClr>
+            </a:solidFill>
+          </a:ln>
+        </p:spPr>
+        <p:txBody>
+          <a:bodyPr wrap="square" rtlCol="0">
+            <a:spAutoFit/>
+          </a:bodyPr>
+          <a:lstStyle/>
+          <a:p>
+            <a:pPr algn="ctr"/>
+            <a:r>
+              <a:rPr lang="en-US" dirty="0" smtClean="0"/>
+              <a:t>A</a:t>
+            </a:r>
+            <a:endParaRPr lang="en-US" dirty="0"/>
+          </a:p>
+        </p:txBody>
+      </p:sp>
+    </p:spTree>
+    <p:extLst>
+      <p:ext uri="{BB962C8B-B14F-4D97-AF65-F5344CB8AC3E}">
+        <p14:creationId xmlns:p14="http://schemas.microsoft.com/office/powerpoint/2010/main" val="1427749179"/>
+      </p:ext>
+    </p:extLst>
+  </p:cSld>
+  <p:clrMapOvr>
+    <a:masterClrMapping/>
+  </p:clrMapOvr>
+  <p:timing>
+    <p:tnLst>
+      <p:par>
+        <p:cTn id="1" dur="indefinite" restart="never" nodeType="tmRoot"/>
+      </p:par>
+    </p:tnLst>
+  </p:timing>
+</p:sld>
+</file>
+
+<file path=ppt/slides/slide21.xml><?xml version="1.0" encoding="utf-8"?>
+<p:sld xmlns:a="http://schemas.openxmlformats.org/drawingml/2006/main" xmlns:r="http://schemas.openxmlformats.org/officeDocument/2006/relationships" xmlns:p="http://schemas.openxmlformats.org/presentationml/2006/main">
+  <p:cSld>
+    <p:spTree>
+      <p:nvGrpSpPr>
+        <p:cNvPr id="1" name=""/>
+        <p:cNvGrpSpPr/>
+        <p:nvPr/>
+      </p:nvGrpSpPr>
+      <p:grpSpPr>
+        <a:xfrm>
+          <a:off x="0" y="0"/>
+          <a:ext cx="0" cy="0"/>
+          <a:chOff x="0" y="0"/>
+          <a:chExt cx="0" cy="0"/>
+        </a:xfrm>
+      </p:grpSpPr>
+      <p:pic>
+        <p:nvPicPr>
+          <p:cNvPr id="3" name="Picture 2"/>
+          <p:cNvPicPr>
+            <a:picLocks noChangeAspect="1"/>
+          </p:cNvPicPr>
+          <p:nvPr/>
+        </p:nvPicPr>
+        <p:blipFill>
+          <a:blip r:embed="rId2"/>
+          <a:stretch>
+            <a:fillRect/>
+          </a:stretch>
+        </p:blipFill>
+        <p:spPr>
+          <a:xfrm>
+            <a:off x="585214" y="2230650"/>
+            <a:ext cx="1916243" cy="1916243"/>
+          </a:xfrm>
+          <a:prstGeom prst="rect">
+            <a:avLst/>
+          </a:prstGeom>
+        </p:spPr>
+      </p:pic>
+      <p:sp>
+        <p:nvSpPr>
+          <p:cNvPr id="2" name="Rectangle 1"/>
+          <p:cNvSpPr/>
+          <p:nvPr/>
+        </p:nvSpPr>
+        <p:spPr>
+          <a:xfrm>
+            <a:off x="3370962" y="947183"/>
+            <a:ext cx="5008359" cy="369332"/>
+          </a:xfrm>
+          <a:prstGeom prst="rect">
+            <a:avLst/>
+          </a:prstGeom>
+        </p:spPr>
+        <p:txBody>
+          <a:bodyPr wrap="none">
+            <a:spAutoFit/>
+          </a:bodyPr>
+          <a:lstStyle/>
+          <a:p>
+            <a:r>
+              <a:rPr lang="en-US" dirty="0"/>
+              <a:t>Provider Scheduling Work Flow </a:t>
+            </a:r>
+            <a:r>
+              <a:rPr lang="en-US" dirty="0" smtClean="0"/>
+              <a:t>: Update Coverage</a:t>
+            </a:r>
+            <a:endParaRPr lang="en-US" dirty="0"/>
+          </a:p>
+        </p:txBody>
+      </p:sp>
+      <p:sp>
+        <p:nvSpPr>
+          <p:cNvPr id="39" name="Can 38"/>
+          <p:cNvSpPr/>
+          <p:nvPr/>
+        </p:nvSpPr>
+        <p:spPr>
+          <a:xfrm>
+            <a:off x="3883299" y="2390275"/>
+            <a:ext cx="2484820" cy="2258969"/>
+          </a:xfrm>
+          <a:prstGeom prst="can">
+            <a:avLst/>
+          </a:prstGeom>
+        </p:spPr>
+        <p:style>
+          <a:lnRef idx="2">
+            <a:schemeClr val="accent1">
+              <a:shade val="50000"/>
+            </a:schemeClr>
+          </a:lnRef>
+          <a:fillRef idx="1">
+            <a:schemeClr val="accent1"/>
+          </a:fillRef>
+          <a:effectRef idx="0">
+            <a:schemeClr val="accent1"/>
+          </a:effectRef>
+          <a:fontRef idx="minor">
+            <a:schemeClr val="lt1"/>
+          </a:fontRef>
+        </p:style>
+        <p:txBody>
+          <a:bodyPr rtlCol="0" anchor="ctr"/>
+          <a:lstStyle/>
+          <a:p>
+            <a:pPr algn="ctr"/>
+            <a:r>
+              <a:rPr lang="en-US" sz="2400" dirty="0" smtClean="0"/>
+              <a:t>Provider</a:t>
+            </a:r>
+            <a:endParaRPr lang="en-US" sz="2400" dirty="0" smtClean="0"/>
+          </a:p>
+          <a:p>
+            <a:pPr algn="ctr"/>
+            <a:r>
+              <a:rPr lang="en-US" sz="2400" dirty="0" smtClean="0"/>
+              <a:t>Scheduling Application</a:t>
+            </a:r>
+            <a:endParaRPr lang="en-US" sz="2400" dirty="0"/>
+          </a:p>
+        </p:txBody>
+      </p:sp>
+      <p:sp>
+        <p:nvSpPr>
+          <p:cNvPr id="53" name="Can 52"/>
+          <p:cNvSpPr/>
+          <p:nvPr/>
+        </p:nvSpPr>
+        <p:spPr>
+          <a:xfrm>
+            <a:off x="9297574" y="2359802"/>
+            <a:ext cx="2380957" cy="2258969"/>
+          </a:xfrm>
+          <a:prstGeom prst="can">
+            <a:avLst/>
+          </a:prstGeom>
+        </p:spPr>
+        <p:style>
+          <a:lnRef idx="2">
+            <a:schemeClr val="accent1">
+              <a:shade val="50000"/>
+            </a:schemeClr>
+          </a:lnRef>
+          <a:fillRef idx="1">
+            <a:schemeClr val="accent1"/>
+          </a:fillRef>
+          <a:effectRef idx="0">
+            <a:schemeClr val="accent1"/>
+          </a:effectRef>
+          <a:fontRef idx="minor">
+            <a:schemeClr val="lt1"/>
+          </a:fontRef>
+        </p:style>
+        <p:txBody>
+          <a:bodyPr rtlCol="0" anchor="ctr"/>
+          <a:lstStyle/>
+          <a:p>
+            <a:pPr algn="ctr"/>
+            <a:r>
+              <a:rPr lang="en-US" sz="2400" dirty="0" smtClean="0"/>
+              <a:t>FHIR Scheduler, (EHR)</a:t>
+            </a:r>
+            <a:endParaRPr lang="en-US" sz="2400" dirty="0"/>
+          </a:p>
+        </p:txBody>
+      </p:sp>
+      <p:grpSp>
+        <p:nvGrpSpPr>
+          <p:cNvPr id="54" name="Group 53"/>
+          <p:cNvGrpSpPr/>
+          <p:nvPr/>
+        </p:nvGrpSpPr>
+        <p:grpSpPr>
+          <a:xfrm>
+            <a:off x="6482947" y="2743201"/>
+            <a:ext cx="2713910" cy="756504"/>
+            <a:chOff x="-1796260" y="2124752"/>
+            <a:chExt cx="10092590" cy="1022801"/>
+          </a:xfrm>
+        </p:grpSpPr>
+        <p:sp>
+          <p:nvSpPr>
+            <p:cNvPr id="55" name="TextBox 54"/>
+            <p:cNvSpPr txBox="1"/>
+            <p:nvPr/>
+          </p:nvSpPr>
+          <p:spPr>
+            <a:xfrm>
+              <a:off x="1582430" y="2124752"/>
+              <a:ext cx="6255657" cy="873846"/>
+            </a:xfrm>
+            <a:prstGeom prst="rect">
+              <a:avLst/>
+            </a:prstGeom>
+            <a:solidFill>
+              <a:schemeClr val="bg1"/>
+            </a:solidFill>
+            <a:effectLst/>
+          </p:spPr>
+          <p:txBody>
+            <a:bodyPr wrap="square" rtlCol="0">
+              <a:spAutoFit/>
+            </a:bodyPr>
+            <a:lstStyle/>
+            <a:p>
+              <a:r>
+                <a:rPr lang="en-US" dirty="0" smtClean="0"/>
+                <a:t>Update</a:t>
+              </a:r>
+              <a:r>
+                <a:rPr lang="en-US" dirty="0" smtClean="0"/>
+                <a:t> </a:t>
+              </a:r>
+              <a:r>
+                <a:rPr lang="en-US" dirty="0" smtClean="0"/>
+                <a:t>pa</a:t>
+              </a:r>
+              <a:r>
+                <a:rPr lang="en-US" dirty="0" smtClean="0"/>
+                <a:t>tient Coverage</a:t>
+              </a:r>
+              <a:endParaRPr lang="en-US" dirty="0"/>
+            </a:p>
+          </p:txBody>
+        </p:sp>
+        <p:cxnSp>
+          <p:nvCxnSpPr>
+            <p:cNvPr id="56" name="Straight Arrow Connector 55"/>
+            <p:cNvCxnSpPr/>
+            <p:nvPr/>
+          </p:nvCxnSpPr>
+          <p:spPr>
+            <a:xfrm>
+              <a:off x="-1796260" y="3134605"/>
+              <a:ext cx="10092590" cy="12948"/>
+            </a:xfrm>
+            <a:prstGeom prst="straightConnector1">
+              <a:avLst/>
+            </a:prstGeom>
+            <a:ln w="63500">
+              <a:headEnd type="none"/>
+              <a:tailEnd type="triangle"/>
+            </a:ln>
+          </p:spPr>
+          <p:style>
+            <a:lnRef idx="1">
+              <a:schemeClr val="accent1"/>
+            </a:lnRef>
+            <a:fillRef idx="0">
+              <a:schemeClr val="accent1"/>
+            </a:fillRef>
+            <a:effectRef idx="0">
+              <a:schemeClr val="accent1"/>
+            </a:effectRef>
+            <a:fontRef idx="minor">
+              <a:schemeClr val="tx1"/>
+            </a:fontRef>
+          </p:style>
+        </p:cxnSp>
+        <p:sp>
+          <p:nvSpPr>
+            <p:cNvPr id="57" name="TextBox 56"/>
+            <p:cNvSpPr txBox="1"/>
+            <p:nvPr/>
+          </p:nvSpPr>
+          <p:spPr>
+            <a:xfrm>
+              <a:off x="-755766" y="2260347"/>
+              <a:ext cx="1602903" cy="475630"/>
+            </a:xfrm>
+            <a:prstGeom prst="rect">
+              <a:avLst/>
+            </a:prstGeom>
+            <a:noFill/>
+            <a:ln w="25400">
+              <a:solidFill>
+                <a:schemeClr val="accent1">
+                  <a:shade val="50000"/>
+                </a:schemeClr>
+              </a:solidFill>
+            </a:ln>
+          </p:spPr>
+          <p:txBody>
+            <a:bodyPr wrap="square" rtlCol="0">
+              <a:spAutoFit/>
+            </a:bodyPr>
+            <a:lstStyle/>
+            <a:p>
+              <a:pPr algn="ctr"/>
+              <a:r>
+                <a:rPr lang="en-US" dirty="0" smtClean="0"/>
+                <a:t>A</a:t>
+              </a:r>
+              <a:endParaRPr lang="en-US" dirty="0"/>
+            </a:p>
+          </p:txBody>
+        </p:sp>
+      </p:grpSp>
+      <p:cxnSp>
+        <p:nvCxnSpPr>
+          <p:cNvPr id="58" name="Straight Arrow Connector 57"/>
+          <p:cNvCxnSpPr/>
+          <p:nvPr/>
+        </p:nvCxnSpPr>
+        <p:spPr>
+          <a:xfrm>
+            <a:off x="6468835" y="3680645"/>
+            <a:ext cx="2713910" cy="8575"/>
+          </a:xfrm>
+          <a:prstGeom prst="straightConnector1">
+            <a:avLst/>
+          </a:prstGeom>
+          <a:ln w="63500">
+            <a:headEnd type="triangle"/>
+            <a:tailEnd type="none"/>
+          </a:ln>
+        </p:spPr>
+        <p:style>
+          <a:lnRef idx="1">
+            <a:schemeClr val="accent1"/>
+          </a:lnRef>
+          <a:fillRef idx="0">
+            <a:schemeClr val="accent1"/>
+          </a:fillRef>
+          <a:effectRef idx="0">
+            <a:schemeClr val="accent1"/>
+          </a:effectRef>
+          <a:fontRef idx="minor">
+            <a:schemeClr val="tx1"/>
+          </a:fontRef>
+        </p:style>
+      </p:cxnSp>
+      <p:sp>
+        <p:nvSpPr>
+          <p:cNvPr id="59" name="TextBox 58"/>
+          <p:cNvSpPr txBox="1"/>
+          <p:nvPr/>
+        </p:nvSpPr>
+        <p:spPr>
+          <a:xfrm>
+            <a:off x="6483468" y="4003998"/>
+            <a:ext cx="431023" cy="369332"/>
+          </a:xfrm>
+          <a:prstGeom prst="rect">
+            <a:avLst/>
+          </a:prstGeom>
+          <a:noFill/>
+          <a:ln w="25400">
+            <a:solidFill>
+              <a:schemeClr val="accent1">
+                <a:shade val="50000"/>
+              </a:schemeClr>
+            </a:solidFill>
+          </a:ln>
+        </p:spPr>
+        <p:txBody>
+          <a:bodyPr wrap="square" rtlCol="0">
+            <a:spAutoFit/>
+          </a:bodyPr>
+          <a:lstStyle/>
+          <a:p>
+            <a:pPr algn="ctr"/>
+            <a:r>
+              <a:rPr lang="en-US" dirty="0"/>
+              <a:t>A</a:t>
+            </a:r>
+          </a:p>
+        </p:txBody>
+      </p:sp>
+      <p:sp>
+        <p:nvSpPr>
+          <p:cNvPr id="60" name="TextBox 59"/>
+          <p:cNvSpPr txBox="1"/>
+          <p:nvPr/>
+        </p:nvSpPr>
+        <p:spPr>
+          <a:xfrm>
+            <a:off x="7360189" y="3890367"/>
+            <a:ext cx="1682154" cy="646331"/>
+          </a:xfrm>
+          <a:prstGeom prst="rect">
+            <a:avLst/>
+          </a:prstGeom>
+          <a:solidFill>
+            <a:schemeClr val="bg1"/>
+          </a:solidFill>
+          <a:effectLst/>
+        </p:spPr>
+        <p:txBody>
+          <a:bodyPr wrap="square" rtlCol="0">
+            <a:spAutoFit/>
+          </a:bodyPr>
+          <a:lstStyle/>
+          <a:p>
+            <a:r>
+              <a:rPr lang="en-US" dirty="0" smtClean="0"/>
+              <a:t>Return coverage ID</a:t>
+            </a:r>
+            <a:endParaRPr lang="en-US" dirty="0"/>
+          </a:p>
+        </p:txBody>
+      </p:sp>
+      <p:sp>
+        <p:nvSpPr>
+          <p:cNvPr id="61" name="TextBox 60"/>
+          <p:cNvSpPr txBox="1"/>
+          <p:nvPr/>
+        </p:nvSpPr>
+        <p:spPr>
+          <a:xfrm>
+            <a:off x="2119868" y="2199342"/>
+            <a:ext cx="1736532" cy="1477328"/>
+          </a:xfrm>
+          <a:prstGeom prst="rect">
+            <a:avLst/>
+          </a:prstGeom>
+          <a:noFill/>
+        </p:spPr>
+        <p:txBody>
+          <a:bodyPr wrap="square" rtlCol="0">
+            <a:spAutoFit/>
+          </a:bodyPr>
+          <a:lstStyle/>
+          <a:p>
+            <a:r>
+              <a:rPr lang="en-US" dirty="0" smtClean="0"/>
+              <a:t>(optional) End user updates </a:t>
+            </a:r>
+            <a:r>
+              <a:rPr lang="en-US" dirty="0" smtClean="0"/>
+              <a:t>patient coverage information</a:t>
+            </a:r>
+            <a:endParaRPr lang="en-US" dirty="0"/>
+          </a:p>
+        </p:txBody>
+      </p:sp>
+      <p:cxnSp>
+        <p:nvCxnSpPr>
+          <p:cNvPr id="62" name="Straight Arrow Connector 61"/>
+          <p:cNvCxnSpPr/>
+          <p:nvPr/>
+        </p:nvCxnSpPr>
+        <p:spPr>
+          <a:xfrm flipV="1">
+            <a:off x="2419912" y="3665113"/>
+            <a:ext cx="1463387" cy="15532"/>
+          </a:xfrm>
+          <a:prstGeom prst="straightConnector1">
+            <a:avLst/>
+          </a:prstGeom>
+          <a:ln w="63500">
+            <a:tailEnd type="triangle"/>
+          </a:ln>
+        </p:spPr>
+        <p:style>
+          <a:lnRef idx="1">
+            <a:schemeClr val="accent1"/>
+          </a:lnRef>
+          <a:fillRef idx="0">
+            <a:schemeClr val="accent1"/>
+          </a:fillRef>
+          <a:effectRef idx="0">
+            <a:schemeClr val="accent1"/>
+          </a:effectRef>
+          <a:fontRef idx="minor">
+            <a:schemeClr val="tx1"/>
+          </a:fontRef>
+        </p:style>
+      </p:cxnSp>
+      <p:sp>
+        <p:nvSpPr>
+          <p:cNvPr id="63" name="TextBox 62"/>
+          <p:cNvSpPr txBox="1"/>
+          <p:nvPr/>
+        </p:nvSpPr>
+        <p:spPr>
+          <a:xfrm>
+            <a:off x="2168093" y="1810359"/>
+            <a:ext cx="333072" cy="369332"/>
+          </a:xfrm>
+          <a:prstGeom prst="rect">
+            <a:avLst/>
+          </a:prstGeom>
+          <a:noFill/>
+          <a:ln w="25400">
+            <a:solidFill>
+              <a:schemeClr val="accent1">
+                <a:shade val="50000"/>
+              </a:schemeClr>
+            </a:solidFill>
+          </a:ln>
+        </p:spPr>
+        <p:txBody>
+          <a:bodyPr wrap="square" rtlCol="0">
+            <a:spAutoFit/>
+          </a:bodyPr>
+          <a:lstStyle/>
+          <a:p>
+            <a:pPr algn="ctr"/>
+            <a:r>
+              <a:rPr lang="en-US" dirty="0" smtClean="0"/>
+              <a:t>A</a:t>
+            </a:r>
+            <a:endParaRPr lang="en-US" dirty="0"/>
+          </a:p>
+        </p:txBody>
+      </p:sp>
+    </p:spTree>
+    <p:extLst>
+      <p:ext uri="{BB962C8B-B14F-4D97-AF65-F5344CB8AC3E}">
+        <p14:creationId xmlns:p14="http://schemas.microsoft.com/office/powerpoint/2010/main" val="299770467"/>
+      </p:ext>
+    </p:extLst>
+  </p:cSld>
+  <p:clrMapOvr>
+    <a:masterClrMapping/>
+  </p:clrMapOvr>
+  <p:timing>
+    <p:tnLst>
+      <p:par>
+        <p:cTn id="1" dur="indefinite" restart="never" nodeType="tmRoot"/>
+      </p:par>
+    </p:tnLst>
+  </p:timing>
+</p:sld>
+</file>
+
+<file path=ppt/slides/slide22.xml><?xml version="1.0" encoding="utf-8"?>
+<p:sld xmlns:a="http://schemas.openxmlformats.org/drawingml/2006/main" xmlns:r="http://schemas.openxmlformats.org/officeDocument/2006/relationships" xmlns:p="http://schemas.openxmlformats.org/presentationml/2006/main">
+  <p:cSld>
+    <p:spTree>
+      <p:nvGrpSpPr>
+        <p:cNvPr id="1" name=""/>
+        <p:cNvGrpSpPr/>
+        <p:nvPr/>
+      </p:nvGrpSpPr>
+      <p:grpSpPr>
+        <a:xfrm>
+          <a:off x="0" y="0"/>
+          <a:ext cx="0" cy="0"/>
+          <a:chOff x="0" y="0"/>
+          <a:chExt cx="0" cy="0"/>
+        </a:xfrm>
+      </p:grpSpPr>
+      <p:pic>
+        <p:nvPicPr>
+          <p:cNvPr id="3" name="Picture 2"/>
+          <p:cNvPicPr>
+            <a:picLocks noChangeAspect="1"/>
+          </p:cNvPicPr>
+          <p:nvPr/>
+        </p:nvPicPr>
+        <p:blipFill>
+          <a:blip r:embed="rId2"/>
+          <a:stretch>
+            <a:fillRect/>
+          </a:stretch>
+        </p:blipFill>
+        <p:spPr>
+          <a:xfrm>
+            <a:off x="585214" y="2230650"/>
+            <a:ext cx="1916243" cy="1916243"/>
+          </a:xfrm>
+          <a:prstGeom prst="rect">
+            <a:avLst/>
+          </a:prstGeom>
+        </p:spPr>
+      </p:pic>
+      <p:sp>
+        <p:nvSpPr>
+          <p:cNvPr id="2" name="Rectangle 1"/>
+          <p:cNvSpPr/>
+          <p:nvPr/>
+        </p:nvSpPr>
+        <p:spPr>
+          <a:xfrm>
+            <a:off x="3370962" y="947183"/>
+            <a:ext cx="5639044" cy="369332"/>
+          </a:xfrm>
+          <a:prstGeom prst="rect">
+            <a:avLst/>
+          </a:prstGeom>
+        </p:spPr>
+        <p:txBody>
+          <a:bodyPr wrap="none">
+            <a:spAutoFit/>
+          </a:bodyPr>
+          <a:lstStyle/>
+          <a:p>
+            <a:r>
+              <a:rPr lang="en-US" dirty="0"/>
+              <a:t>Provider Scheduling Work Flow :  </a:t>
+            </a:r>
+            <a:r>
+              <a:rPr lang="en-US" dirty="0" smtClean="0"/>
+              <a:t>Appointment Availability</a:t>
+            </a:r>
+            <a:endParaRPr lang="en-US" dirty="0"/>
+          </a:p>
+        </p:txBody>
+      </p:sp>
+      <p:sp>
+        <p:nvSpPr>
+          <p:cNvPr id="39" name="Can 38"/>
+          <p:cNvSpPr/>
+          <p:nvPr/>
+        </p:nvSpPr>
+        <p:spPr>
+          <a:xfrm>
+            <a:off x="3883299" y="2390275"/>
+            <a:ext cx="2484820" cy="2258969"/>
+          </a:xfrm>
+          <a:prstGeom prst="can">
+            <a:avLst/>
+          </a:prstGeom>
+        </p:spPr>
+        <p:style>
+          <a:lnRef idx="2">
+            <a:schemeClr val="accent1">
+              <a:shade val="50000"/>
+            </a:schemeClr>
+          </a:lnRef>
+          <a:fillRef idx="1">
+            <a:schemeClr val="accent1"/>
+          </a:fillRef>
+          <a:effectRef idx="0">
+            <a:schemeClr val="accent1"/>
+          </a:effectRef>
+          <a:fontRef idx="minor">
+            <a:schemeClr val="lt1"/>
+          </a:fontRef>
+        </p:style>
+        <p:txBody>
+          <a:bodyPr rtlCol="0" anchor="ctr"/>
+          <a:lstStyle/>
+          <a:p>
+            <a:pPr algn="ctr"/>
+            <a:r>
+              <a:rPr lang="en-US" sz="2400" dirty="0" smtClean="0"/>
+              <a:t>Provider</a:t>
+            </a:r>
+            <a:endParaRPr lang="en-US" sz="2400" dirty="0" smtClean="0"/>
+          </a:p>
+          <a:p>
+            <a:pPr algn="ctr"/>
+            <a:r>
+              <a:rPr lang="en-US" sz="2400" dirty="0" smtClean="0"/>
+              <a:t>Scheduling Application</a:t>
+            </a:r>
+            <a:endParaRPr lang="en-US" sz="2400" dirty="0"/>
+          </a:p>
+        </p:txBody>
+      </p:sp>
+      <p:sp>
+        <p:nvSpPr>
+          <p:cNvPr id="53" name="Can 52"/>
+          <p:cNvSpPr/>
+          <p:nvPr/>
+        </p:nvSpPr>
+        <p:spPr>
+          <a:xfrm>
+            <a:off x="9297574" y="2359802"/>
+            <a:ext cx="2380957" cy="2258969"/>
+          </a:xfrm>
+          <a:prstGeom prst="can">
+            <a:avLst/>
+          </a:prstGeom>
+        </p:spPr>
+        <p:style>
+          <a:lnRef idx="2">
+            <a:schemeClr val="accent1">
+              <a:shade val="50000"/>
+            </a:schemeClr>
+          </a:lnRef>
+          <a:fillRef idx="1">
+            <a:schemeClr val="accent1"/>
+          </a:fillRef>
+          <a:effectRef idx="0">
+            <a:schemeClr val="accent1"/>
+          </a:effectRef>
+          <a:fontRef idx="minor">
+            <a:schemeClr val="lt1"/>
+          </a:fontRef>
+        </p:style>
+        <p:txBody>
+          <a:bodyPr rtlCol="0" anchor="ctr"/>
+          <a:lstStyle/>
+          <a:p>
+            <a:pPr algn="ctr"/>
+            <a:r>
+              <a:rPr lang="en-US" sz="2400" dirty="0" smtClean="0"/>
+              <a:t>FHIR Scheduler, (EHR)</a:t>
+            </a:r>
+            <a:endParaRPr lang="en-US" sz="2400" dirty="0"/>
+          </a:p>
+        </p:txBody>
+      </p:sp>
+      <p:grpSp>
+        <p:nvGrpSpPr>
+          <p:cNvPr id="20" name="Group 19"/>
+          <p:cNvGrpSpPr/>
+          <p:nvPr/>
+        </p:nvGrpSpPr>
+        <p:grpSpPr>
+          <a:xfrm>
+            <a:off x="6482947" y="2743201"/>
+            <a:ext cx="2713910" cy="756504"/>
+            <a:chOff x="-1796260" y="2124752"/>
+            <a:chExt cx="10092590" cy="1022801"/>
+          </a:xfrm>
+        </p:grpSpPr>
+        <p:sp>
+          <p:nvSpPr>
+            <p:cNvPr id="21" name="TextBox 20"/>
+            <p:cNvSpPr txBox="1"/>
+            <p:nvPr/>
+          </p:nvSpPr>
+          <p:spPr>
+            <a:xfrm>
+              <a:off x="260056" y="2124752"/>
+              <a:ext cx="7983794" cy="873846"/>
+            </a:xfrm>
+            <a:prstGeom prst="rect">
+              <a:avLst/>
+            </a:prstGeom>
+            <a:solidFill>
+              <a:schemeClr val="bg1"/>
+            </a:solidFill>
+            <a:effectLst/>
+          </p:spPr>
+          <p:txBody>
+            <a:bodyPr wrap="square" rtlCol="0">
+              <a:spAutoFit/>
+            </a:bodyPr>
+            <a:lstStyle/>
+            <a:p>
+              <a:r>
+                <a:rPr lang="en-US" dirty="0" smtClean="0"/>
+                <a:t>Search for available appointments</a:t>
+              </a:r>
+              <a:endParaRPr lang="en-US" dirty="0"/>
+            </a:p>
+          </p:txBody>
+        </p:sp>
+        <p:cxnSp>
+          <p:nvCxnSpPr>
+            <p:cNvPr id="22" name="Straight Arrow Connector 21"/>
+            <p:cNvCxnSpPr/>
+            <p:nvPr/>
+          </p:nvCxnSpPr>
+          <p:spPr>
+            <a:xfrm>
+              <a:off x="-1796260" y="3134605"/>
+              <a:ext cx="10092590" cy="12948"/>
+            </a:xfrm>
+            <a:prstGeom prst="straightConnector1">
+              <a:avLst/>
+            </a:prstGeom>
+            <a:ln w="63500">
+              <a:headEnd type="none"/>
+              <a:tailEnd type="triangle"/>
+            </a:ln>
+          </p:spPr>
+          <p:style>
+            <a:lnRef idx="1">
+              <a:schemeClr val="accent1"/>
+            </a:lnRef>
+            <a:fillRef idx="0">
+              <a:schemeClr val="accent1"/>
+            </a:fillRef>
+            <a:effectRef idx="0">
+              <a:schemeClr val="accent1"/>
+            </a:effectRef>
+            <a:fontRef idx="minor">
+              <a:schemeClr val="tx1"/>
+            </a:fontRef>
+          </p:style>
+        </p:cxnSp>
+        <p:sp>
+          <p:nvSpPr>
+            <p:cNvPr id="23" name="TextBox 22"/>
+            <p:cNvSpPr txBox="1"/>
+            <p:nvPr/>
+          </p:nvSpPr>
+          <p:spPr>
+            <a:xfrm>
+              <a:off x="-1771812" y="2209681"/>
+              <a:ext cx="1580394" cy="499340"/>
+            </a:xfrm>
+            <a:prstGeom prst="rect">
+              <a:avLst/>
+            </a:prstGeom>
+            <a:noFill/>
+            <a:ln w="25400">
+              <a:solidFill>
+                <a:schemeClr val="accent1">
+                  <a:shade val="50000"/>
+                </a:schemeClr>
+              </a:solidFill>
+            </a:ln>
+          </p:spPr>
+          <p:txBody>
+            <a:bodyPr wrap="square" rtlCol="0">
+              <a:spAutoFit/>
+            </a:bodyPr>
+            <a:lstStyle/>
+            <a:p>
+              <a:pPr algn="ctr"/>
+              <a:r>
+                <a:rPr lang="en-US" dirty="0" smtClean="0"/>
+                <a:t>A</a:t>
+              </a:r>
+              <a:endParaRPr lang="en-US" dirty="0"/>
+            </a:p>
+          </p:txBody>
+        </p:sp>
+      </p:grpSp>
+      <p:cxnSp>
+        <p:nvCxnSpPr>
+          <p:cNvPr id="24" name="Straight Arrow Connector 23"/>
+          <p:cNvCxnSpPr/>
+          <p:nvPr/>
+        </p:nvCxnSpPr>
+        <p:spPr>
+          <a:xfrm>
+            <a:off x="6468835" y="3680645"/>
+            <a:ext cx="2713910" cy="8575"/>
+          </a:xfrm>
+          <a:prstGeom prst="straightConnector1">
+            <a:avLst/>
+          </a:prstGeom>
+          <a:ln w="63500">
+            <a:headEnd type="triangle"/>
+            <a:tailEnd type="none"/>
+          </a:ln>
+        </p:spPr>
+        <p:style>
+          <a:lnRef idx="1">
+            <a:schemeClr val="accent1"/>
+          </a:lnRef>
+          <a:fillRef idx="0">
+            <a:schemeClr val="accent1"/>
+          </a:fillRef>
+          <a:effectRef idx="0">
+            <a:schemeClr val="accent1"/>
+          </a:effectRef>
+          <a:fontRef idx="minor">
+            <a:schemeClr val="tx1"/>
+          </a:fontRef>
+        </p:style>
+      </p:cxnSp>
+      <p:sp>
+        <p:nvSpPr>
+          <p:cNvPr id="25" name="TextBox 24"/>
+          <p:cNvSpPr txBox="1"/>
+          <p:nvPr/>
+        </p:nvSpPr>
+        <p:spPr>
+          <a:xfrm>
+            <a:off x="6483468" y="4003998"/>
+            <a:ext cx="431023" cy="369332"/>
+          </a:xfrm>
+          <a:prstGeom prst="rect">
+            <a:avLst/>
+          </a:prstGeom>
+          <a:noFill/>
+          <a:ln w="25400">
+            <a:solidFill>
+              <a:schemeClr val="accent1">
+                <a:shade val="50000"/>
+              </a:schemeClr>
+            </a:solidFill>
+          </a:ln>
+        </p:spPr>
+        <p:txBody>
+          <a:bodyPr wrap="square" rtlCol="0">
+            <a:spAutoFit/>
+          </a:bodyPr>
+          <a:lstStyle/>
+          <a:p>
+            <a:pPr algn="ctr"/>
+            <a:r>
+              <a:rPr lang="en-US" dirty="0"/>
+              <a:t>A</a:t>
+            </a:r>
+          </a:p>
+        </p:txBody>
+      </p:sp>
+      <p:sp>
+        <p:nvSpPr>
+          <p:cNvPr id="26" name="TextBox 25"/>
+          <p:cNvSpPr txBox="1"/>
+          <p:nvPr/>
+        </p:nvSpPr>
+        <p:spPr>
+          <a:xfrm>
+            <a:off x="7035893" y="3890367"/>
+            <a:ext cx="2006450" cy="646331"/>
+          </a:xfrm>
+          <a:prstGeom prst="rect">
+            <a:avLst/>
+          </a:prstGeom>
+          <a:solidFill>
+            <a:schemeClr val="bg1"/>
+          </a:solidFill>
+          <a:effectLst/>
+        </p:spPr>
+        <p:txBody>
+          <a:bodyPr wrap="square" rtlCol="0">
+            <a:spAutoFit/>
+          </a:bodyPr>
+          <a:lstStyle/>
+          <a:p>
+            <a:r>
+              <a:rPr lang="en-US" dirty="0" smtClean="0"/>
+              <a:t>Returns available appointments</a:t>
+            </a:r>
+            <a:endParaRPr lang="en-US" dirty="0"/>
+          </a:p>
+        </p:txBody>
+      </p:sp>
+      <p:sp>
+        <p:nvSpPr>
+          <p:cNvPr id="32" name="TextBox 31"/>
+          <p:cNvSpPr txBox="1"/>
+          <p:nvPr/>
+        </p:nvSpPr>
+        <p:spPr>
+          <a:xfrm>
+            <a:off x="2119868" y="2199342"/>
+            <a:ext cx="1736532" cy="1477328"/>
+          </a:xfrm>
+          <a:prstGeom prst="rect">
+            <a:avLst/>
+          </a:prstGeom>
+          <a:noFill/>
+        </p:spPr>
+        <p:txBody>
+          <a:bodyPr wrap="square" rtlCol="0">
+            <a:spAutoFit/>
+          </a:bodyPr>
+          <a:lstStyle/>
+          <a:p>
+            <a:r>
+              <a:rPr lang="en-US" dirty="0" smtClean="0"/>
+              <a:t>(optional) End user provides information (</a:t>
+            </a:r>
+            <a:r>
+              <a:rPr lang="en-US" dirty="0" err="1" smtClean="0"/>
+              <a:t>e.g.,preferred</a:t>
+            </a:r>
+            <a:r>
+              <a:rPr lang="en-US" dirty="0" smtClean="0"/>
+              <a:t> times)</a:t>
+            </a:r>
+            <a:endParaRPr lang="en-US" dirty="0"/>
+          </a:p>
+        </p:txBody>
+      </p:sp>
+      <p:cxnSp>
+        <p:nvCxnSpPr>
+          <p:cNvPr id="33" name="Straight Arrow Connector 32"/>
+          <p:cNvCxnSpPr/>
+          <p:nvPr/>
+        </p:nvCxnSpPr>
+        <p:spPr>
+          <a:xfrm flipV="1">
+            <a:off x="2419912" y="3665113"/>
+            <a:ext cx="1463387" cy="15532"/>
+          </a:xfrm>
+          <a:prstGeom prst="straightConnector1">
+            <a:avLst/>
+          </a:prstGeom>
+          <a:ln w="63500">
+            <a:tailEnd type="triangle"/>
+          </a:ln>
+        </p:spPr>
+        <p:style>
+          <a:lnRef idx="1">
+            <a:schemeClr val="accent1"/>
+          </a:lnRef>
+          <a:fillRef idx="0">
+            <a:schemeClr val="accent1"/>
+          </a:fillRef>
+          <a:effectRef idx="0">
+            <a:schemeClr val="accent1"/>
+          </a:effectRef>
+          <a:fontRef idx="minor">
+            <a:schemeClr val="tx1"/>
+          </a:fontRef>
+        </p:style>
+      </p:cxnSp>
+      <p:sp>
+        <p:nvSpPr>
+          <p:cNvPr id="35" name="TextBox 34"/>
+          <p:cNvSpPr txBox="1"/>
+          <p:nvPr/>
+        </p:nvSpPr>
+        <p:spPr>
+          <a:xfrm>
+            <a:off x="2168093" y="1810359"/>
+            <a:ext cx="333072" cy="369332"/>
+          </a:xfrm>
+          <a:prstGeom prst="rect">
+            <a:avLst/>
+          </a:prstGeom>
+          <a:noFill/>
+          <a:ln w="25400">
+            <a:solidFill>
+              <a:schemeClr val="accent1">
+                <a:shade val="50000"/>
+              </a:schemeClr>
+            </a:solidFill>
+          </a:ln>
+        </p:spPr>
+        <p:txBody>
+          <a:bodyPr wrap="square" rtlCol="0">
+            <a:spAutoFit/>
+          </a:bodyPr>
+          <a:lstStyle/>
+          <a:p>
+            <a:pPr algn="ctr"/>
+            <a:r>
+              <a:rPr lang="en-US" dirty="0" smtClean="0"/>
+              <a:t>A</a:t>
+            </a:r>
+            <a:endParaRPr lang="en-US" dirty="0"/>
+          </a:p>
+        </p:txBody>
+      </p:sp>
+    </p:spTree>
+    <p:extLst>
+      <p:ext uri="{BB962C8B-B14F-4D97-AF65-F5344CB8AC3E}">
+        <p14:creationId xmlns:p14="http://schemas.microsoft.com/office/powerpoint/2010/main" val="651076678"/>
+      </p:ext>
+    </p:extLst>
+  </p:cSld>
+  <p:clrMapOvr>
+    <a:masterClrMapping/>
+  </p:clrMapOvr>
+  <p:timing>
+    <p:tnLst>
+      <p:par>
+        <p:cTn id="1" dur="indefinite" restart="never" nodeType="tmRoot"/>
+      </p:par>
+    </p:tnLst>
+  </p:timing>
+</p:sld>
+</file>
+
+<file path=ppt/slides/slide23.xml><?xml version="1.0" encoding="utf-8"?>
+<p:sld xmlns:a="http://schemas.openxmlformats.org/drawingml/2006/main" xmlns:r="http://schemas.openxmlformats.org/officeDocument/2006/relationships" xmlns:p="http://schemas.openxmlformats.org/presentationml/2006/main">
+  <p:cSld>
+    <p:spTree>
+      <p:nvGrpSpPr>
+        <p:cNvPr id="1" name=""/>
+        <p:cNvGrpSpPr/>
+        <p:nvPr/>
+      </p:nvGrpSpPr>
+      <p:grpSpPr>
+        <a:xfrm>
+          <a:off x="0" y="0"/>
+          <a:ext cx="0" cy="0"/>
+          <a:chOff x="0" y="0"/>
+          <a:chExt cx="0" cy="0"/>
+        </a:xfrm>
+      </p:grpSpPr>
+      <p:pic>
+        <p:nvPicPr>
+          <p:cNvPr id="3" name="Picture 2"/>
+          <p:cNvPicPr>
+            <a:picLocks noChangeAspect="1"/>
+          </p:cNvPicPr>
+          <p:nvPr/>
+        </p:nvPicPr>
+        <p:blipFill>
+          <a:blip r:embed="rId2"/>
+          <a:stretch>
+            <a:fillRect/>
+          </a:stretch>
+        </p:blipFill>
+        <p:spPr>
+          <a:xfrm>
+            <a:off x="585214" y="2230650"/>
+            <a:ext cx="1916243" cy="1916243"/>
+          </a:xfrm>
+          <a:prstGeom prst="rect">
+            <a:avLst/>
+          </a:prstGeom>
+        </p:spPr>
+      </p:pic>
+      <p:sp>
+        <p:nvSpPr>
+          <p:cNvPr id="2" name="Rectangle 1"/>
+          <p:cNvSpPr/>
+          <p:nvPr/>
+        </p:nvSpPr>
+        <p:spPr>
+          <a:xfrm>
+            <a:off x="3370962" y="947183"/>
+            <a:ext cx="5639044" cy="369332"/>
+          </a:xfrm>
+          <a:prstGeom prst="rect">
+            <a:avLst/>
+          </a:prstGeom>
+        </p:spPr>
+        <p:txBody>
+          <a:bodyPr wrap="none">
+            <a:spAutoFit/>
+          </a:bodyPr>
+          <a:lstStyle/>
+          <a:p>
+            <a:r>
+              <a:rPr lang="en-US" dirty="0"/>
+              <a:t>Provider Scheduling Work Flow :  Hold/Book Appointment</a:t>
+            </a:r>
+            <a:endParaRPr lang="en-US" dirty="0"/>
+          </a:p>
+        </p:txBody>
+      </p:sp>
+      <p:sp>
+        <p:nvSpPr>
+          <p:cNvPr id="39" name="Can 38"/>
+          <p:cNvSpPr/>
+          <p:nvPr/>
+        </p:nvSpPr>
+        <p:spPr>
+          <a:xfrm>
+            <a:off x="3883299" y="2390275"/>
+            <a:ext cx="2484820" cy="2258969"/>
+          </a:xfrm>
+          <a:prstGeom prst="can">
+            <a:avLst/>
+          </a:prstGeom>
+        </p:spPr>
+        <p:style>
+          <a:lnRef idx="2">
+            <a:schemeClr val="accent1">
+              <a:shade val="50000"/>
+            </a:schemeClr>
+          </a:lnRef>
+          <a:fillRef idx="1">
+            <a:schemeClr val="accent1"/>
+          </a:fillRef>
+          <a:effectRef idx="0">
+            <a:schemeClr val="accent1"/>
+          </a:effectRef>
+          <a:fontRef idx="minor">
+            <a:schemeClr val="lt1"/>
+          </a:fontRef>
+        </p:style>
+        <p:txBody>
+          <a:bodyPr rtlCol="0" anchor="ctr"/>
+          <a:lstStyle/>
+          <a:p>
+            <a:pPr algn="ctr"/>
+            <a:r>
+              <a:rPr lang="en-US" sz="2400" dirty="0" smtClean="0"/>
+              <a:t>Provider</a:t>
+            </a:r>
+            <a:endParaRPr lang="en-US" sz="2400" dirty="0" smtClean="0"/>
+          </a:p>
+          <a:p>
+            <a:pPr algn="ctr"/>
+            <a:r>
+              <a:rPr lang="en-US" sz="2400" dirty="0" smtClean="0"/>
+              <a:t>Scheduling Application</a:t>
+            </a:r>
+            <a:endParaRPr lang="en-US" sz="2400" dirty="0"/>
+          </a:p>
+        </p:txBody>
+      </p:sp>
+      <p:sp>
+        <p:nvSpPr>
+          <p:cNvPr id="53" name="Can 52"/>
+          <p:cNvSpPr/>
+          <p:nvPr/>
+        </p:nvSpPr>
+        <p:spPr>
+          <a:xfrm>
+            <a:off x="9297574" y="2359802"/>
+            <a:ext cx="2380957" cy="2258969"/>
+          </a:xfrm>
+          <a:prstGeom prst="can">
+            <a:avLst/>
+          </a:prstGeom>
+        </p:spPr>
+        <p:style>
+          <a:lnRef idx="2">
+            <a:schemeClr val="accent1">
+              <a:shade val="50000"/>
+            </a:schemeClr>
+          </a:lnRef>
+          <a:fillRef idx="1">
+            <a:schemeClr val="accent1"/>
+          </a:fillRef>
+          <a:effectRef idx="0">
+            <a:schemeClr val="accent1"/>
+          </a:effectRef>
+          <a:fontRef idx="minor">
+            <a:schemeClr val="lt1"/>
+          </a:fontRef>
+        </p:style>
+        <p:txBody>
+          <a:bodyPr rtlCol="0" anchor="ctr"/>
+          <a:lstStyle/>
+          <a:p>
+            <a:pPr algn="ctr"/>
+            <a:r>
+              <a:rPr lang="en-US" sz="2400" dirty="0" smtClean="0"/>
+              <a:t>FHIR Scheduler, (EHR)</a:t>
+            </a:r>
+            <a:endParaRPr lang="en-US" sz="2400" dirty="0"/>
+          </a:p>
+        </p:txBody>
+      </p:sp>
+      <p:grpSp>
+        <p:nvGrpSpPr>
+          <p:cNvPr id="20" name="Group 19"/>
+          <p:cNvGrpSpPr/>
+          <p:nvPr/>
+        </p:nvGrpSpPr>
+        <p:grpSpPr>
+          <a:xfrm>
+            <a:off x="6482947" y="2719537"/>
+            <a:ext cx="2713910" cy="780169"/>
+            <a:chOff x="-1796260" y="2092757"/>
+            <a:chExt cx="10092590" cy="1054796"/>
+          </a:xfrm>
+        </p:grpSpPr>
+        <p:sp>
+          <p:nvSpPr>
+            <p:cNvPr id="21" name="TextBox 20"/>
+            <p:cNvSpPr txBox="1"/>
+            <p:nvPr/>
+          </p:nvSpPr>
+          <p:spPr>
+            <a:xfrm>
+              <a:off x="260056" y="2092757"/>
+              <a:ext cx="7983794" cy="873846"/>
+            </a:xfrm>
+            <a:prstGeom prst="rect">
+              <a:avLst/>
+            </a:prstGeom>
+            <a:solidFill>
+              <a:schemeClr val="bg1"/>
+            </a:solidFill>
+            <a:effectLst/>
+          </p:spPr>
+          <p:txBody>
+            <a:bodyPr wrap="square" rtlCol="0">
+              <a:spAutoFit/>
+            </a:bodyPr>
+            <a:lstStyle/>
+            <a:p>
+              <a:r>
+                <a:rPr lang="en-US" dirty="0" smtClean="0"/>
+                <a:t>Holds/Books </a:t>
+              </a:r>
+              <a:r>
+                <a:rPr lang="en-US" dirty="0"/>
+                <a:t>Appointment</a:t>
+              </a:r>
+              <a:endParaRPr lang="en-US" dirty="0"/>
+            </a:p>
+          </p:txBody>
+        </p:sp>
+        <p:cxnSp>
+          <p:nvCxnSpPr>
+            <p:cNvPr id="22" name="Straight Arrow Connector 21"/>
+            <p:cNvCxnSpPr/>
+            <p:nvPr/>
+          </p:nvCxnSpPr>
+          <p:spPr>
+            <a:xfrm>
+              <a:off x="-1796260" y="3134605"/>
+              <a:ext cx="10092590" cy="12948"/>
+            </a:xfrm>
+            <a:prstGeom prst="straightConnector1">
+              <a:avLst/>
+            </a:prstGeom>
+            <a:ln w="63500">
+              <a:headEnd type="none"/>
+              <a:tailEnd type="triangle"/>
+            </a:ln>
+          </p:spPr>
+          <p:style>
+            <a:lnRef idx="1">
+              <a:schemeClr val="accent1"/>
+            </a:lnRef>
+            <a:fillRef idx="0">
+              <a:schemeClr val="accent1"/>
+            </a:fillRef>
+            <a:effectRef idx="0">
+              <a:schemeClr val="accent1"/>
+            </a:effectRef>
+            <a:fontRef idx="minor">
+              <a:schemeClr val="tx1"/>
+            </a:fontRef>
+          </p:style>
+        </p:cxnSp>
+        <p:sp>
+          <p:nvSpPr>
+            <p:cNvPr id="23" name="TextBox 22"/>
+            <p:cNvSpPr txBox="1"/>
+            <p:nvPr/>
+          </p:nvSpPr>
+          <p:spPr>
+            <a:xfrm>
+              <a:off x="-1771812" y="2209681"/>
+              <a:ext cx="1580394" cy="499340"/>
+            </a:xfrm>
+            <a:prstGeom prst="rect">
+              <a:avLst/>
+            </a:prstGeom>
+            <a:noFill/>
+            <a:ln w="25400">
+              <a:solidFill>
+                <a:schemeClr val="accent1">
+                  <a:shade val="50000"/>
+                </a:schemeClr>
+              </a:solidFill>
+            </a:ln>
+          </p:spPr>
+          <p:txBody>
+            <a:bodyPr wrap="square" rtlCol="0">
+              <a:spAutoFit/>
+            </a:bodyPr>
+            <a:lstStyle/>
+            <a:p>
+              <a:pPr algn="ctr"/>
+              <a:r>
+                <a:rPr lang="en-US" dirty="0" smtClean="0"/>
+                <a:t>A</a:t>
+              </a:r>
+              <a:endParaRPr lang="en-US" dirty="0"/>
+            </a:p>
+          </p:txBody>
+        </p:sp>
+      </p:grpSp>
+      <p:cxnSp>
+        <p:nvCxnSpPr>
+          <p:cNvPr id="24" name="Straight Arrow Connector 23"/>
+          <p:cNvCxnSpPr/>
+          <p:nvPr/>
+        </p:nvCxnSpPr>
+        <p:spPr>
+          <a:xfrm>
+            <a:off x="6468835" y="3680645"/>
+            <a:ext cx="2713910" cy="8575"/>
+          </a:xfrm>
+          <a:prstGeom prst="straightConnector1">
+            <a:avLst/>
+          </a:prstGeom>
+          <a:ln w="63500">
+            <a:headEnd type="triangle"/>
+            <a:tailEnd type="none"/>
+          </a:ln>
+        </p:spPr>
+        <p:style>
+          <a:lnRef idx="1">
+            <a:schemeClr val="accent1"/>
+          </a:lnRef>
+          <a:fillRef idx="0">
+            <a:schemeClr val="accent1"/>
+          </a:fillRef>
+          <a:effectRef idx="0">
+            <a:schemeClr val="accent1"/>
+          </a:effectRef>
+          <a:fontRef idx="minor">
+            <a:schemeClr val="tx1"/>
+          </a:fontRef>
+        </p:style>
+      </p:cxnSp>
+      <p:sp>
+        <p:nvSpPr>
+          <p:cNvPr id="25" name="TextBox 24"/>
+          <p:cNvSpPr txBox="1"/>
+          <p:nvPr/>
+        </p:nvSpPr>
+        <p:spPr>
+          <a:xfrm>
+            <a:off x="6483468" y="4003998"/>
+            <a:ext cx="431023" cy="369332"/>
+          </a:xfrm>
+          <a:prstGeom prst="rect">
+            <a:avLst/>
+          </a:prstGeom>
+          <a:noFill/>
+          <a:ln w="25400">
+            <a:solidFill>
+              <a:schemeClr val="accent1">
+                <a:shade val="50000"/>
+              </a:schemeClr>
+            </a:solidFill>
+          </a:ln>
+        </p:spPr>
+        <p:txBody>
+          <a:bodyPr wrap="square" rtlCol="0">
+            <a:spAutoFit/>
+          </a:bodyPr>
+          <a:lstStyle/>
+          <a:p>
+            <a:pPr algn="ctr"/>
+            <a:r>
+              <a:rPr lang="en-US" dirty="0"/>
+              <a:t>A</a:t>
+            </a:r>
+          </a:p>
+        </p:txBody>
+      </p:sp>
+      <p:sp>
+        <p:nvSpPr>
+          <p:cNvPr id="26" name="TextBox 25"/>
+          <p:cNvSpPr txBox="1"/>
+          <p:nvPr/>
+        </p:nvSpPr>
+        <p:spPr>
+          <a:xfrm>
+            <a:off x="6914492" y="3890367"/>
+            <a:ext cx="2282366" cy="923330"/>
+          </a:xfrm>
+          <a:prstGeom prst="rect">
+            <a:avLst/>
+          </a:prstGeom>
+          <a:solidFill>
+            <a:schemeClr val="bg1"/>
+          </a:solidFill>
+          <a:effectLst/>
+        </p:spPr>
+        <p:txBody>
+          <a:bodyPr wrap="square" rtlCol="0">
+            <a:spAutoFit/>
+          </a:bodyPr>
+          <a:lstStyle/>
+          <a:p>
+            <a:r>
+              <a:rPr lang="en-US" dirty="0" smtClean="0"/>
+              <a:t>Returns Confirmation with patient ID </a:t>
+            </a:r>
+            <a:r>
+              <a:rPr lang="en-US" dirty="0"/>
+              <a:t>or Rejection</a:t>
+            </a:r>
+            <a:endParaRPr lang="en-US" dirty="0"/>
+          </a:p>
+        </p:txBody>
+      </p:sp>
+      <p:sp>
+        <p:nvSpPr>
+          <p:cNvPr id="13" name="TextBox 12"/>
+          <p:cNvSpPr txBox="1"/>
+          <p:nvPr/>
+        </p:nvSpPr>
+        <p:spPr>
+          <a:xfrm>
+            <a:off x="2104435" y="2261452"/>
+            <a:ext cx="1736532" cy="923330"/>
+          </a:xfrm>
+          <a:prstGeom prst="rect">
+            <a:avLst/>
+          </a:prstGeom>
+          <a:noFill/>
+        </p:spPr>
+        <p:txBody>
+          <a:bodyPr wrap="square" rtlCol="0">
+            <a:spAutoFit/>
+          </a:bodyPr>
+          <a:lstStyle/>
+          <a:p>
+            <a:r>
+              <a:rPr lang="en-US" dirty="0" smtClean="0"/>
+              <a:t>End user selects from available appointments</a:t>
+            </a:r>
+            <a:endParaRPr lang="en-US" dirty="0"/>
+          </a:p>
+        </p:txBody>
+      </p:sp>
+      <p:cxnSp>
+        <p:nvCxnSpPr>
+          <p:cNvPr id="14" name="Straight Arrow Connector 13"/>
+          <p:cNvCxnSpPr/>
+          <p:nvPr/>
+        </p:nvCxnSpPr>
+        <p:spPr>
+          <a:xfrm flipV="1">
+            <a:off x="2319196" y="3361487"/>
+            <a:ext cx="1463387" cy="15532"/>
+          </a:xfrm>
+          <a:prstGeom prst="straightConnector1">
+            <a:avLst/>
+          </a:prstGeom>
+          <a:ln w="63500">
+            <a:tailEnd type="triangle"/>
+          </a:ln>
+        </p:spPr>
+        <p:style>
+          <a:lnRef idx="1">
+            <a:schemeClr val="accent1"/>
+          </a:lnRef>
+          <a:fillRef idx="0">
+            <a:schemeClr val="accent1"/>
+          </a:fillRef>
+          <a:effectRef idx="0">
+            <a:schemeClr val="accent1"/>
+          </a:effectRef>
+          <a:fontRef idx="minor">
+            <a:schemeClr val="tx1"/>
+          </a:fontRef>
+        </p:style>
+      </p:cxnSp>
+      <p:cxnSp>
+        <p:nvCxnSpPr>
+          <p:cNvPr id="15" name="Straight Arrow Connector 14"/>
+          <p:cNvCxnSpPr/>
+          <p:nvPr/>
+        </p:nvCxnSpPr>
+        <p:spPr>
+          <a:xfrm flipV="1">
+            <a:off x="2280186" y="3689220"/>
+            <a:ext cx="1502397" cy="11151"/>
+          </a:xfrm>
+          <a:prstGeom prst="straightConnector1">
+            <a:avLst/>
+          </a:prstGeom>
+          <a:ln w="63500">
+            <a:headEnd type="triangle"/>
+            <a:tailEnd type="none"/>
+          </a:ln>
+        </p:spPr>
+        <p:style>
+          <a:lnRef idx="1">
+            <a:schemeClr val="accent1"/>
+          </a:lnRef>
+          <a:fillRef idx="0">
+            <a:schemeClr val="accent1"/>
+          </a:fillRef>
+          <a:effectRef idx="0">
+            <a:schemeClr val="accent1"/>
+          </a:effectRef>
+          <a:fontRef idx="minor">
+            <a:schemeClr val="tx1"/>
+          </a:fontRef>
+        </p:style>
+      </p:cxnSp>
+      <p:sp>
+        <p:nvSpPr>
+          <p:cNvPr id="16" name="TextBox 15"/>
+          <p:cNvSpPr txBox="1"/>
+          <p:nvPr/>
+        </p:nvSpPr>
+        <p:spPr>
+          <a:xfrm>
+            <a:off x="2280185" y="3920203"/>
+            <a:ext cx="1767708" cy="1200329"/>
+          </a:xfrm>
+          <a:prstGeom prst="rect">
+            <a:avLst/>
+          </a:prstGeom>
+          <a:noFill/>
+        </p:spPr>
+        <p:txBody>
+          <a:bodyPr wrap="square" rtlCol="0">
+            <a:spAutoFit/>
+          </a:bodyPr>
+          <a:lstStyle/>
+          <a:p>
+            <a:r>
+              <a:rPr lang="en-US" dirty="0" smtClean="0"/>
+              <a:t>Confirms booking </a:t>
+            </a:r>
+            <a:r>
+              <a:rPr lang="en-US" dirty="0"/>
+              <a:t>or </a:t>
+            </a:r>
+            <a:r>
+              <a:rPr lang="en-US" dirty="0" smtClean="0"/>
+              <a:t>notified </a:t>
+            </a:r>
+            <a:r>
+              <a:rPr lang="en-US" dirty="0"/>
+              <a:t>of rejection</a:t>
+            </a:r>
+            <a:endParaRPr lang="en-US" dirty="0"/>
+          </a:p>
+        </p:txBody>
+      </p:sp>
+      <p:sp>
+        <p:nvSpPr>
+          <p:cNvPr id="17" name="TextBox 16"/>
+          <p:cNvSpPr txBox="1"/>
+          <p:nvPr/>
+        </p:nvSpPr>
+        <p:spPr>
+          <a:xfrm>
+            <a:off x="2152660" y="1872469"/>
+            <a:ext cx="333072" cy="369332"/>
+          </a:xfrm>
+          <a:prstGeom prst="rect">
+            <a:avLst/>
+          </a:prstGeom>
+          <a:noFill/>
+          <a:ln w="25400">
+            <a:solidFill>
+              <a:schemeClr val="accent1">
+                <a:shade val="50000"/>
+              </a:schemeClr>
+            </a:solidFill>
+          </a:ln>
+        </p:spPr>
+        <p:txBody>
+          <a:bodyPr wrap="square" rtlCol="0">
+            <a:spAutoFit/>
+          </a:bodyPr>
+          <a:lstStyle/>
+          <a:p>
+            <a:pPr algn="ctr"/>
+            <a:r>
+              <a:rPr lang="en-US" dirty="0"/>
+              <a:t>A</a:t>
+            </a:r>
+            <a:endParaRPr lang="en-US" dirty="0"/>
+          </a:p>
+        </p:txBody>
+      </p:sp>
+      <p:sp>
+        <p:nvSpPr>
+          <p:cNvPr id="18" name="TextBox 17"/>
+          <p:cNvSpPr txBox="1"/>
+          <p:nvPr/>
+        </p:nvSpPr>
+        <p:spPr>
+          <a:xfrm>
+            <a:off x="3370962" y="3909799"/>
+            <a:ext cx="415619" cy="369332"/>
+          </a:xfrm>
+          <a:prstGeom prst="rect">
+            <a:avLst/>
+          </a:prstGeom>
+          <a:noFill/>
+          <a:ln w="25400">
+            <a:solidFill>
+              <a:schemeClr val="accent1">
+                <a:shade val="50000"/>
+              </a:schemeClr>
+            </a:solidFill>
+          </a:ln>
+        </p:spPr>
+        <p:txBody>
+          <a:bodyPr wrap="square" rtlCol="0">
+            <a:spAutoFit/>
+          </a:bodyPr>
+          <a:lstStyle/>
+          <a:p>
+            <a:pPr algn="ctr"/>
+            <a:r>
+              <a:rPr lang="en-US" dirty="0"/>
+              <a:t>A</a:t>
+            </a:r>
+            <a:endParaRPr lang="en-US" dirty="0"/>
+          </a:p>
+        </p:txBody>
+      </p:sp>
+      <p:sp>
+        <p:nvSpPr>
+          <p:cNvPr id="31" name="Circular Arrow 30"/>
+          <p:cNvSpPr/>
+          <p:nvPr/>
+        </p:nvSpPr>
+        <p:spPr>
+          <a:xfrm rot="10800000">
+            <a:off x="10080703" y="4094465"/>
+            <a:ext cx="978408" cy="1391850"/>
+          </a:xfrm>
+          <a:prstGeom prst="circularArrow">
+            <a:avLst/>
+          </a:prstGeom>
+          <a:solidFill>
+            <a:schemeClr val="accent1"/>
+          </a:solidFill>
+          <a:ln w="12700">
+            <a:solidFill>
+              <a:schemeClr val="accent1">
+                <a:shade val="50000"/>
+              </a:schemeClr>
+            </a:solidFill>
+          </a:ln>
+        </p:spPr>
+        <p:style>
+          <a:lnRef idx="2">
+            <a:schemeClr val="accent1">
+              <a:shade val="50000"/>
+            </a:schemeClr>
+          </a:lnRef>
+          <a:fillRef idx="1">
+            <a:schemeClr val="accent1"/>
+          </a:fillRef>
+          <a:effectRef idx="0">
+            <a:schemeClr val="accent1"/>
+          </a:effectRef>
+          <a:fontRef idx="minor">
+            <a:schemeClr val="lt1"/>
+          </a:fontRef>
+        </p:style>
+        <p:txBody>
+          <a:bodyPr rtlCol="0" anchor="ctr"/>
+          <a:lstStyle/>
+          <a:p>
+            <a:pPr algn="ctr"/>
+            <a:endParaRPr lang="en-US">
+              <a:solidFill>
+                <a:schemeClr val="tx1"/>
+              </a:solidFill>
+            </a:endParaRPr>
+          </a:p>
+        </p:txBody>
+      </p:sp>
+      <p:sp>
+        <p:nvSpPr>
+          <p:cNvPr id="34" name="Rectangle 33"/>
+          <p:cNvSpPr/>
+          <p:nvPr/>
+        </p:nvSpPr>
+        <p:spPr>
+          <a:xfrm>
+            <a:off x="9254188" y="5486316"/>
+            <a:ext cx="2467727" cy="369332"/>
+          </a:xfrm>
+          <a:prstGeom prst="rect">
+            <a:avLst/>
+          </a:prstGeom>
+        </p:spPr>
+        <p:txBody>
+          <a:bodyPr wrap="none">
+            <a:spAutoFit/>
+          </a:bodyPr>
+          <a:lstStyle/>
+          <a:p>
+            <a:r>
+              <a:rPr lang="en-US" dirty="0" smtClean="0"/>
+              <a:t>New patient registration</a:t>
+            </a:r>
+            <a:endParaRPr lang="en-US" dirty="0"/>
+          </a:p>
+        </p:txBody>
+      </p:sp>
+    </p:spTree>
+    <p:extLst>
+      <p:ext uri="{BB962C8B-B14F-4D97-AF65-F5344CB8AC3E}">
+        <p14:creationId xmlns:p14="http://schemas.microsoft.com/office/powerpoint/2010/main" val="167979971"/>
+      </p:ext>
+    </p:extLst>
+  </p:cSld>
+  <p:clrMapOvr>
+    <a:masterClrMapping/>
+  </p:clrMapOvr>
+  <p:timing>
+    <p:tnLst>
+      <p:par>
+        <p:cTn id="1" dur="indefinite" restart="never" nodeType="tmRoot"/>
+      </p:par>
+    </p:tnLst>
+  </p:timing>
+</p:sld>
+</file>
+
+<file path=ppt/slides/slide24.xml><?xml version="1.0" encoding="utf-8"?>
+<p:sld xmlns:a="http://schemas.openxmlformats.org/drawingml/2006/main" xmlns:r="http://schemas.openxmlformats.org/officeDocument/2006/relationships" xmlns:p="http://schemas.openxmlformats.org/presentationml/2006/main">
+  <p:cSld>
+    <p:spTree>
+      <p:nvGrpSpPr>
+        <p:cNvPr id="1" name=""/>
+        <p:cNvGrpSpPr/>
+        <p:nvPr/>
+      </p:nvGrpSpPr>
+      <p:grpSpPr>
+        <a:xfrm>
+          <a:off x="0" y="0"/>
+          <a:ext cx="0" cy="0"/>
+          <a:chOff x="0" y="0"/>
+          <a:chExt cx="0" cy="0"/>
+        </a:xfrm>
+      </p:grpSpPr>
+      <p:pic>
+        <p:nvPicPr>
+          <p:cNvPr id="3" name="Picture 2"/>
+          <p:cNvPicPr>
+            <a:picLocks noChangeAspect="1"/>
+          </p:cNvPicPr>
+          <p:nvPr/>
+        </p:nvPicPr>
+        <p:blipFill>
+          <a:blip r:embed="rId2"/>
+          <a:stretch>
+            <a:fillRect/>
+          </a:stretch>
+        </p:blipFill>
+        <p:spPr>
+          <a:xfrm>
+            <a:off x="585214" y="2230650"/>
+            <a:ext cx="1916243" cy="1916243"/>
+          </a:xfrm>
+          <a:prstGeom prst="rect">
+            <a:avLst/>
+          </a:prstGeom>
+        </p:spPr>
+      </p:pic>
+      <p:sp>
+        <p:nvSpPr>
+          <p:cNvPr id="2" name="Rectangle 1"/>
+          <p:cNvSpPr/>
+          <p:nvPr/>
+        </p:nvSpPr>
+        <p:spPr>
+          <a:xfrm>
+            <a:off x="3370962" y="947183"/>
+            <a:ext cx="6021970" cy="369332"/>
+          </a:xfrm>
+          <a:prstGeom prst="rect">
+            <a:avLst/>
+          </a:prstGeom>
+        </p:spPr>
+        <p:txBody>
+          <a:bodyPr wrap="none">
+            <a:spAutoFit/>
+          </a:bodyPr>
+          <a:lstStyle/>
+          <a:p>
+            <a:r>
+              <a:rPr lang="en-US" dirty="0"/>
+              <a:t>Provider Scheduling Work Flow :  Update/Cancel Appointment</a:t>
+            </a:r>
+            <a:endParaRPr lang="en-US" dirty="0"/>
+          </a:p>
+        </p:txBody>
+      </p:sp>
+      <p:sp>
+        <p:nvSpPr>
+          <p:cNvPr id="39" name="Can 38"/>
+          <p:cNvSpPr/>
+          <p:nvPr/>
+        </p:nvSpPr>
+        <p:spPr>
+          <a:xfrm>
+            <a:off x="3883299" y="2390275"/>
+            <a:ext cx="2484820" cy="2258969"/>
+          </a:xfrm>
+          <a:prstGeom prst="can">
+            <a:avLst/>
+          </a:prstGeom>
+        </p:spPr>
+        <p:style>
+          <a:lnRef idx="2">
+            <a:schemeClr val="accent1">
+              <a:shade val="50000"/>
+            </a:schemeClr>
+          </a:lnRef>
+          <a:fillRef idx="1">
+            <a:schemeClr val="accent1"/>
+          </a:fillRef>
+          <a:effectRef idx="0">
+            <a:schemeClr val="accent1"/>
+          </a:effectRef>
+          <a:fontRef idx="minor">
+            <a:schemeClr val="lt1"/>
+          </a:fontRef>
+        </p:style>
+        <p:txBody>
+          <a:bodyPr rtlCol="0" anchor="ctr"/>
+          <a:lstStyle/>
+          <a:p>
+            <a:pPr algn="ctr"/>
+            <a:r>
+              <a:rPr lang="en-US" sz="2400" dirty="0" smtClean="0"/>
+              <a:t>Provider</a:t>
+            </a:r>
+            <a:endParaRPr lang="en-US" sz="2400" dirty="0" smtClean="0"/>
+          </a:p>
+          <a:p>
+            <a:pPr algn="ctr"/>
+            <a:r>
+              <a:rPr lang="en-US" sz="2400" dirty="0" smtClean="0"/>
+              <a:t>Scheduling Application</a:t>
+            </a:r>
+            <a:endParaRPr lang="en-US" sz="2400" dirty="0"/>
+          </a:p>
+        </p:txBody>
+      </p:sp>
+      <p:sp>
+        <p:nvSpPr>
+          <p:cNvPr id="53" name="Can 52"/>
+          <p:cNvSpPr/>
+          <p:nvPr/>
+        </p:nvSpPr>
+        <p:spPr>
+          <a:xfrm>
+            <a:off x="9297574" y="2359802"/>
+            <a:ext cx="2380957" cy="2258969"/>
+          </a:xfrm>
+          <a:prstGeom prst="can">
+            <a:avLst/>
+          </a:prstGeom>
+        </p:spPr>
+        <p:style>
+          <a:lnRef idx="2">
+            <a:schemeClr val="accent1">
+              <a:shade val="50000"/>
+            </a:schemeClr>
+          </a:lnRef>
+          <a:fillRef idx="1">
+            <a:schemeClr val="accent1"/>
+          </a:fillRef>
+          <a:effectRef idx="0">
+            <a:schemeClr val="accent1"/>
+          </a:effectRef>
+          <a:fontRef idx="minor">
+            <a:schemeClr val="lt1"/>
+          </a:fontRef>
+        </p:style>
+        <p:txBody>
+          <a:bodyPr rtlCol="0" anchor="ctr"/>
+          <a:lstStyle/>
+          <a:p>
+            <a:pPr algn="ctr"/>
+            <a:r>
+              <a:rPr lang="en-US" sz="2400" dirty="0" smtClean="0"/>
+              <a:t>FHIR Scheduler, (EHR)</a:t>
+            </a:r>
+            <a:endParaRPr lang="en-US" sz="2400" dirty="0"/>
+          </a:p>
+        </p:txBody>
+      </p:sp>
+      <p:grpSp>
+        <p:nvGrpSpPr>
+          <p:cNvPr id="20" name="Group 19"/>
+          <p:cNvGrpSpPr/>
+          <p:nvPr/>
+        </p:nvGrpSpPr>
+        <p:grpSpPr>
+          <a:xfrm>
+            <a:off x="6482947" y="2743201"/>
+            <a:ext cx="2713910" cy="756504"/>
+            <a:chOff x="-1796260" y="2124752"/>
+            <a:chExt cx="10092590" cy="1022801"/>
+          </a:xfrm>
+        </p:grpSpPr>
+        <p:sp>
+          <p:nvSpPr>
+            <p:cNvPr id="21" name="TextBox 20"/>
+            <p:cNvSpPr txBox="1"/>
+            <p:nvPr/>
+          </p:nvSpPr>
+          <p:spPr>
+            <a:xfrm>
+              <a:off x="260056" y="2124752"/>
+              <a:ext cx="7983794" cy="873846"/>
+            </a:xfrm>
+            <a:prstGeom prst="rect">
+              <a:avLst/>
+            </a:prstGeom>
+            <a:solidFill>
+              <a:schemeClr val="bg1"/>
+            </a:solidFill>
+            <a:effectLst/>
+          </p:spPr>
+          <p:txBody>
+            <a:bodyPr wrap="square" rtlCol="0">
+              <a:spAutoFit/>
+            </a:bodyPr>
+            <a:lstStyle/>
+            <a:p>
+              <a:r>
+                <a:rPr lang="en-US" dirty="0" smtClean="0"/>
+                <a:t>Cancels appointment</a:t>
+              </a:r>
+              <a:endParaRPr lang="en-US" dirty="0"/>
+            </a:p>
+          </p:txBody>
+        </p:sp>
+        <p:cxnSp>
+          <p:nvCxnSpPr>
+            <p:cNvPr id="22" name="Straight Arrow Connector 21"/>
+            <p:cNvCxnSpPr/>
+            <p:nvPr/>
+          </p:nvCxnSpPr>
+          <p:spPr>
+            <a:xfrm>
+              <a:off x="-1796260" y="3134605"/>
+              <a:ext cx="10092590" cy="12948"/>
+            </a:xfrm>
+            <a:prstGeom prst="straightConnector1">
+              <a:avLst/>
+            </a:prstGeom>
+            <a:ln w="63500">
+              <a:headEnd type="none"/>
+              <a:tailEnd type="triangle"/>
+            </a:ln>
+          </p:spPr>
+          <p:style>
+            <a:lnRef idx="1">
+              <a:schemeClr val="accent1"/>
+            </a:lnRef>
+            <a:fillRef idx="0">
+              <a:schemeClr val="accent1"/>
+            </a:fillRef>
+            <a:effectRef idx="0">
+              <a:schemeClr val="accent1"/>
+            </a:effectRef>
+            <a:fontRef idx="minor">
+              <a:schemeClr val="tx1"/>
+            </a:fontRef>
+          </p:style>
+        </p:cxnSp>
+        <p:sp>
+          <p:nvSpPr>
+            <p:cNvPr id="23" name="TextBox 22"/>
+            <p:cNvSpPr txBox="1"/>
+            <p:nvPr/>
+          </p:nvSpPr>
+          <p:spPr>
+            <a:xfrm>
+              <a:off x="-1771812" y="2209681"/>
+              <a:ext cx="1580394" cy="499340"/>
+            </a:xfrm>
+            <a:prstGeom prst="rect">
+              <a:avLst/>
+            </a:prstGeom>
+            <a:noFill/>
+            <a:ln w="25400">
+              <a:solidFill>
+                <a:schemeClr val="accent1">
+                  <a:shade val="50000"/>
+                </a:schemeClr>
+              </a:solidFill>
+            </a:ln>
+          </p:spPr>
+          <p:txBody>
+            <a:bodyPr wrap="square" rtlCol="0">
+              <a:spAutoFit/>
+            </a:bodyPr>
+            <a:lstStyle/>
+            <a:p>
+              <a:pPr algn="ctr"/>
+              <a:r>
+                <a:rPr lang="en-US" dirty="0" smtClean="0"/>
+                <a:t>A</a:t>
+              </a:r>
+              <a:endParaRPr lang="en-US" dirty="0"/>
+            </a:p>
+          </p:txBody>
+        </p:sp>
+      </p:grpSp>
+      <p:cxnSp>
+        <p:nvCxnSpPr>
+          <p:cNvPr id="24" name="Straight Arrow Connector 23"/>
+          <p:cNvCxnSpPr/>
+          <p:nvPr/>
+        </p:nvCxnSpPr>
+        <p:spPr>
+          <a:xfrm>
+            <a:off x="6468835" y="3680645"/>
+            <a:ext cx="2713910" cy="8575"/>
+          </a:xfrm>
+          <a:prstGeom prst="straightConnector1">
+            <a:avLst/>
+          </a:prstGeom>
+          <a:ln w="63500">
+            <a:headEnd type="triangle"/>
+            <a:tailEnd type="none"/>
+          </a:ln>
+        </p:spPr>
+        <p:style>
+          <a:lnRef idx="1">
+            <a:schemeClr val="accent1"/>
+          </a:lnRef>
+          <a:fillRef idx="0">
+            <a:schemeClr val="accent1"/>
+          </a:fillRef>
+          <a:effectRef idx="0">
+            <a:schemeClr val="accent1"/>
+          </a:effectRef>
+          <a:fontRef idx="minor">
+            <a:schemeClr val="tx1"/>
+          </a:fontRef>
+        </p:style>
+      </p:cxnSp>
+      <p:sp>
+        <p:nvSpPr>
+          <p:cNvPr id="25" name="TextBox 24"/>
+          <p:cNvSpPr txBox="1"/>
+          <p:nvPr/>
+        </p:nvSpPr>
+        <p:spPr>
+          <a:xfrm>
+            <a:off x="6483468" y="4003998"/>
+            <a:ext cx="431023" cy="369332"/>
+          </a:xfrm>
+          <a:prstGeom prst="rect">
+            <a:avLst/>
+          </a:prstGeom>
+          <a:noFill/>
+          <a:ln w="25400">
+            <a:solidFill>
+              <a:schemeClr val="accent1">
+                <a:shade val="50000"/>
+              </a:schemeClr>
+            </a:solidFill>
+          </a:ln>
+        </p:spPr>
+        <p:txBody>
+          <a:bodyPr wrap="square" rtlCol="0">
+            <a:spAutoFit/>
+          </a:bodyPr>
+          <a:lstStyle/>
+          <a:p>
+            <a:pPr algn="ctr"/>
+            <a:r>
+              <a:rPr lang="en-US" dirty="0"/>
+              <a:t>A</a:t>
+            </a:r>
+          </a:p>
+        </p:txBody>
+      </p:sp>
+      <p:sp>
+        <p:nvSpPr>
+          <p:cNvPr id="26" name="TextBox 25"/>
+          <p:cNvSpPr txBox="1"/>
+          <p:nvPr/>
+        </p:nvSpPr>
+        <p:spPr>
+          <a:xfrm>
+            <a:off x="7035893" y="3890367"/>
+            <a:ext cx="2006450" cy="923330"/>
+          </a:xfrm>
+          <a:prstGeom prst="rect">
+            <a:avLst/>
+          </a:prstGeom>
+          <a:solidFill>
+            <a:schemeClr val="bg1"/>
+          </a:solidFill>
+          <a:effectLst/>
+        </p:spPr>
+        <p:txBody>
+          <a:bodyPr wrap="square" rtlCol="0">
+            <a:spAutoFit/>
+          </a:bodyPr>
+          <a:lstStyle/>
+          <a:p>
+            <a:r>
+              <a:rPr lang="en-US" dirty="0" smtClean="0"/>
+              <a:t>Returns </a:t>
+            </a:r>
+            <a:endParaRPr lang="en-US" dirty="0"/>
+          </a:p>
+          <a:p>
+            <a:r>
+              <a:rPr lang="en-US" dirty="0" smtClean="0"/>
+              <a:t>confirmation </a:t>
+            </a:r>
+            <a:r>
+              <a:rPr lang="en-US" dirty="0"/>
+              <a:t>of </a:t>
+            </a:r>
+            <a:r>
+              <a:rPr lang="en-US" dirty="0" smtClean="0"/>
+              <a:t>cancellation</a:t>
+            </a:r>
+            <a:endParaRPr lang="en-US" dirty="0"/>
+          </a:p>
+        </p:txBody>
+      </p:sp>
+      <p:sp>
+        <p:nvSpPr>
+          <p:cNvPr id="13" name="TextBox 12"/>
+          <p:cNvSpPr txBox="1"/>
+          <p:nvPr/>
+        </p:nvSpPr>
+        <p:spPr>
+          <a:xfrm>
+            <a:off x="2271254" y="2297723"/>
+            <a:ext cx="1736532" cy="923330"/>
+          </a:xfrm>
+          <a:prstGeom prst="rect">
+            <a:avLst/>
+          </a:prstGeom>
+          <a:noFill/>
+        </p:spPr>
+        <p:txBody>
+          <a:bodyPr wrap="square" rtlCol="0">
+            <a:spAutoFit/>
+          </a:bodyPr>
+          <a:lstStyle/>
+          <a:p>
+            <a:r>
+              <a:rPr lang="en-US" dirty="0" smtClean="0"/>
+              <a:t>End user cancels booked appointment</a:t>
+            </a:r>
+            <a:endParaRPr lang="en-US" dirty="0"/>
+          </a:p>
+        </p:txBody>
+      </p:sp>
+      <p:cxnSp>
+        <p:nvCxnSpPr>
+          <p:cNvPr id="14" name="Straight Arrow Connector 13"/>
+          <p:cNvCxnSpPr/>
+          <p:nvPr/>
+        </p:nvCxnSpPr>
+        <p:spPr>
+          <a:xfrm>
+            <a:off x="2226946" y="3733633"/>
+            <a:ext cx="1608610" cy="11153"/>
+          </a:xfrm>
+          <a:prstGeom prst="straightConnector1">
+            <a:avLst/>
+          </a:prstGeom>
+          <a:ln w="63500">
+            <a:headEnd type="triangle"/>
+            <a:tailEnd type="none"/>
+          </a:ln>
+        </p:spPr>
+        <p:style>
+          <a:lnRef idx="1">
+            <a:schemeClr val="accent1"/>
+          </a:lnRef>
+          <a:fillRef idx="0">
+            <a:schemeClr val="accent1"/>
+          </a:fillRef>
+          <a:effectRef idx="0">
+            <a:schemeClr val="accent1"/>
+          </a:effectRef>
+          <a:fontRef idx="minor">
+            <a:schemeClr val="tx1"/>
+          </a:fontRef>
+        </p:style>
+      </p:cxnSp>
+      <p:sp>
+        <p:nvSpPr>
+          <p:cNvPr id="15" name="TextBox 14"/>
+          <p:cNvSpPr txBox="1"/>
+          <p:nvPr/>
+        </p:nvSpPr>
+        <p:spPr>
+          <a:xfrm>
+            <a:off x="2281086" y="3956474"/>
+            <a:ext cx="1736532" cy="646331"/>
+          </a:xfrm>
+          <a:prstGeom prst="rect">
+            <a:avLst/>
+          </a:prstGeom>
+          <a:noFill/>
+        </p:spPr>
+        <p:txBody>
+          <a:bodyPr wrap="square" rtlCol="0">
+            <a:spAutoFit/>
+          </a:bodyPr>
+          <a:lstStyle/>
+          <a:p>
+            <a:r>
+              <a:rPr lang="en-US" dirty="0" smtClean="0"/>
+              <a:t>Confirms cancellation</a:t>
+            </a:r>
+            <a:endParaRPr lang="en-US" dirty="0"/>
+          </a:p>
+        </p:txBody>
+      </p:sp>
+      <p:sp>
+        <p:nvSpPr>
+          <p:cNvPr id="16" name="TextBox 15"/>
+          <p:cNvSpPr txBox="1"/>
+          <p:nvPr/>
+        </p:nvSpPr>
+        <p:spPr>
+          <a:xfrm>
+            <a:off x="2319479" y="1908740"/>
+            <a:ext cx="554738" cy="307777"/>
+          </a:xfrm>
+          <a:prstGeom prst="rect">
+            <a:avLst/>
+          </a:prstGeom>
+          <a:noFill/>
+          <a:ln w="25400">
+            <a:solidFill>
+              <a:schemeClr val="accent1">
+                <a:shade val="50000"/>
+              </a:schemeClr>
+            </a:solidFill>
+          </a:ln>
+        </p:spPr>
+        <p:txBody>
+          <a:bodyPr wrap="square" rtlCol="0">
+            <a:spAutoFit/>
+          </a:bodyPr>
+          <a:lstStyle/>
+          <a:p>
+            <a:pPr algn="ctr"/>
+            <a:r>
+              <a:rPr lang="en-US" sz="1400" dirty="0"/>
+              <a:t>A</a:t>
+            </a:r>
+            <a:endParaRPr lang="en-US" sz="1400" dirty="0"/>
+          </a:p>
+        </p:txBody>
+      </p:sp>
+      <p:sp>
+        <p:nvSpPr>
+          <p:cNvPr id="17" name="TextBox 16"/>
+          <p:cNvSpPr txBox="1"/>
+          <p:nvPr/>
+        </p:nvSpPr>
+        <p:spPr>
+          <a:xfrm>
+            <a:off x="3302087" y="4037433"/>
+            <a:ext cx="554738" cy="307777"/>
+          </a:xfrm>
+          <a:prstGeom prst="rect">
+            <a:avLst/>
+          </a:prstGeom>
+          <a:noFill/>
+          <a:ln w="25400">
+            <a:solidFill>
+              <a:schemeClr val="accent1">
+                <a:shade val="50000"/>
+              </a:schemeClr>
+            </a:solidFill>
+          </a:ln>
+        </p:spPr>
+        <p:txBody>
+          <a:bodyPr wrap="square" rtlCol="0">
+            <a:spAutoFit/>
+          </a:bodyPr>
+          <a:lstStyle/>
+          <a:p>
+            <a:pPr algn="ctr"/>
+            <a:r>
+              <a:rPr lang="en-US" sz="1400" dirty="0" smtClean="0"/>
+              <a:t>A</a:t>
+            </a:r>
+            <a:endParaRPr lang="en-US" sz="1400" dirty="0"/>
+          </a:p>
+        </p:txBody>
+      </p:sp>
+      <p:cxnSp>
+        <p:nvCxnSpPr>
+          <p:cNvPr id="27" name="Straight Arrow Connector 26"/>
+          <p:cNvCxnSpPr/>
+          <p:nvPr/>
+        </p:nvCxnSpPr>
+        <p:spPr>
+          <a:xfrm>
+            <a:off x="2224331" y="3442022"/>
+            <a:ext cx="1608610" cy="11153"/>
+          </a:xfrm>
+          <a:prstGeom prst="straightConnector1">
+            <a:avLst/>
+          </a:prstGeom>
+          <a:ln w="63500">
+            <a:headEnd type="none"/>
+            <a:tailEnd type="triangle"/>
+          </a:ln>
+        </p:spPr>
+        <p:style>
+          <a:lnRef idx="1">
+            <a:schemeClr val="accent1"/>
+          </a:lnRef>
+          <a:fillRef idx="0">
+            <a:schemeClr val="accent1"/>
+          </a:fillRef>
+          <a:effectRef idx="0">
+            <a:schemeClr val="accent1"/>
+          </a:effectRef>
+          <a:fontRef idx="minor">
+            <a:schemeClr val="tx1"/>
+          </a:fontRef>
+        </p:style>
+      </p:cxnSp>
+    </p:spTree>
+    <p:extLst>
+      <p:ext uri="{BB962C8B-B14F-4D97-AF65-F5344CB8AC3E}">
+        <p14:creationId xmlns:p14="http://schemas.microsoft.com/office/powerpoint/2010/main" val="1953325073"/>
       </p:ext>
     </p:extLst>
   </p:cSld>
@@ -9340,7 +13209,7 @@
           <a:lstStyle/>
           <a:p>
             <a:r>
-              <a:rPr lang="en-US" smtClean="0"/>
+              <a:rPr lang="en-US" dirty="0" smtClean="0"/>
               <a:t>End user search for available appointments</a:t>
             </a:r>
             <a:endParaRPr lang="en-US" dirty="0"/>

--- a/meeting-notes/WorkFlowDiagrams.pptx
+++ b/meeting-notes/WorkFlowDiagrams.pptx
@@ -5,7 +5,7 @@
     <p:sldMasterId id="2147483648" r:id="rId1"/>
   </p:sldMasterIdLst>
   <p:notesMasterIdLst>
-    <p:notesMasterId r:id="rId26"/>
+    <p:notesMasterId r:id="rId29"/>
   </p:notesMasterIdLst>
   <p:sldIdLst>
     <p:sldId id="256" r:id="rId2"/>
@@ -26,12 +26,15 @@
     <p:sldId id="266" r:id="rId17"/>
     <p:sldId id="275" r:id="rId18"/>
     <p:sldId id="276" r:id="rId19"/>
-    <p:sldId id="278" r:id="rId20"/>
-    <p:sldId id="283" r:id="rId21"/>
-    <p:sldId id="284" r:id="rId22"/>
-    <p:sldId id="279" r:id="rId23"/>
-    <p:sldId id="281" r:id="rId24"/>
-    <p:sldId id="280" r:id="rId25"/>
+    <p:sldId id="286" r:id="rId20"/>
+    <p:sldId id="278" r:id="rId21"/>
+    <p:sldId id="283" r:id="rId22"/>
+    <p:sldId id="284" r:id="rId23"/>
+    <p:sldId id="279" r:id="rId24"/>
+    <p:sldId id="281" r:id="rId25"/>
+    <p:sldId id="280" r:id="rId26"/>
+    <p:sldId id="285" r:id="rId27"/>
+    <p:sldId id="287" r:id="rId28"/>
   </p:sldIdLst>
   <p:sldSz cx="12192000" cy="6858000"/>
   <p:notesSz cx="6858000" cy="9144000"/>
@@ -1087,6 +1090,91 @@
     <p:extLst>
       <p:ext uri="{BB962C8B-B14F-4D97-AF65-F5344CB8AC3E}">
         <p14:creationId xmlns:p14="http://schemas.microsoft.com/office/powerpoint/2010/main" val="683297044"/>
+      </p:ext>
+    </p:extLst>
+  </p:cSld>
+  <p:clrMapOvr>
+    <a:masterClrMapping/>
+  </p:clrMapOvr>
+</p:notes>
+</file>
+
+<file path=ppt/notesSlides/notesSlide8.xml><?xml version="1.0" encoding="utf-8"?>
+<p:notes xmlns:a="http://schemas.openxmlformats.org/drawingml/2006/main" xmlns:r="http://schemas.openxmlformats.org/officeDocument/2006/relationships" xmlns:p="http://schemas.openxmlformats.org/presentationml/2006/main">
+  <p:cSld>
+    <p:spTree>
+      <p:nvGrpSpPr>
+        <p:cNvPr id="1" name=""/>
+        <p:cNvGrpSpPr/>
+        <p:nvPr/>
+      </p:nvGrpSpPr>
+      <p:grpSpPr>
+        <a:xfrm>
+          <a:off x="0" y="0"/>
+          <a:ext cx="0" cy="0"/>
+          <a:chOff x="0" y="0"/>
+          <a:chExt cx="0" cy="0"/>
+        </a:xfrm>
+      </p:grpSpPr>
+      <p:sp>
+        <p:nvSpPr>
+          <p:cNvPr id="2" name="Slide Image Placeholder 1"/>
+          <p:cNvSpPr>
+            <a:spLocks noGrp="1" noRot="1" noChangeAspect="1"/>
+          </p:cNvSpPr>
+          <p:nvPr>
+            <p:ph type="sldImg"/>
+          </p:nvPr>
+        </p:nvSpPr>
+        <p:spPr/>
+      </p:sp>
+      <p:sp>
+        <p:nvSpPr>
+          <p:cNvPr id="3" name="Notes Placeholder 2"/>
+          <p:cNvSpPr>
+            <a:spLocks noGrp="1"/>
+          </p:cNvSpPr>
+          <p:nvPr>
+            <p:ph type="body" idx="1"/>
+          </p:nvPr>
+        </p:nvSpPr>
+        <p:spPr/>
+        <p:txBody>
+          <a:bodyPr/>
+          <a:lstStyle/>
+          <a:p>
+            <a:endParaRPr lang="en-US"/>
+          </a:p>
+        </p:txBody>
+      </p:sp>
+      <p:sp>
+        <p:nvSpPr>
+          <p:cNvPr id="4" name="Slide Number Placeholder 3"/>
+          <p:cNvSpPr>
+            <a:spLocks noGrp="1"/>
+          </p:cNvSpPr>
+          <p:nvPr>
+            <p:ph type="sldNum" sz="quarter" idx="10"/>
+          </p:nvPr>
+        </p:nvSpPr>
+        <p:spPr/>
+        <p:txBody>
+          <a:bodyPr/>
+          <a:lstStyle/>
+          <a:p>
+            <a:fld id="{41AA1877-C0DC-7444-845F-24A0FAE907CA}" type="slidenum">
+              <a:rPr lang="en-US" smtClean="0"/>
+              <a:pPr/>
+              <a:t>27</a:t>
+            </a:fld>
+            <a:endParaRPr lang="en-US"/>
+          </a:p>
+        </p:txBody>
+      </p:sp>
+    </p:spTree>
+    <p:extLst>
+      <p:ext uri="{BB962C8B-B14F-4D97-AF65-F5344CB8AC3E}">
+        <p14:creationId xmlns:p14="http://schemas.microsoft.com/office/powerpoint/2010/main" val="746487867"/>
       </p:ext>
     </p:extLst>
   </p:cSld>
@@ -9025,6 +9113,900 @@
           </a:prstGeom>
         </p:spPr>
       </p:pic>
+      <p:cxnSp>
+        <p:nvCxnSpPr>
+          <p:cNvPr id="25" name="Straight Connector 24"/>
+          <p:cNvCxnSpPr/>
+          <p:nvPr/>
+        </p:nvCxnSpPr>
+        <p:spPr>
+          <a:xfrm>
+            <a:off x="8089025" y="1442189"/>
+            <a:ext cx="0" cy="4155142"/>
+          </a:xfrm>
+          <a:prstGeom prst="line">
+            <a:avLst/>
+          </a:prstGeom>
+          <a:ln w="63500">
+            <a:prstDash val="sysDash"/>
+          </a:ln>
+        </p:spPr>
+        <p:style>
+          <a:lnRef idx="1">
+            <a:schemeClr val="accent1"/>
+          </a:lnRef>
+          <a:fillRef idx="0">
+            <a:schemeClr val="accent1"/>
+          </a:fillRef>
+          <a:effectRef idx="0">
+            <a:schemeClr val="accent1"/>
+          </a:effectRef>
+          <a:fontRef idx="minor">
+            <a:schemeClr val="tx1"/>
+          </a:fontRef>
+        </p:style>
+      </p:cxnSp>
+      <p:sp>
+        <p:nvSpPr>
+          <p:cNvPr id="26" name="Can 25"/>
+          <p:cNvSpPr/>
+          <p:nvPr/>
+        </p:nvSpPr>
+        <p:spPr>
+          <a:xfrm>
+            <a:off x="9098280" y="2228624"/>
+            <a:ext cx="2380957" cy="2258969"/>
+          </a:xfrm>
+          <a:prstGeom prst="can">
+            <a:avLst/>
+          </a:prstGeom>
+        </p:spPr>
+        <p:style>
+          <a:lnRef idx="2">
+            <a:schemeClr val="accent1">
+              <a:shade val="50000"/>
+            </a:schemeClr>
+          </a:lnRef>
+          <a:fillRef idx="1">
+            <a:schemeClr val="accent1"/>
+          </a:fillRef>
+          <a:effectRef idx="0">
+            <a:schemeClr val="accent1"/>
+          </a:effectRef>
+          <a:fontRef idx="minor">
+            <a:schemeClr val="lt1"/>
+          </a:fontRef>
+        </p:style>
+        <p:txBody>
+          <a:bodyPr rtlCol="0" anchor="ctr"/>
+          <a:lstStyle/>
+          <a:p>
+            <a:pPr algn="ctr"/>
+            <a:r>
+              <a:rPr lang="en-US" sz="2400" dirty="0"/>
+              <a:t>FHIR Server</a:t>
+            </a:r>
+          </a:p>
+          <a:p>
+            <a:pPr algn="ctr"/>
+            <a:r>
+              <a:rPr lang="en-US" sz="2400" dirty="0"/>
+              <a:t>(EHR Scheduler)</a:t>
+            </a:r>
+            <a:endParaRPr lang="en-US" sz="2400" dirty="0"/>
+          </a:p>
+        </p:txBody>
+      </p:sp>
+      <p:sp>
+        <p:nvSpPr>
+          <p:cNvPr id="27" name="Can 26"/>
+          <p:cNvSpPr/>
+          <p:nvPr/>
+        </p:nvSpPr>
+        <p:spPr>
+          <a:xfrm>
+            <a:off x="4568612" y="2228624"/>
+            <a:ext cx="2484820" cy="2258969"/>
+          </a:xfrm>
+          <a:prstGeom prst="can">
+            <a:avLst/>
+          </a:prstGeom>
+        </p:spPr>
+        <p:style>
+          <a:lnRef idx="2">
+            <a:schemeClr val="accent1">
+              <a:shade val="50000"/>
+            </a:schemeClr>
+          </a:lnRef>
+          <a:fillRef idx="1">
+            <a:schemeClr val="accent1"/>
+          </a:fillRef>
+          <a:effectRef idx="0">
+            <a:schemeClr val="accent1"/>
+          </a:effectRef>
+          <a:fontRef idx="minor">
+            <a:schemeClr val="lt1"/>
+          </a:fontRef>
+        </p:style>
+        <p:txBody>
+          <a:bodyPr rtlCol="0" anchor="ctr"/>
+          <a:lstStyle/>
+          <a:p>
+            <a:pPr algn="ctr"/>
+            <a:r>
+              <a:rPr lang="en-US" sz="2400" dirty="0"/>
+              <a:t>FHIR Client</a:t>
+            </a:r>
+          </a:p>
+          <a:p>
+            <a:pPr algn="ctr"/>
+            <a:r>
+              <a:rPr lang="en-US" sz="2400" dirty="0" smtClean="0"/>
+              <a:t>(Provider Scheduling</a:t>
+            </a:r>
+            <a:endParaRPr lang="en-US" sz="2400" dirty="0" smtClean="0"/>
+          </a:p>
+          <a:p>
+            <a:pPr algn="ctr"/>
+            <a:r>
+              <a:rPr lang="en-US" sz="2400" dirty="0" smtClean="0"/>
+              <a:t> </a:t>
+            </a:r>
+            <a:r>
+              <a:rPr lang="en-US" sz="2400" dirty="0" smtClean="0"/>
+              <a:t>Application)</a:t>
+            </a:r>
+            <a:endParaRPr lang="en-US" sz="2400" dirty="0"/>
+          </a:p>
+        </p:txBody>
+      </p:sp>
+      <p:sp>
+        <p:nvSpPr>
+          <p:cNvPr id="5" name="TextBox 4"/>
+          <p:cNvSpPr txBox="1"/>
+          <p:nvPr/>
+        </p:nvSpPr>
+        <p:spPr>
+          <a:xfrm>
+            <a:off x="4678223" y="4739318"/>
+            <a:ext cx="2375209" cy="646331"/>
+          </a:xfrm>
+          <a:prstGeom prst="rect">
+            <a:avLst/>
+          </a:prstGeom>
+          <a:noFill/>
+        </p:spPr>
+        <p:txBody>
+          <a:bodyPr wrap="square" rtlCol="0">
+            <a:spAutoFit/>
+          </a:bodyPr>
+          <a:lstStyle/>
+          <a:p>
+            <a:pPr algn="ctr"/>
+            <a:r>
+              <a:rPr lang="en-US" dirty="0" smtClean="0"/>
+              <a:t>Provider A (</a:t>
+            </a:r>
+            <a:r>
+              <a:rPr lang="en-US" dirty="0"/>
+              <a:t>Referral Initiator</a:t>
+            </a:r>
+            <a:r>
+              <a:rPr lang="en-US" dirty="0" smtClean="0"/>
+              <a:t>)</a:t>
+            </a:r>
+            <a:endParaRPr lang="en-US" dirty="0"/>
+          </a:p>
+        </p:txBody>
+      </p:sp>
+      <p:sp>
+        <p:nvSpPr>
+          <p:cNvPr id="29" name="TextBox 28"/>
+          <p:cNvSpPr txBox="1"/>
+          <p:nvPr/>
+        </p:nvSpPr>
+        <p:spPr>
+          <a:xfrm>
+            <a:off x="9098280" y="4740733"/>
+            <a:ext cx="2375209" cy="646331"/>
+          </a:xfrm>
+          <a:prstGeom prst="rect">
+            <a:avLst/>
+          </a:prstGeom>
+          <a:noFill/>
+        </p:spPr>
+        <p:txBody>
+          <a:bodyPr wrap="square" rtlCol="0">
+            <a:spAutoFit/>
+          </a:bodyPr>
+          <a:lstStyle/>
+          <a:p>
+            <a:pPr algn="ctr"/>
+            <a:r>
+              <a:rPr lang="en-US" dirty="0" smtClean="0"/>
+              <a:t>Provider B (</a:t>
+            </a:r>
+            <a:r>
+              <a:rPr lang="en-US" dirty="0"/>
+              <a:t>Referral </a:t>
+            </a:r>
+            <a:r>
+              <a:rPr lang="en-US" dirty="0" smtClean="0"/>
+              <a:t>Recipient)</a:t>
+            </a:r>
+            <a:endParaRPr lang="en-US" dirty="0"/>
+          </a:p>
+        </p:txBody>
+      </p:sp>
+      <p:sp>
+        <p:nvSpPr>
+          <p:cNvPr id="32" name="TextBox 31"/>
+          <p:cNvSpPr txBox="1"/>
+          <p:nvPr/>
+        </p:nvSpPr>
+        <p:spPr>
+          <a:xfrm>
+            <a:off x="355730" y="4726802"/>
+            <a:ext cx="2375209" cy="369332"/>
+          </a:xfrm>
+          <a:prstGeom prst="rect">
+            <a:avLst/>
+          </a:prstGeom>
+          <a:noFill/>
+        </p:spPr>
+        <p:txBody>
+          <a:bodyPr wrap="square" rtlCol="0">
+            <a:spAutoFit/>
+          </a:bodyPr>
+          <a:lstStyle/>
+          <a:p>
+            <a:pPr algn="ctr"/>
+            <a:r>
+              <a:rPr lang="en-US" dirty="0" smtClean="0"/>
+              <a:t>Patient</a:t>
+            </a:r>
+            <a:endParaRPr lang="en-US" dirty="0"/>
+          </a:p>
+        </p:txBody>
+      </p:sp>
+    </p:spTree>
+    <p:extLst>
+      <p:ext uri="{BB962C8B-B14F-4D97-AF65-F5344CB8AC3E}">
+        <p14:creationId xmlns:p14="http://schemas.microsoft.com/office/powerpoint/2010/main" val="2005359916"/>
+      </p:ext>
+    </p:extLst>
+  </p:cSld>
+  <p:clrMapOvr>
+    <a:masterClrMapping/>
+  </p:clrMapOvr>
+  <p:timing>
+    <p:tnLst>
+      <p:par>
+        <p:cTn id="1" dur="indefinite" restart="never" nodeType="tmRoot"/>
+      </p:par>
+    </p:tnLst>
+  </p:timing>
+</p:sld>
+</file>
+
+<file path=ppt/slides/slide2.xml><?xml version="1.0" encoding="utf-8"?>
+<p:sld xmlns:a="http://schemas.openxmlformats.org/drawingml/2006/main" xmlns:r="http://schemas.openxmlformats.org/officeDocument/2006/relationships" xmlns:p="http://schemas.openxmlformats.org/presentationml/2006/main">
+  <p:cSld>
+    <p:spTree>
+      <p:nvGrpSpPr>
+        <p:cNvPr id="1" name=""/>
+        <p:cNvGrpSpPr/>
+        <p:nvPr/>
+      </p:nvGrpSpPr>
+      <p:grpSpPr>
+        <a:xfrm>
+          <a:off x="0" y="0"/>
+          <a:ext cx="0" cy="0"/>
+          <a:chOff x="0" y="0"/>
+          <a:chExt cx="0" cy="0"/>
+        </a:xfrm>
+      </p:grpSpPr>
+      <p:sp>
+        <p:nvSpPr>
+          <p:cNvPr id="8" name="Can 7"/>
+          <p:cNvSpPr/>
+          <p:nvPr/>
+        </p:nvSpPr>
+        <p:spPr>
+          <a:xfrm>
+            <a:off x="9098280" y="2228625"/>
+            <a:ext cx="2065469" cy="1875416"/>
+          </a:xfrm>
+          <a:prstGeom prst="can">
+            <a:avLst/>
+          </a:prstGeom>
+        </p:spPr>
+        <p:style>
+          <a:lnRef idx="2">
+            <a:schemeClr val="accent1">
+              <a:shade val="50000"/>
+            </a:schemeClr>
+          </a:lnRef>
+          <a:fillRef idx="1">
+            <a:schemeClr val="accent1"/>
+          </a:fillRef>
+          <a:effectRef idx="0">
+            <a:schemeClr val="accent1"/>
+          </a:effectRef>
+          <a:fontRef idx="minor">
+            <a:schemeClr val="lt1"/>
+          </a:fontRef>
+        </p:style>
+        <p:txBody>
+          <a:bodyPr rtlCol="0" anchor="ctr"/>
+          <a:lstStyle/>
+          <a:p>
+            <a:pPr algn="ctr"/>
+            <a:r>
+              <a:rPr lang="en-US" sz="2400" dirty="0" smtClean="0"/>
+              <a:t>EHR</a:t>
+            </a:r>
+          </a:p>
+          <a:p>
+            <a:pPr algn="ctr"/>
+            <a:r>
+              <a:rPr lang="en-US" sz="2400" dirty="0" smtClean="0"/>
+              <a:t> FHIR Server</a:t>
+            </a:r>
+            <a:endParaRPr lang="en-US" sz="2400" dirty="0"/>
+          </a:p>
+        </p:txBody>
+      </p:sp>
+      <p:pic>
+        <p:nvPicPr>
+          <p:cNvPr id="9" name="Picture 8"/>
+          <p:cNvPicPr>
+            <a:picLocks noChangeAspect="1"/>
+          </p:cNvPicPr>
+          <p:nvPr/>
+        </p:nvPicPr>
+        <p:blipFill>
+          <a:blip r:embed="rId2">
+            <a:extLst>
+              <a:ext uri="{28A0092B-C50C-407E-A947-70E740481C1C}">
+                <a14:useLocalDpi xmlns:a14="http://schemas.microsoft.com/office/drawing/2010/main" val="0"/>
+              </a:ext>
+            </a:extLst>
+          </a:blip>
+          <a:stretch>
+            <a:fillRect/>
+          </a:stretch>
+        </p:blipFill>
+        <p:spPr>
+          <a:xfrm>
+            <a:off x="787997" y="1817269"/>
+            <a:ext cx="1780491" cy="2698128"/>
+          </a:xfrm>
+          <a:prstGeom prst="rect">
+            <a:avLst/>
+          </a:prstGeom>
+        </p:spPr>
+      </p:pic>
+      <p:sp>
+        <p:nvSpPr>
+          <p:cNvPr id="11" name="Can 10"/>
+          <p:cNvSpPr/>
+          <p:nvPr/>
+        </p:nvSpPr>
+        <p:spPr>
+          <a:xfrm>
+            <a:off x="4987962" y="2228625"/>
+            <a:ext cx="2065469" cy="1875416"/>
+          </a:xfrm>
+          <a:prstGeom prst="can">
+            <a:avLst/>
+          </a:prstGeom>
+        </p:spPr>
+        <p:style>
+          <a:lnRef idx="2">
+            <a:schemeClr val="accent1">
+              <a:shade val="50000"/>
+            </a:schemeClr>
+          </a:lnRef>
+          <a:fillRef idx="1">
+            <a:schemeClr val="accent1"/>
+          </a:fillRef>
+          <a:effectRef idx="0">
+            <a:schemeClr val="accent1"/>
+          </a:effectRef>
+          <a:fontRef idx="minor">
+            <a:schemeClr val="lt1"/>
+          </a:fontRef>
+        </p:style>
+        <p:txBody>
+          <a:bodyPr rtlCol="0" anchor="ctr"/>
+          <a:lstStyle/>
+          <a:p>
+            <a:pPr algn="ctr"/>
+            <a:r>
+              <a:rPr lang="en-US" sz="2400" dirty="0" smtClean="0"/>
+              <a:t>Client</a:t>
+            </a:r>
+          </a:p>
+          <a:p>
+            <a:pPr algn="ctr"/>
+            <a:r>
+              <a:rPr lang="en-US" sz="2400" dirty="0" smtClean="0"/>
+              <a:t> Application Server</a:t>
+            </a:r>
+            <a:endParaRPr lang="en-US" sz="2400" dirty="0"/>
+          </a:p>
+        </p:txBody>
+      </p:sp>
+      <p:sp>
+        <p:nvSpPr>
+          <p:cNvPr id="40" name="Rectangle 39"/>
+          <p:cNvSpPr/>
+          <p:nvPr/>
+        </p:nvSpPr>
+        <p:spPr>
+          <a:xfrm>
+            <a:off x="4437529" y="995082"/>
+            <a:ext cx="7274859" cy="4155142"/>
+          </a:xfrm>
+          <a:prstGeom prst="rect">
+            <a:avLst/>
+          </a:prstGeom>
+          <a:noFill/>
+          <a:ln w="25400">
+            <a:prstDash val="sysDash"/>
+          </a:ln>
+        </p:spPr>
+        <p:style>
+          <a:lnRef idx="2">
+            <a:schemeClr val="accent1">
+              <a:shade val="50000"/>
+            </a:schemeClr>
+          </a:lnRef>
+          <a:fillRef idx="1">
+            <a:schemeClr val="accent1"/>
+          </a:fillRef>
+          <a:effectRef idx="0">
+            <a:schemeClr val="accent1"/>
+          </a:effectRef>
+          <a:fontRef idx="minor">
+            <a:schemeClr val="lt1"/>
+          </a:fontRef>
+        </p:style>
+        <p:txBody>
+          <a:bodyPr rtlCol="0" anchor="ctr"/>
+          <a:lstStyle/>
+          <a:p>
+            <a:pPr algn="ctr"/>
+            <a:endParaRPr lang="en-US"/>
+          </a:p>
+        </p:txBody>
+      </p:sp>
+      <p:cxnSp>
+        <p:nvCxnSpPr>
+          <p:cNvPr id="42" name="Straight Connector 41"/>
+          <p:cNvCxnSpPr>
+            <a:stCxn id="40" idx="0"/>
+            <a:endCxn id="40" idx="2"/>
+          </p:cNvCxnSpPr>
+          <p:nvPr/>
+        </p:nvCxnSpPr>
+        <p:spPr>
+          <a:xfrm>
+            <a:off x="8074959" y="995082"/>
+            <a:ext cx="0" cy="4155142"/>
+          </a:xfrm>
+          <a:prstGeom prst="line">
+            <a:avLst/>
+          </a:prstGeom>
+          <a:ln w="25400">
+            <a:prstDash val="sysDash"/>
+          </a:ln>
+        </p:spPr>
+        <p:style>
+          <a:lnRef idx="1">
+            <a:schemeClr val="accent1"/>
+          </a:lnRef>
+          <a:fillRef idx="0">
+            <a:schemeClr val="accent1"/>
+          </a:fillRef>
+          <a:effectRef idx="0">
+            <a:schemeClr val="accent1"/>
+          </a:effectRef>
+          <a:fontRef idx="minor">
+            <a:schemeClr val="tx1"/>
+          </a:fontRef>
+        </p:style>
+      </p:cxnSp>
+      <p:sp>
+        <p:nvSpPr>
+          <p:cNvPr id="43" name="Oval 42"/>
+          <p:cNvSpPr/>
+          <p:nvPr/>
+        </p:nvSpPr>
+        <p:spPr>
+          <a:xfrm>
+            <a:off x="3244277" y="823511"/>
+            <a:ext cx="411131" cy="386895"/>
+          </a:xfrm>
+          <a:prstGeom prst="ellipse">
+            <a:avLst/>
+          </a:prstGeom>
+          <a:noFill/>
+        </p:spPr>
+        <p:style>
+          <a:lnRef idx="2">
+            <a:schemeClr val="accent1">
+              <a:shade val="50000"/>
+            </a:schemeClr>
+          </a:lnRef>
+          <a:fillRef idx="1">
+            <a:schemeClr val="accent1"/>
+          </a:fillRef>
+          <a:effectRef idx="0">
+            <a:schemeClr val="accent1"/>
+          </a:effectRef>
+          <a:fontRef idx="minor">
+            <a:schemeClr val="lt1"/>
+          </a:fontRef>
+        </p:style>
+        <p:txBody>
+          <a:bodyPr rtlCol="0" anchor="ctr"/>
+          <a:lstStyle/>
+          <a:p>
+            <a:pPr algn="ctr"/>
+            <a:r>
+              <a:rPr lang="en-US" dirty="0" smtClean="0">
+                <a:solidFill>
+                  <a:schemeClr val="tx1"/>
+                </a:solidFill>
+              </a:rPr>
+              <a:t>1</a:t>
+            </a:r>
+            <a:endParaRPr lang="en-US" sz="1200" dirty="0"/>
+          </a:p>
+        </p:txBody>
+      </p:sp>
+      <p:sp>
+        <p:nvSpPr>
+          <p:cNvPr id="44" name="TextBox 43"/>
+          <p:cNvSpPr txBox="1"/>
+          <p:nvPr/>
+        </p:nvSpPr>
+        <p:spPr>
+          <a:xfrm>
+            <a:off x="2634742" y="1122382"/>
+            <a:ext cx="1736532" cy="923330"/>
+          </a:xfrm>
+          <a:prstGeom prst="rect">
+            <a:avLst/>
+          </a:prstGeom>
+          <a:noFill/>
+        </p:spPr>
+        <p:txBody>
+          <a:bodyPr wrap="square" rtlCol="0">
+            <a:spAutoFit/>
+          </a:bodyPr>
+          <a:lstStyle/>
+          <a:p>
+            <a:r>
+              <a:rPr lang="en-US" dirty="0" smtClean="0"/>
+              <a:t>End user search for available appointments</a:t>
+            </a:r>
+            <a:endParaRPr lang="en-US" dirty="0"/>
+          </a:p>
+        </p:txBody>
+      </p:sp>
+      <p:sp>
+        <p:nvSpPr>
+          <p:cNvPr id="45" name="Oval 44"/>
+          <p:cNvSpPr/>
+          <p:nvPr/>
+        </p:nvSpPr>
+        <p:spPr>
+          <a:xfrm>
+            <a:off x="3244277" y="2057391"/>
+            <a:ext cx="411131" cy="411357"/>
+          </a:xfrm>
+          <a:prstGeom prst="ellipse">
+            <a:avLst/>
+          </a:prstGeom>
+          <a:noFill/>
+        </p:spPr>
+        <p:style>
+          <a:lnRef idx="2">
+            <a:schemeClr val="accent1">
+              <a:shade val="50000"/>
+            </a:schemeClr>
+          </a:lnRef>
+          <a:fillRef idx="1">
+            <a:schemeClr val="accent1"/>
+          </a:fillRef>
+          <a:effectRef idx="0">
+            <a:schemeClr val="accent1"/>
+          </a:effectRef>
+          <a:fontRef idx="minor">
+            <a:schemeClr val="lt1"/>
+          </a:fontRef>
+        </p:style>
+        <p:txBody>
+          <a:bodyPr rtlCol="0" anchor="ctr"/>
+          <a:lstStyle/>
+          <a:p>
+            <a:pPr algn="ctr"/>
+            <a:r>
+              <a:rPr lang="en-US" dirty="0">
+                <a:solidFill>
+                  <a:schemeClr val="tx1"/>
+                </a:solidFill>
+              </a:rPr>
+              <a:t>2</a:t>
+            </a:r>
+            <a:endParaRPr lang="en-US" sz="1200" dirty="0"/>
+          </a:p>
+        </p:txBody>
+      </p:sp>
+      <p:sp>
+        <p:nvSpPr>
+          <p:cNvPr id="46" name="TextBox 45"/>
+          <p:cNvSpPr txBox="1"/>
+          <p:nvPr/>
+        </p:nvSpPr>
+        <p:spPr>
+          <a:xfrm>
+            <a:off x="2667870" y="2480427"/>
+            <a:ext cx="1736532" cy="646331"/>
+          </a:xfrm>
+          <a:prstGeom prst="rect">
+            <a:avLst/>
+          </a:prstGeom>
+          <a:noFill/>
+        </p:spPr>
+        <p:txBody>
+          <a:bodyPr wrap="square" rtlCol="0">
+            <a:spAutoFit/>
+          </a:bodyPr>
+          <a:lstStyle/>
+          <a:p>
+            <a:r>
+              <a:rPr lang="en-US" dirty="0" smtClean="0"/>
+              <a:t>End user books Appointment</a:t>
+            </a:r>
+            <a:endParaRPr lang="en-US" dirty="0"/>
+          </a:p>
+        </p:txBody>
+      </p:sp>
+      <p:sp>
+        <p:nvSpPr>
+          <p:cNvPr id="47" name="Oval 46"/>
+          <p:cNvSpPr/>
+          <p:nvPr/>
+        </p:nvSpPr>
+        <p:spPr>
+          <a:xfrm>
+            <a:off x="3244277" y="3166333"/>
+            <a:ext cx="411131" cy="411357"/>
+          </a:xfrm>
+          <a:prstGeom prst="ellipse">
+            <a:avLst/>
+          </a:prstGeom>
+          <a:noFill/>
+        </p:spPr>
+        <p:style>
+          <a:lnRef idx="2">
+            <a:schemeClr val="accent1">
+              <a:shade val="50000"/>
+            </a:schemeClr>
+          </a:lnRef>
+          <a:fillRef idx="1">
+            <a:schemeClr val="accent1"/>
+          </a:fillRef>
+          <a:effectRef idx="0">
+            <a:schemeClr val="accent1"/>
+          </a:effectRef>
+          <a:fontRef idx="minor">
+            <a:schemeClr val="lt1"/>
+          </a:fontRef>
+        </p:style>
+        <p:txBody>
+          <a:bodyPr rtlCol="0" anchor="ctr"/>
+          <a:lstStyle/>
+          <a:p>
+            <a:pPr algn="ctr"/>
+            <a:r>
+              <a:rPr lang="en-US" dirty="0" smtClean="0">
+                <a:solidFill>
+                  <a:schemeClr val="tx1"/>
+                </a:solidFill>
+              </a:rPr>
+              <a:t>3</a:t>
+            </a:r>
+            <a:endParaRPr lang="en-US" sz="1200" dirty="0"/>
+          </a:p>
+        </p:txBody>
+      </p:sp>
+      <p:sp>
+        <p:nvSpPr>
+          <p:cNvPr id="48" name="TextBox 47"/>
+          <p:cNvSpPr txBox="1"/>
+          <p:nvPr/>
+        </p:nvSpPr>
+        <p:spPr>
+          <a:xfrm>
+            <a:off x="2667869" y="4655040"/>
+            <a:ext cx="1777305" cy="923330"/>
+          </a:xfrm>
+          <a:prstGeom prst="rect">
+            <a:avLst/>
+          </a:prstGeom>
+          <a:noFill/>
+        </p:spPr>
+        <p:txBody>
+          <a:bodyPr wrap="square" rtlCol="0">
+            <a:spAutoFit/>
+          </a:bodyPr>
+          <a:lstStyle/>
+          <a:p>
+            <a:r>
+              <a:rPr lang="en-US" dirty="0" smtClean="0"/>
+              <a:t>End </a:t>
+            </a:r>
+            <a:r>
+              <a:rPr lang="en-US" smtClean="0"/>
+              <a:t>user updates </a:t>
+            </a:r>
+            <a:r>
+              <a:rPr lang="en-US" dirty="0" smtClean="0"/>
+              <a:t>Appointment</a:t>
+            </a:r>
+            <a:endParaRPr lang="en-US" dirty="0"/>
+          </a:p>
+        </p:txBody>
+      </p:sp>
+      <p:sp>
+        <p:nvSpPr>
+          <p:cNvPr id="49" name="Oval 48"/>
+          <p:cNvSpPr/>
+          <p:nvPr/>
+        </p:nvSpPr>
+        <p:spPr>
+          <a:xfrm>
+            <a:off x="3235812" y="4231162"/>
+            <a:ext cx="411131" cy="411357"/>
+          </a:xfrm>
+          <a:prstGeom prst="ellipse">
+            <a:avLst/>
+          </a:prstGeom>
+          <a:noFill/>
+        </p:spPr>
+        <p:style>
+          <a:lnRef idx="2">
+            <a:schemeClr val="accent1">
+              <a:shade val="50000"/>
+            </a:schemeClr>
+          </a:lnRef>
+          <a:fillRef idx="1">
+            <a:schemeClr val="accent1"/>
+          </a:fillRef>
+          <a:effectRef idx="0">
+            <a:schemeClr val="accent1"/>
+          </a:effectRef>
+          <a:fontRef idx="minor">
+            <a:schemeClr val="lt1"/>
+          </a:fontRef>
+        </p:style>
+        <p:txBody>
+          <a:bodyPr rtlCol="0" anchor="ctr"/>
+          <a:lstStyle/>
+          <a:p>
+            <a:pPr algn="ctr"/>
+            <a:r>
+              <a:rPr lang="en-US" dirty="0" smtClean="0">
+                <a:solidFill>
+                  <a:schemeClr val="tx1"/>
+                </a:solidFill>
+              </a:rPr>
+              <a:t>4</a:t>
+            </a:r>
+            <a:endParaRPr lang="en-US" sz="1200" dirty="0"/>
+          </a:p>
+        </p:txBody>
+      </p:sp>
+      <p:sp>
+        <p:nvSpPr>
+          <p:cNvPr id="50" name="TextBox 49"/>
+          <p:cNvSpPr txBox="1"/>
+          <p:nvPr/>
+        </p:nvSpPr>
+        <p:spPr>
+          <a:xfrm>
+            <a:off x="2634742" y="3589567"/>
+            <a:ext cx="1736532" cy="646331"/>
+          </a:xfrm>
+          <a:prstGeom prst="rect">
+            <a:avLst/>
+          </a:prstGeom>
+          <a:noFill/>
+        </p:spPr>
+        <p:txBody>
+          <a:bodyPr wrap="square" rtlCol="0">
+            <a:spAutoFit/>
+          </a:bodyPr>
+          <a:lstStyle/>
+          <a:p>
+            <a:r>
+              <a:rPr lang="en-US" smtClean="0"/>
+              <a:t>Appointment </a:t>
+            </a:r>
+            <a:r>
+              <a:rPr lang="en-US" dirty="0" smtClean="0"/>
+              <a:t>confirmed</a:t>
+            </a:r>
+            <a:endParaRPr lang="en-US" dirty="0"/>
+          </a:p>
+        </p:txBody>
+      </p:sp>
+    </p:spTree>
+    <p:extLst>
+      <p:ext uri="{BB962C8B-B14F-4D97-AF65-F5344CB8AC3E}">
+        <p14:creationId xmlns:p14="http://schemas.microsoft.com/office/powerpoint/2010/main" val="1713438735"/>
+      </p:ext>
+    </p:extLst>
+  </p:cSld>
+  <p:clrMapOvr>
+    <a:masterClrMapping/>
+  </p:clrMapOvr>
+  <p:timing>
+    <p:tnLst>
+      <p:par>
+        <p:cTn id="1" dur="indefinite" restart="never" nodeType="tmRoot"/>
+      </p:par>
+    </p:tnLst>
+  </p:timing>
+</p:sld>
+</file>
+
+<file path=ppt/slides/slide20.xml><?xml version="1.0" encoding="utf-8"?>
+<p:sld xmlns:a="http://schemas.openxmlformats.org/drawingml/2006/main" xmlns:r="http://schemas.openxmlformats.org/officeDocument/2006/relationships" xmlns:p="http://schemas.openxmlformats.org/presentationml/2006/main">
+  <p:cSld>
+    <p:spTree>
+      <p:nvGrpSpPr>
+        <p:cNvPr id="1" name=""/>
+        <p:cNvGrpSpPr/>
+        <p:nvPr/>
+      </p:nvGrpSpPr>
+      <p:grpSpPr>
+        <a:xfrm>
+          <a:off x="0" y="0"/>
+          <a:ext cx="0" cy="0"/>
+          <a:chOff x="0" y="0"/>
+          <a:chExt cx="0" cy="0"/>
+        </a:xfrm>
+      </p:grpSpPr>
+      <p:pic>
+        <p:nvPicPr>
+          <p:cNvPr id="3" name="Picture 2"/>
+          <p:cNvPicPr>
+            <a:picLocks noChangeAspect="1"/>
+          </p:cNvPicPr>
+          <p:nvPr/>
+        </p:nvPicPr>
+        <p:blipFill>
+          <a:blip r:embed="rId2"/>
+          <a:stretch>
+            <a:fillRect/>
+          </a:stretch>
+        </p:blipFill>
+        <p:spPr>
+          <a:xfrm>
+            <a:off x="585214" y="2230650"/>
+            <a:ext cx="1916243" cy="1916243"/>
+          </a:xfrm>
+          <a:prstGeom prst="rect">
+            <a:avLst/>
+          </a:prstGeom>
+        </p:spPr>
+      </p:pic>
       <p:sp>
         <p:nvSpPr>
           <p:cNvPr id="2" name="Rectangle 1"/>
@@ -9272,7 +10254,7 @@
       </p:grpSp>
       <p:cxnSp>
         <p:nvCxnSpPr>
-          <p:cNvPr id="58" name="Straight Arrow Connector 57"/>
+          <p:cNvPr id="58" name="Straight Arrow Connector 57" title="A"/>
           <p:cNvCxnSpPr/>
           <p:nvPr/>
         </p:nvCxnSpPr>
@@ -9507,584 +10489,7 @@
 </p:sld>
 </file>
 
-<file path=ppt/slides/slide2.xml><?xml version="1.0" encoding="utf-8"?>
-<p:sld xmlns:a="http://schemas.openxmlformats.org/drawingml/2006/main" xmlns:r="http://schemas.openxmlformats.org/officeDocument/2006/relationships" xmlns:p="http://schemas.openxmlformats.org/presentationml/2006/main">
-  <p:cSld>
-    <p:spTree>
-      <p:nvGrpSpPr>
-        <p:cNvPr id="1" name=""/>
-        <p:cNvGrpSpPr/>
-        <p:nvPr/>
-      </p:nvGrpSpPr>
-      <p:grpSpPr>
-        <a:xfrm>
-          <a:off x="0" y="0"/>
-          <a:ext cx="0" cy="0"/>
-          <a:chOff x="0" y="0"/>
-          <a:chExt cx="0" cy="0"/>
-        </a:xfrm>
-      </p:grpSpPr>
-      <p:sp>
-        <p:nvSpPr>
-          <p:cNvPr id="8" name="Can 7"/>
-          <p:cNvSpPr/>
-          <p:nvPr/>
-        </p:nvSpPr>
-        <p:spPr>
-          <a:xfrm>
-            <a:off x="9098280" y="2228625"/>
-            <a:ext cx="2065469" cy="1875416"/>
-          </a:xfrm>
-          <a:prstGeom prst="can">
-            <a:avLst/>
-          </a:prstGeom>
-        </p:spPr>
-        <p:style>
-          <a:lnRef idx="2">
-            <a:schemeClr val="accent1">
-              <a:shade val="50000"/>
-            </a:schemeClr>
-          </a:lnRef>
-          <a:fillRef idx="1">
-            <a:schemeClr val="accent1"/>
-          </a:fillRef>
-          <a:effectRef idx="0">
-            <a:schemeClr val="accent1"/>
-          </a:effectRef>
-          <a:fontRef idx="minor">
-            <a:schemeClr val="lt1"/>
-          </a:fontRef>
-        </p:style>
-        <p:txBody>
-          <a:bodyPr rtlCol="0" anchor="ctr"/>
-          <a:lstStyle/>
-          <a:p>
-            <a:pPr algn="ctr"/>
-            <a:r>
-              <a:rPr lang="en-US" sz="2400" dirty="0" smtClean="0"/>
-              <a:t>EHR</a:t>
-            </a:r>
-          </a:p>
-          <a:p>
-            <a:pPr algn="ctr"/>
-            <a:r>
-              <a:rPr lang="en-US" sz="2400" dirty="0" smtClean="0"/>
-              <a:t> FHIR Server</a:t>
-            </a:r>
-            <a:endParaRPr lang="en-US" sz="2400" dirty="0"/>
-          </a:p>
-        </p:txBody>
-      </p:sp>
-      <p:pic>
-        <p:nvPicPr>
-          <p:cNvPr id="9" name="Picture 8"/>
-          <p:cNvPicPr>
-            <a:picLocks noChangeAspect="1"/>
-          </p:cNvPicPr>
-          <p:nvPr/>
-        </p:nvPicPr>
-        <p:blipFill>
-          <a:blip r:embed="rId2">
-            <a:extLst>
-              <a:ext uri="{28A0092B-C50C-407E-A947-70E740481C1C}">
-                <a14:useLocalDpi xmlns:a14="http://schemas.microsoft.com/office/drawing/2010/main" val="0"/>
-              </a:ext>
-            </a:extLst>
-          </a:blip>
-          <a:stretch>
-            <a:fillRect/>
-          </a:stretch>
-        </p:blipFill>
-        <p:spPr>
-          <a:xfrm>
-            <a:off x="787997" y="1817269"/>
-            <a:ext cx="1780491" cy="2698128"/>
-          </a:xfrm>
-          <a:prstGeom prst="rect">
-            <a:avLst/>
-          </a:prstGeom>
-        </p:spPr>
-      </p:pic>
-      <p:sp>
-        <p:nvSpPr>
-          <p:cNvPr id="11" name="Can 10"/>
-          <p:cNvSpPr/>
-          <p:nvPr/>
-        </p:nvSpPr>
-        <p:spPr>
-          <a:xfrm>
-            <a:off x="4987962" y="2228625"/>
-            <a:ext cx="2065469" cy="1875416"/>
-          </a:xfrm>
-          <a:prstGeom prst="can">
-            <a:avLst/>
-          </a:prstGeom>
-        </p:spPr>
-        <p:style>
-          <a:lnRef idx="2">
-            <a:schemeClr val="accent1">
-              <a:shade val="50000"/>
-            </a:schemeClr>
-          </a:lnRef>
-          <a:fillRef idx="1">
-            <a:schemeClr val="accent1"/>
-          </a:fillRef>
-          <a:effectRef idx="0">
-            <a:schemeClr val="accent1"/>
-          </a:effectRef>
-          <a:fontRef idx="minor">
-            <a:schemeClr val="lt1"/>
-          </a:fontRef>
-        </p:style>
-        <p:txBody>
-          <a:bodyPr rtlCol="0" anchor="ctr"/>
-          <a:lstStyle/>
-          <a:p>
-            <a:pPr algn="ctr"/>
-            <a:r>
-              <a:rPr lang="en-US" sz="2400" dirty="0" smtClean="0"/>
-              <a:t>Client</a:t>
-            </a:r>
-          </a:p>
-          <a:p>
-            <a:pPr algn="ctr"/>
-            <a:r>
-              <a:rPr lang="en-US" sz="2400" dirty="0" smtClean="0"/>
-              <a:t> Application Server</a:t>
-            </a:r>
-            <a:endParaRPr lang="en-US" sz="2400" dirty="0"/>
-          </a:p>
-        </p:txBody>
-      </p:sp>
-      <p:sp>
-        <p:nvSpPr>
-          <p:cNvPr id="40" name="Rectangle 39"/>
-          <p:cNvSpPr/>
-          <p:nvPr/>
-        </p:nvSpPr>
-        <p:spPr>
-          <a:xfrm>
-            <a:off x="4437529" y="995082"/>
-            <a:ext cx="7274859" cy="4155142"/>
-          </a:xfrm>
-          <a:prstGeom prst="rect">
-            <a:avLst/>
-          </a:prstGeom>
-          <a:noFill/>
-          <a:ln w="25400">
-            <a:prstDash val="sysDash"/>
-          </a:ln>
-        </p:spPr>
-        <p:style>
-          <a:lnRef idx="2">
-            <a:schemeClr val="accent1">
-              <a:shade val="50000"/>
-            </a:schemeClr>
-          </a:lnRef>
-          <a:fillRef idx="1">
-            <a:schemeClr val="accent1"/>
-          </a:fillRef>
-          <a:effectRef idx="0">
-            <a:schemeClr val="accent1"/>
-          </a:effectRef>
-          <a:fontRef idx="minor">
-            <a:schemeClr val="lt1"/>
-          </a:fontRef>
-        </p:style>
-        <p:txBody>
-          <a:bodyPr rtlCol="0" anchor="ctr"/>
-          <a:lstStyle/>
-          <a:p>
-            <a:pPr algn="ctr"/>
-            <a:endParaRPr lang="en-US"/>
-          </a:p>
-        </p:txBody>
-      </p:sp>
-      <p:cxnSp>
-        <p:nvCxnSpPr>
-          <p:cNvPr id="42" name="Straight Connector 41"/>
-          <p:cNvCxnSpPr>
-            <a:stCxn id="40" idx="0"/>
-            <a:endCxn id="40" idx="2"/>
-          </p:cNvCxnSpPr>
-          <p:nvPr/>
-        </p:nvCxnSpPr>
-        <p:spPr>
-          <a:xfrm>
-            <a:off x="8074959" y="995082"/>
-            <a:ext cx="0" cy="4155142"/>
-          </a:xfrm>
-          <a:prstGeom prst="line">
-            <a:avLst/>
-          </a:prstGeom>
-          <a:ln w="25400">
-            <a:prstDash val="sysDash"/>
-          </a:ln>
-        </p:spPr>
-        <p:style>
-          <a:lnRef idx="1">
-            <a:schemeClr val="accent1"/>
-          </a:lnRef>
-          <a:fillRef idx="0">
-            <a:schemeClr val="accent1"/>
-          </a:fillRef>
-          <a:effectRef idx="0">
-            <a:schemeClr val="accent1"/>
-          </a:effectRef>
-          <a:fontRef idx="minor">
-            <a:schemeClr val="tx1"/>
-          </a:fontRef>
-        </p:style>
-      </p:cxnSp>
-      <p:sp>
-        <p:nvSpPr>
-          <p:cNvPr id="43" name="Oval 42"/>
-          <p:cNvSpPr/>
-          <p:nvPr/>
-        </p:nvSpPr>
-        <p:spPr>
-          <a:xfrm>
-            <a:off x="3244277" y="823511"/>
-            <a:ext cx="411131" cy="386895"/>
-          </a:xfrm>
-          <a:prstGeom prst="ellipse">
-            <a:avLst/>
-          </a:prstGeom>
-          <a:noFill/>
-        </p:spPr>
-        <p:style>
-          <a:lnRef idx="2">
-            <a:schemeClr val="accent1">
-              <a:shade val="50000"/>
-            </a:schemeClr>
-          </a:lnRef>
-          <a:fillRef idx="1">
-            <a:schemeClr val="accent1"/>
-          </a:fillRef>
-          <a:effectRef idx="0">
-            <a:schemeClr val="accent1"/>
-          </a:effectRef>
-          <a:fontRef idx="minor">
-            <a:schemeClr val="lt1"/>
-          </a:fontRef>
-        </p:style>
-        <p:txBody>
-          <a:bodyPr rtlCol="0" anchor="ctr"/>
-          <a:lstStyle/>
-          <a:p>
-            <a:pPr algn="ctr"/>
-            <a:r>
-              <a:rPr lang="en-US" dirty="0" smtClean="0">
-                <a:solidFill>
-                  <a:schemeClr val="tx1"/>
-                </a:solidFill>
-              </a:rPr>
-              <a:t>1</a:t>
-            </a:r>
-            <a:endParaRPr lang="en-US" sz="1200" dirty="0"/>
-          </a:p>
-        </p:txBody>
-      </p:sp>
-      <p:sp>
-        <p:nvSpPr>
-          <p:cNvPr id="44" name="TextBox 43"/>
-          <p:cNvSpPr txBox="1"/>
-          <p:nvPr/>
-        </p:nvSpPr>
-        <p:spPr>
-          <a:xfrm>
-            <a:off x="2634742" y="1122382"/>
-            <a:ext cx="1736532" cy="923330"/>
-          </a:xfrm>
-          <a:prstGeom prst="rect">
-            <a:avLst/>
-          </a:prstGeom>
-          <a:noFill/>
-        </p:spPr>
-        <p:txBody>
-          <a:bodyPr wrap="square" rtlCol="0">
-            <a:spAutoFit/>
-          </a:bodyPr>
-          <a:lstStyle/>
-          <a:p>
-            <a:r>
-              <a:rPr lang="en-US" dirty="0" smtClean="0"/>
-              <a:t>End user search for available appointments</a:t>
-            </a:r>
-            <a:endParaRPr lang="en-US" dirty="0"/>
-          </a:p>
-        </p:txBody>
-      </p:sp>
-      <p:sp>
-        <p:nvSpPr>
-          <p:cNvPr id="45" name="Oval 44"/>
-          <p:cNvSpPr/>
-          <p:nvPr/>
-        </p:nvSpPr>
-        <p:spPr>
-          <a:xfrm>
-            <a:off x="3244277" y="2057391"/>
-            <a:ext cx="411131" cy="411357"/>
-          </a:xfrm>
-          <a:prstGeom prst="ellipse">
-            <a:avLst/>
-          </a:prstGeom>
-          <a:noFill/>
-        </p:spPr>
-        <p:style>
-          <a:lnRef idx="2">
-            <a:schemeClr val="accent1">
-              <a:shade val="50000"/>
-            </a:schemeClr>
-          </a:lnRef>
-          <a:fillRef idx="1">
-            <a:schemeClr val="accent1"/>
-          </a:fillRef>
-          <a:effectRef idx="0">
-            <a:schemeClr val="accent1"/>
-          </a:effectRef>
-          <a:fontRef idx="minor">
-            <a:schemeClr val="lt1"/>
-          </a:fontRef>
-        </p:style>
-        <p:txBody>
-          <a:bodyPr rtlCol="0" anchor="ctr"/>
-          <a:lstStyle/>
-          <a:p>
-            <a:pPr algn="ctr"/>
-            <a:r>
-              <a:rPr lang="en-US" dirty="0">
-                <a:solidFill>
-                  <a:schemeClr val="tx1"/>
-                </a:solidFill>
-              </a:rPr>
-              <a:t>2</a:t>
-            </a:r>
-            <a:endParaRPr lang="en-US" sz="1200" dirty="0"/>
-          </a:p>
-        </p:txBody>
-      </p:sp>
-      <p:sp>
-        <p:nvSpPr>
-          <p:cNvPr id="46" name="TextBox 45"/>
-          <p:cNvSpPr txBox="1"/>
-          <p:nvPr/>
-        </p:nvSpPr>
-        <p:spPr>
-          <a:xfrm>
-            <a:off x="2667870" y="2480427"/>
-            <a:ext cx="1736532" cy="646331"/>
-          </a:xfrm>
-          <a:prstGeom prst="rect">
-            <a:avLst/>
-          </a:prstGeom>
-          <a:noFill/>
-        </p:spPr>
-        <p:txBody>
-          <a:bodyPr wrap="square" rtlCol="0">
-            <a:spAutoFit/>
-          </a:bodyPr>
-          <a:lstStyle/>
-          <a:p>
-            <a:r>
-              <a:rPr lang="en-US" dirty="0" smtClean="0"/>
-              <a:t>End user books Appointment</a:t>
-            </a:r>
-            <a:endParaRPr lang="en-US" dirty="0"/>
-          </a:p>
-        </p:txBody>
-      </p:sp>
-      <p:sp>
-        <p:nvSpPr>
-          <p:cNvPr id="47" name="Oval 46"/>
-          <p:cNvSpPr/>
-          <p:nvPr/>
-        </p:nvSpPr>
-        <p:spPr>
-          <a:xfrm>
-            <a:off x="3244277" y="3166333"/>
-            <a:ext cx="411131" cy="411357"/>
-          </a:xfrm>
-          <a:prstGeom prst="ellipse">
-            <a:avLst/>
-          </a:prstGeom>
-          <a:noFill/>
-        </p:spPr>
-        <p:style>
-          <a:lnRef idx="2">
-            <a:schemeClr val="accent1">
-              <a:shade val="50000"/>
-            </a:schemeClr>
-          </a:lnRef>
-          <a:fillRef idx="1">
-            <a:schemeClr val="accent1"/>
-          </a:fillRef>
-          <a:effectRef idx="0">
-            <a:schemeClr val="accent1"/>
-          </a:effectRef>
-          <a:fontRef idx="minor">
-            <a:schemeClr val="lt1"/>
-          </a:fontRef>
-        </p:style>
-        <p:txBody>
-          <a:bodyPr rtlCol="0" anchor="ctr"/>
-          <a:lstStyle/>
-          <a:p>
-            <a:pPr algn="ctr"/>
-            <a:r>
-              <a:rPr lang="en-US" dirty="0" smtClean="0">
-                <a:solidFill>
-                  <a:schemeClr val="tx1"/>
-                </a:solidFill>
-              </a:rPr>
-              <a:t>3</a:t>
-            </a:r>
-            <a:endParaRPr lang="en-US" sz="1200" dirty="0"/>
-          </a:p>
-        </p:txBody>
-      </p:sp>
-      <p:sp>
-        <p:nvSpPr>
-          <p:cNvPr id="48" name="TextBox 47"/>
-          <p:cNvSpPr txBox="1"/>
-          <p:nvPr/>
-        </p:nvSpPr>
-        <p:spPr>
-          <a:xfrm>
-            <a:off x="2667869" y="4655040"/>
-            <a:ext cx="1777305" cy="923330"/>
-          </a:xfrm>
-          <a:prstGeom prst="rect">
-            <a:avLst/>
-          </a:prstGeom>
-          <a:noFill/>
-        </p:spPr>
-        <p:txBody>
-          <a:bodyPr wrap="square" rtlCol="0">
-            <a:spAutoFit/>
-          </a:bodyPr>
-          <a:lstStyle/>
-          <a:p>
-            <a:r>
-              <a:rPr lang="en-US" dirty="0" smtClean="0"/>
-              <a:t>End </a:t>
-            </a:r>
-            <a:r>
-              <a:rPr lang="en-US" smtClean="0"/>
-              <a:t>user updates </a:t>
-            </a:r>
-            <a:r>
-              <a:rPr lang="en-US" dirty="0" smtClean="0"/>
-              <a:t>Appointment</a:t>
-            </a:r>
-            <a:endParaRPr lang="en-US" dirty="0"/>
-          </a:p>
-        </p:txBody>
-      </p:sp>
-      <p:sp>
-        <p:nvSpPr>
-          <p:cNvPr id="49" name="Oval 48"/>
-          <p:cNvSpPr/>
-          <p:nvPr/>
-        </p:nvSpPr>
-        <p:spPr>
-          <a:xfrm>
-            <a:off x="3235812" y="4231162"/>
-            <a:ext cx="411131" cy="411357"/>
-          </a:xfrm>
-          <a:prstGeom prst="ellipse">
-            <a:avLst/>
-          </a:prstGeom>
-          <a:noFill/>
-        </p:spPr>
-        <p:style>
-          <a:lnRef idx="2">
-            <a:schemeClr val="accent1">
-              <a:shade val="50000"/>
-            </a:schemeClr>
-          </a:lnRef>
-          <a:fillRef idx="1">
-            <a:schemeClr val="accent1"/>
-          </a:fillRef>
-          <a:effectRef idx="0">
-            <a:schemeClr val="accent1"/>
-          </a:effectRef>
-          <a:fontRef idx="minor">
-            <a:schemeClr val="lt1"/>
-          </a:fontRef>
-        </p:style>
-        <p:txBody>
-          <a:bodyPr rtlCol="0" anchor="ctr"/>
-          <a:lstStyle/>
-          <a:p>
-            <a:pPr algn="ctr"/>
-            <a:r>
-              <a:rPr lang="en-US" dirty="0" smtClean="0">
-                <a:solidFill>
-                  <a:schemeClr val="tx1"/>
-                </a:solidFill>
-              </a:rPr>
-              <a:t>4</a:t>
-            </a:r>
-            <a:endParaRPr lang="en-US" sz="1200" dirty="0"/>
-          </a:p>
-        </p:txBody>
-      </p:sp>
-      <p:sp>
-        <p:nvSpPr>
-          <p:cNvPr id="50" name="TextBox 49"/>
-          <p:cNvSpPr txBox="1"/>
-          <p:nvPr/>
-        </p:nvSpPr>
-        <p:spPr>
-          <a:xfrm>
-            <a:off x="2634742" y="3589567"/>
-            <a:ext cx="1736532" cy="646331"/>
-          </a:xfrm>
-          <a:prstGeom prst="rect">
-            <a:avLst/>
-          </a:prstGeom>
-          <a:noFill/>
-        </p:spPr>
-        <p:txBody>
-          <a:bodyPr wrap="square" rtlCol="0">
-            <a:spAutoFit/>
-          </a:bodyPr>
-          <a:lstStyle/>
-          <a:p>
-            <a:r>
-              <a:rPr lang="en-US" smtClean="0"/>
-              <a:t>Appointment </a:t>
-            </a:r>
-            <a:r>
-              <a:rPr lang="en-US" dirty="0" smtClean="0"/>
-              <a:t>confirmed</a:t>
-            </a:r>
-            <a:endParaRPr lang="en-US" dirty="0"/>
-          </a:p>
-        </p:txBody>
-      </p:sp>
-    </p:spTree>
-    <p:extLst>
-      <p:ext uri="{BB962C8B-B14F-4D97-AF65-F5344CB8AC3E}">
-        <p14:creationId xmlns:p14="http://schemas.microsoft.com/office/powerpoint/2010/main" val="1713438735"/>
-      </p:ext>
-    </p:extLst>
-  </p:cSld>
-  <p:clrMapOvr>
-    <a:masterClrMapping/>
-  </p:clrMapOvr>
-  <p:timing>
-    <p:tnLst>
-      <p:par>
-        <p:cTn id="1" dur="indefinite" restart="never" nodeType="tmRoot"/>
-      </p:par>
-    </p:tnLst>
-  </p:timing>
-</p:sld>
-</file>
-
-<file path=ppt/slides/slide20.xml><?xml version="1.0" encoding="utf-8"?>
+<file path=ppt/slides/slide21.xml><?xml version="1.0" encoding="utf-8"?>
 <p:sld xmlns:a="http://schemas.openxmlformats.org/drawingml/2006/main" xmlns:r="http://schemas.openxmlformats.org/officeDocument/2006/relationships" xmlns:p="http://schemas.openxmlformats.org/presentationml/2006/main">
   <p:cSld>
     <p:spTree>
@@ -10611,7 +11016,7 @@
 </p:sld>
 </file>
 
-<file path=ppt/slides/slide21.xml><?xml version="1.0" encoding="utf-8"?>
+<file path=ppt/slides/slide22.xml><?xml version="1.0" encoding="utf-8"?>
 <p:sld xmlns:a="http://schemas.openxmlformats.org/drawingml/2006/main" xmlns:r="http://schemas.openxmlformats.org/officeDocument/2006/relationships" xmlns:p="http://schemas.openxmlformats.org/presentationml/2006/main">
   <p:cSld>
     <p:spTree>
@@ -11142,7 +11547,7 @@
 </p:sld>
 </file>
 
-<file path=ppt/slides/slide22.xml><?xml version="1.0" encoding="utf-8"?>
+<file path=ppt/slides/slide23.xml><?xml version="1.0" encoding="utf-8"?>
 <p:sld xmlns:a="http://schemas.openxmlformats.org/drawingml/2006/main" xmlns:r="http://schemas.openxmlformats.org/officeDocument/2006/relationships" xmlns:p="http://schemas.openxmlformats.org/presentationml/2006/main">
   <p:cSld>
     <p:spTree>
@@ -11665,7 +12070,7 @@
 </p:sld>
 </file>
 
-<file path=ppt/slides/slide23.xml><?xml version="1.0" encoding="utf-8"?>
+<file path=ppt/slides/slide24.xml><?xml version="1.0" encoding="utf-8"?>
 <p:sld xmlns:a="http://schemas.openxmlformats.org/drawingml/2006/main" xmlns:r="http://schemas.openxmlformats.org/officeDocument/2006/relationships" xmlns:p="http://schemas.openxmlformats.org/presentationml/2006/main">
   <p:cSld>
     <p:spTree>
@@ -12381,7 +12786,7 @@
 </p:sld>
 </file>
 
-<file path=ppt/slides/slide24.xml><?xml version="1.0" encoding="utf-8"?>
+<file path=ppt/slides/slide25.xml><?xml version="1.0" encoding="utf-8"?>
 <p:sld xmlns:a="http://schemas.openxmlformats.org/drawingml/2006/main" xmlns:r="http://schemas.openxmlformats.org/officeDocument/2006/relationships" xmlns:p="http://schemas.openxmlformats.org/presentationml/2006/main">
   <p:cSld>
     <p:spTree>
@@ -12994,6 +13399,1103 @@
     <p:extLst>
       <p:ext uri="{BB962C8B-B14F-4D97-AF65-F5344CB8AC3E}">
         <p14:creationId xmlns:p14="http://schemas.microsoft.com/office/powerpoint/2010/main" val="1953325073"/>
+      </p:ext>
+    </p:extLst>
+  </p:cSld>
+  <p:clrMapOvr>
+    <a:masterClrMapping/>
+  </p:clrMapOvr>
+  <p:timing>
+    <p:tnLst>
+      <p:par>
+        <p:cTn id="1" dur="indefinite" restart="never" nodeType="tmRoot"/>
+      </p:par>
+    </p:tnLst>
+  </p:timing>
+</p:sld>
+</file>
+
+<file path=ppt/slides/slide26.xml><?xml version="1.0" encoding="utf-8"?>
+<p:sld xmlns:a="http://schemas.openxmlformats.org/drawingml/2006/main" xmlns:r="http://schemas.openxmlformats.org/officeDocument/2006/relationships" xmlns:p="http://schemas.openxmlformats.org/presentationml/2006/main">
+  <p:cSld>
+    <p:spTree>
+      <p:nvGrpSpPr>
+        <p:cNvPr id="1" name=""/>
+        <p:cNvGrpSpPr/>
+        <p:nvPr/>
+      </p:nvGrpSpPr>
+      <p:grpSpPr>
+        <a:xfrm>
+          <a:off x="0" y="0"/>
+          <a:ext cx="0" cy="0"/>
+          <a:chOff x="0" y="0"/>
+          <a:chExt cx="0" cy="0"/>
+        </a:xfrm>
+      </p:grpSpPr>
+      <p:pic>
+        <p:nvPicPr>
+          <p:cNvPr id="3" name="Picture 2"/>
+          <p:cNvPicPr>
+            <a:picLocks noChangeAspect="1"/>
+          </p:cNvPicPr>
+          <p:nvPr/>
+        </p:nvPicPr>
+        <p:blipFill>
+          <a:blip r:embed="rId2"/>
+          <a:stretch>
+            <a:fillRect/>
+          </a:stretch>
+        </p:blipFill>
+        <p:spPr>
+          <a:xfrm>
+            <a:off x="585214" y="2230650"/>
+            <a:ext cx="1916243" cy="1916243"/>
+          </a:xfrm>
+          <a:prstGeom prst="rect">
+            <a:avLst/>
+          </a:prstGeom>
+        </p:spPr>
+      </p:pic>
+      <p:sp>
+        <p:nvSpPr>
+          <p:cNvPr id="2" name="Rectangle 1"/>
+          <p:cNvSpPr/>
+          <p:nvPr/>
+        </p:nvSpPr>
+        <p:spPr>
+          <a:xfrm>
+            <a:off x="3370962" y="947183"/>
+            <a:ext cx="6021970" cy="369332"/>
+          </a:xfrm>
+          <a:prstGeom prst="rect">
+            <a:avLst/>
+          </a:prstGeom>
+        </p:spPr>
+        <p:txBody>
+          <a:bodyPr wrap="none">
+            <a:spAutoFit/>
+          </a:bodyPr>
+          <a:lstStyle/>
+          <a:p>
+            <a:r>
+              <a:rPr lang="en-US" dirty="0"/>
+              <a:t>Provider Scheduling Work Flow :  Update/Cancel Appointment</a:t>
+            </a:r>
+            <a:endParaRPr lang="en-US" dirty="0"/>
+          </a:p>
+        </p:txBody>
+      </p:sp>
+      <p:sp>
+        <p:nvSpPr>
+          <p:cNvPr id="39" name="Can 38"/>
+          <p:cNvSpPr/>
+          <p:nvPr/>
+        </p:nvSpPr>
+        <p:spPr>
+          <a:xfrm>
+            <a:off x="3883299" y="2390275"/>
+            <a:ext cx="2484820" cy="2258969"/>
+          </a:xfrm>
+          <a:prstGeom prst="can">
+            <a:avLst/>
+          </a:prstGeom>
+        </p:spPr>
+        <p:style>
+          <a:lnRef idx="2">
+            <a:schemeClr val="accent1">
+              <a:shade val="50000"/>
+            </a:schemeClr>
+          </a:lnRef>
+          <a:fillRef idx="1">
+            <a:schemeClr val="accent1"/>
+          </a:fillRef>
+          <a:effectRef idx="0">
+            <a:schemeClr val="accent1"/>
+          </a:effectRef>
+          <a:fontRef idx="minor">
+            <a:schemeClr val="lt1"/>
+          </a:fontRef>
+        </p:style>
+        <p:txBody>
+          <a:bodyPr rtlCol="0" anchor="ctr"/>
+          <a:lstStyle/>
+          <a:p>
+            <a:pPr algn="ctr"/>
+            <a:r>
+              <a:rPr lang="en-US" sz="2400" dirty="0" smtClean="0"/>
+              <a:t>Provider</a:t>
+            </a:r>
+            <a:endParaRPr lang="en-US" sz="2400" dirty="0" smtClean="0"/>
+          </a:p>
+          <a:p>
+            <a:pPr algn="ctr"/>
+            <a:r>
+              <a:rPr lang="en-US" sz="2400" dirty="0" smtClean="0"/>
+              <a:t>Scheduling Application</a:t>
+            </a:r>
+            <a:endParaRPr lang="en-US" sz="2400" dirty="0"/>
+          </a:p>
+        </p:txBody>
+      </p:sp>
+      <p:sp>
+        <p:nvSpPr>
+          <p:cNvPr id="53" name="Can 52"/>
+          <p:cNvSpPr/>
+          <p:nvPr/>
+        </p:nvSpPr>
+        <p:spPr>
+          <a:xfrm>
+            <a:off x="9297574" y="2359802"/>
+            <a:ext cx="2380957" cy="2258969"/>
+          </a:xfrm>
+          <a:prstGeom prst="can">
+            <a:avLst/>
+          </a:prstGeom>
+        </p:spPr>
+        <p:style>
+          <a:lnRef idx="2">
+            <a:schemeClr val="accent1">
+              <a:shade val="50000"/>
+            </a:schemeClr>
+          </a:lnRef>
+          <a:fillRef idx="1">
+            <a:schemeClr val="accent1"/>
+          </a:fillRef>
+          <a:effectRef idx="0">
+            <a:schemeClr val="accent1"/>
+          </a:effectRef>
+          <a:fontRef idx="minor">
+            <a:schemeClr val="lt1"/>
+          </a:fontRef>
+        </p:style>
+        <p:txBody>
+          <a:bodyPr rtlCol="0" anchor="ctr"/>
+          <a:lstStyle/>
+          <a:p>
+            <a:pPr algn="ctr"/>
+            <a:r>
+              <a:rPr lang="en-US" sz="2400" dirty="0" smtClean="0"/>
+              <a:t>FHIR Scheduler, (EHR)</a:t>
+            </a:r>
+            <a:endParaRPr lang="en-US" sz="2400" dirty="0"/>
+          </a:p>
+        </p:txBody>
+      </p:sp>
+      <p:grpSp>
+        <p:nvGrpSpPr>
+          <p:cNvPr id="20" name="Group 19"/>
+          <p:cNvGrpSpPr/>
+          <p:nvPr/>
+        </p:nvGrpSpPr>
+        <p:grpSpPr>
+          <a:xfrm>
+            <a:off x="6482947" y="2743201"/>
+            <a:ext cx="2713910" cy="756504"/>
+            <a:chOff x="-1796260" y="2124752"/>
+            <a:chExt cx="10092590" cy="1022801"/>
+          </a:xfrm>
+        </p:grpSpPr>
+        <p:sp>
+          <p:nvSpPr>
+            <p:cNvPr id="21" name="TextBox 20"/>
+            <p:cNvSpPr txBox="1"/>
+            <p:nvPr/>
+          </p:nvSpPr>
+          <p:spPr>
+            <a:xfrm>
+              <a:off x="260056" y="2124752"/>
+              <a:ext cx="7983794" cy="873846"/>
+            </a:xfrm>
+            <a:prstGeom prst="rect">
+              <a:avLst/>
+            </a:prstGeom>
+            <a:solidFill>
+              <a:schemeClr val="bg1"/>
+            </a:solidFill>
+            <a:effectLst/>
+          </p:spPr>
+          <p:txBody>
+            <a:bodyPr wrap="square" rtlCol="0">
+              <a:spAutoFit/>
+            </a:bodyPr>
+            <a:lstStyle/>
+            <a:p>
+              <a:r>
+                <a:rPr lang="en-US" dirty="0" smtClean="0"/>
+                <a:t>Cancels appointment</a:t>
+              </a:r>
+              <a:endParaRPr lang="en-US" dirty="0"/>
+            </a:p>
+          </p:txBody>
+        </p:sp>
+        <p:cxnSp>
+          <p:nvCxnSpPr>
+            <p:cNvPr id="22" name="Straight Arrow Connector 21"/>
+            <p:cNvCxnSpPr/>
+            <p:nvPr/>
+          </p:nvCxnSpPr>
+          <p:spPr>
+            <a:xfrm>
+              <a:off x="-1796260" y="3134605"/>
+              <a:ext cx="10092590" cy="12948"/>
+            </a:xfrm>
+            <a:prstGeom prst="straightConnector1">
+              <a:avLst/>
+            </a:prstGeom>
+            <a:ln w="63500">
+              <a:headEnd type="none"/>
+              <a:tailEnd type="triangle"/>
+            </a:ln>
+          </p:spPr>
+          <p:style>
+            <a:lnRef idx="1">
+              <a:schemeClr val="accent1"/>
+            </a:lnRef>
+            <a:fillRef idx="0">
+              <a:schemeClr val="accent1"/>
+            </a:fillRef>
+            <a:effectRef idx="0">
+              <a:schemeClr val="accent1"/>
+            </a:effectRef>
+            <a:fontRef idx="minor">
+              <a:schemeClr val="tx1"/>
+            </a:fontRef>
+          </p:style>
+        </p:cxnSp>
+        <p:sp>
+          <p:nvSpPr>
+            <p:cNvPr id="23" name="TextBox 22"/>
+            <p:cNvSpPr txBox="1"/>
+            <p:nvPr/>
+          </p:nvSpPr>
+          <p:spPr>
+            <a:xfrm>
+              <a:off x="-1771812" y="2209681"/>
+              <a:ext cx="1580394" cy="499340"/>
+            </a:xfrm>
+            <a:prstGeom prst="rect">
+              <a:avLst/>
+            </a:prstGeom>
+            <a:noFill/>
+            <a:ln w="25400">
+              <a:solidFill>
+                <a:schemeClr val="accent1">
+                  <a:shade val="50000"/>
+                </a:schemeClr>
+              </a:solidFill>
+            </a:ln>
+          </p:spPr>
+          <p:txBody>
+            <a:bodyPr wrap="square" rtlCol="0">
+              <a:spAutoFit/>
+            </a:bodyPr>
+            <a:lstStyle/>
+            <a:p>
+              <a:pPr algn="ctr"/>
+              <a:r>
+                <a:rPr lang="en-US" dirty="0" smtClean="0"/>
+                <a:t>A</a:t>
+              </a:r>
+              <a:endParaRPr lang="en-US" dirty="0"/>
+            </a:p>
+          </p:txBody>
+        </p:sp>
+      </p:grpSp>
+      <p:cxnSp>
+        <p:nvCxnSpPr>
+          <p:cNvPr id="24" name="Straight Arrow Connector 23"/>
+          <p:cNvCxnSpPr/>
+          <p:nvPr/>
+        </p:nvCxnSpPr>
+        <p:spPr>
+          <a:xfrm>
+            <a:off x="6468835" y="3680645"/>
+            <a:ext cx="2713910" cy="8575"/>
+          </a:xfrm>
+          <a:prstGeom prst="straightConnector1">
+            <a:avLst/>
+          </a:prstGeom>
+          <a:ln w="63500">
+            <a:headEnd type="triangle"/>
+            <a:tailEnd type="none"/>
+          </a:ln>
+        </p:spPr>
+        <p:style>
+          <a:lnRef idx="1">
+            <a:schemeClr val="accent1"/>
+          </a:lnRef>
+          <a:fillRef idx="0">
+            <a:schemeClr val="accent1"/>
+          </a:fillRef>
+          <a:effectRef idx="0">
+            <a:schemeClr val="accent1"/>
+          </a:effectRef>
+          <a:fontRef idx="minor">
+            <a:schemeClr val="tx1"/>
+          </a:fontRef>
+        </p:style>
+      </p:cxnSp>
+      <p:sp>
+        <p:nvSpPr>
+          <p:cNvPr id="25" name="TextBox 24"/>
+          <p:cNvSpPr txBox="1"/>
+          <p:nvPr/>
+        </p:nvSpPr>
+        <p:spPr>
+          <a:xfrm>
+            <a:off x="6483468" y="4003998"/>
+            <a:ext cx="431023" cy="369332"/>
+          </a:xfrm>
+          <a:prstGeom prst="rect">
+            <a:avLst/>
+          </a:prstGeom>
+          <a:noFill/>
+          <a:ln w="25400">
+            <a:solidFill>
+              <a:schemeClr val="accent1">
+                <a:shade val="50000"/>
+              </a:schemeClr>
+            </a:solidFill>
+          </a:ln>
+        </p:spPr>
+        <p:txBody>
+          <a:bodyPr wrap="square" rtlCol="0">
+            <a:spAutoFit/>
+          </a:bodyPr>
+          <a:lstStyle/>
+          <a:p>
+            <a:pPr algn="ctr"/>
+            <a:r>
+              <a:rPr lang="en-US" dirty="0"/>
+              <a:t>A</a:t>
+            </a:r>
+          </a:p>
+        </p:txBody>
+      </p:sp>
+      <p:sp>
+        <p:nvSpPr>
+          <p:cNvPr id="26" name="TextBox 25"/>
+          <p:cNvSpPr txBox="1"/>
+          <p:nvPr/>
+        </p:nvSpPr>
+        <p:spPr>
+          <a:xfrm>
+            <a:off x="7035893" y="3890367"/>
+            <a:ext cx="2006450" cy="923330"/>
+          </a:xfrm>
+          <a:prstGeom prst="rect">
+            <a:avLst/>
+          </a:prstGeom>
+          <a:solidFill>
+            <a:schemeClr val="bg1"/>
+          </a:solidFill>
+          <a:effectLst/>
+        </p:spPr>
+        <p:txBody>
+          <a:bodyPr wrap="square" rtlCol="0">
+            <a:spAutoFit/>
+          </a:bodyPr>
+          <a:lstStyle/>
+          <a:p>
+            <a:r>
+              <a:rPr lang="en-US" dirty="0" smtClean="0"/>
+              <a:t>Returns </a:t>
+            </a:r>
+            <a:endParaRPr lang="en-US" dirty="0"/>
+          </a:p>
+          <a:p>
+            <a:r>
+              <a:rPr lang="en-US" dirty="0" smtClean="0"/>
+              <a:t>confirmation </a:t>
+            </a:r>
+            <a:r>
+              <a:rPr lang="en-US" dirty="0"/>
+              <a:t>of </a:t>
+            </a:r>
+            <a:r>
+              <a:rPr lang="en-US" dirty="0" smtClean="0"/>
+              <a:t>cancellation</a:t>
+            </a:r>
+            <a:endParaRPr lang="en-US" dirty="0"/>
+          </a:p>
+        </p:txBody>
+      </p:sp>
+      <p:sp>
+        <p:nvSpPr>
+          <p:cNvPr id="13" name="TextBox 12"/>
+          <p:cNvSpPr txBox="1"/>
+          <p:nvPr/>
+        </p:nvSpPr>
+        <p:spPr>
+          <a:xfrm>
+            <a:off x="2271254" y="2297723"/>
+            <a:ext cx="1736532" cy="923330"/>
+          </a:xfrm>
+          <a:prstGeom prst="rect">
+            <a:avLst/>
+          </a:prstGeom>
+          <a:noFill/>
+        </p:spPr>
+        <p:txBody>
+          <a:bodyPr wrap="square" rtlCol="0">
+            <a:spAutoFit/>
+          </a:bodyPr>
+          <a:lstStyle/>
+          <a:p>
+            <a:r>
+              <a:rPr lang="en-US" dirty="0" smtClean="0"/>
+              <a:t>End user cancels booked appointment</a:t>
+            </a:r>
+            <a:endParaRPr lang="en-US" dirty="0"/>
+          </a:p>
+        </p:txBody>
+      </p:sp>
+      <p:cxnSp>
+        <p:nvCxnSpPr>
+          <p:cNvPr id="14" name="Straight Arrow Connector 13"/>
+          <p:cNvCxnSpPr/>
+          <p:nvPr/>
+        </p:nvCxnSpPr>
+        <p:spPr>
+          <a:xfrm>
+            <a:off x="2226946" y="3733633"/>
+            <a:ext cx="1608610" cy="11153"/>
+          </a:xfrm>
+          <a:prstGeom prst="straightConnector1">
+            <a:avLst/>
+          </a:prstGeom>
+          <a:ln w="63500">
+            <a:headEnd type="triangle"/>
+            <a:tailEnd type="none"/>
+          </a:ln>
+        </p:spPr>
+        <p:style>
+          <a:lnRef idx="1">
+            <a:schemeClr val="accent1"/>
+          </a:lnRef>
+          <a:fillRef idx="0">
+            <a:schemeClr val="accent1"/>
+          </a:fillRef>
+          <a:effectRef idx="0">
+            <a:schemeClr val="accent1"/>
+          </a:effectRef>
+          <a:fontRef idx="minor">
+            <a:schemeClr val="tx1"/>
+          </a:fontRef>
+        </p:style>
+      </p:cxnSp>
+      <p:sp>
+        <p:nvSpPr>
+          <p:cNvPr id="15" name="TextBox 14"/>
+          <p:cNvSpPr txBox="1"/>
+          <p:nvPr/>
+        </p:nvSpPr>
+        <p:spPr>
+          <a:xfrm>
+            <a:off x="2281086" y="3956474"/>
+            <a:ext cx="1736532" cy="646331"/>
+          </a:xfrm>
+          <a:prstGeom prst="rect">
+            <a:avLst/>
+          </a:prstGeom>
+          <a:noFill/>
+        </p:spPr>
+        <p:txBody>
+          <a:bodyPr wrap="square" rtlCol="0">
+            <a:spAutoFit/>
+          </a:bodyPr>
+          <a:lstStyle/>
+          <a:p>
+            <a:r>
+              <a:rPr lang="en-US" dirty="0" smtClean="0"/>
+              <a:t>Confirms cancellation</a:t>
+            </a:r>
+            <a:endParaRPr lang="en-US" dirty="0"/>
+          </a:p>
+        </p:txBody>
+      </p:sp>
+      <p:sp>
+        <p:nvSpPr>
+          <p:cNvPr id="16" name="TextBox 15"/>
+          <p:cNvSpPr txBox="1"/>
+          <p:nvPr/>
+        </p:nvSpPr>
+        <p:spPr>
+          <a:xfrm>
+            <a:off x="2319479" y="1908740"/>
+            <a:ext cx="554738" cy="307777"/>
+          </a:xfrm>
+          <a:prstGeom prst="rect">
+            <a:avLst/>
+          </a:prstGeom>
+          <a:noFill/>
+          <a:ln w="25400">
+            <a:solidFill>
+              <a:schemeClr val="accent1">
+                <a:shade val="50000"/>
+              </a:schemeClr>
+            </a:solidFill>
+          </a:ln>
+        </p:spPr>
+        <p:txBody>
+          <a:bodyPr wrap="square" rtlCol="0">
+            <a:spAutoFit/>
+          </a:bodyPr>
+          <a:lstStyle/>
+          <a:p>
+            <a:pPr algn="ctr"/>
+            <a:r>
+              <a:rPr lang="en-US" sz="1400" dirty="0"/>
+              <a:t>A</a:t>
+            </a:r>
+            <a:endParaRPr lang="en-US" sz="1400" dirty="0"/>
+          </a:p>
+        </p:txBody>
+      </p:sp>
+      <p:sp>
+        <p:nvSpPr>
+          <p:cNvPr id="17" name="TextBox 16"/>
+          <p:cNvSpPr txBox="1"/>
+          <p:nvPr/>
+        </p:nvSpPr>
+        <p:spPr>
+          <a:xfrm>
+            <a:off x="3302087" y="4037433"/>
+            <a:ext cx="554738" cy="307777"/>
+          </a:xfrm>
+          <a:prstGeom prst="rect">
+            <a:avLst/>
+          </a:prstGeom>
+          <a:noFill/>
+          <a:ln w="25400">
+            <a:solidFill>
+              <a:schemeClr val="accent1">
+                <a:shade val="50000"/>
+              </a:schemeClr>
+            </a:solidFill>
+          </a:ln>
+        </p:spPr>
+        <p:txBody>
+          <a:bodyPr wrap="square" rtlCol="0">
+            <a:spAutoFit/>
+          </a:bodyPr>
+          <a:lstStyle/>
+          <a:p>
+            <a:pPr algn="ctr"/>
+            <a:r>
+              <a:rPr lang="en-US" sz="1400" dirty="0" smtClean="0"/>
+              <a:t>A</a:t>
+            </a:r>
+            <a:endParaRPr lang="en-US" sz="1400" dirty="0"/>
+          </a:p>
+        </p:txBody>
+      </p:sp>
+      <p:cxnSp>
+        <p:nvCxnSpPr>
+          <p:cNvPr id="27" name="Straight Arrow Connector 26"/>
+          <p:cNvCxnSpPr/>
+          <p:nvPr/>
+        </p:nvCxnSpPr>
+        <p:spPr>
+          <a:xfrm>
+            <a:off x="2224331" y="3442022"/>
+            <a:ext cx="1608610" cy="11153"/>
+          </a:xfrm>
+          <a:prstGeom prst="straightConnector1">
+            <a:avLst/>
+          </a:prstGeom>
+          <a:ln w="63500">
+            <a:headEnd type="none"/>
+            <a:tailEnd type="triangle"/>
+          </a:ln>
+        </p:spPr>
+        <p:style>
+          <a:lnRef idx="1">
+            <a:schemeClr val="accent1"/>
+          </a:lnRef>
+          <a:fillRef idx="0">
+            <a:schemeClr val="accent1"/>
+          </a:fillRef>
+          <a:effectRef idx="0">
+            <a:schemeClr val="accent1"/>
+          </a:effectRef>
+          <a:fontRef idx="minor">
+            <a:schemeClr val="tx1"/>
+          </a:fontRef>
+        </p:style>
+      </p:cxnSp>
+      <p:sp>
+        <p:nvSpPr>
+          <p:cNvPr id="19" name="Can 18"/>
+          <p:cNvSpPr/>
+          <p:nvPr/>
+        </p:nvSpPr>
+        <p:spPr>
+          <a:xfrm>
+            <a:off x="3870512" y="2383272"/>
+            <a:ext cx="2484820" cy="2258969"/>
+          </a:xfrm>
+          <a:prstGeom prst="can">
+            <a:avLst/>
+          </a:prstGeom>
+        </p:spPr>
+        <p:style>
+          <a:lnRef idx="2">
+            <a:schemeClr val="accent1">
+              <a:shade val="50000"/>
+            </a:schemeClr>
+          </a:lnRef>
+          <a:fillRef idx="1">
+            <a:schemeClr val="accent1"/>
+          </a:fillRef>
+          <a:effectRef idx="0">
+            <a:schemeClr val="accent1"/>
+          </a:effectRef>
+          <a:fontRef idx="minor">
+            <a:schemeClr val="lt1"/>
+          </a:fontRef>
+        </p:style>
+        <p:txBody>
+          <a:bodyPr rtlCol="0" anchor="ctr"/>
+          <a:lstStyle/>
+          <a:p>
+            <a:pPr algn="ctr"/>
+            <a:r>
+              <a:rPr lang="en-US" sz="2400" dirty="0" smtClean="0"/>
+              <a:t>Provider</a:t>
+            </a:r>
+            <a:endParaRPr lang="en-US" sz="2400" dirty="0" smtClean="0"/>
+          </a:p>
+          <a:p>
+            <a:pPr algn="ctr"/>
+            <a:r>
+              <a:rPr lang="en-US" sz="2400" dirty="0" smtClean="0"/>
+              <a:t>Scheduling Application</a:t>
+            </a:r>
+            <a:endParaRPr lang="en-US" sz="2400" dirty="0"/>
+          </a:p>
+        </p:txBody>
+      </p:sp>
+      <p:sp>
+        <p:nvSpPr>
+          <p:cNvPr id="28" name="Can 27"/>
+          <p:cNvSpPr/>
+          <p:nvPr/>
+        </p:nvSpPr>
+        <p:spPr>
+          <a:xfrm>
+            <a:off x="3856400" y="2390274"/>
+            <a:ext cx="2484820" cy="2258969"/>
+          </a:xfrm>
+          <a:prstGeom prst="can">
+            <a:avLst/>
+          </a:prstGeom>
+        </p:spPr>
+        <p:style>
+          <a:lnRef idx="2">
+            <a:schemeClr val="accent1">
+              <a:shade val="50000"/>
+            </a:schemeClr>
+          </a:lnRef>
+          <a:fillRef idx="1">
+            <a:schemeClr val="accent1"/>
+          </a:fillRef>
+          <a:effectRef idx="0">
+            <a:schemeClr val="accent1"/>
+          </a:effectRef>
+          <a:fontRef idx="minor">
+            <a:schemeClr val="lt1"/>
+          </a:fontRef>
+        </p:style>
+        <p:txBody>
+          <a:bodyPr rtlCol="0" anchor="ctr"/>
+          <a:lstStyle/>
+          <a:p>
+            <a:pPr algn="ctr"/>
+            <a:r>
+              <a:rPr lang="en-US" sz="2400" dirty="0" smtClean="0"/>
+              <a:t>Provider</a:t>
+            </a:r>
+            <a:endParaRPr lang="en-US" sz="2400" dirty="0" smtClean="0"/>
+          </a:p>
+          <a:p>
+            <a:pPr algn="ctr"/>
+            <a:r>
+              <a:rPr lang="en-US" sz="2400" dirty="0" smtClean="0"/>
+              <a:t>Scheduling Application</a:t>
+            </a:r>
+            <a:endParaRPr lang="en-US" sz="2400" dirty="0"/>
+          </a:p>
+        </p:txBody>
+      </p:sp>
+    </p:spTree>
+    <p:extLst>
+      <p:ext uri="{BB962C8B-B14F-4D97-AF65-F5344CB8AC3E}">
+        <p14:creationId xmlns:p14="http://schemas.microsoft.com/office/powerpoint/2010/main" val="613710134"/>
+      </p:ext>
+    </p:extLst>
+  </p:cSld>
+  <p:clrMapOvr>
+    <a:masterClrMapping/>
+  </p:clrMapOvr>
+  <p:timing>
+    <p:tnLst>
+      <p:par>
+        <p:cTn id="1" dur="indefinite" restart="never" nodeType="tmRoot"/>
+      </p:par>
+    </p:tnLst>
+  </p:timing>
+</p:sld>
+</file>
+
+<file path=ppt/slides/slide27.xml><?xml version="1.0" encoding="utf-8"?>
+<p:sld xmlns:a="http://schemas.openxmlformats.org/drawingml/2006/main" xmlns:r="http://schemas.openxmlformats.org/officeDocument/2006/relationships" xmlns:p="http://schemas.openxmlformats.org/presentationml/2006/main">
+  <p:cSld>
+    <p:spTree>
+      <p:nvGrpSpPr>
+        <p:cNvPr id="1" name=""/>
+        <p:cNvGrpSpPr/>
+        <p:nvPr/>
+      </p:nvGrpSpPr>
+      <p:grpSpPr>
+        <a:xfrm>
+          <a:off x="0" y="0"/>
+          <a:ext cx="0" cy="0"/>
+          <a:chOff x="0" y="0"/>
+          <a:chExt cx="0" cy="0"/>
+        </a:xfrm>
+      </p:grpSpPr>
+      <p:pic>
+        <p:nvPicPr>
+          <p:cNvPr id="9" name="Picture 8"/>
+          <p:cNvPicPr>
+            <a:picLocks noChangeAspect="1"/>
+          </p:cNvPicPr>
+          <p:nvPr/>
+        </p:nvPicPr>
+        <p:blipFill>
+          <a:blip r:embed="rId3">
+            <a:extLst>
+              <a:ext uri="{28A0092B-C50C-407E-A947-70E740481C1C}">
+                <a14:useLocalDpi xmlns:a14="http://schemas.microsoft.com/office/drawing/2010/main" val="0"/>
+              </a:ext>
+            </a:extLst>
+          </a:blip>
+          <a:stretch>
+            <a:fillRect/>
+          </a:stretch>
+        </p:blipFill>
+        <p:spPr>
+          <a:xfrm>
+            <a:off x="744038" y="2116140"/>
+            <a:ext cx="1780491" cy="2698128"/>
+          </a:xfrm>
+          <a:prstGeom prst="rect">
+            <a:avLst/>
+          </a:prstGeom>
+        </p:spPr>
+      </p:pic>
+      <p:sp>
+        <p:nvSpPr>
+          <p:cNvPr id="11" name="Can 10"/>
+          <p:cNvSpPr/>
+          <p:nvPr/>
+        </p:nvSpPr>
+        <p:spPr>
+          <a:xfrm>
+            <a:off x="4568612" y="2228624"/>
+            <a:ext cx="2484820" cy="2258969"/>
+          </a:xfrm>
+          <a:prstGeom prst="can">
+            <a:avLst/>
+          </a:prstGeom>
+          <a:ln w="38100">
+            <a:solidFill>
+              <a:schemeClr val="accent1">
+                <a:shade val="50000"/>
+              </a:schemeClr>
+            </a:solidFill>
+            <a:prstDash val="lgDash"/>
+          </a:ln>
+        </p:spPr>
+        <p:style>
+          <a:lnRef idx="2">
+            <a:schemeClr val="accent1">
+              <a:shade val="50000"/>
+            </a:schemeClr>
+          </a:lnRef>
+          <a:fillRef idx="1">
+            <a:schemeClr val="accent1"/>
+          </a:fillRef>
+          <a:effectRef idx="0">
+            <a:schemeClr val="accent1"/>
+          </a:effectRef>
+          <a:fontRef idx="minor">
+            <a:schemeClr val="lt1"/>
+          </a:fontRef>
+        </p:style>
+        <p:txBody>
+          <a:bodyPr rtlCol="0" anchor="ctr"/>
+          <a:lstStyle/>
+          <a:p>
+            <a:pPr algn="ctr"/>
+            <a:r>
+              <a:rPr lang="en-US" sz="2400" dirty="0" smtClean="0"/>
+              <a:t>FHIR Client</a:t>
+            </a:r>
+            <a:endParaRPr lang="en-US" sz="2400" dirty="0"/>
+          </a:p>
+          <a:p>
+            <a:pPr algn="ctr"/>
+            <a:r>
+              <a:rPr lang="en-US" sz="2400" dirty="0"/>
+              <a:t>(Scheduling </a:t>
+            </a:r>
+            <a:r>
+              <a:rPr lang="en-US" sz="2400" dirty="0" smtClean="0"/>
+              <a:t>Application Server)</a:t>
+            </a:r>
+            <a:endParaRPr lang="en-US" sz="2400" dirty="0"/>
+          </a:p>
+        </p:txBody>
+      </p:sp>
+      <p:sp>
+        <p:nvSpPr>
+          <p:cNvPr id="8" name="Can 7"/>
+          <p:cNvSpPr/>
+          <p:nvPr/>
+        </p:nvSpPr>
+        <p:spPr>
+          <a:xfrm>
+            <a:off x="8966431" y="2228623"/>
+            <a:ext cx="2380957" cy="2258969"/>
+          </a:xfrm>
+          <a:prstGeom prst="can">
+            <a:avLst/>
+          </a:prstGeom>
+        </p:spPr>
+        <p:style>
+          <a:lnRef idx="2">
+            <a:schemeClr val="accent1">
+              <a:shade val="50000"/>
+            </a:schemeClr>
+          </a:lnRef>
+          <a:fillRef idx="1">
+            <a:schemeClr val="accent1"/>
+          </a:fillRef>
+          <a:effectRef idx="0">
+            <a:schemeClr val="accent1"/>
+          </a:effectRef>
+          <a:fontRef idx="minor">
+            <a:schemeClr val="lt1"/>
+          </a:fontRef>
+        </p:style>
+        <p:txBody>
+          <a:bodyPr rtlCol="0" anchor="ctr"/>
+          <a:lstStyle/>
+          <a:p>
+            <a:pPr algn="ctr"/>
+            <a:r>
+              <a:rPr lang="en-US" sz="2400" dirty="0"/>
+              <a:t>FHIR </a:t>
+            </a:r>
+            <a:r>
+              <a:rPr lang="en-US" sz="2400" dirty="0" smtClean="0"/>
+              <a:t>Server</a:t>
+            </a:r>
+          </a:p>
+          <a:p>
+            <a:pPr algn="ctr"/>
+            <a:r>
+              <a:rPr lang="en-US" sz="2400" dirty="0" smtClean="0"/>
+              <a:t>(EHR Scheduler)</a:t>
+            </a:r>
+            <a:endParaRPr lang="en-US" sz="2400" dirty="0"/>
+          </a:p>
+          <a:p>
+            <a:pPr algn="ctr"/>
+            <a:endParaRPr lang="en-US" sz="2400" dirty="0"/>
+          </a:p>
+        </p:txBody>
+      </p:sp>
+      <p:sp>
+        <p:nvSpPr>
+          <p:cNvPr id="32" name="TextBox 31"/>
+          <p:cNvSpPr txBox="1"/>
+          <p:nvPr/>
+        </p:nvSpPr>
+        <p:spPr>
+          <a:xfrm>
+            <a:off x="2524529" y="5655259"/>
+            <a:ext cx="7274859" cy="923330"/>
+          </a:xfrm>
+          <a:prstGeom prst="rect">
+            <a:avLst/>
+          </a:prstGeom>
+          <a:noFill/>
+          <a:ln w="25400" cap="flat">
+            <a:solidFill>
+              <a:schemeClr val="accent1">
+                <a:shade val="50000"/>
+              </a:schemeClr>
+            </a:solidFill>
+          </a:ln>
+        </p:spPr>
+        <p:txBody>
+          <a:bodyPr wrap="square" rtlCol="0">
+            <a:spAutoFit/>
+          </a:bodyPr>
+          <a:lstStyle/>
+          <a:p>
+            <a:r>
+              <a:rPr lang="en-US" dirty="0" smtClean="0"/>
+              <a:t>NOTE</a:t>
+            </a:r>
+            <a:r>
+              <a:rPr lang="en-US" dirty="0"/>
+              <a:t>: </a:t>
+            </a:r>
+            <a:r>
+              <a:rPr lang="en-US" dirty="0" smtClean="0"/>
+              <a:t>For 3rd </a:t>
+            </a:r>
+            <a:r>
+              <a:rPr lang="en-US" dirty="0"/>
+              <a:t>Party </a:t>
+            </a:r>
+            <a:r>
+              <a:rPr lang="en-US" dirty="0" smtClean="0"/>
+              <a:t>Applications there is a </a:t>
+            </a:r>
+            <a:r>
+              <a:rPr lang="en-US" dirty="0" smtClean="0"/>
+              <a:t>both End User Application and Scheduling Application Server. For EHR </a:t>
+            </a:r>
+            <a:r>
+              <a:rPr lang="en-US" dirty="0" smtClean="0"/>
+              <a:t>Patient </a:t>
+            </a:r>
+            <a:r>
+              <a:rPr lang="en-US" dirty="0" smtClean="0"/>
+              <a:t>Portals there is only an</a:t>
+            </a:r>
+            <a:r>
+              <a:rPr lang="en-US" dirty="0" smtClean="0"/>
+              <a:t> </a:t>
+            </a:r>
+            <a:r>
+              <a:rPr lang="en-US" dirty="0"/>
+              <a:t>End User </a:t>
+            </a:r>
+            <a:r>
+              <a:rPr lang="en-US" dirty="0" smtClean="0"/>
+              <a:t>Application</a:t>
+            </a:r>
+            <a:endParaRPr lang="en-US" dirty="0" smtClean="0"/>
+          </a:p>
+        </p:txBody>
+      </p:sp>
+      <p:sp>
+        <p:nvSpPr>
+          <p:cNvPr id="26" name="TextBox 25"/>
+          <p:cNvSpPr txBox="1"/>
+          <p:nvPr/>
+        </p:nvSpPr>
+        <p:spPr>
+          <a:xfrm>
+            <a:off x="814167" y="3079447"/>
+            <a:ext cx="1493149" cy="923330"/>
+          </a:xfrm>
+          <a:prstGeom prst="rect">
+            <a:avLst/>
+          </a:prstGeom>
+          <a:noFill/>
+        </p:spPr>
+        <p:txBody>
+          <a:bodyPr wrap="square" rtlCol="0">
+            <a:spAutoFit/>
+          </a:bodyPr>
+          <a:lstStyle/>
+          <a:p>
+            <a:pPr algn="ctr"/>
+            <a:r>
+              <a:rPr lang="en-US" dirty="0" smtClean="0"/>
+              <a:t>End User Application (Patient)</a:t>
+            </a:r>
+            <a:endParaRPr lang="en-US" dirty="0"/>
+          </a:p>
+        </p:txBody>
+      </p:sp>
+      <p:cxnSp>
+        <p:nvCxnSpPr>
+          <p:cNvPr id="30" name="Straight Connector 29"/>
+          <p:cNvCxnSpPr/>
+          <p:nvPr/>
+        </p:nvCxnSpPr>
+        <p:spPr>
+          <a:xfrm>
+            <a:off x="8089025" y="1442189"/>
+            <a:ext cx="0" cy="4155142"/>
+          </a:xfrm>
+          <a:prstGeom prst="line">
+            <a:avLst/>
+          </a:prstGeom>
+          <a:ln w="63500">
+            <a:prstDash val="sysDash"/>
+          </a:ln>
+        </p:spPr>
+        <p:style>
+          <a:lnRef idx="1">
+            <a:schemeClr val="accent1"/>
+          </a:lnRef>
+          <a:fillRef idx="0">
+            <a:schemeClr val="accent1"/>
+          </a:fillRef>
+          <a:effectRef idx="0">
+            <a:schemeClr val="accent1"/>
+          </a:effectRef>
+          <a:fontRef idx="minor">
+            <a:schemeClr val="tx1"/>
+          </a:fontRef>
+        </p:style>
+      </p:cxnSp>
+      <p:cxnSp>
+        <p:nvCxnSpPr>
+          <p:cNvPr id="31" name="Straight Connector 30"/>
+          <p:cNvCxnSpPr/>
+          <p:nvPr/>
+        </p:nvCxnSpPr>
+        <p:spPr>
+          <a:xfrm>
+            <a:off x="3522280" y="1442189"/>
+            <a:ext cx="0" cy="4155142"/>
+          </a:xfrm>
+          <a:prstGeom prst="line">
+            <a:avLst/>
+          </a:prstGeom>
+          <a:ln w="63500">
+            <a:prstDash val="sysDash"/>
+          </a:ln>
+        </p:spPr>
+        <p:style>
+          <a:lnRef idx="1">
+            <a:schemeClr val="accent1"/>
+          </a:lnRef>
+          <a:fillRef idx="0">
+            <a:schemeClr val="accent1"/>
+          </a:fillRef>
+          <a:effectRef idx="0">
+            <a:schemeClr val="accent1"/>
+          </a:effectRef>
+          <a:fontRef idx="minor">
+            <a:schemeClr val="tx1"/>
+          </a:fontRef>
+        </p:style>
+      </p:cxnSp>
+    </p:spTree>
+    <p:extLst>
+      <p:ext uri="{BB962C8B-B14F-4D97-AF65-F5344CB8AC3E}">
+        <p14:creationId xmlns:p14="http://schemas.microsoft.com/office/powerpoint/2010/main" val="1276498371"/>
       </p:ext>
     </p:extLst>
   </p:cSld>

--- a/meeting-notes/WorkFlowDiagrams.pptx
+++ b/meeting-notes/WorkFlowDiagrams.pptx
@@ -5,7 +5,7 @@
     <p:sldMasterId id="2147483648" r:id="rId1"/>
   </p:sldMasterIdLst>
   <p:notesMasterIdLst>
-    <p:notesMasterId r:id="rId29"/>
+    <p:notesMasterId r:id="rId30"/>
   </p:notesMasterIdLst>
   <p:sldIdLst>
     <p:sldId id="256" r:id="rId2"/>
@@ -35,6 +35,7 @@
     <p:sldId id="280" r:id="rId26"/>
     <p:sldId id="285" r:id="rId27"/>
     <p:sldId id="287" r:id="rId28"/>
+    <p:sldId id="288" r:id="rId29"/>
   </p:sldIdLst>
   <p:sldSz cx="12192000" cy="6858000"/>
   <p:notesSz cx="6858000" cy="9144000"/>
@@ -14509,6 +14510,484 @@
       </p:par>
     </p:tnLst>
   </p:timing>
+</p:sld>
+</file>
+
+<file path=ppt/slides/slide28.xml><?xml version="1.0" encoding="utf-8"?>
+<p:sld xmlns:a="http://schemas.openxmlformats.org/drawingml/2006/main" xmlns:r="http://schemas.openxmlformats.org/officeDocument/2006/relationships" xmlns:p="http://schemas.openxmlformats.org/presentationml/2006/main">
+  <p:cSld>
+    <p:spTree>
+      <p:nvGrpSpPr>
+        <p:cNvPr id="1" name=""/>
+        <p:cNvGrpSpPr/>
+        <p:nvPr/>
+      </p:nvGrpSpPr>
+      <p:grpSpPr>
+        <a:xfrm>
+          <a:off x="0" y="0"/>
+          <a:ext cx="0" cy="0"/>
+          <a:chOff x="0" y="0"/>
+          <a:chExt cx="0" cy="0"/>
+        </a:xfrm>
+      </p:grpSpPr>
+      <p:sp>
+        <p:nvSpPr>
+          <p:cNvPr id="3" name="Rounded Rectangle 2"/>
+          <p:cNvSpPr/>
+          <p:nvPr/>
+        </p:nvSpPr>
+        <p:spPr>
+          <a:xfrm>
+            <a:off x="2825383" y="1181691"/>
+            <a:ext cx="1965170" cy="1163412"/>
+          </a:xfrm>
+          <a:prstGeom prst="roundRect">
+            <a:avLst/>
+          </a:prstGeom>
+        </p:spPr>
+        <p:style>
+          <a:lnRef idx="2">
+            <a:schemeClr val="accent1">
+              <a:shade val="50000"/>
+            </a:schemeClr>
+          </a:lnRef>
+          <a:fillRef idx="1">
+            <a:schemeClr val="accent1"/>
+          </a:fillRef>
+          <a:effectRef idx="0">
+            <a:schemeClr val="accent1"/>
+          </a:effectRef>
+          <a:fontRef idx="minor">
+            <a:schemeClr val="lt1"/>
+          </a:fontRef>
+        </p:style>
+        <p:txBody>
+          <a:bodyPr rtlCol="0" anchor="ctr"/>
+          <a:lstStyle/>
+          <a:p>
+            <a:pPr algn="ctr"/>
+            <a:r>
+              <a:rPr lang="en-US" dirty="0" smtClean="0"/>
+              <a:t>Patient login/registration</a:t>
+            </a:r>
+            <a:endParaRPr lang="en-US" dirty="0"/>
+          </a:p>
+        </p:txBody>
+      </p:sp>
+      <p:cxnSp>
+        <p:nvCxnSpPr>
+          <p:cNvPr id="7" name="Straight Arrow Connector 6"/>
+          <p:cNvCxnSpPr>
+            <a:stCxn id="3" idx="3"/>
+            <a:endCxn id="10" idx="1"/>
+          </p:cNvCxnSpPr>
+          <p:nvPr/>
+        </p:nvCxnSpPr>
+        <p:spPr>
+          <a:xfrm>
+            <a:off x="4790553" y="1763397"/>
+            <a:ext cx="1473877" cy="0"/>
+          </a:xfrm>
+          <a:prstGeom prst="straightConnector1">
+            <a:avLst/>
+          </a:prstGeom>
+          <a:ln w="38100">
+            <a:solidFill>
+              <a:schemeClr val="tx1"/>
+            </a:solidFill>
+            <a:tailEnd type="triangle"/>
+          </a:ln>
+        </p:spPr>
+        <p:style>
+          <a:lnRef idx="1">
+            <a:schemeClr val="accent1"/>
+          </a:lnRef>
+          <a:fillRef idx="0">
+            <a:schemeClr val="accent1"/>
+          </a:fillRef>
+          <a:effectRef idx="0">
+            <a:schemeClr val="accent1"/>
+          </a:effectRef>
+          <a:fontRef idx="minor">
+            <a:schemeClr val="tx1"/>
+          </a:fontRef>
+        </p:style>
+      </p:cxnSp>
+      <p:sp>
+        <p:nvSpPr>
+          <p:cNvPr id="8" name="Rounded Rectangle 7"/>
+          <p:cNvSpPr/>
+          <p:nvPr/>
+        </p:nvSpPr>
+        <p:spPr>
+          <a:xfrm>
+            <a:off x="2815979" y="3015298"/>
+            <a:ext cx="1965170" cy="1163412"/>
+          </a:xfrm>
+          <a:prstGeom prst="roundRect">
+            <a:avLst/>
+          </a:prstGeom>
+        </p:spPr>
+        <p:style>
+          <a:lnRef idx="2">
+            <a:schemeClr val="accent1">
+              <a:shade val="50000"/>
+            </a:schemeClr>
+          </a:lnRef>
+          <a:fillRef idx="1">
+            <a:schemeClr val="accent1"/>
+          </a:fillRef>
+          <a:effectRef idx="0">
+            <a:schemeClr val="accent1"/>
+          </a:effectRef>
+          <a:fontRef idx="minor">
+            <a:schemeClr val="lt1"/>
+          </a:fontRef>
+        </p:style>
+        <p:txBody>
+          <a:bodyPr rtlCol="0" anchor="ctr"/>
+          <a:lstStyle/>
+          <a:p>
+            <a:pPr algn="ctr"/>
+            <a:r>
+              <a:rPr lang="en-US" dirty="0" smtClean="0"/>
+              <a:t>Book appointment</a:t>
+            </a:r>
+            <a:endParaRPr lang="en-US" dirty="0"/>
+          </a:p>
+        </p:txBody>
+      </p:sp>
+      <p:sp>
+        <p:nvSpPr>
+          <p:cNvPr id="9" name="Rounded Rectangle 8"/>
+          <p:cNvSpPr/>
+          <p:nvPr/>
+        </p:nvSpPr>
+        <p:spPr>
+          <a:xfrm>
+            <a:off x="6264430" y="3015298"/>
+            <a:ext cx="1965170" cy="1163412"/>
+          </a:xfrm>
+          <a:prstGeom prst="roundRect">
+            <a:avLst/>
+          </a:prstGeom>
+        </p:spPr>
+        <p:style>
+          <a:lnRef idx="2">
+            <a:schemeClr val="accent1">
+              <a:shade val="50000"/>
+            </a:schemeClr>
+          </a:lnRef>
+          <a:fillRef idx="1">
+            <a:schemeClr val="accent1"/>
+          </a:fillRef>
+          <a:effectRef idx="0">
+            <a:schemeClr val="accent1"/>
+          </a:effectRef>
+          <a:fontRef idx="minor">
+            <a:schemeClr val="lt1"/>
+          </a:fontRef>
+        </p:style>
+        <p:txBody>
+          <a:bodyPr rtlCol="0" anchor="ctr"/>
+          <a:lstStyle/>
+          <a:p>
+            <a:pPr algn="ctr"/>
+            <a:r>
+              <a:rPr lang="en-US" dirty="0" smtClean="0"/>
+              <a:t>Hold appointment</a:t>
+            </a:r>
+            <a:endParaRPr lang="en-US" dirty="0"/>
+          </a:p>
+        </p:txBody>
+      </p:sp>
+      <p:sp>
+        <p:nvSpPr>
+          <p:cNvPr id="10" name="Rounded Rectangle 9"/>
+          <p:cNvSpPr/>
+          <p:nvPr/>
+        </p:nvSpPr>
+        <p:spPr>
+          <a:xfrm>
+            <a:off x="6264430" y="1181691"/>
+            <a:ext cx="1965170" cy="1163412"/>
+          </a:xfrm>
+          <a:prstGeom prst="roundRect">
+            <a:avLst/>
+          </a:prstGeom>
+        </p:spPr>
+        <p:style>
+          <a:lnRef idx="2">
+            <a:schemeClr val="accent1">
+              <a:shade val="50000"/>
+            </a:schemeClr>
+          </a:lnRef>
+          <a:fillRef idx="1">
+            <a:schemeClr val="accent1"/>
+          </a:fillRef>
+          <a:effectRef idx="0">
+            <a:schemeClr val="accent1"/>
+          </a:effectRef>
+          <a:fontRef idx="minor">
+            <a:schemeClr val="lt1"/>
+          </a:fontRef>
+        </p:style>
+        <p:txBody>
+          <a:bodyPr rtlCol="0" anchor="ctr"/>
+          <a:lstStyle/>
+          <a:p>
+            <a:pPr algn="ctr"/>
+            <a:r>
+              <a:rPr lang="en-US" dirty="0"/>
+              <a:t>Search for open appointments</a:t>
+            </a:r>
+          </a:p>
+        </p:txBody>
+      </p:sp>
+      <p:sp>
+        <p:nvSpPr>
+          <p:cNvPr id="11" name="Rounded Rectangle 10"/>
+          <p:cNvSpPr/>
+          <p:nvPr/>
+        </p:nvSpPr>
+        <p:spPr>
+          <a:xfrm>
+            <a:off x="2815979" y="4897321"/>
+            <a:ext cx="1965170" cy="1163412"/>
+          </a:xfrm>
+          <a:prstGeom prst="roundRect">
+            <a:avLst/>
+          </a:prstGeom>
+        </p:spPr>
+        <p:style>
+          <a:lnRef idx="2">
+            <a:schemeClr val="accent1">
+              <a:shade val="50000"/>
+            </a:schemeClr>
+          </a:lnRef>
+          <a:fillRef idx="1">
+            <a:schemeClr val="accent1"/>
+          </a:fillRef>
+          <a:effectRef idx="0">
+            <a:schemeClr val="accent1"/>
+          </a:effectRef>
+          <a:fontRef idx="minor">
+            <a:schemeClr val="lt1"/>
+          </a:fontRef>
+        </p:style>
+        <p:txBody>
+          <a:bodyPr rtlCol="0" anchor="ctr"/>
+          <a:lstStyle/>
+          <a:p>
+            <a:pPr algn="ctr"/>
+            <a:endParaRPr lang="en-US"/>
+          </a:p>
+        </p:txBody>
+      </p:sp>
+      <p:cxnSp>
+        <p:nvCxnSpPr>
+          <p:cNvPr id="12" name="Straight Arrow Connector 11"/>
+          <p:cNvCxnSpPr>
+            <a:stCxn id="8" idx="3"/>
+            <a:endCxn id="9" idx="1"/>
+          </p:cNvCxnSpPr>
+          <p:nvPr/>
+        </p:nvCxnSpPr>
+        <p:spPr>
+          <a:xfrm>
+            <a:off x="4781149" y="3597004"/>
+            <a:ext cx="1483281" cy="0"/>
+          </a:xfrm>
+          <a:prstGeom prst="straightConnector1">
+            <a:avLst/>
+          </a:prstGeom>
+          <a:ln w="38100">
+            <a:solidFill>
+              <a:schemeClr val="tx1"/>
+            </a:solidFill>
+            <a:headEnd type="triangle"/>
+            <a:tailEnd type="none"/>
+          </a:ln>
+        </p:spPr>
+        <p:style>
+          <a:lnRef idx="1">
+            <a:schemeClr val="accent1"/>
+          </a:lnRef>
+          <a:fillRef idx="0">
+            <a:schemeClr val="accent1"/>
+          </a:fillRef>
+          <a:effectRef idx="0">
+            <a:schemeClr val="accent1"/>
+          </a:effectRef>
+          <a:fontRef idx="minor">
+            <a:schemeClr val="tx1"/>
+          </a:fontRef>
+        </p:style>
+      </p:cxnSp>
+      <p:cxnSp>
+        <p:nvCxnSpPr>
+          <p:cNvPr id="13" name="Straight Arrow Connector 12"/>
+          <p:cNvCxnSpPr>
+            <a:stCxn id="10" idx="2"/>
+            <a:endCxn id="9" idx="0"/>
+          </p:cNvCxnSpPr>
+          <p:nvPr/>
+        </p:nvCxnSpPr>
+        <p:spPr>
+          <a:xfrm>
+            <a:off x="7247015" y="2345103"/>
+            <a:ext cx="0" cy="670195"/>
+          </a:xfrm>
+          <a:prstGeom prst="straightConnector1">
+            <a:avLst/>
+          </a:prstGeom>
+          <a:ln w="38100">
+            <a:solidFill>
+              <a:schemeClr val="tx1"/>
+            </a:solidFill>
+            <a:tailEnd type="triangle"/>
+          </a:ln>
+        </p:spPr>
+        <p:style>
+          <a:lnRef idx="1">
+            <a:schemeClr val="accent1"/>
+          </a:lnRef>
+          <a:fillRef idx="0">
+            <a:schemeClr val="accent1"/>
+          </a:fillRef>
+          <a:effectRef idx="0">
+            <a:schemeClr val="accent1"/>
+          </a:effectRef>
+          <a:fontRef idx="minor">
+            <a:schemeClr val="tx1"/>
+          </a:fontRef>
+        </p:style>
+      </p:cxnSp>
+      <p:cxnSp>
+        <p:nvCxnSpPr>
+          <p:cNvPr id="18" name="Straight Arrow Connector 17"/>
+          <p:cNvCxnSpPr>
+            <a:stCxn id="8" idx="2"/>
+            <a:endCxn id="11" idx="0"/>
+          </p:cNvCxnSpPr>
+          <p:nvPr/>
+        </p:nvCxnSpPr>
+        <p:spPr>
+          <a:xfrm>
+            <a:off x="3798564" y="4178710"/>
+            <a:ext cx="0" cy="718611"/>
+          </a:xfrm>
+          <a:prstGeom prst="straightConnector1">
+            <a:avLst/>
+          </a:prstGeom>
+          <a:ln w="38100">
+            <a:solidFill>
+              <a:schemeClr val="tx1"/>
+            </a:solidFill>
+            <a:tailEnd type="triangle"/>
+          </a:ln>
+        </p:spPr>
+        <p:style>
+          <a:lnRef idx="1">
+            <a:schemeClr val="accent1"/>
+          </a:lnRef>
+          <a:fillRef idx="0">
+            <a:schemeClr val="accent1"/>
+          </a:fillRef>
+          <a:effectRef idx="0">
+            <a:schemeClr val="accent1"/>
+          </a:effectRef>
+          <a:fontRef idx="minor">
+            <a:schemeClr val="tx1"/>
+          </a:fontRef>
+        </p:style>
+      </p:cxnSp>
+      <p:cxnSp>
+        <p:nvCxnSpPr>
+          <p:cNvPr id="25" name="Straight Arrow Connector 24"/>
+          <p:cNvCxnSpPr>
+            <a:endCxn id="3" idx="0"/>
+          </p:cNvCxnSpPr>
+          <p:nvPr/>
+        </p:nvCxnSpPr>
+        <p:spPr>
+          <a:xfrm>
+            <a:off x="3807968" y="550606"/>
+            <a:ext cx="0" cy="631085"/>
+          </a:xfrm>
+          <a:prstGeom prst="straightConnector1">
+            <a:avLst/>
+          </a:prstGeom>
+          <a:ln w="38100">
+            <a:solidFill>
+              <a:schemeClr val="tx1"/>
+            </a:solidFill>
+            <a:tailEnd type="triangle"/>
+          </a:ln>
+        </p:spPr>
+        <p:style>
+          <a:lnRef idx="1">
+            <a:schemeClr val="accent1"/>
+          </a:lnRef>
+          <a:fillRef idx="0">
+            <a:schemeClr val="accent1"/>
+          </a:fillRef>
+          <a:effectRef idx="0">
+            <a:schemeClr val="accent1"/>
+          </a:effectRef>
+          <a:fontRef idx="minor">
+            <a:schemeClr val="tx1"/>
+          </a:fontRef>
+        </p:style>
+      </p:cxnSp>
+      <p:cxnSp>
+        <p:nvCxnSpPr>
+          <p:cNvPr id="26" name="Straight Arrow Connector 25"/>
+          <p:cNvCxnSpPr>
+            <a:stCxn id="11" idx="2"/>
+          </p:cNvCxnSpPr>
+          <p:nvPr/>
+        </p:nvCxnSpPr>
+        <p:spPr>
+          <a:xfrm>
+            <a:off x="3798564" y="6060733"/>
+            <a:ext cx="0" cy="644867"/>
+          </a:xfrm>
+          <a:prstGeom prst="straightConnector1">
+            <a:avLst/>
+          </a:prstGeom>
+          <a:ln w="38100">
+            <a:solidFill>
+              <a:schemeClr val="tx1"/>
+            </a:solidFill>
+            <a:tailEnd type="triangle"/>
+          </a:ln>
+        </p:spPr>
+        <p:style>
+          <a:lnRef idx="1">
+            <a:schemeClr val="accent1"/>
+          </a:lnRef>
+          <a:fillRef idx="0">
+            <a:schemeClr val="accent1"/>
+          </a:fillRef>
+          <a:effectRef idx="0">
+            <a:schemeClr val="accent1"/>
+          </a:effectRef>
+          <a:fontRef idx="minor">
+            <a:schemeClr val="tx1"/>
+          </a:fontRef>
+        </p:style>
+      </p:cxnSp>
+    </p:spTree>
+    <p:extLst>
+      <p:ext uri="{BB962C8B-B14F-4D97-AF65-F5344CB8AC3E}">
+        <p14:creationId xmlns:p14="http://schemas.microsoft.com/office/powerpoint/2010/main" val="287433664"/>
+      </p:ext>
+    </p:extLst>
+  </p:cSld>
+  <p:clrMapOvr>
+    <a:masterClrMapping/>
+  </p:clrMapOvr>
 </p:sld>
 </file>
 
